--- a/Dossier Support ordi/DOSSIER Support Ordi.pptx
+++ b/Dossier Support ordi/DOSSIER Support Ordi.pptx
@@ -211,7 +211,7 @@
           <a:p>
             <a:fld id="{175ECC00-C06A-4323-852F-768318D8586A}" type="datetimeFigureOut">
               <a:rPr lang="fr-FR" smtClean="0"/>
-              <a:t>15/01/2025</a:t>
+              <a:t>19/01/2025</a:t>
             </a:fld>
             <a:endParaRPr lang="fr-FR"/>
           </a:p>
@@ -376,7 +376,7 @@
           <a:p>
             <a:fld id="{AE8DAB01-C85E-4F33-91A5-B6D112914A5D}" type="datetimeFigureOut">
               <a:rPr lang="fr-FR" smtClean="0"/>
-              <a:t>15/01/2025</a:t>
+              <a:t>19/01/2025</a:t>
             </a:fld>
             <a:endParaRPr lang="fr-FR"/>
           </a:p>
@@ -775,7 +775,7 @@
           <a:p>
             <a:fld id="{A69F3118-5675-4AEB-B17B-1E109ACFC119}" type="datetimeFigureOut">
               <a:rPr lang="fr-FR" smtClean="0"/>
-              <a:t>15/01/2025</a:t>
+              <a:t>19/01/2025</a:t>
             </a:fld>
             <a:endParaRPr lang="fr-FR"/>
           </a:p>
@@ -945,7 +945,7 @@
           <a:p>
             <a:fld id="{A69F3118-5675-4AEB-B17B-1E109ACFC119}" type="datetimeFigureOut">
               <a:rPr lang="fr-FR" smtClean="0"/>
-              <a:t>15/01/2025</a:t>
+              <a:t>19/01/2025</a:t>
             </a:fld>
             <a:endParaRPr lang="fr-FR"/>
           </a:p>
@@ -1125,7 +1125,7 @@
           <a:p>
             <a:fld id="{A69F3118-5675-4AEB-B17B-1E109ACFC119}" type="datetimeFigureOut">
               <a:rPr lang="fr-FR" smtClean="0"/>
-              <a:t>15/01/2025</a:t>
+              <a:t>19/01/2025</a:t>
             </a:fld>
             <a:endParaRPr lang="fr-FR"/>
           </a:p>
@@ -1295,7 +1295,7 @@
           <a:p>
             <a:fld id="{A69F3118-5675-4AEB-B17B-1E109ACFC119}" type="datetimeFigureOut">
               <a:rPr lang="fr-FR" smtClean="0"/>
-              <a:t>15/01/2025</a:t>
+              <a:t>19/01/2025</a:t>
             </a:fld>
             <a:endParaRPr lang="fr-FR"/>
           </a:p>
@@ -1539,7 +1539,7 @@
           <a:p>
             <a:fld id="{A69F3118-5675-4AEB-B17B-1E109ACFC119}" type="datetimeFigureOut">
               <a:rPr lang="fr-FR" smtClean="0"/>
-              <a:t>15/01/2025</a:t>
+              <a:t>19/01/2025</a:t>
             </a:fld>
             <a:endParaRPr lang="fr-FR"/>
           </a:p>
@@ -1771,7 +1771,7 @@
           <a:p>
             <a:fld id="{A69F3118-5675-4AEB-B17B-1E109ACFC119}" type="datetimeFigureOut">
               <a:rPr lang="fr-FR" smtClean="0"/>
-              <a:t>15/01/2025</a:t>
+              <a:t>19/01/2025</a:t>
             </a:fld>
             <a:endParaRPr lang="fr-FR"/>
           </a:p>
@@ -2138,7 +2138,7 @@
           <a:p>
             <a:fld id="{A69F3118-5675-4AEB-B17B-1E109ACFC119}" type="datetimeFigureOut">
               <a:rPr lang="fr-FR" smtClean="0"/>
-              <a:t>15/01/2025</a:t>
+              <a:t>19/01/2025</a:t>
             </a:fld>
             <a:endParaRPr lang="fr-FR"/>
           </a:p>
@@ -2256,7 +2256,7 @@
           <a:p>
             <a:fld id="{A69F3118-5675-4AEB-B17B-1E109ACFC119}" type="datetimeFigureOut">
               <a:rPr lang="fr-FR" smtClean="0"/>
-              <a:t>15/01/2025</a:t>
+              <a:t>19/01/2025</a:t>
             </a:fld>
             <a:endParaRPr lang="fr-FR"/>
           </a:p>
@@ -2351,7 +2351,7 @@
           <a:p>
             <a:fld id="{A69F3118-5675-4AEB-B17B-1E109ACFC119}" type="datetimeFigureOut">
               <a:rPr lang="fr-FR" smtClean="0"/>
-              <a:t>15/01/2025</a:t>
+              <a:t>19/01/2025</a:t>
             </a:fld>
             <a:endParaRPr lang="fr-FR"/>
           </a:p>
@@ -2628,7 +2628,7 @@
           <a:p>
             <a:fld id="{A69F3118-5675-4AEB-B17B-1E109ACFC119}" type="datetimeFigureOut">
               <a:rPr lang="fr-FR" smtClean="0"/>
-              <a:t>15/01/2025</a:t>
+              <a:t>19/01/2025</a:t>
             </a:fld>
             <a:endParaRPr lang="fr-FR"/>
           </a:p>
@@ -2885,7 +2885,7 @@
           <a:p>
             <a:fld id="{A69F3118-5675-4AEB-B17B-1E109ACFC119}" type="datetimeFigureOut">
               <a:rPr lang="fr-FR" smtClean="0"/>
-              <a:t>15/01/2025</a:t>
+              <a:t>19/01/2025</a:t>
             </a:fld>
             <a:endParaRPr lang="fr-FR"/>
           </a:p>
@@ -3098,7 +3098,7 @@
           <a:p>
             <a:fld id="{A69F3118-5675-4AEB-B17B-1E109ACFC119}" type="datetimeFigureOut">
               <a:rPr lang="fr-FR" smtClean="0"/>
-              <a:t>15/01/2025</a:t>
+              <a:t>19/01/2025</a:t>
             </a:fld>
             <a:endParaRPr lang="fr-FR"/>
           </a:p>
@@ -4740,7 +4740,7 @@
         </p:nvSpPr>
         <p:spPr>
           <a:xfrm>
-            <a:off x="4361768" y="9643883"/>
+            <a:off x="4361768" y="9626950"/>
             <a:ext cx="8247583" cy="474640"/>
           </a:xfrm>
           <a:prstGeom prst="rect">

--- a/Dossier Support ordi/DOSSIER Support Ordi.pptx
+++ b/Dossier Support ordi/DOSSIER Support Ordi.pptx
@@ -5,10 +5,10 @@
     <p:sldMasterId id="2147483660" r:id="rId1"/>
   </p:sldMasterIdLst>
   <p:notesMasterIdLst>
-    <p:notesMasterId r:id="rId11"/>
+    <p:notesMasterId r:id="rId12"/>
   </p:notesMasterIdLst>
   <p:handoutMasterIdLst>
-    <p:handoutMasterId r:id="rId12"/>
+    <p:handoutMasterId r:id="rId13"/>
   </p:handoutMasterIdLst>
   <p:sldIdLst>
     <p:sldId id="256" r:id="rId2"/>
@@ -20,6 +20,7 @@
     <p:sldId id="333" r:id="rId8"/>
     <p:sldId id="334" r:id="rId9"/>
     <p:sldId id="335" r:id="rId10"/>
+    <p:sldId id="257" r:id="rId11"/>
   </p:sldIdLst>
   <p:sldSz cx="15119350" cy="10799763"/>
   <p:notesSz cx="6797675" cy="9926638"/>
@@ -211,7 +212,7 @@
           <a:p>
             <a:fld id="{175ECC00-C06A-4323-852F-768318D8586A}" type="datetimeFigureOut">
               <a:rPr lang="fr-FR" smtClean="0"/>
-              <a:t>19/01/2025</a:t>
+              <a:t>01/02/2025</a:t>
             </a:fld>
             <a:endParaRPr lang="fr-FR"/>
           </a:p>
@@ -376,7 +377,7 @@
           <a:p>
             <a:fld id="{AE8DAB01-C85E-4F33-91A5-B6D112914A5D}" type="datetimeFigureOut">
               <a:rPr lang="fr-FR" smtClean="0"/>
-              <a:t>19/01/2025</a:t>
+              <a:t>01/02/2025</a:t>
             </a:fld>
             <a:endParaRPr lang="fr-FR"/>
           </a:p>
@@ -775,7 +776,7 @@
           <a:p>
             <a:fld id="{A69F3118-5675-4AEB-B17B-1E109ACFC119}" type="datetimeFigureOut">
               <a:rPr lang="fr-FR" smtClean="0"/>
-              <a:t>19/01/2025</a:t>
+              <a:t>01/02/2025</a:t>
             </a:fld>
             <a:endParaRPr lang="fr-FR"/>
           </a:p>
@@ -945,7 +946,7 @@
           <a:p>
             <a:fld id="{A69F3118-5675-4AEB-B17B-1E109ACFC119}" type="datetimeFigureOut">
               <a:rPr lang="fr-FR" smtClean="0"/>
-              <a:t>19/01/2025</a:t>
+              <a:t>01/02/2025</a:t>
             </a:fld>
             <a:endParaRPr lang="fr-FR"/>
           </a:p>
@@ -1125,7 +1126,7 @@
           <a:p>
             <a:fld id="{A69F3118-5675-4AEB-B17B-1E109ACFC119}" type="datetimeFigureOut">
               <a:rPr lang="fr-FR" smtClean="0"/>
-              <a:t>19/01/2025</a:t>
+              <a:t>01/02/2025</a:t>
             </a:fld>
             <a:endParaRPr lang="fr-FR"/>
           </a:p>
@@ -1295,7 +1296,7 @@
           <a:p>
             <a:fld id="{A69F3118-5675-4AEB-B17B-1E109ACFC119}" type="datetimeFigureOut">
               <a:rPr lang="fr-FR" smtClean="0"/>
-              <a:t>19/01/2025</a:t>
+              <a:t>01/02/2025</a:t>
             </a:fld>
             <a:endParaRPr lang="fr-FR"/>
           </a:p>
@@ -1539,7 +1540,7 @@
           <a:p>
             <a:fld id="{A69F3118-5675-4AEB-B17B-1E109ACFC119}" type="datetimeFigureOut">
               <a:rPr lang="fr-FR" smtClean="0"/>
-              <a:t>19/01/2025</a:t>
+              <a:t>01/02/2025</a:t>
             </a:fld>
             <a:endParaRPr lang="fr-FR"/>
           </a:p>
@@ -1771,7 +1772,7 @@
           <a:p>
             <a:fld id="{A69F3118-5675-4AEB-B17B-1E109ACFC119}" type="datetimeFigureOut">
               <a:rPr lang="fr-FR" smtClean="0"/>
-              <a:t>19/01/2025</a:t>
+              <a:t>01/02/2025</a:t>
             </a:fld>
             <a:endParaRPr lang="fr-FR"/>
           </a:p>
@@ -2138,7 +2139,7 @@
           <a:p>
             <a:fld id="{A69F3118-5675-4AEB-B17B-1E109ACFC119}" type="datetimeFigureOut">
               <a:rPr lang="fr-FR" smtClean="0"/>
-              <a:t>19/01/2025</a:t>
+              <a:t>01/02/2025</a:t>
             </a:fld>
             <a:endParaRPr lang="fr-FR"/>
           </a:p>
@@ -2256,7 +2257,7 @@
           <a:p>
             <a:fld id="{A69F3118-5675-4AEB-B17B-1E109ACFC119}" type="datetimeFigureOut">
               <a:rPr lang="fr-FR" smtClean="0"/>
-              <a:t>19/01/2025</a:t>
+              <a:t>01/02/2025</a:t>
             </a:fld>
             <a:endParaRPr lang="fr-FR"/>
           </a:p>
@@ -2351,7 +2352,7 @@
           <a:p>
             <a:fld id="{A69F3118-5675-4AEB-B17B-1E109ACFC119}" type="datetimeFigureOut">
               <a:rPr lang="fr-FR" smtClean="0"/>
-              <a:t>19/01/2025</a:t>
+              <a:t>01/02/2025</a:t>
             </a:fld>
             <a:endParaRPr lang="fr-FR"/>
           </a:p>
@@ -2628,7 +2629,7 @@
           <a:p>
             <a:fld id="{A69F3118-5675-4AEB-B17B-1E109ACFC119}" type="datetimeFigureOut">
               <a:rPr lang="fr-FR" smtClean="0"/>
-              <a:t>19/01/2025</a:t>
+              <a:t>01/02/2025</a:t>
             </a:fld>
             <a:endParaRPr lang="fr-FR"/>
           </a:p>
@@ -2885,7 +2886,7 @@
           <a:p>
             <a:fld id="{A69F3118-5675-4AEB-B17B-1E109ACFC119}" type="datetimeFigureOut">
               <a:rPr lang="fr-FR" smtClean="0"/>
-              <a:t>19/01/2025</a:t>
+              <a:t>01/02/2025</a:t>
             </a:fld>
             <a:endParaRPr lang="fr-FR"/>
           </a:p>
@@ -3098,7 +3099,7 @@
           <a:p>
             <a:fld id="{A69F3118-5675-4AEB-B17B-1E109ACFC119}" type="datetimeFigureOut">
               <a:rPr lang="fr-FR" smtClean="0"/>
-              <a:t>19/01/2025</a:t>
+              <a:t>01/02/2025</a:t>
             </a:fld>
             <a:endParaRPr lang="fr-FR"/>
           </a:p>
@@ -4086,6 +4087,1605 @@
 </p:sld>
 </file>
 
+<file path=ppt/slides/slide10.xml><?xml version="1.0" encoding="utf-8"?>
+<p:sld xmlns:a="http://schemas.openxmlformats.org/drawingml/2006/main" xmlns:r="http://schemas.openxmlformats.org/officeDocument/2006/relationships" xmlns:p="http://schemas.openxmlformats.org/presentationml/2006/main">
+  <p:cSld>
+    <p:spTree>
+      <p:nvGrpSpPr>
+        <p:cNvPr id="1" name=""/>
+        <p:cNvGrpSpPr/>
+        <p:nvPr/>
+      </p:nvGrpSpPr>
+      <p:grpSpPr>
+        <a:xfrm>
+          <a:off x="0" y="0"/>
+          <a:ext cx="0" cy="0"/>
+          <a:chOff x="0" y="0"/>
+          <a:chExt cx="0" cy="0"/>
+        </a:xfrm>
+      </p:grpSpPr>
+      <p:sp>
+        <p:nvSpPr>
+          <p:cNvPr id="17" name="Rectangle 16"/>
+          <p:cNvSpPr/>
+          <p:nvPr/>
+        </p:nvSpPr>
+        <p:spPr>
+          <a:xfrm>
+            <a:off x="4039557" y="179881"/>
+            <a:ext cx="7040235" cy="10440000"/>
+          </a:xfrm>
+          <a:prstGeom prst="rect">
+            <a:avLst/>
+          </a:prstGeom>
+          <a:ln w="57150"/>
+        </p:spPr>
+        <p:style>
+          <a:lnRef idx="2">
+            <a:schemeClr val="dk1"/>
+          </a:lnRef>
+          <a:fillRef idx="1">
+            <a:schemeClr val="lt1"/>
+          </a:fillRef>
+          <a:effectRef idx="0">
+            <a:schemeClr val="dk1"/>
+          </a:effectRef>
+          <a:fontRef idx="minor">
+            <a:schemeClr val="dk1"/>
+          </a:fontRef>
+        </p:style>
+        <p:txBody>
+          <a:bodyPr rtlCol="0" anchor="t"/>
+          <a:lstStyle/>
+          <a:p>
+            <a:pPr marL="72000"/>
+            <a:endParaRPr lang="fr-FR" b="1" dirty="0">
+              <a:solidFill>
+                <a:schemeClr val="tx1"/>
+              </a:solidFill>
+              <a:latin typeface="Comic Sans MS" panose="030F0702030302020204" pitchFamily="66" charset="0"/>
+              <a:ea typeface="JetBrains Mono" panose="02000009000000000000" pitchFamily="49" charset="0"/>
+              <a:cs typeface="Arial" panose="020B0604020202020204" pitchFamily="34" charset="0"/>
+            </a:endParaRPr>
+          </a:p>
+          <a:p>
+            <a:pPr marL="72000"/>
+            <a:r>
+              <a:rPr lang="fr-FR" b="1" dirty="0">
+                <a:solidFill>
+                  <a:schemeClr val="tx1"/>
+                </a:solidFill>
+                <a:latin typeface="Comic Sans MS" panose="030F0702030302020204" pitchFamily="66" charset="0"/>
+                <a:ea typeface="JetBrains Mono" panose="02000009000000000000" pitchFamily="49" charset="0"/>
+                <a:cs typeface="Arial" panose="020B0604020202020204" pitchFamily="34" charset="0"/>
+              </a:rPr>
+              <a:t>Critères de notation :</a:t>
+            </a:r>
+          </a:p>
+        </p:txBody>
+      </p:sp>
+      <p:sp>
+        <p:nvSpPr>
+          <p:cNvPr id="18" name="Rectangle 17"/>
+          <p:cNvSpPr/>
+          <p:nvPr/>
+        </p:nvSpPr>
+        <p:spPr>
+          <a:xfrm>
+            <a:off x="142517" y="1390649"/>
+            <a:ext cx="3763202" cy="9229231"/>
+          </a:xfrm>
+          <a:prstGeom prst="rect">
+            <a:avLst/>
+          </a:prstGeom>
+          <a:ln w="57150"/>
+        </p:spPr>
+        <p:style>
+          <a:lnRef idx="2">
+            <a:schemeClr val="dk1"/>
+          </a:lnRef>
+          <a:fillRef idx="1">
+            <a:schemeClr val="lt1"/>
+          </a:fillRef>
+          <a:effectRef idx="0">
+            <a:schemeClr val="dk1"/>
+          </a:effectRef>
+          <a:fontRef idx="minor">
+            <a:schemeClr val="dk1"/>
+          </a:fontRef>
+        </p:style>
+        <p:txBody>
+          <a:bodyPr rtlCol="0" anchor="ctr"/>
+          <a:lstStyle/>
+          <a:p>
+            <a:pPr marL="72000"/>
+            <a:r>
+              <a:rPr lang="fr-FR" sz="1600" b="1" dirty="0">
+                <a:solidFill>
+                  <a:schemeClr val="tx1"/>
+                </a:solidFill>
+                <a:ea typeface="JetBrains Mono" panose="02000009000000000000" pitchFamily="49" charset="0"/>
+                <a:cs typeface="Courier New" panose="02070309020205020404" pitchFamily="49" charset="0"/>
+              </a:rPr>
+              <a:t>Noms et prénoms de l’élève :</a:t>
+            </a:r>
+          </a:p>
+          <a:p>
+            <a:pPr marL="72000"/>
+            <a:endParaRPr lang="fr-FR" sz="1600" b="1" dirty="0">
+              <a:solidFill>
+                <a:schemeClr val="tx1"/>
+              </a:solidFill>
+              <a:ea typeface="JetBrains Mono" panose="02000009000000000000" pitchFamily="49" charset="0"/>
+              <a:cs typeface="Courier New" panose="02070309020205020404" pitchFamily="49" charset="0"/>
+            </a:endParaRPr>
+          </a:p>
+          <a:p>
+            <a:pPr marL="72000"/>
+            <a:r>
+              <a:rPr lang="fr-FR" sz="1600" b="1" dirty="0">
+                <a:solidFill>
+                  <a:schemeClr val="tx1"/>
+                </a:solidFill>
+                <a:ea typeface="JetBrains Mono" panose="02000009000000000000" pitchFamily="49" charset="0"/>
+                <a:cs typeface="Courier New" panose="02070309020205020404" pitchFamily="49" charset="0"/>
+              </a:rPr>
+              <a:t>………………………………………………… (TTMA)</a:t>
+            </a:r>
+          </a:p>
+          <a:p>
+            <a:pPr marL="72000"/>
+            <a:endParaRPr lang="fr-FR" sz="1600" b="1" dirty="0">
+              <a:solidFill>
+                <a:schemeClr val="tx1"/>
+              </a:solidFill>
+              <a:ea typeface="JetBrains Mono" panose="02000009000000000000" pitchFamily="49" charset="0"/>
+              <a:cs typeface="Courier New" panose="02070309020205020404" pitchFamily="49" charset="0"/>
+            </a:endParaRPr>
+          </a:p>
+          <a:p>
+            <a:pPr marL="72000"/>
+            <a:r>
+              <a:rPr lang="fr-FR" sz="1600" b="1" dirty="0">
+                <a:solidFill>
+                  <a:schemeClr val="tx1"/>
+                </a:solidFill>
+                <a:ea typeface="JetBrains Mono" panose="02000009000000000000" pitchFamily="49" charset="0"/>
+                <a:cs typeface="Courier New" panose="02070309020205020404" pitchFamily="49" charset="0"/>
+              </a:rPr>
+              <a:t>Instructions :</a:t>
+            </a:r>
+          </a:p>
+          <a:p>
+            <a:pPr marL="72000"/>
+            <a:endParaRPr lang="fr-FR" sz="1600" b="1" dirty="0">
+              <a:solidFill>
+                <a:schemeClr val="tx1"/>
+              </a:solidFill>
+              <a:ea typeface="JetBrains Mono" panose="02000009000000000000" pitchFamily="49" charset="0"/>
+              <a:cs typeface="Courier New" panose="02070309020205020404" pitchFamily="49" charset="0"/>
+            </a:endParaRPr>
+          </a:p>
+          <a:p>
+            <a:pPr marL="72000"/>
+            <a:r>
+              <a:rPr lang="fr-FR" sz="1600" dirty="0">
+                <a:solidFill>
+                  <a:schemeClr val="tx1"/>
+                </a:solidFill>
+                <a:ea typeface="JetBrains Mono" panose="02000009000000000000" pitchFamily="49" charset="0"/>
+                <a:cs typeface="Courier New" panose="02070309020205020404" pitchFamily="49" charset="0"/>
+              </a:rPr>
+              <a:t>Débiter, plaquer et affleurer les portes de l’ouvrage</a:t>
+            </a:r>
+          </a:p>
+          <a:p>
+            <a:pPr marL="72000"/>
+            <a:endParaRPr lang="fr-FR" sz="1600" b="1" dirty="0">
+              <a:solidFill>
+                <a:schemeClr val="tx1"/>
+              </a:solidFill>
+              <a:ea typeface="JetBrains Mono" panose="02000009000000000000" pitchFamily="49" charset="0"/>
+              <a:cs typeface="Courier New" panose="02070309020205020404" pitchFamily="49" charset="0"/>
+            </a:endParaRPr>
+          </a:p>
+          <a:p>
+            <a:pPr marL="72000"/>
+            <a:r>
+              <a:rPr lang="fr-FR" sz="1600" b="1" dirty="0">
+                <a:solidFill>
+                  <a:schemeClr val="tx1"/>
+                </a:solidFill>
+                <a:ea typeface="JetBrains Mono" panose="02000009000000000000" pitchFamily="49" charset="0"/>
+                <a:cs typeface="Courier New" panose="02070309020205020404" pitchFamily="49" charset="0"/>
+              </a:rPr>
+              <a:t>A Vérifier :</a:t>
+            </a:r>
+          </a:p>
+          <a:p>
+            <a:pPr marL="72000"/>
+            <a:endParaRPr lang="fr-FR" sz="1600" b="1" dirty="0">
+              <a:solidFill>
+                <a:schemeClr val="tx1"/>
+              </a:solidFill>
+              <a:ea typeface="JetBrains Mono" panose="02000009000000000000" pitchFamily="49" charset="0"/>
+              <a:cs typeface="Courier New" panose="02070309020205020404" pitchFamily="49" charset="0"/>
+            </a:endParaRPr>
+          </a:p>
+          <a:p>
+            <a:pPr marL="72000"/>
+            <a:r>
+              <a:rPr lang="fr-FR" sz="1600" dirty="0">
+                <a:solidFill>
+                  <a:schemeClr val="tx1"/>
+                </a:solidFill>
+                <a:ea typeface="JetBrains Mono" panose="02000009000000000000" pitchFamily="49" charset="0"/>
+                <a:cs typeface="Courier New" panose="02070309020205020404" pitchFamily="49" charset="0"/>
+              </a:rPr>
+              <a:t>Les portes sont débités et respectent les mesures du caisson</a:t>
+            </a:r>
+          </a:p>
+          <a:p>
+            <a:pPr marL="72000"/>
+            <a:endParaRPr lang="fr-FR" sz="1600" dirty="0">
+              <a:solidFill>
+                <a:schemeClr val="tx1"/>
+              </a:solidFill>
+              <a:ea typeface="JetBrains Mono" panose="02000009000000000000" pitchFamily="49" charset="0"/>
+              <a:cs typeface="Courier New" panose="02070309020205020404" pitchFamily="49" charset="0"/>
+            </a:endParaRPr>
+          </a:p>
+          <a:p>
+            <a:pPr marL="72000"/>
+            <a:r>
+              <a:rPr lang="fr-FR" sz="1600" dirty="0">
+                <a:solidFill>
+                  <a:schemeClr val="tx1"/>
+                </a:solidFill>
+                <a:ea typeface="JetBrains Mono" panose="02000009000000000000" pitchFamily="49" charset="0"/>
+                <a:cs typeface="Courier New" panose="02070309020205020404" pitchFamily="49" charset="0"/>
+              </a:rPr>
+              <a:t>Les portes sont plaqués des deux cotés</a:t>
+            </a:r>
+          </a:p>
+          <a:p>
+            <a:pPr marL="72000"/>
+            <a:endParaRPr lang="fr-FR" sz="1600" dirty="0"/>
+          </a:p>
+          <a:p>
+            <a:pPr marL="72000"/>
+            <a:r>
+              <a:rPr lang="fr-FR" sz="1600" dirty="0"/>
+              <a:t>La placage n’est pas vif sur les arrêtes du meubles, un chanfrein ou un ponçage a été réalisé</a:t>
+            </a:r>
+          </a:p>
+          <a:p>
+            <a:pPr marL="72000"/>
+            <a:endParaRPr lang="fr-FR" sz="1600" dirty="0"/>
+          </a:p>
+          <a:p>
+            <a:pPr marL="72000"/>
+            <a:r>
+              <a:rPr lang="fr-FR" sz="1600" dirty="0"/>
+              <a:t>Le placage doit être parfaitement appliqué, sans laisser apparaître de traces de colle, de perforations ou d'écarts sur les arêtes des portes</a:t>
+            </a:r>
+          </a:p>
+          <a:p>
+            <a:pPr marL="72000"/>
+            <a:endParaRPr lang="fr-FR" sz="1600" dirty="0"/>
+          </a:p>
+          <a:p>
+            <a:pPr marL="72000"/>
+            <a:r>
+              <a:rPr lang="fr-FR" sz="1600" dirty="0"/>
+              <a:t>Les portes sont poncés et prêtent à accueillir la finition</a:t>
+            </a:r>
+          </a:p>
+          <a:p>
+            <a:pPr marL="72000"/>
+            <a:endParaRPr lang="fr-FR" sz="1600" dirty="0">
+              <a:solidFill>
+                <a:schemeClr val="tx1"/>
+              </a:solidFill>
+              <a:ea typeface="JetBrains Mono" panose="02000009000000000000" pitchFamily="49" charset="0"/>
+              <a:cs typeface="Courier New" panose="02070309020205020404" pitchFamily="49" charset="0"/>
+            </a:endParaRPr>
+          </a:p>
+          <a:p>
+            <a:pPr marL="72000"/>
+            <a:endParaRPr lang="fr-FR" sz="1600" dirty="0">
+              <a:solidFill>
+                <a:schemeClr val="tx1"/>
+              </a:solidFill>
+              <a:ea typeface="JetBrains Mono" panose="02000009000000000000" pitchFamily="49" charset="0"/>
+              <a:cs typeface="Courier New" panose="02070309020205020404" pitchFamily="49" charset="0"/>
+            </a:endParaRPr>
+          </a:p>
+          <a:p>
+            <a:pPr marL="72000"/>
+            <a:endParaRPr lang="fr-FR" sz="1600" dirty="0">
+              <a:solidFill>
+                <a:schemeClr val="tx1"/>
+              </a:solidFill>
+              <a:ea typeface="JetBrains Mono" panose="02000009000000000000" pitchFamily="49" charset="0"/>
+              <a:cs typeface="Courier New" panose="02070309020205020404" pitchFamily="49" charset="0"/>
+            </a:endParaRPr>
+          </a:p>
+          <a:p>
+            <a:pPr marL="72000"/>
+            <a:endParaRPr lang="fr-FR" sz="1600" dirty="0">
+              <a:solidFill>
+                <a:schemeClr val="tx1"/>
+              </a:solidFill>
+              <a:ea typeface="JetBrains Mono" panose="02000009000000000000" pitchFamily="49" charset="0"/>
+              <a:cs typeface="Courier New" panose="02070309020205020404" pitchFamily="49" charset="0"/>
+            </a:endParaRPr>
+          </a:p>
+        </p:txBody>
+      </p:sp>
+      <p:sp>
+        <p:nvSpPr>
+          <p:cNvPr id="19" name="Rectangle 18"/>
+          <p:cNvSpPr/>
+          <p:nvPr/>
+        </p:nvSpPr>
+        <p:spPr>
+          <a:xfrm>
+            <a:off x="11213630" y="1390649"/>
+            <a:ext cx="3726044" cy="9229231"/>
+          </a:xfrm>
+          <a:prstGeom prst="rect">
+            <a:avLst/>
+          </a:prstGeom>
+          <a:ln w="57150"/>
+        </p:spPr>
+        <p:style>
+          <a:lnRef idx="2">
+            <a:schemeClr val="dk1"/>
+          </a:lnRef>
+          <a:fillRef idx="1">
+            <a:schemeClr val="lt1"/>
+          </a:fillRef>
+          <a:effectRef idx="0">
+            <a:schemeClr val="dk1"/>
+          </a:effectRef>
+          <a:fontRef idx="minor">
+            <a:schemeClr val="dk1"/>
+          </a:fontRef>
+        </p:style>
+        <p:txBody>
+          <a:bodyPr rtlCol="0" anchor="ctr"/>
+          <a:lstStyle/>
+          <a:p>
+            <a:r>
+              <a:rPr lang="fr-FR" sz="1400" b="1" dirty="0"/>
+              <a:t>Compétences évaluées :</a:t>
+            </a:r>
+          </a:p>
+          <a:p>
+            <a:endParaRPr lang="fr-FR" sz="1400" b="1" dirty="0"/>
+          </a:p>
+          <a:p>
+            <a:r>
+              <a:rPr lang="fr-FR" sz="1400" b="1" dirty="0"/>
+              <a:t>C3.6 Conduire les opérations de montage et de finition</a:t>
+            </a:r>
+          </a:p>
+          <a:p>
+            <a:r>
+              <a:rPr lang="fr-FR" sz="1400" b="1" dirty="0"/>
+              <a:t>	Sous-compétences :</a:t>
+            </a:r>
+          </a:p>
+          <a:p>
+            <a:r>
+              <a:rPr lang="fr-FR" sz="1400" b="1" dirty="0"/>
+              <a:t>	</a:t>
+            </a:r>
+            <a:r>
+              <a:rPr lang="fr-FR" sz="1400" dirty="0"/>
+              <a:t>C3.62 Cadrer, monter et</a:t>
+            </a:r>
+          </a:p>
+          <a:p>
+            <a:r>
+              <a:rPr lang="fr-FR" sz="1400" dirty="0"/>
+              <a:t>	solidariser les sous-</a:t>
+            </a:r>
+          </a:p>
+          <a:p>
+            <a:r>
+              <a:rPr lang="fr-FR" sz="1400" dirty="0"/>
+              <a:t>	ensembles</a:t>
+            </a:r>
+          </a:p>
+          <a:p>
+            <a:r>
+              <a:rPr lang="fr-FR" sz="1400" dirty="0"/>
+              <a:t>	C3.65 Contrôler en cours, en fin</a:t>
+            </a:r>
+          </a:p>
+          <a:p>
+            <a:r>
+              <a:rPr lang="fr-FR" sz="1400" dirty="0"/>
+              <a:t>	de montage et de finition :</a:t>
+            </a:r>
+          </a:p>
+          <a:p>
+            <a:r>
+              <a:rPr lang="fr-FR" sz="1400" dirty="0"/>
+              <a:t>	les caractéristiques</a:t>
+            </a:r>
+          </a:p>
+          <a:p>
+            <a:r>
+              <a:rPr lang="fr-FR" sz="1400" dirty="0"/>
+              <a:t>	fonctionnelles,</a:t>
+            </a:r>
+          </a:p>
+          <a:p>
+            <a:r>
+              <a:rPr lang="fr-FR" sz="1400" dirty="0"/>
+              <a:t>	dimensionnelles,</a:t>
+            </a:r>
+          </a:p>
+          <a:p>
+            <a:r>
+              <a:rPr lang="fr-FR" sz="1400" dirty="0"/>
+              <a:t>	géométriques, esthétiques</a:t>
+            </a:r>
+          </a:p>
+          <a:p>
+            <a:endParaRPr lang="fr-FR" sz="1400" b="1" dirty="0"/>
+          </a:p>
+          <a:p>
+            <a:r>
+              <a:rPr lang="fr-FR" sz="1400" b="1" dirty="0"/>
+              <a:t>C3.5 Conduire les opérations de mise en forme et de placage</a:t>
+            </a:r>
+          </a:p>
+          <a:p>
+            <a:r>
+              <a:rPr lang="fr-FR" sz="1400" b="1" dirty="0"/>
+              <a:t>	</a:t>
+            </a:r>
+            <a:r>
+              <a:rPr lang="fr-FR" sz="1400" dirty="0"/>
+              <a:t>C3.52 Encoller et/ou insérer les</a:t>
+            </a:r>
+          </a:p>
+          <a:p>
+            <a:r>
+              <a:rPr lang="fr-FR" sz="1400" dirty="0"/>
+              <a:t>	pièces et les composants</a:t>
+            </a:r>
+          </a:p>
+          <a:p>
+            <a:r>
+              <a:rPr lang="fr-FR" sz="1400" dirty="0"/>
+              <a:t>	C3.54 Contrôler les</a:t>
+            </a:r>
+          </a:p>
+          <a:p>
+            <a:r>
+              <a:rPr lang="fr-FR" sz="1400" dirty="0"/>
+              <a:t>	caractéristiques</a:t>
+            </a:r>
+          </a:p>
+          <a:p>
+            <a:r>
+              <a:rPr lang="fr-FR" sz="1400" dirty="0"/>
+              <a:t>	mécaniques</a:t>
+            </a:r>
+          </a:p>
+          <a:p>
+            <a:r>
+              <a:rPr lang="fr-FR" sz="1400" dirty="0"/>
+              <a:t>	dimensionnelles,</a:t>
+            </a:r>
+          </a:p>
+          <a:p>
+            <a:r>
+              <a:rPr lang="fr-FR" sz="1400" dirty="0"/>
+              <a:t>	géométriques et esthétique</a:t>
+            </a:r>
+          </a:p>
+          <a:p>
+            <a:endParaRPr lang="fr-FR" sz="1400" b="1" dirty="0"/>
+          </a:p>
+          <a:p>
+            <a:pPr lvl="2"/>
+            <a:endParaRPr lang="fr-FR" sz="1400" dirty="0"/>
+          </a:p>
+        </p:txBody>
+      </p:sp>
+      <p:sp>
+        <p:nvSpPr>
+          <p:cNvPr id="24" name="Rectangle 23"/>
+          <p:cNvSpPr/>
+          <p:nvPr/>
+        </p:nvSpPr>
+        <p:spPr>
+          <a:xfrm>
+            <a:off x="11213629" y="179881"/>
+            <a:ext cx="3726045" cy="1067028"/>
+          </a:xfrm>
+          <a:prstGeom prst="rect">
+            <a:avLst/>
+          </a:prstGeom>
+          <a:ln w="57150"/>
+        </p:spPr>
+        <p:style>
+          <a:lnRef idx="2">
+            <a:schemeClr val="dk1"/>
+          </a:lnRef>
+          <a:fillRef idx="1">
+            <a:schemeClr val="lt1"/>
+          </a:fillRef>
+          <a:effectRef idx="0">
+            <a:schemeClr val="dk1"/>
+          </a:effectRef>
+          <a:fontRef idx="minor">
+            <a:schemeClr val="dk1"/>
+          </a:fontRef>
+        </p:style>
+        <p:txBody>
+          <a:bodyPr rtlCol="0" anchor="ctr"/>
+          <a:lstStyle/>
+          <a:p>
+            <a:pPr algn="ctr"/>
+            <a:r>
+              <a:rPr lang="fr-FR" sz="1600" spc="300" dirty="0">
+                <a:latin typeface="Comic Sans MS" panose="030F0702030302020204" pitchFamily="66" charset="0"/>
+                <a:ea typeface="JetBrains Mono" panose="02000009000000000000" pitchFamily="49" charset="0"/>
+                <a:cs typeface="JetBrains Mono" panose="02000009000000000000" pitchFamily="49" charset="0"/>
+              </a:rPr>
+              <a:t>Technicien</a:t>
+            </a:r>
+          </a:p>
+          <a:p>
+            <a:pPr algn="ctr"/>
+            <a:r>
+              <a:rPr lang="fr-FR" sz="1600" spc="300" dirty="0">
+                <a:latin typeface="Comic Sans MS" panose="030F0702030302020204" pitchFamily="66" charset="0"/>
+                <a:ea typeface="JetBrains Mono" panose="02000009000000000000" pitchFamily="49" charset="0"/>
+                <a:cs typeface="JetBrains Mono" panose="02000009000000000000" pitchFamily="49" charset="0"/>
+              </a:rPr>
+              <a:t>Menuisier Agenceur</a:t>
+            </a:r>
+          </a:p>
+        </p:txBody>
+      </p:sp>
+      <p:sp>
+        <p:nvSpPr>
+          <p:cNvPr id="25" name="Rectangle 24"/>
+          <p:cNvSpPr/>
+          <p:nvPr/>
+        </p:nvSpPr>
+        <p:spPr>
+          <a:xfrm>
+            <a:off x="142517" y="179881"/>
+            <a:ext cx="3763201" cy="1067028"/>
+          </a:xfrm>
+          <a:prstGeom prst="rect">
+            <a:avLst/>
+          </a:prstGeom>
+          <a:ln w="57150"/>
+        </p:spPr>
+        <p:style>
+          <a:lnRef idx="2">
+            <a:schemeClr val="dk1"/>
+          </a:lnRef>
+          <a:fillRef idx="1">
+            <a:schemeClr val="lt1"/>
+          </a:fillRef>
+          <a:effectRef idx="0">
+            <a:schemeClr val="dk1"/>
+          </a:effectRef>
+          <a:fontRef idx="minor">
+            <a:schemeClr val="dk1"/>
+          </a:fontRef>
+        </p:style>
+        <p:txBody>
+          <a:bodyPr rtlCol="0" anchor="ctr"/>
+          <a:lstStyle/>
+          <a:p>
+            <a:pPr algn="ctr"/>
+            <a:r>
+              <a:rPr lang="fr-FR" b="1" dirty="0">
+                <a:latin typeface="Comic Sans MS" panose="030F0702030302020204" pitchFamily="66" charset="0"/>
+                <a:ea typeface="JetBrains Mono" panose="02000009000000000000" pitchFamily="49" charset="0"/>
+                <a:cs typeface="JetBrains Mono" panose="02000009000000000000" pitchFamily="49" charset="0"/>
+              </a:rPr>
+              <a:t>Sujet : fabrication et installation des portes</a:t>
+            </a:r>
+          </a:p>
+        </p:txBody>
+      </p:sp>
+      <p:graphicFrame>
+        <p:nvGraphicFramePr>
+          <p:cNvPr id="2" name="Table 1">
+            <a:extLst>
+              <a:ext uri="{FF2B5EF4-FFF2-40B4-BE49-F238E27FC236}">
+                <a16:creationId xmlns:a16="http://schemas.microsoft.com/office/drawing/2014/main" id="{AFCB8B3A-B6F8-4548-A2DA-06057CDA9A4C}"/>
+              </a:ext>
+            </a:extLst>
+          </p:cNvPr>
+          <p:cNvGraphicFramePr>
+            <a:graphicFrameLocks noGrp="1"/>
+          </p:cNvGraphicFramePr>
+          <p:nvPr>
+            <p:extLst/>
+          </p:nvPr>
+        </p:nvGraphicFramePr>
+        <p:xfrm>
+          <a:off x="4039556" y="944558"/>
+          <a:ext cx="7040233" cy="9675322"/>
+        </p:xfrm>
+        <a:graphic>
+          <a:graphicData uri="http://schemas.openxmlformats.org/drawingml/2006/table">
+            <a:tbl>
+              <a:tblPr firstRow="1" bandRow="1">
+                <a:tableStyleId>{5940675A-B579-460E-94D1-54222C63F5DA}</a:tableStyleId>
+              </a:tblPr>
+              <a:tblGrid>
+                <a:gridCol w="2253173">
+                  <a:extLst>
+                    <a:ext uri="{9D8B030D-6E8A-4147-A177-3AD203B41FA5}">
+                      <a16:colId xmlns:a16="http://schemas.microsoft.com/office/drawing/2014/main" val="2787692130"/>
+                    </a:ext>
+                  </a:extLst>
+                </a:gridCol>
+                <a:gridCol w="957412">
+                  <a:extLst>
+                    <a:ext uri="{9D8B030D-6E8A-4147-A177-3AD203B41FA5}">
+                      <a16:colId xmlns:a16="http://schemas.microsoft.com/office/drawing/2014/main" val="607649727"/>
+                    </a:ext>
+                  </a:extLst>
+                </a:gridCol>
+                <a:gridCol w="957412">
+                  <a:extLst>
+                    <a:ext uri="{9D8B030D-6E8A-4147-A177-3AD203B41FA5}">
+                      <a16:colId xmlns:a16="http://schemas.microsoft.com/office/drawing/2014/main" val="2879588787"/>
+                    </a:ext>
+                  </a:extLst>
+                </a:gridCol>
+                <a:gridCol w="957412">
+                  <a:extLst>
+                    <a:ext uri="{9D8B030D-6E8A-4147-A177-3AD203B41FA5}">
+                      <a16:colId xmlns:a16="http://schemas.microsoft.com/office/drawing/2014/main" val="963493659"/>
+                    </a:ext>
+                  </a:extLst>
+                </a:gridCol>
+                <a:gridCol w="957412">
+                  <a:extLst>
+                    <a:ext uri="{9D8B030D-6E8A-4147-A177-3AD203B41FA5}">
+                      <a16:colId xmlns:a16="http://schemas.microsoft.com/office/drawing/2014/main" val="283199609"/>
+                    </a:ext>
+                  </a:extLst>
+                </a:gridCol>
+                <a:gridCol w="957412">
+                  <a:extLst>
+                    <a:ext uri="{9D8B030D-6E8A-4147-A177-3AD203B41FA5}">
+                      <a16:colId xmlns:a16="http://schemas.microsoft.com/office/drawing/2014/main" val="3524401581"/>
+                    </a:ext>
+                  </a:extLst>
+                </a:gridCol>
+              </a:tblGrid>
+              <a:tr h="1371600">
+                <a:tc>
+                  <a:txBody>
+                    <a:bodyPr/>
+                    <a:lstStyle/>
+                    <a:p>
+                      <a:pPr algn="ctr"/>
+                      <a:r>
+                        <a:rPr lang="fr-FR" sz="1400" dirty="0">
+                          <a:solidFill>
+                            <a:schemeClr val="bg1"/>
+                          </a:solidFill>
+                        </a:rPr>
+                        <a:t>Critère évalué</a:t>
+                      </a:r>
+                    </a:p>
+                  </a:txBody>
+                  <a:tcPr anchor="ctr">
+                    <a:solidFill>
+                      <a:schemeClr val="tx1"/>
+                    </a:solidFill>
+                  </a:tcPr>
+                </a:tc>
+                <a:tc>
+                  <a:txBody>
+                    <a:bodyPr/>
+                    <a:lstStyle/>
+                    <a:p>
+                      <a:pPr algn="ctr"/>
+                      <a:r>
+                        <a:rPr lang="fr-FR" sz="900" dirty="0"/>
+                        <a:t>Absence</a:t>
+                      </a:r>
+                    </a:p>
+                  </a:txBody>
+                  <a:tcPr anchor="ctr">
+                    <a:solidFill>
+                      <a:schemeClr val="bg2">
+                        <a:lumMod val="75000"/>
+                      </a:schemeClr>
+                    </a:solidFill>
+                  </a:tcPr>
+                </a:tc>
+                <a:tc>
+                  <a:txBody>
+                    <a:bodyPr/>
+                    <a:lstStyle/>
+                    <a:p>
+                      <a:pPr algn="ctr"/>
+                      <a:r>
+                        <a:rPr lang="fr-FR" sz="900" dirty="0"/>
+                        <a:t>Non maitrisé</a:t>
+                      </a:r>
+                    </a:p>
+                  </a:txBody>
+                  <a:tcPr anchor="ctr">
+                    <a:solidFill>
+                      <a:srgbClr val="FF0000"/>
+                    </a:solidFill>
+                  </a:tcPr>
+                </a:tc>
+                <a:tc>
+                  <a:txBody>
+                    <a:bodyPr/>
+                    <a:lstStyle/>
+                    <a:p>
+                      <a:pPr algn="ctr"/>
+                      <a:r>
+                        <a:rPr lang="fr-FR" sz="900" dirty="0"/>
+                        <a:t>Moyennement acquis</a:t>
+                      </a:r>
+                    </a:p>
+                  </a:txBody>
+                  <a:tcPr anchor="ctr">
+                    <a:solidFill>
+                      <a:schemeClr val="accent4"/>
+                    </a:solidFill>
+                  </a:tcPr>
+                </a:tc>
+                <a:tc>
+                  <a:txBody>
+                    <a:bodyPr/>
+                    <a:lstStyle/>
+                    <a:p>
+                      <a:pPr algn="ctr"/>
+                      <a:r>
+                        <a:rPr lang="fr-FR" sz="900" dirty="0"/>
+                        <a:t>satisfaisant</a:t>
+                      </a:r>
+                    </a:p>
+                  </a:txBody>
+                  <a:tcPr anchor="ctr">
+                    <a:solidFill>
+                      <a:srgbClr val="FFFF00"/>
+                    </a:solidFill>
+                  </a:tcPr>
+                </a:tc>
+                <a:tc>
+                  <a:txBody>
+                    <a:bodyPr/>
+                    <a:lstStyle/>
+                    <a:p>
+                      <a:pPr algn="ctr"/>
+                      <a:r>
+                        <a:rPr lang="fr-FR" sz="900" dirty="0"/>
+                        <a:t>Très satisfaisant</a:t>
+                      </a:r>
+                    </a:p>
+                  </a:txBody>
+                  <a:tcPr anchor="ctr">
+                    <a:solidFill>
+                      <a:schemeClr val="accent6"/>
+                    </a:solidFill>
+                  </a:tcPr>
+                </a:tc>
+                <a:extLst>
+                  <a:ext uri="{0D108BD9-81ED-4DB2-BD59-A6C34878D82A}">
+                    <a16:rowId xmlns:a16="http://schemas.microsoft.com/office/drawing/2014/main" val="3340223667"/>
+                  </a:ext>
+                </a:extLst>
+              </a:tr>
+              <a:tr h="1186246">
+                <a:tc>
+                  <a:txBody>
+                    <a:bodyPr/>
+                    <a:lstStyle/>
+                    <a:p>
+                      <a:pPr marL="0" marR="0" lvl="0" indent="0" algn="l" defTabSz="1439997" rtl="0" eaLnBrk="1" fontAlgn="auto" latinLnBrk="0" hangingPunct="1">
+                        <a:lnSpc>
+                          <a:spcPct val="100000"/>
+                        </a:lnSpc>
+                        <a:spcBef>
+                          <a:spcPts val="0"/>
+                        </a:spcBef>
+                        <a:spcAft>
+                          <a:spcPts val="0"/>
+                        </a:spcAft>
+                        <a:buClrTx/>
+                        <a:buSzTx/>
+                        <a:buFontTx/>
+                        <a:buNone/>
+                        <a:tabLst/>
+                        <a:defRPr/>
+                      </a:pPr>
+                      <a:r>
+                        <a:rPr lang="fr-FR" sz="1400" dirty="0"/>
+                        <a:t>Les portes sont plaquées des deux cotés (4 pts)</a:t>
+                      </a:r>
+                    </a:p>
+                  </a:txBody>
+                  <a:tcPr anchor="ctr"/>
+                </a:tc>
+                <a:tc>
+                  <a:txBody>
+                    <a:bodyPr/>
+                    <a:lstStyle/>
+                    <a:p>
+                      <a:endParaRPr lang="fr-FR" sz="1400" dirty="0"/>
+                    </a:p>
+                  </a:txBody>
+                  <a:tcPr anchor="ctr">
+                    <a:blipFill>
+                      <a:blip r:embed="rId2"/>
+                      <a:tile tx="0" ty="0" sx="100000" sy="100000" flip="none" algn="tl"/>
+                    </a:blipFill>
+                  </a:tcPr>
+                </a:tc>
+                <a:tc>
+                  <a:txBody>
+                    <a:bodyPr/>
+                    <a:lstStyle/>
+                    <a:p>
+                      <a:pPr algn="ctr"/>
+                      <a:r>
+                        <a:rPr lang="fr-FR" sz="900" dirty="0"/>
+                        <a:t>Non effectué</a:t>
+                      </a:r>
+                    </a:p>
+                  </a:txBody>
+                  <a:tcPr anchor="ctr">
+                    <a:noFill/>
+                  </a:tcPr>
+                </a:tc>
+                <a:tc>
+                  <a:txBody>
+                    <a:bodyPr/>
+                    <a:lstStyle/>
+                    <a:p>
+                      <a:pPr algn="ctr"/>
+                      <a:endParaRPr lang="fr-FR" sz="900" dirty="0"/>
+                    </a:p>
+                  </a:txBody>
+                  <a:tcPr anchor="ctr">
+                    <a:solidFill>
+                      <a:schemeClr val="bg1">
+                        <a:lumMod val="65000"/>
+                      </a:schemeClr>
+                    </a:solidFill>
+                  </a:tcPr>
+                </a:tc>
+                <a:tc>
+                  <a:txBody>
+                    <a:bodyPr/>
+                    <a:lstStyle/>
+                    <a:p>
+                      <a:pPr algn="ctr"/>
+                      <a:endParaRPr lang="fr-FR" sz="900" dirty="0"/>
+                    </a:p>
+                  </a:txBody>
+                  <a:tcPr anchor="ctr">
+                    <a:solidFill>
+                      <a:schemeClr val="bg1">
+                        <a:lumMod val="65000"/>
+                      </a:schemeClr>
+                    </a:solidFill>
+                  </a:tcPr>
+                </a:tc>
+                <a:tc>
+                  <a:txBody>
+                    <a:bodyPr/>
+                    <a:lstStyle/>
+                    <a:p>
+                      <a:pPr algn="ctr"/>
+                      <a:r>
+                        <a:rPr lang="fr-FR" sz="900" dirty="0"/>
+                        <a:t>effectué</a:t>
+                      </a:r>
+                    </a:p>
+                  </a:txBody>
+                  <a:tcPr anchor="ctr"/>
+                </a:tc>
+                <a:extLst>
+                  <a:ext uri="{0D108BD9-81ED-4DB2-BD59-A6C34878D82A}">
+                    <a16:rowId xmlns:a16="http://schemas.microsoft.com/office/drawing/2014/main" val="3605164153"/>
+                  </a:ext>
+                </a:extLst>
+              </a:tr>
+              <a:tr h="1186246">
+                <a:tc>
+                  <a:txBody>
+                    <a:bodyPr/>
+                    <a:lstStyle/>
+                    <a:p>
+                      <a:r>
+                        <a:rPr lang="fr-FR" sz="1400" dirty="0"/>
+                        <a:t>Les portes sont débités aux cotes (4 pts)</a:t>
+                      </a:r>
+                    </a:p>
+                  </a:txBody>
+                  <a:tcPr anchor="ctr"/>
+                </a:tc>
+                <a:tc>
+                  <a:txBody>
+                    <a:bodyPr/>
+                    <a:lstStyle/>
+                    <a:p>
+                      <a:endParaRPr lang="fr-FR" sz="1400" dirty="0"/>
+                    </a:p>
+                  </a:txBody>
+                  <a:tcPr anchor="ctr">
+                    <a:blipFill>
+                      <a:blip r:embed="rId2"/>
+                      <a:tile tx="0" ty="0" sx="100000" sy="100000" flip="none" algn="tl"/>
+                    </a:blipFill>
+                  </a:tcPr>
+                </a:tc>
+                <a:tc>
+                  <a:txBody>
+                    <a:bodyPr/>
+                    <a:lstStyle/>
+                    <a:p>
+                      <a:pPr algn="ctr"/>
+                      <a:r>
+                        <a:rPr lang="fr-FR" sz="900" dirty="0"/>
+                        <a:t>Décalage de plus de 2 mm</a:t>
+                      </a:r>
+                    </a:p>
+                  </a:txBody>
+                  <a:tcPr anchor="ctr"/>
+                </a:tc>
+                <a:tc>
+                  <a:txBody>
+                    <a:bodyPr/>
+                    <a:lstStyle/>
+                    <a:p>
+                      <a:pPr algn="ctr"/>
+                      <a:r>
+                        <a:rPr lang="fr-FR" sz="900" dirty="0"/>
+                        <a:t>Décalage de </a:t>
+                      </a:r>
+                    </a:p>
+                    <a:p>
+                      <a:pPr algn="ctr"/>
+                      <a:r>
+                        <a:rPr lang="fr-FR" sz="900" dirty="0"/>
+                        <a:t>2 mm</a:t>
+                      </a:r>
+                    </a:p>
+                  </a:txBody>
+                  <a:tcPr anchor="ctr"/>
+                </a:tc>
+                <a:tc>
+                  <a:txBody>
+                    <a:bodyPr/>
+                    <a:lstStyle/>
+                    <a:p>
+                      <a:pPr algn="ctr"/>
+                      <a:r>
+                        <a:rPr lang="fr-FR" sz="900" dirty="0"/>
+                        <a:t>Décalage de </a:t>
+                      </a:r>
+                    </a:p>
+                    <a:p>
+                      <a:pPr algn="ctr"/>
+                      <a:r>
+                        <a:rPr lang="fr-FR" sz="900" dirty="0"/>
+                        <a:t>1 mm</a:t>
+                      </a:r>
+                    </a:p>
+                  </a:txBody>
+                  <a:tcPr anchor="ctr"/>
+                </a:tc>
+                <a:tc>
+                  <a:txBody>
+                    <a:bodyPr/>
+                    <a:lstStyle/>
+                    <a:p>
+                      <a:pPr algn="ctr"/>
+                      <a:r>
+                        <a:rPr lang="fr-FR" sz="900" dirty="0"/>
+                        <a:t>Aucun décalage</a:t>
+                      </a:r>
+                    </a:p>
+                  </a:txBody>
+                  <a:tcPr anchor="ctr"/>
+                </a:tc>
+                <a:extLst>
+                  <a:ext uri="{0D108BD9-81ED-4DB2-BD59-A6C34878D82A}">
+                    <a16:rowId xmlns:a16="http://schemas.microsoft.com/office/drawing/2014/main" val="2998772913"/>
+                  </a:ext>
+                </a:extLst>
+              </a:tr>
+              <a:tr h="1186246">
+                <a:tc>
+                  <a:txBody>
+                    <a:bodyPr/>
+                    <a:lstStyle/>
+                    <a:p>
+                      <a:endParaRPr lang="fr-FR" sz="1400" dirty="0">
+                        <a:highlight>
+                          <a:srgbClr val="FFFF00"/>
+                        </a:highlight>
+                      </a:endParaRPr>
+                    </a:p>
+                  </a:txBody>
+                  <a:tcPr anchor="ctr">
+                    <a:solidFill>
+                      <a:srgbClr val="A6A6A6"/>
+                    </a:solidFill>
+                  </a:tcPr>
+                </a:tc>
+                <a:tc>
+                  <a:txBody>
+                    <a:bodyPr/>
+                    <a:lstStyle/>
+                    <a:p>
+                      <a:endParaRPr lang="fr-FR" sz="1400" dirty="0"/>
+                    </a:p>
+                  </a:txBody>
+                  <a:tcPr anchor="ctr">
+                    <a:solidFill>
+                      <a:srgbClr val="A6A6A6"/>
+                    </a:solidFill>
+                  </a:tcPr>
+                </a:tc>
+                <a:tc>
+                  <a:txBody>
+                    <a:bodyPr/>
+                    <a:lstStyle/>
+                    <a:p>
+                      <a:pPr algn="ctr"/>
+                      <a:endParaRPr lang="fr-FR" sz="900" dirty="0"/>
+                    </a:p>
+                  </a:txBody>
+                  <a:tcPr anchor="ctr">
+                    <a:solidFill>
+                      <a:srgbClr val="A6A6A6"/>
+                    </a:solidFill>
+                  </a:tcPr>
+                </a:tc>
+                <a:tc>
+                  <a:txBody>
+                    <a:bodyPr/>
+                    <a:lstStyle/>
+                    <a:p>
+                      <a:pPr algn="ctr"/>
+                      <a:endParaRPr lang="fr-FR" sz="900" dirty="0"/>
+                    </a:p>
+                  </a:txBody>
+                  <a:tcPr anchor="ctr">
+                    <a:solidFill>
+                      <a:srgbClr val="A6A6A6"/>
+                    </a:solidFill>
+                  </a:tcPr>
+                </a:tc>
+                <a:tc>
+                  <a:txBody>
+                    <a:bodyPr/>
+                    <a:lstStyle/>
+                    <a:p>
+                      <a:pPr algn="ctr"/>
+                      <a:endParaRPr lang="fr-FR" sz="900" dirty="0"/>
+                    </a:p>
+                  </a:txBody>
+                  <a:tcPr anchor="ctr">
+                    <a:solidFill>
+                      <a:srgbClr val="A6A6A6"/>
+                    </a:solidFill>
+                  </a:tcPr>
+                </a:tc>
+                <a:tc>
+                  <a:txBody>
+                    <a:bodyPr/>
+                    <a:lstStyle/>
+                    <a:p>
+                      <a:pPr algn="ctr"/>
+                      <a:endParaRPr lang="fr-FR" sz="900" dirty="0"/>
+                    </a:p>
+                  </a:txBody>
+                  <a:tcPr anchor="ctr">
+                    <a:solidFill>
+                      <a:srgbClr val="A6A6A6"/>
+                    </a:solidFill>
+                  </a:tcPr>
+                </a:tc>
+                <a:extLst>
+                  <a:ext uri="{0D108BD9-81ED-4DB2-BD59-A6C34878D82A}">
+                    <a16:rowId xmlns:a16="http://schemas.microsoft.com/office/drawing/2014/main" val="263690387"/>
+                  </a:ext>
+                </a:extLst>
+              </a:tr>
+              <a:tr h="1186246">
+                <a:tc>
+                  <a:txBody>
+                    <a:bodyPr/>
+                    <a:lstStyle/>
+                    <a:p>
+                      <a:pPr marL="0" marR="0" lvl="0" indent="0" algn="l" defTabSz="1439997" rtl="0" eaLnBrk="1" fontAlgn="auto" latinLnBrk="0" hangingPunct="1">
+                        <a:lnSpc>
+                          <a:spcPct val="100000"/>
+                        </a:lnSpc>
+                        <a:spcBef>
+                          <a:spcPts val="0"/>
+                        </a:spcBef>
+                        <a:spcAft>
+                          <a:spcPts val="0"/>
+                        </a:spcAft>
+                        <a:buClrTx/>
+                        <a:buSzTx/>
+                        <a:buFontTx/>
+                        <a:buNone/>
+                        <a:tabLst/>
+                        <a:defRPr/>
+                      </a:pPr>
+                      <a:r>
+                        <a:rPr lang="fr-FR" sz="1400" dirty="0"/>
+                        <a:t>Le placage est parfaitement appliqué. </a:t>
+                      </a:r>
+                    </a:p>
+                    <a:p>
+                      <a:r>
+                        <a:rPr lang="fr-FR" sz="1400" dirty="0"/>
+                        <a:t>(4 pts)</a:t>
+                      </a:r>
+                    </a:p>
+                  </a:txBody>
+                  <a:tcPr anchor="ctr"/>
+                </a:tc>
+                <a:tc>
+                  <a:txBody>
+                    <a:bodyPr/>
+                    <a:lstStyle/>
+                    <a:p>
+                      <a:endParaRPr lang="fr-FR" sz="1400" dirty="0"/>
+                    </a:p>
+                  </a:txBody>
+                  <a:tcPr anchor="ctr">
+                    <a:blipFill>
+                      <a:blip r:embed="rId2"/>
+                      <a:tile tx="0" ty="0" sx="100000" sy="100000" flip="none" algn="tl"/>
+                    </a:blipFill>
+                  </a:tcPr>
+                </a:tc>
+                <a:tc>
+                  <a:txBody>
+                    <a:bodyPr/>
+                    <a:lstStyle/>
+                    <a:p>
+                      <a:pPr algn="ctr"/>
+                      <a:r>
+                        <a:rPr lang="fr-FR" sz="900" dirty="0"/>
+                        <a:t>Il y a plus d’une trace de colle, plus d’une arrête n’est pas fermée</a:t>
+                      </a:r>
+                    </a:p>
+                  </a:txBody>
+                  <a:tcPr anchor="ctr"/>
+                </a:tc>
+                <a:tc>
+                  <a:txBody>
+                    <a:bodyPr/>
+                    <a:lstStyle/>
+                    <a:p>
+                      <a:pPr algn="ctr"/>
+                      <a:endParaRPr lang="fr-FR" sz="900" dirty="0"/>
+                    </a:p>
+                  </a:txBody>
+                  <a:tcPr anchor="ctr">
+                    <a:solidFill>
+                      <a:srgbClr val="A6A6A6"/>
+                    </a:solidFill>
+                  </a:tcPr>
+                </a:tc>
+                <a:tc>
+                  <a:txBody>
+                    <a:bodyPr/>
+                    <a:lstStyle/>
+                    <a:p>
+                      <a:pPr algn="ctr"/>
+                      <a:r>
+                        <a:rPr lang="fr-FR" sz="900" dirty="0"/>
+                        <a:t>Il y a une traces de colles ou une arrête n’est pas fermée </a:t>
+                      </a:r>
+                    </a:p>
+                  </a:txBody>
+                  <a:tcPr anchor="ctr"/>
+                </a:tc>
+                <a:tc>
+                  <a:txBody>
+                    <a:bodyPr/>
+                    <a:lstStyle/>
+                    <a:p>
+                      <a:pPr algn="ctr"/>
+                      <a:r>
+                        <a:rPr lang="fr-FR" sz="900" dirty="0"/>
+                        <a:t>Toute les arrêtes sont parfaitement fermées, la surface est propre</a:t>
+                      </a:r>
+                    </a:p>
+                  </a:txBody>
+                  <a:tcPr anchor="ctr"/>
+                </a:tc>
+                <a:extLst>
+                  <a:ext uri="{0D108BD9-81ED-4DB2-BD59-A6C34878D82A}">
+                    <a16:rowId xmlns:a16="http://schemas.microsoft.com/office/drawing/2014/main" val="1047825679"/>
+                  </a:ext>
+                </a:extLst>
+              </a:tr>
+              <a:tr h="1186246">
+                <a:tc>
+                  <a:txBody>
+                    <a:bodyPr/>
+                    <a:lstStyle/>
+                    <a:p>
+                      <a:pPr marL="0" marR="0" lvl="0" indent="0" algn="l" defTabSz="1439997" rtl="0" eaLnBrk="1" fontAlgn="auto" latinLnBrk="0" hangingPunct="1">
+                        <a:lnSpc>
+                          <a:spcPct val="100000"/>
+                        </a:lnSpc>
+                        <a:spcBef>
+                          <a:spcPts val="0"/>
+                        </a:spcBef>
+                        <a:spcAft>
+                          <a:spcPts val="0"/>
+                        </a:spcAft>
+                        <a:buClrTx/>
+                        <a:buSzTx/>
+                        <a:buFontTx/>
+                        <a:buNone/>
+                        <a:tabLst/>
+                        <a:defRPr/>
+                      </a:pPr>
+                      <a:r>
+                        <a:rPr lang="fr-FR" sz="1400" dirty="0"/>
+                        <a:t>La placage n’est pas vif sur les arrêtes du meubles, un chanfrein ou un ponçage a été réalisé</a:t>
+                      </a:r>
+                    </a:p>
+                    <a:p>
+                      <a:r>
+                        <a:rPr lang="fr-FR" sz="1400" dirty="0"/>
+                        <a:t>(4 pts)</a:t>
+                      </a:r>
+                    </a:p>
+                  </a:txBody>
+                  <a:tcPr anchor="ctr"/>
+                </a:tc>
+                <a:tc>
+                  <a:txBody>
+                    <a:bodyPr/>
+                    <a:lstStyle/>
+                    <a:p>
+                      <a:endParaRPr lang="fr-FR" sz="1400" dirty="0"/>
+                    </a:p>
+                  </a:txBody>
+                  <a:tcPr anchor="ctr">
+                    <a:blipFill>
+                      <a:blip r:embed="rId2"/>
+                      <a:tile tx="0" ty="0" sx="100000" sy="100000" flip="none" algn="tl"/>
+                    </a:blipFill>
+                  </a:tcPr>
+                </a:tc>
+                <a:tc>
+                  <a:txBody>
+                    <a:bodyPr/>
+                    <a:lstStyle/>
+                    <a:p>
+                      <a:pPr marL="0" marR="0" lvl="0" indent="0" algn="ctr" defTabSz="1439997" rtl="0" eaLnBrk="1" fontAlgn="auto" latinLnBrk="0" hangingPunct="1">
+                        <a:lnSpc>
+                          <a:spcPct val="100000"/>
+                        </a:lnSpc>
+                        <a:spcBef>
+                          <a:spcPts val="0"/>
+                        </a:spcBef>
+                        <a:spcAft>
+                          <a:spcPts val="0"/>
+                        </a:spcAft>
+                        <a:buClrTx/>
+                        <a:buSzTx/>
+                        <a:buFontTx/>
+                        <a:buNone/>
+                        <a:tabLst/>
+                        <a:defRPr/>
+                      </a:pPr>
+                      <a:r>
+                        <a:rPr lang="fr-FR" sz="900" dirty="0"/>
+                        <a:t>Plus de deux arrêtes vives</a:t>
+                      </a:r>
+                    </a:p>
+                    <a:p>
+                      <a:pPr algn="ctr"/>
+                      <a:endParaRPr lang="fr-FR" sz="900" dirty="0"/>
+                    </a:p>
+                  </a:txBody>
+                  <a:tcPr anchor="ctr"/>
+                </a:tc>
+                <a:tc>
+                  <a:txBody>
+                    <a:bodyPr/>
+                    <a:lstStyle/>
+                    <a:p>
+                      <a:pPr marL="0" marR="0" lvl="0" indent="0" algn="ctr" defTabSz="1439997" rtl="0" eaLnBrk="1" fontAlgn="auto" latinLnBrk="0" hangingPunct="1">
+                        <a:lnSpc>
+                          <a:spcPct val="100000"/>
+                        </a:lnSpc>
+                        <a:spcBef>
+                          <a:spcPts val="0"/>
+                        </a:spcBef>
+                        <a:spcAft>
+                          <a:spcPts val="0"/>
+                        </a:spcAft>
+                        <a:buClrTx/>
+                        <a:buSzTx/>
+                        <a:buFontTx/>
+                        <a:buNone/>
+                        <a:tabLst/>
+                        <a:defRPr/>
+                      </a:pPr>
+                      <a:r>
+                        <a:rPr lang="fr-FR" sz="900" dirty="0"/>
+                        <a:t>Deux arrêtes vives</a:t>
+                      </a:r>
+                    </a:p>
+                    <a:p>
+                      <a:pPr algn="ctr"/>
+                      <a:endParaRPr lang="fr-FR" sz="900" dirty="0"/>
+                    </a:p>
+                  </a:txBody>
+                  <a:tcPr anchor="ctr"/>
+                </a:tc>
+                <a:tc>
+                  <a:txBody>
+                    <a:bodyPr/>
+                    <a:lstStyle/>
+                    <a:p>
+                      <a:pPr algn="ctr"/>
+                      <a:r>
+                        <a:rPr lang="fr-FR" sz="900" dirty="0"/>
+                        <a:t>Une arrête vive</a:t>
+                      </a:r>
+                    </a:p>
+                  </a:txBody>
+                  <a:tcPr anchor="ctr"/>
+                </a:tc>
+                <a:tc>
+                  <a:txBody>
+                    <a:bodyPr/>
+                    <a:lstStyle/>
+                    <a:p>
+                      <a:pPr algn="ctr"/>
+                      <a:r>
+                        <a:rPr lang="fr-FR" sz="900" dirty="0"/>
+                        <a:t>Aucune arête vives</a:t>
+                      </a:r>
+                    </a:p>
+                  </a:txBody>
+                  <a:tcPr anchor="ctr"/>
+                </a:tc>
+                <a:extLst>
+                  <a:ext uri="{0D108BD9-81ED-4DB2-BD59-A6C34878D82A}">
+                    <a16:rowId xmlns:a16="http://schemas.microsoft.com/office/drawing/2014/main" val="1911863720"/>
+                  </a:ext>
+                </a:extLst>
+              </a:tr>
+              <a:tr h="1186246">
+                <a:tc>
+                  <a:txBody>
+                    <a:bodyPr/>
+                    <a:lstStyle/>
+                    <a:p>
+                      <a:pPr marL="0" marR="0" lvl="0" indent="0" algn="l" defTabSz="1439997" rtl="0" eaLnBrk="1" fontAlgn="auto" latinLnBrk="0" hangingPunct="1">
+                        <a:lnSpc>
+                          <a:spcPct val="100000"/>
+                        </a:lnSpc>
+                        <a:spcBef>
+                          <a:spcPts val="0"/>
+                        </a:spcBef>
+                        <a:spcAft>
+                          <a:spcPts val="0"/>
+                        </a:spcAft>
+                        <a:buClrTx/>
+                        <a:buSzTx/>
+                        <a:buFontTx/>
+                        <a:buNone/>
+                        <a:tabLst/>
+                        <a:defRPr/>
+                      </a:pPr>
+                      <a:r>
+                        <a:rPr lang="fr-FR" sz="1400" dirty="0"/>
+                        <a:t>Les portes sont poncés et prêtent à accueillir la finition </a:t>
+                      </a:r>
+                    </a:p>
+                    <a:p>
+                      <a:r>
+                        <a:rPr lang="fr-FR" sz="1400" dirty="0"/>
+                        <a:t>(4 pts)</a:t>
+                      </a:r>
+                    </a:p>
+                  </a:txBody>
+                  <a:tcPr anchor="ctr"/>
+                </a:tc>
+                <a:tc>
+                  <a:txBody>
+                    <a:bodyPr/>
+                    <a:lstStyle/>
+                    <a:p>
+                      <a:endParaRPr lang="fr-FR" sz="1400" dirty="0"/>
+                    </a:p>
+                  </a:txBody>
+                  <a:tcPr anchor="ctr">
+                    <a:blipFill>
+                      <a:blip r:embed="rId2"/>
+                      <a:tile tx="0" ty="0" sx="100000" sy="100000" flip="none" algn="tl"/>
+                    </a:blipFill>
+                  </a:tcPr>
+                </a:tc>
+                <a:tc>
+                  <a:txBody>
+                    <a:bodyPr/>
+                    <a:lstStyle/>
+                    <a:p>
+                      <a:pPr algn="ctr"/>
+                      <a:r>
+                        <a:rPr lang="fr-FR" sz="900" dirty="0"/>
+                        <a:t>Non effectué</a:t>
+                      </a:r>
+                    </a:p>
+                  </a:txBody>
+                  <a:tcPr anchor="ctr"/>
+                </a:tc>
+                <a:tc>
+                  <a:txBody>
+                    <a:bodyPr/>
+                    <a:lstStyle/>
+                    <a:p>
+                      <a:pPr algn="ctr"/>
+                      <a:endParaRPr lang="fr-FR" sz="900" dirty="0"/>
+                    </a:p>
+                  </a:txBody>
+                  <a:tcPr anchor="ctr">
+                    <a:solidFill>
+                      <a:srgbClr val="A6A6A6"/>
+                    </a:solidFill>
+                  </a:tcPr>
+                </a:tc>
+                <a:tc>
+                  <a:txBody>
+                    <a:bodyPr/>
+                    <a:lstStyle/>
+                    <a:p>
+                      <a:pPr algn="ctr"/>
+                      <a:endParaRPr lang="fr-FR" sz="900" dirty="0"/>
+                    </a:p>
+                  </a:txBody>
+                  <a:tcPr anchor="ctr">
+                    <a:solidFill>
+                      <a:srgbClr val="A6A6A6"/>
+                    </a:solidFill>
+                  </a:tcPr>
+                </a:tc>
+                <a:tc>
+                  <a:txBody>
+                    <a:bodyPr/>
+                    <a:lstStyle/>
+                    <a:p>
+                      <a:pPr algn="ctr"/>
+                      <a:r>
+                        <a:rPr lang="fr-FR" sz="900" dirty="0"/>
+                        <a:t>effectué</a:t>
+                      </a:r>
+                    </a:p>
+                  </a:txBody>
+                  <a:tcPr anchor="ctr"/>
+                </a:tc>
+                <a:extLst>
+                  <a:ext uri="{0D108BD9-81ED-4DB2-BD59-A6C34878D82A}">
+                    <a16:rowId xmlns:a16="http://schemas.microsoft.com/office/drawing/2014/main" val="3673042529"/>
+                  </a:ext>
+                </a:extLst>
+              </a:tr>
+              <a:tr h="1186246">
+                <a:tc>
+                  <a:txBody>
+                    <a:bodyPr/>
+                    <a:lstStyle/>
+                    <a:p>
+                      <a:pPr algn="ctr"/>
+                      <a:r>
+                        <a:rPr lang="fr-FR" dirty="0"/>
+                        <a:t>Note finale: </a:t>
+                      </a:r>
+                    </a:p>
+                  </a:txBody>
+                  <a:tcPr anchor="ctr"/>
+                </a:tc>
+                <a:tc gridSpan="5">
+                  <a:txBody>
+                    <a:bodyPr/>
+                    <a:lstStyle/>
+                    <a:p>
+                      <a:endParaRPr lang="fr-FR" sz="1400" dirty="0"/>
+                    </a:p>
+                  </a:txBody>
+                  <a:tcPr anchor="ctr"/>
+                </a:tc>
+                <a:tc hMerge="1">
+                  <a:txBody>
+                    <a:bodyPr/>
+                    <a:lstStyle/>
+                    <a:p>
+                      <a:endParaRPr lang="fr-FR" sz="1400" dirty="0"/>
+                    </a:p>
+                  </a:txBody>
+                  <a:tcPr anchor="ctr"/>
+                </a:tc>
+                <a:tc hMerge="1">
+                  <a:txBody>
+                    <a:bodyPr/>
+                    <a:lstStyle/>
+                    <a:p>
+                      <a:endParaRPr lang="fr-FR" sz="1400" dirty="0"/>
+                    </a:p>
+                  </a:txBody>
+                  <a:tcPr anchor="ctr"/>
+                </a:tc>
+                <a:tc hMerge="1">
+                  <a:txBody>
+                    <a:bodyPr/>
+                    <a:lstStyle/>
+                    <a:p>
+                      <a:endParaRPr lang="fr-FR" sz="1400" dirty="0"/>
+                    </a:p>
+                  </a:txBody>
+                  <a:tcPr anchor="ctr"/>
+                </a:tc>
+                <a:tc hMerge="1">
+                  <a:txBody>
+                    <a:bodyPr/>
+                    <a:lstStyle/>
+                    <a:p>
+                      <a:endParaRPr lang="fr-FR" sz="1400" dirty="0"/>
+                    </a:p>
+                  </a:txBody>
+                  <a:tcPr anchor="ctr"/>
+                </a:tc>
+                <a:extLst>
+                  <a:ext uri="{0D108BD9-81ED-4DB2-BD59-A6C34878D82A}">
+                    <a16:rowId xmlns:a16="http://schemas.microsoft.com/office/drawing/2014/main" val="3834295413"/>
+                  </a:ext>
+                </a:extLst>
+              </a:tr>
+            </a:tbl>
+          </a:graphicData>
+        </a:graphic>
+      </p:graphicFrame>
+    </p:spTree>
+    <p:extLst>
+      <p:ext uri="{BB962C8B-B14F-4D97-AF65-F5344CB8AC3E}">
+        <p14:creationId xmlns:p14="http://schemas.microsoft.com/office/powerpoint/2010/main" val="609554537"/>
+      </p:ext>
+    </p:extLst>
+  </p:cSld>
+  <p:clrMapOvr>
+    <a:masterClrMapping/>
+  </p:clrMapOvr>
+</p:sld>
+</file>
+
 <file path=ppt/slides/slide2.xml><?xml version="1.0" encoding="utf-8"?>
 <p:sld xmlns:a="http://schemas.openxmlformats.org/drawingml/2006/main" xmlns:r="http://schemas.openxmlformats.org/officeDocument/2006/relationships" xmlns:p="http://schemas.openxmlformats.org/presentationml/2006/main">
   <p:cSld>
@@ -4198,6 +5798,36 @@
           <a:chExt cx="0" cy="0"/>
         </a:xfrm>
       </p:grpSpPr>
+      <p:pic>
+        <p:nvPicPr>
+          <p:cNvPr id="6" name="Picture 5">
+            <a:extLst>
+              <a:ext uri="{FF2B5EF4-FFF2-40B4-BE49-F238E27FC236}">
+                <a16:creationId xmlns:a16="http://schemas.microsoft.com/office/drawing/2014/main" id="{AB7B2520-4207-4779-803E-0B79AAE451DD}"/>
+              </a:ext>
+            </a:extLst>
+          </p:cNvPr>
+          <p:cNvPicPr>
+            <a:picLocks noChangeAspect="1"/>
+          </p:cNvPicPr>
+          <p:nvPr/>
+        </p:nvPicPr>
+        <p:blipFill>
+          <a:blip r:embed="rId2"/>
+          <a:stretch>
+            <a:fillRect/>
+          </a:stretch>
+        </p:blipFill>
+        <p:spPr>
+          <a:xfrm>
+            <a:off x="97002" y="1296353"/>
+            <a:ext cx="14632442" cy="7916380"/>
+          </a:xfrm>
+          <a:prstGeom prst="rect">
+            <a:avLst/>
+          </a:prstGeom>
+        </p:spPr>
+      </p:pic>
       <p:sp>
         <p:nvSpPr>
           <p:cNvPr id="24" name="Rectangle 23"/>
@@ -4543,11 +6173,11 @@
           <p:nvPr/>
         </p:nvPicPr>
         <p:blipFill>
-          <a:blip r:embed="rId2">
+          <a:blip r:embed="rId3">
             <a:extLst>
               <a:ext uri="{BEBA8EAE-BF5A-486C-A8C5-ECC9F3942E4B}">
                 <a14:imgProps xmlns:a14="http://schemas.microsoft.com/office/drawing/2010/main">
-                  <a14:imgLayer r:embed="rId3">
+                  <a14:imgLayer r:embed="rId4">
                     <a14:imgEffect>
                       <a14:sharpenSoften amount="50000"/>
                     </a14:imgEffect>
@@ -4577,51 +6207,6 @@
           <a:ln w="57150">
             <a:noFill/>
           </a:ln>
-        </p:spPr>
-      </p:pic>
-      <p:pic>
-        <p:nvPicPr>
-          <p:cNvPr id="2" name="Picture 1">
-            <a:extLst>
-              <a:ext uri="{FF2B5EF4-FFF2-40B4-BE49-F238E27FC236}">
-                <a16:creationId xmlns:a16="http://schemas.microsoft.com/office/drawing/2014/main" id="{876DCC12-7280-4308-B576-0994AB2F669C}"/>
-              </a:ext>
-            </a:extLst>
-          </p:cNvPr>
-          <p:cNvPicPr>
-            <a:picLocks noChangeAspect="1"/>
-          </p:cNvPicPr>
-          <p:nvPr/>
-        </p:nvPicPr>
-        <p:blipFill>
-          <a:blip r:embed="rId4">
-            <a:extLst>
-              <a:ext uri="{BEBA8EAE-BF5A-486C-A8C5-ECC9F3942E4B}">
-                <a14:imgProps xmlns:a14="http://schemas.microsoft.com/office/drawing/2010/main">
-                  <a14:imgLayer r:embed="rId5">
-                    <a14:imgEffect>
-                      <a14:sharpenSoften amount="25000"/>
-                    </a14:imgEffect>
-                    <a14:imgEffect>
-                      <a14:brightnessContrast contrast="20000"/>
-                    </a14:imgEffect>
-                  </a14:imgLayer>
-                </a14:imgProps>
-              </a:ext>
-            </a:extLst>
-          </a:blip>
-          <a:stretch>
-            <a:fillRect/>
-          </a:stretch>
-        </p:blipFill>
-        <p:spPr>
-          <a:xfrm>
-            <a:off x="84078" y="1365351"/>
-            <a:ext cx="10937275" cy="6942864"/>
-          </a:xfrm>
-          <a:prstGeom prst="rect">
-            <a:avLst/>
-          </a:prstGeom>
         </p:spPr>
       </p:pic>
       <p:grpSp>
@@ -4705,7 +6290,7 @@
             <p:nvPr/>
           </p:nvPicPr>
           <p:blipFill>
-            <a:blip r:embed="rId6"/>
+            <a:blip r:embed="rId5"/>
             <a:stretch>
               <a:fillRect/>
             </a:stretch>
@@ -4772,7 +6357,7 @@
                 <a:latin typeface="Comic Sans MS" panose="030F0702030302020204" pitchFamily="66" charset="0"/>
                 <a:cs typeface="Arial" panose="020B0604020202020204" pitchFamily="34" charset="0"/>
               </a:rPr>
-              <a:t>Matière : contreplaqué de 16 mm</a:t>
+              <a:t>Matière : contreplaqué de 16 mm et 5 mm</a:t>
             </a:r>
           </a:p>
         </p:txBody>
@@ -4859,29 +6444,7 @@
                 <a:ea typeface="JetBrains Mono" panose="02000009000000000000" pitchFamily="49" charset="0"/>
                 <a:cs typeface="Arial" panose="020B0604020202020204" pitchFamily="34" charset="0"/>
               </a:rPr>
-              <a:t>Les </a:t>
-            </a:r>
-            <a:r>
-              <a:rPr lang="fr-FR" sz="4000" b="1" dirty="0" err="1">
-                <a:solidFill>
-                  <a:schemeClr val="tx1"/>
-                </a:solidFill>
-                <a:latin typeface="Comic Sans MS" panose="030F0702030302020204" pitchFamily="66" charset="0"/>
-                <a:ea typeface="JetBrains Mono" panose="02000009000000000000" pitchFamily="49" charset="0"/>
-                <a:cs typeface="Arial" panose="020B0604020202020204" pitchFamily="34" charset="0"/>
-              </a:rPr>
-              <a:t>matérieux</a:t>
-            </a:r>
-            <a:r>
-              <a:rPr lang="fr-FR" sz="4000" b="1" dirty="0">
-                <a:solidFill>
-                  <a:schemeClr val="tx1"/>
-                </a:solidFill>
-                <a:latin typeface="Comic Sans MS" panose="030F0702030302020204" pitchFamily="66" charset="0"/>
-                <a:ea typeface="JetBrains Mono" panose="02000009000000000000" pitchFamily="49" charset="0"/>
-                <a:cs typeface="Arial" panose="020B0604020202020204" pitchFamily="34" charset="0"/>
-              </a:rPr>
-              <a:t> composites bois</a:t>
+              <a:t>Les matériaux composites bois</a:t>
             </a:r>
             <a:endParaRPr lang="fr-FR" sz="4000" dirty="0">
               <a:solidFill>
@@ -6232,7 +7795,7 @@
                 <a:ea typeface="JetBrains Mono" panose="02000009000000000000" pitchFamily="49" charset="0"/>
                 <a:cs typeface="Arial" panose="020B0604020202020204" pitchFamily="34" charset="0"/>
               </a:rPr>
-              <a:t>L’Intelligence artificielle contre l’intelligence réelle !</a:t>
+              <a:t>L’Intelligence artificielle contre l’expertise humaine !</a:t>
             </a:r>
             <a:endParaRPr lang="fr-FR" sz="4000" dirty="0">
               <a:solidFill>

--- a/Dossier Support ordi/DOSSIER Support Ordi.pptx
+++ b/Dossier Support ordi/DOSSIER Support Ordi.pptx
@@ -5,22 +5,23 @@
     <p:sldMasterId id="2147483660" r:id="rId1"/>
   </p:sldMasterIdLst>
   <p:notesMasterIdLst>
-    <p:notesMasterId r:id="rId12"/>
+    <p:notesMasterId r:id="rId13"/>
   </p:notesMasterIdLst>
   <p:handoutMasterIdLst>
-    <p:handoutMasterId r:id="rId13"/>
+    <p:handoutMasterId r:id="rId14"/>
   </p:handoutMasterIdLst>
   <p:sldIdLst>
     <p:sldId id="256" r:id="rId2"/>
     <p:sldId id="332" r:id="rId3"/>
     <p:sldId id="328" r:id="rId4"/>
-    <p:sldId id="330" r:id="rId5"/>
-    <p:sldId id="329" r:id="rId6"/>
-    <p:sldId id="331" r:id="rId7"/>
-    <p:sldId id="333" r:id="rId8"/>
-    <p:sldId id="334" r:id="rId9"/>
-    <p:sldId id="335" r:id="rId10"/>
-    <p:sldId id="257" r:id="rId11"/>
+    <p:sldId id="373" r:id="rId5"/>
+    <p:sldId id="330" r:id="rId6"/>
+    <p:sldId id="329" r:id="rId7"/>
+    <p:sldId id="331" r:id="rId8"/>
+    <p:sldId id="333" r:id="rId9"/>
+    <p:sldId id="334" r:id="rId10"/>
+    <p:sldId id="335" r:id="rId11"/>
+    <p:sldId id="257" r:id="rId12"/>
   </p:sldIdLst>
   <p:sldSz cx="15119350" cy="10799763"/>
   <p:notesSz cx="6797675" cy="9926638"/>
@@ -212,7 +213,7 @@
           <a:p>
             <a:fld id="{175ECC00-C06A-4323-852F-768318D8586A}" type="datetimeFigureOut">
               <a:rPr lang="fr-FR" smtClean="0"/>
-              <a:t>01/02/2025</a:t>
+              <a:t>04/02/2025</a:t>
             </a:fld>
             <a:endParaRPr lang="fr-FR"/>
           </a:p>
@@ -377,7 +378,7 @@
           <a:p>
             <a:fld id="{AE8DAB01-C85E-4F33-91A5-B6D112914A5D}" type="datetimeFigureOut">
               <a:rPr lang="fr-FR" smtClean="0"/>
-              <a:t>01/02/2025</a:t>
+              <a:t>04/02/2025</a:t>
             </a:fld>
             <a:endParaRPr lang="fr-FR"/>
           </a:p>
@@ -776,7 +777,7 @@
           <a:p>
             <a:fld id="{A69F3118-5675-4AEB-B17B-1E109ACFC119}" type="datetimeFigureOut">
               <a:rPr lang="fr-FR" smtClean="0"/>
-              <a:t>01/02/2025</a:t>
+              <a:t>04/02/2025</a:t>
             </a:fld>
             <a:endParaRPr lang="fr-FR"/>
           </a:p>
@@ -946,7 +947,7 @@
           <a:p>
             <a:fld id="{A69F3118-5675-4AEB-B17B-1E109ACFC119}" type="datetimeFigureOut">
               <a:rPr lang="fr-FR" smtClean="0"/>
-              <a:t>01/02/2025</a:t>
+              <a:t>04/02/2025</a:t>
             </a:fld>
             <a:endParaRPr lang="fr-FR"/>
           </a:p>
@@ -1126,7 +1127,7 @@
           <a:p>
             <a:fld id="{A69F3118-5675-4AEB-B17B-1E109ACFC119}" type="datetimeFigureOut">
               <a:rPr lang="fr-FR" smtClean="0"/>
-              <a:t>01/02/2025</a:t>
+              <a:t>04/02/2025</a:t>
             </a:fld>
             <a:endParaRPr lang="fr-FR"/>
           </a:p>
@@ -1296,7 +1297,7 @@
           <a:p>
             <a:fld id="{A69F3118-5675-4AEB-B17B-1E109ACFC119}" type="datetimeFigureOut">
               <a:rPr lang="fr-FR" smtClean="0"/>
-              <a:t>01/02/2025</a:t>
+              <a:t>04/02/2025</a:t>
             </a:fld>
             <a:endParaRPr lang="fr-FR"/>
           </a:p>
@@ -1540,7 +1541,7 @@
           <a:p>
             <a:fld id="{A69F3118-5675-4AEB-B17B-1E109ACFC119}" type="datetimeFigureOut">
               <a:rPr lang="fr-FR" smtClean="0"/>
-              <a:t>01/02/2025</a:t>
+              <a:t>04/02/2025</a:t>
             </a:fld>
             <a:endParaRPr lang="fr-FR"/>
           </a:p>
@@ -1772,7 +1773,7 @@
           <a:p>
             <a:fld id="{A69F3118-5675-4AEB-B17B-1E109ACFC119}" type="datetimeFigureOut">
               <a:rPr lang="fr-FR" smtClean="0"/>
-              <a:t>01/02/2025</a:t>
+              <a:t>04/02/2025</a:t>
             </a:fld>
             <a:endParaRPr lang="fr-FR"/>
           </a:p>
@@ -2139,7 +2140,7 @@
           <a:p>
             <a:fld id="{A69F3118-5675-4AEB-B17B-1E109ACFC119}" type="datetimeFigureOut">
               <a:rPr lang="fr-FR" smtClean="0"/>
-              <a:t>01/02/2025</a:t>
+              <a:t>04/02/2025</a:t>
             </a:fld>
             <a:endParaRPr lang="fr-FR"/>
           </a:p>
@@ -2257,7 +2258,7 @@
           <a:p>
             <a:fld id="{A69F3118-5675-4AEB-B17B-1E109ACFC119}" type="datetimeFigureOut">
               <a:rPr lang="fr-FR" smtClean="0"/>
-              <a:t>01/02/2025</a:t>
+              <a:t>04/02/2025</a:t>
             </a:fld>
             <a:endParaRPr lang="fr-FR"/>
           </a:p>
@@ -2352,7 +2353,7 @@
           <a:p>
             <a:fld id="{A69F3118-5675-4AEB-B17B-1E109ACFC119}" type="datetimeFigureOut">
               <a:rPr lang="fr-FR" smtClean="0"/>
-              <a:t>01/02/2025</a:t>
+              <a:t>04/02/2025</a:t>
             </a:fld>
             <a:endParaRPr lang="fr-FR"/>
           </a:p>
@@ -2629,7 +2630,7 @@
           <a:p>
             <a:fld id="{A69F3118-5675-4AEB-B17B-1E109ACFC119}" type="datetimeFigureOut">
               <a:rPr lang="fr-FR" smtClean="0"/>
-              <a:t>01/02/2025</a:t>
+              <a:t>04/02/2025</a:t>
             </a:fld>
             <a:endParaRPr lang="fr-FR"/>
           </a:p>
@@ -2886,7 +2887,7 @@
           <a:p>
             <a:fld id="{A69F3118-5675-4AEB-B17B-1E109ACFC119}" type="datetimeFigureOut">
               <a:rPr lang="fr-FR" smtClean="0"/>
-              <a:t>01/02/2025</a:t>
+              <a:t>04/02/2025</a:t>
             </a:fld>
             <a:endParaRPr lang="fr-FR"/>
           </a:p>
@@ -3099,7 +3100,7 @@
           <a:p>
             <a:fld id="{A69F3118-5675-4AEB-B17B-1E109ACFC119}" type="datetimeFigureOut">
               <a:rPr lang="fr-FR" smtClean="0"/>
-              <a:t>01/02/2025</a:t>
+              <a:t>04/02/2025</a:t>
             </a:fld>
             <a:endParaRPr lang="fr-FR"/>
           </a:p>
@@ -4135,6 +4136,740 @@
           </a:fontRef>
         </p:style>
         <p:txBody>
+          <a:bodyPr rtlCol="0" anchor="ctr"/>
+          <a:lstStyle/>
+          <a:p>
+            <a:pPr marL="72000"/>
+            <a:endParaRPr lang="fr-FR" sz="1600" dirty="0">
+              <a:cs typeface="Arial" panose="020B0604020202020204" pitchFamily="34" charset="0"/>
+            </a:endParaRPr>
+          </a:p>
+        </p:txBody>
+      </p:sp>
+      <p:sp>
+        <p:nvSpPr>
+          <p:cNvPr id="18" name="Rectangle 17"/>
+          <p:cNvSpPr/>
+          <p:nvPr/>
+        </p:nvSpPr>
+        <p:spPr>
+          <a:xfrm>
+            <a:off x="142517" y="1390649"/>
+            <a:ext cx="3763202" cy="9229231"/>
+          </a:xfrm>
+          <a:prstGeom prst="rect">
+            <a:avLst/>
+          </a:prstGeom>
+          <a:ln w="57150"/>
+        </p:spPr>
+        <p:style>
+          <a:lnRef idx="2">
+            <a:schemeClr val="dk1"/>
+          </a:lnRef>
+          <a:fillRef idx="1">
+            <a:schemeClr val="lt1"/>
+          </a:fillRef>
+          <a:effectRef idx="0">
+            <a:schemeClr val="dk1"/>
+          </a:effectRef>
+          <a:fontRef idx="minor">
+            <a:schemeClr val="dk1"/>
+          </a:fontRef>
+        </p:style>
+        <p:txBody>
+          <a:bodyPr rtlCol="0" anchor="ctr"/>
+          <a:lstStyle/>
+          <a:p>
+            <a:pPr marL="72000" algn="ctr"/>
+            <a:r>
+              <a:rPr lang="fr-FR" b="1" dirty="0">
+                <a:cs typeface="Arial" panose="020B0604020202020204" pitchFamily="34" charset="0"/>
+              </a:rPr>
+              <a:t>Les deux grandes familles d’arbres</a:t>
+            </a:r>
+          </a:p>
+          <a:p>
+            <a:pPr marL="72000"/>
+            <a:endParaRPr lang="fr-FR" sz="1600" dirty="0">
+              <a:cs typeface="Arial" panose="020B0604020202020204" pitchFamily="34" charset="0"/>
+            </a:endParaRPr>
+          </a:p>
+          <a:p>
+            <a:pPr marL="72000"/>
+            <a:r>
+              <a:rPr lang="fr-FR" sz="1600" dirty="0">
+                <a:cs typeface="Arial" panose="020B0604020202020204" pitchFamily="34" charset="0"/>
+              </a:rPr>
+              <a:t>Il existe deux grandes catégories d'arbres :</a:t>
+            </a:r>
+          </a:p>
+          <a:p>
+            <a:pPr marL="72000"/>
+            <a:endParaRPr lang="fr-FR" sz="1600" dirty="0">
+              <a:cs typeface="Arial" panose="020B0604020202020204" pitchFamily="34" charset="0"/>
+            </a:endParaRPr>
+          </a:p>
+          <a:p>
+            <a:pPr marL="72000"/>
+            <a:r>
+              <a:rPr lang="fr-FR" sz="1600" b="1" dirty="0">
+                <a:cs typeface="Arial" panose="020B0604020202020204" pitchFamily="34" charset="0"/>
+              </a:rPr>
+              <a:t>Les feuillus et les résineux.</a:t>
+            </a:r>
+          </a:p>
+          <a:p>
+            <a:pPr marL="72000"/>
+            <a:endParaRPr lang="fr-FR" sz="1600" b="1" dirty="0">
+              <a:cs typeface="Arial" panose="020B0604020202020204" pitchFamily="34" charset="0"/>
+            </a:endParaRPr>
+          </a:p>
+          <a:p>
+            <a:pPr marL="72000"/>
+            <a:r>
+              <a:rPr lang="fr-FR" sz="1600" b="1" dirty="0">
+                <a:cs typeface="Arial" panose="020B0604020202020204" pitchFamily="34" charset="0"/>
+              </a:rPr>
+              <a:t>Les feuillus </a:t>
+            </a:r>
+            <a:r>
+              <a:rPr lang="fr-FR" sz="1600" dirty="0">
+                <a:cs typeface="Arial" panose="020B0604020202020204" pitchFamily="34" charset="0"/>
+              </a:rPr>
+              <a:t>possèdent des feuilles qu'ils perdent généralement à partir automne, on les appelle des arbres à feuilles caduques. Les essences de feuillus comprennent des bois tels que le chêne, le hêtre, le frêne, et le merisier. Ces bois, souvent durs et denses, sont privilégiés en menuiserie pour leur résistance et leur durabilité, ce qui en fait d'excellents choix pour le mobilier, les parquets, et les escaliers.</a:t>
+            </a:r>
+          </a:p>
+          <a:p>
+            <a:pPr marL="72000"/>
+            <a:endParaRPr lang="fr-FR" sz="1600" dirty="0">
+              <a:cs typeface="Arial" panose="020B0604020202020204" pitchFamily="34" charset="0"/>
+            </a:endParaRPr>
+          </a:p>
+          <a:p>
+            <a:pPr marL="72000"/>
+            <a:r>
+              <a:rPr lang="fr-FR" sz="1600" b="1" dirty="0">
+                <a:cs typeface="Arial" panose="020B0604020202020204" pitchFamily="34" charset="0"/>
+              </a:rPr>
+              <a:t>Les résineux</a:t>
+            </a:r>
+            <a:r>
+              <a:rPr lang="fr-FR" sz="1600" dirty="0">
+                <a:cs typeface="Arial" panose="020B0604020202020204" pitchFamily="34" charset="0"/>
+              </a:rPr>
+              <a:t>, également appelés conifères, produisent des cônes (les pommes de pin). Ils ont des « feuilles » sous forme d’aiguilles qu'ils conservent toute l'année, ce sont donc des arbres à feuillage persistant. Les principales essences de résineux utilisées en menuiserie incluent le pin, l’épicéa et le sapin. Moins denses que les feuillus, ils sont faciles à travailler et largement employés pour les charpentes, le lambris, les pergolas et d'autres éléments de construction.</a:t>
+            </a:r>
+          </a:p>
+        </p:txBody>
+      </p:sp>
+      <p:sp>
+        <p:nvSpPr>
+          <p:cNvPr id="19" name="Rectangle 18"/>
+          <p:cNvSpPr/>
+          <p:nvPr/>
+        </p:nvSpPr>
+        <p:spPr>
+          <a:xfrm>
+            <a:off x="11213630" y="1390649"/>
+            <a:ext cx="3726044" cy="9229231"/>
+          </a:xfrm>
+          <a:prstGeom prst="rect">
+            <a:avLst/>
+          </a:prstGeom>
+          <a:ln w="57150"/>
+        </p:spPr>
+        <p:style>
+          <a:lnRef idx="2">
+            <a:schemeClr val="dk1"/>
+          </a:lnRef>
+          <a:fillRef idx="1">
+            <a:schemeClr val="lt1"/>
+          </a:fillRef>
+          <a:effectRef idx="0">
+            <a:schemeClr val="dk1"/>
+          </a:effectRef>
+          <a:fontRef idx="minor">
+            <a:schemeClr val="dk1"/>
+          </a:fontRef>
+        </p:style>
+        <p:txBody>
+          <a:bodyPr rtlCol="0" anchor="ctr"/>
+          <a:lstStyle/>
+          <a:p>
+            <a:pPr algn="ctr"/>
+            <a:r>
+              <a:rPr lang="fr-FR" b="1" dirty="0">
+                <a:cs typeface="Arial" panose="020B0604020202020204" pitchFamily="34" charset="0"/>
+              </a:rPr>
+              <a:t>Les dates d’abatage</a:t>
+            </a:r>
+          </a:p>
+          <a:p>
+            <a:endParaRPr lang="fr-FR" sz="1600" dirty="0">
+              <a:cs typeface="Arial" panose="020B0604020202020204" pitchFamily="34" charset="0"/>
+            </a:endParaRPr>
+          </a:p>
+          <a:p>
+            <a:r>
+              <a:rPr lang="fr-FR" sz="1600" dirty="0">
+                <a:cs typeface="Arial" panose="020B0604020202020204" pitchFamily="34" charset="0"/>
+              </a:rPr>
+              <a:t> </a:t>
+            </a:r>
+          </a:p>
+          <a:p>
+            <a:r>
+              <a:rPr lang="fr-FR" sz="1600" b="1" dirty="0">
+                <a:cs typeface="Arial" panose="020B0604020202020204" pitchFamily="34" charset="0"/>
+              </a:rPr>
+              <a:t>L’abattage des feuillus </a:t>
+            </a:r>
+            <a:r>
+              <a:rPr lang="fr-FR" sz="1600" dirty="0">
+                <a:cs typeface="Arial" panose="020B0604020202020204" pitchFamily="34" charset="0"/>
+              </a:rPr>
+              <a:t>se fait généralement en automne ou en hiver, lorsque la sève est descendue. Le bois abattu à cette période présente plusieurs avantages : il est moins vulnérable aux attaques d’insectes et de champignons, car la teneur en sucre dans la sève est plus faible, ce qui réduit son attractivité pour les nuisibles. De plus, la teneur en eau est moindre, permettant de réduire les coûts de séchage et de transport. </a:t>
+            </a:r>
+          </a:p>
+          <a:p>
+            <a:endParaRPr lang="fr-FR" sz="1600" dirty="0">
+              <a:cs typeface="Arial" panose="020B0604020202020204" pitchFamily="34" charset="0"/>
+            </a:endParaRPr>
+          </a:p>
+          <a:p>
+            <a:r>
+              <a:rPr lang="fr-FR" sz="1600" dirty="0">
+                <a:cs typeface="Arial" panose="020B0604020202020204" pitchFamily="34" charset="0"/>
+              </a:rPr>
+              <a:t>    </a:t>
+            </a:r>
+            <a:r>
+              <a:rPr lang="fr-FR" sz="1600" b="1" dirty="0">
+                <a:cs typeface="Arial" panose="020B0604020202020204" pitchFamily="34" charset="0"/>
+              </a:rPr>
+              <a:t>L’abattage des résineux </a:t>
+            </a:r>
+            <a:r>
+              <a:rPr lang="fr-FR" sz="1600" dirty="0">
+                <a:cs typeface="Arial" panose="020B0604020202020204" pitchFamily="34" charset="0"/>
+              </a:rPr>
+              <a:t>dépend des conditions d’accessibilité, comme la présence de neige ou la saison des pluies, car ces éléments peuvent affecter le transport dans les forêts de montagne où les résineux sont fréquents. Contrairement aux feuillus, les résineux nécessitent souvent des traitements avec des insecticides ou des fongicides pour résister aux attaques des insectes xylophages (qui se nourrissent de bois) et des champignons lignivores. </a:t>
+            </a:r>
+          </a:p>
+        </p:txBody>
+      </p:sp>
+      <p:sp>
+        <p:nvSpPr>
+          <p:cNvPr id="24" name="Rectangle 23"/>
+          <p:cNvSpPr/>
+          <p:nvPr/>
+        </p:nvSpPr>
+        <p:spPr>
+          <a:xfrm>
+            <a:off x="11213630" y="179881"/>
+            <a:ext cx="3726045" cy="1067028"/>
+          </a:xfrm>
+          <a:prstGeom prst="rect">
+            <a:avLst/>
+          </a:prstGeom>
+          <a:ln w="57150"/>
+        </p:spPr>
+        <p:style>
+          <a:lnRef idx="2">
+            <a:schemeClr val="dk1"/>
+          </a:lnRef>
+          <a:fillRef idx="1">
+            <a:schemeClr val="lt1"/>
+          </a:fillRef>
+          <a:effectRef idx="0">
+            <a:schemeClr val="dk1"/>
+          </a:effectRef>
+          <a:fontRef idx="minor">
+            <a:schemeClr val="dk1"/>
+          </a:fontRef>
+        </p:style>
+        <p:txBody>
+          <a:bodyPr rtlCol="0" anchor="ctr"/>
+          <a:lstStyle/>
+          <a:p>
+            <a:pPr algn="ctr"/>
+            <a:r>
+              <a:rPr lang="fr-FR" b="1" spc="300" dirty="0">
+                <a:latin typeface="Comic Sans MS" panose="030F0702030302020204" pitchFamily="66" charset="0"/>
+                <a:ea typeface="JetBrains Mono" panose="02000009000000000000" pitchFamily="49" charset="0"/>
+                <a:cs typeface="JetBrains Mono" panose="02000009000000000000" pitchFamily="49" charset="0"/>
+              </a:rPr>
+              <a:t>M. Du Chevreuil</a:t>
+            </a:r>
+          </a:p>
+          <a:p>
+            <a:pPr algn="ctr"/>
+            <a:r>
+              <a:rPr lang="fr-FR" sz="1600" spc="300" dirty="0">
+                <a:latin typeface="Comic Sans MS" panose="030F0702030302020204" pitchFamily="66" charset="0"/>
+                <a:ea typeface="JetBrains Mono" panose="02000009000000000000" pitchFamily="49" charset="0"/>
+                <a:cs typeface="JetBrains Mono" panose="02000009000000000000" pitchFamily="49" charset="0"/>
+              </a:rPr>
+              <a:t>Professeur en génie </a:t>
+            </a:r>
+          </a:p>
+          <a:p>
+            <a:pPr algn="ctr"/>
+            <a:r>
+              <a:rPr lang="fr-FR" sz="1600" spc="300" dirty="0">
+                <a:latin typeface="Comic Sans MS" panose="030F0702030302020204" pitchFamily="66" charset="0"/>
+                <a:ea typeface="JetBrains Mono" panose="02000009000000000000" pitchFamily="49" charset="0"/>
+                <a:cs typeface="JetBrains Mono" panose="02000009000000000000" pitchFamily="49" charset="0"/>
+              </a:rPr>
+              <a:t>industriel bois</a:t>
+            </a:r>
+          </a:p>
+        </p:txBody>
+      </p:sp>
+      <p:sp>
+        <p:nvSpPr>
+          <p:cNvPr id="25" name="Rectangle 24"/>
+          <p:cNvSpPr/>
+          <p:nvPr/>
+        </p:nvSpPr>
+        <p:spPr>
+          <a:xfrm>
+            <a:off x="142517" y="179881"/>
+            <a:ext cx="3763201" cy="1067028"/>
+          </a:xfrm>
+          <a:prstGeom prst="rect">
+            <a:avLst/>
+          </a:prstGeom>
+          <a:ln w="57150"/>
+        </p:spPr>
+        <p:style>
+          <a:lnRef idx="2">
+            <a:schemeClr val="dk1"/>
+          </a:lnRef>
+          <a:fillRef idx="1">
+            <a:schemeClr val="lt1"/>
+          </a:fillRef>
+          <a:effectRef idx="0">
+            <a:schemeClr val="dk1"/>
+          </a:effectRef>
+          <a:fontRef idx="minor">
+            <a:schemeClr val="dk1"/>
+          </a:fontRef>
+        </p:style>
+        <p:txBody>
+          <a:bodyPr rtlCol="0" anchor="ctr"/>
+          <a:lstStyle/>
+          <a:p>
+            <a:pPr algn="ctr"/>
+            <a:r>
+              <a:rPr lang="fr-FR" b="1" dirty="0">
+                <a:latin typeface="Comic Sans MS" panose="030F0702030302020204" pitchFamily="66" charset="0"/>
+                <a:ea typeface="JetBrains Mono" panose="02000009000000000000" pitchFamily="49" charset="0"/>
+                <a:cs typeface="JetBrains Mono" panose="02000009000000000000" pitchFamily="49" charset="0"/>
+              </a:rPr>
+              <a:t>Sujet : L’I.A contre l’I.R</a:t>
+            </a:r>
+          </a:p>
+        </p:txBody>
+      </p:sp>
+      <p:pic>
+        <p:nvPicPr>
+          <p:cNvPr id="9" name="Image 9">
+            <a:extLst>
+              <a:ext uri="{FF2B5EF4-FFF2-40B4-BE49-F238E27FC236}">
+                <a16:creationId xmlns:a16="http://schemas.microsoft.com/office/drawing/2014/main" id="{28975481-448B-45A7-922A-778FF7381242}"/>
+              </a:ext>
+            </a:extLst>
+          </p:cNvPr>
+          <p:cNvPicPr>
+            <a:picLocks noChangeAspect="1"/>
+          </p:cNvPicPr>
+          <p:nvPr/>
+        </p:nvPicPr>
+        <p:blipFill>
+          <a:blip r:embed="rId2">
+            <a:grayscl/>
+          </a:blip>
+          <a:stretch>
+            <a:fillRect/>
+          </a:stretch>
+        </p:blipFill>
+        <p:spPr>
+          <a:xfrm>
+            <a:off x="5000200" y="1246909"/>
+            <a:ext cx="2546344" cy="3968674"/>
+          </a:xfrm>
+          <a:prstGeom prst="rect">
+            <a:avLst/>
+          </a:prstGeom>
+        </p:spPr>
+      </p:pic>
+      <p:pic>
+        <p:nvPicPr>
+          <p:cNvPr id="10" name="Image 10">
+            <a:extLst>
+              <a:ext uri="{FF2B5EF4-FFF2-40B4-BE49-F238E27FC236}">
+                <a16:creationId xmlns:a16="http://schemas.microsoft.com/office/drawing/2014/main" id="{E8255E3B-5826-47B1-9F34-612B22A4D743}"/>
+              </a:ext>
+            </a:extLst>
+          </p:cNvPr>
+          <p:cNvPicPr>
+            <a:picLocks noChangeAspect="1"/>
+          </p:cNvPicPr>
+          <p:nvPr/>
+        </p:nvPicPr>
+        <p:blipFill>
+          <a:blip r:embed="rId3">
+            <a:grayscl/>
+          </a:blip>
+          <a:stretch>
+            <a:fillRect/>
+          </a:stretch>
+        </p:blipFill>
+        <p:spPr>
+          <a:xfrm>
+            <a:off x="5088053" y="5387824"/>
+            <a:ext cx="2299506" cy="4336511"/>
+          </a:xfrm>
+          <a:prstGeom prst="rect">
+            <a:avLst/>
+          </a:prstGeom>
+        </p:spPr>
+      </p:pic>
+      <p:cxnSp>
+        <p:nvCxnSpPr>
+          <p:cNvPr id="11" name="Connecteur droit 12">
+            <a:extLst>
+              <a:ext uri="{FF2B5EF4-FFF2-40B4-BE49-F238E27FC236}">
+                <a16:creationId xmlns:a16="http://schemas.microsoft.com/office/drawing/2014/main" id="{150A6416-57EB-49B9-BB0A-17851EA08739}"/>
+              </a:ext>
+            </a:extLst>
+          </p:cNvPr>
+          <p:cNvCxnSpPr>
+            <a:cxnSpLocks/>
+            <a:stCxn id="17" idx="0"/>
+            <a:endCxn id="17" idx="2"/>
+          </p:cNvCxnSpPr>
+          <p:nvPr/>
+        </p:nvCxnSpPr>
+        <p:spPr>
+          <a:xfrm>
+            <a:off x="7559675" y="179881"/>
+            <a:ext cx="0" cy="10440000"/>
+          </a:xfrm>
+          <a:prstGeom prst="line">
+            <a:avLst/>
+          </a:prstGeom>
+          <a:ln w="57150"/>
+        </p:spPr>
+        <p:style>
+          <a:lnRef idx="3">
+            <a:schemeClr val="dk1"/>
+          </a:lnRef>
+          <a:fillRef idx="0">
+            <a:schemeClr val="dk1"/>
+          </a:fillRef>
+          <a:effectRef idx="2">
+            <a:schemeClr val="dk1"/>
+          </a:effectRef>
+          <a:fontRef idx="minor">
+            <a:schemeClr val="tx1"/>
+          </a:fontRef>
+        </p:style>
+      </p:cxnSp>
+      <p:pic>
+        <p:nvPicPr>
+          <p:cNvPr id="12" name="Image 15">
+            <a:extLst>
+              <a:ext uri="{FF2B5EF4-FFF2-40B4-BE49-F238E27FC236}">
+                <a16:creationId xmlns:a16="http://schemas.microsoft.com/office/drawing/2014/main" id="{CDCE11F9-970B-4B97-B739-9E04AA563E94}"/>
+              </a:ext>
+            </a:extLst>
+          </p:cNvPr>
+          <p:cNvPicPr>
+            <a:picLocks noChangeAspect="1"/>
+          </p:cNvPicPr>
+          <p:nvPr/>
+        </p:nvPicPr>
+        <p:blipFill>
+          <a:blip r:embed="rId4">
+            <a:grayscl/>
+          </a:blip>
+          <a:stretch>
+            <a:fillRect/>
+          </a:stretch>
+        </p:blipFill>
+        <p:spPr>
+          <a:xfrm>
+            <a:off x="7821892" y="1390649"/>
+            <a:ext cx="2224518" cy="3937653"/>
+          </a:xfrm>
+          <a:prstGeom prst="rect">
+            <a:avLst/>
+          </a:prstGeom>
+        </p:spPr>
+      </p:pic>
+      <p:pic>
+        <p:nvPicPr>
+          <p:cNvPr id="13" name="Image 16">
+            <a:extLst>
+              <a:ext uri="{FF2B5EF4-FFF2-40B4-BE49-F238E27FC236}">
+                <a16:creationId xmlns:a16="http://schemas.microsoft.com/office/drawing/2014/main" id="{A2C7F6D9-CF26-472F-84B6-280F423FD52B}"/>
+              </a:ext>
+            </a:extLst>
+          </p:cNvPr>
+          <p:cNvPicPr>
+            <a:picLocks noChangeAspect="1"/>
+          </p:cNvPicPr>
+          <p:nvPr/>
+        </p:nvPicPr>
+        <p:blipFill>
+          <a:blip r:embed="rId5">
+            <a:grayscl/>
+          </a:blip>
+          <a:stretch>
+            <a:fillRect/>
+          </a:stretch>
+        </p:blipFill>
+        <p:spPr>
+          <a:xfrm>
+            <a:off x="7821892" y="5387824"/>
+            <a:ext cx="2103504" cy="4447737"/>
+          </a:xfrm>
+          <a:prstGeom prst="rect">
+            <a:avLst/>
+          </a:prstGeom>
+        </p:spPr>
+      </p:pic>
+      <p:sp>
+        <p:nvSpPr>
+          <p:cNvPr id="14" name="Rectangle 13">
+            <a:extLst>
+              <a:ext uri="{FF2B5EF4-FFF2-40B4-BE49-F238E27FC236}">
+                <a16:creationId xmlns:a16="http://schemas.microsoft.com/office/drawing/2014/main" id="{F430A173-CA77-491E-9BA0-C98B0E02636C}"/>
+              </a:ext>
+            </a:extLst>
+          </p:cNvPr>
+          <p:cNvSpPr/>
+          <p:nvPr/>
+        </p:nvSpPr>
+        <p:spPr>
+          <a:xfrm>
+            <a:off x="4236219" y="2246927"/>
+            <a:ext cx="655172" cy="7058259"/>
+          </a:xfrm>
+          <a:prstGeom prst="rect">
+            <a:avLst/>
+          </a:prstGeom>
+          <a:noFill/>
+          <a:ln w="9525" cap="flat" cmpd="sng" algn="ctr">
+            <a:solidFill>
+              <a:schemeClr val="dk1"/>
+            </a:solidFill>
+            <a:prstDash val="solid"/>
+            <a:round/>
+            <a:headEnd type="none" w="med" len="med"/>
+            <a:tailEnd type="none" w="med" len="med"/>
+          </a:ln>
+        </p:spPr>
+        <p:style>
+          <a:lnRef idx="0">
+            <a:scrgbClr r="0" g="0" b="0"/>
+          </a:lnRef>
+          <a:fillRef idx="0">
+            <a:scrgbClr r="0" g="0" b="0"/>
+          </a:fillRef>
+          <a:effectRef idx="0">
+            <a:scrgbClr r="0" g="0" b="0"/>
+          </a:effectRef>
+          <a:fontRef idx="minor">
+            <a:schemeClr val="dk1"/>
+          </a:fontRef>
+        </p:style>
+        <p:txBody>
+          <a:bodyPr vert="vert270" rtlCol="0" anchor="ctr"/>
+          <a:lstStyle/>
+          <a:p>
+            <a:pPr algn="ctr"/>
+            <a:r>
+              <a:rPr lang="fr-FR" sz="3037" dirty="0"/>
+              <a:t>Reconnaître un feuillu</a:t>
+            </a:r>
+          </a:p>
+        </p:txBody>
+      </p:sp>
+      <p:sp>
+        <p:nvSpPr>
+          <p:cNvPr id="15" name="Rectangle 14">
+            <a:extLst>
+              <a:ext uri="{FF2B5EF4-FFF2-40B4-BE49-F238E27FC236}">
+                <a16:creationId xmlns:a16="http://schemas.microsoft.com/office/drawing/2014/main" id="{4C2D5B34-A1FB-4019-80C8-BE33FF67B9DE}"/>
+              </a:ext>
+            </a:extLst>
+          </p:cNvPr>
+          <p:cNvSpPr/>
+          <p:nvPr/>
+        </p:nvSpPr>
+        <p:spPr>
+          <a:xfrm>
+            <a:off x="10235515" y="2246926"/>
+            <a:ext cx="655172" cy="7058259"/>
+          </a:xfrm>
+          <a:prstGeom prst="rect">
+            <a:avLst/>
+          </a:prstGeom>
+          <a:noFill/>
+          <a:ln w="9525" cap="flat" cmpd="sng" algn="ctr">
+            <a:solidFill>
+              <a:schemeClr val="dk1"/>
+            </a:solidFill>
+            <a:prstDash val="solid"/>
+            <a:round/>
+            <a:headEnd type="none" w="med" len="med"/>
+            <a:tailEnd type="none" w="med" len="med"/>
+          </a:ln>
+        </p:spPr>
+        <p:style>
+          <a:lnRef idx="0">
+            <a:scrgbClr r="0" g="0" b="0"/>
+          </a:lnRef>
+          <a:fillRef idx="0">
+            <a:scrgbClr r="0" g="0" b="0"/>
+          </a:fillRef>
+          <a:effectRef idx="0">
+            <a:scrgbClr r="0" g="0" b="0"/>
+          </a:effectRef>
+          <a:fontRef idx="minor">
+            <a:schemeClr val="dk1"/>
+          </a:fontRef>
+        </p:style>
+        <p:txBody>
+          <a:bodyPr vert="vert" rtlCol="0" anchor="ctr"/>
+          <a:lstStyle/>
+          <a:p>
+            <a:pPr algn="ctr"/>
+            <a:r>
+              <a:rPr lang="fr-FR" sz="3037" dirty="0"/>
+              <a:t>Reconnaitre un résineux</a:t>
+            </a:r>
+          </a:p>
+        </p:txBody>
+      </p:sp>
+      <p:sp>
+        <p:nvSpPr>
+          <p:cNvPr id="20" name="Rounded Rectangle 19"/>
+          <p:cNvSpPr/>
+          <p:nvPr/>
+        </p:nvSpPr>
+        <p:spPr>
+          <a:xfrm>
+            <a:off x="14127675" y="10044399"/>
+            <a:ext cx="895962" cy="685971"/>
+          </a:xfrm>
+          <a:prstGeom prst="roundRect">
+            <a:avLst/>
+          </a:prstGeom>
+          <a:ln w="57150">
+            <a:solidFill>
+              <a:schemeClr val="tx1">
+                <a:lumMod val="50000"/>
+                <a:lumOff val="50000"/>
+              </a:schemeClr>
+            </a:solidFill>
+          </a:ln>
+        </p:spPr>
+        <p:style>
+          <a:lnRef idx="2">
+            <a:schemeClr val="dk1"/>
+          </a:lnRef>
+          <a:fillRef idx="1">
+            <a:schemeClr val="lt1"/>
+          </a:fillRef>
+          <a:effectRef idx="0">
+            <a:schemeClr val="dk1"/>
+          </a:effectRef>
+          <a:fontRef idx="minor">
+            <a:schemeClr val="dk1"/>
+          </a:fontRef>
+        </p:style>
+        <p:txBody>
+          <a:bodyPr rtlCol="0" anchor="ctr"/>
+          <a:lstStyle/>
+          <a:p>
+            <a:pPr algn="ctr"/>
+            <a:r>
+              <a:rPr lang="fr-FR" sz="2000" dirty="0">
+                <a:solidFill>
+                  <a:schemeClr val="tx1"/>
+                </a:solidFill>
+                <a:latin typeface="Comic Sans MS" panose="030F0702030302020204" pitchFamily="66" charset="0"/>
+              </a:rPr>
+              <a:t>1/4</a:t>
+            </a:r>
+          </a:p>
+        </p:txBody>
+      </p:sp>
+    </p:spTree>
+    <p:extLst>
+      <p:ext uri="{BB962C8B-B14F-4D97-AF65-F5344CB8AC3E}">
+        <p14:creationId xmlns:p14="http://schemas.microsoft.com/office/powerpoint/2010/main" val="4020604657"/>
+      </p:ext>
+    </p:extLst>
+  </p:cSld>
+  <p:clrMapOvr>
+    <a:masterClrMapping/>
+  </p:clrMapOvr>
+</p:sld>
+</file>
+
+<file path=ppt/slides/slide11.xml><?xml version="1.0" encoding="utf-8"?>
+<p:sld xmlns:a="http://schemas.openxmlformats.org/drawingml/2006/main" xmlns:r="http://schemas.openxmlformats.org/officeDocument/2006/relationships" xmlns:p="http://schemas.openxmlformats.org/presentationml/2006/main">
+  <p:cSld>
+    <p:spTree>
+      <p:nvGrpSpPr>
+        <p:cNvPr id="1" name=""/>
+        <p:cNvGrpSpPr/>
+        <p:nvPr/>
+      </p:nvGrpSpPr>
+      <p:grpSpPr>
+        <a:xfrm>
+          <a:off x="0" y="0"/>
+          <a:ext cx="0" cy="0"/>
+          <a:chOff x="0" y="0"/>
+          <a:chExt cx="0" cy="0"/>
+        </a:xfrm>
+      </p:grpSpPr>
+      <p:sp>
+        <p:nvSpPr>
+          <p:cNvPr id="17" name="Rectangle 16"/>
+          <p:cNvSpPr/>
+          <p:nvPr/>
+        </p:nvSpPr>
+        <p:spPr>
+          <a:xfrm>
+            <a:off x="4039557" y="179881"/>
+            <a:ext cx="7040235" cy="10440000"/>
+          </a:xfrm>
+          <a:prstGeom prst="rect">
+            <a:avLst/>
+          </a:prstGeom>
+          <a:ln w="57150"/>
+        </p:spPr>
+        <p:style>
+          <a:lnRef idx="2">
+            <a:schemeClr val="dk1"/>
+          </a:lnRef>
+          <a:fillRef idx="1">
+            <a:schemeClr val="lt1"/>
+          </a:fillRef>
+          <a:effectRef idx="0">
+            <a:schemeClr val="dk1"/>
+          </a:effectRef>
+          <a:fontRef idx="minor">
+            <a:schemeClr val="dk1"/>
+          </a:fontRef>
+        </p:style>
+        <p:txBody>
           <a:bodyPr rtlCol="0" anchor="t"/>
           <a:lstStyle/>
           <a:p>
@@ -6400,6 +7135,2300 @@
         </p:nvSpPr>
         <p:spPr>
           <a:xfrm>
+            <a:off x="4039557" y="179882"/>
+            <a:ext cx="7040235" cy="5085802"/>
+          </a:xfrm>
+          <a:prstGeom prst="rect">
+            <a:avLst/>
+          </a:prstGeom>
+          <a:ln w="57150"/>
+        </p:spPr>
+        <p:style>
+          <a:lnRef idx="2">
+            <a:schemeClr val="dk1"/>
+          </a:lnRef>
+          <a:fillRef idx="1">
+            <a:schemeClr val="lt1"/>
+          </a:fillRef>
+          <a:effectRef idx="0">
+            <a:schemeClr val="dk1"/>
+          </a:effectRef>
+          <a:fontRef idx="minor">
+            <a:schemeClr val="dk1"/>
+          </a:fontRef>
+        </p:style>
+        <p:txBody>
+          <a:bodyPr rtlCol="0" anchor="ctr"/>
+          <a:lstStyle/>
+          <a:p>
+            <a:pPr marL="72000"/>
+            <a:endParaRPr lang="fr-FR" sz="1600" b="1" dirty="0">
+              <a:cs typeface="Arial" panose="020B0604020202020204" pitchFamily="34" charset="0"/>
+            </a:endParaRPr>
+          </a:p>
+          <a:p>
+            <a:pPr marL="72000" algn="ctr"/>
+            <a:r>
+              <a:rPr lang="fr-FR" b="1" dirty="0">
+                <a:cs typeface="Arial" panose="020B0604020202020204" pitchFamily="34" charset="0"/>
+              </a:rPr>
+              <a:t>Informations</a:t>
+            </a:r>
+            <a:endParaRPr lang="fr-FR" sz="1600" b="1" dirty="0">
+              <a:cs typeface="Arial" panose="020B0604020202020204" pitchFamily="34" charset="0"/>
+            </a:endParaRPr>
+          </a:p>
+          <a:p>
+            <a:pPr marL="72000"/>
+            <a:endParaRPr lang="fr-FR" sz="1600" b="1" dirty="0">
+              <a:cs typeface="Arial" panose="020B0604020202020204" pitchFamily="34" charset="0"/>
+            </a:endParaRPr>
+          </a:p>
+          <a:p>
+            <a:pPr marL="72000"/>
+            <a:r>
+              <a:rPr lang="fr-FR" sz="1600" b="1" dirty="0">
+                <a:cs typeface="Arial" panose="020B0604020202020204" pitchFamily="34" charset="0"/>
+              </a:rPr>
+              <a:t>Les repères : </a:t>
+            </a:r>
+            <a:r>
+              <a:rPr lang="fr-FR" sz="1600" dirty="0">
+                <a:cs typeface="Arial" panose="020B0604020202020204" pitchFamily="34" charset="0"/>
+              </a:rPr>
+              <a:t>100, 200, 300… à chaque éléments différents</a:t>
+            </a:r>
+          </a:p>
+          <a:p>
+            <a:pPr marL="72000"/>
+            <a:endParaRPr lang="fr-FR" sz="1600" dirty="0">
+              <a:cs typeface="Arial" panose="020B0604020202020204" pitchFamily="34" charset="0"/>
+            </a:endParaRPr>
+          </a:p>
+          <a:p>
+            <a:pPr marL="72000"/>
+            <a:r>
+              <a:rPr lang="fr-FR" sz="1600" b="1" dirty="0">
+                <a:cs typeface="Arial" panose="020B0604020202020204" pitchFamily="34" charset="0"/>
+              </a:rPr>
+              <a:t>La désignation : </a:t>
+            </a:r>
+            <a:r>
+              <a:rPr lang="fr-FR" sz="1600" dirty="0">
+                <a:cs typeface="Arial" panose="020B0604020202020204" pitchFamily="34" charset="0"/>
+              </a:rPr>
+              <a:t>Montants, montant intermédiaire, traverses, traverse intermédiaire</a:t>
+            </a:r>
+          </a:p>
+          <a:p>
+            <a:pPr marL="72000"/>
+            <a:endParaRPr lang="fr-FR" sz="1600" dirty="0">
+              <a:cs typeface="Arial" panose="020B0604020202020204" pitchFamily="34" charset="0"/>
+            </a:endParaRPr>
+          </a:p>
+          <a:p>
+            <a:pPr marL="72000"/>
+            <a:r>
+              <a:rPr lang="fr-FR" sz="1600" b="1" dirty="0">
+                <a:cs typeface="Arial" panose="020B0604020202020204" pitchFamily="34" charset="0"/>
+              </a:rPr>
+              <a:t>La matière : </a:t>
+            </a:r>
+            <a:r>
+              <a:rPr lang="fr-FR" sz="1600" dirty="0">
+                <a:cs typeface="Arial" panose="020B0604020202020204" pitchFamily="34" charset="0"/>
+              </a:rPr>
+              <a:t>Bois massif, frêne, chêne, châtaigner …</a:t>
+            </a:r>
+          </a:p>
+          <a:p>
+            <a:pPr marL="72000"/>
+            <a:endParaRPr lang="fr-FR" sz="1600" dirty="0">
+              <a:cs typeface="Arial" panose="020B0604020202020204" pitchFamily="34" charset="0"/>
+            </a:endParaRPr>
+          </a:p>
+          <a:p>
+            <a:pPr marL="72000"/>
+            <a:r>
+              <a:rPr lang="fr-FR" sz="1600" b="1" dirty="0">
+                <a:cs typeface="Arial" panose="020B0604020202020204" pitchFamily="34" charset="0"/>
+              </a:rPr>
+              <a:t>Les dimensions finies : </a:t>
+            </a:r>
+            <a:r>
+              <a:rPr lang="fr-FR" sz="1600" dirty="0">
+                <a:cs typeface="Arial" panose="020B0604020202020204" pitchFamily="34" charset="0"/>
+              </a:rPr>
+              <a:t>Celles indiquées sur le plan</a:t>
+            </a:r>
+          </a:p>
+          <a:p>
+            <a:pPr marL="72000"/>
+            <a:endParaRPr lang="fr-FR" sz="1600" dirty="0">
+              <a:cs typeface="Arial" panose="020B0604020202020204" pitchFamily="34" charset="0"/>
+            </a:endParaRPr>
+          </a:p>
+          <a:p>
+            <a:pPr marL="72000"/>
+            <a:r>
+              <a:rPr lang="fr-FR" sz="1600" b="1" dirty="0">
+                <a:cs typeface="Arial" panose="020B0604020202020204" pitchFamily="34" charset="0"/>
+              </a:rPr>
+              <a:t>Les dimensions majorées : </a:t>
+            </a:r>
+            <a:r>
+              <a:rPr lang="fr-FR" sz="1600" dirty="0">
+                <a:cs typeface="Arial" panose="020B0604020202020204" pitchFamily="34" charset="0"/>
+              </a:rPr>
+              <a:t>+50 en longueur, +5 en largeur, +5 en épaisseur</a:t>
+            </a:r>
+          </a:p>
+        </p:txBody>
+      </p:sp>
+      <p:sp>
+        <p:nvSpPr>
+          <p:cNvPr id="18" name="Rectangle 17"/>
+          <p:cNvSpPr/>
+          <p:nvPr/>
+        </p:nvSpPr>
+        <p:spPr>
+          <a:xfrm>
+            <a:off x="179676" y="1398670"/>
+            <a:ext cx="3763202" cy="3867013"/>
+          </a:xfrm>
+          <a:prstGeom prst="rect">
+            <a:avLst/>
+          </a:prstGeom>
+          <a:ln w="57150"/>
+        </p:spPr>
+        <p:style>
+          <a:lnRef idx="2">
+            <a:schemeClr val="dk1"/>
+          </a:lnRef>
+          <a:fillRef idx="1">
+            <a:schemeClr val="lt1"/>
+          </a:fillRef>
+          <a:effectRef idx="0">
+            <a:schemeClr val="dk1"/>
+          </a:effectRef>
+          <a:fontRef idx="minor">
+            <a:schemeClr val="dk1"/>
+          </a:fontRef>
+        </p:style>
+        <p:txBody>
+          <a:bodyPr rtlCol="0" anchor="ctr"/>
+          <a:lstStyle/>
+          <a:p>
+            <a:pPr marL="72000" algn="ctr"/>
+            <a:endParaRPr lang="fr-FR" sz="1600" b="1" dirty="0">
+              <a:cs typeface="Arial" panose="020B0604020202020204" pitchFamily="34" charset="0"/>
+            </a:endParaRPr>
+          </a:p>
+          <a:p>
+            <a:pPr marL="72000" algn="ctr"/>
+            <a:r>
+              <a:rPr lang="fr-FR" b="1" dirty="0">
+                <a:cs typeface="Arial" panose="020B0604020202020204" pitchFamily="34" charset="0"/>
+              </a:rPr>
+              <a:t> Remplir la feuille de débit </a:t>
+            </a:r>
+          </a:p>
+          <a:p>
+            <a:pPr marL="72000" algn="ctr"/>
+            <a:endParaRPr lang="fr-FR" sz="1600" b="1" dirty="0">
+              <a:cs typeface="Arial" panose="020B0604020202020204" pitchFamily="34" charset="0"/>
+            </a:endParaRPr>
+          </a:p>
+          <a:p>
+            <a:pPr marL="72000"/>
+            <a:r>
+              <a:rPr lang="fr-FR" sz="1600" dirty="0">
+                <a:cs typeface="Arial" panose="020B0604020202020204" pitchFamily="34" charset="0"/>
+              </a:rPr>
+              <a:t>A l’aide du plan, remplir cette feuille de débit en indiquant un repère différent entre les montants et les traverses.</a:t>
+            </a:r>
+          </a:p>
+          <a:p>
+            <a:pPr marL="72000"/>
+            <a:endParaRPr lang="fr-FR" sz="1600" dirty="0">
+              <a:cs typeface="Arial" panose="020B0604020202020204" pitchFamily="34" charset="0"/>
+            </a:endParaRPr>
+          </a:p>
+          <a:p>
+            <a:pPr marL="72000"/>
+            <a:r>
+              <a:rPr lang="fr-FR" sz="1600" dirty="0">
+                <a:cs typeface="Arial" panose="020B0604020202020204" pitchFamily="34" charset="0"/>
+              </a:rPr>
+              <a:t>Grouper les éléments entre eux si les longueurs, largeurs et épaisseurs sont identiques.</a:t>
+            </a:r>
+          </a:p>
+          <a:p>
+            <a:pPr marL="72000"/>
+            <a:endParaRPr lang="fr-FR" sz="1600" dirty="0">
+              <a:cs typeface="Arial" panose="020B0604020202020204" pitchFamily="34" charset="0"/>
+            </a:endParaRPr>
+          </a:p>
+          <a:p>
+            <a:pPr marL="72000"/>
+            <a:r>
+              <a:rPr lang="fr-FR" sz="1600" dirty="0">
+                <a:cs typeface="Arial" panose="020B0604020202020204" pitchFamily="34" charset="0"/>
+              </a:rPr>
+              <a:t>Ajouter les cotes majorées pour la découpe aux machines.</a:t>
+            </a:r>
+            <a:endParaRPr lang="fr-FR" sz="1600" b="1" dirty="0">
+              <a:cs typeface="Arial" panose="020B0604020202020204" pitchFamily="34" charset="0"/>
+            </a:endParaRPr>
+          </a:p>
+        </p:txBody>
+      </p:sp>
+      <p:sp>
+        <p:nvSpPr>
+          <p:cNvPr id="19" name="Rectangle 18"/>
+          <p:cNvSpPr/>
+          <p:nvPr/>
+        </p:nvSpPr>
+        <p:spPr>
+          <a:xfrm>
+            <a:off x="11213630" y="1390648"/>
+            <a:ext cx="3726044" cy="3875035"/>
+          </a:xfrm>
+          <a:prstGeom prst="rect">
+            <a:avLst/>
+          </a:prstGeom>
+          <a:ln w="57150"/>
+        </p:spPr>
+        <p:style>
+          <a:lnRef idx="2">
+            <a:schemeClr val="dk1"/>
+          </a:lnRef>
+          <a:fillRef idx="1">
+            <a:schemeClr val="lt1"/>
+          </a:fillRef>
+          <a:effectRef idx="0">
+            <a:schemeClr val="dk1"/>
+          </a:effectRef>
+          <a:fontRef idx="minor">
+            <a:schemeClr val="dk1"/>
+          </a:fontRef>
+        </p:style>
+        <p:txBody>
+          <a:bodyPr rtlCol="0" anchor="ctr"/>
+          <a:lstStyle/>
+          <a:p>
+            <a:pPr>
+              <a:lnSpc>
+                <a:spcPct val="200000"/>
+              </a:lnSpc>
+            </a:pPr>
+            <a:r>
+              <a:rPr lang="fr-FR" sz="1600" dirty="0">
+                <a:cs typeface="Arial" panose="020B0604020202020204" pitchFamily="34" charset="0"/>
+              </a:rPr>
+              <a:t>Nom : 		……………………… </a:t>
+            </a:r>
+          </a:p>
+          <a:p>
+            <a:pPr>
+              <a:lnSpc>
+                <a:spcPct val="200000"/>
+              </a:lnSpc>
+            </a:pPr>
+            <a:r>
+              <a:rPr lang="fr-FR" sz="1600" dirty="0">
+                <a:cs typeface="Arial" panose="020B0604020202020204" pitchFamily="34" charset="0"/>
+              </a:rPr>
+              <a:t>Prénom : 		………………………</a:t>
+            </a:r>
+          </a:p>
+          <a:p>
+            <a:pPr>
+              <a:lnSpc>
+                <a:spcPct val="200000"/>
+              </a:lnSpc>
+            </a:pPr>
+            <a:r>
+              <a:rPr lang="fr-FR" sz="1600" dirty="0">
+                <a:cs typeface="Arial" panose="020B0604020202020204" pitchFamily="34" charset="0"/>
+              </a:rPr>
+              <a:t>Classe : 		………………………</a:t>
+            </a:r>
+          </a:p>
+          <a:p>
+            <a:pPr>
+              <a:lnSpc>
+                <a:spcPct val="200000"/>
+              </a:lnSpc>
+            </a:pPr>
+            <a:r>
+              <a:rPr lang="fr-FR" sz="1600" dirty="0">
+                <a:cs typeface="Arial" panose="020B0604020202020204" pitchFamily="34" charset="0"/>
+              </a:rPr>
+              <a:t>Note : 		…………………../20</a:t>
+            </a:r>
+          </a:p>
+          <a:p>
+            <a:pPr>
+              <a:lnSpc>
+                <a:spcPct val="200000"/>
+              </a:lnSpc>
+            </a:pPr>
+            <a:endParaRPr lang="fr-FR" sz="1600" dirty="0">
+              <a:cs typeface="Arial" panose="020B0604020202020204" pitchFamily="34" charset="0"/>
+            </a:endParaRPr>
+          </a:p>
+        </p:txBody>
+      </p:sp>
+      <p:sp>
+        <p:nvSpPr>
+          <p:cNvPr id="24" name="Rectangle 23"/>
+          <p:cNvSpPr/>
+          <p:nvPr/>
+        </p:nvSpPr>
+        <p:spPr>
+          <a:xfrm>
+            <a:off x="11213630" y="179881"/>
+            <a:ext cx="3726045" cy="1067028"/>
+          </a:xfrm>
+          <a:prstGeom prst="rect">
+            <a:avLst/>
+          </a:prstGeom>
+          <a:ln w="57150"/>
+        </p:spPr>
+        <p:style>
+          <a:lnRef idx="2">
+            <a:schemeClr val="dk1"/>
+          </a:lnRef>
+          <a:fillRef idx="1">
+            <a:schemeClr val="lt1"/>
+          </a:fillRef>
+          <a:effectRef idx="0">
+            <a:schemeClr val="dk1"/>
+          </a:effectRef>
+          <a:fontRef idx="minor">
+            <a:schemeClr val="dk1"/>
+          </a:fontRef>
+        </p:style>
+        <p:txBody>
+          <a:bodyPr rtlCol="0" anchor="ctr"/>
+          <a:lstStyle/>
+          <a:p>
+            <a:pPr algn="ctr"/>
+            <a:r>
+              <a:rPr lang="fr-FR" b="1" spc="300" dirty="0">
+                <a:latin typeface="Comic Sans MS" panose="030F0702030302020204" pitchFamily="66" charset="0"/>
+                <a:ea typeface="JetBrains Mono" panose="02000009000000000000" pitchFamily="49" charset="0"/>
+                <a:cs typeface="JetBrains Mono" panose="02000009000000000000" pitchFamily="49" charset="0"/>
+              </a:rPr>
+              <a:t>M. Du Chevreuil</a:t>
+            </a:r>
+          </a:p>
+          <a:p>
+            <a:pPr algn="ctr"/>
+            <a:r>
+              <a:rPr lang="fr-FR" sz="1600" spc="300" dirty="0">
+                <a:latin typeface="Comic Sans MS" panose="030F0702030302020204" pitchFamily="66" charset="0"/>
+                <a:ea typeface="JetBrains Mono" panose="02000009000000000000" pitchFamily="49" charset="0"/>
+                <a:cs typeface="JetBrains Mono" panose="02000009000000000000" pitchFamily="49" charset="0"/>
+              </a:rPr>
+              <a:t>Professeur en génie </a:t>
+            </a:r>
+          </a:p>
+          <a:p>
+            <a:pPr algn="ctr"/>
+            <a:r>
+              <a:rPr lang="fr-FR" sz="1600" spc="300" dirty="0">
+                <a:latin typeface="Comic Sans MS" panose="030F0702030302020204" pitchFamily="66" charset="0"/>
+                <a:ea typeface="JetBrains Mono" panose="02000009000000000000" pitchFamily="49" charset="0"/>
+                <a:cs typeface="JetBrains Mono" panose="02000009000000000000" pitchFamily="49" charset="0"/>
+              </a:rPr>
+              <a:t>industriel bois</a:t>
+            </a:r>
+          </a:p>
+        </p:txBody>
+      </p:sp>
+      <p:sp>
+        <p:nvSpPr>
+          <p:cNvPr id="8" name="Rectangle 7"/>
+          <p:cNvSpPr/>
+          <p:nvPr/>
+        </p:nvSpPr>
+        <p:spPr>
+          <a:xfrm>
+            <a:off x="142517" y="179881"/>
+            <a:ext cx="3763201" cy="1067028"/>
+          </a:xfrm>
+          <a:prstGeom prst="rect">
+            <a:avLst/>
+          </a:prstGeom>
+          <a:ln w="57150"/>
+        </p:spPr>
+        <p:style>
+          <a:lnRef idx="2">
+            <a:schemeClr val="dk1"/>
+          </a:lnRef>
+          <a:fillRef idx="1">
+            <a:schemeClr val="lt1"/>
+          </a:fillRef>
+          <a:effectRef idx="0">
+            <a:schemeClr val="dk1"/>
+          </a:effectRef>
+          <a:fontRef idx="minor">
+            <a:schemeClr val="dk1"/>
+          </a:fontRef>
+        </p:style>
+        <p:txBody>
+          <a:bodyPr rtlCol="0" anchor="ctr"/>
+          <a:lstStyle/>
+          <a:p>
+            <a:pPr algn="ctr"/>
+            <a:r>
+              <a:rPr lang="fr-FR" b="1" dirty="0">
+                <a:latin typeface="Comic Sans MS" panose="030F0702030302020204" pitchFamily="66" charset="0"/>
+                <a:ea typeface="JetBrains Mono" panose="02000009000000000000" pitchFamily="49" charset="0"/>
+                <a:cs typeface="JetBrains Mono" panose="02000009000000000000" pitchFamily="49" charset="0"/>
+              </a:rPr>
+              <a:t>Evaluation : La feuille de débit</a:t>
+            </a:r>
+          </a:p>
+        </p:txBody>
+      </p:sp>
+      <p:graphicFrame>
+        <p:nvGraphicFramePr>
+          <p:cNvPr id="11" name="Table 10">
+            <a:extLst>
+              <a:ext uri="{FF2B5EF4-FFF2-40B4-BE49-F238E27FC236}">
+                <a16:creationId xmlns:a16="http://schemas.microsoft.com/office/drawing/2014/main" id="{6895ADAD-F51E-42FB-AA98-E082422EFEAD}"/>
+              </a:ext>
+            </a:extLst>
+          </p:cNvPr>
+          <p:cNvGraphicFramePr>
+            <a:graphicFrameLocks noGrp="1"/>
+          </p:cNvGraphicFramePr>
+          <p:nvPr>
+            <p:extLst>
+              <p:ext uri="{D42A27DB-BD31-4B8C-83A1-F6EECF244321}">
+                <p14:modId xmlns:p14="http://schemas.microsoft.com/office/powerpoint/2010/main" val="489102341"/>
+              </p:ext>
+            </p:extLst>
+          </p:nvPr>
+        </p:nvGraphicFramePr>
+        <p:xfrm>
+          <a:off x="179676" y="5417444"/>
+          <a:ext cx="14775770" cy="5202435"/>
+        </p:xfrm>
+        <a:graphic>
+          <a:graphicData uri="http://schemas.openxmlformats.org/drawingml/2006/table">
+            <a:tbl>
+              <a:tblPr firstRow="1" bandRow="1">
+                <a:effectLst/>
+                <a:tableStyleId>{5940675A-B579-460E-94D1-54222C63F5DA}</a:tableStyleId>
+              </a:tblPr>
+              <a:tblGrid>
+                <a:gridCol w="1477577">
+                  <a:extLst>
+                    <a:ext uri="{9D8B030D-6E8A-4147-A177-3AD203B41FA5}">
+                      <a16:colId xmlns:a16="http://schemas.microsoft.com/office/drawing/2014/main" val="187150873"/>
+                    </a:ext>
+                  </a:extLst>
+                </a:gridCol>
+                <a:gridCol w="1477577">
+                  <a:extLst>
+                    <a:ext uri="{9D8B030D-6E8A-4147-A177-3AD203B41FA5}">
+                      <a16:colId xmlns:a16="http://schemas.microsoft.com/office/drawing/2014/main" val="1209721339"/>
+                    </a:ext>
+                  </a:extLst>
+                </a:gridCol>
+                <a:gridCol w="1477577">
+                  <a:extLst>
+                    <a:ext uri="{9D8B030D-6E8A-4147-A177-3AD203B41FA5}">
+                      <a16:colId xmlns:a16="http://schemas.microsoft.com/office/drawing/2014/main" val="162324528"/>
+                    </a:ext>
+                  </a:extLst>
+                </a:gridCol>
+                <a:gridCol w="1477577">
+                  <a:extLst>
+                    <a:ext uri="{9D8B030D-6E8A-4147-A177-3AD203B41FA5}">
+                      <a16:colId xmlns:a16="http://schemas.microsoft.com/office/drawing/2014/main" val="903695711"/>
+                    </a:ext>
+                  </a:extLst>
+                </a:gridCol>
+                <a:gridCol w="1477577">
+                  <a:extLst>
+                    <a:ext uri="{9D8B030D-6E8A-4147-A177-3AD203B41FA5}">
+                      <a16:colId xmlns:a16="http://schemas.microsoft.com/office/drawing/2014/main" val="401433737"/>
+                    </a:ext>
+                  </a:extLst>
+                </a:gridCol>
+                <a:gridCol w="1477577">
+                  <a:extLst>
+                    <a:ext uri="{9D8B030D-6E8A-4147-A177-3AD203B41FA5}">
+                      <a16:colId xmlns:a16="http://schemas.microsoft.com/office/drawing/2014/main" val="1616956812"/>
+                    </a:ext>
+                  </a:extLst>
+                </a:gridCol>
+                <a:gridCol w="1477577">
+                  <a:extLst>
+                    <a:ext uri="{9D8B030D-6E8A-4147-A177-3AD203B41FA5}">
+                      <a16:colId xmlns:a16="http://schemas.microsoft.com/office/drawing/2014/main" val="2884985826"/>
+                    </a:ext>
+                  </a:extLst>
+                </a:gridCol>
+                <a:gridCol w="1477577">
+                  <a:extLst>
+                    <a:ext uri="{9D8B030D-6E8A-4147-A177-3AD203B41FA5}">
+                      <a16:colId xmlns:a16="http://schemas.microsoft.com/office/drawing/2014/main" val="2944062975"/>
+                    </a:ext>
+                  </a:extLst>
+                </a:gridCol>
+                <a:gridCol w="1477577">
+                  <a:extLst>
+                    <a:ext uri="{9D8B030D-6E8A-4147-A177-3AD203B41FA5}">
+                      <a16:colId xmlns:a16="http://schemas.microsoft.com/office/drawing/2014/main" val="1865196824"/>
+                    </a:ext>
+                  </a:extLst>
+                </a:gridCol>
+                <a:gridCol w="1477577">
+                  <a:extLst>
+                    <a:ext uri="{9D8B030D-6E8A-4147-A177-3AD203B41FA5}">
+                      <a16:colId xmlns:a16="http://schemas.microsoft.com/office/drawing/2014/main" val="401759116"/>
+                    </a:ext>
+                  </a:extLst>
+                </a:gridCol>
+              </a:tblGrid>
+              <a:tr h="882523">
+                <a:tc rowSpan="2">
+                  <a:txBody>
+                    <a:bodyPr/>
+                    <a:lstStyle/>
+                    <a:p>
+                      <a:pPr algn="ctr"/>
+                      <a:r>
+                        <a:rPr lang="fr-FR" sz="1600" dirty="0"/>
+                        <a:t>Repère</a:t>
+                      </a:r>
+                    </a:p>
+                  </a:txBody>
+                  <a:tcPr marL="113395" marR="113395" marT="56698" marB="56698" anchor="ctr">
+                    <a:solidFill>
+                      <a:schemeClr val="bg2"/>
+                    </a:solidFill>
+                  </a:tcPr>
+                </a:tc>
+                <a:tc rowSpan="2">
+                  <a:txBody>
+                    <a:bodyPr/>
+                    <a:lstStyle/>
+                    <a:p>
+                      <a:pPr algn="ctr"/>
+                      <a:r>
+                        <a:rPr lang="fr-FR" sz="1600" dirty="0"/>
+                        <a:t>Désignation</a:t>
+                      </a:r>
+                    </a:p>
+                  </a:txBody>
+                  <a:tcPr marL="113395" marR="113395" marT="56698" marB="56698" anchor="ctr">
+                    <a:solidFill>
+                      <a:schemeClr val="bg2"/>
+                    </a:solidFill>
+                  </a:tcPr>
+                </a:tc>
+                <a:tc rowSpan="2">
+                  <a:txBody>
+                    <a:bodyPr/>
+                    <a:lstStyle/>
+                    <a:p>
+                      <a:pPr marL="0" marR="0" lvl="0" indent="0" algn="ctr" defTabSz="914400" rtl="0" eaLnBrk="1" fontAlgn="auto" latinLnBrk="0" hangingPunct="1">
+                        <a:lnSpc>
+                          <a:spcPct val="100000"/>
+                        </a:lnSpc>
+                        <a:spcBef>
+                          <a:spcPts val="0"/>
+                        </a:spcBef>
+                        <a:spcAft>
+                          <a:spcPts val="0"/>
+                        </a:spcAft>
+                        <a:buClrTx/>
+                        <a:buSzTx/>
+                        <a:buFontTx/>
+                        <a:buNone/>
+                        <a:tabLst/>
+                        <a:defRPr/>
+                      </a:pPr>
+                      <a:r>
+                        <a:rPr lang="fr-FR" sz="1600" dirty="0"/>
+                        <a:t>Quantité</a:t>
+                      </a:r>
+                    </a:p>
+                  </a:txBody>
+                  <a:tcPr marL="113395" marR="113395" marT="56698" marB="56698" anchor="ctr">
+                    <a:solidFill>
+                      <a:schemeClr val="bg2"/>
+                    </a:solidFill>
+                  </a:tcPr>
+                </a:tc>
+                <a:tc rowSpan="2">
+                  <a:txBody>
+                    <a:bodyPr/>
+                    <a:lstStyle/>
+                    <a:p>
+                      <a:pPr algn="ctr"/>
+                      <a:r>
+                        <a:rPr lang="fr-FR" sz="1600" dirty="0"/>
+                        <a:t>Matière</a:t>
+                      </a:r>
+                    </a:p>
+                    <a:p>
+                      <a:pPr algn="ctr"/>
+                      <a:endParaRPr lang="fr-FR" sz="1600" dirty="0"/>
+                    </a:p>
+                    <a:p>
+                      <a:pPr algn="ctr"/>
+                      <a:r>
+                        <a:rPr lang="fr-FR" sz="1600" dirty="0"/>
+                        <a:t>Ou essence</a:t>
+                      </a:r>
+                    </a:p>
+                  </a:txBody>
+                  <a:tcPr marL="113395" marR="113395" marT="56698" marB="56698" anchor="ctr">
+                    <a:solidFill>
+                      <a:schemeClr val="bg2"/>
+                    </a:solidFill>
+                  </a:tcPr>
+                </a:tc>
+                <a:tc gridSpan="3">
+                  <a:txBody>
+                    <a:bodyPr/>
+                    <a:lstStyle/>
+                    <a:p>
+                      <a:pPr algn="ctr"/>
+                      <a:r>
+                        <a:rPr lang="fr-FR" sz="1600" dirty="0"/>
+                        <a:t>Dimensions finies </a:t>
+                      </a:r>
+                    </a:p>
+                    <a:p>
+                      <a:pPr algn="ctr"/>
+                      <a:r>
+                        <a:rPr lang="fr-FR" sz="1600" dirty="0"/>
+                        <a:t>(Aux</a:t>
+                      </a:r>
+                      <a:r>
+                        <a:rPr lang="fr-FR" sz="1600" baseline="0" dirty="0"/>
+                        <a:t> cotes du plan)</a:t>
+                      </a:r>
+                      <a:endParaRPr lang="fr-FR" sz="1600" dirty="0"/>
+                    </a:p>
+                  </a:txBody>
+                  <a:tcPr marL="113395" marR="113395" marT="56698" marB="56698" anchor="ctr">
+                    <a:solidFill>
+                      <a:schemeClr val="bg2"/>
+                    </a:solidFill>
+                  </a:tcPr>
+                </a:tc>
+                <a:tc hMerge="1">
+                  <a:txBody>
+                    <a:bodyPr/>
+                    <a:lstStyle/>
+                    <a:p>
+                      <a:endParaRPr lang="fr-FR" dirty="0"/>
+                    </a:p>
+                  </a:txBody>
+                  <a:tcPr/>
+                </a:tc>
+                <a:tc hMerge="1">
+                  <a:txBody>
+                    <a:bodyPr/>
+                    <a:lstStyle/>
+                    <a:p>
+                      <a:endParaRPr lang="fr-FR" dirty="0"/>
+                    </a:p>
+                  </a:txBody>
+                  <a:tcPr/>
+                </a:tc>
+                <a:tc gridSpan="3">
+                  <a:txBody>
+                    <a:bodyPr/>
+                    <a:lstStyle/>
+                    <a:p>
+                      <a:pPr algn="ctr"/>
+                      <a:r>
+                        <a:rPr lang="fr-FR" sz="1600" dirty="0"/>
+                        <a:t>Dimensions majorées ou brutes</a:t>
+                      </a:r>
+                    </a:p>
+                    <a:p>
+                      <a:pPr algn="ctr"/>
+                      <a:r>
+                        <a:rPr lang="fr-FR" sz="1600" dirty="0"/>
+                        <a:t>(avec surcotes)</a:t>
+                      </a:r>
+                    </a:p>
+                  </a:txBody>
+                  <a:tcPr marL="113395" marR="113395" marT="56698" marB="56698" anchor="ctr">
+                    <a:solidFill>
+                      <a:schemeClr val="bg2"/>
+                    </a:solidFill>
+                  </a:tcPr>
+                </a:tc>
+                <a:tc hMerge="1">
+                  <a:txBody>
+                    <a:bodyPr/>
+                    <a:lstStyle/>
+                    <a:p>
+                      <a:endParaRPr lang="fr-FR" dirty="0"/>
+                    </a:p>
+                  </a:txBody>
+                  <a:tcPr/>
+                </a:tc>
+                <a:tc hMerge="1">
+                  <a:txBody>
+                    <a:bodyPr/>
+                    <a:lstStyle/>
+                    <a:p>
+                      <a:endParaRPr lang="fr-FR" dirty="0"/>
+                    </a:p>
+                  </a:txBody>
+                  <a:tcPr/>
+                </a:tc>
+                <a:extLst>
+                  <a:ext uri="{0D108BD9-81ED-4DB2-BD59-A6C34878D82A}">
+                    <a16:rowId xmlns:a16="http://schemas.microsoft.com/office/drawing/2014/main" val="2751918690"/>
+                  </a:ext>
+                </a:extLst>
+              </a:tr>
+              <a:tr h="832456">
+                <a:tc vMerge="1">
+                  <a:txBody>
+                    <a:bodyPr/>
+                    <a:lstStyle/>
+                    <a:p>
+                      <a:endParaRPr lang="fr-FR"/>
+                    </a:p>
+                  </a:txBody>
+                  <a:tcPr/>
+                </a:tc>
+                <a:tc vMerge="1">
+                  <a:txBody>
+                    <a:bodyPr/>
+                    <a:lstStyle/>
+                    <a:p>
+                      <a:endParaRPr lang="fr-FR"/>
+                    </a:p>
+                  </a:txBody>
+                  <a:tcPr/>
+                </a:tc>
+                <a:tc vMerge="1">
+                  <a:txBody>
+                    <a:bodyPr/>
+                    <a:lstStyle/>
+                    <a:p>
+                      <a:endParaRPr lang="fr-FR"/>
+                    </a:p>
+                  </a:txBody>
+                  <a:tcPr/>
+                </a:tc>
+                <a:tc vMerge="1">
+                  <a:txBody>
+                    <a:bodyPr/>
+                    <a:lstStyle/>
+                    <a:p>
+                      <a:endParaRPr lang="fr-FR"/>
+                    </a:p>
+                  </a:txBody>
+                  <a:tcPr/>
+                </a:tc>
+                <a:tc>
+                  <a:txBody>
+                    <a:bodyPr/>
+                    <a:lstStyle/>
+                    <a:p>
+                      <a:pPr algn="ctr"/>
+                      <a:r>
+                        <a:rPr lang="fr-FR" sz="1600" dirty="0"/>
+                        <a:t>Longueur</a:t>
+                      </a:r>
+                    </a:p>
+                  </a:txBody>
+                  <a:tcPr marL="113395" marR="113395" marT="56698" marB="56698" anchor="ctr">
+                    <a:solidFill>
+                      <a:schemeClr val="bg2"/>
+                    </a:solidFill>
+                  </a:tcPr>
+                </a:tc>
+                <a:tc>
+                  <a:txBody>
+                    <a:bodyPr/>
+                    <a:lstStyle/>
+                    <a:p>
+                      <a:pPr algn="ctr"/>
+                      <a:r>
+                        <a:rPr lang="fr-FR" sz="1600" dirty="0"/>
+                        <a:t>Largeur</a:t>
+                      </a:r>
+                    </a:p>
+                  </a:txBody>
+                  <a:tcPr marL="113395" marR="113395" marT="56698" marB="56698" anchor="ctr">
+                    <a:solidFill>
+                      <a:schemeClr val="bg2"/>
+                    </a:solidFill>
+                  </a:tcPr>
+                </a:tc>
+                <a:tc>
+                  <a:txBody>
+                    <a:bodyPr/>
+                    <a:lstStyle/>
+                    <a:p>
+                      <a:pPr algn="ctr"/>
+                      <a:r>
+                        <a:rPr lang="fr-FR" sz="1600" dirty="0"/>
+                        <a:t>Epaisseur</a:t>
+                      </a:r>
+                    </a:p>
+                  </a:txBody>
+                  <a:tcPr marL="113395" marR="113395" marT="56698" marB="56698" anchor="ctr">
+                    <a:solidFill>
+                      <a:schemeClr val="bg2"/>
+                    </a:solidFill>
+                  </a:tcPr>
+                </a:tc>
+                <a:tc>
+                  <a:txBody>
+                    <a:bodyPr/>
+                    <a:lstStyle/>
+                    <a:p>
+                      <a:pPr algn="ctr"/>
+                      <a:r>
+                        <a:rPr lang="fr-FR" sz="1600" dirty="0"/>
+                        <a:t>Longueur</a:t>
+                      </a:r>
+                    </a:p>
+                  </a:txBody>
+                  <a:tcPr marL="113395" marR="113395" marT="56698" marB="56698" anchor="ctr">
+                    <a:solidFill>
+                      <a:schemeClr val="bg2"/>
+                    </a:solidFill>
+                  </a:tcPr>
+                </a:tc>
+                <a:tc>
+                  <a:txBody>
+                    <a:bodyPr/>
+                    <a:lstStyle/>
+                    <a:p>
+                      <a:pPr algn="ctr"/>
+                      <a:r>
+                        <a:rPr lang="fr-FR" sz="1600" dirty="0"/>
+                        <a:t>Largeur</a:t>
+                      </a:r>
+                    </a:p>
+                  </a:txBody>
+                  <a:tcPr marL="113395" marR="113395" marT="56698" marB="56698" anchor="ctr">
+                    <a:solidFill>
+                      <a:schemeClr val="bg2"/>
+                    </a:solidFill>
+                  </a:tcPr>
+                </a:tc>
+                <a:tc>
+                  <a:txBody>
+                    <a:bodyPr/>
+                    <a:lstStyle/>
+                    <a:p>
+                      <a:pPr algn="ctr"/>
+                      <a:r>
+                        <a:rPr lang="fr-FR" sz="1600" dirty="0"/>
+                        <a:t>Epaisseur</a:t>
+                      </a:r>
+                    </a:p>
+                  </a:txBody>
+                  <a:tcPr marL="113395" marR="113395" marT="56698" marB="56698" anchor="ctr">
+                    <a:solidFill>
+                      <a:schemeClr val="bg2"/>
+                    </a:solidFill>
+                  </a:tcPr>
+                </a:tc>
+                <a:extLst>
+                  <a:ext uri="{0D108BD9-81ED-4DB2-BD59-A6C34878D82A}">
+                    <a16:rowId xmlns:a16="http://schemas.microsoft.com/office/drawing/2014/main" val="2202644115"/>
+                  </a:ext>
+                </a:extLst>
+              </a:tr>
+              <a:tr h="435932">
+                <a:tc>
+                  <a:txBody>
+                    <a:bodyPr/>
+                    <a:lstStyle/>
+                    <a:p>
+                      <a:pPr algn="ctr"/>
+                      <a:endParaRPr lang="fr-FR" sz="1600" dirty="0"/>
+                    </a:p>
+                  </a:txBody>
+                  <a:tcPr marL="113395" marR="113395" marT="56698" marB="56698" anchor="ctr">
+                    <a:solidFill>
+                      <a:schemeClr val="bg1"/>
+                    </a:solidFill>
+                  </a:tcPr>
+                </a:tc>
+                <a:tc>
+                  <a:txBody>
+                    <a:bodyPr/>
+                    <a:lstStyle/>
+                    <a:p>
+                      <a:pPr algn="ctr"/>
+                      <a:endParaRPr lang="fr-FR" sz="1600" dirty="0"/>
+                    </a:p>
+                  </a:txBody>
+                  <a:tcPr marL="113395" marR="113395" marT="56698" marB="56698" anchor="ctr">
+                    <a:solidFill>
+                      <a:schemeClr val="bg1"/>
+                    </a:solidFill>
+                  </a:tcPr>
+                </a:tc>
+                <a:tc>
+                  <a:txBody>
+                    <a:bodyPr/>
+                    <a:lstStyle/>
+                    <a:p>
+                      <a:pPr algn="ctr"/>
+                      <a:endParaRPr lang="fr-FR" sz="1600" dirty="0"/>
+                    </a:p>
+                  </a:txBody>
+                  <a:tcPr marL="113395" marR="113395" marT="56698" marB="56698" anchor="ctr">
+                    <a:solidFill>
+                      <a:schemeClr val="bg1"/>
+                    </a:solidFill>
+                  </a:tcPr>
+                </a:tc>
+                <a:tc>
+                  <a:txBody>
+                    <a:bodyPr/>
+                    <a:lstStyle/>
+                    <a:p>
+                      <a:pPr algn="ctr"/>
+                      <a:endParaRPr lang="fr-FR" sz="1600" dirty="0"/>
+                    </a:p>
+                  </a:txBody>
+                  <a:tcPr marL="113395" marR="113395" marT="56698" marB="56698" anchor="ctr">
+                    <a:solidFill>
+                      <a:schemeClr val="bg1"/>
+                    </a:solidFill>
+                  </a:tcPr>
+                </a:tc>
+                <a:tc>
+                  <a:txBody>
+                    <a:bodyPr/>
+                    <a:lstStyle/>
+                    <a:p>
+                      <a:pPr algn="ctr"/>
+                      <a:endParaRPr lang="fr-FR" sz="1600" dirty="0"/>
+                    </a:p>
+                  </a:txBody>
+                  <a:tcPr marL="113395" marR="113395" marT="56698" marB="56698" anchor="ctr">
+                    <a:solidFill>
+                      <a:schemeClr val="bg1"/>
+                    </a:solidFill>
+                  </a:tcPr>
+                </a:tc>
+                <a:tc>
+                  <a:txBody>
+                    <a:bodyPr/>
+                    <a:lstStyle/>
+                    <a:p>
+                      <a:pPr algn="ctr"/>
+                      <a:endParaRPr lang="fr-FR" sz="1600"/>
+                    </a:p>
+                  </a:txBody>
+                  <a:tcPr marL="113395" marR="113395" marT="56698" marB="56698" anchor="ctr">
+                    <a:solidFill>
+                      <a:schemeClr val="bg1"/>
+                    </a:solidFill>
+                  </a:tcPr>
+                </a:tc>
+                <a:tc>
+                  <a:txBody>
+                    <a:bodyPr/>
+                    <a:lstStyle/>
+                    <a:p>
+                      <a:pPr algn="ctr"/>
+                      <a:endParaRPr lang="fr-FR" sz="1600" dirty="0"/>
+                    </a:p>
+                  </a:txBody>
+                  <a:tcPr marL="113395" marR="113395" marT="56698" marB="56698" anchor="ctr">
+                    <a:solidFill>
+                      <a:schemeClr val="bg1"/>
+                    </a:solidFill>
+                  </a:tcPr>
+                </a:tc>
+                <a:tc>
+                  <a:txBody>
+                    <a:bodyPr/>
+                    <a:lstStyle/>
+                    <a:p>
+                      <a:pPr algn="ctr"/>
+                      <a:endParaRPr lang="fr-FR" sz="1600" dirty="0"/>
+                    </a:p>
+                  </a:txBody>
+                  <a:tcPr marL="113395" marR="113395" marT="56698" marB="56698" anchor="ctr">
+                    <a:solidFill>
+                      <a:schemeClr val="bg1"/>
+                    </a:solidFill>
+                  </a:tcPr>
+                </a:tc>
+                <a:tc>
+                  <a:txBody>
+                    <a:bodyPr/>
+                    <a:lstStyle/>
+                    <a:p>
+                      <a:pPr algn="ctr"/>
+                      <a:endParaRPr lang="fr-FR" sz="1600" dirty="0"/>
+                    </a:p>
+                  </a:txBody>
+                  <a:tcPr marL="113395" marR="113395" marT="56698" marB="56698" anchor="ctr">
+                    <a:solidFill>
+                      <a:schemeClr val="bg1"/>
+                    </a:solidFill>
+                  </a:tcPr>
+                </a:tc>
+                <a:tc>
+                  <a:txBody>
+                    <a:bodyPr/>
+                    <a:lstStyle/>
+                    <a:p>
+                      <a:pPr algn="ctr"/>
+                      <a:endParaRPr lang="fr-FR" sz="1600" dirty="0"/>
+                    </a:p>
+                  </a:txBody>
+                  <a:tcPr marL="113395" marR="113395" marT="56698" marB="56698" anchor="ctr">
+                    <a:solidFill>
+                      <a:schemeClr val="bg1"/>
+                    </a:solidFill>
+                  </a:tcPr>
+                </a:tc>
+                <a:extLst>
+                  <a:ext uri="{0D108BD9-81ED-4DB2-BD59-A6C34878D82A}">
+                    <a16:rowId xmlns:a16="http://schemas.microsoft.com/office/drawing/2014/main" val="4148364327"/>
+                  </a:ext>
+                </a:extLst>
+              </a:tr>
+              <a:tr h="435932">
+                <a:tc>
+                  <a:txBody>
+                    <a:bodyPr/>
+                    <a:lstStyle/>
+                    <a:p>
+                      <a:pPr algn="ctr"/>
+                      <a:endParaRPr lang="fr-FR" sz="1600"/>
+                    </a:p>
+                  </a:txBody>
+                  <a:tcPr marL="113395" marR="113395" marT="56698" marB="56698" anchor="ctr">
+                    <a:solidFill>
+                      <a:schemeClr val="bg1"/>
+                    </a:solidFill>
+                  </a:tcPr>
+                </a:tc>
+                <a:tc>
+                  <a:txBody>
+                    <a:bodyPr/>
+                    <a:lstStyle/>
+                    <a:p>
+                      <a:pPr algn="ctr"/>
+                      <a:endParaRPr lang="fr-FR" sz="1600" dirty="0"/>
+                    </a:p>
+                  </a:txBody>
+                  <a:tcPr marL="113395" marR="113395" marT="56698" marB="56698" anchor="ctr">
+                    <a:solidFill>
+                      <a:schemeClr val="bg1"/>
+                    </a:solidFill>
+                  </a:tcPr>
+                </a:tc>
+                <a:tc>
+                  <a:txBody>
+                    <a:bodyPr/>
+                    <a:lstStyle/>
+                    <a:p>
+                      <a:pPr algn="ctr"/>
+                      <a:endParaRPr lang="fr-FR" sz="1600" dirty="0"/>
+                    </a:p>
+                  </a:txBody>
+                  <a:tcPr marL="113395" marR="113395" marT="56698" marB="56698" anchor="ctr">
+                    <a:solidFill>
+                      <a:schemeClr val="bg1"/>
+                    </a:solidFill>
+                  </a:tcPr>
+                </a:tc>
+                <a:tc>
+                  <a:txBody>
+                    <a:bodyPr/>
+                    <a:lstStyle/>
+                    <a:p>
+                      <a:pPr algn="ctr"/>
+                      <a:endParaRPr lang="fr-FR" sz="1600" dirty="0"/>
+                    </a:p>
+                  </a:txBody>
+                  <a:tcPr marL="113395" marR="113395" marT="56698" marB="56698" anchor="ctr">
+                    <a:solidFill>
+                      <a:schemeClr val="bg1"/>
+                    </a:solidFill>
+                  </a:tcPr>
+                </a:tc>
+                <a:tc>
+                  <a:txBody>
+                    <a:bodyPr/>
+                    <a:lstStyle/>
+                    <a:p>
+                      <a:pPr algn="ctr"/>
+                      <a:endParaRPr lang="fr-FR" sz="1600" dirty="0"/>
+                    </a:p>
+                  </a:txBody>
+                  <a:tcPr marL="113395" marR="113395" marT="56698" marB="56698" anchor="ctr">
+                    <a:solidFill>
+                      <a:schemeClr val="bg1"/>
+                    </a:solidFill>
+                  </a:tcPr>
+                </a:tc>
+                <a:tc>
+                  <a:txBody>
+                    <a:bodyPr/>
+                    <a:lstStyle/>
+                    <a:p>
+                      <a:pPr algn="ctr"/>
+                      <a:endParaRPr lang="fr-FR" sz="1600" dirty="0"/>
+                    </a:p>
+                  </a:txBody>
+                  <a:tcPr marL="113395" marR="113395" marT="56698" marB="56698" anchor="ctr">
+                    <a:solidFill>
+                      <a:schemeClr val="bg1"/>
+                    </a:solidFill>
+                  </a:tcPr>
+                </a:tc>
+                <a:tc>
+                  <a:txBody>
+                    <a:bodyPr/>
+                    <a:lstStyle/>
+                    <a:p>
+                      <a:pPr algn="ctr"/>
+                      <a:endParaRPr lang="fr-FR" sz="1600" dirty="0"/>
+                    </a:p>
+                  </a:txBody>
+                  <a:tcPr marL="113395" marR="113395" marT="56698" marB="56698" anchor="ctr">
+                    <a:solidFill>
+                      <a:schemeClr val="bg1"/>
+                    </a:solidFill>
+                  </a:tcPr>
+                </a:tc>
+                <a:tc>
+                  <a:txBody>
+                    <a:bodyPr/>
+                    <a:lstStyle/>
+                    <a:p>
+                      <a:pPr algn="ctr"/>
+                      <a:endParaRPr lang="fr-FR" sz="1600" dirty="0"/>
+                    </a:p>
+                  </a:txBody>
+                  <a:tcPr marL="113395" marR="113395" marT="56698" marB="56698" anchor="ctr">
+                    <a:solidFill>
+                      <a:schemeClr val="bg1"/>
+                    </a:solidFill>
+                  </a:tcPr>
+                </a:tc>
+                <a:tc>
+                  <a:txBody>
+                    <a:bodyPr/>
+                    <a:lstStyle/>
+                    <a:p>
+                      <a:pPr algn="ctr"/>
+                      <a:endParaRPr lang="fr-FR" sz="1600" dirty="0"/>
+                    </a:p>
+                  </a:txBody>
+                  <a:tcPr marL="113395" marR="113395" marT="56698" marB="56698" anchor="ctr">
+                    <a:solidFill>
+                      <a:schemeClr val="bg1"/>
+                    </a:solidFill>
+                  </a:tcPr>
+                </a:tc>
+                <a:tc>
+                  <a:txBody>
+                    <a:bodyPr/>
+                    <a:lstStyle/>
+                    <a:p>
+                      <a:pPr algn="ctr"/>
+                      <a:endParaRPr lang="fr-FR" sz="1600" dirty="0"/>
+                    </a:p>
+                  </a:txBody>
+                  <a:tcPr marL="113395" marR="113395" marT="56698" marB="56698" anchor="ctr">
+                    <a:solidFill>
+                      <a:schemeClr val="bg1"/>
+                    </a:solidFill>
+                  </a:tcPr>
+                </a:tc>
+                <a:extLst>
+                  <a:ext uri="{0D108BD9-81ED-4DB2-BD59-A6C34878D82A}">
+                    <a16:rowId xmlns:a16="http://schemas.microsoft.com/office/drawing/2014/main" val="3205966628"/>
+                  </a:ext>
+                </a:extLst>
+              </a:tr>
+              <a:tr h="435932">
+                <a:tc>
+                  <a:txBody>
+                    <a:bodyPr/>
+                    <a:lstStyle/>
+                    <a:p>
+                      <a:pPr algn="ctr"/>
+                      <a:endParaRPr lang="fr-FR" sz="1600" dirty="0"/>
+                    </a:p>
+                  </a:txBody>
+                  <a:tcPr marL="113395" marR="113395" marT="56698" marB="56698" anchor="ctr">
+                    <a:solidFill>
+                      <a:schemeClr val="bg1"/>
+                    </a:solidFill>
+                  </a:tcPr>
+                </a:tc>
+                <a:tc>
+                  <a:txBody>
+                    <a:bodyPr/>
+                    <a:lstStyle/>
+                    <a:p>
+                      <a:pPr algn="ctr"/>
+                      <a:endParaRPr lang="fr-FR" sz="1600" dirty="0"/>
+                    </a:p>
+                  </a:txBody>
+                  <a:tcPr marL="113395" marR="113395" marT="56698" marB="56698" anchor="ctr">
+                    <a:solidFill>
+                      <a:schemeClr val="bg1"/>
+                    </a:solidFill>
+                  </a:tcPr>
+                </a:tc>
+                <a:tc>
+                  <a:txBody>
+                    <a:bodyPr/>
+                    <a:lstStyle/>
+                    <a:p>
+                      <a:pPr algn="ctr"/>
+                      <a:endParaRPr lang="fr-FR" sz="1600" dirty="0"/>
+                    </a:p>
+                  </a:txBody>
+                  <a:tcPr marL="113395" marR="113395" marT="56698" marB="56698" anchor="ctr">
+                    <a:solidFill>
+                      <a:schemeClr val="bg1"/>
+                    </a:solidFill>
+                  </a:tcPr>
+                </a:tc>
+                <a:tc>
+                  <a:txBody>
+                    <a:bodyPr/>
+                    <a:lstStyle/>
+                    <a:p>
+                      <a:pPr algn="ctr"/>
+                      <a:endParaRPr lang="fr-FR" sz="1600" dirty="0"/>
+                    </a:p>
+                  </a:txBody>
+                  <a:tcPr marL="113395" marR="113395" marT="56698" marB="56698" anchor="ctr">
+                    <a:solidFill>
+                      <a:schemeClr val="bg1"/>
+                    </a:solidFill>
+                  </a:tcPr>
+                </a:tc>
+                <a:tc>
+                  <a:txBody>
+                    <a:bodyPr/>
+                    <a:lstStyle/>
+                    <a:p>
+                      <a:pPr algn="ctr"/>
+                      <a:endParaRPr lang="fr-FR" sz="1600" dirty="0"/>
+                    </a:p>
+                  </a:txBody>
+                  <a:tcPr marL="113395" marR="113395" marT="56698" marB="56698" anchor="ctr">
+                    <a:solidFill>
+                      <a:schemeClr val="bg1"/>
+                    </a:solidFill>
+                  </a:tcPr>
+                </a:tc>
+                <a:tc>
+                  <a:txBody>
+                    <a:bodyPr/>
+                    <a:lstStyle/>
+                    <a:p>
+                      <a:pPr algn="ctr"/>
+                      <a:endParaRPr lang="fr-FR" sz="1600" dirty="0"/>
+                    </a:p>
+                  </a:txBody>
+                  <a:tcPr marL="113395" marR="113395" marT="56698" marB="56698" anchor="ctr">
+                    <a:solidFill>
+                      <a:schemeClr val="bg1"/>
+                    </a:solidFill>
+                  </a:tcPr>
+                </a:tc>
+                <a:tc>
+                  <a:txBody>
+                    <a:bodyPr/>
+                    <a:lstStyle/>
+                    <a:p>
+                      <a:pPr algn="ctr"/>
+                      <a:endParaRPr lang="fr-FR" sz="1600" dirty="0"/>
+                    </a:p>
+                  </a:txBody>
+                  <a:tcPr marL="113395" marR="113395" marT="56698" marB="56698" anchor="ctr">
+                    <a:solidFill>
+                      <a:schemeClr val="bg1"/>
+                    </a:solidFill>
+                  </a:tcPr>
+                </a:tc>
+                <a:tc>
+                  <a:txBody>
+                    <a:bodyPr/>
+                    <a:lstStyle/>
+                    <a:p>
+                      <a:pPr algn="ctr"/>
+                      <a:endParaRPr lang="fr-FR" sz="1600" dirty="0"/>
+                    </a:p>
+                  </a:txBody>
+                  <a:tcPr marL="113395" marR="113395" marT="56698" marB="56698" anchor="ctr">
+                    <a:solidFill>
+                      <a:schemeClr val="bg1"/>
+                    </a:solidFill>
+                  </a:tcPr>
+                </a:tc>
+                <a:tc>
+                  <a:txBody>
+                    <a:bodyPr/>
+                    <a:lstStyle/>
+                    <a:p>
+                      <a:pPr algn="ctr"/>
+                      <a:endParaRPr lang="fr-FR" sz="1600" dirty="0"/>
+                    </a:p>
+                  </a:txBody>
+                  <a:tcPr marL="113395" marR="113395" marT="56698" marB="56698" anchor="ctr">
+                    <a:solidFill>
+                      <a:schemeClr val="bg1"/>
+                    </a:solidFill>
+                  </a:tcPr>
+                </a:tc>
+                <a:tc>
+                  <a:txBody>
+                    <a:bodyPr/>
+                    <a:lstStyle/>
+                    <a:p>
+                      <a:pPr algn="ctr"/>
+                      <a:endParaRPr lang="fr-FR" sz="1600" dirty="0"/>
+                    </a:p>
+                  </a:txBody>
+                  <a:tcPr marL="113395" marR="113395" marT="56698" marB="56698" anchor="ctr">
+                    <a:solidFill>
+                      <a:schemeClr val="bg1"/>
+                    </a:solidFill>
+                  </a:tcPr>
+                </a:tc>
+                <a:extLst>
+                  <a:ext uri="{0D108BD9-81ED-4DB2-BD59-A6C34878D82A}">
+                    <a16:rowId xmlns:a16="http://schemas.microsoft.com/office/drawing/2014/main" val="821861683"/>
+                  </a:ext>
+                </a:extLst>
+              </a:tr>
+              <a:tr h="435932">
+                <a:tc>
+                  <a:txBody>
+                    <a:bodyPr/>
+                    <a:lstStyle/>
+                    <a:p>
+                      <a:pPr algn="ctr"/>
+                      <a:endParaRPr lang="fr-FR" sz="1600"/>
+                    </a:p>
+                  </a:txBody>
+                  <a:tcPr marL="113395" marR="113395" marT="56698" marB="56698" anchor="ctr">
+                    <a:solidFill>
+                      <a:schemeClr val="bg1"/>
+                    </a:solidFill>
+                  </a:tcPr>
+                </a:tc>
+                <a:tc>
+                  <a:txBody>
+                    <a:bodyPr/>
+                    <a:lstStyle/>
+                    <a:p>
+                      <a:pPr algn="ctr"/>
+                      <a:endParaRPr lang="fr-FR" sz="1600" dirty="0"/>
+                    </a:p>
+                  </a:txBody>
+                  <a:tcPr marL="113395" marR="113395" marT="56698" marB="56698" anchor="ctr">
+                    <a:solidFill>
+                      <a:schemeClr val="bg1"/>
+                    </a:solidFill>
+                  </a:tcPr>
+                </a:tc>
+                <a:tc>
+                  <a:txBody>
+                    <a:bodyPr/>
+                    <a:lstStyle/>
+                    <a:p>
+                      <a:pPr algn="ctr"/>
+                      <a:endParaRPr lang="fr-FR" sz="1600" dirty="0"/>
+                    </a:p>
+                  </a:txBody>
+                  <a:tcPr marL="113395" marR="113395" marT="56698" marB="56698" anchor="ctr">
+                    <a:solidFill>
+                      <a:schemeClr val="bg1"/>
+                    </a:solidFill>
+                  </a:tcPr>
+                </a:tc>
+                <a:tc>
+                  <a:txBody>
+                    <a:bodyPr/>
+                    <a:lstStyle/>
+                    <a:p>
+                      <a:pPr algn="ctr"/>
+                      <a:endParaRPr lang="fr-FR" sz="1600" dirty="0"/>
+                    </a:p>
+                  </a:txBody>
+                  <a:tcPr marL="113395" marR="113395" marT="56698" marB="56698" anchor="ctr">
+                    <a:solidFill>
+                      <a:schemeClr val="bg1"/>
+                    </a:solidFill>
+                  </a:tcPr>
+                </a:tc>
+                <a:tc>
+                  <a:txBody>
+                    <a:bodyPr/>
+                    <a:lstStyle/>
+                    <a:p>
+                      <a:pPr algn="ctr"/>
+                      <a:endParaRPr lang="fr-FR" sz="1600" dirty="0"/>
+                    </a:p>
+                  </a:txBody>
+                  <a:tcPr marL="113395" marR="113395" marT="56698" marB="56698" anchor="ctr">
+                    <a:solidFill>
+                      <a:schemeClr val="bg1"/>
+                    </a:solidFill>
+                  </a:tcPr>
+                </a:tc>
+                <a:tc>
+                  <a:txBody>
+                    <a:bodyPr/>
+                    <a:lstStyle/>
+                    <a:p>
+                      <a:pPr algn="ctr"/>
+                      <a:endParaRPr lang="fr-FR" sz="1600" dirty="0"/>
+                    </a:p>
+                  </a:txBody>
+                  <a:tcPr marL="113395" marR="113395" marT="56698" marB="56698" anchor="ctr">
+                    <a:solidFill>
+                      <a:schemeClr val="bg1"/>
+                    </a:solidFill>
+                  </a:tcPr>
+                </a:tc>
+                <a:tc>
+                  <a:txBody>
+                    <a:bodyPr/>
+                    <a:lstStyle/>
+                    <a:p>
+                      <a:pPr algn="ctr"/>
+                      <a:endParaRPr lang="fr-FR" sz="1600" dirty="0"/>
+                    </a:p>
+                  </a:txBody>
+                  <a:tcPr marL="113395" marR="113395" marT="56698" marB="56698" anchor="ctr">
+                    <a:solidFill>
+                      <a:schemeClr val="bg1"/>
+                    </a:solidFill>
+                  </a:tcPr>
+                </a:tc>
+                <a:tc>
+                  <a:txBody>
+                    <a:bodyPr/>
+                    <a:lstStyle/>
+                    <a:p>
+                      <a:pPr algn="ctr"/>
+                      <a:endParaRPr lang="fr-FR" sz="1600" dirty="0"/>
+                    </a:p>
+                  </a:txBody>
+                  <a:tcPr marL="113395" marR="113395" marT="56698" marB="56698" anchor="ctr">
+                    <a:solidFill>
+                      <a:schemeClr val="bg1"/>
+                    </a:solidFill>
+                  </a:tcPr>
+                </a:tc>
+                <a:tc>
+                  <a:txBody>
+                    <a:bodyPr/>
+                    <a:lstStyle/>
+                    <a:p>
+                      <a:pPr algn="ctr"/>
+                      <a:endParaRPr lang="fr-FR" sz="1600" dirty="0"/>
+                    </a:p>
+                  </a:txBody>
+                  <a:tcPr marL="113395" marR="113395" marT="56698" marB="56698" anchor="ctr">
+                    <a:solidFill>
+                      <a:schemeClr val="bg1"/>
+                    </a:solidFill>
+                  </a:tcPr>
+                </a:tc>
+                <a:tc>
+                  <a:txBody>
+                    <a:bodyPr/>
+                    <a:lstStyle/>
+                    <a:p>
+                      <a:pPr algn="ctr"/>
+                      <a:endParaRPr lang="fr-FR" sz="1600" dirty="0"/>
+                    </a:p>
+                  </a:txBody>
+                  <a:tcPr marL="113395" marR="113395" marT="56698" marB="56698" anchor="ctr">
+                    <a:solidFill>
+                      <a:schemeClr val="bg1"/>
+                    </a:solidFill>
+                  </a:tcPr>
+                </a:tc>
+                <a:extLst>
+                  <a:ext uri="{0D108BD9-81ED-4DB2-BD59-A6C34878D82A}">
+                    <a16:rowId xmlns:a16="http://schemas.microsoft.com/office/drawing/2014/main" val="2198307717"/>
+                  </a:ext>
+                </a:extLst>
+              </a:tr>
+              <a:tr h="435932">
+                <a:tc>
+                  <a:txBody>
+                    <a:bodyPr/>
+                    <a:lstStyle/>
+                    <a:p>
+                      <a:pPr algn="ctr"/>
+                      <a:endParaRPr lang="fr-FR" sz="1600"/>
+                    </a:p>
+                  </a:txBody>
+                  <a:tcPr marL="113395" marR="113395" marT="56698" marB="56698" anchor="ctr">
+                    <a:solidFill>
+                      <a:schemeClr val="bg1"/>
+                    </a:solidFill>
+                  </a:tcPr>
+                </a:tc>
+                <a:tc>
+                  <a:txBody>
+                    <a:bodyPr/>
+                    <a:lstStyle/>
+                    <a:p>
+                      <a:pPr algn="ctr"/>
+                      <a:endParaRPr lang="fr-FR" sz="1600" dirty="0"/>
+                    </a:p>
+                  </a:txBody>
+                  <a:tcPr marL="113395" marR="113395" marT="56698" marB="56698" anchor="ctr">
+                    <a:solidFill>
+                      <a:schemeClr val="bg1"/>
+                    </a:solidFill>
+                  </a:tcPr>
+                </a:tc>
+                <a:tc>
+                  <a:txBody>
+                    <a:bodyPr/>
+                    <a:lstStyle/>
+                    <a:p>
+                      <a:pPr algn="ctr"/>
+                      <a:endParaRPr lang="fr-FR" sz="1600" dirty="0"/>
+                    </a:p>
+                  </a:txBody>
+                  <a:tcPr marL="113395" marR="113395" marT="56698" marB="56698" anchor="ctr">
+                    <a:solidFill>
+                      <a:schemeClr val="bg1"/>
+                    </a:solidFill>
+                  </a:tcPr>
+                </a:tc>
+                <a:tc>
+                  <a:txBody>
+                    <a:bodyPr/>
+                    <a:lstStyle/>
+                    <a:p>
+                      <a:pPr algn="ctr"/>
+                      <a:endParaRPr lang="fr-FR" sz="1600" dirty="0"/>
+                    </a:p>
+                  </a:txBody>
+                  <a:tcPr marL="113395" marR="113395" marT="56698" marB="56698" anchor="ctr">
+                    <a:solidFill>
+                      <a:schemeClr val="bg1"/>
+                    </a:solidFill>
+                  </a:tcPr>
+                </a:tc>
+                <a:tc>
+                  <a:txBody>
+                    <a:bodyPr/>
+                    <a:lstStyle/>
+                    <a:p>
+                      <a:pPr algn="ctr"/>
+                      <a:endParaRPr lang="fr-FR" sz="1600" dirty="0"/>
+                    </a:p>
+                  </a:txBody>
+                  <a:tcPr marL="113395" marR="113395" marT="56698" marB="56698" anchor="ctr">
+                    <a:solidFill>
+                      <a:schemeClr val="bg1"/>
+                    </a:solidFill>
+                  </a:tcPr>
+                </a:tc>
+                <a:tc>
+                  <a:txBody>
+                    <a:bodyPr/>
+                    <a:lstStyle/>
+                    <a:p>
+                      <a:pPr algn="ctr"/>
+                      <a:endParaRPr lang="fr-FR" sz="1600" dirty="0"/>
+                    </a:p>
+                  </a:txBody>
+                  <a:tcPr marL="113395" marR="113395" marT="56698" marB="56698" anchor="ctr">
+                    <a:solidFill>
+                      <a:schemeClr val="bg1"/>
+                    </a:solidFill>
+                  </a:tcPr>
+                </a:tc>
+                <a:tc>
+                  <a:txBody>
+                    <a:bodyPr/>
+                    <a:lstStyle/>
+                    <a:p>
+                      <a:pPr algn="ctr"/>
+                      <a:endParaRPr lang="fr-FR" sz="1600" dirty="0"/>
+                    </a:p>
+                  </a:txBody>
+                  <a:tcPr marL="113395" marR="113395" marT="56698" marB="56698" anchor="ctr">
+                    <a:solidFill>
+                      <a:schemeClr val="bg1"/>
+                    </a:solidFill>
+                  </a:tcPr>
+                </a:tc>
+                <a:tc>
+                  <a:txBody>
+                    <a:bodyPr/>
+                    <a:lstStyle/>
+                    <a:p>
+                      <a:pPr algn="ctr"/>
+                      <a:endParaRPr lang="fr-FR" sz="1600" dirty="0"/>
+                    </a:p>
+                  </a:txBody>
+                  <a:tcPr marL="113395" marR="113395" marT="56698" marB="56698" anchor="ctr">
+                    <a:solidFill>
+                      <a:schemeClr val="bg1"/>
+                    </a:solidFill>
+                  </a:tcPr>
+                </a:tc>
+                <a:tc>
+                  <a:txBody>
+                    <a:bodyPr/>
+                    <a:lstStyle/>
+                    <a:p>
+                      <a:pPr algn="ctr"/>
+                      <a:endParaRPr lang="fr-FR" sz="1600" dirty="0"/>
+                    </a:p>
+                  </a:txBody>
+                  <a:tcPr marL="113395" marR="113395" marT="56698" marB="56698" anchor="ctr">
+                    <a:solidFill>
+                      <a:schemeClr val="bg1"/>
+                    </a:solidFill>
+                  </a:tcPr>
+                </a:tc>
+                <a:tc>
+                  <a:txBody>
+                    <a:bodyPr/>
+                    <a:lstStyle/>
+                    <a:p>
+                      <a:pPr algn="ctr"/>
+                      <a:endParaRPr lang="fr-FR" sz="1600" dirty="0"/>
+                    </a:p>
+                  </a:txBody>
+                  <a:tcPr marL="113395" marR="113395" marT="56698" marB="56698" anchor="ctr">
+                    <a:solidFill>
+                      <a:schemeClr val="bg1"/>
+                    </a:solidFill>
+                  </a:tcPr>
+                </a:tc>
+                <a:extLst>
+                  <a:ext uri="{0D108BD9-81ED-4DB2-BD59-A6C34878D82A}">
+                    <a16:rowId xmlns:a16="http://schemas.microsoft.com/office/drawing/2014/main" val="1446045739"/>
+                  </a:ext>
+                </a:extLst>
+              </a:tr>
+              <a:tr h="435932">
+                <a:tc>
+                  <a:txBody>
+                    <a:bodyPr/>
+                    <a:lstStyle/>
+                    <a:p>
+                      <a:pPr algn="ctr"/>
+                      <a:endParaRPr lang="fr-FR" sz="1600"/>
+                    </a:p>
+                  </a:txBody>
+                  <a:tcPr marL="113395" marR="113395" marT="56698" marB="56698" anchor="ctr">
+                    <a:solidFill>
+                      <a:schemeClr val="bg1"/>
+                    </a:solidFill>
+                  </a:tcPr>
+                </a:tc>
+                <a:tc>
+                  <a:txBody>
+                    <a:bodyPr/>
+                    <a:lstStyle/>
+                    <a:p>
+                      <a:pPr algn="ctr"/>
+                      <a:endParaRPr lang="fr-FR" sz="1600" dirty="0"/>
+                    </a:p>
+                  </a:txBody>
+                  <a:tcPr marL="113395" marR="113395" marT="56698" marB="56698" anchor="ctr">
+                    <a:solidFill>
+                      <a:schemeClr val="bg1"/>
+                    </a:solidFill>
+                  </a:tcPr>
+                </a:tc>
+                <a:tc>
+                  <a:txBody>
+                    <a:bodyPr/>
+                    <a:lstStyle/>
+                    <a:p>
+                      <a:pPr algn="ctr"/>
+                      <a:endParaRPr lang="fr-FR" sz="1600" dirty="0"/>
+                    </a:p>
+                  </a:txBody>
+                  <a:tcPr marL="113395" marR="113395" marT="56698" marB="56698" anchor="ctr">
+                    <a:solidFill>
+                      <a:schemeClr val="bg1"/>
+                    </a:solidFill>
+                  </a:tcPr>
+                </a:tc>
+                <a:tc>
+                  <a:txBody>
+                    <a:bodyPr/>
+                    <a:lstStyle/>
+                    <a:p>
+                      <a:pPr algn="ctr"/>
+                      <a:endParaRPr lang="fr-FR" sz="1600" dirty="0"/>
+                    </a:p>
+                  </a:txBody>
+                  <a:tcPr marL="113395" marR="113395" marT="56698" marB="56698" anchor="ctr">
+                    <a:solidFill>
+                      <a:schemeClr val="bg1"/>
+                    </a:solidFill>
+                  </a:tcPr>
+                </a:tc>
+                <a:tc>
+                  <a:txBody>
+                    <a:bodyPr/>
+                    <a:lstStyle/>
+                    <a:p>
+                      <a:pPr algn="ctr"/>
+                      <a:endParaRPr lang="fr-FR" sz="1600" dirty="0"/>
+                    </a:p>
+                  </a:txBody>
+                  <a:tcPr marL="113395" marR="113395" marT="56698" marB="56698" anchor="ctr">
+                    <a:solidFill>
+                      <a:schemeClr val="bg1"/>
+                    </a:solidFill>
+                  </a:tcPr>
+                </a:tc>
+                <a:tc>
+                  <a:txBody>
+                    <a:bodyPr/>
+                    <a:lstStyle/>
+                    <a:p>
+                      <a:pPr algn="ctr"/>
+                      <a:endParaRPr lang="fr-FR" sz="1600" dirty="0"/>
+                    </a:p>
+                  </a:txBody>
+                  <a:tcPr marL="113395" marR="113395" marT="56698" marB="56698" anchor="ctr">
+                    <a:solidFill>
+                      <a:schemeClr val="bg1"/>
+                    </a:solidFill>
+                  </a:tcPr>
+                </a:tc>
+                <a:tc>
+                  <a:txBody>
+                    <a:bodyPr/>
+                    <a:lstStyle/>
+                    <a:p>
+                      <a:pPr algn="ctr"/>
+                      <a:endParaRPr lang="fr-FR" sz="1600" dirty="0"/>
+                    </a:p>
+                  </a:txBody>
+                  <a:tcPr marL="113395" marR="113395" marT="56698" marB="56698" anchor="ctr">
+                    <a:solidFill>
+                      <a:schemeClr val="bg1"/>
+                    </a:solidFill>
+                  </a:tcPr>
+                </a:tc>
+                <a:tc>
+                  <a:txBody>
+                    <a:bodyPr/>
+                    <a:lstStyle/>
+                    <a:p>
+                      <a:pPr algn="ctr"/>
+                      <a:endParaRPr lang="fr-FR" sz="1600" dirty="0"/>
+                    </a:p>
+                  </a:txBody>
+                  <a:tcPr marL="113395" marR="113395" marT="56698" marB="56698" anchor="ctr">
+                    <a:solidFill>
+                      <a:schemeClr val="bg1"/>
+                    </a:solidFill>
+                  </a:tcPr>
+                </a:tc>
+                <a:tc>
+                  <a:txBody>
+                    <a:bodyPr/>
+                    <a:lstStyle/>
+                    <a:p>
+                      <a:pPr algn="ctr"/>
+                      <a:endParaRPr lang="fr-FR" sz="1600" dirty="0"/>
+                    </a:p>
+                  </a:txBody>
+                  <a:tcPr marL="113395" marR="113395" marT="56698" marB="56698" anchor="ctr">
+                    <a:solidFill>
+                      <a:schemeClr val="bg1"/>
+                    </a:solidFill>
+                  </a:tcPr>
+                </a:tc>
+                <a:tc>
+                  <a:txBody>
+                    <a:bodyPr/>
+                    <a:lstStyle/>
+                    <a:p>
+                      <a:pPr algn="ctr"/>
+                      <a:endParaRPr lang="fr-FR" sz="1600" dirty="0"/>
+                    </a:p>
+                  </a:txBody>
+                  <a:tcPr marL="113395" marR="113395" marT="56698" marB="56698" anchor="ctr">
+                    <a:solidFill>
+                      <a:schemeClr val="bg1"/>
+                    </a:solidFill>
+                  </a:tcPr>
+                </a:tc>
+                <a:extLst>
+                  <a:ext uri="{0D108BD9-81ED-4DB2-BD59-A6C34878D82A}">
+                    <a16:rowId xmlns:a16="http://schemas.microsoft.com/office/drawing/2014/main" val="3999794973"/>
+                  </a:ext>
+                </a:extLst>
+              </a:tr>
+              <a:tr h="435932">
+                <a:tc>
+                  <a:txBody>
+                    <a:bodyPr/>
+                    <a:lstStyle/>
+                    <a:p>
+                      <a:pPr algn="ctr"/>
+                      <a:endParaRPr lang="fr-FR" sz="1600" dirty="0"/>
+                    </a:p>
+                  </a:txBody>
+                  <a:tcPr marL="113395" marR="113395" marT="56698" marB="56698" anchor="ctr">
+                    <a:solidFill>
+                      <a:schemeClr val="bg1"/>
+                    </a:solidFill>
+                  </a:tcPr>
+                </a:tc>
+                <a:tc>
+                  <a:txBody>
+                    <a:bodyPr/>
+                    <a:lstStyle/>
+                    <a:p>
+                      <a:pPr algn="ctr"/>
+                      <a:endParaRPr lang="fr-FR" sz="1600" dirty="0"/>
+                    </a:p>
+                  </a:txBody>
+                  <a:tcPr marL="113395" marR="113395" marT="56698" marB="56698" anchor="ctr">
+                    <a:solidFill>
+                      <a:schemeClr val="bg1"/>
+                    </a:solidFill>
+                  </a:tcPr>
+                </a:tc>
+                <a:tc>
+                  <a:txBody>
+                    <a:bodyPr/>
+                    <a:lstStyle/>
+                    <a:p>
+                      <a:pPr algn="ctr"/>
+                      <a:endParaRPr lang="fr-FR" sz="1600" dirty="0"/>
+                    </a:p>
+                  </a:txBody>
+                  <a:tcPr marL="113395" marR="113395" marT="56698" marB="56698" anchor="ctr">
+                    <a:solidFill>
+                      <a:schemeClr val="bg1"/>
+                    </a:solidFill>
+                  </a:tcPr>
+                </a:tc>
+                <a:tc>
+                  <a:txBody>
+                    <a:bodyPr/>
+                    <a:lstStyle/>
+                    <a:p>
+                      <a:pPr algn="ctr"/>
+                      <a:endParaRPr lang="fr-FR" sz="1600" dirty="0"/>
+                    </a:p>
+                  </a:txBody>
+                  <a:tcPr marL="113395" marR="113395" marT="56698" marB="56698" anchor="ctr">
+                    <a:solidFill>
+                      <a:schemeClr val="bg1"/>
+                    </a:solidFill>
+                  </a:tcPr>
+                </a:tc>
+                <a:tc>
+                  <a:txBody>
+                    <a:bodyPr/>
+                    <a:lstStyle/>
+                    <a:p>
+                      <a:pPr algn="ctr"/>
+                      <a:endParaRPr lang="fr-FR" sz="1600" dirty="0"/>
+                    </a:p>
+                  </a:txBody>
+                  <a:tcPr marL="113395" marR="113395" marT="56698" marB="56698" anchor="ctr">
+                    <a:solidFill>
+                      <a:schemeClr val="bg1"/>
+                    </a:solidFill>
+                  </a:tcPr>
+                </a:tc>
+                <a:tc>
+                  <a:txBody>
+                    <a:bodyPr/>
+                    <a:lstStyle/>
+                    <a:p>
+                      <a:pPr algn="ctr"/>
+                      <a:endParaRPr lang="fr-FR" sz="1600" dirty="0"/>
+                    </a:p>
+                  </a:txBody>
+                  <a:tcPr marL="113395" marR="113395" marT="56698" marB="56698" anchor="ctr">
+                    <a:solidFill>
+                      <a:schemeClr val="bg1"/>
+                    </a:solidFill>
+                  </a:tcPr>
+                </a:tc>
+                <a:tc>
+                  <a:txBody>
+                    <a:bodyPr/>
+                    <a:lstStyle/>
+                    <a:p>
+                      <a:pPr algn="ctr"/>
+                      <a:endParaRPr lang="fr-FR" sz="1600" dirty="0"/>
+                    </a:p>
+                  </a:txBody>
+                  <a:tcPr marL="113395" marR="113395" marT="56698" marB="56698" anchor="ctr">
+                    <a:solidFill>
+                      <a:schemeClr val="bg1"/>
+                    </a:solidFill>
+                  </a:tcPr>
+                </a:tc>
+                <a:tc>
+                  <a:txBody>
+                    <a:bodyPr/>
+                    <a:lstStyle/>
+                    <a:p>
+                      <a:pPr algn="ctr"/>
+                      <a:endParaRPr lang="fr-FR" sz="1600" dirty="0"/>
+                    </a:p>
+                  </a:txBody>
+                  <a:tcPr marL="113395" marR="113395" marT="56698" marB="56698" anchor="ctr">
+                    <a:solidFill>
+                      <a:schemeClr val="bg1"/>
+                    </a:solidFill>
+                  </a:tcPr>
+                </a:tc>
+                <a:tc>
+                  <a:txBody>
+                    <a:bodyPr/>
+                    <a:lstStyle/>
+                    <a:p>
+                      <a:pPr algn="ctr"/>
+                      <a:endParaRPr lang="fr-FR" sz="1600" dirty="0"/>
+                    </a:p>
+                  </a:txBody>
+                  <a:tcPr marL="113395" marR="113395" marT="56698" marB="56698" anchor="ctr">
+                    <a:solidFill>
+                      <a:schemeClr val="bg1"/>
+                    </a:solidFill>
+                  </a:tcPr>
+                </a:tc>
+                <a:tc>
+                  <a:txBody>
+                    <a:bodyPr/>
+                    <a:lstStyle/>
+                    <a:p>
+                      <a:pPr algn="ctr"/>
+                      <a:endParaRPr lang="fr-FR" sz="1600" dirty="0"/>
+                    </a:p>
+                  </a:txBody>
+                  <a:tcPr marL="113395" marR="113395" marT="56698" marB="56698" anchor="ctr">
+                    <a:solidFill>
+                      <a:schemeClr val="bg1"/>
+                    </a:solidFill>
+                  </a:tcPr>
+                </a:tc>
+                <a:extLst>
+                  <a:ext uri="{0D108BD9-81ED-4DB2-BD59-A6C34878D82A}">
+                    <a16:rowId xmlns:a16="http://schemas.microsoft.com/office/drawing/2014/main" val="112883267"/>
+                  </a:ext>
+                </a:extLst>
+              </a:tr>
+              <a:tr h="435932">
+                <a:tc>
+                  <a:txBody>
+                    <a:bodyPr/>
+                    <a:lstStyle/>
+                    <a:p>
+                      <a:pPr algn="ctr"/>
+                      <a:endParaRPr lang="fr-FR" sz="1600" dirty="0"/>
+                    </a:p>
+                  </a:txBody>
+                  <a:tcPr marL="113395" marR="113395" marT="56698" marB="56698" anchor="ctr">
+                    <a:solidFill>
+                      <a:schemeClr val="bg1"/>
+                    </a:solidFill>
+                  </a:tcPr>
+                </a:tc>
+                <a:tc>
+                  <a:txBody>
+                    <a:bodyPr/>
+                    <a:lstStyle/>
+                    <a:p>
+                      <a:pPr algn="ctr"/>
+                      <a:endParaRPr lang="fr-FR" sz="1600" dirty="0"/>
+                    </a:p>
+                  </a:txBody>
+                  <a:tcPr marL="113395" marR="113395" marT="56698" marB="56698" anchor="ctr">
+                    <a:solidFill>
+                      <a:schemeClr val="bg1"/>
+                    </a:solidFill>
+                  </a:tcPr>
+                </a:tc>
+                <a:tc>
+                  <a:txBody>
+                    <a:bodyPr/>
+                    <a:lstStyle/>
+                    <a:p>
+                      <a:pPr algn="ctr"/>
+                      <a:endParaRPr lang="fr-FR" sz="1600" dirty="0"/>
+                    </a:p>
+                  </a:txBody>
+                  <a:tcPr marL="113395" marR="113395" marT="56698" marB="56698" anchor="ctr">
+                    <a:solidFill>
+                      <a:schemeClr val="bg1"/>
+                    </a:solidFill>
+                  </a:tcPr>
+                </a:tc>
+                <a:tc>
+                  <a:txBody>
+                    <a:bodyPr/>
+                    <a:lstStyle/>
+                    <a:p>
+                      <a:pPr algn="ctr"/>
+                      <a:endParaRPr lang="fr-FR" sz="1600" dirty="0"/>
+                    </a:p>
+                  </a:txBody>
+                  <a:tcPr marL="113395" marR="113395" marT="56698" marB="56698" anchor="ctr">
+                    <a:solidFill>
+                      <a:schemeClr val="bg1"/>
+                    </a:solidFill>
+                  </a:tcPr>
+                </a:tc>
+                <a:tc>
+                  <a:txBody>
+                    <a:bodyPr/>
+                    <a:lstStyle/>
+                    <a:p>
+                      <a:pPr algn="ctr"/>
+                      <a:endParaRPr lang="fr-FR" sz="1600" dirty="0"/>
+                    </a:p>
+                  </a:txBody>
+                  <a:tcPr marL="113395" marR="113395" marT="56698" marB="56698" anchor="ctr">
+                    <a:solidFill>
+                      <a:schemeClr val="bg1"/>
+                    </a:solidFill>
+                  </a:tcPr>
+                </a:tc>
+                <a:tc>
+                  <a:txBody>
+                    <a:bodyPr/>
+                    <a:lstStyle/>
+                    <a:p>
+                      <a:pPr algn="ctr"/>
+                      <a:endParaRPr lang="fr-FR" sz="1600" dirty="0"/>
+                    </a:p>
+                  </a:txBody>
+                  <a:tcPr marL="113395" marR="113395" marT="56698" marB="56698" anchor="ctr">
+                    <a:solidFill>
+                      <a:schemeClr val="bg1"/>
+                    </a:solidFill>
+                  </a:tcPr>
+                </a:tc>
+                <a:tc>
+                  <a:txBody>
+                    <a:bodyPr/>
+                    <a:lstStyle/>
+                    <a:p>
+                      <a:pPr algn="ctr"/>
+                      <a:endParaRPr lang="fr-FR" sz="1600" dirty="0"/>
+                    </a:p>
+                  </a:txBody>
+                  <a:tcPr marL="113395" marR="113395" marT="56698" marB="56698" anchor="ctr">
+                    <a:solidFill>
+                      <a:schemeClr val="bg1"/>
+                    </a:solidFill>
+                  </a:tcPr>
+                </a:tc>
+                <a:tc>
+                  <a:txBody>
+                    <a:bodyPr/>
+                    <a:lstStyle/>
+                    <a:p>
+                      <a:pPr algn="ctr"/>
+                      <a:endParaRPr lang="fr-FR" sz="1600" dirty="0"/>
+                    </a:p>
+                  </a:txBody>
+                  <a:tcPr marL="113395" marR="113395" marT="56698" marB="56698" anchor="ctr">
+                    <a:solidFill>
+                      <a:schemeClr val="bg1"/>
+                    </a:solidFill>
+                  </a:tcPr>
+                </a:tc>
+                <a:tc>
+                  <a:txBody>
+                    <a:bodyPr/>
+                    <a:lstStyle/>
+                    <a:p>
+                      <a:pPr algn="ctr"/>
+                      <a:endParaRPr lang="fr-FR" sz="1600" dirty="0"/>
+                    </a:p>
+                  </a:txBody>
+                  <a:tcPr marL="113395" marR="113395" marT="56698" marB="56698" anchor="ctr">
+                    <a:solidFill>
+                      <a:schemeClr val="bg1"/>
+                    </a:solidFill>
+                  </a:tcPr>
+                </a:tc>
+                <a:tc>
+                  <a:txBody>
+                    <a:bodyPr/>
+                    <a:lstStyle/>
+                    <a:p>
+                      <a:pPr algn="ctr"/>
+                      <a:endParaRPr lang="fr-FR" sz="1600" dirty="0"/>
+                    </a:p>
+                  </a:txBody>
+                  <a:tcPr marL="113395" marR="113395" marT="56698" marB="56698" anchor="ctr">
+                    <a:solidFill>
+                      <a:schemeClr val="bg1"/>
+                    </a:solidFill>
+                  </a:tcPr>
+                </a:tc>
+                <a:extLst>
+                  <a:ext uri="{0D108BD9-81ED-4DB2-BD59-A6C34878D82A}">
+                    <a16:rowId xmlns:a16="http://schemas.microsoft.com/office/drawing/2014/main" val="3907291957"/>
+                  </a:ext>
+                </a:extLst>
+              </a:tr>
+            </a:tbl>
+          </a:graphicData>
+        </a:graphic>
+      </p:graphicFrame>
+      <p:cxnSp>
+        <p:nvCxnSpPr>
+          <p:cNvPr id="12" name="Straight Connector 11">
+            <a:extLst>
+              <a:ext uri="{FF2B5EF4-FFF2-40B4-BE49-F238E27FC236}">
+                <a16:creationId xmlns:a16="http://schemas.microsoft.com/office/drawing/2014/main" id="{A5C65326-4F74-44D4-82E3-956C681F2FA2}"/>
+              </a:ext>
+            </a:extLst>
+          </p:cNvPr>
+          <p:cNvCxnSpPr>
+            <a:cxnSpLocks/>
+          </p:cNvCxnSpPr>
+          <p:nvPr/>
+        </p:nvCxnSpPr>
+        <p:spPr>
+          <a:xfrm>
+            <a:off x="6102218" y="5406231"/>
+            <a:ext cx="0" cy="5220002"/>
+          </a:xfrm>
+          <a:prstGeom prst="line">
+            <a:avLst/>
+          </a:prstGeom>
+          <a:ln w="38100"/>
+        </p:spPr>
+        <p:style>
+          <a:lnRef idx="3">
+            <a:schemeClr val="dk1"/>
+          </a:lnRef>
+          <a:fillRef idx="0">
+            <a:schemeClr val="dk1"/>
+          </a:fillRef>
+          <a:effectRef idx="2">
+            <a:schemeClr val="dk1"/>
+          </a:effectRef>
+          <a:fontRef idx="minor">
+            <a:schemeClr val="tx1"/>
+          </a:fontRef>
+        </p:style>
+      </p:cxnSp>
+      <p:cxnSp>
+        <p:nvCxnSpPr>
+          <p:cNvPr id="13" name="Straight Connector 12">
+            <a:extLst>
+              <a:ext uri="{FF2B5EF4-FFF2-40B4-BE49-F238E27FC236}">
+                <a16:creationId xmlns:a16="http://schemas.microsoft.com/office/drawing/2014/main" id="{870667AA-EF39-478E-ADF9-1B9CD21CF0F8}"/>
+              </a:ext>
+            </a:extLst>
+          </p:cNvPr>
+          <p:cNvCxnSpPr>
+            <a:cxnSpLocks/>
+          </p:cNvCxnSpPr>
+          <p:nvPr/>
+        </p:nvCxnSpPr>
+        <p:spPr>
+          <a:xfrm>
+            <a:off x="10517658" y="5417444"/>
+            <a:ext cx="0" cy="5202439"/>
+          </a:xfrm>
+          <a:prstGeom prst="line">
+            <a:avLst/>
+          </a:prstGeom>
+          <a:ln w="38100"/>
+        </p:spPr>
+        <p:style>
+          <a:lnRef idx="3">
+            <a:schemeClr val="dk1"/>
+          </a:lnRef>
+          <a:fillRef idx="0">
+            <a:schemeClr val="dk1"/>
+          </a:fillRef>
+          <a:effectRef idx="2">
+            <a:schemeClr val="dk1"/>
+          </a:effectRef>
+          <a:fontRef idx="minor">
+            <a:schemeClr val="tx1"/>
+          </a:fontRef>
+        </p:style>
+      </p:cxnSp>
+    </p:spTree>
+    <p:extLst>
+      <p:ext uri="{BB962C8B-B14F-4D97-AF65-F5344CB8AC3E}">
+        <p14:creationId xmlns:p14="http://schemas.microsoft.com/office/powerpoint/2010/main" val="2279445867"/>
+      </p:ext>
+    </p:extLst>
+  </p:cSld>
+  <p:clrMapOvr>
+    <a:masterClrMapping/>
+  </p:clrMapOvr>
+</p:sld>
+</file>
+
+<file path=ppt/slides/slide5.xml><?xml version="1.0" encoding="utf-8"?>
+<p:sld xmlns:a="http://schemas.openxmlformats.org/drawingml/2006/main" xmlns:r="http://schemas.openxmlformats.org/officeDocument/2006/relationships" xmlns:p="http://schemas.openxmlformats.org/presentationml/2006/main">
+  <p:cSld>
+    <p:spTree>
+      <p:nvGrpSpPr>
+        <p:cNvPr id="1" name=""/>
+        <p:cNvGrpSpPr/>
+        <p:nvPr/>
+      </p:nvGrpSpPr>
+      <p:grpSpPr>
+        <a:xfrm>
+          <a:off x="0" y="0"/>
+          <a:ext cx="0" cy="0"/>
+          <a:chOff x="0" y="0"/>
+          <a:chExt cx="0" cy="0"/>
+        </a:xfrm>
+      </p:grpSpPr>
+      <p:sp>
+        <p:nvSpPr>
+          <p:cNvPr id="17" name="Rectangle 16"/>
+          <p:cNvSpPr/>
+          <p:nvPr/>
+        </p:nvSpPr>
+        <p:spPr>
+          <a:xfrm>
             <a:off x="0" y="179881"/>
             <a:ext cx="15119349" cy="10440000"/>
           </a:xfrm>
@@ -6470,7 +9499,7 @@
 </p:sld>
 </file>
 
-<file path=ppt/slides/slide5.xml><?xml version="1.0" encoding="utf-8"?>
+<file path=ppt/slides/slide6.xml><?xml version="1.0" encoding="utf-8"?>
 <p:sld xmlns:a="http://schemas.openxmlformats.org/drawingml/2006/main" xmlns:r="http://schemas.openxmlformats.org/officeDocument/2006/relationships" xmlns:p="http://schemas.openxmlformats.org/presentationml/2006/main">
   <p:cSld>
     <p:spTree>
@@ -6992,7 +10021,7 @@
 </p:sld>
 </file>
 
-<file path=ppt/slides/slide6.xml><?xml version="1.0" encoding="utf-8"?>
+<file path=ppt/slides/slide7.xml><?xml version="1.0" encoding="utf-8"?>
 <p:sld xmlns:a="http://schemas.openxmlformats.org/drawingml/2006/main" xmlns:r="http://schemas.openxmlformats.org/officeDocument/2006/relationships" xmlns:p="http://schemas.openxmlformats.org/presentationml/2006/main">
   <p:cSld>
     <p:spTree>
@@ -7726,7 +10755,7 @@
 </p:sld>
 </file>
 
-<file path=ppt/slides/slide7.xml><?xml version="1.0" encoding="utf-8"?>
+<file path=ppt/slides/slide8.xml><?xml version="1.0" encoding="utf-8"?>
 <p:sld xmlns:a="http://schemas.openxmlformats.org/drawingml/2006/main" xmlns:r="http://schemas.openxmlformats.org/officeDocument/2006/relationships" xmlns:p="http://schemas.openxmlformats.org/presentationml/2006/main">
   <p:cSld>
     <p:spTree>
@@ -7821,7 +10850,7 @@
 </p:sld>
 </file>
 
-<file path=ppt/slides/slide8.xml><?xml version="1.0" encoding="utf-8"?>
+<file path=ppt/slides/slide9.xml><?xml version="1.0" encoding="utf-8"?>
 <p:sld xmlns:a="http://schemas.openxmlformats.org/drawingml/2006/main" xmlns:r="http://schemas.openxmlformats.org/officeDocument/2006/relationships" xmlns:p="http://schemas.openxmlformats.org/presentationml/2006/main">
   <p:cSld>
     <p:spTree>
@@ -8334,740 +11363,6 @@
     <p:extLst>
       <p:ext uri="{BB962C8B-B14F-4D97-AF65-F5344CB8AC3E}">
         <p14:creationId xmlns:p14="http://schemas.microsoft.com/office/powerpoint/2010/main" val="3063325749"/>
-      </p:ext>
-    </p:extLst>
-  </p:cSld>
-  <p:clrMapOvr>
-    <a:masterClrMapping/>
-  </p:clrMapOvr>
-</p:sld>
-</file>
-
-<file path=ppt/slides/slide9.xml><?xml version="1.0" encoding="utf-8"?>
-<p:sld xmlns:a="http://schemas.openxmlformats.org/drawingml/2006/main" xmlns:r="http://schemas.openxmlformats.org/officeDocument/2006/relationships" xmlns:p="http://schemas.openxmlformats.org/presentationml/2006/main">
-  <p:cSld>
-    <p:spTree>
-      <p:nvGrpSpPr>
-        <p:cNvPr id="1" name=""/>
-        <p:cNvGrpSpPr/>
-        <p:nvPr/>
-      </p:nvGrpSpPr>
-      <p:grpSpPr>
-        <a:xfrm>
-          <a:off x="0" y="0"/>
-          <a:ext cx="0" cy="0"/>
-          <a:chOff x="0" y="0"/>
-          <a:chExt cx="0" cy="0"/>
-        </a:xfrm>
-      </p:grpSpPr>
-      <p:sp>
-        <p:nvSpPr>
-          <p:cNvPr id="17" name="Rectangle 16"/>
-          <p:cNvSpPr/>
-          <p:nvPr/>
-        </p:nvSpPr>
-        <p:spPr>
-          <a:xfrm>
-            <a:off x="4039557" y="179881"/>
-            <a:ext cx="7040235" cy="10440000"/>
-          </a:xfrm>
-          <a:prstGeom prst="rect">
-            <a:avLst/>
-          </a:prstGeom>
-          <a:ln w="57150"/>
-        </p:spPr>
-        <p:style>
-          <a:lnRef idx="2">
-            <a:schemeClr val="dk1"/>
-          </a:lnRef>
-          <a:fillRef idx="1">
-            <a:schemeClr val="lt1"/>
-          </a:fillRef>
-          <a:effectRef idx="0">
-            <a:schemeClr val="dk1"/>
-          </a:effectRef>
-          <a:fontRef idx="minor">
-            <a:schemeClr val="dk1"/>
-          </a:fontRef>
-        </p:style>
-        <p:txBody>
-          <a:bodyPr rtlCol="0" anchor="ctr"/>
-          <a:lstStyle/>
-          <a:p>
-            <a:pPr marL="72000"/>
-            <a:endParaRPr lang="fr-FR" sz="1600" dirty="0">
-              <a:cs typeface="Arial" panose="020B0604020202020204" pitchFamily="34" charset="0"/>
-            </a:endParaRPr>
-          </a:p>
-        </p:txBody>
-      </p:sp>
-      <p:sp>
-        <p:nvSpPr>
-          <p:cNvPr id="18" name="Rectangle 17"/>
-          <p:cNvSpPr/>
-          <p:nvPr/>
-        </p:nvSpPr>
-        <p:spPr>
-          <a:xfrm>
-            <a:off x="142517" y="1390649"/>
-            <a:ext cx="3763202" cy="9229231"/>
-          </a:xfrm>
-          <a:prstGeom prst="rect">
-            <a:avLst/>
-          </a:prstGeom>
-          <a:ln w="57150"/>
-        </p:spPr>
-        <p:style>
-          <a:lnRef idx="2">
-            <a:schemeClr val="dk1"/>
-          </a:lnRef>
-          <a:fillRef idx="1">
-            <a:schemeClr val="lt1"/>
-          </a:fillRef>
-          <a:effectRef idx="0">
-            <a:schemeClr val="dk1"/>
-          </a:effectRef>
-          <a:fontRef idx="minor">
-            <a:schemeClr val="dk1"/>
-          </a:fontRef>
-        </p:style>
-        <p:txBody>
-          <a:bodyPr rtlCol="0" anchor="ctr"/>
-          <a:lstStyle/>
-          <a:p>
-            <a:pPr marL="72000" algn="ctr"/>
-            <a:r>
-              <a:rPr lang="fr-FR" b="1" dirty="0">
-                <a:cs typeface="Arial" panose="020B0604020202020204" pitchFamily="34" charset="0"/>
-              </a:rPr>
-              <a:t>Les deux grandes familles d’arbres</a:t>
-            </a:r>
-          </a:p>
-          <a:p>
-            <a:pPr marL="72000"/>
-            <a:endParaRPr lang="fr-FR" sz="1600" dirty="0">
-              <a:cs typeface="Arial" panose="020B0604020202020204" pitchFamily="34" charset="0"/>
-            </a:endParaRPr>
-          </a:p>
-          <a:p>
-            <a:pPr marL="72000"/>
-            <a:r>
-              <a:rPr lang="fr-FR" sz="1600" dirty="0">
-                <a:cs typeface="Arial" panose="020B0604020202020204" pitchFamily="34" charset="0"/>
-              </a:rPr>
-              <a:t>Il existe deux grandes catégories d'arbres :</a:t>
-            </a:r>
-          </a:p>
-          <a:p>
-            <a:pPr marL="72000"/>
-            <a:endParaRPr lang="fr-FR" sz="1600" dirty="0">
-              <a:cs typeface="Arial" panose="020B0604020202020204" pitchFamily="34" charset="0"/>
-            </a:endParaRPr>
-          </a:p>
-          <a:p>
-            <a:pPr marL="72000"/>
-            <a:r>
-              <a:rPr lang="fr-FR" sz="1600" b="1" dirty="0">
-                <a:cs typeface="Arial" panose="020B0604020202020204" pitchFamily="34" charset="0"/>
-              </a:rPr>
-              <a:t>Les feuillus et les résineux.</a:t>
-            </a:r>
-          </a:p>
-          <a:p>
-            <a:pPr marL="72000"/>
-            <a:endParaRPr lang="fr-FR" sz="1600" b="1" dirty="0">
-              <a:cs typeface="Arial" panose="020B0604020202020204" pitchFamily="34" charset="0"/>
-            </a:endParaRPr>
-          </a:p>
-          <a:p>
-            <a:pPr marL="72000"/>
-            <a:r>
-              <a:rPr lang="fr-FR" sz="1600" b="1" dirty="0">
-                <a:cs typeface="Arial" panose="020B0604020202020204" pitchFamily="34" charset="0"/>
-              </a:rPr>
-              <a:t>Les feuillus </a:t>
-            </a:r>
-            <a:r>
-              <a:rPr lang="fr-FR" sz="1600" dirty="0">
-                <a:cs typeface="Arial" panose="020B0604020202020204" pitchFamily="34" charset="0"/>
-              </a:rPr>
-              <a:t>possèdent des feuilles qu'ils perdent généralement à partir automne, on les appelle des arbres à feuilles caduques. Les essences de feuillus comprennent des bois tels que le chêne, le hêtre, le frêne, et le merisier. Ces bois, souvent durs et denses, sont privilégiés en menuiserie pour leur résistance et leur durabilité, ce qui en fait d'excellents choix pour le mobilier, les parquets, et les escaliers.</a:t>
-            </a:r>
-          </a:p>
-          <a:p>
-            <a:pPr marL="72000"/>
-            <a:endParaRPr lang="fr-FR" sz="1600" dirty="0">
-              <a:cs typeface="Arial" panose="020B0604020202020204" pitchFamily="34" charset="0"/>
-            </a:endParaRPr>
-          </a:p>
-          <a:p>
-            <a:pPr marL="72000"/>
-            <a:r>
-              <a:rPr lang="fr-FR" sz="1600" b="1" dirty="0">
-                <a:cs typeface="Arial" panose="020B0604020202020204" pitchFamily="34" charset="0"/>
-              </a:rPr>
-              <a:t>Les résineux</a:t>
-            </a:r>
-            <a:r>
-              <a:rPr lang="fr-FR" sz="1600" dirty="0">
-                <a:cs typeface="Arial" panose="020B0604020202020204" pitchFamily="34" charset="0"/>
-              </a:rPr>
-              <a:t>, également appelés conifères, produisent des cônes (les pommes de pin). Ils ont des « feuilles » sous forme d’aiguilles qu'ils conservent toute l'année, ce sont donc des arbres à feuillage persistant. Les principales essences de résineux utilisées en menuiserie incluent le pin, l’épicéa et le sapin. Moins denses que les feuillus, ils sont faciles à travailler et largement employés pour les charpentes, le lambris, les pergolas et d'autres éléments de construction.</a:t>
-            </a:r>
-          </a:p>
-        </p:txBody>
-      </p:sp>
-      <p:sp>
-        <p:nvSpPr>
-          <p:cNvPr id="19" name="Rectangle 18"/>
-          <p:cNvSpPr/>
-          <p:nvPr/>
-        </p:nvSpPr>
-        <p:spPr>
-          <a:xfrm>
-            <a:off x="11213630" y="1390649"/>
-            <a:ext cx="3726044" cy="9229231"/>
-          </a:xfrm>
-          <a:prstGeom prst="rect">
-            <a:avLst/>
-          </a:prstGeom>
-          <a:ln w="57150"/>
-        </p:spPr>
-        <p:style>
-          <a:lnRef idx="2">
-            <a:schemeClr val="dk1"/>
-          </a:lnRef>
-          <a:fillRef idx="1">
-            <a:schemeClr val="lt1"/>
-          </a:fillRef>
-          <a:effectRef idx="0">
-            <a:schemeClr val="dk1"/>
-          </a:effectRef>
-          <a:fontRef idx="minor">
-            <a:schemeClr val="dk1"/>
-          </a:fontRef>
-        </p:style>
-        <p:txBody>
-          <a:bodyPr rtlCol="0" anchor="ctr"/>
-          <a:lstStyle/>
-          <a:p>
-            <a:pPr algn="ctr"/>
-            <a:r>
-              <a:rPr lang="fr-FR" b="1" dirty="0">
-                <a:cs typeface="Arial" panose="020B0604020202020204" pitchFamily="34" charset="0"/>
-              </a:rPr>
-              <a:t>Les dates d’abatage</a:t>
-            </a:r>
-          </a:p>
-          <a:p>
-            <a:endParaRPr lang="fr-FR" sz="1600" dirty="0">
-              <a:cs typeface="Arial" panose="020B0604020202020204" pitchFamily="34" charset="0"/>
-            </a:endParaRPr>
-          </a:p>
-          <a:p>
-            <a:r>
-              <a:rPr lang="fr-FR" sz="1600" dirty="0">
-                <a:cs typeface="Arial" panose="020B0604020202020204" pitchFamily="34" charset="0"/>
-              </a:rPr>
-              <a:t> </a:t>
-            </a:r>
-          </a:p>
-          <a:p>
-            <a:r>
-              <a:rPr lang="fr-FR" sz="1600" b="1" dirty="0">
-                <a:cs typeface="Arial" panose="020B0604020202020204" pitchFamily="34" charset="0"/>
-              </a:rPr>
-              <a:t>L’abattage des feuillus </a:t>
-            </a:r>
-            <a:r>
-              <a:rPr lang="fr-FR" sz="1600" dirty="0">
-                <a:cs typeface="Arial" panose="020B0604020202020204" pitchFamily="34" charset="0"/>
-              </a:rPr>
-              <a:t>se fait généralement en automne ou en hiver, lorsque la sève est descendue. Le bois abattu à cette période présente plusieurs avantages : il est moins vulnérable aux attaques d’insectes et de champignons, car la teneur en sucre dans la sève est plus faible, ce qui réduit son attractivité pour les nuisibles. De plus, la teneur en eau est moindre, permettant de réduire les coûts de séchage et de transport. </a:t>
-            </a:r>
-          </a:p>
-          <a:p>
-            <a:endParaRPr lang="fr-FR" sz="1600" dirty="0">
-              <a:cs typeface="Arial" panose="020B0604020202020204" pitchFamily="34" charset="0"/>
-            </a:endParaRPr>
-          </a:p>
-          <a:p>
-            <a:r>
-              <a:rPr lang="fr-FR" sz="1600" dirty="0">
-                <a:cs typeface="Arial" panose="020B0604020202020204" pitchFamily="34" charset="0"/>
-              </a:rPr>
-              <a:t>    </a:t>
-            </a:r>
-            <a:r>
-              <a:rPr lang="fr-FR" sz="1600" b="1" dirty="0">
-                <a:cs typeface="Arial" panose="020B0604020202020204" pitchFamily="34" charset="0"/>
-              </a:rPr>
-              <a:t>L’abattage des résineux </a:t>
-            </a:r>
-            <a:r>
-              <a:rPr lang="fr-FR" sz="1600" dirty="0">
-                <a:cs typeface="Arial" panose="020B0604020202020204" pitchFamily="34" charset="0"/>
-              </a:rPr>
-              <a:t>dépend des conditions d’accessibilité, comme la présence de neige ou la saison des pluies, car ces éléments peuvent affecter le transport dans les forêts de montagne où les résineux sont fréquents. Contrairement aux feuillus, les résineux nécessitent souvent des traitements avec des insecticides ou des fongicides pour résister aux attaques des insectes xylophages (qui se nourrissent de bois) et des champignons lignivores. </a:t>
-            </a:r>
-          </a:p>
-        </p:txBody>
-      </p:sp>
-      <p:sp>
-        <p:nvSpPr>
-          <p:cNvPr id="24" name="Rectangle 23"/>
-          <p:cNvSpPr/>
-          <p:nvPr/>
-        </p:nvSpPr>
-        <p:spPr>
-          <a:xfrm>
-            <a:off x="11213630" y="179881"/>
-            <a:ext cx="3726045" cy="1067028"/>
-          </a:xfrm>
-          <a:prstGeom prst="rect">
-            <a:avLst/>
-          </a:prstGeom>
-          <a:ln w="57150"/>
-        </p:spPr>
-        <p:style>
-          <a:lnRef idx="2">
-            <a:schemeClr val="dk1"/>
-          </a:lnRef>
-          <a:fillRef idx="1">
-            <a:schemeClr val="lt1"/>
-          </a:fillRef>
-          <a:effectRef idx="0">
-            <a:schemeClr val="dk1"/>
-          </a:effectRef>
-          <a:fontRef idx="minor">
-            <a:schemeClr val="dk1"/>
-          </a:fontRef>
-        </p:style>
-        <p:txBody>
-          <a:bodyPr rtlCol="0" anchor="ctr"/>
-          <a:lstStyle/>
-          <a:p>
-            <a:pPr algn="ctr"/>
-            <a:r>
-              <a:rPr lang="fr-FR" b="1" spc="300" dirty="0">
-                <a:latin typeface="Comic Sans MS" panose="030F0702030302020204" pitchFamily="66" charset="0"/>
-                <a:ea typeface="JetBrains Mono" panose="02000009000000000000" pitchFamily="49" charset="0"/>
-                <a:cs typeface="JetBrains Mono" panose="02000009000000000000" pitchFamily="49" charset="0"/>
-              </a:rPr>
-              <a:t>M. Du Chevreuil</a:t>
-            </a:r>
-          </a:p>
-          <a:p>
-            <a:pPr algn="ctr"/>
-            <a:r>
-              <a:rPr lang="fr-FR" sz="1600" spc="300" dirty="0">
-                <a:latin typeface="Comic Sans MS" panose="030F0702030302020204" pitchFamily="66" charset="0"/>
-                <a:ea typeface="JetBrains Mono" panose="02000009000000000000" pitchFamily="49" charset="0"/>
-                <a:cs typeface="JetBrains Mono" panose="02000009000000000000" pitchFamily="49" charset="0"/>
-              </a:rPr>
-              <a:t>Professeur en génie </a:t>
-            </a:r>
-          </a:p>
-          <a:p>
-            <a:pPr algn="ctr"/>
-            <a:r>
-              <a:rPr lang="fr-FR" sz="1600" spc="300" dirty="0">
-                <a:latin typeface="Comic Sans MS" panose="030F0702030302020204" pitchFamily="66" charset="0"/>
-                <a:ea typeface="JetBrains Mono" panose="02000009000000000000" pitchFamily="49" charset="0"/>
-                <a:cs typeface="JetBrains Mono" panose="02000009000000000000" pitchFamily="49" charset="0"/>
-              </a:rPr>
-              <a:t>industriel bois</a:t>
-            </a:r>
-          </a:p>
-        </p:txBody>
-      </p:sp>
-      <p:sp>
-        <p:nvSpPr>
-          <p:cNvPr id="25" name="Rectangle 24"/>
-          <p:cNvSpPr/>
-          <p:nvPr/>
-        </p:nvSpPr>
-        <p:spPr>
-          <a:xfrm>
-            <a:off x="142517" y="179881"/>
-            <a:ext cx="3763201" cy="1067028"/>
-          </a:xfrm>
-          <a:prstGeom prst="rect">
-            <a:avLst/>
-          </a:prstGeom>
-          <a:ln w="57150"/>
-        </p:spPr>
-        <p:style>
-          <a:lnRef idx="2">
-            <a:schemeClr val="dk1"/>
-          </a:lnRef>
-          <a:fillRef idx="1">
-            <a:schemeClr val="lt1"/>
-          </a:fillRef>
-          <a:effectRef idx="0">
-            <a:schemeClr val="dk1"/>
-          </a:effectRef>
-          <a:fontRef idx="minor">
-            <a:schemeClr val="dk1"/>
-          </a:fontRef>
-        </p:style>
-        <p:txBody>
-          <a:bodyPr rtlCol="0" anchor="ctr"/>
-          <a:lstStyle/>
-          <a:p>
-            <a:pPr algn="ctr"/>
-            <a:r>
-              <a:rPr lang="fr-FR" b="1" dirty="0">
-                <a:latin typeface="Comic Sans MS" panose="030F0702030302020204" pitchFamily="66" charset="0"/>
-                <a:ea typeface="JetBrains Mono" panose="02000009000000000000" pitchFamily="49" charset="0"/>
-                <a:cs typeface="JetBrains Mono" panose="02000009000000000000" pitchFamily="49" charset="0"/>
-              </a:rPr>
-              <a:t>Sujet : L’I.A contre l’I.R</a:t>
-            </a:r>
-          </a:p>
-        </p:txBody>
-      </p:sp>
-      <p:pic>
-        <p:nvPicPr>
-          <p:cNvPr id="9" name="Image 9">
-            <a:extLst>
-              <a:ext uri="{FF2B5EF4-FFF2-40B4-BE49-F238E27FC236}">
-                <a16:creationId xmlns:a16="http://schemas.microsoft.com/office/drawing/2014/main" id="{28975481-448B-45A7-922A-778FF7381242}"/>
-              </a:ext>
-            </a:extLst>
-          </p:cNvPr>
-          <p:cNvPicPr>
-            <a:picLocks noChangeAspect="1"/>
-          </p:cNvPicPr>
-          <p:nvPr/>
-        </p:nvPicPr>
-        <p:blipFill>
-          <a:blip r:embed="rId2">
-            <a:grayscl/>
-          </a:blip>
-          <a:stretch>
-            <a:fillRect/>
-          </a:stretch>
-        </p:blipFill>
-        <p:spPr>
-          <a:xfrm>
-            <a:off x="5000200" y="1246909"/>
-            <a:ext cx="2546344" cy="3968674"/>
-          </a:xfrm>
-          <a:prstGeom prst="rect">
-            <a:avLst/>
-          </a:prstGeom>
-        </p:spPr>
-      </p:pic>
-      <p:pic>
-        <p:nvPicPr>
-          <p:cNvPr id="10" name="Image 10">
-            <a:extLst>
-              <a:ext uri="{FF2B5EF4-FFF2-40B4-BE49-F238E27FC236}">
-                <a16:creationId xmlns:a16="http://schemas.microsoft.com/office/drawing/2014/main" id="{E8255E3B-5826-47B1-9F34-612B22A4D743}"/>
-              </a:ext>
-            </a:extLst>
-          </p:cNvPr>
-          <p:cNvPicPr>
-            <a:picLocks noChangeAspect="1"/>
-          </p:cNvPicPr>
-          <p:nvPr/>
-        </p:nvPicPr>
-        <p:blipFill>
-          <a:blip r:embed="rId3">
-            <a:grayscl/>
-          </a:blip>
-          <a:stretch>
-            <a:fillRect/>
-          </a:stretch>
-        </p:blipFill>
-        <p:spPr>
-          <a:xfrm>
-            <a:off x="5088053" y="5387824"/>
-            <a:ext cx="2299506" cy="4336511"/>
-          </a:xfrm>
-          <a:prstGeom prst="rect">
-            <a:avLst/>
-          </a:prstGeom>
-        </p:spPr>
-      </p:pic>
-      <p:cxnSp>
-        <p:nvCxnSpPr>
-          <p:cNvPr id="11" name="Connecteur droit 12">
-            <a:extLst>
-              <a:ext uri="{FF2B5EF4-FFF2-40B4-BE49-F238E27FC236}">
-                <a16:creationId xmlns:a16="http://schemas.microsoft.com/office/drawing/2014/main" id="{150A6416-57EB-49B9-BB0A-17851EA08739}"/>
-              </a:ext>
-            </a:extLst>
-          </p:cNvPr>
-          <p:cNvCxnSpPr>
-            <a:cxnSpLocks/>
-            <a:stCxn id="17" idx="0"/>
-            <a:endCxn id="17" idx="2"/>
-          </p:cNvCxnSpPr>
-          <p:nvPr/>
-        </p:nvCxnSpPr>
-        <p:spPr>
-          <a:xfrm>
-            <a:off x="7559675" y="179881"/>
-            <a:ext cx="0" cy="10440000"/>
-          </a:xfrm>
-          <a:prstGeom prst="line">
-            <a:avLst/>
-          </a:prstGeom>
-          <a:ln w="57150"/>
-        </p:spPr>
-        <p:style>
-          <a:lnRef idx="3">
-            <a:schemeClr val="dk1"/>
-          </a:lnRef>
-          <a:fillRef idx="0">
-            <a:schemeClr val="dk1"/>
-          </a:fillRef>
-          <a:effectRef idx="2">
-            <a:schemeClr val="dk1"/>
-          </a:effectRef>
-          <a:fontRef idx="minor">
-            <a:schemeClr val="tx1"/>
-          </a:fontRef>
-        </p:style>
-      </p:cxnSp>
-      <p:pic>
-        <p:nvPicPr>
-          <p:cNvPr id="12" name="Image 15">
-            <a:extLst>
-              <a:ext uri="{FF2B5EF4-FFF2-40B4-BE49-F238E27FC236}">
-                <a16:creationId xmlns:a16="http://schemas.microsoft.com/office/drawing/2014/main" id="{CDCE11F9-970B-4B97-B739-9E04AA563E94}"/>
-              </a:ext>
-            </a:extLst>
-          </p:cNvPr>
-          <p:cNvPicPr>
-            <a:picLocks noChangeAspect="1"/>
-          </p:cNvPicPr>
-          <p:nvPr/>
-        </p:nvPicPr>
-        <p:blipFill>
-          <a:blip r:embed="rId4">
-            <a:grayscl/>
-          </a:blip>
-          <a:stretch>
-            <a:fillRect/>
-          </a:stretch>
-        </p:blipFill>
-        <p:spPr>
-          <a:xfrm>
-            <a:off x="7821892" y="1390649"/>
-            <a:ext cx="2224518" cy="3937653"/>
-          </a:xfrm>
-          <a:prstGeom prst="rect">
-            <a:avLst/>
-          </a:prstGeom>
-        </p:spPr>
-      </p:pic>
-      <p:pic>
-        <p:nvPicPr>
-          <p:cNvPr id="13" name="Image 16">
-            <a:extLst>
-              <a:ext uri="{FF2B5EF4-FFF2-40B4-BE49-F238E27FC236}">
-                <a16:creationId xmlns:a16="http://schemas.microsoft.com/office/drawing/2014/main" id="{A2C7F6D9-CF26-472F-84B6-280F423FD52B}"/>
-              </a:ext>
-            </a:extLst>
-          </p:cNvPr>
-          <p:cNvPicPr>
-            <a:picLocks noChangeAspect="1"/>
-          </p:cNvPicPr>
-          <p:nvPr/>
-        </p:nvPicPr>
-        <p:blipFill>
-          <a:blip r:embed="rId5">
-            <a:grayscl/>
-          </a:blip>
-          <a:stretch>
-            <a:fillRect/>
-          </a:stretch>
-        </p:blipFill>
-        <p:spPr>
-          <a:xfrm>
-            <a:off x="7821892" y="5387824"/>
-            <a:ext cx="2103504" cy="4447737"/>
-          </a:xfrm>
-          <a:prstGeom prst="rect">
-            <a:avLst/>
-          </a:prstGeom>
-        </p:spPr>
-      </p:pic>
-      <p:sp>
-        <p:nvSpPr>
-          <p:cNvPr id="14" name="Rectangle 13">
-            <a:extLst>
-              <a:ext uri="{FF2B5EF4-FFF2-40B4-BE49-F238E27FC236}">
-                <a16:creationId xmlns:a16="http://schemas.microsoft.com/office/drawing/2014/main" id="{F430A173-CA77-491E-9BA0-C98B0E02636C}"/>
-              </a:ext>
-            </a:extLst>
-          </p:cNvPr>
-          <p:cNvSpPr/>
-          <p:nvPr/>
-        </p:nvSpPr>
-        <p:spPr>
-          <a:xfrm>
-            <a:off x="4236219" y="2246927"/>
-            <a:ext cx="655172" cy="7058259"/>
-          </a:xfrm>
-          <a:prstGeom prst="rect">
-            <a:avLst/>
-          </a:prstGeom>
-          <a:noFill/>
-          <a:ln w="9525" cap="flat" cmpd="sng" algn="ctr">
-            <a:solidFill>
-              <a:schemeClr val="dk1"/>
-            </a:solidFill>
-            <a:prstDash val="solid"/>
-            <a:round/>
-            <a:headEnd type="none" w="med" len="med"/>
-            <a:tailEnd type="none" w="med" len="med"/>
-          </a:ln>
-        </p:spPr>
-        <p:style>
-          <a:lnRef idx="0">
-            <a:scrgbClr r="0" g="0" b="0"/>
-          </a:lnRef>
-          <a:fillRef idx="0">
-            <a:scrgbClr r="0" g="0" b="0"/>
-          </a:fillRef>
-          <a:effectRef idx="0">
-            <a:scrgbClr r="0" g="0" b="0"/>
-          </a:effectRef>
-          <a:fontRef idx="minor">
-            <a:schemeClr val="dk1"/>
-          </a:fontRef>
-        </p:style>
-        <p:txBody>
-          <a:bodyPr vert="vert270" rtlCol="0" anchor="ctr"/>
-          <a:lstStyle/>
-          <a:p>
-            <a:pPr algn="ctr"/>
-            <a:r>
-              <a:rPr lang="fr-FR" sz="3037" dirty="0"/>
-              <a:t>Reconnaître un feuillu</a:t>
-            </a:r>
-          </a:p>
-        </p:txBody>
-      </p:sp>
-      <p:sp>
-        <p:nvSpPr>
-          <p:cNvPr id="15" name="Rectangle 14">
-            <a:extLst>
-              <a:ext uri="{FF2B5EF4-FFF2-40B4-BE49-F238E27FC236}">
-                <a16:creationId xmlns:a16="http://schemas.microsoft.com/office/drawing/2014/main" id="{4C2D5B34-A1FB-4019-80C8-BE33FF67B9DE}"/>
-              </a:ext>
-            </a:extLst>
-          </p:cNvPr>
-          <p:cNvSpPr/>
-          <p:nvPr/>
-        </p:nvSpPr>
-        <p:spPr>
-          <a:xfrm>
-            <a:off x="10235515" y="2246926"/>
-            <a:ext cx="655172" cy="7058259"/>
-          </a:xfrm>
-          <a:prstGeom prst="rect">
-            <a:avLst/>
-          </a:prstGeom>
-          <a:noFill/>
-          <a:ln w="9525" cap="flat" cmpd="sng" algn="ctr">
-            <a:solidFill>
-              <a:schemeClr val="dk1"/>
-            </a:solidFill>
-            <a:prstDash val="solid"/>
-            <a:round/>
-            <a:headEnd type="none" w="med" len="med"/>
-            <a:tailEnd type="none" w="med" len="med"/>
-          </a:ln>
-        </p:spPr>
-        <p:style>
-          <a:lnRef idx="0">
-            <a:scrgbClr r="0" g="0" b="0"/>
-          </a:lnRef>
-          <a:fillRef idx="0">
-            <a:scrgbClr r="0" g="0" b="0"/>
-          </a:fillRef>
-          <a:effectRef idx="0">
-            <a:scrgbClr r="0" g="0" b="0"/>
-          </a:effectRef>
-          <a:fontRef idx="minor">
-            <a:schemeClr val="dk1"/>
-          </a:fontRef>
-        </p:style>
-        <p:txBody>
-          <a:bodyPr vert="vert" rtlCol="0" anchor="ctr"/>
-          <a:lstStyle/>
-          <a:p>
-            <a:pPr algn="ctr"/>
-            <a:r>
-              <a:rPr lang="fr-FR" sz="3037" dirty="0"/>
-              <a:t>Reconnaitre un résineux</a:t>
-            </a:r>
-          </a:p>
-        </p:txBody>
-      </p:sp>
-      <p:sp>
-        <p:nvSpPr>
-          <p:cNvPr id="20" name="Rounded Rectangle 19"/>
-          <p:cNvSpPr/>
-          <p:nvPr/>
-        </p:nvSpPr>
-        <p:spPr>
-          <a:xfrm>
-            <a:off x="14127675" y="10044399"/>
-            <a:ext cx="895962" cy="685971"/>
-          </a:xfrm>
-          <a:prstGeom prst="roundRect">
-            <a:avLst/>
-          </a:prstGeom>
-          <a:ln w="57150">
-            <a:solidFill>
-              <a:schemeClr val="tx1">
-                <a:lumMod val="50000"/>
-                <a:lumOff val="50000"/>
-              </a:schemeClr>
-            </a:solidFill>
-          </a:ln>
-        </p:spPr>
-        <p:style>
-          <a:lnRef idx="2">
-            <a:schemeClr val="dk1"/>
-          </a:lnRef>
-          <a:fillRef idx="1">
-            <a:schemeClr val="lt1"/>
-          </a:fillRef>
-          <a:effectRef idx="0">
-            <a:schemeClr val="dk1"/>
-          </a:effectRef>
-          <a:fontRef idx="minor">
-            <a:schemeClr val="dk1"/>
-          </a:fontRef>
-        </p:style>
-        <p:txBody>
-          <a:bodyPr rtlCol="0" anchor="ctr"/>
-          <a:lstStyle/>
-          <a:p>
-            <a:pPr algn="ctr"/>
-            <a:r>
-              <a:rPr lang="fr-FR" sz="2000" dirty="0">
-                <a:solidFill>
-                  <a:schemeClr val="tx1"/>
-                </a:solidFill>
-                <a:latin typeface="Comic Sans MS" panose="030F0702030302020204" pitchFamily="66" charset="0"/>
-              </a:rPr>
-              <a:t>1/4</a:t>
-            </a:r>
-          </a:p>
-        </p:txBody>
-      </p:sp>
-    </p:spTree>
-    <p:extLst>
-      <p:ext uri="{BB962C8B-B14F-4D97-AF65-F5344CB8AC3E}">
-        <p14:creationId xmlns:p14="http://schemas.microsoft.com/office/powerpoint/2010/main" val="4020604657"/>
       </p:ext>
     </p:extLst>
   </p:cSld>

--- a/Dossier Support ordi/DOSSIER Support Ordi.pptx
+++ b/Dossier Support ordi/DOSSIER Support Ordi.pptx
@@ -5,27 +5,26 @@
     <p:sldMasterId id="2147483660" r:id="rId1"/>
   </p:sldMasterIdLst>
   <p:notesMasterIdLst>
-    <p:notesMasterId r:id="rId17"/>
+    <p:notesMasterId r:id="rId16"/>
   </p:notesMasterIdLst>
   <p:handoutMasterIdLst>
-    <p:handoutMasterId r:id="rId18"/>
+    <p:handoutMasterId r:id="rId17"/>
   </p:handoutMasterIdLst>
   <p:sldIdLst>
     <p:sldId id="256" r:id="rId2"/>
     <p:sldId id="332" r:id="rId3"/>
     <p:sldId id="328" r:id="rId4"/>
-    <p:sldId id="373" r:id="rId5"/>
-    <p:sldId id="374" r:id="rId6"/>
-    <p:sldId id="330" r:id="rId7"/>
-    <p:sldId id="329" r:id="rId8"/>
-    <p:sldId id="331" r:id="rId9"/>
-    <p:sldId id="333" r:id="rId10"/>
-    <p:sldId id="334" r:id="rId11"/>
-    <p:sldId id="335" r:id="rId12"/>
-    <p:sldId id="376" r:id="rId13"/>
-    <p:sldId id="377" r:id="rId14"/>
-    <p:sldId id="375" r:id="rId15"/>
-    <p:sldId id="257" r:id="rId16"/>
+    <p:sldId id="374" r:id="rId5"/>
+    <p:sldId id="330" r:id="rId6"/>
+    <p:sldId id="329" r:id="rId7"/>
+    <p:sldId id="331" r:id="rId8"/>
+    <p:sldId id="333" r:id="rId9"/>
+    <p:sldId id="334" r:id="rId10"/>
+    <p:sldId id="335" r:id="rId11"/>
+    <p:sldId id="376" r:id="rId12"/>
+    <p:sldId id="377" r:id="rId13"/>
+    <p:sldId id="375" r:id="rId14"/>
+    <p:sldId id="257" r:id="rId15"/>
   </p:sldIdLst>
   <p:sldSz cx="15119350" cy="10799763"/>
   <p:notesSz cx="6797675" cy="9926638"/>
@@ -217,7 +216,7 @@
           <a:p>
             <a:fld id="{175ECC00-C06A-4323-852F-768318D8586A}" type="datetimeFigureOut">
               <a:rPr lang="fr-FR" smtClean="0"/>
-              <a:t>09/02/2025</a:t>
+              <a:t>11/02/2025</a:t>
             </a:fld>
             <a:endParaRPr lang="fr-FR"/>
           </a:p>
@@ -382,7 +381,7 @@
           <a:p>
             <a:fld id="{AE8DAB01-C85E-4F33-91A5-B6D112914A5D}" type="datetimeFigureOut">
               <a:rPr lang="fr-FR" smtClean="0"/>
-              <a:t>09/02/2025</a:t>
+              <a:t>11/02/2025</a:t>
             </a:fld>
             <a:endParaRPr lang="fr-FR"/>
           </a:p>
@@ -781,7 +780,7 @@
           <a:p>
             <a:fld id="{A69F3118-5675-4AEB-B17B-1E109ACFC119}" type="datetimeFigureOut">
               <a:rPr lang="fr-FR" smtClean="0"/>
-              <a:t>09/02/2025</a:t>
+              <a:t>11/02/2025</a:t>
             </a:fld>
             <a:endParaRPr lang="fr-FR"/>
           </a:p>
@@ -951,7 +950,7 @@
           <a:p>
             <a:fld id="{A69F3118-5675-4AEB-B17B-1E109ACFC119}" type="datetimeFigureOut">
               <a:rPr lang="fr-FR" smtClean="0"/>
-              <a:t>09/02/2025</a:t>
+              <a:t>11/02/2025</a:t>
             </a:fld>
             <a:endParaRPr lang="fr-FR"/>
           </a:p>
@@ -1131,7 +1130,7 @@
           <a:p>
             <a:fld id="{A69F3118-5675-4AEB-B17B-1E109ACFC119}" type="datetimeFigureOut">
               <a:rPr lang="fr-FR" smtClean="0"/>
-              <a:t>09/02/2025</a:t>
+              <a:t>11/02/2025</a:t>
             </a:fld>
             <a:endParaRPr lang="fr-FR"/>
           </a:p>
@@ -1301,7 +1300,7 @@
           <a:p>
             <a:fld id="{A69F3118-5675-4AEB-B17B-1E109ACFC119}" type="datetimeFigureOut">
               <a:rPr lang="fr-FR" smtClean="0"/>
-              <a:t>09/02/2025</a:t>
+              <a:t>11/02/2025</a:t>
             </a:fld>
             <a:endParaRPr lang="fr-FR"/>
           </a:p>
@@ -1545,7 +1544,7 @@
           <a:p>
             <a:fld id="{A69F3118-5675-4AEB-B17B-1E109ACFC119}" type="datetimeFigureOut">
               <a:rPr lang="fr-FR" smtClean="0"/>
-              <a:t>09/02/2025</a:t>
+              <a:t>11/02/2025</a:t>
             </a:fld>
             <a:endParaRPr lang="fr-FR"/>
           </a:p>
@@ -1777,7 +1776,7 @@
           <a:p>
             <a:fld id="{A69F3118-5675-4AEB-B17B-1E109ACFC119}" type="datetimeFigureOut">
               <a:rPr lang="fr-FR" smtClean="0"/>
-              <a:t>09/02/2025</a:t>
+              <a:t>11/02/2025</a:t>
             </a:fld>
             <a:endParaRPr lang="fr-FR"/>
           </a:p>
@@ -2144,7 +2143,7 @@
           <a:p>
             <a:fld id="{A69F3118-5675-4AEB-B17B-1E109ACFC119}" type="datetimeFigureOut">
               <a:rPr lang="fr-FR" smtClean="0"/>
-              <a:t>09/02/2025</a:t>
+              <a:t>11/02/2025</a:t>
             </a:fld>
             <a:endParaRPr lang="fr-FR"/>
           </a:p>
@@ -2262,7 +2261,7 @@
           <a:p>
             <a:fld id="{A69F3118-5675-4AEB-B17B-1E109ACFC119}" type="datetimeFigureOut">
               <a:rPr lang="fr-FR" smtClean="0"/>
-              <a:t>09/02/2025</a:t>
+              <a:t>11/02/2025</a:t>
             </a:fld>
             <a:endParaRPr lang="fr-FR"/>
           </a:p>
@@ -2357,7 +2356,7 @@
           <a:p>
             <a:fld id="{A69F3118-5675-4AEB-B17B-1E109ACFC119}" type="datetimeFigureOut">
               <a:rPr lang="fr-FR" smtClean="0"/>
-              <a:t>09/02/2025</a:t>
+              <a:t>11/02/2025</a:t>
             </a:fld>
             <a:endParaRPr lang="fr-FR"/>
           </a:p>
@@ -2634,7 +2633,7 @@
           <a:p>
             <a:fld id="{A69F3118-5675-4AEB-B17B-1E109ACFC119}" type="datetimeFigureOut">
               <a:rPr lang="fr-FR" smtClean="0"/>
-              <a:t>09/02/2025</a:t>
+              <a:t>11/02/2025</a:t>
             </a:fld>
             <a:endParaRPr lang="fr-FR"/>
           </a:p>
@@ -2891,7 +2890,7 @@
           <a:p>
             <a:fld id="{A69F3118-5675-4AEB-B17B-1E109ACFC119}" type="datetimeFigureOut">
               <a:rPr lang="fr-FR" smtClean="0"/>
-              <a:t>09/02/2025</a:t>
+              <a:t>11/02/2025</a:t>
             </a:fld>
             <a:endParaRPr lang="fr-FR"/>
           </a:p>
@@ -3104,7 +3103,7 @@
           <a:p>
             <a:fld id="{A69F3118-5675-4AEB-B17B-1E109ACFC119}" type="datetimeFigureOut">
               <a:rPr lang="fr-FR" smtClean="0"/>
-              <a:t>09/02/2025</a:t>
+              <a:t>11/02/2025</a:t>
             </a:fld>
             <a:endParaRPr lang="fr-FR"/>
           </a:p>
@@ -4111,14 +4110,20 @@
       </p:grpSpPr>
       <p:sp>
         <p:nvSpPr>
-          <p:cNvPr id="17" name="Rectangle 16"/>
+          <p:cNvPr id="16" name="Rectangle 15">
+            <a:extLst>
+              <a:ext uri="{FF2B5EF4-FFF2-40B4-BE49-F238E27FC236}">
+                <a16:creationId xmlns:a16="http://schemas.microsoft.com/office/drawing/2014/main" id="{813D6DD5-D05F-4784-8EA3-A58DB35FAEFF}"/>
+              </a:ext>
+            </a:extLst>
+          </p:cNvPr>
           <p:cNvSpPr/>
           <p:nvPr/>
         </p:nvSpPr>
         <p:spPr>
           <a:xfrm>
-            <a:off x="4039557" y="179881"/>
-            <a:ext cx="7040235" cy="10440000"/>
+            <a:off x="142517" y="1371599"/>
+            <a:ext cx="14797158" cy="9248281"/>
           </a:xfrm>
           <a:prstGeom prst="rect">
             <a:avLst/>
@@ -4140,302 +4145,298 @@
           </a:fontRef>
         </p:style>
         <p:txBody>
-          <a:bodyPr rtlCol="0" anchor="ctr"/>
+          <a:bodyPr numCol="2" rtlCol="0" anchor="ctr"/>
           <a:lstStyle/>
           <a:p>
-            <a:pPr marL="72000"/>
-            <a:r>
-              <a:rPr lang="fr-FR" b="1" dirty="0">
-                <a:cs typeface="Arial" panose="020B0604020202020204" pitchFamily="34" charset="0"/>
-              </a:rPr>
-              <a:t>Contexte professionnel :</a:t>
-            </a:r>
-            <a:endParaRPr lang="fr-FR" dirty="0">
-              <a:cs typeface="Arial" panose="020B0604020202020204" pitchFamily="34" charset="0"/>
-            </a:endParaRPr>
-          </a:p>
-          <a:p>
-            <a:pPr marL="72000"/>
+            <a:pPr marL="144000"/>
+            <a:endParaRPr lang="fr-FR" sz="1600" b="1" dirty="0"/>
+          </a:p>
+          <a:p>
+            <a:pPr marL="144000"/>
+            <a:endParaRPr lang="fr-FR" b="1" dirty="0"/>
+          </a:p>
+          <a:p>
+            <a:pPr marL="144000"/>
+            <a:r>
+              <a:rPr lang="fr-FR" b="1" dirty="0" err="1"/>
+              <a:t>ChatGPT</a:t>
+            </a:r>
+            <a:r>
+              <a:rPr lang="fr-FR" b="1" dirty="0"/>
+              <a:t> (</a:t>
+            </a:r>
+            <a:r>
+              <a:rPr lang="fr-FR" b="1" dirty="0" err="1"/>
+              <a:t>OpenIA</a:t>
+            </a:r>
+            <a:r>
+              <a:rPr lang="fr-FR" b="1" dirty="0"/>
+              <a:t>):</a:t>
+            </a:r>
+          </a:p>
+          <a:p>
+            <a:pPr marL="144000"/>
+            <a:endParaRPr lang="fr-FR" dirty="0"/>
+          </a:p>
+          <a:p>
+            <a:pPr marL="144000"/>
             <a:r>
               <a:rPr lang="fr-FR" dirty="0"/>
-              <a:t>La région a lancé un projet pour équiper les élèves de supports pour ordinateurs portables, afin d’améliorer les conditions de travail des élèves. </a:t>
-            </a:r>
-          </a:p>
-          <a:p>
-            <a:pPr marL="72000"/>
+              <a:t>la menuiserie sera impactée par l’intelligence artificielle (IA), mais plutôt comme un outil d’optimisation que comme un remplacement des artisans. […]</a:t>
+            </a:r>
+          </a:p>
+          <a:p>
+            <a:pPr marL="144000"/>
+            <a:r>
+              <a:rPr lang="fr-FR" b="1" dirty="0"/>
+              <a:t>L'IA, un allié plutôt qu’un remplaçant</a:t>
+            </a:r>
+          </a:p>
+          <a:p>
+            <a:pPr marL="144000"/>
+            <a:r>
+              <a:rPr lang="fr-FR" dirty="0"/>
+              <a:t>Même avec des avancées, </a:t>
+            </a:r>
+            <a:r>
+              <a:rPr lang="fr-FR" b="1" dirty="0"/>
+              <a:t>la sensibilité, la créativité et l’adaptabilité d’un artisan menuisier resteront essentielles</a:t>
+            </a:r>
+            <a:r>
+              <a:rPr lang="fr-FR" dirty="0"/>
+              <a:t>. L’IA optimisera la productivité, mais ne remplacera pas le savoir-faire et l’expérience nécessaires pour comprendre et travailler le bois.</a:t>
+            </a:r>
+          </a:p>
+          <a:p>
+            <a:pPr marL="144000"/>
             <a:endParaRPr lang="fr-FR" dirty="0"/>
           </a:p>
           <a:p>
-            <a:pPr marL="72000"/>
+            <a:pPr marL="144000"/>
+            <a:r>
+              <a:rPr lang="fr-FR" b="1" dirty="0" err="1"/>
+              <a:t>DeepSeek</a:t>
+            </a:r>
+            <a:r>
+              <a:rPr lang="fr-FR" b="1" dirty="0"/>
+              <a:t> (High-Flyer): </a:t>
+            </a:r>
+          </a:p>
+          <a:p>
+            <a:pPr marL="144000"/>
+            <a:endParaRPr lang="fr-FR" dirty="0"/>
+          </a:p>
+          <a:p>
+            <a:pPr marL="144000"/>
             <a:r>
               <a:rPr lang="fr-FR" dirty="0"/>
-              <a:t>Ces supports doivent être fonctionnels, robustes, esthétiques. Ce projet permet aux élèves de mettre en pratique leurs compétences en menuiserie et en conception technique, tout en contribuant à un besoin concret.</a:t>
-            </a:r>
-          </a:p>
-          <a:p>
-            <a:pPr marL="72000"/>
-            <a:endParaRPr lang="fr-FR" dirty="0">
-              <a:cs typeface="Arial" panose="020B0604020202020204" pitchFamily="34" charset="0"/>
-            </a:endParaRPr>
-          </a:p>
-          <a:p>
-            <a:pPr marL="72000"/>
-            <a:r>
-              <a:rPr lang="fr-FR" b="1" dirty="0">
-                <a:cs typeface="Arial" panose="020B0604020202020204" pitchFamily="34" charset="0"/>
-              </a:rPr>
-              <a:t>Mise en situation :</a:t>
-            </a:r>
-          </a:p>
-          <a:p>
-            <a:pPr marL="72000"/>
-            <a:r>
-              <a:rPr lang="fr-FR" dirty="0">
-                <a:cs typeface="Arial" panose="020B0604020202020204" pitchFamily="34" charset="0"/>
-              </a:rPr>
-              <a:t>Afin de déterminer si les menuisiers sont remplaçable par l’intelligence artificielle, vous participez à une expérience ou des questions sont posées à des I.A pour effectuer des analyses et des études de situations en menuiserie</a:t>
-            </a:r>
-          </a:p>
-          <a:p>
-            <a:pPr marL="72000"/>
-            <a:endParaRPr lang="fr-FR" dirty="0">
-              <a:cs typeface="Arial" panose="020B0604020202020204" pitchFamily="34" charset="0"/>
-            </a:endParaRPr>
-          </a:p>
-          <a:p>
-            <a:pPr marL="72000"/>
-            <a:r>
-              <a:rPr lang="fr-FR" b="1" dirty="0">
-                <a:cs typeface="Arial" panose="020B0604020202020204" pitchFamily="34" charset="0"/>
-              </a:rPr>
-              <a:t>Objectif :</a:t>
-            </a:r>
-          </a:p>
-          <a:p>
-            <a:pPr marL="72000"/>
-            <a:r>
-              <a:rPr lang="fr-FR" dirty="0">
-                <a:cs typeface="Arial" panose="020B0604020202020204" pitchFamily="34" charset="0"/>
-              </a:rPr>
-              <a:t>Sélectionnez une bille de bois abattue pendant les mois recommandés d’abattage et déterminez les parties utile en menuiserie.</a:t>
-            </a:r>
-          </a:p>
-        </p:txBody>
-      </p:sp>
-      <p:sp>
-        <p:nvSpPr>
-          <p:cNvPr id="18" name="Rectangle 17"/>
-          <p:cNvSpPr/>
-          <p:nvPr/>
-        </p:nvSpPr>
-        <p:spPr>
-          <a:xfrm>
-            <a:off x="142517" y="1390649"/>
-            <a:ext cx="3763202" cy="9229231"/>
-          </a:xfrm>
-          <a:prstGeom prst="rect">
-            <a:avLst/>
-          </a:prstGeom>
-          <a:ln w="57150"/>
-        </p:spPr>
-        <p:style>
-          <a:lnRef idx="2">
-            <a:schemeClr val="dk1"/>
-          </a:lnRef>
-          <a:fillRef idx="1">
-            <a:schemeClr val="lt1"/>
-          </a:fillRef>
-          <a:effectRef idx="0">
-            <a:schemeClr val="dk1"/>
-          </a:effectRef>
-          <a:fontRef idx="minor">
-            <a:schemeClr val="dk1"/>
-          </a:fontRef>
-        </p:style>
-        <p:txBody>
-          <a:bodyPr rtlCol="0" anchor="ctr"/>
-          <a:lstStyle/>
-          <a:p>
-            <a:pPr marL="72000"/>
-            <a:r>
-              <a:rPr lang="fr-FR" b="1" dirty="0">
-                <a:cs typeface="Arial" panose="020B0604020202020204" pitchFamily="34" charset="0"/>
-              </a:rPr>
-              <a:t>On demande : </a:t>
-            </a:r>
-          </a:p>
-          <a:p>
-            <a:pPr marL="72000"/>
-            <a:r>
-              <a:rPr lang="fr-FR" sz="1600" dirty="0">
-                <a:cs typeface="Arial" panose="020B0604020202020204" pitchFamily="34" charset="0"/>
-              </a:rPr>
-              <a:t>De répondre a des questions en réalisant des recherches avec l’I.A ou les moteurs de recherche.</a:t>
-            </a:r>
-          </a:p>
-          <a:p>
-            <a:pPr marL="72000"/>
-            <a:endParaRPr lang="fr-FR" b="1" dirty="0">
-              <a:cs typeface="Arial" panose="020B0604020202020204" pitchFamily="34" charset="0"/>
-            </a:endParaRPr>
-          </a:p>
-          <a:p>
-            <a:pPr marL="72000"/>
-            <a:r>
-              <a:rPr lang="fr-FR" b="1" dirty="0">
-                <a:cs typeface="Arial" panose="020B0604020202020204" pitchFamily="34" charset="0"/>
-              </a:rPr>
-              <a:t>On donne :</a:t>
-            </a:r>
-          </a:p>
-          <a:p>
-            <a:pPr marL="72000"/>
-            <a:r>
-              <a:rPr lang="fr-FR" sz="1600" dirty="0">
-                <a:cs typeface="Arial" panose="020B0604020202020204" pitchFamily="34" charset="0"/>
-              </a:rPr>
-              <a:t>Des illustrations sur l’arbre, la bille de bois et les différentes coupes</a:t>
-            </a:r>
-          </a:p>
-        </p:txBody>
-      </p:sp>
-      <p:sp>
-        <p:nvSpPr>
-          <p:cNvPr id="19" name="Rectangle 18"/>
-          <p:cNvSpPr/>
-          <p:nvPr/>
-        </p:nvSpPr>
-        <p:spPr>
-          <a:xfrm>
-            <a:off x="11213630" y="1390649"/>
-            <a:ext cx="3726044" cy="9229231"/>
-          </a:xfrm>
-          <a:prstGeom prst="rect">
-            <a:avLst/>
-          </a:prstGeom>
-          <a:ln w="57150"/>
-        </p:spPr>
-        <p:style>
-          <a:lnRef idx="2">
-            <a:schemeClr val="dk1"/>
-          </a:lnRef>
-          <a:fillRef idx="1">
-            <a:schemeClr val="lt1"/>
-          </a:fillRef>
-          <a:effectRef idx="0">
-            <a:schemeClr val="dk1"/>
-          </a:effectRef>
-          <a:fontRef idx="minor">
-            <a:schemeClr val="dk1"/>
-          </a:fontRef>
-        </p:style>
-        <p:txBody>
-          <a:bodyPr rtlCol="0" anchor="b"/>
-          <a:lstStyle/>
-          <a:p>
-            <a:pPr marL="72000" algn="ctr">
-              <a:lnSpc>
-                <a:spcPct val="120000"/>
-              </a:lnSpc>
-            </a:pPr>
-            <a:endParaRPr lang="fr-FR" sz="1400" spc="300" dirty="0">
-              <a:latin typeface="Comic Sans MS" panose="030F0702030302020204" pitchFamily="66" charset="0"/>
-              <a:ea typeface="JetBrains Mono" panose="02000009000000000000" pitchFamily="49" charset="0"/>
-              <a:cs typeface="JetBrains Mono" panose="02000009000000000000" pitchFamily="49" charset="0"/>
-            </a:endParaRPr>
-          </a:p>
-          <a:p>
-            <a:pPr marL="72000" algn="ctr">
-              <a:lnSpc>
-                <a:spcPct val="120000"/>
-              </a:lnSpc>
-            </a:pPr>
-            <a:endParaRPr lang="fr-FR" sz="1400" spc="300" dirty="0">
-              <a:latin typeface="Comic Sans MS" panose="030F0702030302020204" pitchFamily="66" charset="0"/>
-              <a:ea typeface="JetBrains Mono" panose="02000009000000000000" pitchFamily="49" charset="0"/>
-              <a:cs typeface="JetBrains Mono" panose="02000009000000000000" pitchFamily="49" charset="0"/>
-            </a:endParaRPr>
-          </a:p>
-          <a:p>
-            <a:pPr marL="72000" algn="ctr">
-              <a:lnSpc>
-                <a:spcPct val="120000"/>
-              </a:lnSpc>
-            </a:pPr>
-            <a:endParaRPr lang="fr-FR" sz="1400" spc="300" dirty="0">
-              <a:latin typeface="Comic Sans MS" panose="030F0702030302020204" pitchFamily="66" charset="0"/>
-              <a:ea typeface="JetBrains Mono" panose="02000009000000000000" pitchFamily="49" charset="0"/>
-              <a:cs typeface="JetBrains Mono" panose="02000009000000000000" pitchFamily="49" charset="0"/>
-            </a:endParaRPr>
-          </a:p>
-          <a:p>
-            <a:pPr marL="72000" algn="ctr">
-              <a:lnSpc>
-                <a:spcPct val="120000"/>
-              </a:lnSpc>
-            </a:pPr>
-            <a:endParaRPr lang="fr-FR" sz="1400" spc="300" dirty="0">
-              <a:latin typeface="Comic Sans MS" panose="030F0702030302020204" pitchFamily="66" charset="0"/>
-              <a:ea typeface="JetBrains Mono" panose="02000009000000000000" pitchFamily="49" charset="0"/>
-              <a:cs typeface="JetBrains Mono" panose="02000009000000000000" pitchFamily="49" charset="0"/>
-            </a:endParaRPr>
-          </a:p>
-          <a:p>
-            <a:pPr marL="72000" algn="ctr">
-              <a:lnSpc>
-                <a:spcPct val="120000"/>
-              </a:lnSpc>
-            </a:pPr>
-            <a:endParaRPr lang="fr-FR" sz="1600" spc="300" dirty="0">
-              <a:latin typeface="Comic Sans MS" panose="030F0702030302020204" pitchFamily="66" charset="0"/>
-              <a:ea typeface="JetBrains Mono" panose="02000009000000000000" pitchFamily="49" charset="0"/>
-              <a:cs typeface="JetBrains Mono" panose="02000009000000000000" pitchFamily="49" charset="0"/>
-            </a:endParaRPr>
-          </a:p>
-          <a:p>
-            <a:pPr marL="72000" algn="ctr">
-              <a:lnSpc>
-                <a:spcPct val="120000"/>
-              </a:lnSpc>
-            </a:pPr>
-            <a:endParaRPr lang="fr-FR" spc="300" dirty="0">
-              <a:latin typeface="Comic Sans MS" panose="030F0702030302020204" pitchFamily="66" charset="0"/>
-              <a:ea typeface="JetBrains Mono" panose="02000009000000000000" pitchFamily="49" charset="0"/>
-              <a:cs typeface="JetBrains Mono" panose="02000009000000000000" pitchFamily="49" charset="0"/>
-            </a:endParaRPr>
-          </a:p>
-        </p:txBody>
-      </p:sp>
-      <p:pic>
-        <p:nvPicPr>
-          <p:cNvPr id="22" name="Picture 21"/>
-          <p:cNvPicPr>
-            <a:picLocks noChangeAspect="1"/>
-          </p:cNvPicPr>
-          <p:nvPr/>
-        </p:nvPicPr>
-        <p:blipFill>
-          <a:blip r:embed="rId2"/>
-          <a:stretch>
-            <a:fillRect/>
-          </a:stretch>
-        </p:blipFill>
-        <p:spPr>
-          <a:xfrm>
-            <a:off x="11347468" y="4033587"/>
-            <a:ext cx="3458367" cy="2732587"/>
-          </a:xfrm>
-          <a:prstGeom prst="rect">
-            <a:avLst/>
-          </a:prstGeom>
-          <a:ln>
-            <a:noFill/>
-          </a:ln>
-          <a:effectLst>
-            <a:softEdge rad="112500"/>
-          </a:effectLst>
-        </p:spPr>
-      </p:pic>
+              <a:t>La menuiserie restera probablement un domaine où le savoir-faire artisanal et la créativité humaine resteront essentiels. </a:t>
+            </a:r>
+            <a:r>
+              <a:rPr lang="fr-FR" b="1" dirty="0"/>
+              <a:t>L'IA sera plutôt un outil complémentaire pour améliorer l'efficacité</a:t>
+            </a:r>
+            <a:r>
+              <a:rPr lang="fr-FR" dirty="0"/>
+              <a:t> et la qualité, plutôt qu'un remplacement total des compétences humaines.</a:t>
+            </a:r>
+          </a:p>
+          <a:p>
+            <a:pPr marL="144000"/>
+            <a:endParaRPr lang="fr-FR" dirty="0"/>
+          </a:p>
+          <a:p>
+            <a:pPr marL="144000"/>
+            <a:r>
+              <a:rPr lang="fr-FR" b="1" dirty="0" err="1"/>
+              <a:t>Copilot</a:t>
+            </a:r>
+            <a:r>
+              <a:rPr lang="fr-FR" b="1" dirty="0"/>
+              <a:t> (Windows) : </a:t>
+            </a:r>
+          </a:p>
+          <a:p>
+            <a:pPr marL="144000"/>
+            <a:endParaRPr lang="fr-FR" dirty="0"/>
+          </a:p>
+          <a:p>
+            <a:pPr marL="144000"/>
+            <a:r>
+              <a:rPr lang="fr-FR" dirty="0"/>
+              <a:t>Oui, l'intelligence artificielle (IA) devrait avoir un impact significatif sur la menuiserie. Voici quelques raisons principales : (en résumé)</a:t>
+            </a:r>
+          </a:p>
+          <a:p>
+            <a:pPr marL="144000"/>
+            <a:r>
+              <a:rPr lang="fr-FR" dirty="0"/>
+              <a:t>Optimisation de la conception et de la modélisation</a:t>
+            </a:r>
+          </a:p>
+          <a:p>
+            <a:pPr marL="144000"/>
+            <a:r>
+              <a:rPr lang="fr-FR" dirty="0"/>
+              <a:t>Prédiction des pannes et maintenance prédictive</a:t>
+            </a:r>
+          </a:p>
+          <a:p>
+            <a:pPr marL="144000"/>
+            <a:r>
+              <a:rPr lang="fr-FR" dirty="0"/>
+              <a:t>Sécurité et ergonomie</a:t>
+            </a:r>
+          </a:p>
+          <a:p>
+            <a:pPr marL="144000"/>
+            <a:r>
+              <a:rPr lang="fr-FR" dirty="0"/>
+              <a:t>Automatisation des</a:t>
+            </a:r>
+          </a:p>
+          <a:p>
+            <a:pPr marL="144000"/>
+            <a:r>
+              <a:rPr lang="fr-FR" dirty="0"/>
+              <a:t>Gestion des projets et des risques</a:t>
+            </a:r>
+          </a:p>
+          <a:p>
+            <a:pPr marL="144000"/>
+            <a:endParaRPr lang="fr-FR" dirty="0"/>
+          </a:p>
+          <a:p>
+            <a:pPr marL="144000"/>
+            <a:endParaRPr lang="fr-FR" b="1" dirty="0"/>
+          </a:p>
+          <a:p>
+            <a:pPr marL="144000"/>
+            <a:endParaRPr lang="fr-FR" b="1" dirty="0"/>
+          </a:p>
+          <a:p>
+            <a:pPr marL="144000"/>
+            <a:endParaRPr lang="fr-FR" b="1" dirty="0"/>
+          </a:p>
+          <a:p>
+            <a:pPr marL="144000"/>
+            <a:endParaRPr lang="fr-FR" b="1" dirty="0"/>
+          </a:p>
+          <a:p>
+            <a:pPr marL="144000"/>
+            <a:r>
+              <a:rPr lang="fr-FR" b="1" dirty="0" err="1"/>
+              <a:t>MyAI</a:t>
+            </a:r>
+            <a:r>
+              <a:rPr lang="fr-FR" b="1" dirty="0"/>
+              <a:t> (</a:t>
+            </a:r>
+            <a:r>
+              <a:rPr lang="fr-FR" b="1" dirty="0" err="1"/>
+              <a:t>SnapChat</a:t>
+            </a:r>
+            <a:r>
+              <a:rPr lang="fr-FR" b="1" dirty="0"/>
+              <a:t>) : </a:t>
+            </a:r>
+          </a:p>
+          <a:p>
+            <a:pPr marL="144000"/>
+            <a:endParaRPr lang="fr-FR" dirty="0"/>
+          </a:p>
+          <a:p>
+            <a:pPr marL="144000"/>
+            <a:r>
+              <a:rPr lang="fr-FR" dirty="0"/>
+              <a:t>La menuiserie, comme beaucoup d'autres métiers, pourrait être impactée par l'intelligence artificielle. Par exemple, des outils automatisés pourraient aider à concevoir des meubles plus rapidement ou à optimiser la production. Ça pourrait aussi permettre de personnaliser les designs selon les goûts des clients. Mais d'un autre côté, </a:t>
+            </a:r>
+            <a:r>
+              <a:rPr lang="fr-FR" b="1" dirty="0"/>
+              <a:t>il y a toujours un besoin pour le savoir-faire humain</a:t>
+            </a:r>
+            <a:r>
+              <a:rPr lang="fr-FR" dirty="0"/>
+              <a:t>, surtout pour des créations uniques ou des réparations délicates. Donc, </a:t>
+            </a:r>
+            <a:r>
+              <a:rPr lang="fr-FR" b="1" dirty="0"/>
+              <a:t>je pense que l'IA pourrait compléter le travail </a:t>
+            </a:r>
+            <a:r>
+              <a:rPr lang="fr-FR" dirty="0"/>
+              <a:t>des menuisiers plutôt que de le remplacer complètement. </a:t>
+            </a:r>
+          </a:p>
+          <a:p>
+            <a:pPr marL="144000"/>
+            <a:endParaRPr lang="fr-FR" dirty="0"/>
+          </a:p>
+          <a:p>
+            <a:pPr marL="144000"/>
+            <a:r>
+              <a:rPr lang="fr-FR" b="1" dirty="0" err="1"/>
+              <a:t>Grok</a:t>
+            </a:r>
+            <a:r>
+              <a:rPr lang="fr-FR" b="1" dirty="0"/>
+              <a:t> (Elon Musk / X) : </a:t>
+            </a:r>
+          </a:p>
+          <a:p>
+            <a:pPr marL="144000"/>
+            <a:endParaRPr lang="fr-FR" dirty="0"/>
+          </a:p>
+          <a:p>
+            <a:pPr marL="144000"/>
+            <a:r>
+              <a:rPr lang="fr-FR" dirty="0"/>
+              <a:t>[…] il est important de noter que :</a:t>
+            </a:r>
+            <a:br>
+              <a:rPr lang="fr-FR" dirty="0"/>
+            </a:br>
+            <a:r>
+              <a:rPr lang="fr-FR" dirty="0"/>
+              <a:t>- </a:t>
+            </a:r>
+            <a:r>
+              <a:rPr lang="fr-FR" b="1" dirty="0"/>
+              <a:t>La menuiserie artisanale, qui valorise le savoir-faire et l'originalité, continuera probablement à exister</a:t>
+            </a:r>
+            <a:r>
+              <a:rPr lang="fr-FR" dirty="0"/>
+              <a:t> parallèlement à ces innovations technologiques. L'IA pourrait même augmenter la valeur de ces compétences en permettant aux artisans de se concentrer sur le travail créatif plutôt que sur les tâches répétitives.</a:t>
+            </a:r>
+          </a:p>
+          <a:p>
+            <a:pPr marL="144000"/>
+            <a:r>
+              <a:rPr lang="fr-FR" dirty="0"/>
+              <a:t>- Les menuisiers devront s'adapter aux nouvelles technologies, ce qui pourrait nécessiter des formations continues pour rester compétitifs.</a:t>
+            </a:r>
+            <a:br>
+              <a:rPr lang="fr-FR" dirty="0"/>
+            </a:br>
+            <a:r>
+              <a:rPr lang="fr-FR" dirty="0"/>
+              <a:t>En résumé, bien que </a:t>
+            </a:r>
+            <a:r>
+              <a:rPr lang="fr-FR" b="1" dirty="0"/>
+              <a:t>l'IA ne remplace pas complètement les menuisiers</a:t>
+            </a:r>
+            <a:r>
+              <a:rPr lang="fr-FR" dirty="0"/>
+              <a:t>, elle peut transformer profondément les méthodes de travail, les rendant plus efficaces, sûres et créatives.</a:t>
+            </a:r>
+          </a:p>
+          <a:p>
+            <a:pPr marL="144000"/>
+            <a:endParaRPr lang="fr-FR" sz="1600" dirty="0"/>
+          </a:p>
+        </p:txBody>
+      </p:sp>
       <p:sp>
         <p:nvSpPr>
           <p:cNvPr id="24" name="Rectangle 23"/>
@@ -4550,10 +4551,116 @@
           </a:p>
         </p:txBody>
       </p:sp>
+      <p:sp>
+        <p:nvSpPr>
+          <p:cNvPr id="20" name="Rounded Rectangle 19"/>
+          <p:cNvSpPr/>
+          <p:nvPr/>
+        </p:nvSpPr>
+        <p:spPr>
+          <a:xfrm>
+            <a:off x="14127675" y="10044399"/>
+            <a:ext cx="895962" cy="685971"/>
+          </a:xfrm>
+          <a:prstGeom prst="roundRect">
+            <a:avLst/>
+          </a:prstGeom>
+          <a:ln w="57150">
+            <a:solidFill>
+              <a:schemeClr val="tx1">
+                <a:lumMod val="50000"/>
+                <a:lumOff val="50000"/>
+              </a:schemeClr>
+            </a:solidFill>
+          </a:ln>
+        </p:spPr>
+        <p:style>
+          <a:lnRef idx="2">
+            <a:schemeClr val="dk1"/>
+          </a:lnRef>
+          <a:fillRef idx="1">
+            <a:schemeClr val="lt1"/>
+          </a:fillRef>
+          <a:effectRef idx="0">
+            <a:schemeClr val="dk1"/>
+          </a:effectRef>
+          <a:fontRef idx="minor">
+            <a:schemeClr val="dk1"/>
+          </a:fontRef>
+        </p:style>
+        <p:txBody>
+          <a:bodyPr rtlCol="0" anchor="ctr"/>
+          <a:lstStyle/>
+          <a:p>
+            <a:pPr algn="ctr"/>
+            <a:r>
+              <a:rPr lang="fr-FR" sz="2000" dirty="0">
+                <a:solidFill>
+                  <a:schemeClr val="tx1"/>
+                </a:solidFill>
+                <a:latin typeface="Comic Sans MS" panose="030F0702030302020204" pitchFamily="66" charset="0"/>
+              </a:rPr>
+              <a:t>1/4</a:t>
+            </a:r>
+          </a:p>
+        </p:txBody>
+      </p:sp>
+      <p:sp>
+        <p:nvSpPr>
+          <p:cNvPr id="6" name="Rectangle 5">
+            <a:extLst>
+              <a:ext uri="{FF2B5EF4-FFF2-40B4-BE49-F238E27FC236}">
+                <a16:creationId xmlns:a16="http://schemas.microsoft.com/office/drawing/2014/main" id="{C89B8474-B66E-45DB-9B1E-0E679910E6B5}"/>
+              </a:ext>
+            </a:extLst>
+          </p:cNvPr>
+          <p:cNvSpPr/>
+          <p:nvPr/>
+        </p:nvSpPr>
+        <p:spPr>
+          <a:xfrm>
+            <a:off x="4037183" y="179881"/>
+            <a:ext cx="7054150" cy="1067028"/>
+          </a:xfrm>
+          <a:prstGeom prst="rect">
+            <a:avLst/>
+          </a:prstGeom>
+          <a:ln w="57150"/>
+        </p:spPr>
+        <p:style>
+          <a:lnRef idx="2">
+            <a:schemeClr val="dk1"/>
+          </a:lnRef>
+          <a:fillRef idx="1">
+            <a:schemeClr val="lt1"/>
+          </a:fillRef>
+          <a:effectRef idx="0">
+            <a:schemeClr val="dk1"/>
+          </a:effectRef>
+          <a:fontRef idx="minor">
+            <a:schemeClr val="dk1"/>
+          </a:fontRef>
+        </p:style>
+        <p:txBody>
+          <a:bodyPr rtlCol="0" anchor="ctr"/>
+          <a:lstStyle/>
+          <a:p>
+            <a:pPr algn="ctr"/>
+            <a:r>
+              <a:rPr lang="fr-FR" b="1" dirty="0">
+                <a:latin typeface="Comic Sans MS" panose="030F0702030302020204" pitchFamily="66" charset="0"/>
+                <a:ea typeface="JetBrains Mono" panose="02000009000000000000" pitchFamily="49" charset="0"/>
+                <a:cs typeface="JetBrains Mono" panose="02000009000000000000" pitchFamily="49" charset="0"/>
+              </a:rPr>
+              <a:t>Est-ce que la menuiserie sera impactée par l'intelligence artificielle, et pourquoi ?</a:t>
+            </a:r>
+          </a:p>
+        </p:txBody>
+      </p:sp>
     </p:spTree>
     <p:extLst>
       <p:ext uri="{BB962C8B-B14F-4D97-AF65-F5344CB8AC3E}">
-        <p14:creationId xmlns:p14="http://schemas.microsoft.com/office/powerpoint/2010/main" val="3063325749"/>
+        <p14:creationId xmlns:p14="http://schemas.microsoft.com/office/powerpoint/2010/main" val="4020604657"/>
       </p:ext>
     </p:extLst>
   </p:cSld>
@@ -4582,20 +4689,14 @@
       </p:grpSpPr>
       <p:sp>
         <p:nvSpPr>
-          <p:cNvPr id="16" name="Rectangle 15">
-            <a:extLst>
-              <a:ext uri="{FF2B5EF4-FFF2-40B4-BE49-F238E27FC236}">
-                <a16:creationId xmlns:a16="http://schemas.microsoft.com/office/drawing/2014/main" id="{813D6DD5-D05F-4784-8EA3-A58DB35FAEFF}"/>
-              </a:ext>
-            </a:extLst>
-          </p:cNvPr>
+          <p:cNvPr id="18" name="Rectangle 17"/>
           <p:cNvSpPr/>
           <p:nvPr/>
         </p:nvSpPr>
         <p:spPr>
           <a:xfrm>
-            <a:off x="142517" y="1371599"/>
-            <a:ext cx="14797158" cy="9248281"/>
+            <a:off x="142517" y="1390649"/>
+            <a:ext cx="3763202" cy="9229231"/>
           </a:xfrm>
           <a:prstGeom prst="rect">
             <a:avLst/>
@@ -4617,295 +4718,54 @@
           </a:fontRef>
         </p:style>
         <p:txBody>
-          <a:bodyPr numCol="2" rtlCol="0" anchor="ctr"/>
+          <a:bodyPr rtlCol="0" anchor="ctr"/>
           <a:lstStyle/>
           <a:p>
-            <a:pPr marL="144000"/>
-            <a:endParaRPr lang="fr-FR" sz="1600" b="1" dirty="0"/>
-          </a:p>
-          <a:p>
-            <a:pPr marL="144000"/>
-            <a:endParaRPr lang="fr-FR" b="1" dirty="0"/>
-          </a:p>
-          <a:p>
-            <a:pPr marL="144000"/>
-            <a:r>
-              <a:rPr lang="fr-FR" b="1" dirty="0" err="1"/>
-              <a:t>ChatGPT</a:t>
-            </a:r>
-            <a:r>
-              <a:rPr lang="fr-FR" b="1" dirty="0"/>
-              <a:t> (</a:t>
-            </a:r>
-            <a:r>
-              <a:rPr lang="fr-FR" b="1" dirty="0" err="1"/>
-              <a:t>OpenIA</a:t>
-            </a:r>
-            <a:r>
-              <a:rPr lang="fr-FR" b="1" dirty="0"/>
-              <a:t>):</a:t>
-            </a:r>
-          </a:p>
-          <a:p>
-            <a:pPr marL="144000"/>
+            <a:endParaRPr lang="fr-FR" sz="1600" dirty="0"/>
+          </a:p>
+        </p:txBody>
+      </p:sp>
+      <p:sp>
+        <p:nvSpPr>
+          <p:cNvPr id="19" name="Rectangle 18"/>
+          <p:cNvSpPr/>
+          <p:nvPr/>
+        </p:nvSpPr>
+        <p:spPr>
+          <a:xfrm>
+            <a:off x="11213630" y="1390649"/>
+            <a:ext cx="3726044" cy="9229231"/>
+          </a:xfrm>
+          <a:prstGeom prst="rect">
+            <a:avLst/>
+          </a:prstGeom>
+          <a:ln w="57150"/>
+        </p:spPr>
+        <p:style>
+          <a:lnRef idx="2">
+            <a:schemeClr val="dk1"/>
+          </a:lnRef>
+          <a:fillRef idx="1">
+            <a:schemeClr val="lt1"/>
+          </a:fillRef>
+          <a:effectRef idx="0">
+            <a:schemeClr val="dk1"/>
+          </a:effectRef>
+          <a:fontRef idx="minor">
+            <a:schemeClr val="dk1"/>
+          </a:fontRef>
+        </p:style>
+        <p:txBody>
+          <a:bodyPr rtlCol="0" anchor="ctr"/>
+          <a:lstStyle/>
+          <a:p>
             <a:endParaRPr lang="fr-FR" dirty="0"/>
           </a:p>
           <a:p>
-            <a:pPr marL="144000"/>
-            <a:r>
-              <a:rPr lang="fr-FR" dirty="0"/>
-              <a:t>la menuiserie sera impactée par l’intelligence artificielle (IA), mais plutôt comme un outil d’optimisation que comme un remplacement des artisans. […]</a:t>
-            </a:r>
-          </a:p>
-          <a:p>
-            <a:pPr marL="144000"/>
-            <a:r>
-              <a:rPr lang="fr-FR" b="1" dirty="0"/>
-              <a:t>L'IA, un allié plutôt qu’un remplaçant</a:t>
-            </a:r>
-          </a:p>
-          <a:p>
-            <a:pPr marL="144000"/>
-            <a:r>
-              <a:rPr lang="fr-FR" dirty="0"/>
-              <a:t>Même avec des avancées, </a:t>
-            </a:r>
-            <a:r>
-              <a:rPr lang="fr-FR" b="1" dirty="0"/>
-              <a:t>la sensibilité, la créativité et l’adaptabilité d’un artisan menuisier resteront essentielles</a:t>
-            </a:r>
-            <a:r>
-              <a:rPr lang="fr-FR" dirty="0"/>
-              <a:t>. L’IA optimisera la productivité, mais ne remplacera pas le savoir-faire et l’expérience nécessaires pour comprendre et travailler le bois.</a:t>
-            </a:r>
-          </a:p>
-          <a:p>
-            <a:pPr marL="144000"/>
             <a:endParaRPr lang="fr-FR" dirty="0"/>
           </a:p>
           <a:p>
-            <a:pPr marL="144000"/>
-            <a:r>
-              <a:rPr lang="fr-FR" b="1" dirty="0" err="1"/>
-              <a:t>DeepSeek</a:t>
-            </a:r>
-            <a:r>
-              <a:rPr lang="fr-FR" b="1" dirty="0"/>
-              <a:t> (High-Flyer): </a:t>
-            </a:r>
-          </a:p>
-          <a:p>
-            <a:pPr marL="144000"/>
             <a:endParaRPr lang="fr-FR" dirty="0"/>
-          </a:p>
-          <a:p>
-            <a:pPr marL="144000"/>
-            <a:r>
-              <a:rPr lang="fr-FR" dirty="0"/>
-              <a:t>La menuiserie restera probablement un domaine où le savoir-faire artisanal et la créativité humaine resteront essentiels. </a:t>
-            </a:r>
-            <a:r>
-              <a:rPr lang="fr-FR" b="1" dirty="0"/>
-              <a:t>L'IA sera plutôt un outil complémentaire pour améliorer l'efficacité</a:t>
-            </a:r>
-            <a:r>
-              <a:rPr lang="fr-FR" dirty="0"/>
-              <a:t> et la qualité, plutôt qu'un remplacement total des compétences humaines.</a:t>
-            </a:r>
-          </a:p>
-          <a:p>
-            <a:pPr marL="144000"/>
-            <a:endParaRPr lang="fr-FR" dirty="0"/>
-          </a:p>
-          <a:p>
-            <a:pPr marL="144000"/>
-            <a:r>
-              <a:rPr lang="fr-FR" b="1" dirty="0" err="1"/>
-              <a:t>Copilot</a:t>
-            </a:r>
-            <a:r>
-              <a:rPr lang="fr-FR" b="1" dirty="0"/>
-              <a:t> (Windows) : </a:t>
-            </a:r>
-          </a:p>
-          <a:p>
-            <a:pPr marL="144000"/>
-            <a:endParaRPr lang="fr-FR" dirty="0"/>
-          </a:p>
-          <a:p>
-            <a:pPr marL="144000"/>
-            <a:r>
-              <a:rPr lang="fr-FR" dirty="0"/>
-              <a:t>Oui, l'intelligence artificielle (IA) devrait avoir un impact significatif sur la menuiserie. Voici quelques raisons principales : (en résumé)</a:t>
-            </a:r>
-          </a:p>
-          <a:p>
-            <a:pPr marL="144000"/>
-            <a:r>
-              <a:rPr lang="fr-FR" dirty="0"/>
-              <a:t>Optimisation de la conception et de la modélisation</a:t>
-            </a:r>
-          </a:p>
-          <a:p>
-            <a:pPr marL="144000"/>
-            <a:r>
-              <a:rPr lang="fr-FR" dirty="0"/>
-              <a:t>Prédiction des pannes et maintenance prédictive</a:t>
-            </a:r>
-          </a:p>
-          <a:p>
-            <a:pPr marL="144000"/>
-            <a:r>
-              <a:rPr lang="fr-FR" dirty="0"/>
-              <a:t>Sécurité et ergonomie</a:t>
-            </a:r>
-          </a:p>
-          <a:p>
-            <a:pPr marL="144000"/>
-            <a:r>
-              <a:rPr lang="fr-FR" dirty="0"/>
-              <a:t>Automatisation des</a:t>
-            </a:r>
-          </a:p>
-          <a:p>
-            <a:pPr marL="144000"/>
-            <a:r>
-              <a:rPr lang="fr-FR" dirty="0"/>
-              <a:t>Gestion des projets et des risques</a:t>
-            </a:r>
-          </a:p>
-          <a:p>
-            <a:pPr marL="144000"/>
-            <a:endParaRPr lang="fr-FR" dirty="0"/>
-          </a:p>
-          <a:p>
-            <a:pPr marL="144000"/>
-            <a:endParaRPr lang="fr-FR" b="1" dirty="0"/>
-          </a:p>
-          <a:p>
-            <a:pPr marL="144000"/>
-            <a:endParaRPr lang="fr-FR" b="1" dirty="0"/>
-          </a:p>
-          <a:p>
-            <a:pPr marL="144000"/>
-            <a:endParaRPr lang="fr-FR" b="1" dirty="0"/>
-          </a:p>
-          <a:p>
-            <a:pPr marL="144000"/>
-            <a:endParaRPr lang="fr-FR" b="1" dirty="0"/>
-          </a:p>
-          <a:p>
-            <a:pPr marL="144000"/>
-            <a:r>
-              <a:rPr lang="fr-FR" b="1" dirty="0" err="1"/>
-              <a:t>MyAI</a:t>
-            </a:r>
-            <a:r>
-              <a:rPr lang="fr-FR" b="1" dirty="0"/>
-              <a:t> (</a:t>
-            </a:r>
-            <a:r>
-              <a:rPr lang="fr-FR" b="1" dirty="0" err="1"/>
-              <a:t>SnapChat</a:t>
-            </a:r>
-            <a:r>
-              <a:rPr lang="fr-FR" b="1" dirty="0"/>
-              <a:t>) : </a:t>
-            </a:r>
-          </a:p>
-          <a:p>
-            <a:pPr marL="144000"/>
-            <a:endParaRPr lang="fr-FR" dirty="0"/>
-          </a:p>
-          <a:p>
-            <a:pPr marL="144000"/>
-            <a:r>
-              <a:rPr lang="fr-FR" dirty="0"/>
-              <a:t>La menuiserie, comme beaucoup d'autres métiers, pourrait être impactée par l'intelligence artificielle. Par exemple, des outils automatisés pourraient aider à concevoir des meubles plus rapidement ou à optimiser la production. Ça pourrait aussi permettre de personnaliser les designs selon les goûts des clients. Mais d'un autre côté, </a:t>
-            </a:r>
-            <a:r>
-              <a:rPr lang="fr-FR" b="1" dirty="0"/>
-              <a:t>il y a toujours un besoin pour le savoir-faire humain</a:t>
-            </a:r>
-            <a:r>
-              <a:rPr lang="fr-FR" dirty="0"/>
-              <a:t>, surtout pour des créations uniques ou des réparations délicates. Donc, </a:t>
-            </a:r>
-            <a:r>
-              <a:rPr lang="fr-FR" b="1" dirty="0"/>
-              <a:t>je pense que l'IA pourrait compléter le travail </a:t>
-            </a:r>
-            <a:r>
-              <a:rPr lang="fr-FR" dirty="0"/>
-              <a:t>des menuisiers plutôt que de le remplacer complètement. </a:t>
-            </a:r>
-          </a:p>
-          <a:p>
-            <a:pPr marL="144000"/>
-            <a:endParaRPr lang="fr-FR" dirty="0"/>
-          </a:p>
-          <a:p>
-            <a:pPr marL="144000"/>
-            <a:r>
-              <a:rPr lang="fr-FR" b="1" dirty="0" err="1"/>
-              <a:t>Grok</a:t>
-            </a:r>
-            <a:r>
-              <a:rPr lang="fr-FR" b="1" dirty="0"/>
-              <a:t> (Elon Musk / X) : </a:t>
-            </a:r>
-          </a:p>
-          <a:p>
-            <a:pPr marL="144000"/>
-            <a:endParaRPr lang="fr-FR" dirty="0"/>
-          </a:p>
-          <a:p>
-            <a:pPr marL="144000"/>
-            <a:r>
-              <a:rPr lang="fr-FR" dirty="0"/>
-              <a:t>[…] il est important de noter que :</a:t>
-            </a:r>
-            <a:br>
-              <a:rPr lang="fr-FR" dirty="0"/>
-            </a:br>
-            <a:r>
-              <a:rPr lang="fr-FR" dirty="0"/>
-              <a:t>- </a:t>
-            </a:r>
-            <a:r>
-              <a:rPr lang="fr-FR" b="1" dirty="0"/>
-              <a:t>La menuiserie artisanale, qui valorise le savoir-faire et l'originalité, continuera probablement à exister</a:t>
-            </a:r>
-            <a:r>
-              <a:rPr lang="fr-FR" dirty="0"/>
-              <a:t> parallèlement à ces innovations technologiques. L'IA pourrait même augmenter la valeur de ces compétences en permettant aux artisans de se concentrer sur le travail créatif plutôt que sur les tâches répétitives.</a:t>
-            </a:r>
-          </a:p>
-          <a:p>
-            <a:pPr marL="144000"/>
-            <a:r>
-              <a:rPr lang="fr-FR" dirty="0"/>
-              <a:t>- Les menuisiers devront s'adapter aux nouvelles technologies, ce qui pourrait nécessiter des formations continues pour rester compétitifs.</a:t>
-            </a:r>
-            <a:br>
-              <a:rPr lang="fr-FR" dirty="0"/>
-            </a:br>
-            <a:r>
-              <a:rPr lang="fr-FR" dirty="0"/>
-              <a:t>En résumé, bien que </a:t>
-            </a:r>
-            <a:r>
-              <a:rPr lang="fr-FR" b="1" dirty="0"/>
-              <a:t>l'IA ne remplace pas complètement les menuisiers</a:t>
-            </a:r>
-            <a:r>
-              <a:rPr lang="fr-FR" dirty="0"/>
-              <a:t>, elle peut transformer profondément les méthodes de travail, les rendant plus efficaces, sûres et créatives.</a:t>
-            </a:r>
-          </a:p>
-          <a:p>
-            <a:pPr marL="144000"/>
-            <a:endParaRPr lang="fr-FR" sz="1600" dirty="0"/>
           </a:p>
         </p:txBody>
       </p:sp>
@@ -5072,17 +4932,17 @@
                 </a:solidFill>
                 <a:latin typeface="Comic Sans MS" panose="030F0702030302020204" pitchFamily="66" charset="0"/>
               </a:rPr>
-              <a:t>1/4</a:t>
-            </a:r>
-          </a:p>
-        </p:txBody>
-      </p:sp>
-      <p:sp>
-        <p:nvSpPr>
-          <p:cNvPr id="6" name="Rectangle 5">
+              <a:t>2/4</a:t>
+            </a:r>
+          </a:p>
+        </p:txBody>
+      </p:sp>
+      <p:sp>
+        <p:nvSpPr>
+          <p:cNvPr id="16" name="Rectangle 15">
             <a:extLst>
               <a:ext uri="{FF2B5EF4-FFF2-40B4-BE49-F238E27FC236}">
-                <a16:creationId xmlns:a16="http://schemas.microsoft.com/office/drawing/2014/main" id="{C89B8474-B66E-45DB-9B1E-0E679910E6B5}"/>
+                <a16:creationId xmlns:a16="http://schemas.microsoft.com/office/drawing/2014/main" id="{813D6DD5-D05F-4784-8EA3-A58DB35FAEFF}"/>
               </a:ext>
             </a:extLst>
           </p:cNvPr>
@@ -5091,8 +4951,8 @@
         </p:nvSpPr>
         <p:spPr>
           <a:xfrm>
-            <a:off x="4037183" y="179881"/>
-            <a:ext cx="7054150" cy="1067028"/>
+            <a:off x="4039558" y="179880"/>
+            <a:ext cx="3520116" cy="10440000"/>
           </a:xfrm>
           <a:prstGeom prst="rect">
             <a:avLst/>
@@ -5117,22 +4977,300 @@
           <a:bodyPr rtlCol="0" anchor="ctr"/>
           <a:lstStyle/>
           <a:p>
-            <a:pPr algn="ctr"/>
-            <a:r>
-              <a:rPr lang="fr-FR" b="1" dirty="0">
-                <a:latin typeface="Comic Sans MS" panose="030F0702030302020204" pitchFamily="66" charset="0"/>
-                <a:ea typeface="JetBrains Mono" panose="02000009000000000000" pitchFamily="49" charset="0"/>
-                <a:cs typeface="JetBrains Mono" panose="02000009000000000000" pitchFamily="49" charset="0"/>
-              </a:rPr>
-              <a:t>Est-ce que la menuiserie sera impactée par l'intelligence artificielle, et pourquoi ?</a:t>
-            </a:r>
+            <a:pPr marL="72000" algn="ctr"/>
+            <a:r>
+              <a:rPr lang="fr-FR" dirty="0" err="1">
+                <a:cs typeface="Arial" panose="020B0604020202020204" pitchFamily="34" charset="0"/>
+              </a:rPr>
+              <a:t>Goupe</a:t>
+            </a:r>
+            <a:r>
+              <a:rPr lang="fr-FR" dirty="0">
+                <a:cs typeface="Arial" panose="020B0604020202020204" pitchFamily="34" charset="0"/>
+              </a:rPr>
+              <a:t> A.I</a:t>
+            </a:r>
+          </a:p>
+          <a:p>
+            <a:pPr marL="72000" algn="ctr"/>
+            <a:endParaRPr lang="fr-FR" sz="1600" dirty="0">
+              <a:cs typeface="Arial" panose="020B0604020202020204" pitchFamily="34" charset="0"/>
+            </a:endParaRPr>
+          </a:p>
+          <a:p>
+            <a:pPr marL="72000" algn="ctr"/>
+            <a:endParaRPr lang="fr-FR" sz="1600" dirty="0">
+              <a:cs typeface="Arial" panose="020B0604020202020204" pitchFamily="34" charset="0"/>
+            </a:endParaRPr>
+          </a:p>
+          <a:p>
+            <a:pPr marL="72000" algn="ctr">
+              <a:lnSpc>
+                <a:spcPct val="200000"/>
+              </a:lnSpc>
+            </a:pPr>
+            <a:r>
+              <a:rPr lang="fr-FR" sz="1600" dirty="0">
+                <a:cs typeface="Arial" panose="020B0604020202020204" pitchFamily="34" charset="0"/>
+              </a:rPr>
+              <a:t>………………………………..</a:t>
+            </a:r>
+          </a:p>
+          <a:p>
+            <a:pPr marL="72000" algn="ctr">
+              <a:lnSpc>
+                <a:spcPct val="200000"/>
+              </a:lnSpc>
+            </a:pPr>
+            <a:r>
+              <a:rPr lang="fr-FR" sz="1600" dirty="0">
+                <a:cs typeface="Arial" panose="020B0604020202020204" pitchFamily="34" charset="0"/>
+              </a:rPr>
+              <a:t>………………………………..</a:t>
+            </a:r>
+          </a:p>
+          <a:p>
+            <a:pPr marL="72000" algn="ctr">
+              <a:lnSpc>
+                <a:spcPct val="200000"/>
+              </a:lnSpc>
+            </a:pPr>
+            <a:r>
+              <a:rPr lang="fr-FR" sz="1600" dirty="0">
+                <a:cs typeface="Arial" panose="020B0604020202020204" pitchFamily="34" charset="0"/>
+              </a:rPr>
+              <a:t>………………………………..</a:t>
+            </a:r>
+          </a:p>
+          <a:p>
+            <a:pPr marL="72000" algn="ctr">
+              <a:lnSpc>
+                <a:spcPct val="200000"/>
+              </a:lnSpc>
+            </a:pPr>
+            <a:r>
+              <a:rPr lang="fr-FR" sz="1600" dirty="0">
+                <a:cs typeface="Arial" panose="020B0604020202020204" pitchFamily="34" charset="0"/>
+              </a:rPr>
+              <a:t>………………………………..</a:t>
+            </a:r>
+          </a:p>
+          <a:p>
+            <a:pPr marL="72000" algn="ctr">
+              <a:lnSpc>
+                <a:spcPct val="200000"/>
+              </a:lnSpc>
+            </a:pPr>
+            <a:r>
+              <a:rPr lang="fr-FR" sz="1600" dirty="0">
+                <a:cs typeface="Arial" panose="020B0604020202020204" pitchFamily="34" charset="0"/>
+              </a:rPr>
+              <a:t>………………………………..</a:t>
+            </a:r>
+          </a:p>
+          <a:p>
+            <a:pPr marL="72000" algn="ctr">
+              <a:lnSpc>
+                <a:spcPct val="200000"/>
+              </a:lnSpc>
+            </a:pPr>
+            <a:r>
+              <a:rPr lang="fr-FR" sz="1600" dirty="0">
+                <a:cs typeface="Arial" panose="020B0604020202020204" pitchFamily="34" charset="0"/>
+              </a:rPr>
+              <a:t>………………………………..</a:t>
+            </a:r>
+          </a:p>
+          <a:p>
+            <a:pPr marL="72000" algn="ctr">
+              <a:lnSpc>
+                <a:spcPct val="200000"/>
+              </a:lnSpc>
+            </a:pPr>
+            <a:r>
+              <a:rPr lang="fr-FR" sz="1600" dirty="0">
+                <a:cs typeface="Arial" panose="020B0604020202020204" pitchFamily="34" charset="0"/>
+              </a:rPr>
+              <a:t>………………………………..</a:t>
+            </a:r>
+          </a:p>
+          <a:p>
+            <a:pPr marL="72000" algn="ctr"/>
+            <a:endParaRPr lang="fr-FR" sz="1600" dirty="0">
+              <a:cs typeface="Arial" panose="020B0604020202020204" pitchFamily="34" charset="0"/>
+            </a:endParaRPr>
+          </a:p>
+        </p:txBody>
+      </p:sp>
+      <p:sp>
+        <p:nvSpPr>
+          <p:cNvPr id="11" name="Rectangle 10">
+            <a:extLst>
+              <a:ext uri="{FF2B5EF4-FFF2-40B4-BE49-F238E27FC236}">
+                <a16:creationId xmlns:a16="http://schemas.microsoft.com/office/drawing/2014/main" id="{A60EA4A5-E4D7-487A-A515-0D5965AD31AD}"/>
+              </a:ext>
+            </a:extLst>
+          </p:cNvPr>
+          <p:cNvSpPr/>
+          <p:nvPr/>
+        </p:nvSpPr>
+        <p:spPr>
+          <a:xfrm>
+            <a:off x="7670800" y="179880"/>
+            <a:ext cx="3431704" cy="10440000"/>
+          </a:xfrm>
+          <a:prstGeom prst="rect">
+            <a:avLst/>
+          </a:prstGeom>
+          <a:ln w="57150"/>
+        </p:spPr>
+        <p:style>
+          <a:lnRef idx="2">
+            <a:schemeClr val="dk1"/>
+          </a:lnRef>
+          <a:fillRef idx="1">
+            <a:schemeClr val="lt1"/>
+          </a:fillRef>
+          <a:effectRef idx="0">
+            <a:schemeClr val="dk1"/>
+          </a:effectRef>
+          <a:fontRef idx="minor">
+            <a:schemeClr val="dk1"/>
+          </a:fontRef>
+        </p:style>
+        <p:txBody>
+          <a:bodyPr rtlCol="0" anchor="ctr"/>
+          <a:lstStyle/>
+          <a:p>
+            <a:pPr marL="72000" algn="ctr"/>
+            <a:r>
+              <a:rPr lang="fr-FR" dirty="0" err="1">
+                <a:cs typeface="Arial" panose="020B0604020202020204" pitchFamily="34" charset="0"/>
+              </a:rPr>
+              <a:t>Goupe</a:t>
+            </a:r>
+            <a:r>
+              <a:rPr lang="fr-FR" dirty="0">
+                <a:cs typeface="Arial" panose="020B0604020202020204" pitchFamily="34" charset="0"/>
+              </a:rPr>
+              <a:t> E.H</a:t>
+            </a:r>
+          </a:p>
+          <a:p>
+            <a:pPr marL="72000" algn="ctr"/>
+            <a:endParaRPr lang="fr-FR" sz="1600" dirty="0">
+              <a:cs typeface="Arial" panose="020B0604020202020204" pitchFamily="34" charset="0"/>
+            </a:endParaRPr>
+          </a:p>
+          <a:p>
+            <a:pPr marL="72000" algn="ctr"/>
+            <a:endParaRPr lang="fr-FR" sz="1600" dirty="0">
+              <a:cs typeface="Arial" panose="020B0604020202020204" pitchFamily="34" charset="0"/>
+            </a:endParaRPr>
+          </a:p>
+          <a:p>
+            <a:pPr marL="72000" algn="ctr">
+              <a:lnSpc>
+                <a:spcPct val="200000"/>
+              </a:lnSpc>
+            </a:pPr>
+            <a:r>
+              <a:rPr lang="fr-FR" sz="1600" dirty="0">
+                <a:cs typeface="Arial" panose="020B0604020202020204" pitchFamily="34" charset="0"/>
+              </a:rPr>
+              <a:t>………………………………..</a:t>
+            </a:r>
+          </a:p>
+          <a:p>
+            <a:pPr marL="72000" algn="ctr">
+              <a:lnSpc>
+                <a:spcPct val="200000"/>
+              </a:lnSpc>
+            </a:pPr>
+            <a:r>
+              <a:rPr lang="fr-FR" sz="1600" dirty="0">
+                <a:cs typeface="Arial" panose="020B0604020202020204" pitchFamily="34" charset="0"/>
+              </a:rPr>
+              <a:t>………………………………..</a:t>
+            </a:r>
+          </a:p>
+          <a:p>
+            <a:pPr marL="72000" algn="ctr">
+              <a:lnSpc>
+                <a:spcPct val="200000"/>
+              </a:lnSpc>
+            </a:pPr>
+            <a:r>
+              <a:rPr lang="fr-FR" sz="1600" dirty="0">
+                <a:cs typeface="Arial" panose="020B0604020202020204" pitchFamily="34" charset="0"/>
+              </a:rPr>
+              <a:t>………………………………..</a:t>
+            </a:r>
+          </a:p>
+          <a:p>
+            <a:pPr marL="72000" algn="ctr">
+              <a:lnSpc>
+                <a:spcPct val="200000"/>
+              </a:lnSpc>
+            </a:pPr>
+            <a:r>
+              <a:rPr lang="fr-FR" sz="1600" dirty="0">
+                <a:cs typeface="Arial" panose="020B0604020202020204" pitchFamily="34" charset="0"/>
+              </a:rPr>
+              <a:t>………………………………..</a:t>
+            </a:r>
+          </a:p>
+          <a:p>
+            <a:pPr marL="72000" algn="ctr">
+              <a:lnSpc>
+                <a:spcPct val="200000"/>
+              </a:lnSpc>
+            </a:pPr>
+            <a:r>
+              <a:rPr lang="fr-FR" sz="1600" dirty="0">
+                <a:cs typeface="Arial" panose="020B0604020202020204" pitchFamily="34" charset="0"/>
+              </a:rPr>
+              <a:t>………………………………..</a:t>
+            </a:r>
+          </a:p>
+          <a:p>
+            <a:pPr marL="72000" algn="ctr">
+              <a:lnSpc>
+                <a:spcPct val="200000"/>
+              </a:lnSpc>
+            </a:pPr>
+            <a:r>
+              <a:rPr lang="fr-FR" sz="1600" dirty="0">
+                <a:cs typeface="Arial" panose="020B0604020202020204" pitchFamily="34" charset="0"/>
+              </a:rPr>
+              <a:t>………………………………..</a:t>
+            </a:r>
+          </a:p>
+          <a:p>
+            <a:pPr marL="72000" algn="ctr">
+              <a:lnSpc>
+                <a:spcPct val="200000"/>
+              </a:lnSpc>
+            </a:pPr>
+            <a:r>
+              <a:rPr lang="fr-FR" sz="1600" dirty="0">
+                <a:cs typeface="Arial" panose="020B0604020202020204" pitchFamily="34" charset="0"/>
+              </a:rPr>
+              <a:t>………………………………..</a:t>
+            </a:r>
+          </a:p>
+          <a:p>
+            <a:pPr marL="72000" algn="ctr"/>
+            <a:endParaRPr lang="fr-FR" sz="1600" dirty="0">
+              <a:cs typeface="Arial" panose="020B0604020202020204" pitchFamily="34" charset="0"/>
+            </a:endParaRPr>
           </a:p>
         </p:txBody>
       </p:sp>
     </p:spTree>
     <p:extLst>
       <p:ext uri="{BB962C8B-B14F-4D97-AF65-F5344CB8AC3E}">
-        <p14:creationId xmlns:p14="http://schemas.microsoft.com/office/powerpoint/2010/main" val="4020604657"/>
+        <p14:creationId xmlns:p14="http://schemas.microsoft.com/office/powerpoint/2010/main" val="4000596285"/>
       </p:ext>
     </p:extLst>
   </p:cSld>
@@ -5404,7 +5542,7 @@
                 </a:solidFill>
                 <a:latin typeface="Comic Sans MS" panose="030F0702030302020204" pitchFamily="66" charset="0"/>
               </a:rPr>
-              <a:t>2/4</a:t>
+              <a:t>3/4</a:t>
             </a:r>
           </a:p>
         </p:txBody>
@@ -5450,124 +5588,6 @@
           <a:lstStyle/>
           <a:p>
             <a:pPr marL="72000" algn="ctr"/>
-            <a:r>
-              <a:rPr lang="fr-FR" dirty="0" err="1">
-                <a:cs typeface="Arial" panose="020B0604020202020204" pitchFamily="34" charset="0"/>
-              </a:rPr>
-              <a:t>Goupe</a:t>
-            </a:r>
-            <a:r>
-              <a:rPr lang="fr-FR" dirty="0">
-                <a:cs typeface="Arial" panose="020B0604020202020204" pitchFamily="34" charset="0"/>
-              </a:rPr>
-              <a:t> A.I</a:t>
-            </a:r>
-          </a:p>
-          <a:p>
-            <a:pPr marL="72000" algn="ctr"/>
-            <a:endParaRPr lang="fr-FR" sz="1600" dirty="0">
-              <a:cs typeface="Arial" panose="020B0604020202020204" pitchFamily="34" charset="0"/>
-            </a:endParaRPr>
-          </a:p>
-          <a:p>
-            <a:pPr marL="72000" algn="ctr"/>
-            <a:endParaRPr lang="fr-FR" sz="1600" dirty="0">
-              <a:cs typeface="Arial" panose="020B0604020202020204" pitchFamily="34" charset="0"/>
-            </a:endParaRPr>
-          </a:p>
-          <a:p>
-            <a:pPr marL="72000" algn="ctr">
-              <a:lnSpc>
-                <a:spcPct val="200000"/>
-              </a:lnSpc>
-            </a:pPr>
-            <a:r>
-              <a:rPr lang="fr-FR" sz="1600" dirty="0">
-                <a:cs typeface="Arial" panose="020B0604020202020204" pitchFamily="34" charset="0"/>
-              </a:rPr>
-              <a:t>………………………………..</a:t>
-            </a:r>
-          </a:p>
-          <a:p>
-            <a:pPr marL="72000" algn="ctr">
-              <a:lnSpc>
-                <a:spcPct val="200000"/>
-              </a:lnSpc>
-            </a:pPr>
-            <a:r>
-              <a:rPr lang="fr-FR" sz="1600" dirty="0">
-                <a:cs typeface="Arial" panose="020B0604020202020204" pitchFamily="34" charset="0"/>
-              </a:rPr>
-              <a:t>………………………………..</a:t>
-            </a:r>
-          </a:p>
-          <a:p>
-            <a:pPr marL="72000" algn="ctr">
-              <a:lnSpc>
-                <a:spcPct val="200000"/>
-              </a:lnSpc>
-            </a:pPr>
-            <a:r>
-              <a:rPr lang="fr-FR" sz="1600" dirty="0">
-                <a:cs typeface="Arial" panose="020B0604020202020204" pitchFamily="34" charset="0"/>
-              </a:rPr>
-              <a:t>………………………………..</a:t>
-            </a:r>
-          </a:p>
-          <a:p>
-            <a:pPr marL="72000" algn="ctr">
-              <a:lnSpc>
-                <a:spcPct val="200000"/>
-              </a:lnSpc>
-            </a:pPr>
-            <a:r>
-              <a:rPr lang="fr-FR" sz="1600" dirty="0">
-                <a:cs typeface="Arial" panose="020B0604020202020204" pitchFamily="34" charset="0"/>
-              </a:rPr>
-              <a:t>………………………………..</a:t>
-            </a:r>
-          </a:p>
-          <a:p>
-            <a:pPr marL="72000" algn="ctr">
-              <a:lnSpc>
-                <a:spcPct val="200000"/>
-              </a:lnSpc>
-            </a:pPr>
-            <a:r>
-              <a:rPr lang="fr-FR" sz="1600" dirty="0">
-                <a:cs typeface="Arial" panose="020B0604020202020204" pitchFamily="34" charset="0"/>
-              </a:rPr>
-              <a:t>………………………………..</a:t>
-            </a:r>
-          </a:p>
-          <a:p>
-            <a:pPr marL="72000" algn="ctr">
-              <a:lnSpc>
-                <a:spcPct val="200000"/>
-              </a:lnSpc>
-            </a:pPr>
-            <a:r>
-              <a:rPr lang="fr-FR" sz="1600" dirty="0">
-                <a:cs typeface="Arial" panose="020B0604020202020204" pitchFamily="34" charset="0"/>
-              </a:rPr>
-              <a:t>………………………………..</a:t>
-            </a:r>
-          </a:p>
-          <a:p>
-            <a:pPr marL="72000" algn="ctr">
-              <a:lnSpc>
-                <a:spcPct val="200000"/>
-              </a:lnSpc>
-            </a:pPr>
-            <a:r>
-              <a:rPr lang="fr-FR" sz="1600" dirty="0">
-                <a:cs typeface="Arial" panose="020B0604020202020204" pitchFamily="34" charset="0"/>
-              </a:rPr>
-              <a:t>………………………………..</a:t>
-            </a:r>
-          </a:p>
-          <a:p>
-            <a:pPr marL="72000" algn="ctr"/>
             <a:endParaRPr lang="fr-FR" sz="1600" dirty="0">
               <a:cs typeface="Arial" panose="020B0604020202020204" pitchFamily="34" charset="0"/>
             </a:endParaRPr>
@@ -5615,134 +5635,16 @@
           <a:lstStyle/>
           <a:p>
             <a:pPr marL="72000" algn="ctr"/>
-            <a:r>
-              <a:rPr lang="fr-FR" dirty="0" err="1">
-                <a:cs typeface="Arial" panose="020B0604020202020204" pitchFamily="34" charset="0"/>
-              </a:rPr>
-              <a:t>Goupe</a:t>
-            </a:r>
-            <a:r>
-              <a:rPr lang="fr-FR" dirty="0">
-                <a:cs typeface="Arial" panose="020B0604020202020204" pitchFamily="34" charset="0"/>
-              </a:rPr>
-              <a:t> E.H</a:t>
-            </a:r>
-          </a:p>
-          <a:p>
-            <a:pPr marL="72000" algn="ctr"/>
             <a:endParaRPr lang="fr-FR" sz="1600" dirty="0">
               <a:cs typeface="Arial" panose="020B0604020202020204" pitchFamily="34" charset="0"/>
             </a:endParaRPr>
           </a:p>
-          <a:p>
-            <a:pPr marL="72000" algn="ctr"/>
-            <a:endParaRPr lang="fr-FR" sz="1600" dirty="0">
-              <a:cs typeface="Arial" panose="020B0604020202020204" pitchFamily="34" charset="0"/>
-            </a:endParaRPr>
-          </a:p>
-          <a:p>
-            <a:pPr marL="72000" algn="ctr">
-              <a:lnSpc>
-                <a:spcPct val="200000"/>
-              </a:lnSpc>
-            </a:pPr>
-            <a:r>
-              <a:rPr lang="fr-FR" sz="1600" dirty="0">
-                <a:cs typeface="Arial" panose="020B0604020202020204" pitchFamily="34" charset="0"/>
-              </a:rPr>
-              <a:t>………………………………..</a:t>
-            </a:r>
-          </a:p>
-          <a:p>
-            <a:pPr marL="72000" algn="ctr">
-              <a:lnSpc>
-                <a:spcPct val="200000"/>
-              </a:lnSpc>
-            </a:pPr>
-            <a:r>
-              <a:rPr lang="fr-FR" sz="1600" dirty="0">
-                <a:cs typeface="Arial" panose="020B0604020202020204" pitchFamily="34" charset="0"/>
-              </a:rPr>
-              <a:t>………………………………..</a:t>
-            </a:r>
-          </a:p>
-          <a:p>
-            <a:pPr marL="72000" algn="ctr">
-              <a:lnSpc>
-                <a:spcPct val="200000"/>
-              </a:lnSpc>
-            </a:pPr>
-            <a:r>
-              <a:rPr lang="fr-FR" sz="1600" dirty="0">
-                <a:cs typeface="Arial" panose="020B0604020202020204" pitchFamily="34" charset="0"/>
-              </a:rPr>
-              <a:t>………………………………..</a:t>
-            </a:r>
-          </a:p>
-          <a:p>
-            <a:pPr marL="72000" algn="ctr">
-              <a:lnSpc>
-                <a:spcPct val="200000"/>
-              </a:lnSpc>
-            </a:pPr>
-            <a:r>
-              <a:rPr lang="fr-FR" sz="1600" dirty="0">
-                <a:cs typeface="Arial" panose="020B0604020202020204" pitchFamily="34" charset="0"/>
-              </a:rPr>
-              <a:t>………………………………..</a:t>
-            </a:r>
-          </a:p>
-          <a:p>
-            <a:pPr marL="72000" algn="ctr">
-              <a:lnSpc>
-                <a:spcPct val="200000"/>
-              </a:lnSpc>
-            </a:pPr>
-            <a:r>
-              <a:rPr lang="fr-FR" sz="1600" dirty="0">
-                <a:cs typeface="Arial" panose="020B0604020202020204" pitchFamily="34" charset="0"/>
-              </a:rPr>
-              <a:t>………………………………..</a:t>
-            </a:r>
-          </a:p>
-          <a:p>
-            <a:pPr marL="72000" algn="ctr">
-              <a:lnSpc>
-                <a:spcPct val="200000"/>
-              </a:lnSpc>
-            </a:pPr>
-            <a:r>
-              <a:rPr lang="fr-FR" sz="1600" dirty="0">
-                <a:cs typeface="Arial" panose="020B0604020202020204" pitchFamily="34" charset="0"/>
-              </a:rPr>
-              <a:t>………………………………..</a:t>
-            </a:r>
-          </a:p>
-          <a:p>
-            <a:pPr marL="72000" algn="ctr">
-              <a:lnSpc>
-                <a:spcPct val="200000"/>
-              </a:lnSpc>
-            </a:pPr>
-            <a:r>
-              <a:rPr lang="fr-FR" sz="1600" dirty="0">
-                <a:cs typeface="Arial" panose="020B0604020202020204" pitchFamily="34" charset="0"/>
-              </a:rPr>
-              <a:t>………………………………..</a:t>
-            </a:r>
-          </a:p>
-          <a:p>
-            <a:pPr marL="72000" algn="ctr"/>
-            <a:endParaRPr lang="fr-FR" sz="1600" dirty="0">
-              <a:cs typeface="Arial" panose="020B0604020202020204" pitchFamily="34" charset="0"/>
-            </a:endParaRPr>
-          </a:p>
         </p:txBody>
       </p:sp>
     </p:spTree>
     <p:extLst>
       <p:ext uri="{BB962C8B-B14F-4D97-AF65-F5344CB8AC3E}">
-        <p14:creationId xmlns:p14="http://schemas.microsoft.com/office/powerpoint/2010/main" val="4000596285"/>
+        <p14:creationId xmlns:p14="http://schemas.microsoft.com/office/powerpoint/2010/main" val="3021499507"/>
       </p:ext>
     </p:extLst>
   </p:cSld>
@@ -5803,7 +5705,141 @@
           <a:bodyPr rtlCol="0" anchor="ctr"/>
           <a:lstStyle/>
           <a:p>
+            <a:r>
+              <a:rPr lang="fr-FR" sz="1600" b="1" dirty="0"/>
+              <a:t>Analyse de Plans et Croquis</a:t>
+            </a:r>
+          </a:p>
+          <a:p>
+            <a:r>
+              <a:rPr lang="fr-FR" sz="1600" dirty="0"/>
+              <a:t>📌 </a:t>
+            </a:r>
+            <a:r>
+              <a:rPr lang="fr-FR" sz="1600" i="1" dirty="0"/>
+              <a:t>Exercice :</a:t>
+            </a:r>
+            <a:r>
+              <a:rPr lang="fr-FR" sz="1600" dirty="0"/>
+              <a:t> On donne aux élèves un croquis incomplet (vue en plan, élévation ou perspective) et ils doivent :</a:t>
+            </a:r>
+          </a:p>
+          <a:p>
+            <a:r>
+              <a:rPr lang="fr-FR" sz="1600" dirty="0"/>
+              <a:t>Compléter les vues manquantes.</a:t>
+            </a:r>
+          </a:p>
+          <a:p>
             <a:endParaRPr lang="fr-FR" sz="1600" dirty="0"/>
+          </a:p>
+          <a:p>
+            <a:r>
+              <a:rPr lang="fr-FR" sz="1600" b="1" dirty="0"/>
+              <a:t>Étude de Cas Matérielle</a:t>
+            </a:r>
+          </a:p>
+          <a:p>
+            <a:r>
+              <a:rPr lang="fr-FR" sz="1600" dirty="0"/>
+              <a:t>📌 </a:t>
+            </a:r>
+            <a:r>
+              <a:rPr lang="fr-FR" sz="1600" i="1" dirty="0"/>
+              <a:t>Exercice :</a:t>
+            </a:r>
+            <a:r>
+              <a:rPr lang="fr-FR" sz="1600" dirty="0"/>
+              <a:t> Observer un morceau de bois réel (ou une photo) et répondre :</a:t>
+            </a:r>
+          </a:p>
+          <a:p>
+            <a:r>
+              <a:rPr lang="fr-FR" sz="1600" dirty="0"/>
+              <a:t>Quel serait son usage optimal en menuiserie ?</a:t>
+            </a:r>
+          </a:p>
+          <a:p>
+            <a:endParaRPr lang="fr-FR" sz="1600" dirty="0"/>
+          </a:p>
+          <a:p>
+            <a:r>
+              <a:rPr lang="fr-FR" sz="1600" b="1" dirty="0"/>
+              <a:t>Recherche de Solutions d’Assemblage</a:t>
+            </a:r>
+          </a:p>
+          <a:p>
+            <a:r>
+              <a:rPr lang="fr-FR" sz="1600" dirty="0"/>
+              <a:t>📌 </a:t>
+            </a:r>
+            <a:r>
+              <a:rPr lang="fr-FR" sz="1600" i="1" dirty="0"/>
+              <a:t>Exercice :</a:t>
+            </a:r>
+            <a:r>
+              <a:rPr lang="fr-FR" sz="1600" dirty="0"/>
+              <a:t> Pour un meuble donné (ex. une étagère murale ou un tiroir), demander :</a:t>
+            </a:r>
+          </a:p>
+          <a:p>
+            <a:r>
+              <a:rPr lang="fr-FR" sz="1600" dirty="0"/>
+              <a:t>Quelles sont les différentes façons de réaliser l’assemblage ?</a:t>
+            </a:r>
+          </a:p>
+          <a:p>
+            <a:r>
+              <a:rPr lang="fr-FR" sz="1600" dirty="0"/>
+              <a:t>Quels sont les avantages et inconvénients de chaque méthode ?</a:t>
+            </a:r>
+          </a:p>
+          <a:p>
+            <a:r>
+              <a:rPr lang="fr-FR" sz="1600" dirty="0"/>
+              <a:t>Quel choix ferait-il et pourquoi ?</a:t>
+            </a:r>
+          </a:p>
+          <a:p>
+            <a:endParaRPr lang="fr-FR" sz="1600" dirty="0"/>
+          </a:p>
+          <a:p>
+            <a:r>
+              <a:rPr lang="fr-FR" sz="1600" b="1" dirty="0"/>
+              <a:t>Recherches Historiques et Techniques</a:t>
+            </a:r>
+          </a:p>
+          <a:p>
+            <a:r>
+              <a:rPr lang="fr-FR" sz="1600" dirty="0"/>
+              <a:t>📌 </a:t>
+            </a:r>
+            <a:r>
+              <a:rPr lang="fr-FR" sz="1600" i="1" dirty="0"/>
+              <a:t>Exercice :</a:t>
+            </a:r>
+            <a:r>
+              <a:rPr lang="fr-FR" sz="1600" dirty="0"/>
+              <a:t> Proposer une recherche sur des techniques traditionnelles (ex. tenon-mortaise japonais, menuiserie sans vis ni colle, mobilier régional).</a:t>
+            </a:r>
+          </a:p>
+          <a:p>
+            <a:r>
+              <a:rPr lang="fr-FR" sz="1600" dirty="0"/>
+              <a:t>D’où vient cette technique ?</a:t>
+            </a:r>
+          </a:p>
+          <a:p>
+            <a:r>
+              <a:rPr lang="fr-FR" sz="1600" dirty="0"/>
+              <a:t>Pourquoi était-elle utilisée ?</a:t>
+            </a:r>
+          </a:p>
+          <a:p>
+            <a:r>
+              <a:rPr lang="fr-FR" sz="1600" dirty="0"/>
+              <a:t>Est-elle encore pertinente aujourd’hui ?</a:t>
+            </a:r>
           </a:p>
         </p:txBody>
       </p:sp>
@@ -5840,6 +5876,61 @@
         <p:txBody>
           <a:bodyPr rtlCol="0" anchor="ctr"/>
           <a:lstStyle/>
+          <a:p>
+            <a:r>
+              <a:rPr lang="fr-FR" b="1" dirty="0"/>
+              <a:t>Problèmes de calcul et de mesure</a:t>
+            </a:r>
+          </a:p>
+          <a:p>
+            <a:r>
+              <a:rPr lang="fr-FR" b="1" dirty="0"/>
+              <a:t>Exercice</a:t>
+            </a:r>
+            <a:r>
+              <a:rPr lang="fr-FR" dirty="0"/>
+              <a:t> : Proposer des problèmes de calcul liés à la menuiserie, comme la conversion d'unités (pouces en centimètres), le calcul de la quantité de bois nécessaire pour un projet, ou l'estimation des pertes de matériau.</a:t>
+            </a:r>
+          </a:p>
+          <a:p>
+            <a:endParaRPr lang="fr-FR" dirty="0"/>
+          </a:p>
+          <a:p>
+            <a:r>
+              <a:rPr lang="fr-FR" b="1" dirty="0"/>
+              <a:t>Réflexion sur l'ergonomie et la conception</a:t>
+            </a:r>
+          </a:p>
+          <a:p>
+            <a:r>
+              <a:rPr lang="fr-FR" b="1" dirty="0"/>
+              <a:t>Exercice</a:t>
+            </a:r>
+            <a:r>
+              <a:rPr lang="fr-FR" dirty="0"/>
+              <a:t> : Demander aux élèves de concevoir un plan de travail ou un établi en tenant compte de l'ergonomie et de l'efficacité des mouvements.</a:t>
+            </a:r>
+          </a:p>
+          <a:p>
+            <a:endParaRPr lang="fr-FR" dirty="0"/>
+          </a:p>
+          <a:p>
+            <a:r>
+              <a:rPr lang="fr-FR" b="1" dirty="0"/>
+              <a:t>Identifier les outils de menuiserie</a:t>
+            </a:r>
+            <a:endParaRPr lang="fr-FR" dirty="0"/>
+          </a:p>
+          <a:p>
+            <a:r>
+              <a:rPr lang="fr-FR" b="1" dirty="0"/>
+              <a:t>Description</a:t>
+            </a:r>
+            <a:r>
+              <a:rPr lang="fr-FR" dirty="0"/>
+              <a:t>: Proposez une liste d'outils de base (scie, rabot, ciseau à bois, etc.) et demandez aux élèves de décrire leur fonction et leur utilisation spécifique.</a:t>
+            </a:r>
+          </a:p>
           <a:p>
             <a:endParaRPr lang="fr-FR" dirty="0"/>
           </a:p>
@@ -6014,569 +6105,6 @@
                 </a:solidFill>
                 <a:latin typeface="Comic Sans MS" panose="030F0702030302020204" pitchFamily="66" charset="0"/>
               </a:rPr>
-              <a:t>3/4</a:t>
-            </a:r>
-          </a:p>
-        </p:txBody>
-      </p:sp>
-      <p:sp>
-        <p:nvSpPr>
-          <p:cNvPr id="16" name="Rectangle 15">
-            <a:extLst>
-              <a:ext uri="{FF2B5EF4-FFF2-40B4-BE49-F238E27FC236}">
-                <a16:creationId xmlns:a16="http://schemas.microsoft.com/office/drawing/2014/main" id="{813D6DD5-D05F-4784-8EA3-A58DB35FAEFF}"/>
-              </a:ext>
-            </a:extLst>
-          </p:cNvPr>
-          <p:cNvSpPr/>
-          <p:nvPr/>
-        </p:nvSpPr>
-        <p:spPr>
-          <a:xfrm>
-            <a:off x="4039558" y="179880"/>
-            <a:ext cx="3520116" cy="10440000"/>
-          </a:xfrm>
-          <a:prstGeom prst="rect">
-            <a:avLst/>
-          </a:prstGeom>
-          <a:ln w="57150"/>
-        </p:spPr>
-        <p:style>
-          <a:lnRef idx="2">
-            <a:schemeClr val="dk1"/>
-          </a:lnRef>
-          <a:fillRef idx="1">
-            <a:schemeClr val="lt1"/>
-          </a:fillRef>
-          <a:effectRef idx="0">
-            <a:schemeClr val="dk1"/>
-          </a:effectRef>
-          <a:fontRef idx="minor">
-            <a:schemeClr val="dk1"/>
-          </a:fontRef>
-        </p:style>
-        <p:txBody>
-          <a:bodyPr rtlCol="0" anchor="ctr"/>
-          <a:lstStyle/>
-          <a:p>
-            <a:pPr marL="72000" algn="ctr"/>
-            <a:endParaRPr lang="fr-FR" sz="1600" dirty="0">
-              <a:cs typeface="Arial" panose="020B0604020202020204" pitchFamily="34" charset="0"/>
-            </a:endParaRPr>
-          </a:p>
-        </p:txBody>
-      </p:sp>
-      <p:sp>
-        <p:nvSpPr>
-          <p:cNvPr id="11" name="Rectangle 10">
-            <a:extLst>
-              <a:ext uri="{FF2B5EF4-FFF2-40B4-BE49-F238E27FC236}">
-                <a16:creationId xmlns:a16="http://schemas.microsoft.com/office/drawing/2014/main" id="{A60EA4A5-E4D7-487A-A515-0D5965AD31AD}"/>
-              </a:ext>
-            </a:extLst>
-          </p:cNvPr>
-          <p:cNvSpPr/>
-          <p:nvPr/>
-        </p:nvSpPr>
-        <p:spPr>
-          <a:xfrm>
-            <a:off x="7670800" y="179880"/>
-            <a:ext cx="3431704" cy="10440000"/>
-          </a:xfrm>
-          <a:prstGeom prst="rect">
-            <a:avLst/>
-          </a:prstGeom>
-          <a:ln w="57150"/>
-        </p:spPr>
-        <p:style>
-          <a:lnRef idx="2">
-            <a:schemeClr val="dk1"/>
-          </a:lnRef>
-          <a:fillRef idx="1">
-            <a:schemeClr val="lt1"/>
-          </a:fillRef>
-          <a:effectRef idx="0">
-            <a:schemeClr val="dk1"/>
-          </a:effectRef>
-          <a:fontRef idx="minor">
-            <a:schemeClr val="dk1"/>
-          </a:fontRef>
-        </p:style>
-        <p:txBody>
-          <a:bodyPr rtlCol="0" anchor="ctr"/>
-          <a:lstStyle/>
-          <a:p>
-            <a:pPr marL="72000" algn="ctr"/>
-            <a:endParaRPr lang="fr-FR" sz="1600" dirty="0">
-              <a:cs typeface="Arial" panose="020B0604020202020204" pitchFamily="34" charset="0"/>
-            </a:endParaRPr>
-          </a:p>
-        </p:txBody>
-      </p:sp>
-    </p:spTree>
-    <p:extLst>
-      <p:ext uri="{BB962C8B-B14F-4D97-AF65-F5344CB8AC3E}">
-        <p14:creationId xmlns:p14="http://schemas.microsoft.com/office/powerpoint/2010/main" val="3021499507"/>
-      </p:ext>
-    </p:extLst>
-  </p:cSld>
-  <p:clrMapOvr>
-    <a:masterClrMapping/>
-  </p:clrMapOvr>
-</p:sld>
-</file>
-
-<file path=ppt/slides/slide14.xml><?xml version="1.0" encoding="utf-8"?>
-<p:sld xmlns:a="http://schemas.openxmlformats.org/drawingml/2006/main" xmlns:r="http://schemas.openxmlformats.org/officeDocument/2006/relationships" xmlns:p="http://schemas.openxmlformats.org/presentationml/2006/main">
-  <p:cSld>
-    <p:spTree>
-      <p:nvGrpSpPr>
-        <p:cNvPr id="1" name=""/>
-        <p:cNvGrpSpPr/>
-        <p:nvPr/>
-      </p:nvGrpSpPr>
-      <p:grpSpPr>
-        <a:xfrm>
-          <a:off x="0" y="0"/>
-          <a:ext cx="0" cy="0"/>
-          <a:chOff x="0" y="0"/>
-          <a:chExt cx="0" cy="0"/>
-        </a:xfrm>
-      </p:grpSpPr>
-      <p:sp>
-        <p:nvSpPr>
-          <p:cNvPr id="18" name="Rectangle 17"/>
-          <p:cNvSpPr/>
-          <p:nvPr/>
-        </p:nvSpPr>
-        <p:spPr>
-          <a:xfrm>
-            <a:off x="142517" y="1390649"/>
-            <a:ext cx="3763202" cy="9229231"/>
-          </a:xfrm>
-          <a:prstGeom prst="rect">
-            <a:avLst/>
-          </a:prstGeom>
-          <a:ln w="57150"/>
-        </p:spPr>
-        <p:style>
-          <a:lnRef idx="2">
-            <a:schemeClr val="dk1"/>
-          </a:lnRef>
-          <a:fillRef idx="1">
-            <a:schemeClr val="lt1"/>
-          </a:fillRef>
-          <a:effectRef idx="0">
-            <a:schemeClr val="dk1"/>
-          </a:effectRef>
-          <a:fontRef idx="minor">
-            <a:schemeClr val="dk1"/>
-          </a:fontRef>
-        </p:style>
-        <p:txBody>
-          <a:bodyPr rtlCol="0" anchor="ctr"/>
-          <a:lstStyle/>
-          <a:p>
-            <a:r>
-              <a:rPr lang="fr-FR" sz="1600" b="1" dirty="0"/>
-              <a:t>Analyse de Plans et Croquis</a:t>
-            </a:r>
-          </a:p>
-          <a:p>
-            <a:r>
-              <a:rPr lang="fr-FR" sz="1600" dirty="0"/>
-              <a:t>📌 </a:t>
-            </a:r>
-            <a:r>
-              <a:rPr lang="fr-FR" sz="1600" i="1" dirty="0"/>
-              <a:t>Exercice :</a:t>
-            </a:r>
-            <a:r>
-              <a:rPr lang="fr-FR" sz="1600" dirty="0"/>
-              <a:t> On donne aux élèves un croquis incomplet (vue en plan, élévation ou perspective) et ils doivent :</a:t>
-            </a:r>
-          </a:p>
-          <a:p>
-            <a:r>
-              <a:rPr lang="fr-FR" sz="1600" dirty="0"/>
-              <a:t>Compléter les vues manquantes.</a:t>
-            </a:r>
-          </a:p>
-          <a:p>
-            <a:endParaRPr lang="fr-FR" sz="1600" dirty="0"/>
-          </a:p>
-          <a:p>
-            <a:r>
-              <a:rPr lang="fr-FR" sz="1600" b="1" dirty="0"/>
-              <a:t>Étude de Cas Matérielle</a:t>
-            </a:r>
-          </a:p>
-          <a:p>
-            <a:r>
-              <a:rPr lang="fr-FR" sz="1600" dirty="0"/>
-              <a:t>📌 </a:t>
-            </a:r>
-            <a:r>
-              <a:rPr lang="fr-FR" sz="1600" i="1" dirty="0"/>
-              <a:t>Exercice :</a:t>
-            </a:r>
-            <a:r>
-              <a:rPr lang="fr-FR" sz="1600" dirty="0"/>
-              <a:t> Observer un morceau de bois réel (ou une photo) et répondre :</a:t>
-            </a:r>
-          </a:p>
-          <a:p>
-            <a:r>
-              <a:rPr lang="fr-FR" sz="1600" dirty="0"/>
-              <a:t>Quel serait son usage optimal en menuiserie ?</a:t>
-            </a:r>
-          </a:p>
-          <a:p>
-            <a:endParaRPr lang="fr-FR" sz="1600" dirty="0"/>
-          </a:p>
-          <a:p>
-            <a:r>
-              <a:rPr lang="fr-FR" sz="1600" b="1" dirty="0"/>
-              <a:t>Recherche de Solutions d’Assemblage</a:t>
-            </a:r>
-          </a:p>
-          <a:p>
-            <a:r>
-              <a:rPr lang="fr-FR" sz="1600" dirty="0"/>
-              <a:t>📌 </a:t>
-            </a:r>
-            <a:r>
-              <a:rPr lang="fr-FR" sz="1600" i="1" dirty="0"/>
-              <a:t>Exercice :</a:t>
-            </a:r>
-            <a:r>
-              <a:rPr lang="fr-FR" sz="1600" dirty="0"/>
-              <a:t> Pour un meuble donné (ex. une étagère murale ou un tiroir), demander :</a:t>
-            </a:r>
-          </a:p>
-          <a:p>
-            <a:r>
-              <a:rPr lang="fr-FR" sz="1600" dirty="0"/>
-              <a:t>Quelles sont les différentes façons de réaliser l’assemblage ?</a:t>
-            </a:r>
-          </a:p>
-          <a:p>
-            <a:r>
-              <a:rPr lang="fr-FR" sz="1600" dirty="0"/>
-              <a:t>Quels sont les avantages et inconvénients de chaque méthode ?</a:t>
-            </a:r>
-          </a:p>
-          <a:p>
-            <a:r>
-              <a:rPr lang="fr-FR" sz="1600" dirty="0"/>
-              <a:t>Quel choix ferait-il et pourquoi ?</a:t>
-            </a:r>
-          </a:p>
-          <a:p>
-            <a:endParaRPr lang="fr-FR" sz="1600" dirty="0"/>
-          </a:p>
-          <a:p>
-            <a:r>
-              <a:rPr lang="fr-FR" sz="1600" b="1" dirty="0"/>
-              <a:t>Recherches Historiques et Techniques</a:t>
-            </a:r>
-          </a:p>
-          <a:p>
-            <a:r>
-              <a:rPr lang="fr-FR" sz="1600" dirty="0"/>
-              <a:t>📌 </a:t>
-            </a:r>
-            <a:r>
-              <a:rPr lang="fr-FR" sz="1600" i="1" dirty="0"/>
-              <a:t>Exercice :</a:t>
-            </a:r>
-            <a:r>
-              <a:rPr lang="fr-FR" sz="1600" dirty="0"/>
-              <a:t> Proposer une recherche sur des techniques traditionnelles (ex. tenon-mortaise japonais, menuiserie sans vis ni colle, mobilier régional).</a:t>
-            </a:r>
-          </a:p>
-          <a:p>
-            <a:r>
-              <a:rPr lang="fr-FR" sz="1600" dirty="0"/>
-              <a:t>D’où vient cette technique ?</a:t>
-            </a:r>
-          </a:p>
-          <a:p>
-            <a:r>
-              <a:rPr lang="fr-FR" sz="1600" dirty="0"/>
-              <a:t>Pourquoi était-elle utilisée ?</a:t>
-            </a:r>
-          </a:p>
-          <a:p>
-            <a:r>
-              <a:rPr lang="fr-FR" sz="1600" dirty="0"/>
-              <a:t>Est-elle encore pertinente aujourd’hui ?</a:t>
-            </a:r>
-          </a:p>
-        </p:txBody>
-      </p:sp>
-      <p:sp>
-        <p:nvSpPr>
-          <p:cNvPr id="19" name="Rectangle 18"/>
-          <p:cNvSpPr/>
-          <p:nvPr/>
-        </p:nvSpPr>
-        <p:spPr>
-          <a:xfrm>
-            <a:off x="11213630" y="1390649"/>
-            <a:ext cx="3726044" cy="9229231"/>
-          </a:xfrm>
-          <a:prstGeom prst="rect">
-            <a:avLst/>
-          </a:prstGeom>
-          <a:ln w="57150"/>
-        </p:spPr>
-        <p:style>
-          <a:lnRef idx="2">
-            <a:schemeClr val="dk1"/>
-          </a:lnRef>
-          <a:fillRef idx="1">
-            <a:schemeClr val="lt1"/>
-          </a:fillRef>
-          <a:effectRef idx="0">
-            <a:schemeClr val="dk1"/>
-          </a:effectRef>
-          <a:fontRef idx="minor">
-            <a:schemeClr val="dk1"/>
-          </a:fontRef>
-        </p:style>
-        <p:txBody>
-          <a:bodyPr rtlCol="0" anchor="ctr"/>
-          <a:lstStyle/>
-          <a:p>
-            <a:r>
-              <a:rPr lang="fr-FR" b="1" dirty="0"/>
-              <a:t>Problèmes de calcul et de mesure</a:t>
-            </a:r>
-          </a:p>
-          <a:p>
-            <a:r>
-              <a:rPr lang="fr-FR" b="1" dirty="0"/>
-              <a:t>Exercice</a:t>
-            </a:r>
-            <a:r>
-              <a:rPr lang="fr-FR" dirty="0"/>
-              <a:t> : Proposer des problèmes de calcul liés à la menuiserie, comme la conversion d'unités (pouces en centimètres), le calcul de la quantité de bois nécessaire pour un projet, ou l'estimation des pertes de matériau.</a:t>
-            </a:r>
-          </a:p>
-          <a:p>
-            <a:endParaRPr lang="fr-FR" dirty="0"/>
-          </a:p>
-          <a:p>
-            <a:r>
-              <a:rPr lang="fr-FR" b="1" dirty="0"/>
-              <a:t>Réflexion sur l'ergonomie et la conception</a:t>
-            </a:r>
-          </a:p>
-          <a:p>
-            <a:r>
-              <a:rPr lang="fr-FR" b="1" dirty="0"/>
-              <a:t>Exercice</a:t>
-            </a:r>
-            <a:r>
-              <a:rPr lang="fr-FR" dirty="0"/>
-              <a:t> : Demander aux élèves de concevoir un plan de travail ou un établi en tenant compte de l'ergonomie et de l'efficacité des mouvements.</a:t>
-            </a:r>
-          </a:p>
-          <a:p>
-            <a:endParaRPr lang="fr-FR" dirty="0"/>
-          </a:p>
-          <a:p>
-            <a:r>
-              <a:rPr lang="fr-FR" b="1" dirty="0"/>
-              <a:t>Identifier les outils de menuiserie</a:t>
-            </a:r>
-            <a:endParaRPr lang="fr-FR" dirty="0"/>
-          </a:p>
-          <a:p>
-            <a:r>
-              <a:rPr lang="fr-FR" b="1" dirty="0"/>
-              <a:t>Description</a:t>
-            </a:r>
-            <a:r>
-              <a:rPr lang="fr-FR" dirty="0"/>
-              <a:t>: Proposez une liste d'outils de base (scie, rabot, ciseau à bois, etc.) et demandez aux élèves de décrire leur fonction et leur utilisation spécifique.</a:t>
-            </a:r>
-          </a:p>
-          <a:p>
-            <a:endParaRPr lang="fr-FR" dirty="0"/>
-          </a:p>
-          <a:p>
-            <a:endParaRPr lang="fr-FR" dirty="0"/>
-          </a:p>
-          <a:p>
-            <a:endParaRPr lang="fr-FR" dirty="0"/>
-          </a:p>
-        </p:txBody>
-      </p:sp>
-      <p:sp>
-        <p:nvSpPr>
-          <p:cNvPr id="24" name="Rectangle 23"/>
-          <p:cNvSpPr/>
-          <p:nvPr/>
-        </p:nvSpPr>
-        <p:spPr>
-          <a:xfrm>
-            <a:off x="11213630" y="179881"/>
-            <a:ext cx="3726045" cy="1067028"/>
-          </a:xfrm>
-          <a:prstGeom prst="rect">
-            <a:avLst/>
-          </a:prstGeom>
-          <a:ln w="57150"/>
-        </p:spPr>
-        <p:style>
-          <a:lnRef idx="2">
-            <a:schemeClr val="dk1"/>
-          </a:lnRef>
-          <a:fillRef idx="1">
-            <a:schemeClr val="lt1"/>
-          </a:fillRef>
-          <a:effectRef idx="0">
-            <a:schemeClr val="dk1"/>
-          </a:effectRef>
-          <a:fontRef idx="minor">
-            <a:schemeClr val="dk1"/>
-          </a:fontRef>
-        </p:style>
-        <p:txBody>
-          <a:bodyPr rtlCol="0" anchor="ctr"/>
-          <a:lstStyle/>
-          <a:p>
-            <a:pPr algn="ctr"/>
-            <a:r>
-              <a:rPr lang="fr-FR" b="1" spc="300" dirty="0">
-                <a:latin typeface="Comic Sans MS" panose="030F0702030302020204" pitchFamily="66" charset="0"/>
-                <a:ea typeface="JetBrains Mono" panose="02000009000000000000" pitchFamily="49" charset="0"/>
-                <a:cs typeface="JetBrains Mono" panose="02000009000000000000" pitchFamily="49" charset="0"/>
-              </a:rPr>
-              <a:t>M. Du Chevreuil</a:t>
-            </a:r>
-          </a:p>
-          <a:p>
-            <a:pPr algn="ctr"/>
-            <a:r>
-              <a:rPr lang="fr-FR" sz="1600" spc="300" dirty="0">
-                <a:latin typeface="Comic Sans MS" panose="030F0702030302020204" pitchFamily="66" charset="0"/>
-                <a:ea typeface="JetBrains Mono" panose="02000009000000000000" pitchFamily="49" charset="0"/>
-                <a:cs typeface="JetBrains Mono" panose="02000009000000000000" pitchFamily="49" charset="0"/>
-              </a:rPr>
-              <a:t>Professeur en génie </a:t>
-            </a:r>
-          </a:p>
-          <a:p>
-            <a:pPr algn="ctr"/>
-            <a:r>
-              <a:rPr lang="fr-FR" sz="1600" spc="300" dirty="0">
-                <a:latin typeface="Comic Sans MS" panose="030F0702030302020204" pitchFamily="66" charset="0"/>
-                <a:ea typeface="JetBrains Mono" panose="02000009000000000000" pitchFamily="49" charset="0"/>
-                <a:cs typeface="JetBrains Mono" panose="02000009000000000000" pitchFamily="49" charset="0"/>
-              </a:rPr>
-              <a:t>industriel bois</a:t>
-            </a:r>
-          </a:p>
-        </p:txBody>
-      </p:sp>
-      <p:sp>
-        <p:nvSpPr>
-          <p:cNvPr id="25" name="Rectangle 24"/>
-          <p:cNvSpPr/>
-          <p:nvPr/>
-        </p:nvSpPr>
-        <p:spPr>
-          <a:xfrm>
-            <a:off x="142517" y="179881"/>
-            <a:ext cx="3763201" cy="1067028"/>
-          </a:xfrm>
-          <a:prstGeom prst="rect">
-            <a:avLst/>
-          </a:prstGeom>
-          <a:ln w="57150"/>
-        </p:spPr>
-        <p:style>
-          <a:lnRef idx="2">
-            <a:schemeClr val="dk1"/>
-          </a:lnRef>
-          <a:fillRef idx="1">
-            <a:schemeClr val="lt1"/>
-          </a:fillRef>
-          <a:effectRef idx="0">
-            <a:schemeClr val="dk1"/>
-          </a:effectRef>
-          <a:fontRef idx="minor">
-            <a:schemeClr val="dk1"/>
-          </a:fontRef>
-        </p:style>
-        <p:txBody>
-          <a:bodyPr rtlCol="0" anchor="ctr"/>
-          <a:lstStyle/>
-          <a:p>
-            <a:pPr algn="ctr"/>
-            <a:r>
-              <a:rPr lang="fr-FR" b="1" dirty="0">
-                <a:latin typeface="Comic Sans MS" panose="030F0702030302020204" pitchFamily="66" charset="0"/>
-                <a:ea typeface="JetBrains Mono" panose="02000009000000000000" pitchFamily="49" charset="0"/>
-                <a:cs typeface="JetBrains Mono" panose="02000009000000000000" pitchFamily="49" charset="0"/>
-              </a:rPr>
-              <a:t>Sujet : L’I.A contre l’E.H</a:t>
-            </a:r>
-          </a:p>
-        </p:txBody>
-      </p:sp>
-      <p:sp>
-        <p:nvSpPr>
-          <p:cNvPr id="20" name="Rounded Rectangle 19"/>
-          <p:cNvSpPr/>
-          <p:nvPr/>
-        </p:nvSpPr>
-        <p:spPr>
-          <a:xfrm>
-            <a:off x="14127675" y="10044399"/>
-            <a:ext cx="895962" cy="685971"/>
-          </a:xfrm>
-          <a:prstGeom prst="roundRect">
-            <a:avLst/>
-          </a:prstGeom>
-          <a:ln w="57150">
-            <a:solidFill>
-              <a:schemeClr val="tx1">
-                <a:lumMod val="50000"/>
-                <a:lumOff val="50000"/>
-              </a:schemeClr>
-            </a:solidFill>
-          </a:ln>
-        </p:spPr>
-        <p:style>
-          <a:lnRef idx="2">
-            <a:schemeClr val="dk1"/>
-          </a:lnRef>
-          <a:fillRef idx="1">
-            <a:schemeClr val="lt1"/>
-          </a:fillRef>
-          <a:effectRef idx="0">
-            <a:schemeClr val="dk1"/>
-          </a:effectRef>
-          <a:fontRef idx="minor">
-            <a:schemeClr val="dk1"/>
-          </a:fontRef>
-        </p:style>
-        <p:txBody>
-          <a:bodyPr rtlCol="0" anchor="ctr"/>
-          <a:lstStyle/>
-          <a:p>
-            <a:pPr algn="ctr"/>
-            <a:r>
-              <a:rPr lang="fr-FR" sz="2000" dirty="0">
-                <a:solidFill>
-                  <a:schemeClr val="tx1"/>
-                </a:solidFill>
-                <a:latin typeface="Comic Sans MS" panose="030F0702030302020204" pitchFamily="66" charset="0"/>
-              </a:rPr>
               <a:t>4/4</a:t>
             </a:r>
           </a:p>
@@ -6689,7 +6217,7 @@
 </p:sld>
 </file>
 
-<file path=ppt/slides/slide15.xml><?xml version="1.0" encoding="utf-8"?>
+<file path=ppt/slides/slide14.xml><?xml version="1.0" encoding="utf-8"?>
 <p:sld xmlns:a="http://schemas.openxmlformats.org/drawingml/2006/main" xmlns:r="http://schemas.openxmlformats.org/officeDocument/2006/relationships" xmlns:p="http://schemas.openxmlformats.org/presentationml/2006/main">
   <p:cSld>
     <p:spTree>
@@ -8982,7 +8510,7 @@
         <p:spPr>
           <a:xfrm>
             <a:off x="4039557" y="179882"/>
-            <a:ext cx="7040235" cy="5085802"/>
+            <a:ext cx="7040235" cy="3934919"/>
           </a:xfrm>
           <a:prstGeom prst="rect">
             <a:avLst/>
@@ -9015,14 +8543,11 @@
           <a:p>
             <a:pPr marL="72000" algn="ctr"/>
             <a:r>
-              <a:rPr lang="fr-FR" b="1" dirty="0">
+              <a:rPr lang="fr-FR" sz="1600" b="1" dirty="0">
                 <a:cs typeface="Arial" panose="020B0604020202020204" pitchFamily="34" charset="0"/>
               </a:rPr>
               <a:t>Informations</a:t>
             </a:r>
-            <a:endParaRPr lang="fr-FR" sz="1600" b="1" dirty="0">
-              <a:cs typeface="Arial" panose="020B0604020202020204" pitchFamily="34" charset="0"/>
-            </a:endParaRPr>
           </a:p>
           <a:p>
             <a:pPr marL="72000"/>
@@ -9063,7 +8588,7 @@
               <a:rPr lang="fr-FR" sz="1600" dirty="0">
                 <a:cs typeface="Arial" panose="020B0604020202020204" pitchFamily="34" charset="0"/>
               </a:rPr>
-              <a:t>Montants, montant intermédiaire, traverses, traverse intermédiaire</a:t>
+              <a:t>Montants, montant intermédiaire, traverses, traverse intermédiaire, séparateurs (l’ensemble des éléments de l’ouvrage)</a:t>
             </a:r>
           </a:p>
           <a:p>
@@ -9084,7 +8609,7 @@
               <a:rPr lang="fr-FR" sz="1600" dirty="0">
                 <a:cs typeface="Arial" panose="020B0604020202020204" pitchFamily="34" charset="0"/>
               </a:rPr>
-              <a:t>Bois massif, frêne, chêne, châtaigner …</a:t>
+              <a:t>L’ouvrage se compose uniquement de contreplaqué</a:t>
             </a:r>
           </a:p>
           <a:p>
@@ -9126,7 +8651,7 @@
               <a:rPr lang="fr-FR" sz="1600" dirty="0">
                 <a:cs typeface="Arial" panose="020B0604020202020204" pitchFamily="34" charset="0"/>
               </a:rPr>
-              <a:t>+50 en longueur, +5 en largeur, +5 en épaisseur</a:t>
+              <a:t>Les panneaux ne nécessites pas de passages à la raboteuse, ils n’ont pas besoin d’être équarri</a:t>
             </a:r>
           </a:p>
         </p:txBody>
@@ -9139,8 +8664,8 @@
         </p:nvSpPr>
         <p:spPr>
           <a:xfrm>
-            <a:off x="179676" y="1398670"/>
-            <a:ext cx="3763202" cy="3867013"/>
+            <a:off x="179676" y="1398671"/>
+            <a:ext cx="3763202" cy="2716130"/>
           </a:xfrm>
           <a:prstGeom prst="rect">
             <a:avLst/>
@@ -9191,7 +8716,7 @@
               <a:rPr lang="fr-FR" sz="1600" dirty="0">
                 <a:cs typeface="Arial" panose="020B0604020202020204" pitchFamily="34" charset="0"/>
               </a:rPr>
-              <a:t>A l’aide du plan, remplir cette feuille de débit en indiquant un repère différent entre les montants et les traverses.</a:t>
+              <a:t>A l’aide du plan, remplir cette feuille de débit.</a:t>
             </a:r>
           </a:p>
           <a:p>
@@ -9206,7 +8731,7 @@
               <a:rPr lang="fr-FR" sz="1600" dirty="0">
                 <a:cs typeface="Arial" panose="020B0604020202020204" pitchFamily="34" charset="0"/>
               </a:rPr>
-              <a:t>Grouper les éléments entre eux si les longueurs, largeurs et épaisseurs sont identiques.</a:t>
+              <a:t>Des éléments du tableau sont déjà prérempli </a:t>
             </a:r>
           </a:p>
           <a:p>
@@ -9215,18 +8740,6 @@
               <a:cs typeface="Arial" panose="020B0604020202020204" pitchFamily="34" charset="0"/>
             </a:endParaRPr>
           </a:p>
-          <a:p>
-            <a:pPr marL="72000"/>
-            <a:r>
-              <a:rPr lang="fr-FR" sz="1600" dirty="0">
-                <a:cs typeface="Arial" panose="020B0604020202020204" pitchFamily="34" charset="0"/>
-              </a:rPr>
-              <a:t>Ajouter les cotes majorées pour la découpe aux machines.</a:t>
-            </a:r>
-            <a:endParaRPr lang="fr-FR" sz="1600" b="1" dirty="0">
-              <a:cs typeface="Arial" panose="020B0604020202020204" pitchFamily="34" charset="0"/>
-            </a:endParaRPr>
-          </a:p>
         </p:txBody>
       </p:sp>
       <p:sp>
@@ -9238,7 +8751,7 @@
         <p:spPr>
           <a:xfrm>
             <a:off x="11213630" y="1390648"/>
-            <a:ext cx="3726044" cy="3875035"/>
+            <a:ext cx="3726044" cy="2724153"/>
           </a:xfrm>
           <a:prstGeom prst="rect">
             <a:avLst/>
@@ -9263,7 +8776,7 @@
           <a:bodyPr rtlCol="0" anchor="ctr"/>
           <a:lstStyle/>
           <a:p>
-            <a:pPr>
+            <a:pPr marL="72000">
               <a:lnSpc>
                 <a:spcPct val="200000"/>
               </a:lnSpc>
@@ -9272,11 +8785,11 @@
               <a:rPr lang="fr-FR" sz="1600" dirty="0">
                 <a:cs typeface="Arial" panose="020B0604020202020204" pitchFamily="34" charset="0"/>
               </a:rPr>
-              <a:t>Nom : 		……………………… </a:t>
-            </a:r>
-          </a:p>
-          <a:p>
-            <a:pPr>
+              <a:t>Nom : 			……………………… </a:t>
+            </a:r>
+          </a:p>
+          <a:p>
+            <a:pPr marL="72000">
               <a:lnSpc>
                 <a:spcPct val="200000"/>
               </a:lnSpc>
@@ -9289,7 +8802,7 @@
             </a:r>
           </a:p>
           <a:p>
-            <a:pPr>
+            <a:pPr marL="72000">
               <a:lnSpc>
                 <a:spcPct val="200000"/>
               </a:lnSpc>
@@ -9298,11 +8811,11 @@
               <a:rPr lang="fr-FR" sz="1600" dirty="0">
                 <a:cs typeface="Arial" panose="020B0604020202020204" pitchFamily="34" charset="0"/>
               </a:rPr>
-              <a:t>Classe : 		………………………</a:t>
-            </a:r>
-          </a:p>
-          <a:p>
-            <a:pPr>
+              <a:t>Classe : 			………………………</a:t>
+            </a:r>
+          </a:p>
+          <a:p>
+            <a:pPr marL="72000">
               <a:lnSpc>
                 <a:spcPct val="200000"/>
               </a:lnSpc>
@@ -9311,7 +8824,7 @@
               <a:rPr lang="fr-FR" sz="1600" dirty="0">
                 <a:cs typeface="Arial" panose="020B0604020202020204" pitchFamily="34" charset="0"/>
               </a:rPr>
-              <a:t>Note : 		…………………../20</a:t>
+              <a:t>Note : 			…………………../20</a:t>
             </a:r>
           </a:p>
           <a:p>
@@ -9455,14 +8968,14 @@
           <p:nvPr>
             <p:extLst>
               <p:ext uri="{D42A27DB-BD31-4B8C-83A1-F6EECF244321}">
-                <p14:modId xmlns:p14="http://schemas.microsoft.com/office/powerpoint/2010/main" val="489102341"/>
+                <p14:modId xmlns:p14="http://schemas.microsoft.com/office/powerpoint/2010/main" val="1003266408"/>
               </p:ext>
             </p:extLst>
           </p:nvPr>
         </p:nvGraphicFramePr>
         <p:xfrm>
-          <a:off x="179676" y="5417444"/>
-          <a:ext cx="14775770" cy="5202435"/>
+          <a:off x="179684" y="4266563"/>
+          <a:ext cx="14759990" cy="6353321"/>
         </p:xfrm>
         <a:graphic>
           <a:graphicData uri="http://schemas.openxmlformats.org/drawingml/2006/table">
@@ -9472,78 +8985,57 @@
                 <a:tableStyleId>{5940675A-B579-460E-94D1-54222C63F5DA}</a:tableStyleId>
               </a:tblPr>
               <a:tblGrid>
-                <a:gridCol w="1477577">
+                <a:gridCol w="2108570">
                   <a:extLst>
                     <a:ext uri="{9D8B030D-6E8A-4147-A177-3AD203B41FA5}">
                       <a16:colId xmlns:a16="http://schemas.microsoft.com/office/drawing/2014/main" val="187150873"/>
                     </a:ext>
                   </a:extLst>
                 </a:gridCol>
-                <a:gridCol w="1477577">
+                <a:gridCol w="2108570">
                   <a:extLst>
                     <a:ext uri="{9D8B030D-6E8A-4147-A177-3AD203B41FA5}">
                       <a16:colId xmlns:a16="http://schemas.microsoft.com/office/drawing/2014/main" val="1209721339"/>
                     </a:ext>
                   </a:extLst>
                 </a:gridCol>
-                <a:gridCol w="1477577">
+                <a:gridCol w="2108570">
                   <a:extLst>
                     <a:ext uri="{9D8B030D-6E8A-4147-A177-3AD203B41FA5}">
                       <a16:colId xmlns:a16="http://schemas.microsoft.com/office/drawing/2014/main" val="162324528"/>
                     </a:ext>
                   </a:extLst>
                 </a:gridCol>
-                <a:gridCol w="1477577">
+                <a:gridCol w="2108570">
                   <a:extLst>
                     <a:ext uri="{9D8B030D-6E8A-4147-A177-3AD203B41FA5}">
                       <a16:colId xmlns:a16="http://schemas.microsoft.com/office/drawing/2014/main" val="903695711"/>
                     </a:ext>
                   </a:extLst>
                 </a:gridCol>
-                <a:gridCol w="1477577">
+                <a:gridCol w="2108570">
                   <a:extLst>
                     <a:ext uri="{9D8B030D-6E8A-4147-A177-3AD203B41FA5}">
                       <a16:colId xmlns:a16="http://schemas.microsoft.com/office/drawing/2014/main" val="401433737"/>
                     </a:ext>
                   </a:extLst>
                 </a:gridCol>
-                <a:gridCol w="1477577">
+                <a:gridCol w="2108570">
                   <a:extLst>
                     <a:ext uri="{9D8B030D-6E8A-4147-A177-3AD203B41FA5}">
                       <a16:colId xmlns:a16="http://schemas.microsoft.com/office/drawing/2014/main" val="1616956812"/>
                     </a:ext>
                   </a:extLst>
                 </a:gridCol>
-                <a:gridCol w="1477577">
+                <a:gridCol w="2108570">
                   <a:extLst>
                     <a:ext uri="{9D8B030D-6E8A-4147-A177-3AD203B41FA5}">
                       <a16:colId xmlns:a16="http://schemas.microsoft.com/office/drawing/2014/main" val="2884985826"/>
                     </a:ext>
                   </a:extLst>
                 </a:gridCol>
-                <a:gridCol w="1477577">
-                  <a:extLst>
-                    <a:ext uri="{9D8B030D-6E8A-4147-A177-3AD203B41FA5}">
-                      <a16:colId xmlns:a16="http://schemas.microsoft.com/office/drawing/2014/main" val="2944062975"/>
-                    </a:ext>
-                  </a:extLst>
-                </a:gridCol>
-                <a:gridCol w="1477577">
-                  <a:extLst>
-                    <a:ext uri="{9D8B030D-6E8A-4147-A177-3AD203B41FA5}">
-                      <a16:colId xmlns:a16="http://schemas.microsoft.com/office/drawing/2014/main" val="1865196824"/>
-                    </a:ext>
-                  </a:extLst>
-                </a:gridCol>
-                <a:gridCol w="1477577">
-                  <a:extLst>
-                    <a:ext uri="{9D8B030D-6E8A-4147-A177-3AD203B41FA5}">
-                      <a16:colId xmlns:a16="http://schemas.microsoft.com/office/drawing/2014/main" val="401759116"/>
-                    </a:ext>
-                  </a:extLst>
-                </a:gridCol>
               </a:tblGrid>
-              <a:tr h="882523">
+              <a:tr h="1041761">
                 <a:tc rowSpan="2">
                   <a:txBody>
                     <a:bodyPr/>
@@ -9693,58 +9185,13 @@
                   </a:txBody>
                   <a:tcPr/>
                 </a:tc>
-                <a:tc gridSpan="3">
-                  <a:txBody>
-                    <a:bodyPr/>
-                    <a:lstStyle/>
-                    <a:p>
-                      <a:pPr algn="ctr"/>
-                      <a:r>
-                        <a:rPr lang="fr-FR" sz="1600" dirty="0"/>
-                        <a:t>Dimensions majorées ou brutes</a:t>
-                      </a:r>
-                    </a:p>
-                    <a:p>
-                      <a:pPr algn="ctr"/>
-                      <a:r>
-                        <a:rPr lang="fr-FR" sz="1600" dirty="0"/>
-                        <a:t>(avec surcotes)</a:t>
-                      </a:r>
-                    </a:p>
-                  </a:txBody>
-                  <a:tcPr marL="113395" marR="113395" marT="56698" marB="56698" anchor="ctr">
-                    <a:solidFill>
-                      <a:schemeClr val="bg2"/>
-                    </a:solidFill>
-                  </a:tcPr>
-                </a:tc>
-                <a:tc hMerge="1">
-                  <a:txBody>
-                    <a:bodyPr/>
-                    <a:lstStyle/>
-                    <a:p>
-                      <a:endParaRPr lang="fr-FR" dirty="0"/>
-                    </a:p>
-                  </a:txBody>
-                  <a:tcPr/>
-                </a:tc>
-                <a:tc hMerge="1">
-                  <a:txBody>
-                    <a:bodyPr/>
-                    <a:lstStyle/>
-                    <a:p>
-                      <a:endParaRPr lang="fr-FR" dirty="0"/>
-                    </a:p>
-                  </a:txBody>
-                  <a:tcPr/>
-                </a:tc>
                 <a:extLst>
                   <a:ext uri="{0D108BD9-81ED-4DB2-BD59-A6C34878D82A}">
                     <a16:rowId xmlns:a16="http://schemas.microsoft.com/office/drawing/2014/main" val="2751918690"/>
                   </a:ext>
                 </a:extLst>
               </a:tr>
-              <a:tr h="832456">
+              <a:tr h="663945">
                 <a:tc vMerge="1">
                   <a:txBody>
                     <a:bodyPr/>
@@ -9839,6 +9286,13 @@
                     </a:solidFill>
                   </a:tcPr>
                 </a:tc>
+                <a:extLst>
+                  <a:ext uri="{0D108BD9-81ED-4DB2-BD59-A6C34878D82A}">
+                    <a16:rowId xmlns:a16="http://schemas.microsoft.com/office/drawing/2014/main" val="2202644115"/>
+                  </a:ext>
+                </a:extLst>
+              </a:tr>
+              <a:tr h="663945">
                 <a:tc>
                   <a:txBody>
                     <a:bodyPr/>
@@ -9847,66 +9301,8 @@
                       <a:pPr algn="ctr"/>
                       <a:r>
                         <a:rPr lang="fr-FR" sz="1600" dirty="0"/>
-                        <a:t>Longueur</a:t>
+                        <a:t>101</a:t>
                       </a:r>
-                    </a:p>
-                  </a:txBody>
-                  <a:tcPr marL="113395" marR="113395" marT="56698" marB="56698" anchor="ctr">
-                    <a:solidFill>
-                      <a:schemeClr val="bg2"/>
-                    </a:solidFill>
-                  </a:tcPr>
-                </a:tc>
-                <a:tc>
-                  <a:txBody>
-                    <a:bodyPr/>
-                    <a:lstStyle/>
-                    <a:p>
-                      <a:pPr algn="ctr"/>
-                      <a:r>
-                        <a:rPr lang="fr-FR" sz="1600" dirty="0"/>
-                        <a:t>Largeur</a:t>
-                      </a:r>
-                    </a:p>
-                  </a:txBody>
-                  <a:tcPr marL="113395" marR="113395" marT="56698" marB="56698" anchor="ctr">
-                    <a:solidFill>
-                      <a:schemeClr val="bg2"/>
-                    </a:solidFill>
-                  </a:tcPr>
-                </a:tc>
-                <a:tc>
-                  <a:txBody>
-                    <a:bodyPr/>
-                    <a:lstStyle/>
-                    <a:p>
-                      <a:pPr algn="ctr"/>
-                      <a:r>
-                        <a:rPr lang="fr-FR" sz="1600" dirty="0"/>
-                        <a:t>Epaisseur</a:t>
-                      </a:r>
-                    </a:p>
-                  </a:txBody>
-                  <a:tcPr marL="113395" marR="113395" marT="56698" marB="56698" anchor="ctr">
-                    <a:solidFill>
-                      <a:schemeClr val="bg2"/>
-                    </a:solidFill>
-                  </a:tcPr>
-                </a:tc>
-                <a:extLst>
-                  <a:ext uri="{0D108BD9-81ED-4DB2-BD59-A6C34878D82A}">
-                    <a16:rowId xmlns:a16="http://schemas.microsoft.com/office/drawing/2014/main" val="2202644115"/>
-                  </a:ext>
-                </a:extLst>
-              </a:tr>
-              <a:tr h="435932">
-                <a:tc>
-                  <a:txBody>
-                    <a:bodyPr/>
-                    <a:lstStyle/>
-                    <a:p>
-                      <a:pPr algn="ctr"/>
-                      <a:endParaRPr lang="fr-FR" sz="1600" dirty="0"/>
                     </a:p>
                   </a:txBody>
                   <a:tcPr marL="113395" marR="113395" marT="56698" marB="56698" anchor="ctr">
@@ -9921,7 +9317,10 @@
                     <a:lstStyle/>
                     <a:p>
                       <a:pPr algn="ctr"/>
-                      <a:endParaRPr lang="fr-FR" sz="1600" dirty="0"/>
+                      <a:r>
+                        <a:rPr lang="fr-FR" sz="1600" dirty="0"/>
+                        <a:t>Montants</a:t>
+                      </a:r>
                     </a:p>
                   </a:txBody>
                   <a:tcPr marL="113395" marR="113395" marT="56698" marB="56698" anchor="ctr">
@@ -9936,7 +9335,10 @@
                     <a:lstStyle/>
                     <a:p>
                       <a:pPr algn="ctr"/>
-                      <a:endParaRPr lang="fr-FR" sz="1600" dirty="0"/>
+                      <a:r>
+                        <a:rPr lang="fr-FR" sz="1600" dirty="0"/>
+                        <a:t>3</a:t>
+                      </a:r>
                     </a:p>
                   </a:txBody>
                   <a:tcPr marL="113395" marR="113395" marT="56698" marB="56698" anchor="ctr">
@@ -9951,7 +9353,10 @@
                     <a:lstStyle/>
                     <a:p>
                       <a:pPr algn="ctr"/>
-                      <a:endParaRPr lang="fr-FR" sz="1600" dirty="0"/>
+                      <a:r>
+                        <a:rPr lang="fr-FR" sz="1600" dirty="0"/>
+                        <a:t>C.P</a:t>
+                      </a:r>
                     </a:p>
                   </a:txBody>
                   <a:tcPr marL="113395" marR="113395" marT="56698" marB="56698" anchor="ctr">
@@ -9996,7 +9401,53 @@
                     <a:lstStyle/>
                     <a:p>
                       <a:pPr algn="ctr"/>
-                      <a:endParaRPr lang="fr-FR" sz="1600" dirty="0"/>
+                      <a:r>
+                        <a:rPr lang="fr-FR" sz="1600" dirty="0"/>
+                        <a:t>16</a:t>
+                      </a:r>
+                    </a:p>
+                  </a:txBody>
+                  <a:tcPr marL="113395" marR="113395" marT="56698" marB="56698" anchor="ctr">
+                    <a:solidFill>
+                      <a:schemeClr val="bg1"/>
+                    </a:solidFill>
+                  </a:tcPr>
+                </a:tc>
+                <a:extLst>
+                  <a:ext uri="{0D108BD9-81ED-4DB2-BD59-A6C34878D82A}">
+                    <a16:rowId xmlns:a16="http://schemas.microsoft.com/office/drawing/2014/main" val="4148364327"/>
+                  </a:ext>
+                </a:extLst>
+              </a:tr>
+              <a:tr h="663945">
+                <a:tc>
+                  <a:txBody>
+                    <a:bodyPr/>
+                    <a:lstStyle/>
+                    <a:p>
+                      <a:pPr algn="ctr"/>
+                      <a:r>
+                        <a:rPr lang="fr-FR" sz="1600" dirty="0"/>
+                        <a:t>201</a:t>
+                      </a:r>
+                    </a:p>
+                  </a:txBody>
+                  <a:tcPr marL="113395" marR="113395" marT="56698" marB="56698" anchor="ctr">
+                    <a:solidFill>
+                      <a:schemeClr val="bg1"/>
+                    </a:solidFill>
+                  </a:tcPr>
+                </a:tc>
+                <a:tc>
+                  <a:txBody>
+                    <a:bodyPr/>
+                    <a:lstStyle/>
+                    <a:p>
+                      <a:pPr algn="ctr"/>
+                      <a:r>
+                        <a:rPr lang="fr-FR" sz="1600" dirty="0"/>
+                        <a:t>Plateau</a:t>
+                      </a:r>
                     </a:p>
                   </a:txBody>
                   <a:tcPr marL="113395" marR="113395" marT="56698" marB="56698" anchor="ctr">
@@ -10026,134 +9477,10 @@
                     <a:lstStyle/>
                     <a:p>
                       <a:pPr algn="ctr"/>
-                      <a:endParaRPr lang="fr-FR" sz="1600" dirty="0"/>
-                    </a:p>
-                  </a:txBody>
-                  <a:tcPr marL="113395" marR="113395" marT="56698" marB="56698" anchor="ctr">
-                    <a:solidFill>
-                      <a:schemeClr val="bg1"/>
-                    </a:solidFill>
-                  </a:tcPr>
-                </a:tc>
-                <a:tc>
-                  <a:txBody>
-                    <a:bodyPr/>
-                    <a:lstStyle/>
-                    <a:p>
-                      <a:pPr algn="ctr"/>
-                      <a:endParaRPr lang="fr-FR" sz="1600" dirty="0"/>
-                    </a:p>
-                  </a:txBody>
-                  <a:tcPr marL="113395" marR="113395" marT="56698" marB="56698" anchor="ctr">
-                    <a:solidFill>
-                      <a:schemeClr val="bg1"/>
-                    </a:solidFill>
-                  </a:tcPr>
-                </a:tc>
-                <a:extLst>
-                  <a:ext uri="{0D108BD9-81ED-4DB2-BD59-A6C34878D82A}">
-                    <a16:rowId xmlns:a16="http://schemas.microsoft.com/office/drawing/2014/main" val="4148364327"/>
-                  </a:ext>
-                </a:extLst>
-              </a:tr>
-              <a:tr h="435932">
-                <a:tc>
-                  <a:txBody>
-                    <a:bodyPr/>
-                    <a:lstStyle/>
-                    <a:p>
-                      <a:pPr algn="ctr"/>
-                      <a:endParaRPr lang="fr-FR" sz="1600"/>
-                    </a:p>
-                  </a:txBody>
-                  <a:tcPr marL="113395" marR="113395" marT="56698" marB="56698" anchor="ctr">
-                    <a:solidFill>
-                      <a:schemeClr val="bg1"/>
-                    </a:solidFill>
-                  </a:tcPr>
-                </a:tc>
-                <a:tc>
-                  <a:txBody>
-                    <a:bodyPr/>
-                    <a:lstStyle/>
-                    <a:p>
-                      <a:pPr algn="ctr"/>
-                      <a:endParaRPr lang="fr-FR" sz="1600" dirty="0"/>
-                    </a:p>
-                  </a:txBody>
-                  <a:tcPr marL="113395" marR="113395" marT="56698" marB="56698" anchor="ctr">
-                    <a:solidFill>
-                      <a:schemeClr val="bg1"/>
-                    </a:solidFill>
-                  </a:tcPr>
-                </a:tc>
-                <a:tc>
-                  <a:txBody>
-                    <a:bodyPr/>
-                    <a:lstStyle/>
-                    <a:p>
-                      <a:pPr algn="ctr"/>
-                      <a:endParaRPr lang="fr-FR" sz="1600" dirty="0"/>
-                    </a:p>
-                  </a:txBody>
-                  <a:tcPr marL="113395" marR="113395" marT="56698" marB="56698" anchor="ctr">
-                    <a:solidFill>
-                      <a:schemeClr val="bg1"/>
-                    </a:solidFill>
-                  </a:tcPr>
-                </a:tc>
-                <a:tc>
-                  <a:txBody>
-                    <a:bodyPr/>
-                    <a:lstStyle/>
-                    <a:p>
-                      <a:pPr algn="ctr"/>
-                      <a:endParaRPr lang="fr-FR" sz="1600" dirty="0"/>
-                    </a:p>
-                  </a:txBody>
-                  <a:tcPr marL="113395" marR="113395" marT="56698" marB="56698" anchor="ctr">
-                    <a:solidFill>
-                      <a:schemeClr val="bg1"/>
-                    </a:solidFill>
-                  </a:tcPr>
-                </a:tc>
-                <a:tc>
-                  <a:txBody>
-                    <a:bodyPr/>
-                    <a:lstStyle/>
-                    <a:p>
-                      <a:pPr algn="ctr"/>
-                      <a:endParaRPr lang="fr-FR" sz="1600" dirty="0"/>
-                    </a:p>
-                  </a:txBody>
-                  <a:tcPr marL="113395" marR="113395" marT="56698" marB="56698" anchor="ctr">
-                    <a:solidFill>
-                      <a:schemeClr val="bg1"/>
-                    </a:solidFill>
-                  </a:tcPr>
-                </a:tc>
-                <a:tc>
-                  <a:txBody>
-                    <a:bodyPr/>
-                    <a:lstStyle/>
-                    <a:p>
-                      <a:pPr algn="ctr"/>
-                      <a:endParaRPr lang="fr-FR" sz="1600" dirty="0"/>
-                    </a:p>
-                  </a:txBody>
-                  <a:tcPr marL="113395" marR="113395" marT="56698" marB="56698" anchor="ctr">
-                    <a:solidFill>
-                      <a:schemeClr val="bg1"/>
-                    </a:solidFill>
-                  </a:tcPr>
-                </a:tc>
-                <a:tc>
-                  <a:txBody>
-                    <a:bodyPr/>
-                    <a:lstStyle/>
-                    <a:p>
-                      <a:pPr algn="ctr"/>
-                      <a:endParaRPr lang="fr-FR" sz="1600" dirty="0"/>
+                      <a:r>
+                        <a:rPr lang="fr-FR" sz="1600" dirty="0"/>
+                        <a:t>‘’</a:t>
+                      </a:r>
                     </a:p>
                   </a:txBody>
                   <a:tcPr marL="113395" marR="113395" marT="56698" marB="56698" anchor="ctr">
@@ -10213,14 +9540,35 @@
                   </a:ext>
                 </a:extLst>
               </a:tr>
-              <a:tr h="435932">
+              <a:tr h="663945">
                 <a:tc>
                   <a:txBody>
                     <a:bodyPr/>
                     <a:lstStyle/>
                     <a:p>
                       <a:pPr algn="ctr"/>
-                      <a:endParaRPr lang="fr-FR" sz="1600" dirty="0"/>
+                      <a:r>
+                        <a:rPr lang="fr-FR" sz="1600" dirty="0"/>
+                        <a:t>202</a:t>
+                      </a:r>
+                    </a:p>
+                  </a:txBody>
+                  <a:tcPr marL="113395" marR="113395" marT="56698" marB="56698" anchor="ctr">
+                    <a:solidFill>
+                      <a:schemeClr val="bg1"/>
+                    </a:solidFill>
+                  </a:tcPr>
+                </a:tc>
+                <a:tc>
+                  <a:txBody>
+                    <a:bodyPr/>
+                    <a:lstStyle/>
+                    <a:p>
+                      <a:pPr algn="ctr"/>
+                      <a:r>
+                        <a:rPr lang="fr-FR" sz="1600" dirty="0"/>
+                        <a:t>Alaise</a:t>
+                      </a:r>
                     </a:p>
                   </a:txBody>
                   <a:tcPr marL="113395" marR="113395" marT="56698" marB="56698" anchor="ctr">
@@ -10250,7 +9598,10 @@
                     <a:lstStyle/>
                     <a:p>
                       <a:pPr algn="ctr"/>
-                      <a:endParaRPr lang="fr-FR" sz="1600" dirty="0"/>
+                      <a:r>
+                        <a:rPr lang="fr-FR" sz="1600" dirty="0"/>
+                        <a:t>‘’</a:t>
+                      </a:r>
                     </a:p>
                   </a:txBody>
                   <a:tcPr marL="113395" marR="113395" marT="56698" marB="56698" anchor="ctr">
@@ -10280,7 +9631,68 @@
                     <a:lstStyle/>
                     <a:p>
                       <a:pPr algn="ctr"/>
+                      <a:r>
+                        <a:rPr lang="fr-FR" sz="1600" dirty="0"/>
+                        <a:t>30</a:t>
+                      </a:r>
+                    </a:p>
+                  </a:txBody>
+                  <a:tcPr marL="113395" marR="113395" marT="56698" marB="56698" anchor="ctr">
+                    <a:solidFill>
+                      <a:schemeClr val="bg1"/>
+                    </a:solidFill>
+                  </a:tcPr>
+                </a:tc>
+                <a:tc>
+                  <a:txBody>
+                    <a:bodyPr/>
+                    <a:lstStyle/>
+                    <a:p>
+                      <a:pPr algn="ctr"/>
                       <a:endParaRPr lang="fr-FR" sz="1600" dirty="0"/>
+                    </a:p>
+                  </a:txBody>
+                  <a:tcPr marL="113395" marR="113395" marT="56698" marB="56698" anchor="ctr">
+                    <a:solidFill>
+                      <a:schemeClr val="bg1"/>
+                    </a:solidFill>
+                  </a:tcPr>
+                </a:tc>
+                <a:extLst>
+                  <a:ext uri="{0D108BD9-81ED-4DB2-BD59-A6C34878D82A}">
+                    <a16:rowId xmlns:a16="http://schemas.microsoft.com/office/drawing/2014/main" val="821861683"/>
+                  </a:ext>
+                </a:extLst>
+              </a:tr>
+              <a:tr h="663945">
+                <a:tc>
+                  <a:txBody>
+                    <a:bodyPr/>
+                    <a:lstStyle/>
+                    <a:p>
+                      <a:pPr algn="ctr"/>
+                      <a:r>
+                        <a:rPr lang="fr-FR" sz="1600" dirty="0"/>
+                        <a:t>203</a:t>
+                      </a:r>
+                    </a:p>
+                  </a:txBody>
+                  <a:tcPr marL="113395" marR="113395" marT="56698" marB="56698" anchor="ctr">
+                    <a:solidFill>
+                      <a:schemeClr val="bg1"/>
+                    </a:solidFill>
+                  </a:tcPr>
+                </a:tc>
+                <a:tc>
+                  <a:txBody>
+                    <a:bodyPr/>
+                    <a:lstStyle/>
+                    <a:p>
+                      <a:pPr algn="ctr"/>
+                      <a:r>
+                        <a:rPr lang="fr-FR" sz="1600" dirty="0"/>
+                        <a:t>Dos du plateau</a:t>
+                      </a:r>
                     </a:p>
                   </a:txBody>
                   <a:tcPr marL="113395" marR="113395" marT="56698" marB="56698" anchor="ctr">
@@ -10310,7 +9722,10 @@
                     <a:lstStyle/>
                     <a:p>
                       <a:pPr algn="ctr"/>
-                      <a:endParaRPr lang="fr-FR" sz="1600" dirty="0"/>
+                      <a:r>
+                        <a:rPr lang="fr-FR" sz="1600" dirty="0"/>
+                        <a:t>‘’</a:t>
+                      </a:r>
                     </a:p>
                   </a:txBody>
                   <a:tcPr marL="113395" marR="113395" marT="56698" marB="56698" anchor="ctr">
@@ -10366,18 +9781,39 @@
                 </a:tc>
                 <a:extLst>
                   <a:ext uri="{0D108BD9-81ED-4DB2-BD59-A6C34878D82A}">
-                    <a16:rowId xmlns:a16="http://schemas.microsoft.com/office/drawing/2014/main" val="821861683"/>
+                    <a16:rowId xmlns:a16="http://schemas.microsoft.com/office/drawing/2014/main" val="510175883"/>
                   </a:ext>
                 </a:extLst>
               </a:tr>
-              <a:tr h="435932">
+              <a:tr h="663945">
                 <a:tc>
                   <a:txBody>
                     <a:bodyPr/>
                     <a:lstStyle/>
                     <a:p>
                       <a:pPr algn="ctr"/>
-                      <a:endParaRPr lang="fr-FR" sz="1600"/>
+                      <a:r>
+                        <a:rPr lang="fr-FR" sz="1600" dirty="0"/>
+                        <a:t>301</a:t>
+                      </a:r>
+                    </a:p>
+                  </a:txBody>
+                  <a:tcPr marL="113395" marR="113395" marT="56698" marB="56698" anchor="ctr">
+                    <a:solidFill>
+                      <a:schemeClr val="bg1"/>
+                    </a:solidFill>
+                  </a:tcPr>
+                </a:tc>
+                <a:tc>
+                  <a:txBody>
+                    <a:bodyPr/>
+                    <a:lstStyle/>
+                    <a:p>
+                      <a:pPr algn="ctr"/>
+                      <a:r>
+                        <a:rPr lang="fr-FR" sz="1600" dirty="0"/>
+                        <a:t>Séparateurs</a:t>
+                      </a:r>
                     </a:p>
                   </a:txBody>
                   <a:tcPr marL="113395" marR="113395" marT="56698" marB="56698" anchor="ctr">
@@ -10407,7 +9843,10 @@
                     <a:lstStyle/>
                     <a:p>
                       <a:pPr algn="ctr"/>
-                      <a:endParaRPr lang="fr-FR" sz="1600" dirty="0"/>
+                      <a:r>
+                        <a:rPr lang="fr-FR" sz="1600" dirty="0"/>
+                        <a:t>‘’</a:t>
+                      </a:r>
                     </a:p>
                   </a:txBody>
                   <a:tcPr marL="113395" marR="113395" marT="56698" marB="56698" anchor="ctr">
@@ -10437,7 +9876,71 @@
                     <a:lstStyle/>
                     <a:p>
                       <a:pPr algn="ctr"/>
-                      <a:endParaRPr lang="fr-FR" sz="1600" dirty="0"/>
+                      <a:r>
+                        <a:rPr lang="fr-FR" sz="1600" dirty="0"/>
+                        <a:t>118</a:t>
+                      </a:r>
+                    </a:p>
+                  </a:txBody>
+                  <a:tcPr marL="113395" marR="113395" marT="56698" marB="56698" anchor="ctr">
+                    <a:solidFill>
+                      <a:schemeClr val="bg1"/>
+                    </a:solidFill>
+                  </a:tcPr>
+                </a:tc>
+                <a:tc>
+                  <a:txBody>
+                    <a:bodyPr/>
+                    <a:lstStyle/>
+                    <a:p>
+                      <a:pPr algn="ctr"/>
+                      <a:r>
+                        <a:rPr lang="fr-FR" sz="1600" dirty="0"/>
+                        <a:t>5</a:t>
+                      </a:r>
+                    </a:p>
+                  </a:txBody>
+                  <a:tcPr marL="113395" marR="113395" marT="56698" marB="56698" anchor="ctr">
+                    <a:solidFill>
+                      <a:schemeClr val="bg1"/>
+                    </a:solidFill>
+                  </a:tcPr>
+                </a:tc>
+                <a:extLst>
+                  <a:ext uri="{0D108BD9-81ED-4DB2-BD59-A6C34878D82A}">
+                    <a16:rowId xmlns:a16="http://schemas.microsoft.com/office/drawing/2014/main" val="2198307717"/>
+                  </a:ext>
+                </a:extLst>
+              </a:tr>
+              <a:tr h="663945">
+                <a:tc>
+                  <a:txBody>
+                    <a:bodyPr/>
+                    <a:lstStyle/>
+                    <a:p>
+                      <a:pPr algn="ctr"/>
+                      <a:r>
+                        <a:rPr lang="fr-FR" sz="1600" dirty="0"/>
+                        <a:t>401</a:t>
+                      </a:r>
+                    </a:p>
+                  </a:txBody>
+                  <a:tcPr marL="113395" marR="113395" marT="56698" marB="56698" anchor="ctr">
+                    <a:solidFill>
+                      <a:schemeClr val="bg1"/>
+                    </a:solidFill>
+                  </a:tcPr>
+                </a:tc>
+                <a:tc>
+                  <a:txBody>
+                    <a:bodyPr/>
+                    <a:lstStyle/>
+                    <a:p>
+                      <a:pPr algn="ctr"/>
+                      <a:r>
+                        <a:rPr lang="fr-FR" sz="1600" dirty="0"/>
+                        <a:t>Traverse base</a:t>
+                      </a:r>
                     </a:p>
                   </a:txBody>
                   <a:tcPr marL="113395" marR="113395" marT="56698" marB="56698" anchor="ctr">
@@ -10467,7 +9970,10 @@
                     <a:lstStyle/>
                     <a:p>
                       <a:pPr algn="ctr"/>
-                      <a:endParaRPr lang="fr-FR" sz="1600" dirty="0"/>
+                      <a:r>
+                        <a:rPr lang="fr-FR" sz="1600" dirty="0"/>
+                        <a:t>‘’</a:t>
+                      </a:r>
                     </a:p>
                   </a:txBody>
                   <a:tcPr marL="113395" marR="113395" marT="56698" marB="56698" anchor="ctr">
@@ -10497,7 +10003,10 @@
                     <a:lstStyle/>
                     <a:p>
                       <a:pPr algn="ctr"/>
-                      <a:endParaRPr lang="fr-FR" sz="1600" dirty="0"/>
+                      <a:r>
+                        <a:rPr lang="fr-FR" sz="1600" dirty="0"/>
+                        <a:t>100</a:t>
+                      </a:r>
                     </a:p>
                   </a:txBody>
                   <a:tcPr marL="113395" marR="113395" marT="56698" marB="56698" anchor="ctr">
@@ -10523,18 +10032,39 @@
                 </a:tc>
                 <a:extLst>
                   <a:ext uri="{0D108BD9-81ED-4DB2-BD59-A6C34878D82A}">
-                    <a16:rowId xmlns:a16="http://schemas.microsoft.com/office/drawing/2014/main" val="2198307717"/>
+                    <a16:rowId xmlns:a16="http://schemas.microsoft.com/office/drawing/2014/main" val="1446045739"/>
                   </a:ext>
                 </a:extLst>
               </a:tr>
-              <a:tr h="435932">
+              <a:tr h="663945">
                 <a:tc>
                   <a:txBody>
                     <a:bodyPr/>
                     <a:lstStyle/>
                     <a:p>
                       <a:pPr algn="ctr"/>
-                      <a:endParaRPr lang="fr-FR" sz="1600"/>
+                      <a:r>
+                        <a:rPr lang="fr-FR" sz="1600" dirty="0"/>
+                        <a:t>402</a:t>
+                      </a:r>
+                    </a:p>
+                  </a:txBody>
+                  <a:tcPr marL="113395" marR="113395" marT="56698" marB="56698" anchor="ctr">
+                    <a:solidFill>
+                      <a:schemeClr val="bg1"/>
+                    </a:solidFill>
+                  </a:tcPr>
+                </a:tc>
+                <a:tc>
+                  <a:txBody>
+                    <a:bodyPr/>
+                    <a:lstStyle/>
+                    <a:p>
+                      <a:pPr algn="ctr"/>
+                      <a:r>
+                        <a:rPr lang="fr-FR" sz="1600" dirty="0"/>
+                        <a:t>Dos de séparateurs</a:t>
+                      </a:r>
                     </a:p>
                   </a:txBody>
                   <a:tcPr marL="113395" marR="113395" marT="56698" marB="56698" anchor="ctr">
@@ -10564,7 +10094,10 @@
                     <a:lstStyle/>
                     <a:p>
                       <a:pPr algn="ctr"/>
-                      <a:endParaRPr lang="fr-FR" sz="1600" dirty="0"/>
+                      <a:r>
+                        <a:rPr lang="fr-FR" sz="1600" dirty="0"/>
+                        <a:t>‘’</a:t>
+                      </a:r>
                     </a:p>
                   </a:txBody>
                   <a:tcPr marL="113395" marR="113395" marT="56698" marB="56698" anchor="ctr">
@@ -10594,224 +10127,10 @@
                     <a:lstStyle/>
                     <a:p>
                       <a:pPr algn="ctr"/>
-                      <a:endParaRPr lang="fr-FR" sz="1600" dirty="0"/>
-                    </a:p>
-                  </a:txBody>
-                  <a:tcPr marL="113395" marR="113395" marT="56698" marB="56698" anchor="ctr">
-                    <a:solidFill>
-                      <a:schemeClr val="bg1"/>
-                    </a:solidFill>
-                  </a:tcPr>
-                </a:tc>
-                <a:tc>
-                  <a:txBody>
-                    <a:bodyPr/>
-                    <a:lstStyle/>
-                    <a:p>
-                      <a:pPr algn="ctr"/>
-                      <a:endParaRPr lang="fr-FR" sz="1600" dirty="0"/>
-                    </a:p>
-                  </a:txBody>
-                  <a:tcPr marL="113395" marR="113395" marT="56698" marB="56698" anchor="ctr">
-                    <a:solidFill>
-                      <a:schemeClr val="bg1"/>
-                    </a:solidFill>
-                  </a:tcPr>
-                </a:tc>
-                <a:tc>
-                  <a:txBody>
-                    <a:bodyPr/>
-                    <a:lstStyle/>
-                    <a:p>
-                      <a:pPr algn="ctr"/>
-                      <a:endParaRPr lang="fr-FR" sz="1600" dirty="0"/>
-                    </a:p>
-                  </a:txBody>
-                  <a:tcPr marL="113395" marR="113395" marT="56698" marB="56698" anchor="ctr">
-                    <a:solidFill>
-                      <a:schemeClr val="bg1"/>
-                    </a:solidFill>
-                  </a:tcPr>
-                </a:tc>
-                <a:tc>
-                  <a:txBody>
-                    <a:bodyPr/>
-                    <a:lstStyle/>
-                    <a:p>
-                      <a:pPr algn="ctr"/>
-                      <a:endParaRPr lang="fr-FR" sz="1600" dirty="0"/>
-                    </a:p>
-                  </a:txBody>
-                  <a:tcPr marL="113395" marR="113395" marT="56698" marB="56698" anchor="ctr">
-                    <a:solidFill>
-                      <a:schemeClr val="bg1"/>
-                    </a:solidFill>
-                  </a:tcPr>
-                </a:tc>
-                <a:tc>
-                  <a:txBody>
-                    <a:bodyPr/>
-                    <a:lstStyle/>
-                    <a:p>
-                      <a:pPr algn="ctr"/>
-                      <a:endParaRPr lang="fr-FR" sz="1600" dirty="0"/>
-                    </a:p>
-                  </a:txBody>
-                  <a:tcPr marL="113395" marR="113395" marT="56698" marB="56698" anchor="ctr">
-                    <a:solidFill>
-                      <a:schemeClr val="bg1"/>
-                    </a:solidFill>
-                  </a:tcPr>
-                </a:tc>
-                <a:tc>
-                  <a:txBody>
-                    <a:bodyPr/>
-                    <a:lstStyle/>
-                    <a:p>
-                      <a:pPr algn="ctr"/>
-                      <a:endParaRPr lang="fr-FR" sz="1600" dirty="0"/>
-                    </a:p>
-                  </a:txBody>
-                  <a:tcPr marL="113395" marR="113395" marT="56698" marB="56698" anchor="ctr">
-                    <a:solidFill>
-                      <a:schemeClr val="bg1"/>
-                    </a:solidFill>
-                  </a:tcPr>
-                </a:tc>
-                <a:extLst>
-                  <a:ext uri="{0D108BD9-81ED-4DB2-BD59-A6C34878D82A}">
-                    <a16:rowId xmlns:a16="http://schemas.microsoft.com/office/drawing/2014/main" val="1446045739"/>
-                  </a:ext>
-                </a:extLst>
-              </a:tr>
-              <a:tr h="435932">
-                <a:tc>
-                  <a:txBody>
-                    <a:bodyPr/>
-                    <a:lstStyle/>
-                    <a:p>
-                      <a:pPr algn="ctr"/>
-                      <a:endParaRPr lang="fr-FR" sz="1600"/>
-                    </a:p>
-                  </a:txBody>
-                  <a:tcPr marL="113395" marR="113395" marT="56698" marB="56698" anchor="ctr">
-                    <a:solidFill>
-                      <a:schemeClr val="bg1"/>
-                    </a:solidFill>
-                  </a:tcPr>
-                </a:tc>
-                <a:tc>
-                  <a:txBody>
-                    <a:bodyPr/>
-                    <a:lstStyle/>
-                    <a:p>
-                      <a:pPr algn="ctr"/>
-                      <a:endParaRPr lang="fr-FR" sz="1600" dirty="0"/>
-                    </a:p>
-                  </a:txBody>
-                  <a:tcPr marL="113395" marR="113395" marT="56698" marB="56698" anchor="ctr">
-                    <a:solidFill>
-                      <a:schemeClr val="bg1"/>
-                    </a:solidFill>
-                  </a:tcPr>
-                </a:tc>
-                <a:tc>
-                  <a:txBody>
-                    <a:bodyPr/>
-                    <a:lstStyle/>
-                    <a:p>
-                      <a:pPr algn="ctr"/>
-                      <a:endParaRPr lang="fr-FR" sz="1600" dirty="0"/>
-                    </a:p>
-                  </a:txBody>
-                  <a:tcPr marL="113395" marR="113395" marT="56698" marB="56698" anchor="ctr">
-                    <a:solidFill>
-                      <a:schemeClr val="bg1"/>
-                    </a:solidFill>
-                  </a:tcPr>
-                </a:tc>
-                <a:tc>
-                  <a:txBody>
-                    <a:bodyPr/>
-                    <a:lstStyle/>
-                    <a:p>
-                      <a:pPr algn="ctr"/>
-                      <a:endParaRPr lang="fr-FR" sz="1600" dirty="0"/>
-                    </a:p>
-                  </a:txBody>
-                  <a:tcPr marL="113395" marR="113395" marT="56698" marB="56698" anchor="ctr">
-                    <a:solidFill>
-                      <a:schemeClr val="bg1"/>
-                    </a:solidFill>
-                  </a:tcPr>
-                </a:tc>
-                <a:tc>
-                  <a:txBody>
-                    <a:bodyPr/>
-                    <a:lstStyle/>
-                    <a:p>
-                      <a:pPr algn="ctr"/>
-                      <a:endParaRPr lang="fr-FR" sz="1600" dirty="0"/>
-                    </a:p>
-                  </a:txBody>
-                  <a:tcPr marL="113395" marR="113395" marT="56698" marB="56698" anchor="ctr">
-                    <a:solidFill>
-                      <a:schemeClr val="bg1"/>
-                    </a:solidFill>
-                  </a:tcPr>
-                </a:tc>
-                <a:tc>
-                  <a:txBody>
-                    <a:bodyPr/>
-                    <a:lstStyle/>
-                    <a:p>
-                      <a:pPr algn="ctr"/>
-                      <a:endParaRPr lang="fr-FR" sz="1600" dirty="0"/>
-                    </a:p>
-                  </a:txBody>
-                  <a:tcPr marL="113395" marR="113395" marT="56698" marB="56698" anchor="ctr">
-                    <a:solidFill>
-                      <a:schemeClr val="bg1"/>
-                    </a:solidFill>
-                  </a:tcPr>
-                </a:tc>
-                <a:tc>
-                  <a:txBody>
-                    <a:bodyPr/>
-                    <a:lstStyle/>
-                    <a:p>
-                      <a:pPr algn="ctr"/>
-                      <a:endParaRPr lang="fr-FR" sz="1600" dirty="0"/>
-                    </a:p>
-                  </a:txBody>
-                  <a:tcPr marL="113395" marR="113395" marT="56698" marB="56698" anchor="ctr">
-                    <a:solidFill>
-                      <a:schemeClr val="bg1"/>
-                    </a:solidFill>
-                  </a:tcPr>
-                </a:tc>
-                <a:tc>
-                  <a:txBody>
-                    <a:bodyPr/>
-                    <a:lstStyle/>
-                    <a:p>
-                      <a:pPr algn="ctr"/>
-                      <a:endParaRPr lang="fr-FR" sz="1600" dirty="0"/>
-                    </a:p>
-                  </a:txBody>
-                  <a:tcPr marL="113395" marR="113395" marT="56698" marB="56698" anchor="ctr">
-                    <a:solidFill>
-                      <a:schemeClr val="bg1"/>
-                    </a:solidFill>
-                  </a:tcPr>
-                </a:tc>
-                <a:tc>
-                  <a:txBody>
-                    <a:bodyPr/>
-                    <a:lstStyle/>
-                    <a:p>
-                      <a:pPr algn="ctr"/>
-                      <a:endParaRPr lang="fr-FR" sz="1600" dirty="0"/>
+                      <a:r>
+                        <a:rPr lang="fr-FR" sz="1600" dirty="0"/>
+                        <a:t>100</a:t>
+                      </a:r>
                     </a:p>
                   </a:txBody>
                   <a:tcPr marL="113395" marR="113395" marT="56698" marB="56698" anchor="ctr">
@@ -10841,406 +10160,14 @@
                   </a:ext>
                 </a:extLst>
               </a:tr>
-              <a:tr h="435932">
-                <a:tc>
-                  <a:txBody>
-                    <a:bodyPr/>
-                    <a:lstStyle/>
-                    <a:p>
-                      <a:pPr algn="ctr"/>
-                      <a:endParaRPr lang="fr-FR" sz="1600" dirty="0"/>
-                    </a:p>
-                  </a:txBody>
-                  <a:tcPr marL="113395" marR="113395" marT="56698" marB="56698" anchor="ctr">
-                    <a:solidFill>
-                      <a:schemeClr val="bg1"/>
-                    </a:solidFill>
-                  </a:tcPr>
-                </a:tc>
-                <a:tc>
-                  <a:txBody>
-                    <a:bodyPr/>
-                    <a:lstStyle/>
-                    <a:p>
-                      <a:pPr algn="ctr"/>
-                      <a:endParaRPr lang="fr-FR" sz="1600" dirty="0"/>
-                    </a:p>
-                  </a:txBody>
-                  <a:tcPr marL="113395" marR="113395" marT="56698" marB="56698" anchor="ctr">
-                    <a:solidFill>
-                      <a:schemeClr val="bg1"/>
-                    </a:solidFill>
-                  </a:tcPr>
-                </a:tc>
-                <a:tc>
-                  <a:txBody>
-                    <a:bodyPr/>
-                    <a:lstStyle/>
-                    <a:p>
-                      <a:pPr algn="ctr"/>
-                      <a:endParaRPr lang="fr-FR" sz="1600" dirty="0"/>
-                    </a:p>
-                  </a:txBody>
-                  <a:tcPr marL="113395" marR="113395" marT="56698" marB="56698" anchor="ctr">
-                    <a:solidFill>
-                      <a:schemeClr val="bg1"/>
-                    </a:solidFill>
-                  </a:tcPr>
-                </a:tc>
-                <a:tc>
-                  <a:txBody>
-                    <a:bodyPr/>
-                    <a:lstStyle/>
-                    <a:p>
-                      <a:pPr algn="ctr"/>
-                      <a:endParaRPr lang="fr-FR" sz="1600" dirty="0"/>
-                    </a:p>
-                  </a:txBody>
-                  <a:tcPr marL="113395" marR="113395" marT="56698" marB="56698" anchor="ctr">
-                    <a:solidFill>
-                      <a:schemeClr val="bg1"/>
-                    </a:solidFill>
-                  </a:tcPr>
-                </a:tc>
-                <a:tc>
-                  <a:txBody>
-                    <a:bodyPr/>
-                    <a:lstStyle/>
-                    <a:p>
-                      <a:pPr algn="ctr"/>
-                      <a:endParaRPr lang="fr-FR" sz="1600" dirty="0"/>
-                    </a:p>
-                  </a:txBody>
-                  <a:tcPr marL="113395" marR="113395" marT="56698" marB="56698" anchor="ctr">
-                    <a:solidFill>
-                      <a:schemeClr val="bg1"/>
-                    </a:solidFill>
-                  </a:tcPr>
-                </a:tc>
-                <a:tc>
-                  <a:txBody>
-                    <a:bodyPr/>
-                    <a:lstStyle/>
-                    <a:p>
-                      <a:pPr algn="ctr"/>
-                      <a:endParaRPr lang="fr-FR" sz="1600" dirty="0"/>
-                    </a:p>
-                  </a:txBody>
-                  <a:tcPr marL="113395" marR="113395" marT="56698" marB="56698" anchor="ctr">
-                    <a:solidFill>
-                      <a:schemeClr val="bg1"/>
-                    </a:solidFill>
-                  </a:tcPr>
-                </a:tc>
-                <a:tc>
-                  <a:txBody>
-                    <a:bodyPr/>
-                    <a:lstStyle/>
-                    <a:p>
-                      <a:pPr algn="ctr"/>
-                      <a:endParaRPr lang="fr-FR" sz="1600" dirty="0"/>
-                    </a:p>
-                  </a:txBody>
-                  <a:tcPr marL="113395" marR="113395" marT="56698" marB="56698" anchor="ctr">
-                    <a:solidFill>
-                      <a:schemeClr val="bg1"/>
-                    </a:solidFill>
-                  </a:tcPr>
-                </a:tc>
-                <a:tc>
-                  <a:txBody>
-                    <a:bodyPr/>
-                    <a:lstStyle/>
-                    <a:p>
-                      <a:pPr algn="ctr"/>
-                      <a:endParaRPr lang="fr-FR" sz="1600" dirty="0"/>
-                    </a:p>
-                  </a:txBody>
-                  <a:tcPr marL="113395" marR="113395" marT="56698" marB="56698" anchor="ctr">
-                    <a:solidFill>
-                      <a:schemeClr val="bg1"/>
-                    </a:solidFill>
-                  </a:tcPr>
-                </a:tc>
-                <a:tc>
-                  <a:txBody>
-                    <a:bodyPr/>
-                    <a:lstStyle/>
-                    <a:p>
-                      <a:pPr algn="ctr"/>
-                      <a:endParaRPr lang="fr-FR" sz="1600" dirty="0"/>
-                    </a:p>
-                  </a:txBody>
-                  <a:tcPr marL="113395" marR="113395" marT="56698" marB="56698" anchor="ctr">
-                    <a:solidFill>
-                      <a:schemeClr val="bg1"/>
-                    </a:solidFill>
-                  </a:tcPr>
-                </a:tc>
-                <a:tc>
-                  <a:txBody>
-                    <a:bodyPr/>
-                    <a:lstStyle/>
-                    <a:p>
-                      <a:pPr algn="ctr"/>
-                      <a:endParaRPr lang="fr-FR" sz="1600" dirty="0"/>
-                    </a:p>
-                  </a:txBody>
-                  <a:tcPr marL="113395" marR="113395" marT="56698" marB="56698" anchor="ctr">
-                    <a:solidFill>
-                      <a:schemeClr val="bg1"/>
-                    </a:solidFill>
-                  </a:tcPr>
-                </a:tc>
-                <a:extLst>
-                  <a:ext uri="{0D108BD9-81ED-4DB2-BD59-A6C34878D82A}">
-                    <a16:rowId xmlns:a16="http://schemas.microsoft.com/office/drawing/2014/main" val="112883267"/>
-                  </a:ext>
-                </a:extLst>
-              </a:tr>
-              <a:tr h="435932">
-                <a:tc>
-                  <a:txBody>
-                    <a:bodyPr/>
-                    <a:lstStyle/>
-                    <a:p>
-                      <a:pPr algn="ctr"/>
-                      <a:endParaRPr lang="fr-FR" sz="1600" dirty="0"/>
-                    </a:p>
-                  </a:txBody>
-                  <a:tcPr marL="113395" marR="113395" marT="56698" marB="56698" anchor="ctr">
-                    <a:solidFill>
-                      <a:schemeClr val="bg1"/>
-                    </a:solidFill>
-                  </a:tcPr>
-                </a:tc>
-                <a:tc>
-                  <a:txBody>
-                    <a:bodyPr/>
-                    <a:lstStyle/>
-                    <a:p>
-                      <a:pPr algn="ctr"/>
-                      <a:endParaRPr lang="fr-FR" sz="1600" dirty="0"/>
-                    </a:p>
-                  </a:txBody>
-                  <a:tcPr marL="113395" marR="113395" marT="56698" marB="56698" anchor="ctr">
-                    <a:solidFill>
-                      <a:schemeClr val="bg1"/>
-                    </a:solidFill>
-                  </a:tcPr>
-                </a:tc>
-                <a:tc>
-                  <a:txBody>
-                    <a:bodyPr/>
-                    <a:lstStyle/>
-                    <a:p>
-                      <a:pPr algn="ctr"/>
-                      <a:endParaRPr lang="fr-FR" sz="1600" dirty="0"/>
-                    </a:p>
-                  </a:txBody>
-                  <a:tcPr marL="113395" marR="113395" marT="56698" marB="56698" anchor="ctr">
-                    <a:solidFill>
-                      <a:schemeClr val="bg1"/>
-                    </a:solidFill>
-                  </a:tcPr>
-                </a:tc>
-                <a:tc>
-                  <a:txBody>
-                    <a:bodyPr/>
-                    <a:lstStyle/>
-                    <a:p>
-                      <a:pPr algn="ctr"/>
-                      <a:endParaRPr lang="fr-FR" sz="1600" dirty="0"/>
-                    </a:p>
-                  </a:txBody>
-                  <a:tcPr marL="113395" marR="113395" marT="56698" marB="56698" anchor="ctr">
-                    <a:solidFill>
-                      <a:schemeClr val="bg1"/>
-                    </a:solidFill>
-                  </a:tcPr>
-                </a:tc>
-                <a:tc>
-                  <a:txBody>
-                    <a:bodyPr/>
-                    <a:lstStyle/>
-                    <a:p>
-                      <a:pPr algn="ctr"/>
-                      <a:endParaRPr lang="fr-FR" sz="1600" dirty="0"/>
-                    </a:p>
-                  </a:txBody>
-                  <a:tcPr marL="113395" marR="113395" marT="56698" marB="56698" anchor="ctr">
-                    <a:solidFill>
-                      <a:schemeClr val="bg1"/>
-                    </a:solidFill>
-                  </a:tcPr>
-                </a:tc>
-                <a:tc>
-                  <a:txBody>
-                    <a:bodyPr/>
-                    <a:lstStyle/>
-                    <a:p>
-                      <a:pPr algn="ctr"/>
-                      <a:endParaRPr lang="fr-FR" sz="1600" dirty="0"/>
-                    </a:p>
-                  </a:txBody>
-                  <a:tcPr marL="113395" marR="113395" marT="56698" marB="56698" anchor="ctr">
-                    <a:solidFill>
-                      <a:schemeClr val="bg1"/>
-                    </a:solidFill>
-                  </a:tcPr>
-                </a:tc>
-                <a:tc>
-                  <a:txBody>
-                    <a:bodyPr/>
-                    <a:lstStyle/>
-                    <a:p>
-                      <a:pPr algn="ctr"/>
-                      <a:endParaRPr lang="fr-FR" sz="1600" dirty="0"/>
-                    </a:p>
-                  </a:txBody>
-                  <a:tcPr marL="113395" marR="113395" marT="56698" marB="56698" anchor="ctr">
-                    <a:solidFill>
-                      <a:schemeClr val="bg1"/>
-                    </a:solidFill>
-                  </a:tcPr>
-                </a:tc>
-                <a:tc>
-                  <a:txBody>
-                    <a:bodyPr/>
-                    <a:lstStyle/>
-                    <a:p>
-                      <a:pPr algn="ctr"/>
-                      <a:endParaRPr lang="fr-FR" sz="1600" dirty="0"/>
-                    </a:p>
-                  </a:txBody>
-                  <a:tcPr marL="113395" marR="113395" marT="56698" marB="56698" anchor="ctr">
-                    <a:solidFill>
-                      <a:schemeClr val="bg1"/>
-                    </a:solidFill>
-                  </a:tcPr>
-                </a:tc>
-                <a:tc>
-                  <a:txBody>
-                    <a:bodyPr/>
-                    <a:lstStyle/>
-                    <a:p>
-                      <a:pPr algn="ctr"/>
-                      <a:endParaRPr lang="fr-FR" sz="1600" dirty="0"/>
-                    </a:p>
-                  </a:txBody>
-                  <a:tcPr marL="113395" marR="113395" marT="56698" marB="56698" anchor="ctr">
-                    <a:solidFill>
-                      <a:schemeClr val="bg1"/>
-                    </a:solidFill>
-                  </a:tcPr>
-                </a:tc>
-                <a:tc>
-                  <a:txBody>
-                    <a:bodyPr/>
-                    <a:lstStyle/>
-                    <a:p>
-                      <a:pPr algn="ctr"/>
-                      <a:endParaRPr lang="fr-FR" sz="1600" dirty="0"/>
-                    </a:p>
-                  </a:txBody>
-                  <a:tcPr marL="113395" marR="113395" marT="56698" marB="56698" anchor="ctr">
-                    <a:solidFill>
-                      <a:schemeClr val="bg1"/>
-                    </a:solidFill>
-                  </a:tcPr>
-                </a:tc>
-                <a:extLst>
-                  <a:ext uri="{0D108BD9-81ED-4DB2-BD59-A6C34878D82A}">
-                    <a16:rowId xmlns:a16="http://schemas.microsoft.com/office/drawing/2014/main" val="3907291957"/>
-                  </a:ext>
-                </a:extLst>
-              </a:tr>
             </a:tbl>
           </a:graphicData>
         </a:graphic>
       </p:graphicFrame>
-      <p:cxnSp>
-        <p:nvCxnSpPr>
-          <p:cNvPr id="12" name="Straight Connector 11">
-            <a:extLst>
-              <a:ext uri="{FF2B5EF4-FFF2-40B4-BE49-F238E27FC236}">
-                <a16:creationId xmlns:a16="http://schemas.microsoft.com/office/drawing/2014/main" id="{A5C65326-4F74-44D4-82E3-956C681F2FA2}"/>
-              </a:ext>
-            </a:extLst>
-          </p:cNvPr>
-          <p:cNvCxnSpPr>
-            <a:cxnSpLocks/>
-          </p:cNvCxnSpPr>
-          <p:nvPr/>
-        </p:nvCxnSpPr>
-        <p:spPr>
-          <a:xfrm>
-            <a:off x="6102218" y="5406231"/>
-            <a:ext cx="0" cy="5220002"/>
-          </a:xfrm>
-          <a:prstGeom prst="line">
-            <a:avLst/>
-          </a:prstGeom>
-          <a:ln w="38100"/>
-        </p:spPr>
-        <p:style>
-          <a:lnRef idx="3">
-            <a:schemeClr val="dk1"/>
-          </a:lnRef>
-          <a:fillRef idx="0">
-            <a:schemeClr val="dk1"/>
-          </a:fillRef>
-          <a:effectRef idx="2">
-            <a:schemeClr val="dk1"/>
-          </a:effectRef>
-          <a:fontRef idx="minor">
-            <a:schemeClr val="tx1"/>
-          </a:fontRef>
-        </p:style>
-      </p:cxnSp>
-      <p:cxnSp>
-        <p:nvCxnSpPr>
-          <p:cNvPr id="13" name="Straight Connector 12">
-            <a:extLst>
-              <a:ext uri="{FF2B5EF4-FFF2-40B4-BE49-F238E27FC236}">
-                <a16:creationId xmlns:a16="http://schemas.microsoft.com/office/drawing/2014/main" id="{870667AA-EF39-478E-ADF9-1B9CD21CF0F8}"/>
-              </a:ext>
-            </a:extLst>
-          </p:cNvPr>
-          <p:cNvCxnSpPr>
-            <a:cxnSpLocks/>
-          </p:cNvCxnSpPr>
-          <p:nvPr/>
-        </p:nvCxnSpPr>
-        <p:spPr>
-          <a:xfrm>
-            <a:off x="10517658" y="5417444"/>
-            <a:ext cx="0" cy="5202439"/>
-          </a:xfrm>
-          <a:prstGeom prst="line">
-            <a:avLst/>
-          </a:prstGeom>
-          <a:ln w="38100"/>
-        </p:spPr>
-        <p:style>
-          <a:lnRef idx="3">
-            <a:schemeClr val="dk1"/>
-          </a:lnRef>
-          <a:fillRef idx="0">
-            <a:schemeClr val="dk1"/>
-          </a:fillRef>
-          <a:effectRef idx="2">
-            <a:schemeClr val="dk1"/>
-          </a:effectRef>
-          <a:fontRef idx="minor">
-            <a:schemeClr val="tx1"/>
-          </a:fontRef>
-        </p:style>
-      </p:cxnSp>
     </p:spTree>
     <p:extLst>
       <p:ext uri="{BB962C8B-B14F-4D97-AF65-F5344CB8AC3E}">
-        <p14:creationId xmlns:p14="http://schemas.microsoft.com/office/powerpoint/2010/main" val="2279445867"/>
+        <p14:creationId xmlns:p14="http://schemas.microsoft.com/office/powerpoint/2010/main" val="84393547"/>
       </p:ext>
     </p:extLst>
   </p:cSld>
@@ -11275,2296 +10202,6 @@
         </p:nvSpPr>
         <p:spPr>
           <a:xfrm>
-            <a:off x="4039557" y="179882"/>
-            <a:ext cx="7040235" cy="5085802"/>
-          </a:xfrm>
-          <a:prstGeom prst="rect">
-            <a:avLst/>
-          </a:prstGeom>
-          <a:ln w="57150"/>
-        </p:spPr>
-        <p:style>
-          <a:lnRef idx="2">
-            <a:schemeClr val="dk1"/>
-          </a:lnRef>
-          <a:fillRef idx="1">
-            <a:schemeClr val="lt1"/>
-          </a:fillRef>
-          <a:effectRef idx="0">
-            <a:schemeClr val="dk1"/>
-          </a:effectRef>
-          <a:fontRef idx="minor">
-            <a:schemeClr val="dk1"/>
-          </a:fontRef>
-        </p:style>
-        <p:txBody>
-          <a:bodyPr rtlCol="0" anchor="ctr"/>
-          <a:lstStyle/>
-          <a:p>
-            <a:pPr marL="72000"/>
-            <a:endParaRPr lang="fr-FR" sz="1600" b="1" dirty="0">
-              <a:cs typeface="Arial" panose="020B0604020202020204" pitchFamily="34" charset="0"/>
-            </a:endParaRPr>
-          </a:p>
-          <a:p>
-            <a:pPr marL="72000" algn="ctr"/>
-            <a:r>
-              <a:rPr lang="fr-FR" b="1" dirty="0">
-                <a:cs typeface="Arial" panose="020B0604020202020204" pitchFamily="34" charset="0"/>
-              </a:rPr>
-              <a:t>Informations</a:t>
-            </a:r>
-            <a:endParaRPr lang="fr-FR" sz="1600" b="1" dirty="0">
-              <a:cs typeface="Arial" panose="020B0604020202020204" pitchFamily="34" charset="0"/>
-            </a:endParaRPr>
-          </a:p>
-          <a:p>
-            <a:pPr marL="72000"/>
-            <a:endParaRPr lang="fr-FR" sz="1600" b="1" dirty="0">
-              <a:cs typeface="Arial" panose="020B0604020202020204" pitchFamily="34" charset="0"/>
-            </a:endParaRPr>
-          </a:p>
-          <a:p>
-            <a:pPr marL="72000"/>
-            <a:r>
-              <a:rPr lang="fr-FR" sz="1600" b="1" dirty="0">
-                <a:cs typeface="Arial" panose="020B0604020202020204" pitchFamily="34" charset="0"/>
-              </a:rPr>
-              <a:t>Les repères : </a:t>
-            </a:r>
-            <a:r>
-              <a:rPr lang="fr-FR" sz="1600" dirty="0">
-                <a:cs typeface="Arial" panose="020B0604020202020204" pitchFamily="34" charset="0"/>
-              </a:rPr>
-              <a:t>100, 200, 300… à chaque éléments différents</a:t>
-            </a:r>
-          </a:p>
-          <a:p>
-            <a:pPr marL="72000"/>
-            <a:endParaRPr lang="fr-FR" sz="1600" dirty="0">
-              <a:cs typeface="Arial" panose="020B0604020202020204" pitchFamily="34" charset="0"/>
-            </a:endParaRPr>
-          </a:p>
-          <a:p>
-            <a:pPr marL="72000"/>
-            <a:r>
-              <a:rPr lang="fr-FR" sz="1600" b="1" dirty="0">
-                <a:cs typeface="Arial" panose="020B0604020202020204" pitchFamily="34" charset="0"/>
-              </a:rPr>
-              <a:t>La désignation : </a:t>
-            </a:r>
-            <a:r>
-              <a:rPr lang="fr-FR" sz="1600" dirty="0">
-                <a:cs typeface="Arial" panose="020B0604020202020204" pitchFamily="34" charset="0"/>
-              </a:rPr>
-              <a:t>Montants, montant intermédiaire, traverses, traverse intermédiaire</a:t>
-            </a:r>
-          </a:p>
-          <a:p>
-            <a:pPr marL="72000"/>
-            <a:endParaRPr lang="fr-FR" sz="1600" dirty="0">
-              <a:cs typeface="Arial" panose="020B0604020202020204" pitchFamily="34" charset="0"/>
-            </a:endParaRPr>
-          </a:p>
-          <a:p>
-            <a:pPr marL="72000"/>
-            <a:r>
-              <a:rPr lang="fr-FR" sz="1600" b="1" dirty="0">
-                <a:cs typeface="Arial" panose="020B0604020202020204" pitchFamily="34" charset="0"/>
-              </a:rPr>
-              <a:t>La matière : </a:t>
-            </a:r>
-            <a:r>
-              <a:rPr lang="fr-FR" sz="1600" dirty="0">
-                <a:cs typeface="Arial" panose="020B0604020202020204" pitchFamily="34" charset="0"/>
-              </a:rPr>
-              <a:t>Bois massif, frêne, chêne, châtaigner …</a:t>
-            </a:r>
-          </a:p>
-          <a:p>
-            <a:pPr marL="72000"/>
-            <a:endParaRPr lang="fr-FR" sz="1600" dirty="0">
-              <a:cs typeface="Arial" panose="020B0604020202020204" pitchFamily="34" charset="0"/>
-            </a:endParaRPr>
-          </a:p>
-          <a:p>
-            <a:pPr marL="72000"/>
-            <a:r>
-              <a:rPr lang="fr-FR" sz="1600" b="1" dirty="0">
-                <a:cs typeface="Arial" panose="020B0604020202020204" pitchFamily="34" charset="0"/>
-              </a:rPr>
-              <a:t>Les dimensions finies : </a:t>
-            </a:r>
-            <a:r>
-              <a:rPr lang="fr-FR" sz="1600" dirty="0">
-                <a:cs typeface="Arial" panose="020B0604020202020204" pitchFamily="34" charset="0"/>
-              </a:rPr>
-              <a:t>Celles indiquées sur le plan</a:t>
-            </a:r>
-          </a:p>
-          <a:p>
-            <a:pPr marL="72000"/>
-            <a:endParaRPr lang="fr-FR" sz="1600" dirty="0">
-              <a:cs typeface="Arial" panose="020B0604020202020204" pitchFamily="34" charset="0"/>
-            </a:endParaRPr>
-          </a:p>
-          <a:p>
-            <a:pPr marL="72000"/>
-            <a:r>
-              <a:rPr lang="fr-FR" sz="1600" b="1" dirty="0">
-                <a:cs typeface="Arial" panose="020B0604020202020204" pitchFamily="34" charset="0"/>
-              </a:rPr>
-              <a:t>Les dimensions majorées : </a:t>
-            </a:r>
-            <a:r>
-              <a:rPr lang="fr-FR" sz="1600" dirty="0">
-                <a:cs typeface="Arial" panose="020B0604020202020204" pitchFamily="34" charset="0"/>
-              </a:rPr>
-              <a:t>+50 en longueur, +5 en largeur, +5 en épaisseur</a:t>
-            </a:r>
-          </a:p>
-        </p:txBody>
-      </p:sp>
-      <p:sp>
-        <p:nvSpPr>
-          <p:cNvPr id="18" name="Rectangle 17"/>
-          <p:cNvSpPr/>
-          <p:nvPr/>
-        </p:nvSpPr>
-        <p:spPr>
-          <a:xfrm>
-            <a:off x="179676" y="1398670"/>
-            <a:ext cx="3763202" cy="3867013"/>
-          </a:xfrm>
-          <a:prstGeom prst="rect">
-            <a:avLst/>
-          </a:prstGeom>
-          <a:ln w="57150"/>
-        </p:spPr>
-        <p:style>
-          <a:lnRef idx="2">
-            <a:schemeClr val="dk1"/>
-          </a:lnRef>
-          <a:fillRef idx="1">
-            <a:schemeClr val="lt1"/>
-          </a:fillRef>
-          <a:effectRef idx="0">
-            <a:schemeClr val="dk1"/>
-          </a:effectRef>
-          <a:fontRef idx="minor">
-            <a:schemeClr val="dk1"/>
-          </a:fontRef>
-        </p:style>
-        <p:txBody>
-          <a:bodyPr rtlCol="0" anchor="ctr"/>
-          <a:lstStyle/>
-          <a:p>
-            <a:pPr marL="72000" algn="ctr"/>
-            <a:endParaRPr lang="fr-FR" sz="1600" b="1" dirty="0">
-              <a:cs typeface="Arial" panose="020B0604020202020204" pitchFamily="34" charset="0"/>
-            </a:endParaRPr>
-          </a:p>
-          <a:p>
-            <a:pPr marL="72000" algn="ctr"/>
-            <a:r>
-              <a:rPr lang="fr-FR" b="1" dirty="0">
-                <a:cs typeface="Arial" panose="020B0604020202020204" pitchFamily="34" charset="0"/>
-              </a:rPr>
-              <a:t> Remplir la feuille de débit </a:t>
-            </a:r>
-          </a:p>
-          <a:p>
-            <a:pPr marL="72000" algn="ctr"/>
-            <a:endParaRPr lang="fr-FR" sz="1600" b="1" dirty="0">
-              <a:cs typeface="Arial" panose="020B0604020202020204" pitchFamily="34" charset="0"/>
-            </a:endParaRPr>
-          </a:p>
-          <a:p>
-            <a:pPr marL="72000"/>
-            <a:r>
-              <a:rPr lang="fr-FR" sz="1600" dirty="0">
-                <a:cs typeface="Arial" panose="020B0604020202020204" pitchFamily="34" charset="0"/>
-              </a:rPr>
-              <a:t>A l’aide du plan, remplir cette feuille de débit en indiquant un repère différent entre les montants et les traverses.</a:t>
-            </a:r>
-          </a:p>
-          <a:p>
-            <a:pPr marL="72000"/>
-            <a:endParaRPr lang="fr-FR" sz="1600" dirty="0">
-              <a:cs typeface="Arial" panose="020B0604020202020204" pitchFamily="34" charset="0"/>
-            </a:endParaRPr>
-          </a:p>
-          <a:p>
-            <a:pPr marL="72000"/>
-            <a:r>
-              <a:rPr lang="fr-FR" sz="1600" dirty="0">
-                <a:cs typeface="Arial" panose="020B0604020202020204" pitchFamily="34" charset="0"/>
-              </a:rPr>
-              <a:t>Grouper les éléments entre eux si les longueurs, largeurs et épaisseurs sont identiques.</a:t>
-            </a:r>
-          </a:p>
-          <a:p>
-            <a:pPr marL="72000"/>
-            <a:endParaRPr lang="fr-FR" sz="1600" dirty="0">
-              <a:cs typeface="Arial" panose="020B0604020202020204" pitchFamily="34" charset="0"/>
-            </a:endParaRPr>
-          </a:p>
-          <a:p>
-            <a:pPr marL="72000"/>
-            <a:r>
-              <a:rPr lang="fr-FR" sz="1600" dirty="0">
-                <a:cs typeface="Arial" panose="020B0604020202020204" pitchFamily="34" charset="0"/>
-              </a:rPr>
-              <a:t>Ajouter les cotes majorées pour la découpe aux machines.</a:t>
-            </a:r>
-            <a:endParaRPr lang="fr-FR" sz="1600" b="1" dirty="0">
-              <a:cs typeface="Arial" panose="020B0604020202020204" pitchFamily="34" charset="0"/>
-            </a:endParaRPr>
-          </a:p>
-        </p:txBody>
-      </p:sp>
-      <p:sp>
-        <p:nvSpPr>
-          <p:cNvPr id="19" name="Rectangle 18"/>
-          <p:cNvSpPr/>
-          <p:nvPr/>
-        </p:nvSpPr>
-        <p:spPr>
-          <a:xfrm>
-            <a:off x="11213630" y="1390648"/>
-            <a:ext cx="3726044" cy="3875035"/>
-          </a:xfrm>
-          <a:prstGeom prst="rect">
-            <a:avLst/>
-          </a:prstGeom>
-          <a:ln w="57150"/>
-        </p:spPr>
-        <p:style>
-          <a:lnRef idx="2">
-            <a:schemeClr val="dk1"/>
-          </a:lnRef>
-          <a:fillRef idx="1">
-            <a:schemeClr val="lt1"/>
-          </a:fillRef>
-          <a:effectRef idx="0">
-            <a:schemeClr val="dk1"/>
-          </a:effectRef>
-          <a:fontRef idx="minor">
-            <a:schemeClr val="dk1"/>
-          </a:fontRef>
-        </p:style>
-        <p:txBody>
-          <a:bodyPr rtlCol="0" anchor="ctr"/>
-          <a:lstStyle/>
-          <a:p>
-            <a:pPr>
-              <a:lnSpc>
-                <a:spcPct val="200000"/>
-              </a:lnSpc>
-            </a:pPr>
-            <a:r>
-              <a:rPr lang="fr-FR" sz="1600" dirty="0">
-                <a:cs typeface="Arial" panose="020B0604020202020204" pitchFamily="34" charset="0"/>
-              </a:rPr>
-              <a:t>Nom : 		……………………… </a:t>
-            </a:r>
-          </a:p>
-          <a:p>
-            <a:pPr>
-              <a:lnSpc>
-                <a:spcPct val="200000"/>
-              </a:lnSpc>
-            </a:pPr>
-            <a:r>
-              <a:rPr lang="fr-FR" sz="1600" dirty="0">
-                <a:cs typeface="Arial" panose="020B0604020202020204" pitchFamily="34" charset="0"/>
-              </a:rPr>
-              <a:t>Prénom : 		………………………</a:t>
-            </a:r>
-          </a:p>
-          <a:p>
-            <a:pPr>
-              <a:lnSpc>
-                <a:spcPct val="200000"/>
-              </a:lnSpc>
-            </a:pPr>
-            <a:r>
-              <a:rPr lang="fr-FR" sz="1600" dirty="0">
-                <a:cs typeface="Arial" panose="020B0604020202020204" pitchFamily="34" charset="0"/>
-              </a:rPr>
-              <a:t>Classe : 		………………………</a:t>
-            </a:r>
-          </a:p>
-          <a:p>
-            <a:pPr>
-              <a:lnSpc>
-                <a:spcPct val="200000"/>
-              </a:lnSpc>
-            </a:pPr>
-            <a:r>
-              <a:rPr lang="fr-FR" sz="1600" dirty="0">
-                <a:cs typeface="Arial" panose="020B0604020202020204" pitchFamily="34" charset="0"/>
-              </a:rPr>
-              <a:t>Note : 		…………………../20</a:t>
-            </a:r>
-          </a:p>
-          <a:p>
-            <a:pPr>
-              <a:lnSpc>
-                <a:spcPct val="200000"/>
-              </a:lnSpc>
-            </a:pPr>
-            <a:endParaRPr lang="fr-FR" sz="1600" dirty="0">
-              <a:cs typeface="Arial" panose="020B0604020202020204" pitchFamily="34" charset="0"/>
-            </a:endParaRPr>
-          </a:p>
-        </p:txBody>
-      </p:sp>
-      <p:sp>
-        <p:nvSpPr>
-          <p:cNvPr id="24" name="Rectangle 23"/>
-          <p:cNvSpPr/>
-          <p:nvPr/>
-        </p:nvSpPr>
-        <p:spPr>
-          <a:xfrm>
-            <a:off x="11213630" y="179881"/>
-            <a:ext cx="3726045" cy="1067028"/>
-          </a:xfrm>
-          <a:prstGeom prst="rect">
-            <a:avLst/>
-          </a:prstGeom>
-          <a:ln w="57150"/>
-        </p:spPr>
-        <p:style>
-          <a:lnRef idx="2">
-            <a:schemeClr val="dk1"/>
-          </a:lnRef>
-          <a:fillRef idx="1">
-            <a:schemeClr val="lt1"/>
-          </a:fillRef>
-          <a:effectRef idx="0">
-            <a:schemeClr val="dk1"/>
-          </a:effectRef>
-          <a:fontRef idx="minor">
-            <a:schemeClr val="dk1"/>
-          </a:fontRef>
-        </p:style>
-        <p:txBody>
-          <a:bodyPr rtlCol="0" anchor="ctr"/>
-          <a:lstStyle/>
-          <a:p>
-            <a:pPr algn="ctr"/>
-            <a:r>
-              <a:rPr lang="fr-FR" b="1" spc="300" dirty="0">
-                <a:latin typeface="Comic Sans MS" panose="030F0702030302020204" pitchFamily="66" charset="0"/>
-                <a:ea typeface="JetBrains Mono" panose="02000009000000000000" pitchFamily="49" charset="0"/>
-                <a:cs typeface="JetBrains Mono" panose="02000009000000000000" pitchFamily="49" charset="0"/>
-              </a:rPr>
-              <a:t>M. Du Chevreuil</a:t>
-            </a:r>
-          </a:p>
-          <a:p>
-            <a:pPr algn="ctr"/>
-            <a:r>
-              <a:rPr lang="fr-FR" sz="1600" spc="300" dirty="0">
-                <a:latin typeface="Comic Sans MS" panose="030F0702030302020204" pitchFamily="66" charset="0"/>
-                <a:ea typeface="JetBrains Mono" panose="02000009000000000000" pitchFamily="49" charset="0"/>
-                <a:cs typeface="JetBrains Mono" panose="02000009000000000000" pitchFamily="49" charset="0"/>
-              </a:rPr>
-              <a:t>Professeur en génie </a:t>
-            </a:r>
-          </a:p>
-          <a:p>
-            <a:pPr algn="ctr"/>
-            <a:r>
-              <a:rPr lang="fr-FR" sz="1600" spc="300" dirty="0">
-                <a:latin typeface="Comic Sans MS" panose="030F0702030302020204" pitchFamily="66" charset="0"/>
-                <a:ea typeface="JetBrains Mono" panose="02000009000000000000" pitchFamily="49" charset="0"/>
-                <a:cs typeface="JetBrains Mono" panose="02000009000000000000" pitchFamily="49" charset="0"/>
-              </a:rPr>
-              <a:t>industriel bois</a:t>
-            </a:r>
-          </a:p>
-        </p:txBody>
-      </p:sp>
-      <p:sp>
-        <p:nvSpPr>
-          <p:cNvPr id="8" name="Rectangle 7"/>
-          <p:cNvSpPr/>
-          <p:nvPr/>
-        </p:nvSpPr>
-        <p:spPr>
-          <a:xfrm>
-            <a:off x="142517" y="179881"/>
-            <a:ext cx="3763201" cy="1067028"/>
-          </a:xfrm>
-          <a:prstGeom prst="rect">
-            <a:avLst/>
-          </a:prstGeom>
-          <a:ln w="57150"/>
-        </p:spPr>
-        <p:style>
-          <a:lnRef idx="2">
-            <a:schemeClr val="dk1"/>
-          </a:lnRef>
-          <a:fillRef idx="1">
-            <a:schemeClr val="lt1"/>
-          </a:fillRef>
-          <a:effectRef idx="0">
-            <a:schemeClr val="dk1"/>
-          </a:effectRef>
-          <a:fontRef idx="minor">
-            <a:schemeClr val="dk1"/>
-          </a:fontRef>
-        </p:style>
-        <p:txBody>
-          <a:bodyPr rtlCol="0" anchor="ctr"/>
-          <a:lstStyle/>
-          <a:p>
-            <a:pPr algn="ctr"/>
-            <a:r>
-              <a:rPr lang="fr-FR" b="1" dirty="0">
-                <a:latin typeface="Comic Sans MS" panose="030F0702030302020204" pitchFamily="66" charset="0"/>
-                <a:ea typeface="JetBrains Mono" panose="02000009000000000000" pitchFamily="49" charset="0"/>
-                <a:cs typeface="JetBrains Mono" panose="02000009000000000000" pitchFamily="49" charset="0"/>
-              </a:rPr>
-              <a:t>Correction : La feuille de débit</a:t>
-            </a:r>
-          </a:p>
-        </p:txBody>
-      </p:sp>
-      <p:graphicFrame>
-        <p:nvGraphicFramePr>
-          <p:cNvPr id="11" name="Table 10">
-            <a:extLst>
-              <a:ext uri="{FF2B5EF4-FFF2-40B4-BE49-F238E27FC236}">
-                <a16:creationId xmlns:a16="http://schemas.microsoft.com/office/drawing/2014/main" id="{6895ADAD-F51E-42FB-AA98-E082422EFEAD}"/>
-              </a:ext>
-            </a:extLst>
-          </p:cNvPr>
-          <p:cNvGraphicFramePr>
-            <a:graphicFrameLocks noGrp="1"/>
-          </p:cNvGraphicFramePr>
-          <p:nvPr>
-            <p:extLst/>
-          </p:nvPr>
-        </p:nvGraphicFramePr>
-        <p:xfrm>
-          <a:off x="179676" y="5417444"/>
-          <a:ext cx="14775770" cy="5202435"/>
-        </p:xfrm>
-        <a:graphic>
-          <a:graphicData uri="http://schemas.openxmlformats.org/drawingml/2006/table">
-            <a:tbl>
-              <a:tblPr firstRow="1" bandRow="1">
-                <a:effectLst/>
-                <a:tableStyleId>{5940675A-B579-460E-94D1-54222C63F5DA}</a:tableStyleId>
-              </a:tblPr>
-              <a:tblGrid>
-                <a:gridCol w="1477577">
-                  <a:extLst>
-                    <a:ext uri="{9D8B030D-6E8A-4147-A177-3AD203B41FA5}">
-                      <a16:colId xmlns:a16="http://schemas.microsoft.com/office/drawing/2014/main" val="187150873"/>
-                    </a:ext>
-                  </a:extLst>
-                </a:gridCol>
-                <a:gridCol w="1477577">
-                  <a:extLst>
-                    <a:ext uri="{9D8B030D-6E8A-4147-A177-3AD203B41FA5}">
-                      <a16:colId xmlns:a16="http://schemas.microsoft.com/office/drawing/2014/main" val="1209721339"/>
-                    </a:ext>
-                  </a:extLst>
-                </a:gridCol>
-                <a:gridCol w="1477577">
-                  <a:extLst>
-                    <a:ext uri="{9D8B030D-6E8A-4147-A177-3AD203B41FA5}">
-                      <a16:colId xmlns:a16="http://schemas.microsoft.com/office/drawing/2014/main" val="162324528"/>
-                    </a:ext>
-                  </a:extLst>
-                </a:gridCol>
-                <a:gridCol w="1477577">
-                  <a:extLst>
-                    <a:ext uri="{9D8B030D-6E8A-4147-A177-3AD203B41FA5}">
-                      <a16:colId xmlns:a16="http://schemas.microsoft.com/office/drawing/2014/main" val="903695711"/>
-                    </a:ext>
-                  </a:extLst>
-                </a:gridCol>
-                <a:gridCol w="1477577">
-                  <a:extLst>
-                    <a:ext uri="{9D8B030D-6E8A-4147-A177-3AD203B41FA5}">
-                      <a16:colId xmlns:a16="http://schemas.microsoft.com/office/drawing/2014/main" val="401433737"/>
-                    </a:ext>
-                  </a:extLst>
-                </a:gridCol>
-                <a:gridCol w="1477577">
-                  <a:extLst>
-                    <a:ext uri="{9D8B030D-6E8A-4147-A177-3AD203B41FA5}">
-                      <a16:colId xmlns:a16="http://schemas.microsoft.com/office/drawing/2014/main" val="1616956812"/>
-                    </a:ext>
-                  </a:extLst>
-                </a:gridCol>
-                <a:gridCol w="1477577">
-                  <a:extLst>
-                    <a:ext uri="{9D8B030D-6E8A-4147-A177-3AD203B41FA5}">
-                      <a16:colId xmlns:a16="http://schemas.microsoft.com/office/drawing/2014/main" val="2884985826"/>
-                    </a:ext>
-                  </a:extLst>
-                </a:gridCol>
-                <a:gridCol w="1477577">
-                  <a:extLst>
-                    <a:ext uri="{9D8B030D-6E8A-4147-A177-3AD203B41FA5}">
-                      <a16:colId xmlns:a16="http://schemas.microsoft.com/office/drawing/2014/main" val="2944062975"/>
-                    </a:ext>
-                  </a:extLst>
-                </a:gridCol>
-                <a:gridCol w="1477577">
-                  <a:extLst>
-                    <a:ext uri="{9D8B030D-6E8A-4147-A177-3AD203B41FA5}">
-                      <a16:colId xmlns:a16="http://schemas.microsoft.com/office/drawing/2014/main" val="1865196824"/>
-                    </a:ext>
-                  </a:extLst>
-                </a:gridCol>
-                <a:gridCol w="1477577">
-                  <a:extLst>
-                    <a:ext uri="{9D8B030D-6E8A-4147-A177-3AD203B41FA5}">
-                      <a16:colId xmlns:a16="http://schemas.microsoft.com/office/drawing/2014/main" val="401759116"/>
-                    </a:ext>
-                  </a:extLst>
-                </a:gridCol>
-              </a:tblGrid>
-              <a:tr h="882523">
-                <a:tc rowSpan="2">
-                  <a:txBody>
-                    <a:bodyPr/>
-                    <a:lstStyle/>
-                    <a:p>
-                      <a:pPr algn="ctr"/>
-                      <a:r>
-                        <a:rPr lang="fr-FR" sz="1600" dirty="0"/>
-                        <a:t>Repère</a:t>
-                      </a:r>
-                    </a:p>
-                  </a:txBody>
-                  <a:tcPr marL="113395" marR="113395" marT="56698" marB="56698" anchor="ctr">
-                    <a:solidFill>
-                      <a:schemeClr val="bg2"/>
-                    </a:solidFill>
-                  </a:tcPr>
-                </a:tc>
-                <a:tc rowSpan="2">
-                  <a:txBody>
-                    <a:bodyPr/>
-                    <a:lstStyle/>
-                    <a:p>
-                      <a:pPr algn="ctr"/>
-                      <a:r>
-                        <a:rPr lang="fr-FR" sz="1600" dirty="0"/>
-                        <a:t>Désignation</a:t>
-                      </a:r>
-                    </a:p>
-                  </a:txBody>
-                  <a:tcPr marL="113395" marR="113395" marT="56698" marB="56698" anchor="ctr">
-                    <a:solidFill>
-                      <a:schemeClr val="bg2"/>
-                    </a:solidFill>
-                  </a:tcPr>
-                </a:tc>
-                <a:tc rowSpan="2">
-                  <a:txBody>
-                    <a:bodyPr/>
-                    <a:lstStyle/>
-                    <a:p>
-                      <a:pPr marL="0" marR="0" lvl="0" indent="0" algn="ctr" defTabSz="914400" rtl="0" eaLnBrk="1" fontAlgn="auto" latinLnBrk="0" hangingPunct="1">
-                        <a:lnSpc>
-                          <a:spcPct val="100000"/>
-                        </a:lnSpc>
-                        <a:spcBef>
-                          <a:spcPts val="0"/>
-                        </a:spcBef>
-                        <a:spcAft>
-                          <a:spcPts val="0"/>
-                        </a:spcAft>
-                        <a:buClrTx/>
-                        <a:buSzTx/>
-                        <a:buFontTx/>
-                        <a:buNone/>
-                        <a:tabLst/>
-                        <a:defRPr/>
-                      </a:pPr>
-                      <a:r>
-                        <a:rPr lang="fr-FR" sz="1600" dirty="0"/>
-                        <a:t>Quantité</a:t>
-                      </a:r>
-                    </a:p>
-                  </a:txBody>
-                  <a:tcPr marL="113395" marR="113395" marT="56698" marB="56698" anchor="ctr">
-                    <a:solidFill>
-                      <a:schemeClr val="bg2"/>
-                    </a:solidFill>
-                  </a:tcPr>
-                </a:tc>
-                <a:tc rowSpan="2">
-                  <a:txBody>
-                    <a:bodyPr/>
-                    <a:lstStyle/>
-                    <a:p>
-                      <a:pPr algn="ctr"/>
-                      <a:r>
-                        <a:rPr lang="fr-FR" sz="1600" dirty="0"/>
-                        <a:t>Matière</a:t>
-                      </a:r>
-                    </a:p>
-                    <a:p>
-                      <a:pPr algn="ctr"/>
-                      <a:endParaRPr lang="fr-FR" sz="1600" dirty="0"/>
-                    </a:p>
-                    <a:p>
-                      <a:pPr algn="ctr"/>
-                      <a:r>
-                        <a:rPr lang="fr-FR" sz="1600" dirty="0"/>
-                        <a:t>Ou essence</a:t>
-                      </a:r>
-                    </a:p>
-                  </a:txBody>
-                  <a:tcPr marL="113395" marR="113395" marT="56698" marB="56698" anchor="ctr">
-                    <a:solidFill>
-                      <a:schemeClr val="bg2"/>
-                    </a:solidFill>
-                  </a:tcPr>
-                </a:tc>
-                <a:tc gridSpan="3">
-                  <a:txBody>
-                    <a:bodyPr/>
-                    <a:lstStyle/>
-                    <a:p>
-                      <a:pPr algn="ctr"/>
-                      <a:r>
-                        <a:rPr lang="fr-FR" sz="1600" dirty="0"/>
-                        <a:t>Dimensions finies </a:t>
-                      </a:r>
-                    </a:p>
-                    <a:p>
-                      <a:pPr algn="ctr"/>
-                      <a:r>
-                        <a:rPr lang="fr-FR" sz="1600" dirty="0"/>
-                        <a:t>(Aux</a:t>
-                      </a:r>
-                      <a:r>
-                        <a:rPr lang="fr-FR" sz="1600" baseline="0" dirty="0"/>
-                        <a:t> cotes du plan)</a:t>
-                      </a:r>
-                      <a:endParaRPr lang="fr-FR" sz="1600" dirty="0"/>
-                    </a:p>
-                  </a:txBody>
-                  <a:tcPr marL="113395" marR="113395" marT="56698" marB="56698" anchor="ctr">
-                    <a:solidFill>
-                      <a:schemeClr val="bg2"/>
-                    </a:solidFill>
-                  </a:tcPr>
-                </a:tc>
-                <a:tc hMerge="1">
-                  <a:txBody>
-                    <a:bodyPr/>
-                    <a:lstStyle/>
-                    <a:p>
-                      <a:endParaRPr lang="fr-FR" dirty="0"/>
-                    </a:p>
-                  </a:txBody>
-                  <a:tcPr/>
-                </a:tc>
-                <a:tc hMerge="1">
-                  <a:txBody>
-                    <a:bodyPr/>
-                    <a:lstStyle/>
-                    <a:p>
-                      <a:endParaRPr lang="fr-FR" dirty="0"/>
-                    </a:p>
-                  </a:txBody>
-                  <a:tcPr/>
-                </a:tc>
-                <a:tc gridSpan="3">
-                  <a:txBody>
-                    <a:bodyPr/>
-                    <a:lstStyle/>
-                    <a:p>
-                      <a:pPr algn="ctr"/>
-                      <a:r>
-                        <a:rPr lang="fr-FR" sz="1600" dirty="0"/>
-                        <a:t>Dimensions majorées ou brutes</a:t>
-                      </a:r>
-                    </a:p>
-                    <a:p>
-                      <a:pPr algn="ctr"/>
-                      <a:r>
-                        <a:rPr lang="fr-FR" sz="1600" dirty="0"/>
-                        <a:t>(avec surcotes)</a:t>
-                      </a:r>
-                    </a:p>
-                  </a:txBody>
-                  <a:tcPr marL="113395" marR="113395" marT="56698" marB="56698" anchor="ctr">
-                    <a:solidFill>
-                      <a:schemeClr val="bg2"/>
-                    </a:solidFill>
-                  </a:tcPr>
-                </a:tc>
-                <a:tc hMerge="1">
-                  <a:txBody>
-                    <a:bodyPr/>
-                    <a:lstStyle/>
-                    <a:p>
-                      <a:endParaRPr lang="fr-FR" dirty="0"/>
-                    </a:p>
-                  </a:txBody>
-                  <a:tcPr/>
-                </a:tc>
-                <a:tc hMerge="1">
-                  <a:txBody>
-                    <a:bodyPr/>
-                    <a:lstStyle/>
-                    <a:p>
-                      <a:endParaRPr lang="fr-FR" dirty="0"/>
-                    </a:p>
-                  </a:txBody>
-                  <a:tcPr/>
-                </a:tc>
-                <a:extLst>
-                  <a:ext uri="{0D108BD9-81ED-4DB2-BD59-A6C34878D82A}">
-                    <a16:rowId xmlns:a16="http://schemas.microsoft.com/office/drawing/2014/main" val="2751918690"/>
-                  </a:ext>
-                </a:extLst>
-              </a:tr>
-              <a:tr h="832456">
-                <a:tc vMerge="1">
-                  <a:txBody>
-                    <a:bodyPr/>
-                    <a:lstStyle/>
-                    <a:p>
-                      <a:endParaRPr lang="fr-FR"/>
-                    </a:p>
-                  </a:txBody>
-                  <a:tcPr/>
-                </a:tc>
-                <a:tc vMerge="1">
-                  <a:txBody>
-                    <a:bodyPr/>
-                    <a:lstStyle/>
-                    <a:p>
-                      <a:endParaRPr lang="fr-FR"/>
-                    </a:p>
-                  </a:txBody>
-                  <a:tcPr/>
-                </a:tc>
-                <a:tc vMerge="1">
-                  <a:txBody>
-                    <a:bodyPr/>
-                    <a:lstStyle/>
-                    <a:p>
-                      <a:endParaRPr lang="fr-FR"/>
-                    </a:p>
-                  </a:txBody>
-                  <a:tcPr/>
-                </a:tc>
-                <a:tc vMerge="1">
-                  <a:txBody>
-                    <a:bodyPr/>
-                    <a:lstStyle/>
-                    <a:p>
-                      <a:endParaRPr lang="fr-FR"/>
-                    </a:p>
-                  </a:txBody>
-                  <a:tcPr/>
-                </a:tc>
-                <a:tc>
-                  <a:txBody>
-                    <a:bodyPr/>
-                    <a:lstStyle/>
-                    <a:p>
-                      <a:pPr algn="ctr"/>
-                      <a:r>
-                        <a:rPr lang="fr-FR" sz="1600" dirty="0"/>
-                        <a:t>Longueur</a:t>
-                      </a:r>
-                    </a:p>
-                  </a:txBody>
-                  <a:tcPr marL="113395" marR="113395" marT="56698" marB="56698" anchor="ctr">
-                    <a:solidFill>
-                      <a:schemeClr val="bg2"/>
-                    </a:solidFill>
-                  </a:tcPr>
-                </a:tc>
-                <a:tc>
-                  <a:txBody>
-                    <a:bodyPr/>
-                    <a:lstStyle/>
-                    <a:p>
-                      <a:pPr algn="ctr"/>
-                      <a:r>
-                        <a:rPr lang="fr-FR" sz="1600" dirty="0"/>
-                        <a:t>Largeur</a:t>
-                      </a:r>
-                    </a:p>
-                  </a:txBody>
-                  <a:tcPr marL="113395" marR="113395" marT="56698" marB="56698" anchor="ctr">
-                    <a:solidFill>
-                      <a:schemeClr val="bg2"/>
-                    </a:solidFill>
-                  </a:tcPr>
-                </a:tc>
-                <a:tc>
-                  <a:txBody>
-                    <a:bodyPr/>
-                    <a:lstStyle/>
-                    <a:p>
-                      <a:pPr algn="ctr"/>
-                      <a:r>
-                        <a:rPr lang="fr-FR" sz="1600" dirty="0"/>
-                        <a:t>Epaisseur</a:t>
-                      </a:r>
-                    </a:p>
-                  </a:txBody>
-                  <a:tcPr marL="113395" marR="113395" marT="56698" marB="56698" anchor="ctr">
-                    <a:solidFill>
-                      <a:schemeClr val="bg2"/>
-                    </a:solidFill>
-                  </a:tcPr>
-                </a:tc>
-                <a:tc>
-                  <a:txBody>
-                    <a:bodyPr/>
-                    <a:lstStyle/>
-                    <a:p>
-                      <a:pPr algn="ctr"/>
-                      <a:r>
-                        <a:rPr lang="fr-FR" sz="1600" dirty="0"/>
-                        <a:t>Longueur</a:t>
-                      </a:r>
-                    </a:p>
-                  </a:txBody>
-                  <a:tcPr marL="113395" marR="113395" marT="56698" marB="56698" anchor="ctr">
-                    <a:solidFill>
-                      <a:schemeClr val="bg2"/>
-                    </a:solidFill>
-                  </a:tcPr>
-                </a:tc>
-                <a:tc>
-                  <a:txBody>
-                    <a:bodyPr/>
-                    <a:lstStyle/>
-                    <a:p>
-                      <a:pPr algn="ctr"/>
-                      <a:r>
-                        <a:rPr lang="fr-FR" sz="1600" dirty="0"/>
-                        <a:t>Largeur</a:t>
-                      </a:r>
-                    </a:p>
-                  </a:txBody>
-                  <a:tcPr marL="113395" marR="113395" marT="56698" marB="56698" anchor="ctr">
-                    <a:solidFill>
-                      <a:schemeClr val="bg2"/>
-                    </a:solidFill>
-                  </a:tcPr>
-                </a:tc>
-                <a:tc>
-                  <a:txBody>
-                    <a:bodyPr/>
-                    <a:lstStyle/>
-                    <a:p>
-                      <a:pPr algn="ctr"/>
-                      <a:r>
-                        <a:rPr lang="fr-FR" sz="1600" dirty="0"/>
-                        <a:t>Epaisseur</a:t>
-                      </a:r>
-                    </a:p>
-                  </a:txBody>
-                  <a:tcPr marL="113395" marR="113395" marT="56698" marB="56698" anchor="ctr">
-                    <a:solidFill>
-                      <a:schemeClr val="bg2"/>
-                    </a:solidFill>
-                  </a:tcPr>
-                </a:tc>
-                <a:extLst>
-                  <a:ext uri="{0D108BD9-81ED-4DB2-BD59-A6C34878D82A}">
-                    <a16:rowId xmlns:a16="http://schemas.microsoft.com/office/drawing/2014/main" val="2202644115"/>
-                  </a:ext>
-                </a:extLst>
-              </a:tr>
-              <a:tr h="435932">
-                <a:tc>
-                  <a:txBody>
-                    <a:bodyPr/>
-                    <a:lstStyle/>
-                    <a:p>
-                      <a:pPr algn="ctr"/>
-                      <a:endParaRPr lang="fr-FR" sz="1600" dirty="0"/>
-                    </a:p>
-                  </a:txBody>
-                  <a:tcPr marL="113395" marR="113395" marT="56698" marB="56698" anchor="ctr">
-                    <a:solidFill>
-                      <a:schemeClr val="bg1"/>
-                    </a:solidFill>
-                  </a:tcPr>
-                </a:tc>
-                <a:tc>
-                  <a:txBody>
-                    <a:bodyPr/>
-                    <a:lstStyle/>
-                    <a:p>
-                      <a:pPr algn="ctr"/>
-                      <a:endParaRPr lang="fr-FR" sz="1600" dirty="0"/>
-                    </a:p>
-                  </a:txBody>
-                  <a:tcPr marL="113395" marR="113395" marT="56698" marB="56698" anchor="ctr">
-                    <a:solidFill>
-                      <a:schemeClr val="bg1"/>
-                    </a:solidFill>
-                  </a:tcPr>
-                </a:tc>
-                <a:tc>
-                  <a:txBody>
-                    <a:bodyPr/>
-                    <a:lstStyle/>
-                    <a:p>
-                      <a:pPr algn="ctr"/>
-                      <a:endParaRPr lang="fr-FR" sz="1600" dirty="0"/>
-                    </a:p>
-                  </a:txBody>
-                  <a:tcPr marL="113395" marR="113395" marT="56698" marB="56698" anchor="ctr">
-                    <a:solidFill>
-                      <a:schemeClr val="bg1"/>
-                    </a:solidFill>
-                  </a:tcPr>
-                </a:tc>
-                <a:tc>
-                  <a:txBody>
-                    <a:bodyPr/>
-                    <a:lstStyle/>
-                    <a:p>
-                      <a:pPr algn="ctr"/>
-                      <a:endParaRPr lang="fr-FR" sz="1600" dirty="0"/>
-                    </a:p>
-                  </a:txBody>
-                  <a:tcPr marL="113395" marR="113395" marT="56698" marB="56698" anchor="ctr">
-                    <a:solidFill>
-                      <a:schemeClr val="bg1"/>
-                    </a:solidFill>
-                  </a:tcPr>
-                </a:tc>
-                <a:tc>
-                  <a:txBody>
-                    <a:bodyPr/>
-                    <a:lstStyle/>
-                    <a:p>
-                      <a:pPr algn="ctr"/>
-                      <a:endParaRPr lang="fr-FR" sz="1600" dirty="0"/>
-                    </a:p>
-                  </a:txBody>
-                  <a:tcPr marL="113395" marR="113395" marT="56698" marB="56698" anchor="ctr">
-                    <a:solidFill>
-                      <a:schemeClr val="bg1"/>
-                    </a:solidFill>
-                  </a:tcPr>
-                </a:tc>
-                <a:tc>
-                  <a:txBody>
-                    <a:bodyPr/>
-                    <a:lstStyle/>
-                    <a:p>
-                      <a:pPr algn="ctr"/>
-                      <a:endParaRPr lang="fr-FR" sz="1600"/>
-                    </a:p>
-                  </a:txBody>
-                  <a:tcPr marL="113395" marR="113395" marT="56698" marB="56698" anchor="ctr">
-                    <a:solidFill>
-                      <a:schemeClr val="bg1"/>
-                    </a:solidFill>
-                  </a:tcPr>
-                </a:tc>
-                <a:tc>
-                  <a:txBody>
-                    <a:bodyPr/>
-                    <a:lstStyle/>
-                    <a:p>
-                      <a:pPr algn="ctr"/>
-                      <a:endParaRPr lang="fr-FR" sz="1600" dirty="0"/>
-                    </a:p>
-                  </a:txBody>
-                  <a:tcPr marL="113395" marR="113395" marT="56698" marB="56698" anchor="ctr">
-                    <a:solidFill>
-                      <a:schemeClr val="bg1"/>
-                    </a:solidFill>
-                  </a:tcPr>
-                </a:tc>
-                <a:tc>
-                  <a:txBody>
-                    <a:bodyPr/>
-                    <a:lstStyle/>
-                    <a:p>
-                      <a:pPr algn="ctr"/>
-                      <a:endParaRPr lang="fr-FR" sz="1600" dirty="0"/>
-                    </a:p>
-                  </a:txBody>
-                  <a:tcPr marL="113395" marR="113395" marT="56698" marB="56698" anchor="ctr">
-                    <a:solidFill>
-                      <a:schemeClr val="bg1"/>
-                    </a:solidFill>
-                  </a:tcPr>
-                </a:tc>
-                <a:tc>
-                  <a:txBody>
-                    <a:bodyPr/>
-                    <a:lstStyle/>
-                    <a:p>
-                      <a:pPr algn="ctr"/>
-                      <a:endParaRPr lang="fr-FR" sz="1600" dirty="0"/>
-                    </a:p>
-                  </a:txBody>
-                  <a:tcPr marL="113395" marR="113395" marT="56698" marB="56698" anchor="ctr">
-                    <a:solidFill>
-                      <a:schemeClr val="bg1"/>
-                    </a:solidFill>
-                  </a:tcPr>
-                </a:tc>
-                <a:tc>
-                  <a:txBody>
-                    <a:bodyPr/>
-                    <a:lstStyle/>
-                    <a:p>
-                      <a:pPr algn="ctr"/>
-                      <a:endParaRPr lang="fr-FR" sz="1600" dirty="0"/>
-                    </a:p>
-                  </a:txBody>
-                  <a:tcPr marL="113395" marR="113395" marT="56698" marB="56698" anchor="ctr">
-                    <a:solidFill>
-                      <a:schemeClr val="bg1"/>
-                    </a:solidFill>
-                  </a:tcPr>
-                </a:tc>
-                <a:extLst>
-                  <a:ext uri="{0D108BD9-81ED-4DB2-BD59-A6C34878D82A}">
-                    <a16:rowId xmlns:a16="http://schemas.microsoft.com/office/drawing/2014/main" val="4148364327"/>
-                  </a:ext>
-                </a:extLst>
-              </a:tr>
-              <a:tr h="435932">
-                <a:tc>
-                  <a:txBody>
-                    <a:bodyPr/>
-                    <a:lstStyle/>
-                    <a:p>
-                      <a:pPr algn="ctr"/>
-                      <a:endParaRPr lang="fr-FR" sz="1600"/>
-                    </a:p>
-                  </a:txBody>
-                  <a:tcPr marL="113395" marR="113395" marT="56698" marB="56698" anchor="ctr">
-                    <a:solidFill>
-                      <a:schemeClr val="bg1"/>
-                    </a:solidFill>
-                  </a:tcPr>
-                </a:tc>
-                <a:tc>
-                  <a:txBody>
-                    <a:bodyPr/>
-                    <a:lstStyle/>
-                    <a:p>
-                      <a:pPr algn="ctr"/>
-                      <a:endParaRPr lang="fr-FR" sz="1600" dirty="0"/>
-                    </a:p>
-                  </a:txBody>
-                  <a:tcPr marL="113395" marR="113395" marT="56698" marB="56698" anchor="ctr">
-                    <a:solidFill>
-                      <a:schemeClr val="bg1"/>
-                    </a:solidFill>
-                  </a:tcPr>
-                </a:tc>
-                <a:tc>
-                  <a:txBody>
-                    <a:bodyPr/>
-                    <a:lstStyle/>
-                    <a:p>
-                      <a:pPr algn="ctr"/>
-                      <a:endParaRPr lang="fr-FR" sz="1600" dirty="0"/>
-                    </a:p>
-                  </a:txBody>
-                  <a:tcPr marL="113395" marR="113395" marT="56698" marB="56698" anchor="ctr">
-                    <a:solidFill>
-                      <a:schemeClr val="bg1"/>
-                    </a:solidFill>
-                  </a:tcPr>
-                </a:tc>
-                <a:tc>
-                  <a:txBody>
-                    <a:bodyPr/>
-                    <a:lstStyle/>
-                    <a:p>
-                      <a:pPr algn="ctr"/>
-                      <a:endParaRPr lang="fr-FR" sz="1600" dirty="0"/>
-                    </a:p>
-                  </a:txBody>
-                  <a:tcPr marL="113395" marR="113395" marT="56698" marB="56698" anchor="ctr">
-                    <a:solidFill>
-                      <a:schemeClr val="bg1"/>
-                    </a:solidFill>
-                  </a:tcPr>
-                </a:tc>
-                <a:tc>
-                  <a:txBody>
-                    <a:bodyPr/>
-                    <a:lstStyle/>
-                    <a:p>
-                      <a:pPr algn="ctr"/>
-                      <a:endParaRPr lang="fr-FR" sz="1600" dirty="0"/>
-                    </a:p>
-                  </a:txBody>
-                  <a:tcPr marL="113395" marR="113395" marT="56698" marB="56698" anchor="ctr">
-                    <a:solidFill>
-                      <a:schemeClr val="bg1"/>
-                    </a:solidFill>
-                  </a:tcPr>
-                </a:tc>
-                <a:tc>
-                  <a:txBody>
-                    <a:bodyPr/>
-                    <a:lstStyle/>
-                    <a:p>
-                      <a:pPr algn="ctr"/>
-                      <a:endParaRPr lang="fr-FR" sz="1600" dirty="0"/>
-                    </a:p>
-                  </a:txBody>
-                  <a:tcPr marL="113395" marR="113395" marT="56698" marB="56698" anchor="ctr">
-                    <a:solidFill>
-                      <a:schemeClr val="bg1"/>
-                    </a:solidFill>
-                  </a:tcPr>
-                </a:tc>
-                <a:tc>
-                  <a:txBody>
-                    <a:bodyPr/>
-                    <a:lstStyle/>
-                    <a:p>
-                      <a:pPr algn="ctr"/>
-                      <a:endParaRPr lang="fr-FR" sz="1600" dirty="0"/>
-                    </a:p>
-                  </a:txBody>
-                  <a:tcPr marL="113395" marR="113395" marT="56698" marB="56698" anchor="ctr">
-                    <a:solidFill>
-                      <a:schemeClr val="bg1"/>
-                    </a:solidFill>
-                  </a:tcPr>
-                </a:tc>
-                <a:tc>
-                  <a:txBody>
-                    <a:bodyPr/>
-                    <a:lstStyle/>
-                    <a:p>
-                      <a:pPr algn="ctr"/>
-                      <a:endParaRPr lang="fr-FR" sz="1600" dirty="0"/>
-                    </a:p>
-                  </a:txBody>
-                  <a:tcPr marL="113395" marR="113395" marT="56698" marB="56698" anchor="ctr">
-                    <a:solidFill>
-                      <a:schemeClr val="bg1"/>
-                    </a:solidFill>
-                  </a:tcPr>
-                </a:tc>
-                <a:tc>
-                  <a:txBody>
-                    <a:bodyPr/>
-                    <a:lstStyle/>
-                    <a:p>
-                      <a:pPr algn="ctr"/>
-                      <a:endParaRPr lang="fr-FR" sz="1600" dirty="0"/>
-                    </a:p>
-                  </a:txBody>
-                  <a:tcPr marL="113395" marR="113395" marT="56698" marB="56698" anchor="ctr">
-                    <a:solidFill>
-                      <a:schemeClr val="bg1"/>
-                    </a:solidFill>
-                  </a:tcPr>
-                </a:tc>
-                <a:tc>
-                  <a:txBody>
-                    <a:bodyPr/>
-                    <a:lstStyle/>
-                    <a:p>
-                      <a:pPr algn="ctr"/>
-                      <a:endParaRPr lang="fr-FR" sz="1600" dirty="0"/>
-                    </a:p>
-                  </a:txBody>
-                  <a:tcPr marL="113395" marR="113395" marT="56698" marB="56698" anchor="ctr">
-                    <a:solidFill>
-                      <a:schemeClr val="bg1"/>
-                    </a:solidFill>
-                  </a:tcPr>
-                </a:tc>
-                <a:extLst>
-                  <a:ext uri="{0D108BD9-81ED-4DB2-BD59-A6C34878D82A}">
-                    <a16:rowId xmlns:a16="http://schemas.microsoft.com/office/drawing/2014/main" val="3205966628"/>
-                  </a:ext>
-                </a:extLst>
-              </a:tr>
-              <a:tr h="435932">
-                <a:tc>
-                  <a:txBody>
-                    <a:bodyPr/>
-                    <a:lstStyle/>
-                    <a:p>
-                      <a:pPr algn="ctr"/>
-                      <a:endParaRPr lang="fr-FR" sz="1600" dirty="0"/>
-                    </a:p>
-                  </a:txBody>
-                  <a:tcPr marL="113395" marR="113395" marT="56698" marB="56698" anchor="ctr">
-                    <a:solidFill>
-                      <a:schemeClr val="bg1"/>
-                    </a:solidFill>
-                  </a:tcPr>
-                </a:tc>
-                <a:tc>
-                  <a:txBody>
-                    <a:bodyPr/>
-                    <a:lstStyle/>
-                    <a:p>
-                      <a:pPr algn="ctr"/>
-                      <a:endParaRPr lang="fr-FR" sz="1600" dirty="0"/>
-                    </a:p>
-                  </a:txBody>
-                  <a:tcPr marL="113395" marR="113395" marT="56698" marB="56698" anchor="ctr">
-                    <a:solidFill>
-                      <a:schemeClr val="bg1"/>
-                    </a:solidFill>
-                  </a:tcPr>
-                </a:tc>
-                <a:tc>
-                  <a:txBody>
-                    <a:bodyPr/>
-                    <a:lstStyle/>
-                    <a:p>
-                      <a:pPr algn="ctr"/>
-                      <a:endParaRPr lang="fr-FR" sz="1600" dirty="0"/>
-                    </a:p>
-                  </a:txBody>
-                  <a:tcPr marL="113395" marR="113395" marT="56698" marB="56698" anchor="ctr">
-                    <a:solidFill>
-                      <a:schemeClr val="bg1"/>
-                    </a:solidFill>
-                  </a:tcPr>
-                </a:tc>
-                <a:tc>
-                  <a:txBody>
-                    <a:bodyPr/>
-                    <a:lstStyle/>
-                    <a:p>
-                      <a:pPr algn="ctr"/>
-                      <a:endParaRPr lang="fr-FR" sz="1600" dirty="0"/>
-                    </a:p>
-                  </a:txBody>
-                  <a:tcPr marL="113395" marR="113395" marT="56698" marB="56698" anchor="ctr">
-                    <a:solidFill>
-                      <a:schemeClr val="bg1"/>
-                    </a:solidFill>
-                  </a:tcPr>
-                </a:tc>
-                <a:tc>
-                  <a:txBody>
-                    <a:bodyPr/>
-                    <a:lstStyle/>
-                    <a:p>
-                      <a:pPr algn="ctr"/>
-                      <a:endParaRPr lang="fr-FR" sz="1600" dirty="0"/>
-                    </a:p>
-                  </a:txBody>
-                  <a:tcPr marL="113395" marR="113395" marT="56698" marB="56698" anchor="ctr">
-                    <a:solidFill>
-                      <a:schemeClr val="bg1"/>
-                    </a:solidFill>
-                  </a:tcPr>
-                </a:tc>
-                <a:tc>
-                  <a:txBody>
-                    <a:bodyPr/>
-                    <a:lstStyle/>
-                    <a:p>
-                      <a:pPr algn="ctr"/>
-                      <a:endParaRPr lang="fr-FR" sz="1600" dirty="0"/>
-                    </a:p>
-                  </a:txBody>
-                  <a:tcPr marL="113395" marR="113395" marT="56698" marB="56698" anchor="ctr">
-                    <a:solidFill>
-                      <a:schemeClr val="bg1"/>
-                    </a:solidFill>
-                  </a:tcPr>
-                </a:tc>
-                <a:tc>
-                  <a:txBody>
-                    <a:bodyPr/>
-                    <a:lstStyle/>
-                    <a:p>
-                      <a:pPr algn="ctr"/>
-                      <a:endParaRPr lang="fr-FR" sz="1600" dirty="0"/>
-                    </a:p>
-                  </a:txBody>
-                  <a:tcPr marL="113395" marR="113395" marT="56698" marB="56698" anchor="ctr">
-                    <a:solidFill>
-                      <a:schemeClr val="bg1"/>
-                    </a:solidFill>
-                  </a:tcPr>
-                </a:tc>
-                <a:tc>
-                  <a:txBody>
-                    <a:bodyPr/>
-                    <a:lstStyle/>
-                    <a:p>
-                      <a:pPr algn="ctr"/>
-                      <a:endParaRPr lang="fr-FR" sz="1600" dirty="0"/>
-                    </a:p>
-                  </a:txBody>
-                  <a:tcPr marL="113395" marR="113395" marT="56698" marB="56698" anchor="ctr">
-                    <a:solidFill>
-                      <a:schemeClr val="bg1"/>
-                    </a:solidFill>
-                  </a:tcPr>
-                </a:tc>
-                <a:tc>
-                  <a:txBody>
-                    <a:bodyPr/>
-                    <a:lstStyle/>
-                    <a:p>
-                      <a:pPr algn="ctr"/>
-                      <a:endParaRPr lang="fr-FR" sz="1600" dirty="0"/>
-                    </a:p>
-                  </a:txBody>
-                  <a:tcPr marL="113395" marR="113395" marT="56698" marB="56698" anchor="ctr">
-                    <a:solidFill>
-                      <a:schemeClr val="bg1"/>
-                    </a:solidFill>
-                  </a:tcPr>
-                </a:tc>
-                <a:tc>
-                  <a:txBody>
-                    <a:bodyPr/>
-                    <a:lstStyle/>
-                    <a:p>
-                      <a:pPr algn="ctr"/>
-                      <a:endParaRPr lang="fr-FR" sz="1600" dirty="0"/>
-                    </a:p>
-                  </a:txBody>
-                  <a:tcPr marL="113395" marR="113395" marT="56698" marB="56698" anchor="ctr">
-                    <a:solidFill>
-                      <a:schemeClr val="bg1"/>
-                    </a:solidFill>
-                  </a:tcPr>
-                </a:tc>
-                <a:extLst>
-                  <a:ext uri="{0D108BD9-81ED-4DB2-BD59-A6C34878D82A}">
-                    <a16:rowId xmlns:a16="http://schemas.microsoft.com/office/drawing/2014/main" val="821861683"/>
-                  </a:ext>
-                </a:extLst>
-              </a:tr>
-              <a:tr h="435932">
-                <a:tc>
-                  <a:txBody>
-                    <a:bodyPr/>
-                    <a:lstStyle/>
-                    <a:p>
-                      <a:pPr algn="ctr"/>
-                      <a:endParaRPr lang="fr-FR" sz="1600"/>
-                    </a:p>
-                  </a:txBody>
-                  <a:tcPr marL="113395" marR="113395" marT="56698" marB="56698" anchor="ctr">
-                    <a:solidFill>
-                      <a:schemeClr val="bg1"/>
-                    </a:solidFill>
-                  </a:tcPr>
-                </a:tc>
-                <a:tc>
-                  <a:txBody>
-                    <a:bodyPr/>
-                    <a:lstStyle/>
-                    <a:p>
-                      <a:pPr algn="ctr"/>
-                      <a:endParaRPr lang="fr-FR" sz="1600" dirty="0"/>
-                    </a:p>
-                  </a:txBody>
-                  <a:tcPr marL="113395" marR="113395" marT="56698" marB="56698" anchor="ctr">
-                    <a:solidFill>
-                      <a:schemeClr val="bg1"/>
-                    </a:solidFill>
-                  </a:tcPr>
-                </a:tc>
-                <a:tc>
-                  <a:txBody>
-                    <a:bodyPr/>
-                    <a:lstStyle/>
-                    <a:p>
-                      <a:pPr algn="ctr"/>
-                      <a:endParaRPr lang="fr-FR" sz="1600" dirty="0"/>
-                    </a:p>
-                  </a:txBody>
-                  <a:tcPr marL="113395" marR="113395" marT="56698" marB="56698" anchor="ctr">
-                    <a:solidFill>
-                      <a:schemeClr val="bg1"/>
-                    </a:solidFill>
-                  </a:tcPr>
-                </a:tc>
-                <a:tc>
-                  <a:txBody>
-                    <a:bodyPr/>
-                    <a:lstStyle/>
-                    <a:p>
-                      <a:pPr algn="ctr"/>
-                      <a:endParaRPr lang="fr-FR" sz="1600" dirty="0"/>
-                    </a:p>
-                  </a:txBody>
-                  <a:tcPr marL="113395" marR="113395" marT="56698" marB="56698" anchor="ctr">
-                    <a:solidFill>
-                      <a:schemeClr val="bg1"/>
-                    </a:solidFill>
-                  </a:tcPr>
-                </a:tc>
-                <a:tc>
-                  <a:txBody>
-                    <a:bodyPr/>
-                    <a:lstStyle/>
-                    <a:p>
-                      <a:pPr algn="ctr"/>
-                      <a:endParaRPr lang="fr-FR" sz="1600" dirty="0"/>
-                    </a:p>
-                  </a:txBody>
-                  <a:tcPr marL="113395" marR="113395" marT="56698" marB="56698" anchor="ctr">
-                    <a:solidFill>
-                      <a:schemeClr val="bg1"/>
-                    </a:solidFill>
-                  </a:tcPr>
-                </a:tc>
-                <a:tc>
-                  <a:txBody>
-                    <a:bodyPr/>
-                    <a:lstStyle/>
-                    <a:p>
-                      <a:pPr algn="ctr"/>
-                      <a:endParaRPr lang="fr-FR" sz="1600" dirty="0"/>
-                    </a:p>
-                  </a:txBody>
-                  <a:tcPr marL="113395" marR="113395" marT="56698" marB="56698" anchor="ctr">
-                    <a:solidFill>
-                      <a:schemeClr val="bg1"/>
-                    </a:solidFill>
-                  </a:tcPr>
-                </a:tc>
-                <a:tc>
-                  <a:txBody>
-                    <a:bodyPr/>
-                    <a:lstStyle/>
-                    <a:p>
-                      <a:pPr algn="ctr"/>
-                      <a:endParaRPr lang="fr-FR" sz="1600" dirty="0"/>
-                    </a:p>
-                  </a:txBody>
-                  <a:tcPr marL="113395" marR="113395" marT="56698" marB="56698" anchor="ctr">
-                    <a:solidFill>
-                      <a:schemeClr val="bg1"/>
-                    </a:solidFill>
-                  </a:tcPr>
-                </a:tc>
-                <a:tc>
-                  <a:txBody>
-                    <a:bodyPr/>
-                    <a:lstStyle/>
-                    <a:p>
-                      <a:pPr algn="ctr"/>
-                      <a:endParaRPr lang="fr-FR" sz="1600" dirty="0"/>
-                    </a:p>
-                  </a:txBody>
-                  <a:tcPr marL="113395" marR="113395" marT="56698" marB="56698" anchor="ctr">
-                    <a:solidFill>
-                      <a:schemeClr val="bg1"/>
-                    </a:solidFill>
-                  </a:tcPr>
-                </a:tc>
-                <a:tc>
-                  <a:txBody>
-                    <a:bodyPr/>
-                    <a:lstStyle/>
-                    <a:p>
-                      <a:pPr algn="ctr"/>
-                      <a:endParaRPr lang="fr-FR" sz="1600" dirty="0"/>
-                    </a:p>
-                  </a:txBody>
-                  <a:tcPr marL="113395" marR="113395" marT="56698" marB="56698" anchor="ctr">
-                    <a:solidFill>
-                      <a:schemeClr val="bg1"/>
-                    </a:solidFill>
-                  </a:tcPr>
-                </a:tc>
-                <a:tc>
-                  <a:txBody>
-                    <a:bodyPr/>
-                    <a:lstStyle/>
-                    <a:p>
-                      <a:pPr algn="ctr"/>
-                      <a:endParaRPr lang="fr-FR" sz="1600" dirty="0"/>
-                    </a:p>
-                  </a:txBody>
-                  <a:tcPr marL="113395" marR="113395" marT="56698" marB="56698" anchor="ctr">
-                    <a:solidFill>
-                      <a:schemeClr val="bg1"/>
-                    </a:solidFill>
-                  </a:tcPr>
-                </a:tc>
-                <a:extLst>
-                  <a:ext uri="{0D108BD9-81ED-4DB2-BD59-A6C34878D82A}">
-                    <a16:rowId xmlns:a16="http://schemas.microsoft.com/office/drawing/2014/main" val="2198307717"/>
-                  </a:ext>
-                </a:extLst>
-              </a:tr>
-              <a:tr h="435932">
-                <a:tc>
-                  <a:txBody>
-                    <a:bodyPr/>
-                    <a:lstStyle/>
-                    <a:p>
-                      <a:pPr algn="ctr"/>
-                      <a:endParaRPr lang="fr-FR" sz="1600"/>
-                    </a:p>
-                  </a:txBody>
-                  <a:tcPr marL="113395" marR="113395" marT="56698" marB="56698" anchor="ctr">
-                    <a:solidFill>
-                      <a:schemeClr val="bg1"/>
-                    </a:solidFill>
-                  </a:tcPr>
-                </a:tc>
-                <a:tc>
-                  <a:txBody>
-                    <a:bodyPr/>
-                    <a:lstStyle/>
-                    <a:p>
-                      <a:pPr algn="ctr"/>
-                      <a:endParaRPr lang="fr-FR" sz="1600" dirty="0"/>
-                    </a:p>
-                  </a:txBody>
-                  <a:tcPr marL="113395" marR="113395" marT="56698" marB="56698" anchor="ctr">
-                    <a:solidFill>
-                      <a:schemeClr val="bg1"/>
-                    </a:solidFill>
-                  </a:tcPr>
-                </a:tc>
-                <a:tc>
-                  <a:txBody>
-                    <a:bodyPr/>
-                    <a:lstStyle/>
-                    <a:p>
-                      <a:pPr algn="ctr"/>
-                      <a:endParaRPr lang="fr-FR" sz="1600" dirty="0"/>
-                    </a:p>
-                  </a:txBody>
-                  <a:tcPr marL="113395" marR="113395" marT="56698" marB="56698" anchor="ctr">
-                    <a:solidFill>
-                      <a:schemeClr val="bg1"/>
-                    </a:solidFill>
-                  </a:tcPr>
-                </a:tc>
-                <a:tc>
-                  <a:txBody>
-                    <a:bodyPr/>
-                    <a:lstStyle/>
-                    <a:p>
-                      <a:pPr algn="ctr"/>
-                      <a:endParaRPr lang="fr-FR" sz="1600" dirty="0"/>
-                    </a:p>
-                  </a:txBody>
-                  <a:tcPr marL="113395" marR="113395" marT="56698" marB="56698" anchor="ctr">
-                    <a:solidFill>
-                      <a:schemeClr val="bg1"/>
-                    </a:solidFill>
-                  </a:tcPr>
-                </a:tc>
-                <a:tc>
-                  <a:txBody>
-                    <a:bodyPr/>
-                    <a:lstStyle/>
-                    <a:p>
-                      <a:pPr algn="ctr"/>
-                      <a:endParaRPr lang="fr-FR" sz="1600" dirty="0"/>
-                    </a:p>
-                  </a:txBody>
-                  <a:tcPr marL="113395" marR="113395" marT="56698" marB="56698" anchor="ctr">
-                    <a:solidFill>
-                      <a:schemeClr val="bg1"/>
-                    </a:solidFill>
-                  </a:tcPr>
-                </a:tc>
-                <a:tc>
-                  <a:txBody>
-                    <a:bodyPr/>
-                    <a:lstStyle/>
-                    <a:p>
-                      <a:pPr algn="ctr"/>
-                      <a:endParaRPr lang="fr-FR" sz="1600" dirty="0"/>
-                    </a:p>
-                  </a:txBody>
-                  <a:tcPr marL="113395" marR="113395" marT="56698" marB="56698" anchor="ctr">
-                    <a:solidFill>
-                      <a:schemeClr val="bg1"/>
-                    </a:solidFill>
-                  </a:tcPr>
-                </a:tc>
-                <a:tc>
-                  <a:txBody>
-                    <a:bodyPr/>
-                    <a:lstStyle/>
-                    <a:p>
-                      <a:pPr algn="ctr"/>
-                      <a:endParaRPr lang="fr-FR" sz="1600" dirty="0"/>
-                    </a:p>
-                  </a:txBody>
-                  <a:tcPr marL="113395" marR="113395" marT="56698" marB="56698" anchor="ctr">
-                    <a:solidFill>
-                      <a:schemeClr val="bg1"/>
-                    </a:solidFill>
-                  </a:tcPr>
-                </a:tc>
-                <a:tc>
-                  <a:txBody>
-                    <a:bodyPr/>
-                    <a:lstStyle/>
-                    <a:p>
-                      <a:pPr algn="ctr"/>
-                      <a:endParaRPr lang="fr-FR" sz="1600" dirty="0"/>
-                    </a:p>
-                  </a:txBody>
-                  <a:tcPr marL="113395" marR="113395" marT="56698" marB="56698" anchor="ctr">
-                    <a:solidFill>
-                      <a:schemeClr val="bg1"/>
-                    </a:solidFill>
-                  </a:tcPr>
-                </a:tc>
-                <a:tc>
-                  <a:txBody>
-                    <a:bodyPr/>
-                    <a:lstStyle/>
-                    <a:p>
-                      <a:pPr algn="ctr"/>
-                      <a:endParaRPr lang="fr-FR" sz="1600" dirty="0"/>
-                    </a:p>
-                  </a:txBody>
-                  <a:tcPr marL="113395" marR="113395" marT="56698" marB="56698" anchor="ctr">
-                    <a:solidFill>
-                      <a:schemeClr val="bg1"/>
-                    </a:solidFill>
-                  </a:tcPr>
-                </a:tc>
-                <a:tc>
-                  <a:txBody>
-                    <a:bodyPr/>
-                    <a:lstStyle/>
-                    <a:p>
-                      <a:pPr algn="ctr"/>
-                      <a:endParaRPr lang="fr-FR" sz="1600" dirty="0"/>
-                    </a:p>
-                  </a:txBody>
-                  <a:tcPr marL="113395" marR="113395" marT="56698" marB="56698" anchor="ctr">
-                    <a:solidFill>
-                      <a:schemeClr val="bg1"/>
-                    </a:solidFill>
-                  </a:tcPr>
-                </a:tc>
-                <a:extLst>
-                  <a:ext uri="{0D108BD9-81ED-4DB2-BD59-A6C34878D82A}">
-                    <a16:rowId xmlns:a16="http://schemas.microsoft.com/office/drawing/2014/main" val="1446045739"/>
-                  </a:ext>
-                </a:extLst>
-              </a:tr>
-              <a:tr h="435932">
-                <a:tc>
-                  <a:txBody>
-                    <a:bodyPr/>
-                    <a:lstStyle/>
-                    <a:p>
-                      <a:pPr algn="ctr"/>
-                      <a:endParaRPr lang="fr-FR" sz="1600"/>
-                    </a:p>
-                  </a:txBody>
-                  <a:tcPr marL="113395" marR="113395" marT="56698" marB="56698" anchor="ctr">
-                    <a:solidFill>
-                      <a:schemeClr val="bg1"/>
-                    </a:solidFill>
-                  </a:tcPr>
-                </a:tc>
-                <a:tc>
-                  <a:txBody>
-                    <a:bodyPr/>
-                    <a:lstStyle/>
-                    <a:p>
-                      <a:pPr algn="ctr"/>
-                      <a:endParaRPr lang="fr-FR" sz="1600" dirty="0"/>
-                    </a:p>
-                  </a:txBody>
-                  <a:tcPr marL="113395" marR="113395" marT="56698" marB="56698" anchor="ctr">
-                    <a:solidFill>
-                      <a:schemeClr val="bg1"/>
-                    </a:solidFill>
-                  </a:tcPr>
-                </a:tc>
-                <a:tc>
-                  <a:txBody>
-                    <a:bodyPr/>
-                    <a:lstStyle/>
-                    <a:p>
-                      <a:pPr algn="ctr"/>
-                      <a:endParaRPr lang="fr-FR" sz="1600" dirty="0"/>
-                    </a:p>
-                  </a:txBody>
-                  <a:tcPr marL="113395" marR="113395" marT="56698" marB="56698" anchor="ctr">
-                    <a:solidFill>
-                      <a:schemeClr val="bg1"/>
-                    </a:solidFill>
-                  </a:tcPr>
-                </a:tc>
-                <a:tc>
-                  <a:txBody>
-                    <a:bodyPr/>
-                    <a:lstStyle/>
-                    <a:p>
-                      <a:pPr algn="ctr"/>
-                      <a:endParaRPr lang="fr-FR" sz="1600" dirty="0"/>
-                    </a:p>
-                  </a:txBody>
-                  <a:tcPr marL="113395" marR="113395" marT="56698" marB="56698" anchor="ctr">
-                    <a:solidFill>
-                      <a:schemeClr val="bg1"/>
-                    </a:solidFill>
-                  </a:tcPr>
-                </a:tc>
-                <a:tc>
-                  <a:txBody>
-                    <a:bodyPr/>
-                    <a:lstStyle/>
-                    <a:p>
-                      <a:pPr algn="ctr"/>
-                      <a:endParaRPr lang="fr-FR" sz="1600" dirty="0"/>
-                    </a:p>
-                  </a:txBody>
-                  <a:tcPr marL="113395" marR="113395" marT="56698" marB="56698" anchor="ctr">
-                    <a:solidFill>
-                      <a:schemeClr val="bg1"/>
-                    </a:solidFill>
-                  </a:tcPr>
-                </a:tc>
-                <a:tc>
-                  <a:txBody>
-                    <a:bodyPr/>
-                    <a:lstStyle/>
-                    <a:p>
-                      <a:pPr algn="ctr"/>
-                      <a:endParaRPr lang="fr-FR" sz="1600" dirty="0"/>
-                    </a:p>
-                  </a:txBody>
-                  <a:tcPr marL="113395" marR="113395" marT="56698" marB="56698" anchor="ctr">
-                    <a:solidFill>
-                      <a:schemeClr val="bg1"/>
-                    </a:solidFill>
-                  </a:tcPr>
-                </a:tc>
-                <a:tc>
-                  <a:txBody>
-                    <a:bodyPr/>
-                    <a:lstStyle/>
-                    <a:p>
-                      <a:pPr algn="ctr"/>
-                      <a:endParaRPr lang="fr-FR" sz="1600" dirty="0"/>
-                    </a:p>
-                  </a:txBody>
-                  <a:tcPr marL="113395" marR="113395" marT="56698" marB="56698" anchor="ctr">
-                    <a:solidFill>
-                      <a:schemeClr val="bg1"/>
-                    </a:solidFill>
-                  </a:tcPr>
-                </a:tc>
-                <a:tc>
-                  <a:txBody>
-                    <a:bodyPr/>
-                    <a:lstStyle/>
-                    <a:p>
-                      <a:pPr algn="ctr"/>
-                      <a:endParaRPr lang="fr-FR" sz="1600" dirty="0"/>
-                    </a:p>
-                  </a:txBody>
-                  <a:tcPr marL="113395" marR="113395" marT="56698" marB="56698" anchor="ctr">
-                    <a:solidFill>
-                      <a:schemeClr val="bg1"/>
-                    </a:solidFill>
-                  </a:tcPr>
-                </a:tc>
-                <a:tc>
-                  <a:txBody>
-                    <a:bodyPr/>
-                    <a:lstStyle/>
-                    <a:p>
-                      <a:pPr algn="ctr"/>
-                      <a:endParaRPr lang="fr-FR" sz="1600" dirty="0"/>
-                    </a:p>
-                  </a:txBody>
-                  <a:tcPr marL="113395" marR="113395" marT="56698" marB="56698" anchor="ctr">
-                    <a:solidFill>
-                      <a:schemeClr val="bg1"/>
-                    </a:solidFill>
-                  </a:tcPr>
-                </a:tc>
-                <a:tc>
-                  <a:txBody>
-                    <a:bodyPr/>
-                    <a:lstStyle/>
-                    <a:p>
-                      <a:pPr algn="ctr"/>
-                      <a:endParaRPr lang="fr-FR" sz="1600" dirty="0"/>
-                    </a:p>
-                  </a:txBody>
-                  <a:tcPr marL="113395" marR="113395" marT="56698" marB="56698" anchor="ctr">
-                    <a:solidFill>
-                      <a:schemeClr val="bg1"/>
-                    </a:solidFill>
-                  </a:tcPr>
-                </a:tc>
-                <a:extLst>
-                  <a:ext uri="{0D108BD9-81ED-4DB2-BD59-A6C34878D82A}">
-                    <a16:rowId xmlns:a16="http://schemas.microsoft.com/office/drawing/2014/main" val="3999794973"/>
-                  </a:ext>
-                </a:extLst>
-              </a:tr>
-              <a:tr h="435932">
-                <a:tc>
-                  <a:txBody>
-                    <a:bodyPr/>
-                    <a:lstStyle/>
-                    <a:p>
-                      <a:pPr algn="ctr"/>
-                      <a:endParaRPr lang="fr-FR" sz="1600" dirty="0"/>
-                    </a:p>
-                  </a:txBody>
-                  <a:tcPr marL="113395" marR="113395" marT="56698" marB="56698" anchor="ctr">
-                    <a:solidFill>
-                      <a:schemeClr val="bg1"/>
-                    </a:solidFill>
-                  </a:tcPr>
-                </a:tc>
-                <a:tc>
-                  <a:txBody>
-                    <a:bodyPr/>
-                    <a:lstStyle/>
-                    <a:p>
-                      <a:pPr algn="ctr"/>
-                      <a:endParaRPr lang="fr-FR" sz="1600" dirty="0"/>
-                    </a:p>
-                  </a:txBody>
-                  <a:tcPr marL="113395" marR="113395" marT="56698" marB="56698" anchor="ctr">
-                    <a:solidFill>
-                      <a:schemeClr val="bg1"/>
-                    </a:solidFill>
-                  </a:tcPr>
-                </a:tc>
-                <a:tc>
-                  <a:txBody>
-                    <a:bodyPr/>
-                    <a:lstStyle/>
-                    <a:p>
-                      <a:pPr algn="ctr"/>
-                      <a:endParaRPr lang="fr-FR" sz="1600" dirty="0"/>
-                    </a:p>
-                  </a:txBody>
-                  <a:tcPr marL="113395" marR="113395" marT="56698" marB="56698" anchor="ctr">
-                    <a:solidFill>
-                      <a:schemeClr val="bg1"/>
-                    </a:solidFill>
-                  </a:tcPr>
-                </a:tc>
-                <a:tc>
-                  <a:txBody>
-                    <a:bodyPr/>
-                    <a:lstStyle/>
-                    <a:p>
-                      <a:pPr algn="ctr"/>
-                      <a:endParaRPr lang="fr-FR" sz="1600" dirty="0"/>
-                    </a:p>
-                  </a:txBody>
-                  <a:tcPr marL="113395" marR="113395" marT="56698" marB="56698" anchor="ctr">
-                    <a:solidFill>
-                      <a:schemeClr val="bg1"/>
-                    </a:solidFill>
-                  </a:tcPr>
-                </a:tc>
-                <a:tc>
-                  <a:txBody>
-                    <a:bodyPr/>
-                    <a:lstStyle/>
-                    <a:p>
-                      <a:pPr algn="ctr"/>
-                      <a:endParaRPr lang="fr-FR" sz="1600" dirty="0"/>
-                    </a:p>
-                  </a:txBody>
-                  <a:tcPr marL="113395" marR="113395" marT="56698" marB="56698" anchor="ctr">
-                    <a:solidFill>
-                      <a:schemeClr val="bg1"/>
-                    </a:solidFill>
-                  </a:tcPr>
-                </a:tc>
-                <a:tc>
-                  <a:txBody>
-                    <a:bodyPr/>
-                    <a:lstStyle/>
-                    <a:p>
-                      <a:pPr algn="ctr"/>
-                      <a:endParaRPr lang="fr-FR" sz="1600" dirty="0"/>
-                    </a:p>
-                  </a:txBody>
-                  <a:tcPr marL="113395" marR="113395" marT="56698" marB="56698" anchor="ctr">
-                    <a:solidFill>
-                      <a:schemeClr val="bg1"/>
-                    </a:solidFill>
-                  </a:tcPr>
-                </a:tc>
-                <a:tc>
-                  <a:txBody>
-                    <a:bodyPr/>
-                    <a:lstStyle/>
-                    <a:p>
-                      <a:pPr algn="ctr"/>
-                      <a:endParaRPr lang="fr-FR" sz="1600" dirty="0"/>
-                    </a:p>
-                  </a:txBody>
-                  <a:tcPr marL="113395" marR="113395" marT="56698" marB="56698" anchor="ctr">
-                    <a:solidFill>
-                      <a:schemeClr val="bg1"/>
-                    </a:solidFill>
-                  </a:tcPr>
-                </a:tc>
-                <a:tc>
-                  <a:txBody>
-                    <a:bodyPr/>
-                    <a:lstStyle/>
-                    <a:p>
-                      <a:pPr algn="ctr"/>
-                      <a:endParaRPr lang="fr-FR" sz="1600" dirty="0"/>
-                    </a:p>
-                  </a:txBody>
-                  <a:tcPr marL="113395" marR="113395" marT="56698" marB="56698" anchor="ctr">
-                    <a:solidFill>
-                      <a:schemeClr val="bg1"/>
-                    </a:solidFill>
-                  </a:tcPr>
-                </a:tc>
-                <a:tc>
-                  <a:txBody>
-                    <a:bodyPr/>
-                    <a:lstStyle/>
-                    <a:p>
-                      <a:pPr algn="ctr"/>
-                      <a:endParaRPr lang="fr-FR" sz="1600" dirty="0"/>
-                    </a:p>
-                  </a:txBody>
-                  <a:tcPr marL="113395" marR="113395" marT="56698" marB="56698" anchor="ctr">
-                    <a:solidFill>
-                      <a:schemeClr val="bg1"/>
-                    </a:solidFill>
-                  </a:tcPr>
-                </a:tc>
-                <a:tc>
-                  <a:txBody>
-                    <a:bodyPr/>
-                    <a:lstStyle/>
-                    <a:p>
-                      <a:pPr algn="ctr"/>
-                      <a:endParaRPr lang="fr-FR" sz="1600" dirty="0"/>
-                    </a:p>
-                  </a:txBody>
-                  <a:tcPr marL="113395" marR="113395" marT="56698" marB="56698" anchor="ctr">
-                    <a:solidFill>
-                      <a:schemeClr val="bg1"/>
-                    </a:solidFill>
-                  </a:tcPr>
-                </a:tc>
-                <a:extLst>
-                  <a:ext uri="{0D108BD9-81ED-4DB2-BD59-A6C34878D82A}">
-                    <a16:rowId xmlns:a16="http://schemas.microsoft.com/office/drawing/2014/main" val="112883267"/>
-                  </a:ext>
-                </a:extLst>
-              </a:tr>
-              <a:tr h="435932">
-                <a:tc>
-                  <a:txBody>
-                    <a:bodyPr/>
-                    <a:lstStyle/>
-                    <a:p>
-                      <a:pPr algn="ctr"/>
-                      <a:endParaRPr lang="fr-FR" sz="1600" dirty="0"/>
-                    </a:p>
-                  </a:txBody>
-                  <a:tcPr marL="113395" marR="113395" marT="56698" marB="56698" anchor="ctr">
-                    <a:solidFill>
-                      <a:schemeClr val="bg1"/>
-                    </a:solidFill>
-                  </a:tcPr>
-                </a:tc>
-                <a:tc>
-                  <a:txBody>
-                    <a:bodyPr/>
-                    <a:lstStyle/>
-                    <a:p>
-                      <a:pPr algn="ctr"/>
-                      <a:endParaRPr lang="fr-FR" sz="1600" dirty="0"/>
-                    </a:p>
-                  </a:txBody>
-                  <a:tcPr marL="113395" marR="113395" marT="56698" marB="56698" anchor="ctr">
-                    <a:solidFill>
-                      <a:schemeClr val="bg1"/>
-                    </a:solidFill>
-                  </a:tcPr>
-                </a:tc>
-                <a:tc>
-                  <a:txBody>
-                    <a:bodyPr/>
-                    <a:lstStyle/>
-                    <a:p>
-                      <a:pPr algn="ctr"/>
-                      <a:endParaRPr lang="fr-FR" sz="1600" dirty="0"/>
-                    </a:p>
-                  </a:txBody>
-                  <a:tcPr marL="113395" marR="113395" marT="56698" marB="56698" anchor="ctr">
-                    <a:solidFill>
-                      <a:schemeClr val="bg1"/>
-                    </a:solidFill>
-                  </a:tcPr>
-                </a:tc>
-                <a:tc>
-                  <a:txBody>
-                    <a:bodyPr/>
-                    <a:lstStyle/>
-                    <a:p>
-                      <a:pPr algn="ctr"/>
-                      <a:endParaRPr lang="fr-FR" sz="1600" dirty="0"/>
-                    </a:p>
-                  </a:txBody>
-                  <a:tcPr marL="113395" marR="113395" marT="56698" marB="56698" anchor="ctr">
-                    <a:solidFill>
-                      <a:schemeClr val="bg1"/>
-                    </a:solidFill>
-                  </a:tcPr>
-                </a:tc>
-                <a:tc>
-                  <a:txBody>
-                    <a:bodyPr/>
-                    <a:lstStyle/>
-                    <a:p>
-                      <a:pPr algn="ctr"/>
-                      <a:endParaRPr lang="fr-FR" sz="1600" dirty="0"/>
-                    </a:p>
-                  </a:txBody>
-                  <a:tcPr marL="113395" marR="113395" marT="56698" marB="56698" anchor="ctr">
-                    <a:solidFill>
-                      <a:schemeClr val="bg1"/>
-                    </a:solidFill>
-                  </a:tcPr>
-                </a:tc>
-                <a:tc>
-                  <a:txBody>
-                    <a:bodyPr/>
-                    <a:lstStyle/>
-                    <a:p>
-                      <a:pPr algn="ctr"/>
-                      <a:endParaRPr lang="fr-FR" sz="1600" dirty="0"/>
-                    </a:p>
-                  </a:txBody>
-                  <a:tcPr marL="113395" marR="113395" marT="56698" marB="56698" anchor="ctr">
-                    <a:solidFill>
-                      <a:schemeClr val="bg1"/>
-                    </a:solidFill>
-                  </a:tcPr>
-                </a:tc>
-                <a:tc>
-                  <a:txBody>
-                    <a:bodyPr/>
-                    <a:lstStyle/>
-                    <a:p>
-                      <a:pPr algn="ctr"/>
-                      <a:endParaRPr lang="fr-FR" sz="1600" dirty="0"/>
-                    </a:p>
-                  </a:txBody>
-                  <a:tcPr marL="113395" marR="113395" marT="56698" marB="56698" anchor="ctr">
-                    <a:solidFill>
-                      <a:schemeClr val="bg1"/>
-                    </a:solidFill>
-                  </a:tcPr>
-                </a:tc>
-                <a:tc>
-                  <a:txBody>
-                    <a:bodyPr/>
-                    <a:lstStyle/>
-                    <a:p>
-                      <a:pPr algn="ctr"/>
-                      <a:endParaRPr lang="fr-FR" sz="1600" dirty="0"/>
-                    </a:p>
-                  </a:txBody>
-                  <a:tcPr marL="113395" marR="113395" marT="56698" marB="56698" anchor="ctr">
-                    <a:solidFill>
-                      <a:schemeClr val="bg1"/>
-                    </a:solidFill>
-                  </a:tcPr>
-                </a:tc>
-                <a:tc>
-                  <a:txBody>
-                    <a:bodyPr/>
-                    <a:lstStyle/>
-                    <a:p>
-                      <a:pPr algn="ctr"/>
-                      <a:endParaRPr lang="fr-FR" sz="1600" dirty="0"/>
-                    </a:p>
-                  </a:txBody>
-                  <a:tcPr marL="113395" marR="113395" marT="56698" marB="56698" anchor="ctr">
-                    <a:solidFill>
-                      <a:schemeClr val="bg1"/>
-                    </a:solidFill>
-                  </a:tcPr>
-                </a:tc>
-                <a:tc>
-                  <a:txBody>
-                    <a:bodyPr/>
-                    <a:lstStyle/>
-                    <a:p>
-                      <a:pPr algn="ctr"/>
-                      <a:endParaRPr lang="fr-FR" sz="1600" dirty="0"/>
-                    </a:p>
-                  </a:txBody>
-                  <a:tcPr marL="113395" marR="113395" marT="56698" marB="56698" anchor="ctr">
-                    <a:solidFill>
-                      <a:schemeClr val="bg1"/>
-                    </a:solidFill>
-                  </a:tcPr>
-                </a:tc>
-                <a:extLst>
-                  <a:ext uri="{0D108BD9-81ED-4DB2-BD59-A6C34878D82A}">
-                    <a16:rowId xmlns:a16="http://schemas.microsoft.com/office/drawing/2014/main" val="3907291957"/>
-                  </a:ext>
-                </a:extLst>
-              </a:tr>
-            </a:tbl>
-          </a:graphicData>
-        </a:graphic>
-      </p:graphicFrame>
-      <p:cxnSp>
-        <p:nvCxnSpPr>
-          <p:cNvPr id="12" name="Straight Connector 11">
-            <a:extLst>
-              <a:ext uri="{FF2B5EF4-FFF2-40B4-BE49-F238E27FC236}">
-                <a16:creationId xmlns:a16="http://schemas.microsoft.com/office/drawing/2014/main" id="{A5C65326-4F74-44D4-82E3-956C681F2FA2}"/>
-              </a:ext>
-            </a:extLst>
-          </p:cNvPr>
-          <p:cNvCxnSpPr>
-            <a:cxnSpLocks/>
-          </p:cNvCxnSpPr>
-          <p:nvPr/>
-        </p:nvCxnSpPr>
-        <p:spPr>
-          <a:xfrm>
-            <a:off x="6102218" y="5406231"/>
-            <a:ext cx="0" cy="5220002"/>
-          </a:xfrm>
-          <a:prstGeom prst="line">
-            <a:avLst/>
-          </a:prstGeom>
-          <a:ln w="38100"/>
-        </p:spPr>
-        <p:style>
-          <a:lnRef idx="3">
-            <a:schemeClr val="dk1"/>
-          </a:lnRef>
-          <a:fillRef idx="0">
-            <a:schemeClr val="dk1"/>
-          </a:fillRef>
-          <a:effectRef idx="2">
-            <a:schemeClr val="dk1"/>
-          </a:effectRef>
-          <a:fontRef idx="minor">
-            <a:schemeClr val="tx1"/>
-          </a:fontRef>
-        </p:style>
-      </p:cxnSp>
-      <p:cxnSp>
-        <p:nvCxnSpPr>
-          <p:cNvPr id="13" name="Straight Connector 12">
-            <a:extLst>
-              <a:ext uri="{FF2B5EF4-FFF2-40B4-BE49-F238E27FC236}">
-                <a16:creationId xmlns:a16="http://schemas.microsoft.com/office/drawing/2014/main" id="{870667AA-EF39-478E-ADF9-1B9CD21CF0F8}"/>
-              </a:ext>
-            </a:extLst>
-          </p:cNvPr>
-          <p:cNvCxnSpPr>
-            <a:cxnSpLocks/>
-          </p:cNvCxnSpPr>
-          <p:nvPr/>
-        </p:nvCxnSpPr>
-        <p:spPr>
-          <a:xfrm>
-            <a:off x="10517658" y="5417444"/>
-            <a:ext cx="0" cy="5202439"/>
-          </a:xfrm>
-          <a:prstGeom prst="line">
-            <a:avLst/>
-          </a:prstGeom>
-          <a:ln w="38100"/>
-        </p:spPr>
-        <p:style>
-          <a:lnRef idx="3">
-            <a:schemeClr val="dk1"/>
-          </a:lnRef>
-          <a:fillRef idx="0">
-            <a:schemeClr val="dk1"/>
-          </a:fillRef>
-          <a:effectRef idx="2">
-            <a:schemeClr val="dk1"/>
-          </a:effectRef>
-          <a:fontRef idx="minor">
-            <a:schemeClr val="tx1"/>
-          </a:fontRef>
-        </p:style>
-      </p:cxnSp>
-    </p:spTree>
-    <p:extLst>
-      <p:ext uri="{BB962C8B-B14F-4D97-AF65-F5344CB8AC3E}">
-        <p14:creationId xmlns:p14="http://schemas.microsoft.com/office/powerpoint/2010/main" val="84393547"/>
-      </p:ext>
-    </p:extLst>
-  </p:cSld>
-  <p:clrMapOvr>
-    <a:masterClrMapping/>
-  </p:clrMapOvr>
-</p:sld>
-</file>
-
-<file path=ppt/slides/slide6.xml><?xml version="1.0" encoding="utf-8"?>
-<p:sld xmlns:a="http://schemas.openxmlformats.org/drawingml/2006/main" xmlns:r="http://schemas.openxmlformats.org/officeDocument/2006/relationships" xmlns:p="http://schemas.openxmlformats.org/presentationml/2006/main">
-  <p:cSld>
-    <p:spTree>
-      <p:nvGrpSpPr>
-        <p:cNvPr id="1" name=""/>
-        <p:cNvGrpSpPr/>
-        <p:nvPr/>
-      </p:nvGrpSpPr>
-      <p:grpSpPr>
-        <a:xfrm>
-          <a:off x="0" y="0"/>
-          <a:ext cx="0" cy="0"/>
-          <a:chOff x="0" y="0"/>
-          <a:chExt cx="0" cy="0"/>
-        </a:xfrm>
-      </p:grpSpPr>
-      <p:sp>
-        <p:nvSpPr>
-          <p:cNvPr id="17" name="Rectangle 16"/>
-          <p:cNvSpPr/>
-          <p:nvPr/>
-        </p:nvSpPr>
-        <p:spPr>
-          <a:xfrm>
             <a:off x="0" y="179881"/>
             <a:ext cx="15119349" cy="10440000"/>
           </a:xfrm>
@@ -13635,7 +10272,7 @@
 </p:sld>
 </file>
 
-<file path=ppt/slides/slide7.xml><?xml version="1.0" encoding="utf-8"?>
+<file path=ppt/slides/slide6.xml><?xml version="1.0" encoding="utf-8"?>
 <p:sld xmlns:a="http://schemas.openxmlformats.org/drawingml/2006/main" xmlns:r="http://schemas.openxmlformats.org/officeDocument/2006/relationships" xmlns:p="http://schemas.openxmlformats.org/presentationml/2006/main">
   <p:cSld>
     <p:spTree>
@@ -14151,7 +10788,7 @@
 </p:sld>
 </file>
 
-<file path=ppt/slides/slide8.xml><?xml version="1.0" encoding="utf-8"?>
+<file path=ppt/slides/slide7.xml><?xml version="1.0" encoding="utf-8"?>
 <p:sld xmlns:a="http://schemas.openxmlformats.org/drawingml/2006/main" xmlns:r="http://schemas.openxmlformats.org/officeDocument/2006/relationships" xmlns:p="http://schemas.openxmlformats.org/presentationml/2006/main">
   <p:cSld>
     <p:spTree>
@@ -14885,6 +11522,101 @@
 </p:sld>
 </file>
 
+<file path=ppt/slides/slide8.xml><?xml version="1.0" encoding="utf-8"?>
+<p:sld xmlns:a="http://schemas.openxmlformats.org/drawingml/2006/main" xmlns:r="http://schemas.openxmlformats.org/officeDocument/2006/relationships" xmlns:p="http://schemas.openxmlformats.org/presentationml/2006/main">
+  <p:cSld>
+    <p:spTree>
+      <p:nvGrpSpPr>
+        <p:cNvPr id="1" name=""/>
+        <p:cNvGrpSpPr/>
+        <p:nvPr/>
+      </p:nvGrpSpPr>
+      <p:grpSpPr>
+        <a:xfrm>
+          <a:off x="0" y="0"/>
+          <a:ext cx="0" cy="0"/>
+          <a:chOff x="0" y="0"/>
+          <a:chExt cx="0" cy="0"/>
+        </a:xfrm>
+      </p:grpSpPr>
+      <p:sp>
+        <p:nvSpPr>
+          <p:cNvPr id="17" name="Rectangle 16"/>
+          <p:cNvSpPr/>
+          <p:nvPr/>
+        </p:nvSpPr>
+        <p:spPr>
+          <a:xfrm>
+            <a:off x="0" y="179881"/>
+            <a:ext cx="15119349" cy="10440000"/>
+          </a:xfrm>
+          <a:prstGeom prst="rect">
+            <a:avLst/>
+          </a:prstGeom>
+          <a:ln w="57150">
+            <a:solidFill>
+              <a:schemeClr val="bg1"/>
+            </a:solidFill>
+          </a:ln>
+        </p:spPr>
+        <p:style>
+          <a:lnRef idx="2">
+            <a:schemeClr val="dk1"/>
+          </a:lnRef>
+          <a:fillRef idx="1">
+            <a:schemeClr val="lt1"/>
+          </a:fillRef>
+          <a:effectRef idx="0">
+            <a:schemeClr val="dk1"/>
+          </a:effectRef>
+          <a:fontRef idx="minor">
+            <a:schemeClr val="dk1"/>
+          </a:fontRef>
+        </p:style>
+        <p:txBody>
+          <a:bodyPr rtlCol="0" anchor="ctr"/>
+          <a:lstStyle/>
+          <a:p>
+            <a:pPr marL="72000" algn="ctr">
+              <a:lnSpc>
+                <a:spcPct val="120000"/>
+              </a:lnSpc>
+            </a:pPr>
+            <a:r>
+              <a:rPr lang="fr-FR" sz="4000" b="1" dirty="0">
+                <a:solidFill>
+                  <a:schemeClr val="tx1"/>
+                </a:solidFill>
+                <a:latin typeface="Comic Sans MS" panose="030F0702030302020204" pitchFamily="66" charset="0"/>
+                <a:ea typeface="JetBrains Mono" panose="02000009000000000000" pitchFamily="49" charset="0"/>
+                <a:cs typeface="Arial" panose="020B0604020202020204" pitchFamily="34" charset="0"/>
+              </a:rPr>
+              <a:t>L’Intelligence artificielle contre l’expertise humaine !</a:t>
+            </a:r>
+            <a:endParaRPr lang="fr-FR" sz="4000" dirty="0">
+              <a:solidFill>
+                <a:schemeClr val="tx1"/>
+              </a:solidFill>
+              <a:latin typeface="Comic Sans MS" panose="030F0702030302020204" pitchFamily="66" charset="0"/>
+              <a:ea typeface="JetBrains Mono" panose="02000009000000000000" pitchFamily="49" charset="0"/>
+              <a:cs typeface="Arial" panose="020B0604020202020204" pitchFamily="34" charset="0"/>
+            </a:endParaRPr>
+          </a:p>
+        </p:txBody>
+      </p:sp>
+    </p:spTree>
+    <p:extLst>
+      <p:ext uri="{BB962C8B-B14F-4D97-AF65-F5344CB8AC3E}">
+        <p14:creationId xmlns:p14="http://schemas.microsoft.com/office/powerpoint/2010/main" val="3539889059"/>
+      </p:ext>
+    </p:extLst>
+  </p:cSld>
+  <p:clrMapOvr>
+    <a:masterClrMapping/>
+  </p:clrMapOvr>
+</p:sld>
+</file>
+
 <file path=ppt/slides/slide9.xml><?xml version="1.0" encoding="utf-8"?>
 <p:sld xmlns:a="http://schemas.openxmlformats.org/drawingml/2006/main" xmlns:r="http://schemas.openxmlformats.org/officeDocument/2006/relationships" xmlns:p="http://schemas.openxmlformats.org/presentationml/2006/main">
   <p:cSld>
@@ -14910,17 +11642,13 @@
         </p:nvSpPr>
         <p:spPr>
           <a:xfrm>
-            <a:off x="0" y="179881"/>
-            <a:ext cx="15119349" cy="10440000"/>
+            <a:off x="4039557" y="179881"/>
+            <a:ext cx="7040235" cy="10440000"/>
           </a:xfrm>
           <a:prstGeom prst="rect">
             <a:avLst/>
           </a:prstGeom>
-          <a:ln w="57150">
-            <a:solidFill>
-              <a:schemeClr val="bg1"/>
-            </a:solidFill>
-          </a:ln>
+          <a:ln w="57150"/>
         </p:spPr>
         <p:style>
           <a:lnRef idx="2">
@@ -14940,37 +11668,417 @@
           <a:bodyPr rtlCol="0" anchor="ctr"/>
           <a:lstStyle/>
           <a:p>
+            <a:pPr marL="72000"/>
+            <a:r>
+              <a:rPr lang="fr-FR" b="1" dirty="0">
+                <a:cs typeface="Arial" panose="020B0604020202020204" pitchFamily="34" charset="0"/>
+              </a:rPr>
+              <a:t>Contexte professionnel :</a:t>
+            </a:r>
+            <a:endParaRPr lang="fr-FR" dirty="0">
+              <a:cs typeface="Arial" panose="020B0604020202020204" pitchFamily="34" charset="0"/>
+            </a:endParaRPr>
+          </a:p>
+          <a:p>
+            <a:pPr marL="72000"/>
+            <a:r>
+              <a:rPr lang="fr-FR" dirty="0"/>
+              <a:t>La région a lancé un projet pour équiper les élèves de supports pour ordinateurs portables, afin d’améliorer les conditions de travail des élèves. </a:t>
+            </a:r>
+          </a:p>
+          <a:p>
+            <a:pPr marL="72000"/>
+            <a:endParaRPr lang="fr-FR" dirty="0"/>
+          </a:p>
+          <a:p>
+            <a:pPr marL="72000"/>
+            <a:r>
+              <a:rPr lang="fr-FR" dirty="0"/>
+              <a:t>Ces supports doivent être fonctionnels, robustes, esthétiques. Ce projet permet aux élèves de mettre en pratique leurs compétences en menuiserie et en conception technique, tout en contribuant à un besoin concret.</a:t>
+            </a:r>
+          </a:p>
+          <a:p>
+            <a:pPr marL="72000"/>
+            <a:endParaRPr lang="fr-FR" dirty="0">
+              <a:cs typeface="Arial" panose="020B0604020202020204" pitchFamily="34" charset="0"/>
+            </a:endParaRPr>
+          </a:p>
+          <a:p>
+            <a:pPr marL="72000"/>
+            <a:r>
+              <a:rPr lang="fr-FR" b="1" dirty="0">
+                <a:cs typeface="Arial" panose="020B0604020202020204" pitchFamily="34" charset="0"/>
+              </a:rPr>
+              <a:t>Mise en situation :</a:t>
+            </a:r>
+          </a:p>
+          <a:p>
+            <a:pPr marL="72000"/>
+            <a:r>
+              <a:rPr lang="fr-FR" dirty="0">
+                <a:cs typeface="Arial" panose="020B0604020202020204" pitchFamily="34" charset="0"/>
+              </a:rPr>
+              <a:t>Afin de déterminer si les menuisiers sont remplaçable par l’intelligence artificielle, vous participez à une expérience ou des questions sont posées à des I.A pour effectuer des analyses et des études de situations en menuiserie</a:t>
+            </a:r>
+          </a:p>
+          <a:p>
+            <a:pPr marL="72000"/>
+            <a:endParaRPr lang="fr-FR" dirty="0">
+              <a:cs typeface="Arial" panose="020B0604020202020204" pitchFamily="34" charset="0"/>
+            </a:endParaRPr>
+          </a:p>
+          <a:p>
+            <a:pPr marL="72000"/>
+            <a:r>
+              <a:rPr lang="fr-FR" b="1" dirty="0">
+                <a:cs typeface="Arial" panose="020B0604020202020204" pitchFamily="34" charset="0"/>
+              </a:rPr>
+              <a:t>Objectif :</a:t>
+            </a:r>
+          </a:p>
+          <a:p>
+            <a:pPr marL="72000"/>
+            <a:r>
+              <a:rPr lang="fr-FR" dirty="0">
+                <a:cs typeface="Arial" panose="020B0604020202020204" pitchFamily="34" charset="0"/>
+              </a:rPr>
+              <a:t>Sélectionnez une bille de bois abattue pendant les mois recommandés d’abattage et déterminez les parties utile en menuiserie.</a:t>
+            </a:r>
+          </a:p>
+        </p:txBody>
+      </p:sp>
+      <p:sp>
+        <p:nvSpPr>
+          <p:cNvPr id="18" name="Rectangle 17"/>
+          <p:cNvSpPr/>
+          <p:nvPr/>
+        </p:nvSpPr>
+        <p:spPr>
+          <a:xfrm>
+            <a:off x="142517" y="1390649"/>
+            <a:ext cx="3763202" cy="9229231"/>
+          </a:xfrm>
+          <a:prstGeom prst="rect">
+            <a:avLst/>
+          </a:prstGeom>
+          <a:ln w="57150"/>
+        </p:spPr>
+        <p:style>
+          <a:lnRef idx="2">
+            <a:schemeClr val="dk1"/>
+          </a:lnRef>
+          <a:fillRef idx="1">
+            <a:schemeClr val="lt1"/>
+          </a:fillRef>
+          <a:effectRef idx="0">
+            <a:schemeClr val="dk1"/>
+          </a:effectRef>
+          <a:fontRef idx="minor">
+            <a:schemeClr val="dk1"/>
+          </a:fontRef>
+        </p:style>
+        <p:txBody>
+          <a:bodyPr rtlCol="0" anchor="ctr"/>
+          <a:lstStyle/>
+          <a:p>
+            <a:pPr marL="72000"/>
+            <a:r>
+              <a:rPr lang="fr-FR" b="1" dirty="0">
+                <a:cs typeface="Arial" panose="020B0604020202020204" pitchFamily="34" charset="0"/>
+              </a:rPr>
+              <a:t>On demande : </a:t>
+            </a:r>
+          </a:p>
+          <a:p>
+            <a:pPr marL="72000"/>
+            <a:r>
+              <a:rPr lang="fr-FR" sz="1600" dirty="0">
+                <a:cs typeface="Arial" panose="020B0604020202020204" pitchFamily="34" charset="0"/>
+              </a:rPr>
+              <a:t>De répondre a des questions en réalisant des recherches avec l’I.A ou les moteurs de recherche.</a:t>
+            </a:r>
+          </a:p>
+          <a:p>
+            <a:pPr marL="72000"/>
+            <a:endParaRPr lang="fr-FR" b="1" dirty="0">
+              <a:cs typeface="Arial" panose="020B0604020202020204" pitchFamily="34" charset="0"/>
+            </a:endParaRPr>
+          </a:p>
+          <a:p>
+            <a:pPr marL="72000"/>
+            <a:r>
+              <a:rPr lang="fr-FR" b="1" dirty="0">
+                <a:cs typeface="Arial" panose="020B0604020202020204" pitchFamily="34" charset="0"/>
+              </a:rPr>
+              <a:t>On donne :</a:t>
+            </a:r>
+          </a:p>
+          <a:p>
+            <a:pPr marL="72000"/>
+            <a:r>
+              <a:rPr lang="fr-FR" sz="1600" dirty="0">
+                <a:cs typeface="Arial" panose="020B0604020202020204" pitchFamily="34" charset="0"/>
+              </a:rPr>
+              <a:t>Des illustrations sur l’arbre, la bille de bois et les différentes coupes</a:t>
+            </a:r>
+          </a:p>
+        </p:txBody>
+      </p:sp>
+      <p:sp>
+        <p:nvSpPr>
+          <p:cNvPr id="19" name="Rectangle 18"/>
+          <p:cNvSpPr/>
+          <p:nvPr/>
+        </p:nvSpPr>
+        <p:spPr>
+          <a:xfrm>
+            <a:off x="11213630" y="1390649"/>
+            <a:ext cx="3726044" cy="9229231"/>
+          </a:xfrm>
+          <a:prstGeom prst="rect">
+            <a:avLst/>
+          </a:prstGeom>
+          <a:ln w="57150"/>
+        </p:spPr>
+        <p:style>
+          <a:lnRef idx="2">
+            <a:schemeClr val="dk1"/>
+          </a:lnRef>
+          <a:fillRef idx="1">
+            <a:schemeClr val="lt1"/>
+          </a:fillRef>
+          <a:effectRef idx="0">
+            <a:schemeClr val="dk1"/>
+          </a:effectRef>
+          <a:fontRef idx="minor">
+            <a:schemeClr val="dk1"/>
+          </a:fontRef>
+        </p:style>
+        <p:txBody>
+          <a:bodyPr rtlCol="0" anchor="b"/>
+          <a:lstStyle/>
+          <a:p>
             <a:pPr marL="72000" algn="ctr">
               <a:lnSpc>
                 <a:spcPct val="120000"/>
               </a:lnSpc>
             </a:pPr>
-            <a:r>
-              <a:rPr lang="fr-FR" sz="4000" b="1" dirty="0">
-                <a:solidFill>
-                  <a:schemeClr val="tx1"/>
-                </a:solidFill>
+            <a:endParaRPr lang="fr-FR" sz="1400" spc="300" dirty="0">
+              <a:latin typeface="Comic Sans MS" panose="030F0702030302020204" pitchFamily="66" charset="0"/>
+              <a:ea typeface="JetBrains Mono" panose="02000009000000000000" pitchFamily="49" charset="0"/>
+              <a:cs typeface="JetBrains Mono" panose="02000009000000000000" pitchFamily="49" charset="0"/>
+            </a:endParaRPr>
+          </a:p>
+          <a:p>
+            <a:pPr marL="72000" algn="ctr">
+              <a:lnSpc>
+                <a:spcPct val="120000"/>
+              </a:lnSpc>
+            </a:pPr>
+            <a:endParaRPr lang="fr-FR" sz="1400" spc="300" dirty="0">
+              <a:latin typeface="Comic Sans MS" panose="030F0702030302020204" pitchFamily="66" charset="0"/>
+              <a:ea typeface="JetBrains Mono" panose="02000009000000000000" pitchFamily="49" charset="0"/>
+              <a:cs typeface="JetBrains Mono" panose="02000009000000000000" pitchFamily="49" charset="0"/>
+            </a:endParaRPr>
+          </a:p>
+          <a:p>
+            <a:pPr marL="72000" algn="ctr">
+              <a:lnSpc>
+                <a:spcPct val="120000"/>
+              </a:lnSpc>
+            </a:pPr>
+            <a:endParaRPr lang="fr-FR" sz="1400" spc="300" dirty="0">
+              <a:latin typeface="Comic Sans MS" panose="030F0702030302020204" pitchFamily="66" charset="0"/>
+              <a:ea typeface="JetBrains Mono" panose="02000009000000000000" pitchFamily="49" charset="0"/>
+              <a:cs typeface="JetBrains Mono" panose="02000009000000000000" pitchFamily="49" charset="0"/>
+            </a:endParaRPr>
+          </a:p>
+          <a:p>
+            <a:pPr marL="72000" algn="ctr">
+              <a:lnSpc>
+                <a:spcPct val="120000"/>
+              </a:lnSpc>
+            </a:pPr>
+            <a:endParaRPr lang="fr-FR" sz="1400" spc="300" dirty="0">
+              <a:latin typeface="Comic Sans MS" panose="030F0702030302020204" pitchFamily="66" charset="0"/>
+              <a:ea typeface="JetBrains Mono" panose="02000009000000000000" pitchFamily="49" charset="0"/>
+              <a:cs typeface="JetBrains Mono" panose="02000009000000000000" pitchFamily="49" charset="0"/>
+            </a:endParaRPr>
+          </a:p>
+          <a:p>
+            <a:pPr marL="72000" algn="ctr">
+              <a:lnSpc>
+                <a:spcPct val="120000"/>
+              </a:lnSpc>
+            </a:pPr>
+            <a:endParaRPr lang="fr-FR" sz="1600" spc="300" dirty="0">
+              <a:latin typeface="Comic Sans MS" panose="030F0702030302020204" pitchFamily="66" charset="0"/>
+              <a:ea typeface="JetBrains Mono" panose="02000009000000000000" pitchFamily="49" charset="0"/>
+              <a:cs typeface="JetBrains Mono" panose="02000009000000000000" pitchFamily="49" charset="0"/>
+            </a:endParaRPr>
+          </a:p>
+          <a:p>
+            <a:pPr marL="72000" algn="ctr">
+              <a:lnSpc>
+                <a:spcPct val="120000"/>
+              </a:lnSpc>
+            </a:pPr>
+            <a:endParaRPr lang="fr-FR" spc="300" dirty="0">
+              <a:latin typeface="Comic Sans MS" panose="030F0702030302020204" pitchFamily="66" charset="0"/>
+              <a:ea typeface="JetBrains Mono" panose="02000009000000000000" pitchFamily="49" charset="0"/>
+              <a:cs typeface="JetBrains Mono" panose="02000009000000000000" pitchFamily="49" charset="0"/>
+            </a:endParaRPr>
+          </a:p>
+        </p:txBody>
+      </p:sp>
+      <p:pic>
+        <p:nvPicPr>
+          <p:cNvPr id="22" name="Picture 21"/>
+          <p:cNvPicPr>
+            <a:picLocks noChangeAspect="1"/>
+          </p:cNvPicPr>
+          <p:nvPr/>
+        </p:nvPicPr>
+        <p:blipFill>
+          <a:blip r:embed="rId2"/>
+          <a:stretch>
+            <a:fillRect/>
+          </a:stretch>
+        </p:blipFill>
+        <p:spPr>
+          <a:xfrm>
+            <a:off x="11347468" y="4033587"/>
+            <a:ext cx="3458367" cy="2732587"/>
+          </a:xfrm>
+          <a:prstGeom prst="rect">
+            <a:avLst/>
+          </a:prstGeom>
+          <a:ln>
+            <a:noFill/>
+          </a:ln>
+          <a:effectLst>
+            <a:softEdge rad="112500"/>
+          </a:effectLst>
+        </p:spPr>
+      </p:pic>
+      <p:sp>
+        <p:nvSpPr>
+          <p:cNvPr id="24" name="Rectangle 23"/>
+          <p:cNvSpPr/>
+          <p:nvPr/>
+        </p:nvSpPr>
+        <p:spPr>
+          <a:xfrm>
+            <a:off x="11213630" y="179881"/>
+            <a:ext cx="3726045" cy="1067028"/>
+          </a:xfrm>
+          <a:prstGeom prst="rect">
+            <a:avLst/>
+          </a:prstGeom>
+          <a:ln w="57150"/>
+        </p:spPr>
+        <p:style>
+          <a:lnRef idx="2">
+            <a:schemeClr val="dk1"/>
+          </a:lnRef>
+          <a:fillRef idx="1">
+            <a:schemeClr val="lt1"/>
+          </a:fillRef>
+          <a:effectRef idx="0">
+            <a:schemeClr val="dk1"/>
+          </a:effectRef>
+          <a:fontRef idx="minor">
+            <a:schemeClr val="dk1"/>
+          </a:fontRef>
+        </p:style>
+        <p:txBody>
+          <a:bodyPr rtlCol="0" anchor="ctr"/>
+          <a:lstStyle/>
+          <a:p>
+            <a:pPr algn="ctr"/>
+            <a:r>
+              <a:rPr lang="fr-FR" b="1" spc="300" dirty="0">
                 <a:latin typeface="Comic Sans MS" panose="030F0702030302020204" pitchFamily="66" charset="0"/>
                 <a:ea typeface="JetBrains Mono" panose="02000009000000000000" pitchFamily="49" charset="0"/>
-                <a:cs typeface="Arial" panose="020B0604020202020204" pitchFamily="34" charset="0"/>
-              </a:rPr>
-              <a:t>L’Intelligence artificielle contre l’expertise humaine !</a:t>
-            </a:r>
-            <a:endParaRPr lang="fr-FR" sz="4000" dirty="0">
-              <a:solidFill>
-                <a:schemeClr val="tx1"/>
-              </a:solidFill>
-              <a:latin typeface="Comic Sans MS" panose="030F0702030302020204" pitchFamily="66" charset="0"/>
-              <a:ea typeface="JetBrains Mono" panose="02000009000000000000" pitchFamily="49" charset="0"/>
-              <a:cs typeface="Arial" panose="020B0604020202020204" pitchFamily="34" charset="0"/>
-            </a:endParaRPr>
+                <a:cs typeface="JetBrains Mono" panose="02000009000000000000" pitchFamily="49" charset="0"/>
+              </a:rPr>
+              <a:t>M. Du Chevreuil</a:t>
+            </a:r>
+          </a:p>
+          <a:p>
+            <a:pPr algn="ctr"/>
+            <a:r>
+              <a:rPr lang="fr-FR" sz="1600" spc="300" dirty="0">
+                <a:latin typeface="Comic Sans MS" panose="030F0702030302020204" pitchFamily="66" charset="0"/>
+                <a:ea typeface="JetBrains Mono" panose="02000009000000000000" pitchFamily="49" charset="0"/>
+                <a:cs typeface="JetBrains Mono" panose="02000009000000000000" pitchFamily="49" charset="0"/>
+              </a:rPr>
+              <a:t>Professeur en génie </a:t>
+            </a:r>
+          </a:p>
+          <a:p>
+            <a:pPr algn="ctr"/>
+            <a:r>
+              <a:rPr lang="fr-FR" sz="1600" spc="300" dirty="0">
+                <a:latin typeface="Comic Sans MS" panose="030F0702030302020204" pitchFamily="66" charset="0"/>
+                <a:ea typeface="JetBrains Mono" panose="02000009000000000000" pitchFamily="49" charset="0"/>
+                <a:cs typeface="JetBrains Mono" panose="02000009000000000000" pitchFamily="49" charset="0"/>
+              </a:rPr>
+              <a:t>industriel bois</a:t>
+            </a:r>
+          </a:p>
+        </p:txBody>
+      </p:sp>
+      <p:sp>
+        <p:nvSpPr>
+          <p:cNvPr id="25" name="Rectangle 24"/>
+          <p:cNvSpPr/>
+          <p:nvPr/>
+        </p:nvSpPr>
+        <p:spPr>
+          <a:xfrm>
+            <a:off x="142517" y="179881"/>
+            <a:ext cx="3763201" cy="1067028"/>
+          </a:xfrm>
+          <a:prstGeom prst="rect">
+            <a:avLst/>
+          </a:prstGeom>
+          <a:ln w="57150"/>
+        </p:spPr>
+        <p:style>
+          <a:lnRef idx="2">
+            <a:schemeClr val="dk1"/>
+          </a:lnRef>
+          <a:fillRef idx="1">
+            <a:schemeClr val="lt1"/>
+          </a:fillRef>
+          <a:effectRef idx="0">
+            <a:schemeClr val="dk1"/>
+          </a:effectRef>
+          <a:fontRef idx="minor">
+            <a:schemeClr val="dk1"/>
+          </a:fontRef>
+        </p:style>
+        <p:txBody>
+          <a:bodyPr rtlCol="0" anchor="ctr"/>
+          <a:lstStyle/>
+          <a:p>
+            <a:pPr algn="ctr"/>
+            <a:r>
+              <a:rPr lang="fr-FR" b="1" dirty="0">
+                <a:latin typeface="Comic Sans MS" panose="030F0702030302020204" pitchFamily="66" charset="0"/>
+                <a:ea typeface="JetBrains Mono" panose="02000009000000000000" pitchFamily="49" charset="0"/>
+                <a:cs typeface="JetBrains Mono" panose="02000009000000000000" pitchFamily="49" charset="0"/>
+              </a:rPr>
+              <a:t>Sujet : L’I.A contre l’E.H</a:t>
+            </a:r>
           </a:p>
         </p:txBody>
       </p:sp>
     </p:spTree>
     <p:extLst>
       <p:ext uri="{BB962C8B-B14F-4D97-AF65-F5344CB8AC3E}">
-        <p14:creationId xmlns:p14="http://schemas.microsoft.com/office/powerpoint/2010/main" val="3539889059"/>
+        <p14:creationId xmlns:p14="http://schemas.microsoft.com/office/powerpoint/2010/main" val="3063325749"/>
       </p:ext>
     </p:extLst>
   </p:cSld>

--- a/Dossier Support ordi/DOSSIER Support Ordi.pptx
+++ b/Dossier Support ordi/DOSSIER Support Ordi.pptx
@@ -5,26 +5,27 @@
     <p:sldMasterId id="2147483660" r:id="rId1"/>
   </p:sldMasterIdLst>
   <p:notesMasterIdLst>
-    <p:notesMasterId r:id="rId16"/>
+    <p:notesMasterId r:id="rId17"/>
   </p:notesMasterIdLst>
   <p:handoutMasterIdLst>
-    <p:handoutMasterId r:id="rId17"/>
+    <p:handoutMasterId r:id="rId18"/>
   </p:handoutMasterIdLst>
   <p:sldIdLst>
     <p:sldId id="256" r:id="rId2"/>
     <p:sldId id="332" r:id="rId3"/>
     <p:sldId id="328" r:id="rId4"/>
-    <p:sldId id="374" r:id="rId5"/>
-    <p:sldId id="330" r:id="rId6"/>
-    <p:sldId id="329" r:id="rId7"/>
-    <p:sldId id="331" r:id="rId8"/>
-    <p:sldId id="333" r:id="rId9"/>
-    <p:sldId id="334" r:id="rId10"/>
-    <p:sldId id="335" r:id="rId11"/>
-    <p:sldId id="376" r:id="rId12"/>
-    <p:sldId id="377" r:id="rId13"/>
-    <p:sldId id="375" r:id="rId14"/>
-    <p:sldId id="257" r:id="rId15"/>
+    <p:sldId id="378" r:id="rId5"/>
+    <p:sldId id="374" r:id="rId6"/>
+    <p:sldId id="330" r:id="rId7"/>
+    <p:sldId id="329" r:id="rId8"/>
+    <p:sldId id="331" r:id="rId9"/>
+    <p:sldId id="333" r:id="rId10"/>
+    <p:sldId id="334" r:id="rId11"/>
+    <p:sldId id="335" r:id="rId12"/>
+    <p:sldId id="376" r:id="rId13"/>
+    <p:sldId id="377" r:id="rId14"/>
+    <p:sldId id="375" r:id="rId15"/>
+    <p:sldId id="257" r:id="rId16"/>
   </p:sldIdLst>
   <p:sldSz cx="15119350" cy="10799763"/>
   <p:notesSz cx="6797675" cy="9926638"/>
@@ -216,7 +217,7 @@
           <a:p>
             <a:fld id="{175ECC00-C06A-4323-852F-768318D8586A}" type="datetimeFigureOut">
               <a:rPr lang="fr-FR" smtClean="0"/>
-              <a:t>11/02/2025</a:t>
+              <a:t>26/02/2025</a:t>
             </a:fld>
             <a:endParaRPr lang="fr-FR"/>
           </a:p>
@@ -381,7 +382,7 @@
           <a:p>
             <a:fld id="{AE8DAB01-C85E-4F33-91A5-B6D112914A5D}" type="datetimeFigureOut">
               <a:rPr lang="fr-FR" smtClean="0"/>
-              <a:t>11/02/2025</a:t>
+              <a:t>26/02/2025</a:t>
             </a:fld>
             <a:endParaRPr lang="fr-FR"/>
           </a:p>
@@ -780,7 +781,7 @@
           <a:p>
             <a:fld id="{A69F3118-5675-4AEB-B17B-1E109ACFC119}" type="datetimeFigureOut">
               <a:rPr lang="fr-FR" smtClean="0"/>
-              <a:t>11/02/2025</a:t>
+              <a:t>26/02/2025</a:t>
             </a:fld>
             <a:endParaRPr lang="fr-FR"/>
           </a:p>
@@ -950,7 +951,7 @@
           <a:p>
             <a:fld id="{A69F3118-5675-4AEB-B17B-1E109ACFC119}" type="datetimeFigureOut">
               <a:rPr lang="fr-FR" smtClean="0"/>
-              <a:t>11/02/2025</a:t>
+              <a:t>26/02/2025</a:t>
             </a:fld>
             <a:endParaRPr lang="fr-FR"/>
           </a:p>
@@ -1130,7 +1131,7 @@
           <a:p>
             <a:fld id="{A69F3118-5675-4AEB-B17B-1E109ACFC119}" type="datetimeFigureOut">
               <a:rPr lang="fr-FR" smtClean="0"/>
-              <a:t>11/02/2025</a:t>
+              <a:t>26/02/2025</a:t>
             </a:fld>
             <a:endParaRPr lang="fr-FR"/>
           </a:p>
@@ -1300,7 +1301,7 @@
           <a:p>
             <a:fld id="{A69F3118-5675-4AEB-B17B-1E109ACFC119}" type="datetimeFigureOut">
               <a:rPr lang="fr-FR" smtClean="0"/>
-              <a:t>11/02/2025</a:t>
+              <a:t>26/02/2025</a:t>
             </a:fld>
             <a:endParaRPr lang="fr-FR"/>
           </a:p>
@@ -1544,7 +1545,7 @@
           <a:p>
             <a:fld id="{A69F3118-5675-4AEB-B17B-1E109ACFC119}" type="datetimeFigureOut">
               <a:rPr lang="fr-FR" smtClean="0"/>
-              <a:t>11/02/2025</a:t>
+              <a:t>26/02/2025</a:t>
             </a:fld>
             <a:endParaRPr lang="fr-FR"/>
           </a:p>
@@ -1776,7 +1777,7 @@
           <a:p>
             <a:fld id="{A69F3118-5675-4AEB-B17B-1E109ACFC119}" type="datetimeFigureOut">
               <a:rPr lang="fr-FR" smtClean="0"/>
-              <a:t>11/02/2025</a:t>
+              <a:t>26/02/2025</a:t>
             </a:fld>
             <a:endParaRPr lang="fr-FR"/>
           </a:p>
@@ -2143,7 +2144,7 @@
           <a:p>
             <a:fld id="{A69F3118-5675-4AEB-B17B-1E109ACFC119}" type="datetimeFigureOut">
               <a:rPr lang="fr-FR" smtClean="0"/>
-              <a:t>11/02/2025</a:t>
+              <a:t>26/02/2025</a:t>
             </a:fld>
             <a:endParaRPr lang="fr-FR"/>
           </a:p>
@@ -2261,7 +2262,7 @@
           <a:p>
             <a:fld id="{A69F3118-5675-4AEB-B17B-1E109ACFC119}" type="datetimeFigureOut">
               <a:rPr lang="fr-FR" smtClean="0"/>
-              <a:t>11/02/2025</a:t>
+              <a:t>26/02/2025</a:t>
             </a:fld>
             <a:endParaRPr lang="fr-FR"/>
           </a:p>
@@ -2356,7 +2357,7 @@
           <a:p>
             <a:fld id="{A69F3118-5675-4AEB-B17B-1E109ACFC119}" type="datetimeFigureOut">
               <a:rPr lang="fr-FR" smtClean="0"/>
-              <a:t>11/02/2025</a:t>
+              <a:t>26/02/2025</a:t>
             </a:fld>
             <a:endParaRPr lang="fr-FR"/>
           </a:p>
@@ -2633,7 +2634,7 @@
           <a:p>
             <a:fld id="{A69F3118-5675-4AEB-B17B-1E109ACFC119}" type="datetimeFigureOut">
               <a:rPr lang="fr-FR" smtClean="0"/>
-              <a:t>11/02/2025</a:t>
+              <a:t>26/02/2025</a:t>
             </a:fld>
             <a:endParaRPr lang="fr-FR"/>
           </a:p>
@@ -2890,7 +2891,7 @@
           <a:p>
             <a:fld id="{A69F3118-5675-4AEB-B17B-1E109ACFC119}" type="datetimeFigureOut">
               <a:rPr lang="fr-FR" smtClean="0"/>
-              <a:t>11/02/2025</a:t>
+              <a:t>26/02/2025</a:t>
             </a:fld>
             <a:endParaRPr lang="fr-FR"/>
           </a:p>
@@ -3103,7 +3104,7 @@
           <a:p>
             <a:fld id="{A69F3118-5675-4AEB-B17B-1E109ACFC119}" type="datetimeFigureOut">
               <a:rPr lang="fr-FR" smtClean="0"/>
-              <a:t>11/02/2025</a:t>
+              <a:t>26/02/2025</a:t>
             </a:fld>
             <a:endParaRPr lang="fr-FR"/>
           </a:p>
@@ -3636,6 +3637,153 @@
               <a:buFont typeface="Arial" panose="020B0604020202020204" pitchFamily="34" charset="0"/>
               <a:buChar char="•"/>
             </a:pPr>
+            <a:r>
+              <a:rPr lang="fr-FR" sz="1600" dirty="0">
+                <a:solidFill>
+                  <a:schemeClr val="tx1"/>
+                </a:solidFill>
+                <a:latin typeface="Comic Sans MS" panose="030F0702030302020204" pitchFamily="66" charset="0"/>
+                <a:ea typeface="JetBrains Mono" panose="02000009000000000000" pitchFamily="49" charset="0"/>
+                <a:cs typeface="Arial" panose="020B0604020202020204" pitchFamily="34" charset="0"/>
+              </a:rPr>
+              <a:t>Les colles</a:t>
+            </a:r>
+          </a:p>
+          <a:p>
+            <a:pPr marL="357750" indent="-285750">
+              <a:buFont typeface="Arial" panose="020B0604020202020204" pitchFamily="34" charset="0"/>
+              <a:buChar char="•"/>
+            </a:pPr>
+            <a:r>
+              <a:rPr lang="fr-FR" sz="1600" dirty="0">
+                <a:solidFill>
+                  <a:schemeClr val="tx1"/>
+                </a:solidFill>
+                <a:latin typeface="Comic Sans MS" panose="030F0702030302020204" pitchFamily="66" charset="0"/>
+                <a:ea typeface="JetBrains Mono" panose="02000009000000000000" pitchFamily="49" charset="0"/>
+                <a:cs typeface="Arial" panose="020B0604020202020204" pitchFamily="34" charset="0"/>
+              </a:rPr>
+              <a:t>Le collage</a:t>
+            </a:r>
+          </a:p>
+          <a:p>
+            <a:pPr marL="357750" indent="-285750">
+              <a:buFont typeface="Arial" panose="020B0604020202020204" pitchFamily="34" charset="0"/>
+              <a:buChar char="•"/>
+            </a:pPr>
+            <a:r>
+              <a:rPr lang="fr-FR" sz="1600" dirty="0">
+                <a:solidFill>
+                  <a:schemeClr val="tx1"/>
+                </a:solidFill>
+                <a:latin typeface="Comic Sans MS" panose="030F0702030302020204" pitchFamily="66" charset="0"/>
+                <a:ea typeface="JetBrains Mono" panose="02000009000000000000" pitchFamily="49" charset="0"/>
+                <a:cs typeface="Arial" panose="020B0604020202020204" pitchFamily="34" charset="0"/>
+              </a:rPr>
+              <a:t>Le serrage</a:t>
+            </a:r>
+          </a:p>
+          <a:p>
+            <a:pPr marL="357750" indent="-285750">
+              <a:buFont typeface="Arial" panose="020B0604020202020204" pitchFamily="34" charset="0"/>
+              <a:buChar char="•"/>
+            </a:pPr>
+            <a:r>
+              <a:rPr lang="fr-FR" sz="1600" dirty="0">
+                <a:solidFill>
+                  <a:schemeClr val="tx1"/>
+                </a:solidFill>
+                <a:latin typeface="Comic Sans MS" panose="030F0702030302020204" pitchFamily="66" charset="0"/>
+                <a:ea typeface="JetBrains Mono" panose="02000009000000000000" pitchFamily="49" charset="0"/>
+                <a:cs typeface="Arial" panose="020B0604020202020204" pitchFamily="34" charset="0"/>
+              </a:rPr>
+              <a:t>Le calepinage</a:t>
+            </a:r>
+          </a:p>
+          <a:p>
+            <a:pPr marL="357750" indent="-285750">
+              <a:buFont typeface="Arial" panose="020B0604020202020204" pitchFamily="34" charset="0"/>
+              <a:buChar char="•"/>
+            </a:pPr>
+            <a:r>
+              <a:rPr lang="fr-FR" sz="1600" dirty="0">
+                <a:solidFill>
+                  <a:schemeClr val="tx1"/>
+                </a:solidFill>
+                <a:latin typeface="Comic Sans MS" panose="030F0702030302020204" pitchFamily="66" charset="0"/>
+                <a:ea typeface="JetBrains Mono" panose="02000009000000000000" pitchFamily="49" charset="0"/>
+                <a:cs typeface="Arial" panose="020B0604020202020204" pitchFamily="34" charset="0"/>
+              </a:rPr>
+              <a:t>Processus de fabrication</a:t>
+            </a:r>
+          </a:p>
+          <a:p>
+            <a:pPr marL="357750" indent="-285750">
+              <a:buFont typeface="Arial" panose="020B0604020202020204" pitchFamily="34" charset="0"/>
+              <a:buChar char="•"/>
+            </a:pPr>
+            <a:r>
+              <a:rPr lang="fr-FR" sz="1600" dirty="0">
+                <a:solidFill>
+                  <a:schemeClr val="tx1"/>
+                </a:solidFill>
+                <a:latin typeface="Comic Sans MS" panose="030F0702030302020204" pitchFamily="66" charset="0"/>
+                <a:ea typeface="JetBrains Mono" panose="02000009000000000000" pitchFamily="49" charset="0"/>
+                <a:cs typeface="Arial" panose="020B0604020202020204" pitchFamily="34" charset="0"/>
+              </a:rPr>
+              <a:t>Les lames de scie circulaire</a:t>
+            </a:r>
+          </a:p>
+          <a:p>
+            <a:pPr marL="357750" indent="-285750">
+              <a:buFont typeface="Arial" panose="020B0604020202020204" pitchFamily="34" charset="0"/>
+              <a:buChar char="•"/>
+            </a:pPr>
+            <a:r>
+              <a:rPr lang="fr-FR" sz="1600" dirty="0">
+                <a:solidFill>
+                  <a:schemeClr val="tx1"/>
+                </a:solidFill>
+                <a:latin typeface="Comic Sans MS" panose="030F0702030302020204" pitchFamily="66" charset="0"/>
+                <a:ea typeface="JetBrains Mono" panose="02000009000000000000" pitchFamily="49" charset="0"/>
+                <a:cs typeface="Arial" panose="020B0604020202020204" pitchFamily="34" charset="0"/>
+              </a:rPr>
+              <a:t>La lamelleuse</a:t>
+            </a:r>
+          </a:p>
+          <a:p>
+            <a:pPr marL="357750" indent="-285750">
+              <a:buFont typeface="Arial" panose="020B0604020202020204" pitchFamily="34" charset="0"/>
+              <a:buChar char="•"/>
+            </a:pPr>
+            <a:r>
+              <a:rPr lang="fr-FR" sz="1600" dirty="0">
+                <a:solidFill>
+                  <a:schemeClr val="tx1"/>
+                </a:solidFill>
+                <a:latin typeface="Comic Sans MS" panose="030F0702030302020204" pitchFamily="66" charset="0"/>
+                <a:ea typeface="JetBrains Mono" panose="02000009000000000000" pitchFamily="49" charset="0"/>
+                <a:cs typeface="Arial" panose="020B0604020202020204" pitchFamily="34" charset="0"/>
+              </a:rPr>
+              <a:t>Le calepinage</a:t>
+            </a:r>
+          </a:p>
+          <a:p>
+            <a:pPr marL="357750" indent="-285750">
+              <a:buFont typeface="Arial" panose="020B0604020202020204" pitchFamily="34" charset="0"/>
+              <a:buChar char="•"/>
+            </a:pPr>
+            <a:r>
+              <a:rPr lang="fr-FR" sz="1600">
+                <a:solidFill>
+                  <a:schemeClr val="tx1"/>
+                </a:solidFill>
+                <a:latin typeface="Comic Sans MS" panose="030F0702030302020204" pitchFamily="66" charset="0"/>
+                <a:ea typeface="JetBrains Mono" panose="02000009000000000000" pitchFamily="49" charset="0"/>
+                <a:cs typeface="Arial" panose="020B0604020202020204" pitchFamily="34" charset="0"/>
+              </a:rPr>
+              <a:t>La nomenclature</a:t>
+            </a:r>
             <a:endParaRPr lang="fr-FR" sz="1600" dirty="0">
               <a:solidFill>
                 <a:schemeClr val="tx1"/>
@@ -4069,12 +4217,24 @@
             <a:pPr algn="ctr"/>
             <a:r>
               <a:rPr lang="fr-FR" b="1" dirty="0">
-                <a:latin typeface="Comic Sans MS" panose="030F0702030302020204" pitchFamily="66" charset="0"/>
+                <a:latin typeface="+mj-lt"/>
                 <a:ea typeface="JetBrains Mono" panose="02000009000000000000" pitchFamily="49" charset="0"/>
                 <a:cs typeface="JetBrains Mono" panose="02000009000000000000" pitchFamily="49" charset="0"/>
               </a:rPr>
-              <a:t>Sujet : Le dessous de plat</a:t>
-            </a:r>
+              <a:t>Sujet : </a:t>
+            </a:r>
+            <a:r>
+              <a:rPr lang="fr-FR" b="1" dirty="0">
+                <a:latin typeface="+mj-lt"/>
+                <a:cs typeface="Arial" panose="020B0604020202020204" pitchFamily="34" charset="0"/>
+              </a:rPr>
+              <a:t>Support ordinateur </a:t>
+            </a:r>
+            <a:endParaRPr lang="fr-FR" b="1" dirty="0">
+              <a:latin typeface="+mj-lt"/>
+              <a:ea typeface="JetBrains Mono" panose="02000009000000000000" pitchFamily="49" charset="0"/>
+              <a:cs typeface="JetBrains Mono" panose="02000009000000000000" pitchFamily="49" charset="0"/>
+            </a:endParaRPr>
           </a:p>
         </p:txBody>
       </p:sp>
@@ -4110,20 +4270,14 @@
       </p:grpSpPr>
       <p:sp>
         <p:nvSpPr>
-          <p:cNvPr id="16" name="Rectangle 15">
-            <a:extLst>
-              <a:ext uri="{FF2B5EF4-FFF2-40B4-BE49-F238E27FC236}">
-                <a16:creationId xmlns:a16="http://schemas.microsoft.com/office/drawing/2014/main" id="{813D6DD5-D05F-4784-8EA3-A58DB35FAEFF}"/>
-              </a:ext>
-            </a:extLst>
-          </p:cNvPr>
+          <p:cNvPr id="17" name="Rectangle 16"/>
           <p:cNvSpPr/>
           <p:nvPr/>
         </p:nvSpPr>
         <p:spPr>
           <a:xfrm>
-            <a:off x="142517" y="1371599"/>
-            <a:ext cx="14797158" cy="9248281"/>
+            <a:off x="4039557" y="179881"/>
+            <a:ext cx="7040235" cy="10440000"/>
           </a:xfrm>
           <a:prstGeom prst="rect">
             <a:avLst/>
@@ -4145,298 +4299,302 @@
           </a:fontRef>
         </p:style>
         <p:txBody>
-          <a:bodyPr numCol="2" rtlCol="0" anchor="ctr"/>
+          <a:bodyPr rtlCol="0" anchor="ctr"/>
           <a:lstStyle/>
           <a:p>
-            <a:pPr marL="144000"/>
-            <a:endParaRPr lang="fr-FR" sz="1600" b="1" dirty="0"/>
-          </a:p>
-          <a:p>
-            <a:pPr marL="144000"/>
-            <a:endParaRPr lang="fr-FR" b="1" dirty="0"/>
-          </a:p>
-          <a:p>
-            <a:pPr marL="144000"/>
-            <a:r>
-              <a:rPr lang="fr-FR" b="1" dirty="0" err="1"/>
-              <a:t>ChatGPT</a:t>
-            </a:r>
-            <a:r>
-              <a:rPr lang="fr-FR" b="1" dirty="0"/>
-              <a:t> (</a:t>
-            </a:r>
-            <a:r>
-              <a:rPr lang="fr-FR" b="1" dirty="0" err="1"/>
-              <a:t>OpenIA</a:t>
-            </a:r>
-            <a:r>
-              <a:rPr lang="fr-FR" b="1" dirty="0"/>
-              <a:t>):</a:t>
-            </a:r>
-          </a:p>
-          <a:p>
-            <a:pPr marL="144000"/>
+            <a:pPr marL="72000"/>
+            <a:r>
+              <a:rPr lang="fr-FR" b="1" dirty="0">
+                <a:cs typeface="Arial" panose="020B0604020202020204" pitchFamily="34" charset="0"/>
+              </a:rPr>
+              <a:t>Contexte professionnel :</a:t>
+            </a:r>
+            <a:endParaRPr lang="fr-FR" dirty="0">
+              <a:cs typeface="Arial" panose="020B0604020202020204" pitchFamily="34" charset="0"/>
+            </a:endParaRPr>
+          </a:p>
+          <a:p>
+            <a:pPr marL="72000"/>
+            <a:r>
+              <a:rPr lang="fr-FR" dirty="0"/>
+              <a:t>La région a lancé un projet pour équiper les élèves de supports pour ordinateurs portables, afin d’améliorer les conditions de travail des élèves. </a:t>
+            </a:r>
+          </a:p>
+          <a:p>
+            <a:pPr marL="72000"/>
             <a:endParaRPr lang="fr-FR" dirty="0"/>
           </a:p>
           <a:p>
-            <a:pPr marL="144000"/>
+            <a:pPr marL="72000"/>
             <a:r>
               <a:rPr lang="fr-FR" dirty="0"/>
-              <a:t>la menuiserie sera impactée par l’intelligence artificielle (IA), mais plutôt comme un outil d’optimisation que comme un remplacement des artisans. […]</a:t>
-            </a:r>
-          </a:p>
-          <a:p>
-            <a:pPr marL="144000"/>
-            <a:r>
-              <a:rPr lang="fr-FR" b="1" dirty="0"/>
-              <a:t>L'IA, un allié plutôt qu’un remplaçant</a:t>
-            </a:r>
-          </a:p>
-          <a:p>
-            <a:pPr marL="144000"/>
-            <a:r>
-              <a:rPr lang="fr-FR" dirty="0"/>
-              <a:t>Même avec des avancées, </a:t>
-            </a:r>
-            <a:r>
-              <a:rPr lang="fr-FR" b="1" dirty="0"/>
-              <a:t>la sensibilité, la créativité et l’adaptabilité d’un artisan menuisier resteront essentielles</a:t>
-            </a:r>
-            <a:r>
-              <a:rPr lang="fr-FR" dirty="0"/>
-              <a:t>. L’IA optimisera la productivité, mais ne remplacera pas le savoir-faire et l’expérience nécessaires pour comprendre et travailler le bois.</a:t>
-            </a:r>
-          </a:p>
-          <a:p>
-            <a:pPr marL="144000"/>
-            <a:endParaRPr lang="fr-FR" dirty="0"/>
-          </a:p>
-          <a:p>
-            <a:pPr marL="144000"/>
-            <a:r>
-              <a:rPr lang="fr-FR" b="1" dirty="0" err="1"/>
-              <a:t>DeepSeek</a:t>
-            </a:r>
-            <a:r>
-              <a:rPr lang="fr-FR" b="1" dirty="0"/>
-              <a:t> (High-Flyer): </a:t>
-            </a:r>
-          </a:p>
-          <a:p>
-            <a:pPr marL="144000"/>
-            <a:endParaRPr lang="fr-FR" dirty="0"/>
-          </a:p>
-          <a:p>
-            <a:pPr marL="144000"/>
-            <a:r>
-              <a:rPr lang="fr-FR" dirty="0"/>
-              <a:t>La menuiserie restera probablement un domaine où le savoir-faire artisanal et la créativité humaine resteront essentiels. </a:t>
-            </a:r>
-            <a:r>
-              <a:rPr lang="fr-FR" b="1" dirty="0"/>
-              <a:t>L'IA sera plutôt un outil complémentaire pour améliorer l'efficacité</a:t>
-            </a:r>
-            <a:r>
-              <a:rPr lang="fr-FR" dirty="0"/>
-              <a:t> et la qualité, plutôt qu'un remplacement total des compétences humaines.</a:t>
-            </a:r>
-          </a:p>
-          <a:p>
-            <a:pPr marL="144000"/>
-            <a:endParaRPr lang="fr-FR" dirty="0"/>
-          </a:p>
-          <a:p>
-            <a:pPr marL="144000"/>
-            <a:r>
-              <a:rPr lang="fr-FR" b="1" dirty="0" err="1"/>
-              <a:t>Copilot</a:t>
-            </a:r>
-            <a:r>
-              <a:rPr lang="fr-FR" b="1" dirty="0"/>
-              <a:t> (Windows) : </a:t>
-            </a:r>
-          </a:p>
-          <a:p>
-            <a:pPr marL="144000"/>
-            <a:endParaRPr lang="fr-FR" dirty="0"/>
-          </a:p>
-          <a:p>
-            <a:pPr marL="144000"/>
-            <a:r>
-              <a:rPr lang="fr-FR" dirty="0"/>
-              <a:t>Oui, l'intelligence artificielle (IA) devrait avoir un impact significatif sur la menuiserie. Voici quelques raisons principales : (en résumé)</a:t>
-            </a:r>
-          </a:p>
-          <a:p>
-            <a:pPr marL="144000"/>
-            <a:r>
-              <a:rPr lang="fr-FR" dirty="0"/>
-              <a:t>Optimisation de la conception et de la modélisation</a:t>
-            </a:r>
-          </a:p>
-          <a:p>
-            <a:pPr marL="144000"/>
-            <a:r>
-              <a:rPr lang="fr-FR" dirty="0"/>
-              <a:t>Prédiction des pannes et maintenance prédictive</a:t>
-            </a:r>
-          </a:p>
-          <a:p>
-            <a:pPr marL="144000"/>
-            <a:r>
-              <a:rPr lang="fr-FR" dirty="0"/>
-              <a:t>Sécurité et ergonomie</a:t>
-            </a:r>
-          </a:p>
-          <a:p>
-            <a:pPr marL="144000"/>
-            <a:r>
-              <a:rPr lang="fr-FR" dirty="0"/>
-              <a:t>Automatisation des</a:t>
-            </a:r>
-          </a:p>
-          <a:p>
-            <a:pPr marL="144000"/>
-            <a:r>
-              <a:rPr lang="fr-FR" dirty="0"/>
-              <a:t>Gestion des projets et des risques</a:t>
-            </a:r>
-          </a:p>
-          <a:p>
-            <a:pPr marL="144000"/>
-            <a:endParaRPr lang="fr-FR" dirty="0"/>
-          </a:p>
-          <a:p>
-            <a:pPr marL="144000"/>
-            <a:endParaRPr lang="fr-FR" b="1" dirty="0"/>
-          </a:p>
-          <a:p>
-            <a:pPr marL="144000"/>
-            <a:endParaRPr lang="fr-FR" b="1" dirty="0"/>
-          </a:p>
-          <a:p>
-            <a:pPr marL="144000"/>
-            <a:endParaRPr lang="fr-FR" b="1" dirty="0"/>
-          </a:p>
-          <a:p>
-            <a:pPr marL="144000"/>
-            <a:endParaRPr lang="fr-FR" b="1" dirty="0"/>
-          </a:p>
-          <a:p>
-            <a:pPr marL="144000"/>
-            <a:r>
-              <a:rPr lang="fr-FR" b="1" dirty="0" err="1"/>
-              <a:t>MyAI</a:t>
-            </a:r>
-            <a:r>
-              <a:rPr lang="fr-FR" b="1" dirty="0"/>
-              <a:t> (</a:t>
-            </a:r>
-            <a:r>
-              <a:rPr lang="fr-FR" b="1" dirty="0" err="1"/>
-              <a:t>SnapChat</a:t>
-            </a:r>
-            <a:r>
-              <a:rPr lang="fr-FR" b="1" dirty="0"/>
-              <a:t>) : </a:t>
-            </a:r>
-          </a:p>
-          <a:p>
-            <a:pPr marL="144000"/>
-            <a:endParaRPr lang="fr-FR" dirty="0"/>
-          </a:p>
-          <a:p>
-            <a:pPr marL="144000"/>
-            <a:r>
-              <a:rPr lang="fr-FR" dirty="0"/>
-              <a:t>La menuiserie, comme beaucoup d'autres métiers, pourrait être impactée par l'intelligence artificielle. Par exemple, des outils automatisés pourraient aider à concevoir des meubles plus rapidement ou à optimiser la production. Ça pourrait aussi permettre de personnaliser les designs selon les goûts des clients. Mais d'un autre côté, </a:t>
-            </a:r>
-            <a:r>
-              <a:rPr lang="fr-FR" b="1" dirty="0"/>
-              <a:t>il y a toujours un besoin pour le savoir-faire humain</a:t>
-            </a:r>
-            <a:r>
-              <a:rPr lang="fr-FR" dirty="0"/>
-              <a:t>, surtout pour des créations uniques ou des réparations délicates. Donc, </a:t>
-            </a:r>
-            <a:r>
-              <a:rPr lang="fr-FR" b="1" dirty="0"/>
-              <a:t>je pense que l'IA pourrait compléter le travail </a:t>
-            </a:r>
-            <a:r>
-              <a:rPr lang="fr-FR" dirty="0"/>
-              <a:t>des menuisiers plutôt que de le remplacer complètement. </a:t>
-            </a:r>
-          </a:p>
-          <a:p>
-            <a:pPr marL="144000"/>
-            <a:endParaRPr lang="fr-FR" dirty="0"/>
-          </a:p>
-          <a:p>
-            <a:pPr marL="144000"/>
-            <a:r>
-              <a:rPr lang="fr-FR" b="1" dirty="0" err="1"/>
-              <a:t>Grok</a:t>
-            </a:r>
-            <a:r>
-              <a:rPr lang="fr-FR" b="1" dirty="0"/>
-              <a:t> (Elon Musk / X) : </a:t>
-            </a:r>
-          </a:p>
-          <a:p>
-            <a:pPr marL="144000"/>
-            <a:endParaRPr lang="fr-FR" dirty="0"/>
-          </a:p>
-          <a:p>
-            <a:pPr marL="144000"/>
-            <a:r>
-              <a:rPr lang="fr-FR" dirty="0"/>
-              <a:t>[…] il est important de noter que :</a:t>
-            </a:r>
-            <a:br>
-              <a:rPr lang="fr-FR" dirty="0"/>
-            </a:br>
-            <a:r>
-              <a:rPr lang="fr-FR" dirty="0"/>
-              <a:t>- </a:t>
-            </a:r>
-            <a:r>
-              <a:rPr lang="fr-FR" b="1" dirty="0"/>
-              <a:t>La menuiserie artisanale, qui valorise le savoir-faire et l'originalité, continuera probablement à exister</a:t>
-            </a:r>
-            <a:r>
-              <a:rPr lang="fr-FR" dirty="0"/>
-              <a:t> parallèlement à ces innovations technologiques. L'IA pourrait même augmenter la valeur de ces compétences en permettant aux artisans de se concentrer sur le travail créatif plutôt que sur les tâches répétitives.</a:t>
-            </a:r>
-          </a:p>
-          <a:p>
-            <a:pPr marL="144000"/>
-            <a:r>
-              <a:rPr lang="fr-FR" dirty="0"/>
-              <a:t>- Les menuisiers devront s'adapter aux nouvelles technologies, ce qui pourrait nécessiter des formations continues pour rester compétitifs.</a:t>
-            </a:r>
-            <a:br>
-              <a:rPr lang="fr-FR" dirty="0"/>
-            </a:br>
-            <a:r>
-              <a:rPr lang="fr-FR" dirty="0"/>
-              <a:t>En résumé, bien que </a:t>
-            </a:r>
-            <a:r>
-              <a:rPr lang="fr-FR" b="1" dirty="0"/>
-              <a:t>l'IA ne remplace pas complètement les menuisiers</a:t>
-            </a:r>
-            <a:r>
-              <a:rPr lang="fr-FR" dirty="0"/>
-              <a:t>, elle peut transformer profondément les méthodes de travail, les rendant plus efficaces, sûres et créatives.</a:t>
-            </a:r>
-          </a:p>
-          <a:p>
-            <a:pPr marL="144000"/>
-            <a:endParaRPr lang="fr-FR" sz="1600" dirty="0"/>
-          </a:p>
-        </p:txBody>
-      </p:sp>
+              <a:t>Ces supports doivent être fonctionnels, robustes, esthétiques. Ce projet permet aux élèves de mettre en pratique leurs compétences en menuiserie et en conception technique, tout en contribuant à un besoin concret.</a:t>
+            </a:r>
+          </a:p>
+          <a:p>
+            <a:pPr marL="72000"/>
+            <a:endParaRPr lang="fr-FR" dirty="0">
+              <a:cs typeface="Arial" panose="020B0604020202020204" pitchFamily="34" charset="0"/>
+            </a:endParaRPr>
+          </a:p>
+          <a:p>
+            <a:pPr marL="72000"/>
+            <a:r>
+              <a:rPr lang="fr-FR" b="1" dirty="0">
+                <a:cs typeface="Arial" panose="020B0604020202020204" pitchFamily="34" charset="0"/>
+              </a:rPr>
+              <a:t>Mise en situation :</a:t>
+            </a:r>
+          </a:p>
+          <a:p>
+            <a:pPr marL="72000"/>
+            <a:r>
+              <a:rPr lang="fr-FR" dirty="0">
+                <a:cs typeface="Arial" panose="020B0604020202020204" pitchFamily="34" charset="0"/>
+              </a:rPr>
+              <a:t>Afin de déterminer si les menuisiers sont remplaçable par l’intelligence artificielle, vous participez à une expérience ou des questions sont posées à des I.A pour effectuer des analyses et des études de situations en menuiserie</a:t>
+            </a:r>
+          </a:p>
+          <a:p>
+            <a:pPr marL="72000"/>
+            <a:endParaRPr lang="fr-FR" dirty="0">
+              <a:cs typeface="Arial" panose="020B0604020202020204" pitchFamily="34" charset="0"/>
+            </a:endParaRPr>
+          </a:p>
+          <a:p>
+            <a:pPr marL="72000"/>
+            <a:r>
+              <a:rPr lang="fr-FR" b="1" dirty="0">
+                <a:cs typeface="Arial" panose="020B0604020202020204" pitchFamily="34" charset="0"/>
+              </a:rPr>
+              <a:t>Objectif :</a:t>
+            </a:r>
+          </a:p>
+          <a:p>
+            <a:pPr marL="72000"/>
+            <a:r>
+              <a:rPr lang="fr-FR" dirty="0">
+                <a:cs typeface="Arial" panose="020B0604020202020204" pitchFamily="34" charset="0"/>
+              </a:rPr>
+              <a:t>Sélectionnez une bille de bois abattue pendant les mois recommandés d’abattage et déterminez les parties utile en menuiserie.</a:t>
+            </a:r>
+          </a:p>
+        </p:txBody>
+      </p:sp>
+      <p:sp>
+        <p:nvSpPr>
+          <p:cNvPr id="18" name="Rectangle 17"/>
+          <p:cNvSpPr/>
+          <p:nvPr/>
+        </p:nvSpPr>
+        <p:spPr>
+          <a:xfrm>
+            <a:off x="142517" y="1390649"/>
+            <a:ext cx="3763202" cy="9229231"/>
+          </a:xfrm>
+          <a:prstGeom prst="rect">
+            <a:avLst/>
+          </a:prstGeom>
+          <a:ln w="57150"/>
+        </p:spPr>
+        <p:style>
+          <a:lnRef idx="2">
+            <a:schemeClr val="dk1"/>
+          </a:lnRef>
+          <a:fillRef idx="1">
+            <a:schemeClr val="lt1"/>
+          </a:fillRef>
+          <a:effectRef idx="0">
+            <a:schemeClr val="dk1"/>
+          </a:effectRef>
+          <a:fontRef idx="minor">
+            <a:schemeClr val="dk1"/>
+          </a:fontRef>
+        </p:style>
+        <p:txBody>
+          <a:bodyPr rtlCol="0" anchor="ctr"/>
+          <a:lstStyle/>
+          <a:p>
+            <a:pPr marL="72000"/>
+            <a:r>
+              <a:rPr lang="fr-FR" b="1" dirty="0">
+                <a:cs typeface="Arial" panose="020B0604020202020204" pitchFamily="34" charset="0"/>
+              </a:rPr>
+              <a:t>On demande : </a:t>
+            </a:r>
+          </a:p>
+          <a:p>
+            <a:pPr marL="72000"/>
+            <a:r>
+              <a:rPr lang="fr-FR" sz="1600" dirty="0">
+                <a:cs typeface="Arial" panose="020B0604020202020204" pitchFamily="34" charset="0"/>
+              </a:rPr>
+              <a:t>De répondre a des questions en réalisant des recherches avec l’I.A ou les moteurs de recherche.</a:t>
+            </a:r>
+          </a:p>
+          <a:p>
+            <a:pPr marL="72000"/>
+            <a:endParaRPr lang="fr-FR" b="1" dirty="0">
+              <a:cs typeface="Arial" panose="020B0604020202020204" pitchFamily="34" charset="0"/>
+            </a:endParaRPr>
+          </a:p>
+          <a:p>
+            <a:pPr marL="72000"/>
+            <a:r>
+              <a:rPr lang="fr-FR" b="1" dirty="0">
+                <a:cs typeface="Arial" panose="020B0604020202020204" pitchFamily="34" charset="0"/>
+              </a:rPr>
+              <a:t>On donne :</a:t>
+            </a:r>
+          </a:p>
+          <a:p>
+            <a:pPr marL="72000"/>
+            <a:r>
+              <a:rPr lang="fr-FR" sz="1600" dirty="0">
+                <a:cs typeface="Arial" panose="020B0604020202020204" pitchFamily="34" charset="0"/>
+              </a:rPr>
+              <a:t>Des illustrations sur l’arbre, la bille de bois et les différentes coupes</a:t>
+            </a:r>
+          </a:p>
+        </p:txBody>
+      </p:sp>
+      <p:sp>
+        <p:nvSpPr>
+          <p:cNvPr id="19" name="Rectangle 18"/>
+          <p:cNvSpPr/>
+          <p:nvPr/>
+        </p:nvSpPr>
+        <p:spPr>
+          <a:xfrm>
+            <a:off x="11213630" y="1390649"/>
+            <a:ext cx="3726044" cy="9229231"/>
+          </a:xfrm>
+          <a:prstGeom prst="rect">
+            <a:avLst/>
+          </a:prstGeom>
+          <a:ln w="57150"/>
+        </p:spPr>
+        <p:style>
+          <a:lnRef idx="2">
+            <a:schemeClr val="dk1"/>
+          </a:lnRef>
+          <a:fillRef idx="1">
+            <a:schemeClr val="lt1"/>
+          </a:fillRef>
+          <a:effectRef idx="0">
+            <a:schemeClr val="dk1"/>
+          </a:effectRef>
+          <a:fontRef idx="minor">
+            <a:schemeClr val="dk1"/>
+          </a:fontRef>
+        </p:style>
+        <p:txBody>
+          <a:bodyPr rtlCol="0" anchor="b"/>
+          <a:lstStyle/>
+          <a:p>
+            <a:pPr marL="72000" algn="ctr">
+              <a:lnSpc>
+                <a:spcPct val="120000"/>
+              </a:lnSpc>
+            </a:pPr>
+            <a:endParaRPr lang="fr-FR" sz="1400" spc="300" dirty="0">
+              <a:latin typeface="Comic Sans MS" panose="030F0702030302020204" pitchFamily="66" charset="0"/>
+              <a:ea typeface="JetBrains Mono" panose="02000009000000000000" pitchFamily="49" charset="0"/>
+              <a:cs typeface="JetBrains Mono" panose="02000009000000000000" pitchFamily="49" charset="0"/>
+            </a:endParaRPr>
+          </a:p>
+          <a:p>
+            <a:pPr marL="72000" algn="ctr">
+              <a:lnSpc>
+                <a:spcPct val="120000"/>
+              </a:lnSpc>
+            </a:pPr>
+            <a:endParaRPr lang="fr-FR" sz="1400" spc="300" dirty="0">
+              <a:latin typeface="Comic Sans MS" panose="030F0702030302020204" pitchFamily="66" charset="0"/>
+              <a:ea typeface="JetBrains Mono" panose="02000009000000000000" pitchFamily="49" charset="0"/>
+              <a:cs typeface="JetBrains Mono" panose="02000009000000000000" pitchFamily="49" charset="0"/>
+            </a:endParaRPr>
+          </a:p>
+          <a:p>
+            <a:pPr marL="72000" algn="ctr">
+              <a:lnSpc>
+                <a:spcPct val="120000"/>
+              </a:lnSpc>
+            </a:pPr>
+            <a:endParaRPr lang="fr-FR" sz="1400" spc="300" dirty="0">
+              <a:latin typeface="Comic Sans MS" panose="030F0702030302020204" pitchFamily="66" charset="0"/>
+              <a:ea typeface="JetBrains Mono" panose="02000009000000000000" pitchFamily="49" charset="0"/>
+              <a:cs typeface="JetBrains Mono" panose="02000009000000000000" pitchFamily="49" charset="0"/>
+            </a:endParaRPr>
+          </a:p>
+          <a:p>
+            <a:pPr marL="72000" algn="ctr">
+              <a:lnSpc>
+                <a:spcPct val="120000"/>
+              </a:lnSpc>
+            </a:pPr>
+            <a:endParaRPr lang="fr-FR" sz="1400" spc="300" dirty="0">
+              <a:latin typeface="Comic Sans MS" panose="030F0702030302020204" pitchFamily="66" charset="0"/>
+              <a:ea typeface="JetBrains Mono" panose="02000009000000000000" pitchFamily="49" charset="0"/>
+              <a:cs typeface="JetBrains Mono" panose="02000009000000000000" pitchFamily="49" charset="0"/>
+            </a:endParaRPr>
+          </a:p>
+          <a:p>
+            <a:pPr marL="72000" algn="ctr">
+              <a:lnSpc>
+                <a:spcPct val="120000"/>
+              </a:lnSpc>
+            </a:pPr>
+            <a:endParaRPr lang="fr-FR" sz="1600" spc="300" dirty="0">
+              <a:latin typeface="Comic Sans MS" panose="030F0702030302020204" pitchFamily="66" charset="0"/>
+              <a:ea typeface="JetBrains Mono" panose="02000009000000000000" pitchFamily="49" charset="0"/>
+              <a:cs typeface="JetBrains Mono" panose="02000009000000000000" pitchFamily="49" charset="0"/>
+            </a:endParaRPr>
+          </a:p>
+          <a:p>
+            <a:pPr marL="72000" algn="ctr">
+              <a:lnSpc>
+                <a:spcPct val="120000"/>
+              </a:lnSpc>
+            </a:pPr>
+            <a:endParaRPr lang="fr-FR" spc="300" dirty="0">
+              <a:latin typeface="Comic Sans MS" panose="030F0702030302020204" pitchFamily="66" charset="0"/>
+              <a:ea typeface="JetBrains Mono" panose="02000009000000000000" pitchFamily="49" charset="0"/>
+              <a:cs typeface="JetBrains Mono" panose="02000009000000000000" pitchFamily="49" charset="0"/>
+            </a:endParaRPr>
+          </a:p>
+        </p:txBody>
+      </p:sp>
+      <p:pic>
+        <p:nvPicPr>
+          <p:cNvPr id="22" name="Picture 21"/>
+          <p:cNvPicPr>
+            <a:picLocks noChangeAspect="1"/>
+          </p:cNvPicPr>
+          <p:nvPr/>
+        </p:nvPicPr>
+        <p:blipFill>
+          <a:blip r:embed="rId2"/>
+          <a:stretch>
+            <a:fillRect/>
+          </a:stretch>
+        </p:blipFill>
+        <p:spPr>
+          <a:xfrm>
+            <a:off x="11347468" y="4033587"/>
+            <a:ext cx="3458367" cy="2732587"/>
+          </a:xfrm>
+          <a:prstGeom prst="rect">
+            <a:avLst/>
+          </a:prstGeom>
+          <a:ln>
+            <a:noFill/>
+          </a:ln>
+          <a:effectLst>
+            <a:softEdge rad="112500"/>
+          </a:effectLst>
+        </p:spPr>
+      </p:pic>
       <p:sp>
         <p:nvSpPr>
           <p:cNvPr id="24" name="Rectangle 23"/>
@@ -4551,116 +4709,10 @@
           </a:p>
         </p:txBody>
       </p:sp>
-      <p:sp>
-        <p:nvSpPr>
-          <p:cNvPr id="20" name="Rounded Rectangle 19"/>
-          <p:cNvSpPr/>
-          <p:nvPr/>
-        </p:nvSpPr>
-        <p:spPr>
-          <a:xfrm>
-            <a:off x="14127675" y="10044399"/>
-            <a:ext cx="895962" cy="685971"/>
-          </a:xfrm>
-          <a:prstGeom prst="roundRect">
-            <a:avLst/>
-          </a:prstGeom>
-          <a:ln w="57150">
-            <a:solidFill>
-              <a:schemeClr val="tx1">
-                <a:lumMod val="50000"/>
-                <a:lumOff val="50000"/>
-              </a:schemeClr>
-            </a:solidFill>
-          </a:ln>
-        </p:spPr>
-        <p:style>
-          <a:lnRef idx="2">
-            <a:schemeClr val="dk1"/>
-          </a:lnRef>
-          <a:fillRef idx="1">
-            <a:schemeClr val="lt1"/>
-          </a:fillRef>
-          <a:effectRef idx="0">
-            <a:schemeClr val="dk1"/>
-          </a:effectRef>
-          <a:fontRef idx="minor">
-            <a:schemeClr val="dk1"/>
-          </a:fontRef>
-        </p:style>
-        <p:txBody>
-          <a:bodyPr rtlCol="0" anchor="ctr"/>
-          <a:lstStyle/>
-          <a:p>
-            <a:pPr algn="ctr"/>
-            <a:r>
-              <a:rPr lang="fr-FR" sz="2000" dirty="0">
-                <a:solidFill>
-                  <a:schemeClr val="tx1"/>
-                </a:solidFill>
-                <a:latin typeface="Comic Sans MS" panose="030F0702030302020204" pitchFamily="66" charset="0"/>
-              </a:rPr>
-              <a:t>1/4</a:t>
-            </a:r>
-          </a:p>
-        </p:txBody>
-      </p:sp>
-      <p:sp>
-        <p:nvSpPr>
-          <p:cNvPr id="6" name="Rectangle 5">
-            <a:extLst>
-              <a:ext uri="{FF2B5EF4-FFF2-40B4-BE49-F238E27FC236}">
-                <a16:creationId xmlns:a16="http://schemas.microsoft.com/office/drawing/2014/main" id="{C89B8474-B66E-45DB-9B1E-0E679910E6B5}"/>
-              </a:ext>
-            </a:extLst>
-          </p:cNvPr>
-          <p:cNvSpPr/>
-          <p:nvPr/>
-        </p:nvSpPr>
-        <p:spPr>
-          <a:xfrm>
-            <a:off x="4037183" y="179881"/>
-            <a:ext cx="7054150" cy="1067028"/>
-          </a:xfrm>
-          <a:prstGeom prst="rect">
-            <a:avLst/>
-          </a:prstGeom>
-          <a:ln w="57150"/>
-        </p:spPr>
-        <p:style>
-          <a:lnRef idx="2">
-            <a:schemeClr val="dk1"/>
-          </a:lnRef>
-          <a:fillRef idx="1">
-            <a:schemeClr val="lt1"/>
-          </a:fillRef>
-          <a:effectRef idx="0">
-            <a:schemeClr val="dk1"/>
-          </a:effectRef>
-          <a:fontRef idx="minor">
-            <a:schemeClr val="dk1"/>
-          </a:fontRef>
-        </p:style>
-        <p:txBody>
-          <a:bodyPr rtlCol="0" anchor="ctr"/>
-          <a:lstStyle/>
-          <a:p>
-            <a:pPr algn="ctr"/>
-            <a:r>
-              <a:rPr lang="fr-FR" b="1" dirty="0">
-                <a:latin typeface="Comic Sans MS" panose="030F0702030302020204" pitchFamily="66" charset="0"/>
-                <a:ea typeface="JetBrains Mono" panose="02000009000000000000" pitchFamily="49" charset="0"/>
-                <a:cs typeface="JetBrains Mono" panose="02000009000000000000" pitchFamily="49" charset="0"/>
-              </a:rPr>
-              <a:t>Est-ce que la menuiserie sera impactée par l'intelligence artificielle, et pourquoi ?</a:t>
-            </a:r>
-          </a:p>
-        </p:txBody>
-      </p:sp>
     </p:spTree>
     <p:extLst>
       <p:ext uri="{BB962C8B-B14F-4D97-AF65-F5344CB8AC3E}">
-        <p14:creationId xmlns:p14="http://schemas.microsoft.com/office/powerpoint/2010/main" val="4020604657"/>
+        <p14:creationId xmlns:p14="http://schemas.microsoft.com/office/powerpoint/2010/main" val="3063325749"/>
       </p:ext>
     </p:extLst>
   </p:cSld>
@@ -4689,14 +4741,20 @@
       </p:grpSpPr>
       <p:sp>
         <p:nvSpPr>
-          <p:cNvPr id="18" name="Rectangle 17"/>
+          <p:cNvPr id="16" name="Rectangle 15">
+            <a:extLst>
+              <a:ext uri="{FF2B5EF4-FFF2-40B4-BE49-F238E27FC236}">
+                <a16:creationId xmlns:a16="http://schemas.microsoft.com/office/drawing/2014/main" id="{813D6DD5-D05F-4784-8EA3-A58DB35FAEFF}"/>
+              </a:ext>
+            </a:extLst>
+          </p:cNvPr>
           <p:cNvSpPr/>
           <p:nvPr/>
         </p:nvSpPr>
         <p:spPr>
           <a:xfrm>
-            <a:off x="142517" y="1390649"/>
-            <a:ext cx="3763202" cy="9229231"/>
+            <a:off x="142517" y="1371599"/>
+            <a:ext cx="14797158" cy="9248281"/>
           </a:xfrm>
           <a:prstGeom prst="rect">
             <a:avLst/>
@@ -4718,54 +4776,295 @@
           </a:fontRef>
         </p:style>
         <p:txBody>
-          <a:bodyPr rtlCol="0" anchor="ctr"/>
+          <a:bodyPr numCol="2" rtlCol="0" anchor="ctr"/>
           <a:lstStyle/>
           <a:p>
+            <a:pPr marL="144000"/>
+            <a:endParaRPr lang="fr-FR" sz="1600" b="1" dirty="0"/>
+          </a:p>
+          <a:p>
+            <a:pPr marL="144000"/>
+            <a:endParaRPr lang="fr-FR" b="1" dirty="0"/>
+          </a:p>
+          <a:p>
+            <a:pPr marL="144000"/>
+            <a:r>
+              <a:rPr lang="fr-FR" b="1" dirty="0" err="1"/>
+              <a:t>ChatGPT</a:t>
+            </a:r>
+            <a:r>
+              <a:rPr lang="fr-FR" b="1" dirty="0"/>
+              <a:t> (</a:t>
+            </a:r>
+            <a:r>
+              <a:rPr lang="fr-FR" b="1" dirty="0" err="1"/>
+              <a:t>OpenIA</a:t>
+            </a:r>
+            <a:r>
+              <a:rPr lang="fr-FR" b="1" dirty="0"/>
+              <a:t>):</a:t>
+            </a:r>
+          </a:p>
+          <a:p>
+            <a:pPr marL="144000"/>
+            <a:endParaRPr lang="fr-FR" dirty="0"/>
+          </a:p>
+          <a:p>
+            <a:pPr marL="144000"/>
+            <a:r>
+              <a:rPr lang="fr-FR" dirty="0"/>
+              <a:t>la menuiserie sera impactée par l’intelligence artificielle (IA), mais plutôt comme un outil d’optimisation que comme un remplacement des artisans. […]</a:t>
+            </a:r>
+          </a:p>
+          <a:p>
+            <a:pPr marL="144000"/>
+            <a:r>
+              <a:rPr lang="fr-FR" b="1" dirty="0"/>
+              <a:t>L'IA, un allié plutôt qu’un remplaçant</a:t>
+            </a:r>
+          </a:p>
+          <a:p>
+            <a:pPr marL="144000"/>
+            <a:r>
+              <a:rPr lang="fr-FR" dirty="0"/>
+              <a:t>Même avec des avancées, </a:t>
+            </a:r>
+            <a:r>
+              <a:rPr lang="fr-FR" b="1" dirty="0"/>
+              <a:t>la sensibilité, la créativité et l’adaptabilité d’un artisan menuisier resteront essentielles</a:t>
+            </a:r>
+            <a:r>
+              <a:rPr lang="fr-FR" dirty="0"/>
+              <a:t>. L’IA optimisera la productivité, mais ne remplacera pas le savoir-faire et l’expérience nécessaires pour comprendre et travailler le bois.</a:t>
+            </a:r>
+          </a:p>
+          <a:p>
+            <a:pPr marL="144000"/>
+            <a:endParaRPr lang="fr-FR" dirty="0"/>
+          </a:p>
+          <a:p>
+            <a:pPr marL="144000"/>
+            <a:r>
+              <a:rPr lang="fr-FR" b="1" dirty="0" err="1"/>
+              <a:t>DeepSeek</a:t>
+            </a:r>
+            <a:r>
+              <a:rPr lang="fr-FR" b="1" dirty="0"/>
+              <a:t> (High-Flyer): </a:t>
+            </a:r>
+          </a:p>
+          <a:p>
+            <a:pPr marL="144000"/>
+            <a:endParaRPr lang="fr-FR" dirty="0"/>
+          </a:p>
+          <a:p>
+            <a:pPr marL="144000"/>
+            <a:r>
+              <a:rPr lang="fr-FR" dirty="0"/>
+              <a:t>La menuiserie restera probablement un domaine où le savoir-faire artisanal et la créativité humaine resteront essentiels. </a:t>
+            </a:r>
+            <a:r>
+              <a:rPr lang="fr-FR" b="1" dirty="0"/>
+              <a:t>L'IA sera plutôt un outil complémentaire pour améliorer l'efficacité</a:t>
+            </a:r>
+            <a:r>
+              <a:rPr lang="fr-FR" dirty="0"/>
+              <a:t> et la qualité, plutôt qu'un remplacement total des compétences humaines.</a:t>
+            </a:r>
+          </a:p>
+          <a:p>
+            <a:pPr marL="144000"/>
+            <a:endParaRPr lang="fr-FR" dirty="0"/>
+          </a:p>
+          <a:p>
+            <a:pPr marL="144000"/>
+            <a:r>
+              <a:rPr lang="fr-FR" b="1" dirty="0" err="1"/>
+              <a:t>Copilot</a:t>
+            </a:r>
+            <a:r>
+              <a:rPr lang="fr-FR" b="1" dirty="0"/>
+              <a:t> (Windows) : </a:t>
+            </a:r>
+          </a:p>
+          <a:p>
+            <a:pPr marL="144000"/>
+            <a:endParaRPr lang="fr-FR" dirty="0"/>
+          </a:p>
+          <a:p>
+            <a:pPr marL="144000"/>
+            <a:r>
+              <a:rPr lang="fr-FR" dirty="0"/>
+              <a:t>Oui, l'intelligence artificielle (IA) devrait avoir un impact significatif sur la menuiserie. Voici quelques raisons principales : (en résumé)</a:t>
+            </a:r>
+          </a:p>
+          <a:p>
+            <a:pPr marL="144000"/>
+            <a:r>
+              <a:rPr lang="fr-FR" dirty="0"/>
+              <a:t>Optimisation de la conception et de la modélisation</a:t>
+            </a:r>
+          </a:p>
+          <a:p>
+            <a:pPr marL="144000"/>
+            <a:r>
+              <a:rPr lang="fr-FR" dirty="0"/>
+              <a:t>Prédiction des pannes et maintenance prédictive</a:t>
+            </a:r>
+          </a:p>
+          <a:p>
+            <a:pPr marL="144000"/>
+            <a:r>
+              <a:rPr lang="fr-FR" dirty="0"/>
+              <a:t>Sécurité et ergonomie</a:t>
+            </a:r>
+          </a:p>
+          <a:p>
+            <a:pPr marL="144000"/>
+            <a:r>
+              <a:rPr lang="fr-FR" dirty="0"/>
+              <a:t>Automatisation des</a:t>
+            </a:r>
+          </a:p>
+          <a:p>
+            <a:pPr marL="144000"/>
+            <a:r>
+              <a:rPr lang="fr-FR" dirty="0"/>
+              <a:t>Gestion des projets et des risques</a:t>
+            </a:r>
+          </a:p>
+          <a:p>
+            <a:pPr marL="144000"/>
+            <a:endParaRPr lang="fr-FR" dirty="0"/>
+          </a:p>
+          <a:p>
+            <a:pPr marL="144000"/>
+            <a:endParaRPr lang="fr-FR" b="1" dirty="0"/>
+          </a:p>
+          <a:p>
+            <a:pPr marL="144000"/>
+            <a:endParaRPr lang="fr-FR" b="1" dirty="0"/>
+          </a:p>
+          <a:p>
+            <a:pPr marL="144000"/>
+            <a:endParaRPr lang="fr-FR" b="1" dirty="0"/>
+          </a:p>
+          <a:p>
+            <a:pPr marL="144000"/>
+            <a:endParaRPr lang="fr-FR" b="1" dirty="0"/>
+          </a:p>
+          <a:p>
+            <a:pPr marL="144000"/>
+            <a:r>
+              <a:rPr lang="fr-FR" b="1" dirty="0" err="1"/>
+              <a:t>MyAI</a:t>
+            </a:r>
+            <a:r>
+              <a:rPr lang="fr-FR" b="1" dirty="0"/>
+              <a:t> (</a:t>
+            </a:r>
+            <a:r>
+              <a:rPr lang="fr-FR" b="1" dirty="0" err="1"/>
+              <a:t>SnapChat</a:t>
+            </a:r>
+            <a:r>
+              <a:rPr lang="fr-FR" b="1" dirty="0"/>
+              <a:t>) : </a:t>
+            </a:r>
+          </a:p>
+          <a:p>
+            <a:pPr marL="144000"/>
+            <a:endParaRPr lang="fr-FR" dirty="0"/>
+          </a:p>
+          <a:p>
+            <a:pPr marL="144000"/>
+            <a:r>
+              <a:rPr lang="fr-FR" dirty="0"/>
+              <a:t>La menuiserie, comme beaucoup d'autres métiers, pourrait être impactée par l'intelligence artificielle. Par exemple, des outils automatisés pourraient aider à concevoir des meubles plus rapidement ou à optimiser la production. Ça pourrait aussi permettre de personnaliser les designs selon les goûts des clients. Mais d'un autre côté, </a:t>
+            </a:r>
+            <a:r>
+              <a:rPr lang="fr-FR" b="1" dirty="0"/>
+              <a:t>il y a toujours un besoin pour le savoir-faire humain</a:t>
+            </a:r>
+            <a:r>
+              <a:rPr lang="fr-FR" dirty="0"/>
+              <a:t>, surtout pour des créations uniques ou des réparations délicates. Donc, </a:t>
+            </a:r>
+            <a:r>
+              <a:rPr lang="fr-FR" b="1" dirty="0"/>
+              <a:t>je pense que l'IA pourrait compléter le travail </a:t>
+            </a:r>
+            <a:r>
+              <a:rPr lang="fr-FR" dirty="0"/>
+              <a:t>des menuisiers plutôt que de le remplacer complètement. </a:t>
+            </a:r>
+          </a:p>
+          <a:p>
+            <a:pPr marL="144000"/>
+            <a:endParaRPr lang="fr-FR" dirty="0"/>
+          </a:p>
+          <a:p>
+            <a:pPr marL="144000"/>
+            <a:r>
+              <a:rPr lang="fr-FR" b="1" dirty="0" err="1"/>
+              <a:t>Grok</a:t>
+            </a:r>
+            <a:r>
+              <a:rPr lang="fr-FR" b="1" dirty="0"/>
+              <a:t> (Elon Musk / X) : </a:t>
+            </a:r>
+          </a:p>
+          <a:p>
+            <a:pPr marL="144000"/>
+            <a:endParaRPr lang="fr-FR" dirty="0"/>
+          </a:p>
+          <a:p>
+            <a:pPr marL="144000"/>
+            <a:r>
+              <a:rPr lang="fr-FR" dirty="0"/>
+              <a:t>[…] il est important de noter que :</a:t>
+            </a:r>
+            <a:br>
+              <a:rPr lang="fr-FR" dirty="0"/>
+            </a:br>
+            <a:r>
+              <a:rPr lang="fr-FR" dirty="0"/>
+              <a:t>- </a:t>
+            </a:r>
+            <a:r>
+              <a:rPr lang="fr-FR" b="1" dirty="0"/>
+              <a:t>La menuiserie artisanale, qui valorise le savoir-faire et l'originalité, continuera probablement à exister</a:t>
+            </a:r>
+            <a:r>
+              <a:rPr lang="fr-FR" dirty="0"/>
+              <a:t> parallèlement à ces innovations technologiques. L'IA pourrait même augmenter la valeur de ces compétences en permettant aux artisans de se concentrer sur le travail créatif plutôt que sur les tâches répétitives.</a:t>
+            </a:r>
+          </a:p>
+          <a:p>
+            <a:pPr marL="144000"/>
+            <a:r>
+              <a:rPr lang="fr-FR" dirty="0"/>
+              <a:t>- Les menuisiers devront s'adapter aux nouvelles technologies, ce qui pourrait nécessiter des formations continues pour rester compétitifs.</a:t>
+            </a:r>
+            <a:br>
+              <a:rPr lang="fr-FR" dirty="0"/>
+            </a:br>
+            <a:r>
+              <a:rPr lang="fr-FR" dirty="0"/>
+              <a:t>En résumé, bien que </a:t>
+            </a:r>
+            <a:r>
+              <a:rPr lang="fr-FR" b="1" dirty="0"/>
+              <a:t>l'IA ne remplace pas complètement les menuisiers</a:t>
+            </a:r>
+            <a:r>
+              <a:rPr lang="fr-FR" dirty="0"/>
+              <a:t>, elle peut transformer profondément les méthodes de travail, les rendant plus efficaces, sûres et créatives.</a:t>
+            </a:r>
+          </a:p>
+          <a:p>
+            <a:pPr marL="144000"/>
             <a:endParaRPr lang="fr-FR" sz="1600" dirty="0"/>
-          </a:p>
-        </p:txBody>
-      </p:sp>
-      <p:sp>
-        <p:nvSpPr>
-          <p:cNvPr id="19" name="Rectangle 18"/>
-          <p:cNvSpPr/>
-          <p:nvPr/>
-        </p:nvSpPr>
-        <p:spPr>
-          <a:xfrm>
-            <a:off x="11213630" y="1390649"/>
-            <a:ext cx="3726044" cy="9229231"/>
-          </a:xfrm>
-          <a:prstGeom prst="rect">
-            <a:avLst/>
-          </a:prstGeom>
-          <a:ln w="57150"/>
-        </p:spPr>
-        <p:style>
-          <a:lnRef idx="2">
-            <a:schemeClr val="dk1"/>
-          </a:lnRef>
-          <a:fillRef idx="1">
-            <a:schemeClr val="lt1"/>
-          </a:fillRef>
-          <a:effectRef idx="0">
-            <a:schemeClr val="dk1"/>
-          </a:effectRef>
-          <a:fontRef idx="minor">
-            <a:schemeClr val="dk1"/>
-          </a:fontRef>
-        </p:style>
-        <p:txBody>
-          <a:bodyPr rtlCol="0" anchor="ctr"/>
-          <a:lstStyle/>
-          <a:p>
-            <a:endParaRPr lang="fr-FR" dirty="0"/>
-          </a:p>
-          <a:p>
-            <a:endParaRPr lang="fr-FR" dirty="0"/>
-          </a:p>
-          <a:p>
-            <a:endParaRPr lang="fr-FR" dirty="0"/>
           </a:p>
         </p:txBody>
       </p:sp>
@@ -4932,17 +5231,17 @@
                 </a:solidFill>
                 <a:latin typeface="Comic Sans MS" panose="030F0702030302020204" pitchFamily="66" charset="0"/>
               </a:rPr>
-              <a:t>2/4</a:t>
-            </a:r>
-          </a:p>
-        </p:txBody>
-      </p:sp>
-      <p:sp>
-        <p:nvSpPr>
-          <p:cNvPr id="16" name="Rectangle 15">
+              <a:t>1/4</a:t>
+            </a:r>
+          </a:p>
+        </p:txBody>
+      </p:sp>
+      <p:sp>
+        <p:nvSpPr>
+          <p:cNvPr id="6" name="Rectangle 5">
             <a:extLst>
               <a:ext uri="{FF2B5EF4-FFF2-40B4-BE49-F238E27FC236}">
-                <a16:creationId xmlns:a16="http://schemas.microsoft.com/office/drawing/2014/main" id="{813D6DD5-D05F-4784-8EA3-A58DB35FAEFF}"/>
+                <a16:creationId xmlns:a16="http://schemas.microsoft.com/office/drawing/2014/main" id="{C89B8474-B66E-45DB-9B1E-0E679910E6B5}"/>
               </a:ext>
             </a:extLst>
           </p:cNvPr>
@@ -4951,8 +5250,8 @@
         </p:nvSpPr>
         <p:spPr>
           <a:xfrm>
-            <a:off x="4039558" y="179880"/>
-            <a:ext cx="3520116" cy="10440000"/>
+            <a:off x="4037183" y="179881"/>
+            <a:ext cx="7054150" cy="1067028"/>
           </a:xfrm>
           <a:prstGeom prst="rect">
             <a:avLst/>
@@ -4977,300 +5276,22 @@
           <a:bodyPr rtlCol="0" anchor="ctr"/>
           <a:lstStyle/>
           <a:p>
-            <a:pPr marL="72000" algn="ctr"/>
-            <a:r>
-              <a:rPr lang="fr-FR" dirty="0" err="1">
-                <a:cs typeface="Arial" panose="020B0604020202020204" pitchFamily="34" charset="0"/>
-              </a:rPr>
-              <a:t>Goupe</a:t>
-            </a:r>
-            <a:r>
-              <a:rPr lang="fr-FR" dirty="0">
-                <a:cs typeface="Arial" panose="020B0604020202020204" pitchFamily="34" charset="0"/>
-              </a:rPr>
-              <a:t> A.I</a:t>
-            </a:r>
-          </a:p>
-          <a:p>
-            <a:pPr marL="72000" algn="ctr"/>
-            <a:endParaRPr lang="fr-FR" sz="1600" dirty="0">
-              <a:cs typeface="Arial" panose="020B0604020202020204" pitchFamily="34" charset="0"/>
-            </a:endParaRPr>
-          </a:p>
-          <a:p>
-            <a:pPr marL="72000" algn="ctr"/>
-            <a:endParaRPr lang="fr-FR" sz="1600" dirty="0">
-              <a:cs typeface="Arial" panose="020B0604020202020204" pitchFamily="34" charset="0"/>
-            </a:endParaRPr>
-          </a:p>
-          <a:p>
-            <a:pPr marL="72000" algn="ctr">
-              <a:lnSpc>
-                <a:spcPct val="200000"/>
-              </a:lnSpc>
-            </a:pPr>
-            <a:r>
-              <a:rPr lang="fr-FR" sz="1600" dirty="0">
-                <a:cs typeface="Arial" panose="020B0604020202020204" pitchFamily="34" charset="0"/>
-              </a:rPr>
-              <a:t>………………………………..</a:t>
-            </a:r>
-          </a:p>
-          <a:p>
-            <a:pPr marL="72000" algn="ctr">
-              <a:lnSpc>
-                <a:spcPct val="200000"/>
-              </a:lnSpc>
-            </a:pPr>
-            <a:r>
-              <a:rPr lang="fr-FR" sz="1600" dirty="0">
-                <a:cs typeface="Arial" panose="020B0604020202020204" pitchFamily="34" charset="0"/>
-              </a:rPr>
-              <a:t>………………………………..</a:t>
-            </a:r>
-          </a:p>
-          <a:p>
-            <a:pPr marL="72000" algn="ctr">
-              <a:lnSpc>
-                <a:spcPct val="200000"/>
-              </a:lnSpc>
-            </a:pPr>
-            <a:r>
-              <a:rPr lang="fr-FR" sz="1600" dirty="0">
-                <a:cs typeface="Arial" panose="020B0604020202020204" pitchFamily="34" charset="0"/>
-              </a:rPr>
-              <a:t>………………………………..</a:t>
-            </a:r>
-          </a:p>
-          <a:p>
-            <a:pPr marL="72000" algn="ctr">
-              <a:lnSpc>
-                <a:spcPct val="200000"/>
-              </a:lnSpc>
-            </a:pPr>
-            <a:r>
-              <a:rPr lang="fr-FR" sz="1600" dirty="0">
-                <a:cs typeface="Arial" panose="020B0604020202020204" pitchFamily="34" charset="0"/>
-              </a:rPr>
-              <a:t>………………………………..</a:t>
-            </a:r>
-          </a:p>
-          <a:p>
-            <a:pPr marL="72000" algn="ctr">
-              <a:lnSpc>
-                <a:spcPct val="200000"/>
-              </a:lnSpc>
-            </a:pPr>
-            <a:r>
-              <a:rPr lang="fr-FR" sz="1600" dirty="0">
-                <a:cs typeface="Arial" panose="020B0604020202020204" pitchFamily="34" charset="0"/>
-              </a:rPr>
-              <a:t>………………………………..</a:t>
-            </a:r>
-          </a:p>
-          <a:p>
-            <a:pPr marL="72000" algn="ctr">
-              <a:lnSpc>
-                <a:spcPct val="200000"/>
-              </a:lnSpc>
-            </a:pPr>
-            <a:r>
-              <a:rPr lang="fr-FR" sz="1600" dirty="0">
-                <a:cs typeface="Arial" panose="020B0604020202020204" pitchFamily="34" charset="0"/>
-              </a:rPr>
-              <a:t>………………………………..</a:t>
-            </a:r>
-          </a:p>
-          <a:p>
-            <a:pPr marL="72000" algn="ctr">
-              <a:lnSpc>
-                <a:spcPct val="200000"/>
-              </a:lnSpc>
-            </a:pPr>
-            <a:r>
-              <a:rPr lang="fr-FR" sz="1600" dirty="0">
-                <a:cs typeface="Arial" panose="020B0604020202020204" pitchFamily="34" charset="0"/>
-              </a:rPr>
-              <a:t>………………………………..</a:t>
-            </a:r>
-          </a:p>
-          <a:p>
-            <a:pPr marL="72000" algn="ctr"/>
-            <a:endParaRPr lang="fr-FR" sz="1600" dirty="0">
-              <a:cs typeface="Arial" panose="020B0604020202020204" pitchFamily="34" charset="0"/>
-            </a:endParaRPr>
-          </a:p>
-        </p:txBody>
-      </p:sp>
-      <p:sp>
-        <p:nvSpPr>
-          <p:cNvPr id="11" name="Rectangle 10">
-            <a:extLst>
-              <a:ext uri="{FF2B5EF4-FFF2-40B4-BE49-F238E27FC236}">
-                <a16:creationId xmlns:a16="http://schemas.microsoft.com/office/drawing/2014/main" id="{A60EA4A5-E4D7-487A-A515-0D5965AD31AD}"/>
-              </a:ext>
-            </a:extLst>
-          </p:cNvPr>
-          <p:cNvSpPr/>
-          <p:nvPr/>
-        </p:nvSpPr>
-        <p:spPr>
-          <a:xfrm>
-            <a:off x="7670800" y="179880"/>
-            <a:ext cx="3431704" cy="10440000"/>
-          </a:xfrm>
-          <a:prstGeom prst="rect">
-            <a:avLst/>
-          </a:prstGeom>
-          <a:ln w="57150"/>
-        </p:spPr>
-        <p:style>
-          <a:lnRef idx="2">
-            <a:schemeClr val="dk1"/>
-          </a:lnRef>
-          <a:fillRef idx="1">
-            <a:schemeClr val="lt1"/>
-          </a:fillRef>
-          <a:effectRef idx="0">
-            <a:schemeClr val="dk1"/>
-          </a:effectRef>
-          <a:fontRef idx="minor">
-            <a:schemeClr val="dk1"/>
-          </a:fontRef>
-        </p:style>
-        <p:txBody>
-          <a:bodyPr rtlCol="0" anchor="ctr"/>
-          <a:lstStyle/>
-          <a:p>
-            <a:pPr marL="72000" algn="ctr"/>
-            <a:r>
-              <a:rPr lang="fr-FR" dirty="0" err="1">
-                <a:cs typeface="Arial" panose="020B0604020202020204" pitchFamily="34" charset="0"/>
-              </a:rPr>
-              <a:t>Goupe</a:t>
-            </a:r>
-            <a:r>
-              <a:rPr lang="fr-FR" dirty="0">
-                <a:cs typeface="Arial" panose="020B0604020202020204" pitchFamily="34" charset="0"/>
-              </a:rPr>
-              <a:t> E.H</a:t>
-            </a:r>
-          </a:p>
-          <a:p>
-            <a:pPr marL="72000" algn="ctr"/>
-            <a:endParaRPr lang="fr-FR" sz="1600" dirty="0">
-              <a:cs typeface="Arial" panose="020B0604020202020204" pitchFamily="34" charset="0"/>
-            </a:endParaRPr>
-          </a:p>
-          <a:p>
-            <a:pPr marL="72000" algn="ctr"/>
-            <a:endParaRPr lang="fr-FR" sz="1600" dirty="0">
-              <a:cs typeface="Arial" panose="020B0604020202020204" pitchFamily="34" charset="0"/>
-            </a:endParaRPr>
-          </a:p>
-          <a:p>
-            <a:pPr marL="72000" algn="ctr">
-              <a:lnSpc>
-                <a:spcPct val="200000"/>
-              </a:lnSpc>
-            </a:pPr>
-            <a:r>
-              <a:rPr lang="fr-FR" sz="1600" dirty="0">
-                <a:cs typeface="Arial" panose="020B0604020202020204" pitchFamily="34" charset="0"/>
-              </a:rPr>
-              <a:t>………………………………..</a:t>
-            </a:r>
-          </a:p>
-          <a:p>
-            <a:pPr marL="72000" algn="ctr">
-              <a:lnSpc>
-                <a:spcPct val="200000"/>
-              </a:lnSpc>
-            </a:pPr>
-            <a:r>
-              <a:rPr lang="fr-FR" sz="1600" dirty="0">
-                <a:cs typeface="Arial" panose="020B0604020202020204" pitchFamily="34" charset="0"/>
-              </a:rPr>
-              <a:t>………………………………..</a:t>
-            </a:r>
-          </a:p>
-          <a:p>
-            <a:pPr marL="72000" algn="ctr">
-              <a:lnSpc>
-                <a:spcPct val="200000"/>
-              </a:lnSpc>
-            </a:pPr>
-            <a:r>
-              <a:rPr lang="fr-FR" sz="1600" dirty="0">
-                <a:cs typeface="Arial" panose="020B0604020202020204" pitchFamily="34" charset="0"/>
-              </a:rPr>
-              <a:t>………………………………..</a:t>
-            </a:r>
-          </a:p>
-          <a:p>
-            <a:pPr marL="72000" algn="ctr">
-              <a:lnSpc>
-                <a:spcPct val="200000"/>
-              </a:lnSpc>
-            </a:pPr>
-            <a:r>
-              <a:rPr lang="fr-FR" sz="1600" dirty="0">
-                <a:cs typeface="Arial" panose="020B0604020202020204" pitchFamily="34" charset="0"/>
-              </a:rPr>
-              <a:t>………………………………..</a:t>
-            </a:r>
-          </a:p>
-          <a:p>
-            <a:pPr marL="72000" algn="ctr">
-              <a:lnSpc>
-                <a:spcPct val="200000"/>
-              </a:lnSpc>
-            </a:pPr>
-            <a:r>
-              <a:rPr lang="fr-FR" sz="1600" dirty="0">
-                <a:cs typeface="Arial" panose="020B0604020202020204" pitchFamily="34" charset="0"/>
-              </a:rPr>
-              <a:t>………………………………..</a:t>
-            </a:r>
-          </a:p>
-          <a:p>
-            <a:pPr marL="72000" algn="ctr">
-              <a:lnSpc>
-                <a:spcPct val="200000"/>
-              </a:lnSpc>
-            </a:pPr>
-            <a:r>
-              <a:rPr lang="fr-FR" sz="1600" dirty="0">
-                <a:cs typeface="Arial" panose="020B0604020202020204" pitchFamily="34" charset="0"/>
-              </a:rPr>
-              <a:t>………………………………..</a:t>
-            </a:r>
-          </a:p>
-          <a:p>
-            <a:pPr marL="72000" algn="ctr">
-              <a:lnSpc>
-                <a:spcPct val="200000"/>
-              </a:lnSpc>
-            </a:pPr>
-            <a:r>
-              <a:rPr lang="fr-FR" sz="1600" dirty="0">
-                <a:cs typeface="Arial" panose="020B0604020202020204" pitchFamily="34" charset="0"/>
-              </a:rPr>
-              <a:t>………………………………..</a:t>
-            </a:r>
-          </a:p>
-          <a:p>
-            <a:pPr marL="72000" algn="ctr"/>
-            <a:endParaRPr lang="fr-FR" sz="1600" dirty="0">
-              <a:cs typeface="Arial" panose="020B0604020202020204" pitchFamily="34" charset="0"/>
-            </a:endParaRPr>
+            <a:pPr algn="ctr"/>
+            <a:r>
+              <a:rPr lang="fr-FR" b="1" dirty="0">
+                <a:latin typeface="Comic Sans MS" panose="030F0702030302020204" pitchFamily="66" charset="0"/>
+                <a:ea typeface="JetBrains Mono" panose="02000009000000000000" pitchFamily="49" charset="0"/>
+                <a:cs typeface="JetBrains Mono" panose="02000009000000000000" pitchFamily="49" charset="0"/>
+              </a:rPr>
+              <a:t>Est-ce que la menuiserie sera impactée par l'intelligence artificielle, et pourquoi ?</a:t>
+            </a:r>
           </a:p>
         </p:txBody>
       </p:sp>
     </p:spTree>
     <p:extLst>
       <p:ext uri="{BB962C8B-B14F-4D97-AF65-F5344CB8AC3E}">
-        <p14:creationId xmlns:p14="http://schemas.microsoft.com/office/powerpoint/2010/main" val="4000596285"/>
+        <p14:creationId xmlns:p14="http://schemas.microsoft.com/office/powerpoint/2010/main" val="4020604657"/>
       </p:ext>
     </p:extLst>
   </p:cSld>
@@ -5542,7 +5563,7 @@
                 </a:solidFill>
                 <a:latin typeface="Comic Sans MS" panose="030F0702030302020204" pitchFamily="66" charset="0"/>
               </a:rPr>
-              <a:t>3/4</a:t>
+              <a:t>2/4</a:t>
             </a:r>
           </a:p>
         </p:txBody>
@@ -5588,6 +5609,124 @@
           <a:lstStyle/>
           <a:p>
             <a:pPr marL="72000" algn="ctr"/>
+            <a:r>
+              <a:rPr lang="fr-FR" dirty="0" err="1">
+                <a:cs typeface="Arial" panose="020B0604020202020204" pitchFamily="34" charset="0"/>
+              </a:rPr>
+              <a:t>Goupe</a:t>
+            </a:r>
+            <a:r>
+              <a:rPr lang="fr-FR" dirty="0">
+                <a:cs typeface="Arial" panose="020B0604020202020204" pitchFamily="34" charset="0"/>
+              </a:rPr>
+              <a:t> A.I</a:t>
+            </a:r>
+          </a:p>
+          <a:p>
+            <a:pPr marL="72000" algn="ctr"/>
+            <a:endParaRPr lang="fr-FR" sz="1600" dirty="0">
+              <a:cs typeface="Arial" panose="020B0604020202020204" pitchFamily="34" charset="0"/>
+            </a:endParaRPr>
+          </a:p>
+          <a:p>
+            <a:pPr marL="72000" algn="ctr"/>
+            <a:endParaRPr lang="fr-FR" sz="1600" dirty="0">
+              <a:cs typeface="Arial" panose="020B0604020202020204" pitchFamily="34" charset="0"/>
+            </a:endParaRPr>
+          </a:p>
+          <a:p>
+            <a:pPr marL="72000" algn="ctr">
+              <a:lnSpc>
+                <a:spcPct val="200000"/>
+              </a:lnSpc>
+            </a:pPr>
+            <a:r>
+              <a:rPr lang="fr-FR" sz="1600" dirty="0">
+                <a:cs typeface="Arial" panose="020B0604020202020204" pitchFamily="34" charset="0"/>
+              </a:rPr>
+              <a:t>………………………………..</a:t>
+            </a:r>
+          </a:p>
+          <a:p>
+            <a:pPr marL="72000" algn="ctr">
+              <a:lnSpc>
+                <a:spcPct val="200000"/>
+              </a:lnSpc>
+            </a:pPr>
+            <a:r>
+              <a:rPr lang="fr-FR" sz="1600" dirty="0">
+                <a:cs typeface="Arial" panose="020B0604020202020204" pitchFamily="34" charset="0"/>
+              </a:rPr>
+              <a:t>………………………………..</a:t>
+            </a:r>
+          </a:p>
+          <a:p>
+            <a:pPr marL="72000" algn="ctr">
+              <a:lnSpc>
+                <a:spcPct val="200000"/>
+              </a:lnSpc>
+            </a:pPr>
+            <a:r>
+              <a:rPr lang="fr-FR" sz="1600" dirty="0">
+                <a:cs typeface="Arial" panose="020B0604020202020204" pitchFamily="34" charset="0"/>
+              </a:rPr>
+              <a:t>………………………………..</a:t>
+            </a:r>
+          </a:p>
+          <a:p>
+            <a:pPr marL="72000" algn="ctr">
+              <a:lnSpc>
+                <a:spcPct val="200000"/>
+              </a:lnSpc>
+            </a:pPr>
+            <a:r>
+              <a:rPr lang="fr-FR" sz="1600" dirty="0">
+                <a:cs typeface="Arial" panose="020B0604020202020204" pitchFamily="34" charset="0"/>
+              </a:rPr>
+              <a:t>………………………………..</a:t>
+            </a:r>
+          </a:p>
+          <a:p>
+            <a:pPr marL="72000" algn="ctr">
+              <a:lnSpc>
+                <a:spcPct val="200000"/>
+              </a:lnSpc>
+            </a:pPr>
+            <a:r>
+              <a:rPr lang="fr-FR" sz="1600" dirty="0">
+                <a:cs typeface="Arial" panose="020B0604020202020204" pitchFamily="34" charset="0"/>
+              </a:rPr>
+              <a:t>………………………………..</a:t>
+            </a:r>
+          </a:p>
+          <a:p>
+            <a:pPr marL="72000" algn="ctr">
+              <a:lnSpc>
+                <a:spcPct val="200000"/>
+              </a:lnSpc>
+            </a:pPr>
+            <a:r>
+              <a:rPr lang="fr-FR" sz="1600" dirty="0">
+                <a:cs typeface="Arial" panose="020B0604020202020204" pitchFamily="34" charset="0"/>
+              </a:rPr>
+              <a:t>………………………………..</a:t>
+            </a:r>
+          </a:p>
+          <a:p>
+            <a:pPr marL="72000" algn="ctr">
+              <a:lnSpc>
+                <a:spcPct val="200000"/>
+              </a:lnSpc>
+            </a:pPr>
+            <a:r>
+              <a:rPr lang="fr-FR" sz="1600" dirty="0">
+                <a:cs typeface="Arial" panose="020B0604020202020204" pitchFamily="34" charset="0"/>
+              </a:rPr>
+              <a:t>………………………………..</a:t>
+            </a:r>
+          </a:p>
+          <a:p>
+            <a:pPr marL="72000" algn="ctr"/>
             <a:endParaRPr lang="fr-FR" sz="1600" dirty="0">
               <a:cs typeface="Arial" panose="020B0604020202020204" pitchFamily="34" charset="0"/>
             </a:endParaRPr>
@@ -5635,16 +5774,134 @@
           <a:lstStyle/>
           <a:p>
             <a:pPr marL="72000" algn="ctr"/>
+            <a:r>
+              <a:rPr lang="fr-FR" dirty="0" err="1">
+                <a:cs typeface="Arial" panose="020B0604020202020204" pitchFamily="34" charset="0"/>
+              </a:rPr>
+              <a:t>Goupe</a:t>
+            </a:r>
+            <a:r>
+              <a:rPr lang="fr-FR" dirty="0">
+                <a:cs typeface="Arial" panose="020B0604020202020204" pitchFamily="34" charset="0"/>
+              </a:rPr>
+              <a:t> E.H</a:t>
+            </a:r>
+          </a:p>
+          <a:p>
+            <a:pPr marL="72000" algn="ctr"/>
             <a:endParaRPr lang="fr-FR" sz="1600" dirty="0">
               <a:cs typeface="Arial" panose="020B0604020202020204" pitchFamily="34" charset="0"/>
             </a:endParaRPr>
           </a:p>
+          <a:p>
+            <a:pPr marL="72000" algn="ctr"/>
+            <a:endParaRPr lang="fr-FR" sz="1600" dirty="0">
+              <a:cs typeface="Arial" panose="020B0604020202020204" pitchFamily="34" charset="0"/>
+            </a:endParaRPr>
+          </a:p>
+          <a:p>
+            <a:pPr marL="72000" algn="ctr">
+              <a:lnSpc>
+                <a:spcPct val="200000"/>
+              </a:lnSpc>
+            </a:pPr>
+            <a:r>
+              <a:rPr lang="fr-FR" sz="1600" dirty="0">
+                <a:cs typeface="Arial" panose="020B0604020202020204" pitchFamily="34" charset="0"/>
+              </a:rPr>
+              <a:t>………………………………..</a:t>
+            </a:r>
+          </a:p>
+          <a:p>
+            <a:pPr marL="72000" algn="ctr">
+              <a:lnSpc>
+                <a:spcPct val="200000"/>
+              </a:lnSpc>
+            </a:pPr>
+            <a:r>
+              <a:rPr lang="fr-FR" sz="1600" dirty="0">
+                <a:cs typeface="Arial" panose="020B0604020202020204" pitchFamily="34" charset="0"/>
+              </a:rPr>
+              <a:t>………………………………..</a:t>
+            </a:r>
+          </a:p>
+          <a:p>
+            <a:pPr marL="72000" algn="ctr">
+              <a:lnSpc>
+                <a:spcPct val="200000"/>
+              </a:lnSpc>
+            </a:pPr>
+            <a:r>
+              <a:rPr lang="fr-FR" sz="1600" dirty="0">
+                <a:cs typeface="Arial" panose="020B0604020202020204" pitchFamily="34" charset="0"/>
+              </a:rPr>
+              <a:t>………………………………..</a:t>
+            </a:r>
+          </a:p>
+          <a:p>
+            <a:pPr marL="72000" algn="ctr">
+              <a:lnSpc>
+                <a:spcPct val="200000"/>
+              </a:lnSpc>
+            </a:pPr>
+            <a:r>
+              <a:rPr lang="fr-FR" sz="1600" dirty="0">
+                <a:cs typeface="Arial" panose="020B0604020202020204" pitchFamily="34" charset="0"/>
+              </a:rPr>
+              <a:t>………………………………..</a:t>
+            </a:r>
+          </a:p>
+          <a:p>
+            <a:pPr marL="72000" algn="ctr">
+              <a:lnSpc>
+                <a:spcPct val="200000"/>
+              </a:lnSpc>
+            </a:pPr>
+            <a:r>
+              <a:rPr lang="fr-FR" sz="1600" dirty="0">
+                <a:cs typeface="Arial" panose="020B0604020202020204" pitchFamily="34" charset="0"/>
+              </a:rPr>
+              <a:t>………………………………..</a:t>
+            </a:r>
+          </a:p>
+          <a:p>
+            <a:pPr marL="72000" algn="ctr">
+              <a:lnSpc>
+                <a:spcPct val="200000"/>
+              </a:lnSpc>
+            </a:pPr>
+            <a:r>
+              <a:rPr lang="fr-FR" sz="1600" dirty="0">
+                <a:cs typeface="Arial" panose="020B0604020202020204" pitchFamily="34" charset="0"/>
+              </a:rPr>
+              <a:t>………………………………..</a:t>
+            </a:r>
+          </a:p>
+          <a:p>
+            <a:pPr marL="72000" algn="ctr">
+              <a:lnSpc>
+                <a:spcPct val="200000"/>
+              </a:lnSpc>
+            </a:pPr>
+            <a:r>
+              <a:rPr lang="fr-FR" sz="1600" dirty="0">
+                <a:cs typeface="Arial" panose="020B0604020202020204" pitchFamily="34" charset="0"/>
+              </a:rPr>
+              <a:t>………………………………..</a:t>
+            </a:r>
+          </a:p>
+          <a:p>
+            <a:pPr marL="72000" algn="ctr"/>
+            <a:endParaRPr lang="fr-FR" sz="1600" dirty="0">
+              <a:cs typeface="Arial" panose="020B0604020202020204" pitchFamily="34" charset="0"/>
+            </a:endParaRPr>
+          </a:p>
         </p:txBody>
       </p:sp>
     </p:spTree>
     <p:extLst>
       <p:ext uri="{BB962C8B-B14F-4D97-AF65-F5344CB8AC3E}">
-        <p14:creationId xmlns:p14="http://schemas.microsoft.com/office/powerpoint/2010/main" val="3021499507"/>
+        <p14:creationId xmlns:p14="http://schemas.microsoft.com/office/powerpoint/2010/main" val="4000596285"/>
       </p:ext>
     </p:extLst>
   </p:cSld>
@@ -5705,141 +5962,7 @@
           <a:bodyPr rtlCol="0" anchor="ctr"/>
           <a:lstStyle/>
           <a:p>
-            <a:r>
-              <a:rPr lang="fr-FR" sz="1600" b="1" dirty="0"/>
-              <a:t>Analyse de Plans et Croquis</a:t>
-            </a:r>
-          </a:p>
-          <a:p>
-            <a:r>
-              <a:rPr lang="fr-FR" sz="1600" dirty="0"/>
-              <a:t>📌 </a:t>
-            </a:r>
-            <a:r>
-              <a:rPr lang="fr-FR" sz="1600" i="1" dirty="0"/>
-              <a:t>Exercice :</a:t>
-            </a:r>
-            <a:r>
-              <a:rPr lang="fr-FR" sz="1600" dirty="0"/>
-              <a:t> On donne aux élèves un croquis incomplet (vue en plan, élévation ou perspective) et ils doivent :</a:t>
-            </a:r>
-          </a:p>
-          <a:p>
-            <a:r>
-              <a:rPr lang="fr-FR" sz="1600" dirty="0"/>
-              <a:t>Compléter les vues manquantes.</a:t>
-            </a:r>
-          </a:p>
-          <a:p>
             <a:endParaRPr lang="fr-FR" sz="1600" dirty="0"/>
-          </a:p>
-          <a:p>
-            <a:r>
-              <a:rPr lang="fr-FR" sz="1600" b="1" dirty="0"/>
-              <a:t>Étude de Cas Matérielle</a:t>
-            </a:r>
-          </a:p>
-          <a:p>
-            <a:r>
-              <a:rPr lang="fr-FR" sz="1600" dirty="0"/>
-              <a:t>📌 </a:t>
-            </a:r>
-            <a:r>
-              <a:rPr lang="fr-FR" sz="1600" i="1" dirty="0"/>
-              <a:t>Exercice :</a:t>
-            </a:r>
-            <a:r>
-              <a:rPr lang="fr-FR" sz="1600" dirty="0"/>
-              <a:t> Observer un morceau de bois réel (ou une photo) et répondre :</a:t>
-            </a:r>
-          </a:p>
-          <a:p>
-            <a:r>
-              <a:rPr lang="fr-FR" sz="1600" dirty="0"/>
-              <a:t>Quel serait son usage optimal en menuiserie ?</a:t>
-            </a:r>
-          </a:p>
-          <a:p>
-            <a:endParaRPr lang="fr-FR" sz="1600" dirty="0"/>
-          </a:p>
-          <a:p>
-            <a:r>
-              <a:rPr lang="fr-FR" sz="1600" b="1" dirty="0"/>
-              <a:t>Recherche de Solutions d’Assemblage</a:t>
-            </a:r>
-          </a:p>
-          <a:p>
-            <a:r>
-              <a:rPr lang="fr-FR" sz="1600" dirty="0"/>
-              <a:t>📌 </a:t>
-            </a:r>
-            <a:r>
-              <a:rPr lang="fr-FR" sz="1600" i="1" dirty="0"/>
-              <a:t>Exercice :</a:t>
-            </a:r>
-            <a:r>
-              <a:rPr lang="fr-FR" sz="1600" dirty="0"/>
-              <a:t> Pour un meuble donné (ex. une étagère murale ou un tiroir), demander :</a:t>
-            </a:r>
-          </a:p>
-          <a:p>
-            <a:r>
-              <a:rPr lang="fr-FR" sz="1600" dirty="0"/>
-              <a:t>Quelles sont les différentes façons de réaliser l’assemblage ?</a:t>
-            </a:r>
-          </a:p>
-          <a:p>
-            <a:r>
-              <a:rPr lang="fr-FR" sz="1600" dirty="0"/>
-              <a:t>Quels sont les avantages et inconvénients de chaque méthode ?</a:t>
-            </a:r>
-          </a:p>
-          <a:p>
-            <a:r>
-              <a:rPr lang="fr-FR" sz="1600" dirty="0"/>
-              <a:t>Quel choix ferait-il et pourquoi ?</a:t>
-            </a:r>
-          </a:p>
-          <a:p>
-            <a:endParaRPr lang="fr-FR" sz="1600" dirty="0"/>
-          </a:p>
-          <a:p>
-            <a:r>
-              <a:rPr lang="fr-FR" sz="1600" b="1" dirty="0"/>
-              <a:t>Recherches Historiques et Techniques</a:t>
-            </a:r>
-          </a:p>
-          <a:p>
-            <a:r>
-              <a:rPr lang="fr-FR" sz="1600" dirty="0"/>
-              <a:t>📌 </a:t>
-            </a:r>
-            <a:r>
-              <a:rPr lang="fr-FR" sz="1600" i="1" dirty="0"/>
-              <a:t>Exercice :</a:t>
-            </a:r>
-            <a:r>
-              <a:rPr lang="fr-FR" sz="1600" dirty="0"/>
-              <a:t> Proposer une recherche sur des techniques traditionnelles (ex. tenon-mortaise japonais, menuiserie sans vis ni colle, mobilier régional).</a:t>
-            </a:r>
-          </a:p>
-          <a:p>
-            <a:r>
-              <a:rPr lang="fr-FR" sz="1600" dirty="0"/>
-              <a:t>D’où vient cette technique ?</a:t>
-            </a:r>
-          </a:p>
-          <a:p>
-            <a:r>
-              <a:rPr lang="fr-FR" sz="1600" dirty="0"/>
-              <a:t>Pourquoi était-elle utilisée ?</a:t>
-            </a:r>
-          </a:p>
-          <a:p>
-            <a:r>
-              <a:rPr lang="fr-FR" sz="1600" dirty="0"/>
-              <a:t>Est-elle encore pertinente aujourd’hui ?</a:t>
-            </a:r>
           </a:p>
         </p:txBody>
       </p:sp>
@@ -5876,61 +5999,6 @@
         <p:txBody>
           <a:bodyPr rtlCol="0" anchor="ctr"/>
           <a:lstStyle/>
-          <a:p>
-            <a:r>
-              <a:rPr lang="fr-FR" b="1" dirty="0"/>
-              <a:t>Problèmes de calcul et de mesure</a:t>
-            </a:r>
-          </a:p>
-          <a:p>
-            <a:r>
-              <a:rPr lang="fr-FR" b="1" dirty="0"/>
-              <a:t>Exercice</a:t>
-            </a:r>
-            <a:r>
-              <a:rPr lang="fr-FR" dirty="0"/>
-              <a:t> : Proposer des problèmes de calcul liés à la menuiserie, comme la conversion d'unités (pouces en centimètres), le calcul de la quantité de bois nécessaire pour un projet, ou l'estimation des pertes de matériau.</a:t>
-            </a:r>
-          </a:p>
-          <a:p>
-            <a:endParaRPr lang="fr-FR" dirty="0"/>
-          </a:p>
-          <a:p>
-            <a:r>
-              <a:rPr lang="fr-FR" b="1" dirty="0"/>
-              <a:t>Réflexion sur l'ergonomie et la conception</a:t>
-            </a:r>
-          </a:p>
-          <a:p>
-            <a:r>
-              <a:rPr lang="fr-FR" b="1" dirty="0"/>
-              <a:t>Exercice</a:t>
-            </a:r>
-            <a:r>
-              <a:rPr lang="fr-FR" dirty="0"/>
-              <a:t> : Demander aux élèves de concevoir un plan de travail ou un établi en tenant compte de l'ergonomie et de l'efficacité des mouvements.</a:t>
-            </a:r>
-          </a:p>
-          <a:p>
-            <a:endParaRPr lang="fr-FR" dirty="0"/>
-          </a:p>
-          <a:p>
-            <a:r>
-              <a:rPr lang="fr-FR" b="1" dirty="0"/>
-              <a:t>Identifier les outils de menuiserie</a:t>
-            </a:r>
-            <a:endParaRPr lang="fr-FR" dirty="0"/>
-          </a:p>
-          <a:p>
-            <a:r>
-              <a:rPr lang="fr-FR" b="1" dirty="0"/>
-              <a:t>Description</a:t>
-            </a:r>
-            <a:r>
-              <a:rPr lang="fr-FR" dirty="0"/>
-              <a:t>: Proposez une liste d'outils de base (scie, rabot, ciseau à bois, etc.) et demandez aux élèves de décrire leur fonction et leur utilisation spécifique.</a:t>
-            </a:r>
-          </a:p>
           <a:p>
             <a:endParaRPr lang="fr-FR" dirty="0"/>
           </a:p>
@@ -6105,6 +6173,569 @@
                 </a:solidFill>
                 <a:latin typeface="Comic Sans MS" panose="030F0702030302020204" pitchFamily="66" charset="0"/>
               </a:rPr>
+              <a:t>3/4</a:t>
+            </a:r>
+          </a:p>
+        </p:txBody>
+      </p:sp>
+      <p:sp>
+        <p:nvSpPr>
+          <p:cNvPr id="16" name="Rectangle 15">
+            <a:extLst>
+              <a:ext uri="{FF2B5EF4-FFF2-40B4-BE49-F238E27FC236}">
+                <a16:creationId xmlns:a16="http://schemas.microsoft.com/office/drawing/2014/main" id="{813D6DD5-D05F-4784-8EA3-A58DB35FAEFF}"/>
+              </a:ext>
+            </a:extLst>
+          </p:cNvPr>
+          <p:cNvSpPr/>
+          <p:nvPr/>
+        </p:nvSpPr>
+        <p:spPr>
+          <a:xfrm>
+            <a:off x="4039558" y="179880"/>
+            <a:ext cx="3520116" cy="10440000"/>
+          </a:xfrm>
+          <a:prstGeom prst="rect">
+            <a:avLst/>
+          </a:prstGeom>
+          <a:ln w="57150"/>
+        </p:spPr>
+        <p:style>
+          <a:lnRef idx="2">
+            <a:schemeClr val="dk1"/>
+          </a:lnRef>
+          <a:fillRef idx="1">
+            <a:schemeClr val="lt1"/>
+          </a:fillRef>
+          <a:effectRef idx="0">
+            <a:schemeClr val="dk1"/>
+          </a:effectRef>
+          <a:fontRef idx="minor">
+            <a:schemeClr val="dk1"/>
+          </a:fontRef>
+        </p:style>
+        <p:txBody>
+          <a:bodyPr rtlCol="0" anchor="ctr"/>
+          <a:lstStyle/>
+          <a:p>
+            <a:pPr marL="72000" algn="ctr"/>
+            <a:endParaRPr lang="fr-FR" sz="1600" dirty="0">
+              <a:cs typeface="Arial" panose="020B0604020202020204" pitchFamily="34" charset="0"/>
+            </a:endParaRPr>
+          </a:p>
+        </p:txBody>
+      </p:sp>
+      <p:sp>
+        <p:nvSpPr>
+          <p:cNvPr id="11" name="Rectangle 10">
+            <a:extLst>
+              <a:ext uri="{FF2B5EF4-FFF2-40B4-BE49-F238E27FC236}">
+                <a16:creationId xmlns:a16="http://schemas.microsoft.com/office/drawing/2014/main" id="{A60EA4A5-E4D7-487A-A515-0D5965AD31AD}"/>
+              </a:ext>
+            </a:extLst>
+          </p:cNvPr>
+          <p:cNvSpPr/>
+          <p:nvPr/>
+        </p:nvSpPr>
+        <p:spPr>
+          <a:xfrm>
+            <a:off x="7670800" y="179880"/>
+            <a:ext cx="3431704" cy="10440000"/>
+          </a:xfrm>
+          <a:prstGeom prst="rect">
+            <a:avLst/>
+          </a:prstGeom>
+          <a:ln w="57150"/>
+        </p:spPr>
+        <p:style>
+          <a:lnRef idx="2">
+            <a:schemeClr val="dk1"/>
+          </a:lnRef>
+          <a:fillRef idx="1">
+            <a:schemeClr val="lt1"/>
+          </a:fillRef>
+          <a:effectRef idx="0">
+            <a:schemeClr val="dk1"/>
+          </a:effectRef>
+          <a:fontRef idx="minor">
+            <a:schemeClr val="dk1"/>
+          </a:fontRef>
+        </p:style>
+        <p:txBody>
+          <a:bodyPr rtlCol="0" anchor="ctr"/>
+          <a:lstStyle/>
+          <a:p>
+            <a:pPr marL="72000" algn="ctr"/>
+            <a:endParaRPr lang="fr-FR" sz="1600" dirty="0">
+              <a:cs typeface="Arial" panose="020B0604020202020204" pitchFamily="34" charset="0"/>
+            </a:endParaRPr>
+          </a:p>
+        </p:txBody>
+      </p:sp>
+    </p:spTree>
+    <p:extLst>
+      <p:ext uri="{BB962C8B-B14F-4D97-AF65-F5344CB8AC3E}">
+        <p14:creationId xmlns:p14="http://schemas.microsoft.com/office/powerpoint/2010/main" val="3021499507"/>
+      </p:ext>
+    </p:extLst>
+  </p:cSld>
+  <p:clrMapOvr>
+    <a:masterClrMapping/>
+  </p:clrMapOvr>
+</p:sld>
+</file>
+
+<file path=ppt/slides/slide14.xml><?xml version="1.0" encoding="utf-8"?>
+<p:sld xmlns:a="http://schemas.openxmlformats.org/drawingml/2006/main" xmlns:r="http://schemas.openxmlformats.org/officeDocument/2006/relationships" xmlns:p="http://schemas.openxmlformats.org/presentationml/2006/main">
+  <p:cSld>
+    <p:spTree>
+      <p:nvGrpSpPr>
+        <p:cNvPr id="1" name=""/>
+        <p:cNvGrpSpPr/>
+        <p:nvPr/>
+      </p:nvGrpSpPr>
+      <p:grpSpPr>
+        <a:xfrm>
+          <a:off x="0" y="0"/>
+          <a:ext cx="0" cy="0"/>
+          <a:chOff x="0" y="0"/>
+          <a:chExt cx="0" cy="0"/>
+        </a:xfrm>
+      </p:grpSpPr>
+      <p:sp>
+        <p:nvSpPr>
+          <p:cNvPr id="18" name="Rectangle 17"/>
+          <p:cNvSpPr/>
+          <p:nvPr/>
+        </p:nvSpPr>
+        <p:spPr>
+          <a:xfrm>
+            <a:off x="142517" y="1390649"/>
+            <a:ext cx="3763202" cy="9229231"/>
+          </a:xfrm>
+          <a:prstGeom prst="rect">
+            <a:avLst/>
+          </a:prstGeom>
+          <a:ln w="57150"/>
+        </p:spPr>
+        <p:style>
+          <a:lnRef idx="2">
+            <a:schemeClr val="dk1"/>
+          </a:lnRef>
+          <a:fillRef idx="1">
+            <a:schemeClr val="lt1"/>
+          </a:fillRef>
+          <a:effectRef idx="0">
+            <a:schemeClr val="dk1"/>
+          </a:effectRef>
+          <a:fontRef idx="minor">
+            <a:schemeClr val="dk1"/>
+          </a:fontRef>
+        </p:style>
+        <p:txBody>
+          <a:bodyPr rtlCol="0" anchor="ctr"/>
+          <a:lstStyle/>
+          <a:p>
+            <a:r>
+              <a:rPr lang="fr-FR" sz="1600" b="1" dirty="0"/>
+              <a:t>Analyse de Plans et Croquis</a:t>
+            </a:r>
+          </a:p>
+          <a:p>
+            <a:r>
+              <a:rPr lang="fr-FR" sz="1600" dirty="0"/>
+              <a:t>📌 </a:t>
+            </a:r>
+            <a:r>
+              <a:rPr lang="fr-FR" sz="1600" i="1" dirty="0"/>
+              <a:t>Exercice :</a:t>
+            </a:r>
+            <a:r>
+              <a:rPr lang="fr-FR" sz="1600" dirty="0"/>
+              <a:t> On donne aux élèves un croquis incomplet (vue en plan, élévation ou perspective) et ils doivent :</a:t>
+            </a:r>
+          </a:p>
+          <a:p>
+            <a:r>
+              <a:rPr lang="fr-FR" sz="1600" dirty="0"/>
+              <a:t>Compléter les vues manquantes.</a:t>
+            </a:r>
+          </a:p>
+          <a:p>
+            <a:endParaRPr lang="fr-FR" sz="1600" dirty="0"/>
+          </a:p>
+          <a:p>
+            <a:r>
+              <a:rPr lang="fr-FR" sz="1600" b="1" dirty="0"/>
+              <a:t>Étude de Cas Matérielle</a:t>
+            </a:r>
+          </a:p>
+          <a:p>
+            <a:r>
+              <a:rPr lang="fr-FR" sz="1600" dirty="0"/>
+              <a:t>📌 </a:t>
+            </a:r>
+            <a:r>
+              <a:rPr lang="fr-FR" sz="1600" i="1" dirty="0"/>
+              <a:t>Exercice :</a:t>
+            </a:r>
+            <a:r>
+              <a:rPr lang="fr-FR" sz="1600" dirty="0"/>
+              <a:t> Observer un morceau de bois réel (ou une photo) et répondre :</a:t>
+            </a:r>
+          </a:p>
+          <a:p>
+            <a:r>
+              <a:rPr lang="fr-FR" sz="1600" dirty="0"/>
+              <a:t>Quel serait son usage optimal en menuiserie ?</a:t>
+            </a:r>
+          </a:p>
+          <a:p>
+            <a:endParaRPr lang="fr-FR" sz="1600" dirty="0"/>
+          </a:p>
+          <a:p>
+            <a:r>
+              <a:rPr lang="fr-FR" sz="1600" b="1" dirty="0"/>
+              <a:t>Recherche de Solutions d’Assemblage</a:t>
+            </a:r>
+          </a:p>
+          <a:p>
+            <a:r>
+              <a:rPr lang="fr-FR" sz="1600" dirty="0"/>
+              <a:t>📌 </a:t>
+            </a:r>
+            <a:r>
+              <a:rPr lang="fr-FR" sz="1600" i="1" dirty="0"/>
+              <a:t>Exercice :</a:t>
+            </a:r>
+            <a:r>
+              <a:rPr lang="fr-FR" sz="1600" dirty="0"/>
+              <a:t> Pour un meuble donné (ex. une étagère murale ou un tiroir), demander :</a:t>
+            </a:r>
+          </a:p>
+          <a:p>
+            <a:r>
+              <a:rPr lang="fr-FR" sz="1600" dirty="0"/>
+              <a:t>Quelles sont les différentes façons de réaliser l’assemblage ?</a:t>
+            </a:r>
+          </a:p>
+          <a:p>
+            <a:r>
+              <a:rPr lang="fr-FR" sz="1600" dirty="0"/>
+              <a:t>Quels sont les avantages et inconvénients de chaque méthode ?</a:t>
+            </a:r>
+          </a:p>
+          <a:p>
+            <a:r>
+              <a:rPr lang="fr-FR" sz="1600" dirty="0"/>
+              <a:t>Quel choix ferait-il et pourquoi ?</a:t>
+            </a:r>
+          </a:p>
+          <a:p>
+            <a:endParaRPr lang="fr-FR" sz="1600" dirty="0"/>
+          </a:p>
+          <a:p>
+            <a:r>
+              <a:rPr lang="fr-FR" sz="1600" b="1" dirty="0"/>
+              <a:t>Recherches Historiques et Techniques</a:t>
+            </a:r>
+          </a:p>
+          <a:p>
+            <a:r>
+              <a:rPr lang="fr-FR" sz="1600" dirty="0"/>
+              <a:t>📌 </a:t>
+            </a:r>
+            <a:r>
+              <a:rPr lang="fr-FR" sz="1600" i="1" dirty="0"/>
+              <a:t>Exercice :</a:t>
+            </a:r>
+            <a:r>
+              <a:rPr lang="fr-FR" sz="1600" dirty="0"/>
+              <a:t> Proposer une recherche sur des techniques traditionnelles (ex. tenon-mortaise japonais, menuiserie sans vis ni colle, mobilier régional).</a:t>
+            </a:r>
+          </a:p>
+          <a:p>
+            <a:r>
+              <a:rPr lang="fr-FR" sz="1600" dirty="0"/>
+              <a:t>D’où vient cette technique ?</a:t>
+            </a:r>
+          </a:p>
+          <a:p>
+            <a:r>
+              <a:rPr lang="fr-FR" sz="1600" dirty="0"/>
+              <a:t>Pourquoi était-elle utilisée ?</a:t>
+            </a:r>
+          </a:p>
+          <a:p>
+            <a:r>
+              <a:rPr lang="fr-FR" sz="1600" dirty="0"/>
+              <a:t>Est-elle encore pertinente aujourd’hui ?</a:t>
+            </a:r>
+          </a:p>
+        </p:txBody>
+      </p:sp>
+      <p:sp>
+        <p:nvSpPr>
+          <p:cNvPr id="19" name="Rectangle 18"/>
+          <p:cNvSpPr/>
+          <p:nvPr/>
+        </p:nvSpPr>
+        <p:spPr>
+          <a:xfrm>
+            <a:off x="11213630" y="1390649"/>
+            <a:ext cx="3726044" cy="9229231"/>
+          </a:xfrm>
+          <a:prstGeom prst="rect">
+            <a:avLst/>
+          </a:prstGeom>
+          <a:ln w="57150"/>
+        </p:spPr>
+        <p:style>
+          <a:lnRef idx="2">
+            <a:schemeClr val="dk1"/>
+          </a:lnRef>
+          <a:fillRef idx="1">
+            <a:schemeClr val="lt1"/>
+          </a:fillRef>
+          <a:effectRef idx="0">
+            <a:schemeClr val="dk1"/>
+          </a:effectRef>
+          <a:fontRef idx="minor">
+            <a:schemeClr val="dk1"/>
+          </a:fontRef>
+        </p:style>
+        <p:txBody>
+          <a:bodyPr rtlCol="0" anchor="ctr"/>
+          <a:lstStyle/>
+          <a:p>
+            <a:r>
+              <a:rPr lang="fr-FR" b="1" dirty="0"/>
+              <a:t>Problèmes de calcul et de mesure</a:t>
+            </a:r>
+          </a:p>
+          <a:p>
+            <a:r>
+              <a:rPr lang="fr-FR" b="1" dirty="0"/>
+              <a:t>Exercice</a:t>
+            </a:r>
+            <a:r>
+              <a:rPr lang="fr-FR" dirty="0"/>
+              <a:t> : Proposer des problèmes de calcul liés à la menuiserie, comme la conversion d'unités (pouces en centimètres), le calcul de la quantité de bois nécessaire pour un projet, ou l'estimation des pertes de matériau.</a:t>
+            </a:r>
+          </a:p>
+          <a:p>
+            <a:endParaRPr lang="fr-FR" dirty="0"/>
+          </a:p>
+          <a:p>
+            <a:r>
+              <a:rPr lang="fr-FR" b="1" dirty="0"/>
+              <a:t>Réflexion sur l'ergonomie et la conception</a:t>
+            </a:r>
+          </a:p>
+          <a:p>
+            <a:r>
+              <a:rPr lang="fr-FR" b="1" dirty="0"/>
+              <a:t>Exercice</a:t>
+            </a:r>
+            <a:r>
+              <a:rPr lang="fr-FR" dirty="0"/>
+              <a:t> : Demander aux élèves de concevoir un plan de travail ou un établi en tenant compte de l'ergonomie et de l'efficacité des mouvements.</a:t>
+            </a:r>
+          </a:p>
+          <a:p>
+            <a:endParaRPr lang="fr-FR" dirty="0"/>
+          </a:p>
+          <a:p>
+            <a:r>
+              <a:rPr lang="fr-FR" b="1" dirty="0"/>
+              <a:t>Identifier les outils de menuiserie</a:t>
+            </a:r>
+            <a:endParaRPr lang="fr-FR" dirty="0"/>
+          </a:p>
+          <a:p>
+            <a:r>
+              <a:rPr lang="fr-FR" b="1" dirty="0"/>
+              <a:t>Description</a:t>
+            </a:r>
+            <a:r>
+              <a:rPr lang="fr-FR" dirty="0"/>
+              <a:t>: Proposez une liste d'outils de base (scie, rabot, ciseau à bois, etc.) et demandez aux élèves de décrire leur fonction et leur utilisation spécifique.</a:t>
+            </a:r>
+          </a:p>
+          <a:p>
+            <a:endParaRPr lang="fr-FR" dirty="0"/>
+          </a:p>
+          <a:p>
+            <a:endParaRPr lang="fr-FR" dirty="0"/>
+          </a:p>
+          <a:p>
+            <a:endParaRPr lang="fr-FR" dirty="0"/>
+          </a:p>
+        </p:txBody>
+      </p:sp>
+      <p:sp>
+        <p:nvSpPr>
+          <p:cNvPr id="24" name="Rectangle 23"/>
+          <p:cNvSpPr/>
+          <p:nvPr/>
+        </p:nvSpPr>
+        <p:spPr>
+          <a:xfrm>
+            <a:off x="11213630" y="179881"/>
+            <a:ext cx="3726045" cy="1067028"/>
+          </a:xfrm>
+          <a:prstGeom prst="rect">
+            <a:avLst/>
+          </a:prstGeom>
+          <a:ln w="57150"/>
+        </p:spPr>
+        <p:style>
+          <a:lnRef idx="2">
+            <a:schemeClr val="dk1"/>
+          </a:lnRef>
+          <a:fillRef idx="1">
+            <a:schemeClr val="lt1"/>
+          </a:fillRef>
+          <a:effectRef idx="0">
+            <a:schemeClr val="dk1"/>
+          </a:effectRef>
+          <a:fontRef idx="minor">
+            <a:schemeClr val="dk1"/>
+          </a:fontRef>
+        </p:style>
+        <p:txBody>
+          <a:bodyPr rtlCol="0" anchor="ctr"/>
+          <a:lstStyle/>
+          <a:p>
+            <a:pPr algn="ctr"/>
+            <a:r>
+              <a:rPr lang="fr-FR" b="1" spc="300" dirty="0">
+                <a:latin typeface="Comic Sans MS" panose="030F0702030302020204" pitchFamily="66" charset="0"/>
+                <a:ea typeface="JetBrains Mono" panose="02000009000000000000" pitchFamily="49" charset="0"/>
+                <a:cs typeface="JetBrains Mono" panose="02000009000000000000" pitchFamily="49" charset="0"/>
+              </a:rPr>
+              <a:t>M. Du Chevreuil</a:t>
+            </a:r>
+          </a:p>
+          <a:p>
+            <a:pPr algn="ctr"/>
+            <a:r>
+              <a:rPr lang="fr-FR" sz="1600" spc="300" dirty="0">
+                <a:latin typeface="Comic Sans MS" panose="030F0702030302020204" pitchFamily="66" charset="0"/>
+                <a:ea typeface="JetBrains Mono" panose="02000009000000000000" pitchFamily="49" charset="0"/>
+                <a:cs typeface="JetBrains Mono" panose="02000009000000000000" pitchFamily="49" charset="0"/>
+              </a:rPr>
+              <a:t>Professeur en génie </a:t>
+            </a:r>
+          </a:p>
+          <a:p>
+            <a:pPr algn="ctr"/>
+            <a:r>
+              <a:rPr lang="fr-FR" sz="1600" spc="300" dirty="0">
+                <a:latin typeface="Comic Sans MS" panose="030F0702030302020204" pitchFamily="66" charset="0"/>
+                <a:ea typeface="JetBrains Mono" panose="02000009000000000000" pitchFamily="49" charset="0"/>
+                <a:cs typeface="JetBrains Mono" panose="02000009000000000000" pitchFamily="49" charset="0"/>
+              </a:rPr>
+              <a:t>industriel bois</a:t>
+            </a:r>
+          </a:p>
+        </p:txBody>
+      </p:sp>
+      <p:sp>
+        <p:nvSpPr>
+          <p:cNvPr id="25" name="Rectangle 24"/>
+          <p:cNvSpPr/>
+          <p:nvPr/>
+        </p:nvSpPr>
+        <p:spPr>
+          <a:xfrm>
+            <a:off x="142517" y="179881"/>
+            <a:ext cx="3763201" cy="1067028"/>
+          </a:xfrm>
+          <a:prstGeom prst="rect">
+            <a:avLst/>
+          </a:prstGeom>
+          <a:ln w="57150"/>
+        </p:spPr>
+        <p:style>
+          <a:lnRef idx="2">
+            <a:schemeClr val="dk1"/>
+          </a:lnRef>
+          <a:fillRef idx="1">
+            <a:schemeClr val="lt1"/>
+          </a:fillRef>
+          <a:effectRef idx="0">
+            <a:schemeClr val="dk1"/>
+          </a:effectRef>
+          <a:fontRef idx="minor">
+            <a:schemeClr val="dk1"/>
+          </a:fontRef>
+        </p:style>
+        <p:txBody>
+          <a:bodyPr rtlCol="0" anchor="ctr"/>
+          <a:lstStyle/>
+          <a:p>
+            <a:pPr algn="ctr"/>
+            <a:r>
+              <a:rPr lang="fr-FR" b="1" dirty="0">
+                <a:latin typeface="Comic Sans MS" panose="030F0702030302020204" pitchFamily="66" charset="0"/>
+                <a:ea typeface="JetBrains Mono" panose="02000009000000000000" pitchFamily="49" charset="0"/>
+                <a:cs typeface="JetBrains Mono" panose="02000009000000000000" pitchFamily="49" charset="0"/>
+              </a:rPr>
+              <a:t>Sujet : L’I.A contre l’E.H</a:t>
+            </a:r>
+          </a:p>
+        </p:txBody>
+      </p:sp>
+      <p:sp>
+        <p:nvSpPr>
+          <p:cNvPr id="20" name="Rounded Rectangle 19"/>
+          <p:cNvSpPr/>
+          <p:nvPr/>
+        </p:nvSpPr>
+        <p:spPr>
+          <a:xfrm>
+            <a:off x="14127675" y="10044399"/>
+            <a:ext cx="895962" cy="685971"/>
+          </a:xfrm>
+          <a:prstGeom prst="roundRect">
+            <a:avLst/>
+          </a:prstGeom>
+          <a:ln w="57150">
+            <a:solidFill>
+              <a:schemeClr val="tx1">
+                <a:lumMod val="50000"/>
+                <a:lumOff val="50000"/>
+              </a:schemeClr>
+            </a:solidFill>
+          </a:ln>
+        </p:spPr>
+        <p:style>
+          <a:lnRef idx="2">
+            <a:schemeClr val="dk1"/>
+          </a:lnRef>
+          <a:fillRef idx="1">
+            <a:schemeClr val="lt1"/>
+          </a:fillRef>
+          <a:effectRef idx="0">
+            <a:schemeClr val="dk1"/>
+          </a:effectRef>
+          <a:fontRef idx="minor">
+            <a:schemeClr val="dk1"/>
+          </a:fontRef>
+        </p:style>
+        <p:txBody>
+          <a:bodyPr rtlCol="0" anchor="ctr"/>
+          <a:lstStyle/>
+          <a:p>
+            <a:pPr algn="ctr"/>
+            <a:r>
+              <a:rPr lang="fr-FR" sz="2000" dirty="0">
+                <a:solidFill>
+                  <a:schemeClr val="tx1"/>
+                </a:solidFill>
+                <a:latin typeface="Comic Sans MS" panose="030F0702030302020204" pitchFamily="66" charset="0"/>
+              </a:rPr>
               <a:t>4/4</a:t>
             </a:r>
           </a:p>
@@ -6217,7 +6848,7 @@
 </p:sld>
 </file>
 
-<file path=ppt/slides/slide14.xml><?xml version="1.0" encoding="utf-8"?>
+<file path=ppt/slides/slide15.xml><?xml version="1.0" encoding="utf-8"?>
 <p:sld xmlns:a="http://schemas.openxmlformats.org/drawingml/2006/main" xmlns:r="http://schemas.openxmlformats.org/officeDocument/2006/relationships" xmlns:p="http://schemas.openxmlformats.org/presentationml/2006/main">
   <p:cSld>
     <p:spTree>
@@ -8067,7 +8698,7 @@
                 <a:ea typeface="JetBrains Mono" panose="02000009000000000000" pitchFamily="49" charset="0"/>
                 <a:cs typeface="JetBrains Mono" panose="02000009000000000000" pitchFamily="49" charset="0"/>
               </a:rPr>
-              <a:t>Plan du dessous de plat</a:t>
+              <a:t>Plan du support ordinateur</a:t>
             </a:r>
           </a:p>
         </p:txBody>
@@ -8485,6 +9116,1696 @@
 </file>
 
 <file path=ppt/slides/slide4.xml><?xml version="1.0" encoding="utf-8"?>
+<p:sld xmlns:a="http://schemas.openxmlformats.org/drawingml/2006/main" xmlns:r="http://schemas.openxmlformats.org/officeDocument/2006/relationships" xmlns:p="http://schemas.openxmlformats.org/presentationml/2006/main">
+  <p:cSld>
+    <p:spTree>
+      <p:nvGrpSpPr>
+        <p:cNvPr id="1" name=""/>
+        <p:cNvGrpSpPr/>
+        <p:nvPr/>
+      </p:nvGrpSpPr>
+      <p:grpSpPr>
+        <a:xfrm>
+          <a:off x="0" y="0"/>
+          <a:ext cx="0" cy="0"/>
+          <a:chOff x="0" y="0"/>
+          <a:chExt cx="0" cy="0"/>
+        </a:xfrm>
+      </p:grpSpPr>
+      <p:sp>
+        <p:nvSpPr>
+          <p:cNvPr id="24" name="Rectangle 23"/>
+          <p:cNvSpPr/>
+          <p:nvPr/>
+        </p:nvSpPr>
+        <p:spPr>
+          <a:xfrm>
+            <a:off x="11213630" y="179881"/>
+            <a:ext cx="3726045" cy="1067028"/>
+          </a:xfrm>
+          <a:prstGeom prst="rect">
+            <a:avLst/>
+          </a:prstGeom>
+          <a:ln w="57150"/>
+        </p:spPr>
+        <p:style>
+          <a:lnRef idx="2">
+            <a:schemeClr val="dk1"/>
+          </a:lnRef>
+          <a:fillRef idx="1">
+            <a:schemeClr val="lt1"/>
+          </a:fillRef>
+          <a:effectRef idx="0">
+            <a:schemeClr val="dk1"/>
+          </a:effectRef>
+          <a:fontRef idx="minor">
+            <a:schemeClr val="dk1"/>
+          </a:fontRef>
+        </p:style>
+        <p:txBody>
+          <a:bodyPr rtlCol="0" anchor="ctr"/>
+          <a:lstStyle/>
+          <a:p>
+            <a:pPr algn="ctr"/>
+            <a:r>
+              <a:rPr lang="fr-FR" b="1" spc="300" dirty="0">
+                <a:latin typeface="Comic Sans MS" panose="030F0702030302020204" pitchFamily="66" charset="0"/>
+                <a:ea typeface="JetBrains Mono" panose="02000009000000000000" pitchFamily="49" charset="0"/>
+                <a:cs typeface="JetBrains Mono" panose="02000009000000000000" pitchFamily="49" charset="0"/>
+              </a:rPr>
+              <a:t>M. Du Chevreuil</a:t>
+            </a:r>
+          </a:p>
+          <a:p>
+            <a:pPr algn="ctr"/>
+            <a:r>
+              <a:rPr lang="fr-FR" sz="1600" spc="300" dirty="0">
+                <a:latin typeface="Comic Sans MS" panose="030F0702030302020204" pitchFamily="66" charset="0"/>
+                <a:ea typeface="JetBrains Mono" panose="02000009000000000000" pitchFamily="49" charset="0"/>
+                <a:cs typeface="JetBrains Mono" panose="02000009000000000000" pitchFamily="49" charset="0"/>
+              </a:rPr>
+              <a:t>Professeur en génie </a:t>
+            </a:r>
+          </a:p>
+          <a:p>
+            <a:pPr algn="ctr"/>
+            <a:r>
+              <a:rPr lang="fr-FR" sz="1600" spc="300" dirty="0">
+                <a:latin typeface="Comic Sans MS" panose="030F0702030302020204" pitchFamily="66" charset="0"/>
+                <a:ea typeface="JetBrains Mono" panose="02000009000000000000" pitchFamily="49" charset="0"/>
+                <a:cs typeface="JetBrains Mono" panose="02000009000000000000" pitchFamily="49" charset="0"/>
+              </a:rPr>
+              <a:t>industriel bois</a:t>
+            </a:r>
+          </a:p>
+        </p:txBody>
+      </p:sp>
+      <p:sp>
+        <p:nvSpPr>
+          <p:cNvPr id="25" name="Rectangle 24"/>
+          <p:cNvSpPr/>
+          <p:nvPr/>
+        </p:nvSpPr>
+        <p:spPr>
+          <a:xfrm>
+            <a:off x="142517" y="179881"/>
+            <a:ext cx="10937275" cy="1067028"/>
+          </a:xfrm>
+          <a:prstGeom prst="rect">
+            <a:avLst/>
+          </a:prstGeom>
+          <a:ln w="57150"/>
+        </p:spPr>
+        <p:style>
+          <a:lnRef idx="2">
+            <a:schemeClr val="dk1"/>
+          </a:lnRef>
+          <a:fillRef idx="1">
+            <a:schemeClr val="lt1"/>
+          </a:fillRef>
+          <a:effectRef idx="0">
+            <a:schemeClr val="dk1"/>
+          </a:effectRef>
+          <a:fontRef idx="minor">
+            <a:schemeClr val="dk1"/>
+          </a:fontRef>
+        </p:style>
+        <p:txBody>
+          <a:bodyPr rtlCol="0" anchor="ctr"/>
+          <a:lstStyle/>
+          <a:p>
+            <a:pPr algn="ctr"/>
+            <a:r>
+              <a:rPr lang="fr-FR" b="1" dirty="0">
+                <a:latin typeface="Comic Sans MS" panose="030F0702030302020204" pitchFamily="66" charset="0"/>
+                <a:ea typeface="JetBrains Mono" panose="02000009000000000000" pitchFamily="49" charset="0"/>
+                <a:cs typeface="JetBrains Mono" panose="02000009000000000000" pitchFamily="49" charset="0"/>
+              </a:rPr>
+              <a:t>nomenclature du support ordinateur</a:t>
+            </a:r>
+          </a:p>
+        </p:txBody>
+      </p:sp>
+      <p:sp>
+        <p:nvSpPr>
+          <p:cNvPr id="8" name="Rectangle 7"/>
+          <p:cNvSpPr/>
+          <p:nvPr/>
+        </p:nvSpPr>
+        <p:spPr>
+          <a:xfrm>
+            <a:off x="179669" y="10105695"/>
+            <a:ext cx="14760005" cy="423932"/>
+          </a:xfrm>
+          <a:prstGeom prst="rect">
+            <a:avLst/>
+          </a:prstGeom>
+          <a:ln w="57150"/>
+        </p:spPr>
+        <p:style>
+          <a:lnRef idx="2">
+            <a:schemeClr val="dk1"/>
+          </a:lnRef>
+          <a:fillRef idx="1">
+            <a:schemeClr val="lt1"/>
+          </a:fillRef>
+          <a:effectRef idx="0">
+            <a:schemeClr val="dk1"/>
+          </a:effectRef>
+          <a:fontRef idx="minor">
+            <a:schemeClr val="dk1"/>
+          </a:fontRef>
+        </p:style>
+        <p:txBody>
+          <a:bodyPr rtlCol="0" anchor="ctr"/>
+          <a:lstStyle/>
+          <a:p>
+            <a:pPr algn="ctr"/>
+            <a:r>
+              <a:rPr lang="fr-FR" dirty="0">
+                <a:latin typeface="Comic Sans MS" panose="030F0702030302020204" pitchFamily="66" charset="0"/>
+                <a:cs typeface="Arial" panose="020B0604020202020204" pitchFamily="34" charset="0"/>
+              </a:rPr>
+              <a:t>Réalisé avec le logiciel SketchUp</a:t>
+            </a:r>
+          </a:p>
+        </p:txBody>
+      </p:sp>
+      <p:sp>
+        <p:nvSpPr>
+          <p:cNvPr id="9" name="Rectangle 8"/>
+          <p:cNvSpPr/>
+          <p:nvPr/>
+        </p:nvSpPr>
+        <p:spPr>
+          <a:xfrm>
+            <a:off x="179676" y="9148605"/>
+            <a:ext cx="1225792" cy="478548"/>
+          </a:xfrm>
+          <a:prstGeom prst="rect">
+            <a:avLst/>
+          </a:prstGeom>
+          <a:ln w="57150"/>
+        </p:spPr>
+        <p:style>
+          <a:lnRef idx="2">
+            <a:schemeClr val="dk1"/>
+          </a:lnRef>
+          <a:fillRef idx="1">
+            <a:schemeClr val="lt1"/>
+          </a:fillRef>
+          <a:effectRef idx="0">
+            <a:schemeClr val="dk1"/>
+          </a:effectRef>
+          <a:fontRef idx="minor">
+            <a:schemeClr val="dk1"/>
+          </a:fontRef>
+        </p:style>
+        <p:txBody>
+          <a:bodyPr rtlCol="0" anchor="ctr"/>
+          <a:lstStyle/>
+          <a:p>
+            <a:pPr algn="ctr"/>
+            <a:endParaRPr lang="fr-FR" sz="1736" dirty="0">
+              <a:latin typeface="Arial" panose="020B0604020202020204" pitchFamily="34" charset="0"/>
+              <a:cs typeface="Arial" panose="020B0604020202020204" pitchFamily="34" charset="0"/>
+            </a:endParaRPr>
+          </a:p>
+        </p:txBody>
+      </p:sp>
+      <p:sp>
+        <p:nvSpPr>
+          <p:cNvPr id="10" name="Rectangle 9"/>
+          <p:cNvSpPr/>
+          <p:nvPr/>
+        </p:nvSpPr>
+        <p:spPr>
+          <a:xfrm>
+            <a:off x="1428165" y="9148605"/>
+            <a:ext cx="13511509" cy="478548"/>
+          </a:xfrm>
+          <a:prstGeom prst="rect">
+            <a:avLst/>
+          </a:prstGeom>
+          <a:ln w="57150"/>
+        </p:spPr>
+        <p:style>
+          <a:lnRef idx="2">
+            <a:schemeClr val="dk1"/>
+          </a:lnRef>
+          <a:fillRef idx="1">
+            <a:schemeClr val="lt1"/>
+          </a:fillRef>
+          <a:effectRef idx="0">
+            <a:schemeClr val="dk1"/>
+          </a:effectRef>
+          <a:fontRef idx="minor">
+            <a:schemeClr val="dk1"/>
+          </a:fontRef>
+        </p:style>
+        <p:txBody>
+          <a:bodyPr rtlCol="0" anchor="ctr"/>
+          <a:lstStyle/>
+          <a:p>
+            <a:pPr algn="ctr"/>
+            <a:r>
+              <a:rPr lang="fr-FR" dirty="0">
+                <a:latin typeface="Comic Sans MS" panose="030F0702030302020204" pitchFamily="66" charset="0"/>
+                <a:cs typeface="Arial" panose="020B0604020202020204" pitchFamily="34" charset="0"/>
+              </a:rPr>
+              <a:t>Support ordinateur en contreplaqué</a:t>
+            </a:r>
+          </a:p>
+        </p:txBody>
+      </p:sp>
+      <p:sp>
+        <p:nvSpPr>
+          <p:cNvPr id="11" name="Rectangle 10"/>
+          <p:cNvSpPr/>
+          <p:nvPr/>
+        </p:nvSpPr>
+        <p:spPr>
+          <a:xfrm>
+            <a:off x="179669" y="9631054"/>
+            <a:ext cx="4182099" cy="474640"/>
+          </a:xfrm>
+          <a:prstGeom prst="rect">
+            <a:avLst/>
+          </a:prstGeom>
+          <a:ln w="57150"/>
+        </p:spPr>
+        <p:style>
+          <a:lnRef idx="2">
+            <a:schemeClr val="dk1"/>
+          </a:lnRef>
+          <a:fillRef idx="1">
+            <a:schemeClr val="lt1"/>
+          </a:fillRef>
+          <a:effectRef idx="0">
+            <a:schemeClr val="dk1"/>
+          </a:effectRef>
+          <a:fontRef idx="minor">
+            <a:schemeClr val="dk1"/>
+          </a:fontRef>
+        </p:style>
+        <p:txBody>
+          <a:bodyPr rtlCol="0" anchor="ctr"/>
+          <a:lstStyle/>
+          <a:p>
+            <a:pPr algn="ctr"/>
+            <a:r>
+              <a:rPr lang="fr-FR" dirty="0">
+                <a:latin typeface="Comic Sans MS" panose="030F0702030302020204" pitchFamily="66" charset="0"/>
+                <a:cs typeface="Arial" panose="020B0604020202020204" pitchFamily="34" charset="0"/>
+              </a:rPr>
+              <a:t>Unité de mesure : mm</a:t>
+            </a:r>
+          </a:p>
+        </p:txBody>
+      </p:sp>
+      <p:sp>
+        <p:nvSpPr>
+          <p:cNvPr id="12" name="Rectangle 11"/>
+          <p:cNvSpPr/>
+          <p:nvPr/>
+        </p:nvSpPr>
+        <p:spPr>
+          <a:xfrm>
+            <a:off x="12609358" y="9627154"/>
+            <a:ext cx="2330323" cy="478548"/>
+          </a:xfrm>
+          <a:prstGeom prst="rect">
+            <a:avLst/>
+          </a:prstGeom>
+          <a:ln w="57150"/>
+        </p:spPr>
+        <p:style>
+          <a:lnRef idx="2">
+            <a:schemeClr val="dk1"/>
+          </a:lnRef>
+          <a:fillRef idx="1">
+            <a:schemeClr val="lt1"/>
+          </a:fillRef>
+          <a:effectRef idx="0">
+            <a:schemeClr val="dk1"/>
+          </a:effectRef>
+          <a:fontRef idx="minor">
+            <a:schemeClr val="dk1"/>
+          </a:fontRef>
+        </p:style>
+        <p:txBody>
+          <a:bodyPr rtlCol="0" anchor="ctr"/>
+          <a:lstStyle/>
+          <a:p>
+            <a:pPr algn="ctr"/>
+            <a:r>
+              <a:rPr lang="fr-FR" dirty="0">
+                <a:latin typeface="Comic Sans MS" panose="030F0702030302020204" pitchFamily="66" charset="0"/>
+                <a:cs typeface="Arial" panose="020B0604020202020204" pitchFamily="34" charset="0"/>
+              </a:rPr>
+              <a:t>Menuiserie</a:t>
+            </a:r>
+          </a:p>
+        </p:txBody>
+      </p:sp>
+      <p:pic>
+        <p:nvPicPr>
+          <p:cNvPr id="13" name="Picture 12"/>
+          <p:cNvPicPr>
+            <a:picLocks noChangeAspect="1"/>
+          </p:cNvPicPr>
+          <p:nvPr/>
+        </p:nvPicPr>
+        <p:blipFill>
+          <a:blip r:embed="rId2">
+            <a:extLst>
+              <a:ext uri="{BEBA8EAE-BF5A-486C-A8C5-ECC9F3942E4B}">
+                <a14:imgProps xmlns:a14="http://schemas.microsoft.com/office/drawing/2010/main">
+                  <a14:imgLayer r:embed="rId3">
+                    <a14:imgEffect>
+                      <a14:sharpenSoften amount="50000"/>
+                    </a14:imgEffect>
+                    <a14:imgEffect>
+                      <a14:saturation sat="200000"/>
+                    </a14:imgEffect>
+                    <a14:imgEffect>
+                      <a14:brightnessContrast bright="20000" contrast="40000"/>
+                    </a14:imgEffect>
+                  </a14:imgLayer>
+                </a14:imgProps>
+              </a:ext>
+            </a:extLst>
+          </a:blip>
+          <a:stretch>
+            <a:fillRect/>
+          </a:stretch>
+        </p:blipFill>
+        <p:spPr>
+          <a:xfrm>
+            <a:off x="389906" y="9198049"/>
+            <a:ext cx="828029" cy="397029"/>
+          </a:xfrm>
+          <a:prstGeom prst="rect">
+            <a:avLst/>
+          </a:prstGeom>
+          <a:ln w="57150">
+            <a:noFill/>
+          </a:ln>
+        </p:spPr>
+      </p:pic>
+      <p:sp>
+        <p:nvSpPr>
+          <p:cNvPr id="14" name="Rectangle 13">
+            <a:extLst>
+              <a:ext uri="{FF2B5EF4-FFF2-40B4-BE49-F238E27FC236}">
+                <a16:creationId xmlns:a16="http://schemas.microsoft.com/office/drawing/2014/main" id="{3E27DE24-2AAE-485F-89DE-75A8D38C91EB}"/>
+              </a:ext>
+            </a:extLst>
+          </p:cNvPr>
+          <p:cNvSpPr/>
+          <p:nvPr/>
+        </p:nvSpPr>
+        <p:spPr>
+          <a:xfrm>
+            <a:off x="4361768" y="9626950"/>
+            <a:ext cx="8247583" cy="474640"/>
+          </a:xfrm>
+          <a:prstGeom prst="rect">
+            <a:avLst/>
+          </a:prstGeom>
+          <a:ln w="57150"/>
+        </p:spPr>
+        <p:style>
+          <a:lnRef idx="2">
+            <a:schemeClr val="dk1"/>
+          </a:lnRef>
+          <a:fillRef idx="1">
+            <a:schemeClr val="lt1"/>
+          </a:fillRef>
+          <a:effectRef idx="0">
+            <a:schemeClr val="dk1"/>
+          </a:effectRef>
+          <a:fontRef idx="minor">
+            <a:schemeClr val="dk1"/>
+          </a:fontRef>
+        </p:style>
+        <p:txBody>
+          <a:bodyPr rtlCol="0" anchor="ctr"/>
+          <a:lstStyle/>
+          <a:p>
+            <a:pPr algn="ctr"/>
+            <a:r>
+              <a:rPr lang="fr-FR" dirty="0">
+                <a:latin typeface="Comic Sans MS" panose="030F0702030302020204" pitchFamily="66" charset="0"/>
+                <a:cs typeface="Arial" panose="020B0604020202020204" pitchFamily="34" charset="0"/>
+              </a:rPr>
+              <a:t>Matière : contreplaqué de 16 mm et 5 mm</a:t>
+            </a:r>
+          </a:p>
+        </p:txBody>
+      </p:sp>
+      <p:pic>
+        <p:nvPicPr>
+          <p:cNvPr id="3" name="Picture 2">
+            <a:extLst>
+              <a:ext uri="{FF2B5EF4-FFF2-40B4-BE49-F238E27FC236}">
+                <a16:creationId xmlns:a16="http://schemas.microsoft.com/office/drawing/2014/main" id="{8B6CADB6-1B14-4EBA-BABC-56F9AE777A69}"/>
+              </a:ext>
+            </a:extLst>
+          </p:cNvPr>
+          <p:cNvPicPr>
+            <a:picLocks noChangeAspect="1"/>
+          </p:cNvPicPr>
+          <p:nvPr/>
+        </p:nvPicPr>
+        <p:blipFill>
+          <a:blip r:embed="rId4"/>
+          <a:stretch>
+            <a:fillRect/>
+          </a:stretch>
+        </p:blipFill>
+        <p:spPr>
+          <a:xfrm>
+            <a:off x="623240" y="1725254"/>
+            <a:ext cx="10287220" cy="6984437"/>
+          </a:xfrm>
+          <a:prstGeom prst="rect">
+            <a:avLst/>
+          </a:prstGeom>
+        </p:spPr>
+      </p:pic>
+      <p:graphicFrame>
+        <p:nvGraphicFramePr>
+          <p:cNvPr id="4" name="Table 3">
+            <a:extLst>
+              <a:ext uri="{FF2B5EF4-FFF2-40B4-BE49-F238E27FC236}">
+                <a16:creationId xmlns:a16="http://schemas.microsoft.com/office/drawing/2014/main" id="{44D7108E-C1EF-4963-A0D5-490F2ADC3E5A}"/>
+              </a:ext>
+            </a:extLst>
+          </p:cNvPr>
+          <p:cNvGraphicFramePr>
+            <a:graphicFrameLocks noGrp="1"/>
+          </p:cNvGraphicFramePr>
+          <p:nvPr>
+            <p:extLst>
+              <p:ext uri="{D42A27DB-BD31-4B8C-83A1-F6EECF244321}">
+                <p14:modId xmlns:p14="http://schemas.microsoft.com/office/powerpoint/2010/main" val="3693897250"/>
+              </p:ext>
+            </p:extLst>
+          </p:nvPr>
+        </p:nvGraphicFramePr>
+        <p:xfrm>
+          <a:off x="10720572" y="2384437"/>
+          <a:ext cx="4217140" cy="4253936"/>
+        </p:xfrm>
+        <a:graphic>
+          <a:graphicData uri="http://schemas.openxmlformats.org/drawingml/2006/table">
+            <a:tbl>
+              <a:tblPr firstRow="1" bandRow="1">
+                <a:effectLst/>
+                <a:tableStyleId>{5940675A-B579-460E-94D1-54222C63F5DA}</a:tableStyleId>
+              </a:tblPr>
+              <a:tblGrid>
+                <a:gridCol w="2108570">
+                  <a:extLst>
+                    <a:ext uri="{9D8B030D-6E8A-4147-A177-3AD203B41FA5}">
+                      <a16:colId xmlns:a16="http://schemas.microsoft.com/office/drawing/2014/main" val="2824700628"/>
+                    </a:ext>
+                  </a:extLst>
+                </a:gridCol>
+                <a:gridCol w="2108570">
+                  <a:extLst>
+                    <a:ext uri="{9D8B030D-6E8A-4147-A177-3AD203B41FA5}">
+                      <a16:colId xmlns:a16="http://schemas.microsoft.com/office/drawing/2014/main" val="428454333"/>
+                    </a:ext>
+                  </a:extLst>
+                </a:gridCol>
+              </a:tblGrid>
+              <a:tr h="531742">
+                <a:tc>
+                  <a:txBody>
+                    <a:bodyPr/>
+                    <a:lstStyle/>
+                    <a:p>
+                      <a:pPr algn="ctr"/>
+                      <a:r>
+                        <a:rPr lang="fr-FR" sz="1600" dirty="0"/>
+                        <a:t>Repère</a:t>
+                      </a:r>
+                    </a:p>
+                  </a:txBody>
+                  <a:tcPr marL="113395" marR="113395" marT="56698" marB="56698" anchor="ctr">
+                    <a:solidFill>
+                      <a:schemeClr val="bg2"/>
+                    </a:solidFill>
+                  </a:tcPr>
+                </a:tc>
+                <a:tc>
+                  <a:txBody>
+                    <a:bodyPr/>
+                    <a:lstStyle/>
+                    <a:p>
+                      <a:pPr algn="ctr"/>
+                      <a:r>
+                        <a:rPr lang="fr-FR" sz="1600" dirty="0"/>
+                        <a:t>Désignation</a:t>
+                      </a:r>
+                    </a:p>
+                  </a:txBody>
+                  <a:tcPr marL="113395" marR="113395" marT="56698" marB="56698" anchor="ctr">
+                    <a:solidFill>
+                      <a:schemeClr val="bg2"/>
+                    </a:solidFill>
+                  </a:tcPr>
+                </a:tc>
+                <a:extLst>
+                  <a:ext uri="{0D108BD9-81ED-4DB2-BD59-A6C34878D82A}">
+                    <a16:rowId xmlns:a16="http://schemas.microsoft.com/office/drawing/2014/main" val="1643788874"/>
+                  </a:ext>
+                </a:extLst>
+              </a:tr>
+              <a:tr h="531742">
+                <a:tc>
+                  <a:txBody>
+                    <a:bodyPr/>
+                    <a:lstStyle/>
+                    <a:p>
+                      <a:pPr algn="ctr"/>
+                      <a:r>
+                        <a:rPr lang="fr-FR" sz="1600" dirty="0"/>
+                        <a:t>101</a:t>
+                      </a:r>
+                    </a:p>
+                  </a:txBody>
+                  <a:tcPr marL="113395" marR="113395" marT="56698" marB="56698" anchor="ctr">
+                    <a:solidFill>
+                      <a:schemeClr val="bg1"/>
+                    </a:solidFill>
+                  </a:tcPr>
+                </a:tc>
+                <a:tc>
+                  <a:txBody>
+                    <a:bodyPr/>
+                    <a:lstStyle/>
+                    <a:p>
+                      <a:pPr algn="ctr"/>
+                      <a:r>
+                        <a:rPr lang="fr-FR" sz="1600" dirty="0"/>
+                        <a:t>Montants</a:t>
+                      </a:r>
+                    </a:p>
+                  </a:txBody>
+                  <a:tcPr marL="113395" marR="113395" marT="56698" marB="56698" anchor="ctr">
+                    <a:solidFill>
+                      <a:schemeClr val="bg1"/>
+                    </a:solidFill>
+                  </a:tcPr>
+                </a:tc>
+                <a:extLst>
+                  <a:ext uri="{0D108BD9-81ED-4DB2-BD59-A6C34878D82A}">
+                    <a16:rowId xmlns:a16="http://schemas.microsoft.com/office/drawing/2014/main" val="2176085396"/>
+                  </a:ext>
+                </a:extLst>
+              </a:tr>
+              <a:tr h="531742">
+                <a:tc>
+                  <a:txBody>
+                    <a:bodyPr/>
+                    <a:lstStyle/>
+                    <a:p>
+                      <a:pPr algn="ctr"/>
+                      <a:r>
+                        <a:rPr lang="fr-FR" sz="1600" dirty="0"/>
+                        <a:t>201</a:t>
+                      </a:r>
+                    </a:p>
+                  </a:txBody>
+                  <a:tcPr marL="113395" marR="113395" marT="56698" marB="56698" anchor="ctr">
+                    <a:solidFill>
+                      <a:schemeClr val="bg1"/>
+                    </a:solidFill>
+                  </a:tcPr>
+                </a:tc>
+                <a:tc>
+                  <a:txBody>
+                    <a:bodyPr/>
+                    <a:lstStyle/>
+                    <a:p>
+                      <a:pPr algn="ctr"/>
+                      <a:r>
+                        <a:rPr lang="fr-FR" sz="1600" dirty="0"/>
+                        <a:t>Plateau</a:t>
+                      </a:r>
+                    </a:p>
+                  </a:txBody>
+                  <a:tcPr marL="113395" marR="113395" marT="56698" marB="56698" anchor="ctr">
+                    <a:solidFill>
+                      <a:schemeClr val="bg1"/>
+                    </a:solidFill>
+                  </a:tcPr>
+                </a:tc>
+                <a:extLst>
+                  <a:ext uri="{0D108BD9-81ED-4DB2-BD59-A6C34878D82A}">
+                    <a16:rowId xmlns:a16="http://schemas.microsoft.com/office/drawing/2014/main" val="4050412864"/>
+                  </a:ext>
+                </a:extLst>
+              </a:tr>
+              <a:tr h="531742">
+                <a:tc>
+                  <a:txBody>
+                    <a:bodyPr/>
+                    <a:lstStyle/>
+                    <a:p>
+                      <a:pPr algn="ctr"/>
+                      <a:r>
+                        <a:rPr lang="fr-FR" sz="1600" dirty="0"/>
+                        <a:t>202</a:t>
+                      </a:r>
+                    </a:p>
+                  </a:txBody>
+                  <a:tcPr marL="113395" marR="113395" marT="56698" marB="56698" anchor="ctr">
+                    <a:solidFill>
+                      <a:schemeClr val="bg1"/>
+                    </a:solidFill>
+                  </a:tcPr>
+                </a:tc>
+                <a:tc>
+                  <a:txBody>
+                    <a:bodyPr/>
+                    <a:lstStyle/>
+                    <a:p>
+                      <a:pPr algn="ctr"/>
+                      <a:r>
+                        <a:rPr lang="fr-FR" sz="1600" dirty="0"/>
+                        <a:t>Alaise</a:t>
+                      </a:r>
+                    </a:p>
+                  </a:txBody>
+                  <a:tcPr marL="113395" marR="113395" marT="56698" marB="56698" anchor="ctr">
+                    <a:solidFill>
+                      <a:schemeClr val="bg1"/>
+                    </a:solidFill>
+                  </a:tcPr>
+                </a:tc>
+                <a:extLst>
+                  <a:ext uri="{0D108BD9-81ED-4DB2-BD59-A6C34878D82A}">
+                    <a16:rowId xmlns:a16="http://schemas.microsoft.com/office/drawing/2014/main" val="1760352900"/>
+                  </a:ext>
+                </a:extLst>
+              </a:tr>
+              <a:tr h="531742">
+                <a:tc>
+                  <a:txBody>
+                    <a:bodyPr/>
+                    <a:lstStyle/>
+                    <a:p>
+                      <a:pPr algn="ctr"/>
+                      <a:r>
+                        <a:rPr lang="fr-FR" sz="1600" dirty="0"/>
+                        <a:t>203</a:t>
+                      </a:r>
+                    </a:p>
+                  </a:txBody>
+                  <a:tcPr marL="113395" marR="113395" marT="56698" marB="56698" anchor="ctr">
+                    <a:solidFill>
+                      <a:schemeClr val="bg1"/>
+                    </a:solidFill>
+                  </a:tcPr>
+                </a:tc>
+                <a:tc>
+                  <a:txBody>
+                    <a:bodyPr/>
+                    <a:lstStyle/>
+                    <a:p>
+                      <a:pPr algn="ctr"/>
+                      <a:r>
+                        <a:rPr lang="fr-FR" sz="1600" dirty="0"/>
+                        <a:t>Dos du plateau</a:t>
+                      </a:r>
+                    </a:p>
+                  </a:txBody>
+                  <a:tcPr marL="113395" marR="113395" marT="56698" marB="56698" anchor="ctr">
+                    <a:solidFill>
+                      <a:schemeClr val="bg1"/>
+                    </a:solidFill>
+                  </a:tcPr>
+                </a:tc>
+                <a:extLst>
+                  <a:ext uri="{0D108BD9-81ED-4DB2-BD59-A6C34878D82A}">
+                    <a16:rowId xmlns:a16="http://schemas.microsoft.com/office/drawing/2014/main" val="3746151336"/>
+                  </a:ext>
+                </a:extLst>
+              </a:tr>
+              <a:tr h="531742">
+                <a:tc>
+                  <a:txBody>
+                    <a:bodyPr/>
+                    <a:lstStyle/>
+                    <a:p>
+                      <a:pPr algn="ctr"/>
+                      <a:r>
+                        <a:rPr lang="fr-FR" sz="1600" dirty="0"/>
+                        <a:t>301</a:t>
+                      </a:r>
+                    </a:p>
+                  </a:txBody>
+                  <a:tcPr marL="113395" marR="113395" marT="56698" marB="56698" anchor="ctr">
+                    <a:solidFill>
+                      <a:schemeClr val="bg1"/>
+                    </a:solidFill>
+                  </a:tcPr>
+                </a:tc>
+                <a:tc>
+                  <a:txBody>
+                    <a:bodyPr/>
+                    <a:lstStyle/>
+                    <a:p>
+                      <a:pPr algn="ctr"/>
+                      <a:r>
+                        <a:rPr lang="fr-FR" sz="1600" dirty="0"/>
+                        <a:t>Séparateurs</a:t>
+                      </a:r>
+                    </a:p>
+                  </a:txBody>
+                  <a:tcPr marL="113395" marR="113395" marT="56698" marB="56698" anchor="ctr">
+                    <a:solidFill>
+                      <a:schemeClr val="bg1"/>
+                    </a:solidFill>
+                  </a:tcPr>
+                </a:tc>
+                <a:extLst>
+                  <a:ext uri="{0D108BD9-81ED-4DB2-BD59-A6C34878D82A}">
+                    <a16:rowId xmlns:a16="http://schemas.microsoft.com/office/drawing/2014/main" val="1534712837"/>
+                  </a:ext>
+                </a:extLst>
+              </a:tr>
+              <a:tr h="531742">
+                <a:tc>
+                  <a:txBody>
+                    <a:bodyPr/>
+                    <a:lstStyle/>
+                    <a:p>
+                      <a:pPr algn="ctr"/>
+                      <a:r>
+                        <a:rPr lang="fr-FR" sz="1600" dirty="0"/>
+                        <a:t>401</a:t>
+                      </a:r>
+                    </a:p>
+                  </a:txBody>
+                  <a:tcPr marL="113395" marR="113395" marT="56698" marB="56698" anchor="ctr">
+                    <a:solidFill>
+                      <a:schemeClr val="bg1"/>
+                    </a:solidFill>
+                  </a:tcPr>
+                </a:tc>
+                <a:tc>
+                  <a:txBody>
+                    <a:bodyPr/>
+                    <a:lstStyle/>
+                    <a:p>
+                      <a:pPr algn="ctr"/>
+                      <a:r>
+                        <a:rPr lang="fr-FR" sz="1600" dirty="0"/>
+                        <a:t>Traverse base</a:t>
+                      </a:r>
+                    </a:p>
+                  </a:txBody>
+                  <a:tcPr marL="113395" marR="113395" marT="56698" marB="56698" anchor="ctr">
+                    <a:solidFill>
+                      <a:schemeClr val="bg1"/>
+                    </a:solidFill>
+                  </a:tcPr>
+                </a:tc>
+                <a:extLst>
+                  <a:ext uri="{0D108BD9-81ED-4DB2-BD59-A6C34878D82A}">
+                    <a16:rowId xmlns:a16="http://schemas.microsoft.com/office/drawing/2014/main" val="2573981006"/>
+                  </a:ext>
+                </a:extLst>
+              </a:tr>
+              <a:tr h="531742">
+                <a:tc>
+                  <a:txBody>
+                    <a:bodyPr/>
+                    <a:lstStyle/>
+                    <a:p>
+                      <a:pPr algn="ctr"/>
+                      <a:r>
+                        <a:rPr lang="fr-FR" sz="1600" dirty="0"/>
+                        <a:t>402</a:t>
+                      </a:r>
+                    </a:p>
+                  </a:txBody>
+                  <a:tcPr marL="113395" marR="113395" marT="56698" marB="56698" anchor="ctr">
+                    <a:solidFill>
+                      <a:schemeClr val="bg1"/>
+                    </a:solidFill>
+                  </a:tcPr>
+                </a:tc>
+                <a:tc>
+                  <a:txBody>
+                    <a:bodyPr/>
+                    <a:lstStyle/>
+                    <a:p>
+                      <a:pPr algn="ctr"/>
+                      <a:r>
+                        <a:rPr lang="fr-FR" sz="1600" dirty="0"/>
+                        <a:t>Dos de séparateurs</a:t>
+                      </a:r>
+                    </a:p>
+                  </a:txBody>
+                  <a:tcPr marL="113395" marR="113395" marT="56698" marB="56698" anchor="ctr">
+                    <a:solidFill>
+                      <a:schemeClr val="bg1"/>
+                    </a:solidFill>
+                  </a:tcPr>
+                </a:tc>
+                <a:extLst>
+                  <a:ext uri="{0D108BD9-81ED-4DB2-BD59-A6C34878D82A}">
+                    <a16:rowId xmlns:a16="http://schemas.microsoft.com/office/drawing/2014/main" val="49091496"/>
+                  </a:ext>
+                </a:extLst>
+              </a:tr>
+            </a:tbl>
+          </a:graphicData>
+        </a:graphic>
+      </p:graphicFrame>
+      <p:cxnSp>
+        <p:nvCxnSpPr>
+          <p:cNvPr id="7" name="Straight Arrow Connector 6">
+            <a:extLst>
+              <a:ext uri="{FF2B5EF4-FFF2-40B4-BE49-F238E27FC236}">
+                <a16:creationId xmlns:a16="http://schemas.microsoft.com/office/drawing/2014/main" id="{9EB1EC10-83AA-4334-9B2A-2832618DA4EC}"/>
+              </a:ext>
+            </a:extLst>
+          </p:cNvPr>
+          <p:cNvCxnSpPr>
+            <a:cxnSpLocks/>
+            <a:stCxn id="23" idx="7"/>
+          </p:cNvCxnSpPr>
+          <p:nvPr/>
+        </p:nvCxnSpPr>
+        <p:spPr>
+          <a:xfrm flipV="1">
+            <a:off x="1800571" y="5399882"/>
+            <a:ext cx="282229" cy="2334500"/>
+          </a:xfrm>
+          <a:prstGeom prst="straightConnector1">
+            <a:avLst/>
+          </a:prstGeom>
+          <a:ln>
+            <a:tailEnd type="triangle"/>
+          </a:ln>
+        </p:spPr>
+        <p:style>
+          <a:lnRef idx="2">
+            <a:schemeClr val="dk1"/>
+          </a:lnRef>
+          <a:fillRef idx="0">
+            <a:schemeClr val="dk1"/>
+          </a:fillRef>
+          <a:effectRef idx="1">
+            <a:schemeClr val="dk1"/>
+          </a:effectRef>
+          <a:fontRef idx="minor">
+            <a:schemeClr val="tx1"/>
+          </a:fontRef>
+        </p:style>
+      </p:cxnSp>
+      <p:cxnSp>
+        <p:nvCxnSpPr>
+          <p:cNvPr id="22" name="Straight Arrow Connector 21">
+            <a:extLst>
+              <a:ext uri="{FF2B5EF4-FFF2-40B4-BE49-F238E27FC236}">
+                <a16:creationId xmlns:a16="http://schemas.microsoft.com/office/drawing/2014/main" id="{2B405649-BD3E-4A85-94A9-0BBDB48E5D81}"/>
+              </a:ext>
+            </a:extLst>
+          </p:cNvPr>
+          <p:cNvCxnSpPr>
+            <a:cxnSpLocks/>
+            <a:stCxn id="23" idx="7"/>
+          </p:cNvCxnSpPr>
+          <p:nvPr/>
+        </p:nvCxnSpPr>
+        <p:spPr>
+          <a:xfrm flipV="1">
+            <a:off x="1800571" y="6385885"/>
+            <a:ext cx="4723811" cy="1348497"/>
+          </a:xfrm>
+          <a:prstGeom prst="straightConnector1">
+            <a:avLst/>
+          </a:prstGeom>
+          <a:ln>
+            <a:tailEnd type="triangle"/>
+          </a:ln>
+        </p:spPr>
+        <p:style>
+          <a:lnRef idx="2">
+            <a:schemeClr val="dk1"/>
+          </a:lnRef>
+          <a:fillRef idx="0">
+            <a:schemeClr val="dk1"/>
+          </a:fillRef>
+          <a:effectRef idx="1">
+            <a:schemeClr val="dk1"/>
+          </a:effectRef>
+          <a:fontRef idx="minor">
+            <a:schemeClr val="tx1"/>
+          </a:fontRef>
+        </p:style>
+      </p:cxnSp>
+      <p:cxnSp>
+        <p:nvCxnSpPr>
+          <p:cNvPr id="26" name="Straight Arrow Connector 25">
+            <a:extLst>
+              <a:ext uri="{FF2B5EF4-FFF2-40B4-BE49-F238E27FC236}">
+                <a16:creationId xmlns:a16="http://schemas.microsoft.com/office/drawing/2014/main" id="{3EE8CFC6-B719-46DE-97CB-AA860E0B8A5F}"/>
+              </a:ext>
+            </a:extLst>
+          </p:cNvPr>
+          <p:cNvCxnSpPr>
+            <a:cxnSpLocks/>
+            <a:stCxn id="23" idx="7"/>
+          </p:cNvCxnSpPr>
+          <p:nvPr/>
+        </p:nvCxnSpPr>
+        <p:spPr>
+          <a:xfrm flipV="1">
+            <a:off x="1800571" y="7567613"/>
+            <a:ext cx="6648104" cy="166769"/>
+          </a:xfrm>
+          <a:prstGeom prst="straightConnector1">
+            <a:avLst/>
+          </a:prstGeom>
+          <a:ln>
+            <a:tailEnd type="triangle"/>
+          </a:ln>
+        </p:spPr>
+        <p:style>
+          <a:lnRef idx="2">
+            <a:schemeClr val="dk1"/>
+          </a:lnRef>
+          <a:fillRef idx="0">
+            <a:schemeClr val="dk1"/>
+          </a:fillRef>
+          <a:effectRef idx="1">
+            <a:schemeClr val="dk1"/>
+          </a:effectRef>
+          <a:fontRef idx="minor">
+            <a:schemeClr val="tx1"/>
+          </a:fontRef>
+        </p:style>
+      </p:cxnSp>
+      <p:sp>
+        <p:nvSpPr>
+          <p:cNvPr id="23" name="Oval 22">
+            <a:extLst>
+              <a:ext uri="{FF2B5EF4-FFF2-40B4-BE49-F238E27FC236}">
+                <a16:creationId xmlns:a16="http://schemas.microsoft.com/office/drawing/2014/main" id="{0AD5B030-6C6C-4960-817B-C208F21525EC}"/>
+              </a:ext>
+            </a:extLst>
+          </p:cNvPr>
+          <p:cNvSpPr/>
+          <p:nvPr/>
+        </p:nvSpPr>
+        <p:spPr>
+          <a:xfrm>
+            <a:off x="1191905" y="7620615"/>
+            <a:ext cx="713096" cy="776851"/>
+          </a:xfrm>
+          <a:prstGeom prst="ellipse">
+            <a:avLst/>
+          </a:prstGeom>
+        </p:spPr>
+        <p:style>
+          <a:lnRef idx="2">
+            <a:schemeClr val="dk1"/>
+          </a:lnRef>
+          <a:fillRef idx="1">
+            <a:schemeClr val="lt1"/>
+          </a:fillRef>
+          <a:effectRef idx="0">
+            <a:schemeClr val="dk1"/>
+          </a:effectRef>
+          <a:fontRef idx="minor">
+            <a:schemeClr val="dk1"/>
+          </a:fontRef>
+        </p:style>
+        <p:txBody>
+          <a:bodyPr rtlCol="0" anchor="ctr"/>
+          <a:lstStyle/>
+          <a:p>
+            <a:pPr algn="ctr"/>
+            <a:r>
+              <a:rPr lang="fr-FR" sz="1600" dirty="0">
+                <a:latin typeface="JetBrains Mono"/>
+              </a:rPr>
+              <a:t>101</a:t>
+            </a:r>
+          </a:p>
+        </p:txBody>
+      </p:sp>
+      <p:cxnSp>
+        <p:nvCxnSpPr>
+          <p:cNvPr id="35" name="Straight Arrow Connector 34">
+            <a:extLst>
+              <a:ext uri="{FF2B5EF4-FFF2-40B4-BE49-F238E27FC236}">
+                <a16:creationId xmlns:a16="http://schemas.microsoft.com/office/drawing/2014/main" id="{3470C6EB-B052-4708-8AA9-D084324F7D00}"/>
+              </a:ext>
+            </a:extLst>
+          </p:cNvPr>
+          <p:cNvCxnSpPr>
+            <a:cxnSpLocks/>
+            <a:stCxn id="37" idx="0"/>
+          </p:cNvCxnSpPr>
+          <p:nvPr/>
+        </p:nvCxnSpPr>
+        <p:spPr>
+          <a:xfrm flipV="1">
+            <a:off x="2691466" y="3976688"/>
+            <a:ext cx="761347" cy="1632346"/>
+          </a:xfrm>
+          <a:prstGeom prst="straightConnector1">
+            <a:avLst/>
+          </a:prstGeom>
+          <a:ln>
+            <a:tailEnd type="triangle"/>
+          </a:ln>
+        </p:spPr>
+        <p:style>
+          <a:lnRef idx="2">
+            <a:schemeClr val="dk1"/>
+          </a:lnRef>
+          <a:fillRef idx="0">
+            <a:schemeClr val="dk1"/>
+          </a:fillRef>
+          <a:effectRef idx="1">
+            <a:schemeClr val="dk1"/>
+          </a:effectRef>
+          <a:fontRef idx="minor">
+            <a:schemeClr val="tx1"/>
+          </a:fontRef>
+        </p:style>
+      </p:cxnSp>
+      <p:sp>
+        <p:nvSpPr>
+          <p:cNvPr id="37" name="Oval 36">
+            <a:extLst>
+              <a:ext uri="{FF2B5EF4-FFF2-40B4-BE49-F238E27FC236}">
+                <a16:creationId xmlns:a16="http://schemas.microsoft.com/office/drawing/2014/main" id="{4A450D51-6359-4019-990A-75F8E367276E}"/>
+              </a:ext>
+            </a:extLst>
+          </p:cNvPr>
+          <p:cNvSpPr/>
+          <p:nvPr/>
+        </p:nvSpPr>
+        <p:spPr>
+          <a:xfrm>
+            <a:off x="2334918" y="5609034"/>
+            <a:ext cx="713096" cy="776851"/>
+          </a:xfrm>
+          <a:prstGeom prst="ellipse">
+            <a:avLst/>
+          </a:prstGeom>
+        </p:spPr>
+        <p:style>
+          <a:lnRef idx="2">
+            <a:schemeClr val="dk1"/>
+          </a:lnRef>
+          <a:fillRef idx="1">
+            <a:schemeClr val="lt1"/>
+          </a:fillRef>
+          <a:effectRef idx="0">
+            <a:schemeClr val="dk1"/>
+          </a:effectRef>
+          <a:fontRef idx="minor">
+            <a:schemeClr val="dk1"/>
+          </a:fontRef>
+        </p:style>
+        <p:txBody>
+          <a:bodyPr rtlCol="0" anchor="ctr"/>
+          <a:lstStyle/>
+          <a:p>
+            <a:pPr algn="ctr"/>
+            <a:r>
+              <a:rPr lang="fr-FR" sz="1600" dirty="0">
+                <a:latin typeface="JetBrains Mono" panose="02000009000000000000"/>
+              </a:rPr>
+              <a:t>201</a:t>
+            </a:r>
+          </a:p>
+        </p:txBody>
+      </p:sp>
+      <p:cxnSp>
+        <p:nvCxnSpPr>
+          <p:cNvPr id="42" name="Straight Arrow Connector 41">
+            <a:extLst>
+              <a:ext uri="{FF2B5EF4-FFF2-40B4-BE49-F238E27FC236}">
+                <a16:creationId xmlns:a16="http://schemas.microsoft.com/office/drawing/2014/main" id="{0110337D-E544-4494-8129-99A634842BCC}"/>
+              </a:ext>
+            </a:extLst>
+          </p:cNvPr>
+          <p:cNvCxnSpPr>
+            <a:cxnSpLocks/>
+            <a:stCxn id="43" idx="5"/>
+          </p:cNvCxnSpPr>
+          <p:nvPr/>
+        </p:nvCxnSpPr>
+        <p:spPr>
+          <a:xfrm>
+            <a:off x="875358" y="2384437"/>
+            <a:ext cx="1207442" cy="824063"/>
+          </a:xfrm>
+          <a:prstGeom prst="straightConnector1">
+            <a:avLst/>
+          </a:prstGeom>
+          <a:ln>
+            <a:tailEnd type="triangle"/>
+          </a:ln>
+        </p:spPr>
+        <p:style>
+          <a:lnRef idx="2">
+            <a:schemeClr val="dk1"/>
+          </a:lnRef>
+          <a:fillRef idx="0">
+            <a:schemeClr val="dk1"/>
+          </a:fillRef>
+          <a:effectRef idx="1">
+            <a:schemeClr val="dk1"/>
+          </a:effectRef>
+          <a:fontRef idx="minor">
+            <a:schemeClr val="tx1"/>
+          </a:fontRef>
+        </p:style>
+      </p:cxnSp>
+      <p:sp>
+        <p:nvSpPr>
+          <p:cNvPr id="43" name="Oval 42">
+            <a:extLst>
+              <a:ext uri="{FF2B5EF4-FFF2-40B4-BE49-F238E27FC236}">
+                <a16:creationId xmlns:a16="http://schemas.microsoft.com/office/drawing/2014/main" id="{EEB5CF01-590F-4F21-8939-193FE15A5C6A}"/>
+              </a:ext>
+            </a:extLst>
+          </p:cNvPr>
+          <p:cNvSpPr/>
+          <p:nvPr/>
+        </p:nvSpPr>
+        <p:spPr>
+          <a:xfrm>
+            <a:off x="266692" y="1721353"/>
+            <a:ext cx="713096" cy="776851"/>
+          </a:xfrm>
+          <a:prstGeom prst="ellipse">
+            <a:avLst/>
+          </a:prstGeom>
+        </p:spPr>
+        <p:style>
+          <a:lnRef idx="2">
+            <a:schemeClr val="dk1"/>
+          </a:lnRef>
+          <a:fillRef idx="1">
+            <a:schemeClr val="lt1"/>
+          </a:fillRef>
+          <a:effectRef idx="0">
+            <a:schemeClr val="dk1"/>
+          </a:effectRef>
+          <a:fontRef idx="minor">
+            <a:schemeClr val="dk1"/>
+          </a:fontRef>
+        </p:style>
+        <p:txBody>
+          <a:bodyPr rtlCol="0" anchor="ctr"/>
+          <a:lstStyle/>
+          <a:p>
+            <a:pPr algn="ctr"/>
+            <a:r>
+              <a:rPr lang="fr-FR" sz="1600" dirty="0">
+                <a:latin typeface="JetBrains Mono" panose="02000009000000000000"/>
+              </a:rPr>
+              <a:t>202</a:t>
+            </a:r>
+          </a:p>
+        </p:txBody>
+      </p:sp>
+      <p:cxnSp>
+        <p:nvCxnSpPr>
+          <p:cNvPr id="47" name="Straight Arrow Connector 46">
+            <a:extLst>
+              <a:ext uri="{FF2B5EF4-FFF2-40B4-BE49-F238E27FC236}">
+                <a16:creationId xmlns:a16="http://schemas.microsoft.com/office/drawing/2014/main" id="{5BD776D5-89B0-41A9-AF32-6A04D69F950B}"/>
+              </a:ext>
+            </a:extLst>
+          </p:cNvPr>
+          <p:cNvCxnSpPr>
+            <a:cxnSpLocks/>
+          </p:cNvCxnSpPr>
+          <p:nvPr/>
+        </p:nvCxnSpPr>
+        <p:spPr>
+          <a:xfrm flipH="1">
+            <a:off x="8295798" y="2462674"/>
+            <a:ext cx="88900" cy="1156826"/>
+          </a:xfrm>
+          <a:prstGeom prst="straightConnector1">
+            <a:avLst/>
+          </a:prstGeom>
+          <a:ln>
+            <a:tailEnd type="triangle"/>
+          </a:ln>
+        </p:spPr>
+        <p:style>
+          <a:lnRef idx="2">
+            <a:schemeClr val="dk1"/>
+          </a:lnRef>
+          <a:fillRef idx="0">
+            <a:schemeClr val="dk1"/>
+          </a:fillRef>
+          <a:effectRef idx="1">
+            <a:schemeClr val="dk1"/>
+          </a:effectRef>
+          <a:fontRef idx="minor">
+            <a:schemeClr val="tx1"/>
+          </a:fontRef>
+        </p:style>
+      </p:cxnSp>
+      <p:sp>
+        <p:nvSpPr>
+          <p:cNvPr id="48" name="Oval 47">
+            <a:extLst>
+              <a:ext uri="{FF2B5EF4-FFF2-40B4-BE49-F238E27FC236}">
+                <a16:creationId xmlns:a16="http://schemas.microsoft.com/office/drawing/2014/main" id="{EFF3C883-0752-494F-99A0-C535D368E0C0}"/>
+              </a:ext>
+            </a:extLst>
+          </p:cNvPr>
+          <p:cNvSpPr/>
+          <p:nvPr/>
+        </p:nvSpPr>
+        <p:spPr>
+          <a:xfrm>
+            <a:off x="8051035" y="1685823"/>
+            <a:ext cx="713096" cy="776851"/>
+          </a:xfrm>
+          <a:prstGeom prst="ellipse">
+            <a:avLst/>
+          </a:prstGeom>
+        </p:spPr>
+        <p:style>
+          <a:lnRef idx="2">
+            <a:schemeClr val="dk1"/>
+          </a:lnRef>
+          <a:fillRef idx="1">
+            <a:schemeClr val="lt1"/>
+          </a:fillRef>
+          <a:effectRef idx="0">
+            <a:schemeClr val="dk1"/>
+          </a:effectRef>
+          <a:fontRef idx="minor">
+            <a:schemeClr val="dk1"/>
+          </a:fontRef>
+        </p:style>
+        <p:txBody>
+          <a:bodyPr rtlCol="0" anchor="ctr"/>
+          <a:lstStyle/>
+          <a:p>
+            <a:pPr algn="ctr"/>
+            <a:r>
+              <a:rPr lang="fr-FR" sz="1600" dirty="0">
+                <a:latin typeface="JetBrains Mono" panose="02000009000000000000"/>
+              </a:rPr>
+              <a:t>203</a:t>
+            </a:r>
+          </a:p>
+        </p:txBody>
+      </p:sp>
+      <p:cxnSp>
+        <p:nvCxnSpPr>
+          <p:cNvPr id="51" name="Straight Arrow Connector 50">
+            <a:extLst>
+              <a:ext uri="{FF2B5EF4-FFF2-40B4-BE49-F238E27FC236}">
+                <a16:creationId xmlns:a16="http://schemas.microsoft.com/office/drawing/2014/main" id="{25446D3D-3A8F-475D-A456-54EBB41E3250}"/>
+              </a:ext>
+            </a:extLst>
+          </p:cNvPr>
+          <p:cNvCxnSpPr>
+            <a:cxnSpLocks/>
+            <a:stCxn id="54" idx="1"/>
+          </p:cNvCxnSpPr>
+          <p:nvPr/>
+        </p:nvCxnSpPr>
+        <p:spPr>
+          <a:xfrm flipH="1" flipV="1">
+            <a:off x="8295798" y="6327861"/>
+            <a:ext cx="3053919" cy="1520288"/>
+          </a:xfrm>
+          <a:prstGeom prst="straightConnector1">
+            <a:avLst/>
+          </a:prstGeom>
+          <a:ln>
+            <a:tailEnd type="triangle"/>
+          </a:ln>
+        </p:spPr>
+        <p:style>
+          <a:lnRef idx="2">
+            <a:schemeClr val="dk1"/>
+          </a:lnRef>
+          <a:fillRef idx="0">
+            <a:schemeClr val="dk1"/>
+          </a:fillRef>
+          <a:effectRef idx="1">
+            <a:schemeClr val="dk1"/>
+          </a:effectRef>
+          <a:fontRef idx="minor">
+            <a:schemeClr val="tx1"/>
+          </a:fontRef>
+        </p:style>
+      </p:cxnSp>
+      <p:cxnSp>
+        <p:nvCxnSpPr>
+          <p:cNvPr id="52" name="Straight Arrow Connector 51">
+            <a:extLst>
+              <a:ext uri="{FF2B5EF4-FFF2-40B4-BE49-F238E27FC236}">
+                <a16:creationId xmlns:a16="http://schemas.microsoft.com/office/drawing/2014/main" id="{06F54E29-31FB-48B3-9AE7-78560D2F7849}"/>
+              </a:ext>
+            </a:extLst>
+          </p:cNvPr>
+          <p:cNvCxnSpPr>
+            <a:cxnSpLocks/>
+            <a:stCxn id="54" idx="1"/>
+          </p:cNvCxnSpPr>
+          <p:nvPr/>
+        </p:nvCxnSpPr>
+        <p:spPr>
+          <a:xfrm flipH="1" flipV="1">
+            <a:off x="8993363" y="5997816"/>
+            <a:ext cx="2356354" cy="1850333"/>
+          </a:xfrm>
+          <a:prstGeom prst="straightConnector1">
+            <a:avLst/>
+          </a:prstGeom>
+          <a:ln>
+            <a:tailEnd type="triangle"/>
+          </a:ln>
+        </p:spPr>
+        <p:style>
+          <a:lnRef idx="2">
+            <a:schemeClr val="dk1"/>
+          </a:lnRef>
+          <a:fillRef idx="0">
+            <a:schemeClr val="dk1"/>
+          </a:fillRef>
+          <a:effectRef idx="1">
+            <a:schemeClr val="dk1"/>
+          </a:effectRef>
+          <a:fontRef idx="minor">
+            <a:schemeClr val="tx1"/>
+          </a:fontRef>
+        </p:style>
+      </p:cxnSp>
+      <p:cxnSp>
+        <p:nvCxnSpPr>
+          <p:cNvPr id="53" name="Straight Arrow Connector 52">
+            <a:extLst>
+              <a:ext uri="{FF2B5EF4-FFF2-40B4-BE49-F238E27FC236}">
+                <a16:creationId xmlns:a16="http://schemas.microsoft.com/office/drawing/2014/main" id="{2910C294-FA4F-4911-8D10-FA1EAEA5DC40}"/>
+              </a:ext>
+            </a:extLst>
+          </p:cNvPr>
+          <p:cNvCxnSpPr>
+            <a:cxnSpLocks/>
+            <a:stCxn id="54" idx="1"/>
+          </p:cNvCxnSpPr>
+          <p:nvPr/>
+        </p:nvCxnSpPr>
+        <p:spPr>
+          <a:xfrm flipH="1" flipV="1">
+            <a:off x="7492338" y="6857217"/>
+            <a:ext cx="3857379" cy="990932"/>
+          </a:xfrm>
+          <a:prstGeom prst="straightConnector1">
+            <a:avLst/>
+          </a:prstGeom>
+          <a:ln>
+            <a:tailEnd type="triangle"/>
+          </a:ln>
+        </p:spPr>
+        <p:style>
+          <a:lnRef idx="2">
+            <a:schemeClr val="dk1"/>
+          </a:lnRef>
+          <a:fillRef idx="0">
+            <a:schemeClr val="dk1"/>
+          </a:fillRef>
+          <a:effectRef idx="1">
+            <a:schemeClr val="dk1"/>
+          </a:effectRef>
+          <a:fontRef idx="minor">
+            <a:schemeClr val="tx1"/>
+          </a:fontRef>
+        </p:style>
+      </p:cxnSp>
+      <p:sp>
+        <p:nvSpPr>
+          <p:cNvPr id="54" name="Oval 53">
+            <a:extLst>
+              <a:ext uri="{FF2B5EF4-FFF2-40B4-BE49-F238E27FC236}">
+                <a16:creationId xmlns:a16="http://schemas.microsoft.com/office/drawing/2014/main" id="{5551B25D-6706-4BC3-80D9-4D72E535E645}"/>
+              </a:ext>
+            </a:extLst>
+          </p:cNvPr>
+          <p:cNvSpPr/>
+          <p:nvPr/>
+        </p:nvSpPr>
+        <p:spPr>
+          <a:xfrm>
+            <a:off x="11245287" y="7734382"/>
+            <a:ext cx="713096" cy="776851"/>
+          </a:xfrm>
+          <a:prstGeom prst="ellipse">
+            <a:avLst/>
+          </a:prstGeom>
+        </p:spPr>
+        <p:style>
+          <a:lnRef idx="2">
+            <a:schemeClr val="dk1"/>
+          </a:lnRef>
+          <a:fillRef idx="1">
+            <a:schemeClr val="lt1"/>
+          </a:fillRef>
+          <a:effectRef idx="0">
+            <a:schemeClr val="dk1"/>
+          </a:effectRef>
+          <a:fontRef idx="minor">
+            <a:schemeClr val="dk1"/>
+          </a:fontRef>
+        </p:style>
+        <p:txBody>
+          <a:bodyPr rtlCol="0" anchor="ctr"/>
+          <a:lstStyle/>
+          <a:p>
+            <a:pPr algn="ctr"/>
+            <a:r>
+              <a:rPr lang="fr-FR" sz="1600" dirty="0">
+                <a:latin typeface="JetBrains Mono"/>
+              </a:rPr>
+              <a:t>301</a:t>
+            </a:r>
+          </a:p>
+        </p:txBody>
+      </p:sp>
+      <p:cxnSp>
+        <p:nvCxnSpPr>
+          <p:cNvPr id="61" name="Straight Arrow Connector 60">
+            <a:extLst>
+              <a:ext uri="{FF2B5EF4-FFF2-40B4-BE49-F238E27FC236}">
+                <a16:creationId xmlns:a16="http://schemas.microsoft.com/office/drawing/2014/main" id="{01F11407-BF3A-4DCE-96DB-5BFE3F4A2BA9}"/>
+              </a:ext>
+            </a:extLst>
+          </p:cNvPr>
+          <p:cNvCxnSpPr>
+            <a:cxnSpLocks/>
+          </p:cNvCxnSpPr>
+          <p:nvPr/>
+        </p:nvCxnSpPr>
+        <p:spPr>
+          <a:xfrm flipH="1">
+            <a:off x="9194800" y="2746901"/>
+            <a:ext cx="132225" cy="1339602"/>
+          </a:xfrm>
+          <a:prstGeom prst="straightConnector1">
+            <a:avLst/>
+          </a:prstGeom>
+          <a:ln>
+            <a:tailEnd type="triangle"/>
+          </a:ln>
+        </p:spPr>
+        <p:style>
+          <a:lnRef idx="2">
+            <a:schemeClr val="dk1"/>
+          </a:lnRef>
+          <a:fillRef idx="0">
+            <a:schemeClr val="dk1"/>
+          </a:fillRef>
+          <a:effectRef idx="1">
+            <a:schemeClr val="dk1"/>
+          </a:effectRef>
+          <a:fontRef idx="minor">
+            <a:schemeClr val="tx1"/>
+          </a:fontRef>
+        </p:style>
+      </p:cxnSp>
+      <p:sp>
+        <p:nvSpPr>
+          <p:cNvPr id="62" name="Oval 61">
+            <a:extLst>
+              <a:ext uri="{FF2B5EF4-FFF2-40B4-BE49-F238E27FC236}">
+                <a16:creationId xmlns:a16="http://schemas.microsoft.com/office/drawing/2014/main" id="{F237A629-6280-441D-9052-94E53001B143}"/>
+              </a:ext>
+            </a:extLst>
+          </p:cNvPr>
+          <p:cNvSpPr/>
+          <p:nvPr/>
+        </p:nvSpPr>
+        <p:spPr>
+          <a:xfrm>
+            <a:off x="8993363" y="1970050"/>
+            <a:ext cx="713096" cy="776851"/>
+          </a:xfrm>
+          <a:prstGeom prst="ellipse">
+            <a:avLst/>
+          </a:prstGeom>
+        </p:spPr>
+        <p:style>
+          <a:lnRef idx="2">
+            <a:schemeClr val="dk1"/>
+          </a:lnRef>
+          <a:fillRef idx="1">
+            <a:schemeClr val="lt1"/>
+          </a:fillRef>
+          <a:effectRef idx="0">
+            <a:schemeClr val="dk1"/>
+          </a:effectRef>
+          <a:fontRef idx="minor">
+            <a:schemeClr val="dk1"/>
+          </a:fontRef>
+        </p:style>
+        <p:txBody>
+          <a:bodyPr rtlCol="0" anchor="ctr"/>
+          <a:lstStyle/>
+          <a:p>
+            <a:pPr algn="ctr"/>
+            <a:r>
+              <a:rPr lang="fr-FR" sz="1600" dirty="0">
+                <a:latin typeface="JetBrains Mono" panose="02000009000000000000"/>
+              </a:rPr>
+              <a:t>403</a:t>
+            </a:r>
+          </a:p>
+        </p:txBody>
+      </p:sp>
+      <p:cxnSp>
+        <p:nvCxnSpPr>
+          <p:cNvPr id="64" name="Straight Arrow Connector 63">
+            <a:extLst>
+              <a:ext uri="{FF2B5EF4-FFF2-40B4-BE49-F238E27FC236}">
+                <a16:creationId xmlns:a16="http://schemas.microsoft.com/office/drawing/2014/main" id="{EF31F5F8-E9CF-4441-BDF3-976481A61013}"/>
+              </a:ext>
+            </a:extLst>
+          </p:cNvPr>
+          <p:cNvCxnSpPr>
+            <a:cxnSpLocks/>
+            <a:stCxn id="65" idx="6"/>
+          </p:cNvCxnSpPr>
+          <p:nvPr/>
+        </p:nvCxnSpPr>
+        <p:spPr>
+          <a:xfrm flipV="1">
+            <a:off x="3975566" y="8058649"/>
+            <a:ext cx="3238034" cy="344037"/>
+          </a:xfrm>
+          <a:prstGeom prst="straightConnector1">
+            <a:avLst/>
+          </a:prstGeom>
+          <a:ln>
+            <a:tailEnd type="triangle"/>
+          </a:ln>
+        </p:spPr>
+        <p:style>
+          <a:lnRef idx="2">
+            <a:schemeClr val="dk1"/>
+          </a:lnRef>
+          <a:fillRef idx="0">
+            <a:schemeClr val="dk1"/>
+          </a:fillRef>
+          <a:effectRef idx="1">
+            <a:schemeClr val="dk1"/>
+          </a:effectRef>
+          <a:fontRef idx="minor">
+            <a:schemeClr val="tx1"/>
+          </a:fontRef>
+        </p:style>
+      </p:cxnSp>
+      <p:sp>
+        <p:nvSpPr>
+          <p:cNvPr id="65" name="Oval 64">
+            <a:extLst>
+              <a:ext uri="{FF2B5EF4-FFF2-40B4-BE49-F238E27FC236}">
+                <a16:creationId xmlns:a16="http://schemas.microsoft.com/office/drawing/2014/main" id="{2EA270FA-39AC-42A5-9B46-A3D7AD34D7EE}"/>
+              </a:ext>
+            </a:extLst>
+          </p:cNvPr>
+          <p:cNvSpPr/>
+          <p:nvPr/>
+        </p:nvSpPr>
+        <p:spPr>
+          <a:xfrm>
+            <a:off x="3262470" y="8014260"/>
+            <a:ext cx="713096" cy="776851"/>
+          </a:xfrm>
+          <a:prstGeom prst="ellipse">
+            <a:avLst/>
+          </a:prstGeom>
+        </p:spPr>
+        <p:style>
+          <a:lnRef idx="2">
+            <a:schemeClr val="dk1"/>
+          </a:lnRef>
+          <a:fillRef idx="1">
+            <a:schemeClr val="lt1"/>
+          </a:fillRef>
+          <a:effectRef idx="0">
+            <a:schemeClr val="dk1"/>
+          </a:effectRef>
+          <a:fontRef idx="minor">
+            <a:schemeClr val="dk1"/>
+          </a:fontRef>
+        </p:style>
+        <p:txBody>
+          <a:bodyPr rtlCol="0" anchor="ctr"/>
+          <a:lstStyle/>
+          <a:p>
+            <a:pPr algn="ctr"/>
+            <a:r>
+              <a:rPr lang="fr-FR" sz="1600" dirty="0">
+                <a:latin typeface="JetBrains Mono" panose="02000009000000000000"/>
+              </a:rPr>
+              <a:t>401</a:t>
+            </a:r>
+          </a:p>
+        </p:txBody>
+      </p:sp>
+    </p:spTree>
+    <p:extLst>
+      <p:ext uri="{BB962C8B-B14F-4D97-AF65-F5344CB8AC3E}">
+        <p14:creationId xmlns:p14="http://schemas.microsoft.com/office/powerpoint/2010/main" val="2835620197"/>
+      </p:ext>
+    </p:extLst>
+  </p:cSld>
+  <p:clrMapOvr>
+    <a:masterClrMapping/>
+  </p:clrMapOvr>
+</p:sld>
+</file>
+
+<file path=ppt/slides/slide5.xml><?xml version="1.0" encoding="utf-8"?>
 <p:sld xmlns:a="http://schemas.openxmlformats.org/drawingml/2006/main" xmlns:r="http://schemas.openxmlformats.org/officeDocument/2006/relationships" xmlns:p="http://schemas.openxmlformats.org/presentationml/2006/main">
   <p:cSld>
     <p:spTree>
@@ -10177,7 +12498,7 @@
 </p:sld>
 </file>
 
-<file path=ppt/slides/slide5.xml><?xml version="1.0" encoding="utf-8"?>
+<file path=ppt/slides/slide6.xml><?xml version="1.0" encoding="utf-8"?>
 <p:sld xmlns:a="http://schemas.openxmlformats.org/drawingml/2006/main" xmlns:r="http://schemas.openxmlformats.org/officeDocument/2006/relationships" xmlns:p="http://schemas.openxmlformats.org/presentationml/2006/main">
   <p:cSld>
     <p:spTree>
@@ -10272,7 +12593,7 @@
 </p:sld>
 </file>
 
-<file path=ppt/slides/slide6.xml><?xml version="1.0" encoding="utf-8"?>
+<file path=ppt/slides/slide7.xml><?xml version="1.0" encoding="utf-8"?>
 <p:sld xmlns:a="http://schemas.openxmlformats.org/drawingml/2006/main" xmlns:r="http://schemas.openxmlformats.org/officeDocument/2006/relationships" xmlns:p="http://schemas.openxmlformats.org/presentationml/2006/main">
   <p:cSld>
     <p:spTree>
@@ -10788,7 +13109,7 @@
 </p:sld>
 </file>
 
-<file path=ppt/slides/slide7.xml><?xml version="1.0" encoding="utf-8"?>
+<file path=ppt/slides/slide8.xml><?xml version="1.0" encoding="utf-8"?>
 <p:sld xmlns:a="http://schemas.openxmlformats.org/drawingml/2006/main" xmlns:r="http://schemas.openxmlformats.org/officeDocument/2006/relationships" xmlns:p="http://schemas.openxmlformats.org/presentationml/2006/main">
   <p:cSld>
     <p:spTree>
@@ -11168,289 +13489,6 @@
                 <a:cs typeface="JetBrains Mono" panose="02000009000000000000" pitchFamily="49" charset="0"/>
               </a:rPr>
               <a:t>Sujet : L’arbre</a:t>
-            </a:r>
-          </a:p>
-        </p:txBody>
-      </p:sp>
-      <p:pic>
-        <p:nvPicPr>
-          <p:cNvPr id="9" name="Image 9">
-            <a:extLst>
-              <a:ext uri="{FF2B5EF4-FFF2-40B4-BE49-F238E27FC236}">
-                <a16:creationId xmlns:a16="http://schemas.microsoft.com/office/drawing/2014/main" id="{28975481-448B-45A7-922A-778FF7381242}"/>
-              </a:ext>
-            </a:extLst>
-          </p:cNvPr>
-          <p:cNvPicPr>
-            <a:picLocks noChangeAspect="1"/>
-          </p:cNvPicPr>
-          <p:nvPr/>
-        </p:nvPicPr>
-        <p:blipFill>
-          <a:blip r:embed="rId2">
-            <a:grayscl/>
-          </a:blip>
-          <a:stretch>
-            <a:fillRect/>
-          </a:stretch>
-        </p:blipFill>
-        <p:spPr>
-          <a:xfrm>
-            <a:off x="5000200" y="1246909"/>
-            <a:ext cx="2546344" cy="3968674"/>
-          </a:xfrm>
-          <a:prstGeom prst="rect">
-            <a:avLst/>
-          </a:prstGeom>
-        </p:spPr>
-      </p:pic>
-      <p:pic>
-        <p:nvPicPr>
-          <p:cNvPr id="10" name="Image 10">
-            <a:extLst>
-              <a:ext uri="{FF2B5EF4-FFF2-40B4-BE49-F238E27FC236}">
-                <a16:creationId xmlns:a16="http://schemas.microsoft.com/office/drawing/2014/main" id="{E8255E3B-5826-47B1-9F34-612B22A4D743}"/>
-              </a:ext>
-            </a:extLst>
-          </p:cNvPr>
-          <p:cNvPicPr>
-            <a:picLocks noChangeAspect="1"/>
-          </p:cNvPicPr>
-          <p:nvPr/>
-        </p:nvPicPr>
-        <p:blipFill>
-          <a:blip r:embed="rId3">
-            <a:grayscl/>
-          </a:blip>
-          <a:stretch>
-            <a:fillRect/>
-          </a:stretch>
-        </p:blipFill>
-        <p:spPr>
-          <a:xfrm>
-            <a:off x="5088053" y="5387824"/>
-            <a:ext cx="2299506" cy="4336511"/>
-          </a:xfrm>
-          <a:prstGeom prst="rect">
-            <a:avLst/>
-          </a:prstGeom>
-        </p:spPr>
-      </p:pic>
-      <p:cxnSp>
-        <p:nvCxnSpPr>
-          <p:cNvPr id="11" name="Connecteur droit 12">
-            <a:extLst>
-              <a:ext uri="{FF2B5EF4-FFF2-40B4-BE49-F238E27FC236}">
-                <a16:creationId xmlns:a16="http://schemas.microsoft.com/office/drawing/2014/main" id="{150A6416-57EB-49B9-BB0A-17851EA08739}"/>
-              </a:ext>
-            </a:extLst>
-          </p:cNvPr>
-          <p:cNvCxnSpPr>
-            <a:cxnSpLocks/>
-            <a:stCxn id="17" idx="0"/>
-            <a:endCxn id="17" idx="2"/>
-          </p:cNvCxnSpPr>
-          <p:nvPr/>
-        </p:nvCxnSpPr>
-        <p:spPr>
-          <a:xfrm>
-            <a:off x="7559675" y="179881"/>
-            <a:ext cx="0" cy="10440000"/>
-          </a:xfrm>
-          <a:prstGeom prst="line">
-            <a:avLst/>
-          </a:prstGeom>
-          <a:ln w="57150"/>
-        </p:spPr>
-        <p:style>
-          <a:lnRef idx="3">
-            <a:schemeClr val="dk1"/>
-          </a:lnRef>
-          <a:fillRef idx="0">
-            <a:schemeClr val="dk1"/>
-          </a:fillRef>
-          <a:effectRef idx="2">
-            <a:schemeClr val="dk1"/>
-          </a:effectRef>
-          <a:fontRef idx="minor">
-            <a:schemeClr val="tx1"/>
-          </a:fontRef>
-        </p:style>
-      </p:cxnSp>
-      <p:pic>
-        <p:nvPicPr>
-          <p:cNvPr id="12" name="Image 15">
-            <a:extLst>
-              <a:ext uri="{FF2B5EF4-FFF2-40B4-BE49-F238E27FC236}">
-                <a16:creationId xmlns:a16="http://schemas.microsoft.com/office/drawing/2014/main" id="{CDCE11F9-970B-4B97-B739-9E04AA563E94}"/>
-              </a:ext>
-            </a:extLst>
-          </p:cNvPr>
-          <p:cNvPicPr>
-            <a:picLocks noChangeAspect="1"/>
-          </p:cNvPicPr>
-          <p:nvPr/>
-        </p:nvPicPr>
-        <p:blipFill>
-          <a:blip r:embed="rId4">
-            <a:grayscl/>
-          </a:blip>
-          <a:stretch>
-            <a:fillRect/>
-          </a:stretch>
-        </p:blipFill>
-        <p:spPr>
-          <a:xfrm>
-            <a:off x="7821892" y="1390649"/>
-            <a:ext cx="2224518" cy="3937653"/>
-          </a:xfrm>
-          <a:prstGeom prst="rect">
-            <a:avLst/>
-          </a:prstGeom>
-        </p:spPr>
-      </p:pic>
-      <p:pic>
-        <p:nvPicPr>
-          <p:cNvPr id="13" name="Image 16">
-            <a:extLst>
-              <a:ext uri="{FF2B5EF4-FFF2-40B4-BE49-F238E27FC236}">
-                <a16:creationId xmlns:a16="http://schemas.microsoft.com/office/drawing/2014/main" id="{A2C7F6D9-CF26-472F-84B6-280F423FD52B}"/>
-              </a:ext>
-            </a:extLst>
-          </p:cNvPr>
-          <p:cNvPicPr>
-            <a:picLocks noChangeAspect="1"/>
-          </p:cNvPicPr>
-          <p:nvPr/>
-        </p:nvPicPr>
-        <p:blipFill>
-          <a:blip r:embed="rId5">
-            <a:grayscl/>
-          </a:blip>
-          <a:stretch>
-            <a:fillRect/>
-          </a:stretch>
-        </p:blipFill>
-        <p:spPr>
-          <a:xfrm>
-            <a:off x="7821892" y="5387824"/>
-            <a:ext cx="2103504" cy="4447737"/>
-          </a:xfrm>
-          <a:prstGeom prst="rect">
-            <a:avLst/>
-          </a:prstGeom>
-        </p:spPr>
-      </p:pic>
-      <p:sp>
-        <p:nvSpPr>
-          <p:cNvPr id="14" name="Rectangle 13">
-            <a:extLst>
-              <a:ext uri="{FF2B5EF4-FFF2-40B4-BE49-F238E27FC236}">
-                <a16:creationId xmlns:a16="http://schemas.microsoft.com/office/drawing/2014/main" id="{F430A173-CA77-491E-9BA0-C98B0E02636C}"/>
-              </a:ext>
-            </a:extLst>
-          </p:cNvPr>
-          <p:cNvSpPr/>
-          <p:nvPr/>
-        </p:nvSpPr>
-        <p:spPr>
-          <a:xfrm>
-            <a:off x="4236219" y="2246927"/>
-            <a:ext cx="655172" cy="7058259"/>
-          </a:xfrm>
-          <a:prstGeom prst="rect">
-            <a:avLst/>
-          </a:prstGeom>
-          <a:noFill/>
-          <a:ln w="9525" cap="flat" cmpd="sng" algn="ctr">
-            <a:solidFill>
-              <a:schemeClr val="dk1"/>
-            </a:solidFill>
-            <a:prstDash val="solid"/>
-            <a:round/>
-            <a:headEnd type="none" w="med" len="med"/>
-            <a:tailEnd type="none" w="med" len="med"/>
-          </a:ln>
-        </p:spPr>
-        <p:style>
-          <a:lnRef idx="0">
-            <a:scrgbClr r="0" g="0" b="0"/>
-          </a:lnRef>
-          <a:fillRef idx="0">
-            <a:scrgbClr r="0" g="0" b="0"/>
-          </a:fillRef>
-          <a:effectRef idx="0">
-            <a:scrgbClr r="0" g="0" b="0"/>
-          </a:effectRef>
-          <a:fontRef idx="minor">
-            <a:schemeClr val="dk1"/>
-          </a:fontRef>
-        </p:style>
-        <p:txBody>
-          <a:bodyPr vert="vert270" rtlCol="0" anchor="ctr"/>
-          <a:lstStyle/>
-          <a:p>
-            <a:pPr algn="ctr"/>
-            <a:r>
-              <a:rPr lang="fr-FR" sz="3037" dirty="0"/>
-              <a:t>Reconnaître un feuillu</a:t>
-            </a:r>
-          </a:p>
-        </p:txBody>
-      </p:sp>
-      <p:sp>
-        <p:nvSpPr>
-          <p:cNvPr id="15" name="Rectangle 14">
-            <a:extLst>
-              <a:ext uri="{FF2B5EF4-FFF2-40B4-BE49-F238E27FC236}">
-                <a16:creationId xmlns:a16="http://schemas.microsoft.com/office/drawing/2014/main" id="{4C2D5B34-A1FB-4019-80C8-BE33FF67B9DE}"/>
-              </a:ext>
-            </a:extLst>
-          </p:cNvPr>
-          <p:cNvSpPr/>
-          <p:nvPr/>
-        </p:nvSpPr>
-        <p:spPr>
-          <a:xfrm>
-            <a:off x="10235515" y="2246926"/>
-            <a:ext cx="655172" cy="7058259"/>
-          </a:xfrm>
-          <a:prstGeom prst="rect">
-            <a:avLst/>
-          </a:prstGeom>
-          <a:noFill/>
-          <a:ln w="9525" cap="flat" cmpd="sng" algn="ctr">
-            <a:solidFill>
-              <a:schemeClr val="dk1"/>
-            </a:solidFill>
-            <a:prstDash val="solid"/>
-            <a:round/>
-            <a:headEnd type="none" w="med" len="med"/>
-            <a:tailEnd type="none" w="med" len="med"/>
-          </a:ln>
-        </p:spPr>
-        <p:style>
-          <a:lnRef idx="0">
-            <a:scrgbClr r="0" g="0" b="0"/>
-          </a:lnRef>
-          <a:fillRef idx="0">
-            <a:scrgbClr r="0" g="0" b="0"/>
-          </a:fillRef>
-          <a:effectRef idx="0">
-            <a:scrgbClr r="0" g="0" b="0"/>
-          </a:effectRef>
-          <a:fontRef idx="minor">
-            <a:schemeClr val="dk1"/>
-          </a:fontRef>
-        </p:style>
-        <p:txBody>
-          <a:bodyPr vert="vert" rtlCol="0" anchor="ctr"/>
-          <a:lstStyle/>
-          <a:p>
-            <a:pPr algn="ctr"/>
-            <a:r>
-              <a:rPr lang="fr-FR" sz="3037" dirty="0"/>
-              <a:t>Reconnaitre un résineux</a:t>
             </a:r>
           </a:p>
         </p:txBody>
@@ -11513,101 +13551,6 @@
     <p:extLst>
       <p:ext uri="{BB962C8B-B14F-4D97-AF65-F5344CB8AC3E}">
         <p14:creationId xmlns:p14="http://schemas.microsoft.com/office/powerpoint/2010/main" val="3565131057"/>
-      </p:ext>
-    </p:extLst>
-  </p:cSld>
-  <p:clrMapOvr>
-    <a:masterClrMapping/>
-  </p:clrMapOvr>
-</p:sld>
-</file>
-
-<file path=ppt/slides/slide8.xml><?xml version="1.0" encoding="utf-8"?>
-<p:sld xmlns:a="http://schemas.openxmlformats.org/drawingml/2006/main" xmlns:r="http://schemas.openxmlformats.org/officeDocument/2006/relationships" xmlns:p="http://schemas.openxmlformats.org/presentationml/2006/main">
-  <p:cSld>
-    <p:spTree>
-      <p:nvGrpSpPr>
-        <p:cNvPr id="1" name=""/>
-        <p:cNvGrpSpPr/>
-        <p:nvPr/>
-      </p:nvGrpSpPr>
-      <p:grpSpPr>
-        <a:xfrm>
-          <a:off x="0" y="0"/>
-          <a:ext cx="0" cy="0"/>
-          <a:chOff x="0" y="0"/>
-          <a:chExt cx="0" cy="0"/>
-        </a:xfrm>
-      </p:grpSpPr>
-      <p:sp>
-        <p:nvSpPr>
-          <p:cNvPr id="17" name="Rectangle 16"/>
-          <p:cNvSpPr/>
-          <p:nvPr/>
-        </p:nvSpPr>
-        <p:spPr>
-          <a:xfrm>
-            <a:off x="0" y="179881"/>
-            <a:ext cx="15119349" cy="10440000"/>
-          </a:xfrm>
-          <a:prstGeom prst="rect">
-            <a:avLst/>
-          </a:prstGeom>
-          <a:ln w="57150">
-            <a:solidFill>
-              <a:schemeClr val="bg1"/>
-            </a:solidFill>
-          </a:ln>
-        </p:spPr>
-        <p:style>
-          <a:lnRef idx="2">
-            <a:schemeClr val="dk1"/>
-          </a:lnRef>
-          <a:fillRef idx="1">
-            <a:schemeClr val="lt1"/>
-          </a:fillRef>
-          <a:effectRef idx="0">
-            <a:schemeClr val="dk1"/>
-          </a:effectRef>
-          <a:fontRef idx="minor">
-            <a:schemeClr val="dk1"/>
-          </a:fontRef>
-        </p:style>
-        <p:txBody>
-          <a:bodyPr rtlCol="0" anchor="ctr"/>
-          <a:lstStyle/>
-          <a:p>
-            <a:pPr marL="72000" algn="ctr">
-              <a:lnSpc>
-                <a:spcPct val="120000"/>
-              </a:lnSpc>
-            </a:pPr>
-            <a:r>
-              <a:rPr lang="fr-FR" sz="4000" b="1" dirty="0">
-                <a:solidFill>
-                  <a:schemeClr val="tx1"/>
-                </a:solidFill>
-                <a:latin typeface="Comic Sans MS" panose="030F0702030302020204" pitchFamily="66" charset="0"/>
-                <a:ea typeface="JetBrains Mono" panose="02000009000000000000" pitchFamily="49" charset="0"/>
-                <a:cs typeface="Arial" panose="020B0604020202020204" pitchFamily="34" charset="0"/>
-              </a:rPr>
-              <a:t>L’Intelligence artificielle contre l’expertise humaine !</a:t>
-            </a:r>
-            <a:endParaRPr lang="fr-FR" sz="4000" dirty="0">
-              <a:solidFill>
-                <a:schemeClr val="tx1"/>
-              </a:solidFill>
-              <a:latin typeface="Comic Sans MS" panose="030F0702030302020204" pitchFamily="66" charset="0"/>
-              <a:ea typeface="JetBrains Mono" panose="02000009000000000000" pitchFamily="49" charset="0"/>
-              <a:cs typeface="Arial" panose="020B0604020202020204" pitchFamily="34" charset="0"/>
-            </a:endParaRPr>
-          </a:p>
-        </p:txBody>
-      </p:sp>
-    </p:spTree>
-    <p:extLst>
-      <p:ext uri="{BB962C8B-B14F-4D97-AF65-F5344CB8AC3E}">
-        <p14:creationId xmlns:p14="http://schemas.microsoft.com/office/powerpoint/2010/main" val="3539889059"/>
       </p:ext>
     </p:extLst>
   </p:cSld>
@@ -11642,13 +13585,17 @@
         </p:nvSpPr>
         <p:spPr>
           <a:xfrm>
-            <a:off x="4039557" y="179881"/>
-            <a:ext cx="7040235" cy="10440000"/>
+            <a:off x="0" y="179881"/>
+            <a:ext cx="15119349" cy="10440000"/>
           </a:xfrm>
           <a:prstGeom prst="rect">
             <a:avLst/>
           </a:prstGeom>
-          <a:ln w="57150"/>
+          <a:ln w="57150">
+            <a:solidFill>
+              <a:schemeClr val="bg1"/>
+            </a:solidFill>
+          </a:ln>
         </p:spPr>
         <p:style>
           <a:lnRef idx="2">
@@ -11668,417 +13615,37 @@
           <a:bodyPr rtlCol="0" anchor="ctr"/>
           <a:lstStyle/>
           <a:p>
-            <a:pPr marL="72000"/>
-            <a:r>
-              <a:rPr lang="fr-FR" b="1" dirty="0">
-                <a:cs typeface="Arial" panose="020B0604020202020204" pitchFamily="34" charset="0"/>
-              </a:rPr>
-              <a:t>Contexte professionnel :</a:t>
-            </a:r>
-            <a:endParaRPr lang="fr-FR" dirty="0">
-              <a:cs typeface="Arial" panose="020B0604020202020204" pitchFamily="34" charset="0"/>
-            </a:endParaRPr>
-          </a:p>
-          <a:p>
-            <a:pPr marL="72000"/>
-            <a:r>
-              <a:rPr lang="fr-FR" dirty="0"/>
-              <a:t>La région a lancé un projet pour équiper les élèves de supports pour ordinateurs portables, afin d’améliorer les conditions de travail des élèves. </a:t>
-            </a:r>
-          </a:p>
-          <a:p>
-            <a:pPr marL="72000"/>
-            <a:endParaRPr lang="fr-FR" dirty="0"/>
-          </a:p>
-          <a:p>
-            <a:pPr marL="72000"/>
-            <a:r>
-              <a:rPr lang="fr-FR" dirty="0"/>
-              <a:t>Ces supports doivent être fonctionnels, robustes, esthétiques. Ce projet permet aux élèves de mettre en pratique leurs compétences en menuiserie et en conception technique, tout en contribuant à un besoin concret.</a:t>
-            </a:r>
-          </a:p>
-          <a:p>
-            <a:pPr marL="72000"/>
-            <a:endParaRPr lang="fr-FR" dirty="0">
-              <a:cs typeface="Arial" panose="020B0604020202020204" pitchFamily="34" charset="0"/>
-            </a:endParaRPr>
-          </a:p>
-          <a:p>
-            <a:pPr marL="72000"/>
-            <a:r>
-              <a:rPr lang="fr-FR" b="1" dirty="0">
-                <a:cs typeface="Arial" panose="020B0604020202020204" pitchFamily="34" charset="0"/>
-              </a:rPr>
-              <a:t>Mise en situation :</a:t>
-            </a:r>
-          </a:p>
-          <a:p>
-            <a:pPr marL="72000"/>
-            <a:r>
-              <a:rPr lang="fr-FR" dirty="0">
-                <a:cs typeface="Arial" panose="020B0604020202020204" pitchFamily="34" charset="0"/>
-              </a:rPr>
-              <a:t>Afin de déterminer si les menuisiers sont remplaçable par l’intelligence artificielle, vous participez à une expérience ou des questions sont posées à des I.A pour effectuer des analyses et des études de situations en menuiserie</a:t>
-            </a:r>
-          </a:p>
-          <a:p>
-            <a:pPr marL="72000"/>
-            <a:endParaRPr lang="fr-FR" dirty="0">
-              <a:cs typeface="Arial" panose="020B0604020202020204" pitchFamily="34" charset="0"/>
-            </a:endParaRPr>
-          </a:p>
-          <a:p>
-            <a:pPr marL="72000"/>
-            <a:r>
-              <a:rPr lang="fr-FR" b="1" dirty="0">
-                <a:cs typeface="Arial" panose="020B0604020202020204" pitchFamily="34" charset="0"/>
-              </a:rPr>
-              <a:t>Objectif :</a:t>
-            </a:r>
-          </a:p>
-          <a:p>
-            <a:pPr marL="72000"/>
-            <a:r>
-              <a:rPr lang="fr-FR" dirty="0">
-                <a:cs typeface="Arial" panose="020B0604020202020204" pitchFamily="34" charset="0"/>
-              </a:rPr>
-              <a:t>Sélectionnez une bille de bois abattue pendant les mois recommandés d’abattage et déterminez les parties utile en menuiserie.</a:t>
-            </a:r>
-          </a:p>
-        </p:txBody>
-      </p:sp>
-      <p:sp>
-        <p:nvSpPr>
-          <p:cNvPr id="18" name="Rectangle 17"/>
-          <p:cNvSpPr/>
-          <p:nvPr/>
-        </p:nvSpPr>
-        <p:spPr>
-          <a:xfrm>
-            <a:off x="142517" y="1390649"/>
-            <a:ext cx="3763202" cy="9229231"/>
-          </a:xfrm>
-          <a:prstGeom prst="rect">
-            <a:avLst/>
-          </a:prstGeom>
-          <a:ln w="57150"/>
-        </p:spPr>
-        <p:style>
-          <a:lnRef idx="2">
-            <a:schemeClr val="dk1"/>
-          </a:lnRef>
-          <a:fillRef idx="1">
-            <a:schemeClr val="lt1"/>
-          </a:fillRef>
-          <a:effectRef idx="0">
-            <a:schemeClr val="dk1"/>
-          </a:effectRef>
-          <a:fontRef idx="minor">
-            <a:schemeClr val="dk1"/>
-          </a:fontRef>
-        </p:style>
-        <p:txBody>
-          <a:bodyPr rtlCol="0" anchor="ctr"/>
-          <a:lstStyle/>
-          <a:p>
-            <a:pPr marL="72000"/>
-            <a:r>
-              <a:rPr lang="fr-FR" b="1" dirty="0">
-                <a:cs typeface="Arial" panose="020B0604020202020204" pitchFamily="34" charset="0"/>
-              </a:rPr>
-              <a:t>On demande : </a:t>
-            </a:r>
-          </a:p>
-          <a:p>
-            <a:pPr marL="72000"/>
-            <a:r>
-              <a:rPr lang="fr-FR" sz="1600" dirty="0">
-                <a:cs typeface="Arial" panose="020B0604020202020204" pitchFamily="34" charset="0"/>
-              </a:rPr>
-              <a:t>De répondre a des questions en réalisant des recherches avec l’I.A ou les moteurs de recherche.</a:t>
-            </a:r>
-          </a:p>
-          <a:p>
-            <a:pPr marL="72000"/>
-            <a:endParaRPr lang="fr-FR" b="1" dirty="0">
-              <a:cs typeface="Arial" panose="020B0604020202020204" pitchFamily="34" charset="0"/>
-            </a:endParaRPr>
-          </a:p>
-          <a:p>
-            <a:pPr marL="72000"/>
-            <a:r>
-              <a:rPr lang="fr-FR" b="1" dirty="0">
-                <a:cs typeface="Arial" panose="020B0604020202020204" pitchFamily="34" charset="0"/>
-              </a:rPr>
-              <a:t>On donne :</a:t>
-            </a:r>
-          </a:p>
-          <a:p>
-            <a:pPr marL="72000"/>
-            <a:r>
-              <a:rPr lang="fr-FR" sz="1600" dirty="0">
-                <a:cs typeface="Arial" panose="020B0604020202020204" pitchFamily="34" charset="0"/>
-              </a:rPr>
-              <a:t>Des illustrations sur l’arbre, la bille de bois et les différentes coupes</a:t>
-            </a:r>
-          </a:p>
-        </p:txBody>
-      </p:sp>
-      <p:sp>
-        <p:nvSpPr>
-          <p:cNvPr id="19" name="Rectangle 18"/>
-          <p:cNvSpPr/>
-          <p:nvPr/>
-        </p:nvSpPr>
-        <p:spPr>
-          <a:xfrm>
-            <a:off x="11213630" y="1390649"/>
-            <a:ext cx="3726044" cy="9229231"/>
-          </a:xfrm>
-          <a:prstGeom prst="rect">
-            <a:avLst/>
-          </a:prstGeom>
-          <a:ln w="57150"/>
-        </p:spPr>
-        <p:style>
-          <a:lnRef idx="2">
-            <a:schemeClr val="dk1"/>
-          </a:lnRef>
-          <a:fillRef idx="1">
-            <a:schemeClr val="lt1"/>
-          </a:fillRef>
-          <a:effectRef idx="0">
-            <a:schemeClr val="dk1"/>
-          </a:effectRef>
-          <a:fontRef idx="minor">
-            <a:schemeClr val="dk1"/>
-          </a:fontRef>
-        </p:style>
-        <p:txBody>
-          <a:bodyPr rtlCol="0" anchor="b"/>
-          <a:lstStyle/>
-          <a:p>
             <a:pPr marL="72000" algn="ctr">
               <a:lnSpc>
                 <a:spcPct val="120000"/>
               </a:lnSpc>
             </a:pPr>
-            <a:endParaRPr lang="fr-FR" sz="1400" spc="300" dirty="0">
+            <a:r>
+              <a:rPr lang="fr-FR" sz="4000" b="1" dirty="0">
+                <a:solidFill>
+                  <a:schemeClr val="tx1"/>
+                </a:solidFill>
+                <a:latin typeface="Comic Sans MS" panose="030F0702030302020204" pitchFamily="66" charset="0"/>
+                <a:ea typeface="JetBrains Mono" panose="02000009000000000000" pitchFamily="49" charset="0"/>
+                <a:cs typeface="Arial" panose="020B0604020202020204" pitchFamily="34" charset="0"/>
+              </a:rPr>
+              <a:t>L’Intelligence artificielle contre l’expertise humaine !</a:t>
+            </a:r>
+            <a:endParaRPr lang="fr-FR" sz="4000" dirty="0">
+              <a:solidFill>
+                <a:schemeClr val="tx1"/>
+              </a:solidFill>
               <a:latin typeface="Comic Sans MS" panose="030F0702030302020204" pitchFamily="66" charset="0"/>
               <a:ea typeface="JetBrains Mono" panose="02000009000000000000" pitchFamily="49" charset="0"/>
-              <a:cs typeface="JetBrains Mono" panose="02000009000000000000" pitchFamily="49" charset="0"/>
+              <a:cs typeface="Arial" panose="020B0604020202020204" pitchFamily="34" charset="0"/>
             </a:endParaRPr>
-          </a:p>
-          <a:p>
-            <a:pPr marL="72000" algn="ctr">
-              <a:lnSpc>
-                <a:spcPct val="120000"/>
-              </a:lnSpc>
-            </a:pPr>
-            <a:endParaRPr lang="fr-FR" sz="1400" spc="300" dirty="0">
-              <a:latin typeface="Comic Sans MS" panose="030F0702030302020204" pitchFamily="66" charset="0"/>
-              <a:ea typeface="JetBrains Mono" panose="02000009000000000000" pitchFamily="49" charset="0"/>
-              <a:cs typeface="JetBrains Mono" panose="02000009000000000000" pitchFamily="49" charset="0"/>
-            </a:endParaRPr>
-          </a:p>
-          <a:p>
-            <a:pPr marL="72000" algn="ctr">
-              <a:lnSpc>
-                <a:spcPct val="120000"/>
-              </a:lnSpc>
-            </a:pPr>
-            <a:endParaRPr lang="fr-FR" sz="1400" spc="300" dirty="0">
-              <a:latin typeface="Comic Sans MS" panose="030F0702030302020204" pitchFamily="66" charset="0"/>
-              <a:ea typeface="JetBrains Mono" panose="02000009000000000000" pitchFamily="49" charset="0"/>
-              <a:cs typeface="JetBrains Mono" panose="02000009000000000000" pitchFamily="49" charset="0"/>
-            </a:endParaRPr>
-          </a:p>
-          <a:p>
-            <a:pPr marL="72000" algn="ctr">
-              <a:lnSpc>
-                <a:spcPct val="120000"/>
-              </a:lnSpc>
-            </a:pPr>
-            <a:endParaRPr lang="fr-FR" sz="1400" spc="300" dirty="0">
-              <a:latin typeface="Comic Sans MS" panose="030F0702030302020204" pitchFamily="66" charset="0"/>
-              <a:ea typeface="JetBrains Mono" panose="02000009000000000000" pitchFamily="49" charset="0"/>
-              <a:cs typeface="JetBrains Mono" panose="02000009000000000000" pitchFamily="49" charset="0"/>
-            </a:endParaRPr>
-          </a:p>
-          <a:p>
-            <a:pPr marL="72000" algn="ctr">
-              <a:lnSpc>
-                <a:spcPct val="120000"/>
-              </a:lnSpc>
-            </a:pPr>
-            <a:endParaRPr lang="fr-FR" sz="1600" spc="300" dirty="0">
-              <a:latin typeface="Comic Sans MS" panose="030F0702030302020204" pitchFamily="66" charset="0"/>
-              <a:ea typeface="JetBrains Mono" panose="02000009000000000000" pitchFamily="49" charset="0"/>
-              <a:cs typeface="JetBrains Mono" panose="02000009000000000000" pitchFamily="49" charset="0"/>
-            </a:endParaRPr>
-          </a:p>
-          <a:p>
-            <a:pPr marL="72000" algn="ctr">
-              <a:lnSpc>
-                <a:spcPct val="120000"/>
-              </a:lnSpc>
-            </a:pPr>
-            <a:endParaRPr lang="fr-FR" spc="300" dirty="0">
-              <a:latin typeface="Comic Sans MS" panose="030F0702030302020204" pitchFamily="66" charset="0"/>
-              <a:ea typeface="JetBrains Mono" panose="02000009000000000000" pitchFamily="49" charset="0"/>
-              <a:cs typeface="JetBrains Mono" panose="02000009000000000000" pitchFamily="49" charset="0"/>
-            </a:endParaRPr>
-          </a:p>
-        </p:txBody>
-      </p:sp>
-      <p:pic>
-        <p:nvPicPr>
-          <p:cNvPr id="22" name="Picture 21"/>
-          <p:cNvPicPr>
-            <a:picLocks noChangeAspect="1"/>
-          </p:cNvPicPr>
-          <p:nvPr/>
-        </p:nvPicPr>
-        <p:blipFill>
-          <a:blip r:embed="rId2"/>
-          <a:stretch>
-            <a:fillRect/>
-          </a:stretch>
-        </p:blipFill>
-        <p:spPr>
-          <a:xfrm>
-            <a:off x="11347468" y="4033587"/>
-            <a:ext cx="3458367" cy="2732587"/>
-          </a:xfrm>
-          <a:prstGeom prst="rect">
-            <a:avLst/>
-          </a:prstGeom>
-          <a:ln>
-            <a:noFill/>
-          </a:ln>
-          <a:effectLst>
-            <a:softEdge rad="112500"/>
-          </a:effectLst>
-        </p:spPr>
-      </p:pic>
-      <p:sp>
-        <p:nvSpPr>
-          <p:cNvPr id="24" name="Rectangle 23"/>
-          <p:cNvSpPr/>
-          <p:nvPr/>
-        </p:nvSpPr>
-        <p:spPr>
-          <a:xfrm>
-            <a:off x="11213630" y="179881"/>
-            <a:ext cx="3726045" cy="1067028"/>
-          </a:xfrm>
-          <a:prstGeom prst="rect">
-            <a:avLst/>
-          </a:prstGeom>
-          <a:ln w="57150"/>
-        </p:spPr>
-        <p:style>
-          <a:lnRef idx="2">
-            <a:schemeClr val="dk1"/>
-          </a:lnRef>
-          <a:fillRef idx="1">
-            <a:schemeClr val="lt1"/>
-          </a:fillRef>
-          <a:effectRef idx="0">
-            <a:schemeClr val="dk1"/>
-          </a:effectRef>
-          <a:fontRef idx="minor">
-            <a:schemeClr val="dk1"/>
-          </a:fontRef>
-        </p:style>
-        <p:txBody>
-          <a:bodyPr rtlCol="0" anchor="ctr"/>
-          <a:lstStyle/>
-          <a:p>
-            <a:pPr algn="ctr"/>
-            <a:r>
-              <a:rPr lang="fr-FR" b="1" spc="300" dirty="0">
-                <a:latin typeface="Comic Sans MS" panose="030F0702030302020204" pitchFamily="66" charset="0"/>
-                <a:ea typeface="JetBrains Mono" panose="02000009000000000000" pitchFamily="49" charset="0"/>
-                <a:cs typeface="JetBrains Mono" panose="02000009000000000000" pitchFamily="49" charset="0"/>
-              </a:rPr>
-              <a:t>M. Du Chevreuil</a:t>
-            </a:r>
-          </a:p>
-          <a:p>
-            <a:pPr algn="ctr"/>
-            <a:r>
-              <a:rPr lang="fr-FR" sz="1600" spc="300" dirty="0">
-                <a:latin typeface="Comic Sans MS" panose="030F0702030302020204" pitchFamily="66" charset="0"/>
-                <a:ea typeface="JetBrains Mono" panose="02000009000000000000" pitchFamily="49" charset="0"/>
-                <a:cs typeface="JetBrains Mono" panose="02000009000000000000" pitchFamily="49" charset="0"/>
-              </a:rPr>
-              <a:t>Professeur en génie </a:t>
-            </a:r>
-          </a:p>
-          <a:p>
-            <a:pPr algn="ctr"/>
-            <a:r>
-              <a:rPr lang="fr-FR" sz="1600" spc="300" dirty="0">
-                <a:latin typeface="Comic Sans MS" panose="030F0702030302020204" pitchFamily="66" charset="0"/>
-                <a:ea typeface="JetBrains Mono" panose="02000009000000000000" pitchFamily="49" charset="0"/>
-                <a:cs typeface="JetBrains Mono" panose="02000009000000000000" pitchFamily="49" charset="0"/>
-              </a:rPr>
-              <a:t>industriel bois</a:t>
-            </a:r>
-          </a:p>
-        </p:txBody>
-      </p:sp>
-      <p:sp>
-        <p:nvSpPr>
-          <p:cNvPr id="25" name="Rectangle 24"/>
-          <p:cNvSpPr/>
-          <p:nvPr/>
-        </p:nvSpPr>
-        <p:spPr>
-          <a:xfrm>
-            <a:off x="142517" y="179881"/>
-            <a:ext cx="3763201" cy="1067028"/>
-          </a:xfrm>
-          <a:prstGeom prst="rect">
-            <a:avLst/>
-          </a:prstGeom>
-          <a:ln w="57150"/>
-        </p:spPr>
-        <p:style>
-          <a:lnRef idx="2">
-            <a:schemeClr val="dk1"/>
-          </a:lnRef>
-          <a:fillRef idx="1">
-            <a:schemeClr val="lt1"/>
-          </a:fillRef>
-          <a:effectRef idx="0">
-            <a:schemeClr val="dk1"/>
-          </a:effectRef>
-          <a:fontRef idx="minor">
-            <a:schemeClr val="dk1"/>
-          </a:fontRef>
-        </p:style>
-        <p:txBody>
-          <a:bodyPr rtlCol="0" anchor="ctr"/>
-          <a:lstStyle/>
-          <a:p>
-            <a:pPr algn="ctr"/>
-            <a:r>
-              <a:rPr lang="fr-FR" b="1" dirty="0">
-                <a:latin typeface="Comic Sans MS" panose="030F0702030302020204" pitchFamily="66" charset="0"/>
-                <a:ea typeface="JetBrains Mono" panose="02000009000000000000" pitchFamily="49" charset="0"/>
-                <a:cs typeface="JetBrains Mono" panose="02000009000000000000" pitchFamily="49" charset="0"/>
-              </a:rPr>
-              <a:t>Sujet : L’I.A contre l’E.H</a:t>
-            </a:r>
           </a:p>
         </p:txBody>
       </p:sp>
     </p:spTree>
     <p:extLst>
       <p:ext uri="{BB962C8B-B14F-4D97-AF65-F5344CB8AC3E}">
-        <p14:creationId xmlns:p14="http://schemas.microsoft.com/office/powerpoint/2010/main" val="3063325749"/>
+        <p14:creationId xmlns:p14="http://schemas.microsoft.com/office/powerpoint/2010/main" val="3539889059"/>
       </p:ext>
     </p:extLst>
   </p:cSld>

--- a/Dossier Support ordi/DOSSIER Support Ordi.pptx
+++ b/Dossier Support ordi/DOSSIER Support Ordi.pptx
@@ -5,10 +5,10 @@
     <p:sldMasterId id="2147483660" r:id="rId1"/>
   </p:sldMasterIdLst>
   <p:notesMasterIdLst>
-    <p:notesMasterId r:id="rId17"/>
+    <p:notesMasterId r:id="rId18"/>
   </p:notesMasterIdLst>
   <p:handoutMasterIdLst>
-    <p:handoutMasterId r:id="rId18"/>
+    <p:handoutMasterId r:id="rId19"/>
   </p:handoutMasterIdLst>
   <p:sldIdLst>
     <p:sldId id="256" r:id="rId2"/>
@@ -16,16 +16,17 @@
     <p:sldId id="328" r:id="rId4"/>
     <p:sldId id="378" r:id="rId5"/>
     <p:sldId id="374" r:id="rId6"/>
-    <p:sldId id="330" r:id="rId7"/>
-    <p:sldId id="329" r:id="rId8"/>
-    <p:sldId id="331" r:id="rId9"/>
-    <p:sldId id="333" r:id="rId10"/>
-    <p:sldId id="334" r:id="rId11"/>
-    <p:sldId id="335" r:id="rId12"/>
-    <p:sldId id="376" r:id="rId13"/>
-    <p:sldId id="377" r:id="rId14"/>
-    <p:sldId id="375" r:id="rId15"/>
-    <p:sldId id="257" r:id="rId16"/>
+    <p:sldId id="379" r:id="rId7"/>
+    <p:sldId id="330" r:id="rId8"/>
+    <p:sldId id="329" r:id="rId9"/>
+    <p:sldId id="331" r:id="rId10"/>
+    <p:sldId id="333" r:id="rId11"/>
+    <p:sldId id="334" r:id="rId12"/>
+    <p:sldId id="335" r:id="rId13"/>
+    <p:sldId id="376" r:id="rId14"/>
+    <p:sldId id="377" r:id="rId15"/>
+    <p:sldId id="375" r:id="rId16"/>
+    <p:sldId id="257" r:id="rId17"/>
   </p:sldIdLst>
   <p:sldSz cx="15119350" cy="10799763"/>
   <p:notesSz cx="6797675" cy="9926638"/>
@@ -217,7 +218,7 @@
           <a:p>
             <a:fld id="{175ECC00-C06A-4323-852F-768318D8586A}" type="datetimeFigureOut">
               <a:rPr lang="fr-FR" smtClean="0"/>
-              <a:t>26/02/2025</a:t>
+              <a:t>03/03/2025</a:t>
             </a:fld>
             <a:endParaRPr lang="fr-FR"/>
           </a:p>
@@ -382,7 +383,7 @@
           <a:p>
             <a:fld id="{AE8DAB01-C85E-4F33-91A5-B6D112914A5D}" type="datetimeFigureOut">
               <a:rPr lang="fr-FR" smtClean="0"/>
-              <a:t>26/02/2025</a:t>
+              <a:t>03/03/2025</a:t>
             </a:fld>
             <a:endParaRPr lang="fr-FR"/>
           </a:p>
@@ -781,7 +782,7 @@
           <a:p>
             <a:fld id="{A69F3118-5675-4AEB-B17B-1E109ACFC119}" type="datetimeFigureOut">
               <a:rPr lang="fr-FR" smtClean="0"/>
-              <a:t>26/02/2025</a:t>
+              <a:t>03/03/2025</a:t>
             </a:fld>
             <a:endParaRPr lang="fr-FR"/>
           </a:p>
@@ -951,7 +952,7 @@
           <a:p>
             <a:fld id="{A69F3118-5675-4AEB-B17B-1E109ACFC119}" type="datetimeFigureOut">
               <a:rPr lang="fr-FR" smtClean="0"/>
-              <a:t>26/02/2025</a:t>
+              <a:t>03/03/2025</a:t>
             </a:fld>
             <a:endParaRPr lang="fr-FR"/>
           </a:p>
@@ -1131,7 +1132,7 @@
           <a:p>
             <a:fld id="{A69F3118-5675-4AEB-B17B-1E109ACFC119}" type="datetimeFigureOut">
               <a:rPr lang="fr-FR" smtClean="0"/>
-              <a:t>26/02/2025</a:t>
+              <a:t>03/03/2025</a:t>
             </a:fld>
             <a:endParaRPr lang="fr-FR"/>
           </a:p>
@@ -1301,7 +1302,7 @@
           <a:p>
             <a:fld id="{A69F3118-5675-4AEB-B17B-1E109ACFC119}" type="datetimeFigureOut">
               <a:rPr lang="fr-FR" smtClean="0"/>
-              <a:t>26/02/2025</a:t>
+              <a:t>03/03/2025</a:t>
             </a:fld>
             <a:endParaRPr lang="fr-FR"/>
           </a:p>
@@ -1545,7 +1546,7 @@
           <a:p>
             <a:fld id="{A69F3118-5675-4AEB-B17B-1E109ACFC119}" type="datetimeFigureOut">
               <a:rPr lang="fr-FR" smtClean="0"/>
-              <a:t>26/02/2025</a:t>
+              <a:t>03/03/2025</a:t>
             </a:fld>
             <a:endParaRPr lang="fr-FR"/>
           </a:p>
@@ -1777,7 +1778,7 @@
           <a:p>
             <a:fld id="{A69F3118-5675-4AEB-B17B-1E109ACFC119}" type="datetimeFigureOut">
               <a:rPr lang="fr-FR" smtClean="0"/>
-              <a:t>26/02/2025</a:t>
+              <a:t>03/03/2025</a:t>
             </a:fld>
             <a:endParaRPr lang="fr-FR"/>
           </a:p>
@@ -2144,7 +2145,7 @@
           <a:p>
             <a:fld id="{A69F3118-5675-4AEB-B17B-1E109ACFC119}" type="datetimeFigureOut">
               <a:rPr lang="fr-FR" smtClean="0"/>
-              <a:t>26/02/2025</a:t>
+              <a:t>03/03/2025</a:t>
             </a:fld>
             <a:endParaRPr lang="fr-FR"/>
           </a:p>
@@ -2262,7 +2263,7 @@
           <a:p>
             <a:fld id="{A69F3118-5675-4AEB-B17B-1E109ACFC119}" type="datetimeFigureOut">
               <a:rPr lang="fr-FR" smtClean="0"/>
-              <a:t>26/02/2025</a:t>
+              <a:t>03/03/2025</a:t>
             </a:fld>
             <a:endParaRPr lang="fr-FR"/>
           </a:p>
@@ -2357,7 +2358,7 @@
           <a:p>
             <a:fld id="{A69F3118-5675-4AEB-B17B-1E109ACFC119}" type="datetimeFigureOut">
               <a:rPr lang="fr-FR" smtClean="0"/>
-              <a:t>26/02/2025</a:t>
+              <a:t>03/03/2025</a:t>
             </a:fld>
             <a:endParaRPr lang="fr-FR"/>
           </a:p>
@@ -2634,7 +2635,7 @@
           <a:p>
             <a:fld id="{A69F3118-5675-4AEB-B17B-1E109ACFC119}" type="datetimeFigureOut">
               <a:rPr lang="fr-FR" smtClean="0"/>
-              <a:t>26/02/2025</a:t>
+              <a:t>03/03/2025</a:t>
             </a:fld>
             <a:endParaRPr lang="fr-FR"/>
           </a:p>
@@ -2891,7 +2892,7 @@
           <a:p>
             <a:fld id="{A69F3118-5675-4AEB-B17B-1E109ACFC119}" type="datetimeFigureOut">
               <a:rPr lang="fr-FR" smtClean="0"/>
-              <a:t>26/02/2025</a:t>
+              <a:t>03/03/2025</a:t>
             </a:fld>
             <a:endParaRPr lang="fr-FR"/>
           </a:p>
@@ -3104,7 +3105,7 @@
           <a:p>
             <a:fld id="{A69F3118-5675-4AEB-B17B-1E109ACFC119}" type="datetimeFigureOut">
               <a:rPr lang="fr-FR" smtClean="0"/>
-              <a:t>26/02/2025</a:t>
+              <a:t>03/03/2025</a:t>
             </a:fld>
             <a:endParaRPr lang="fr-FR"/>
           </a:p>
@@ -4276,6 +4277,101 @@
         </p:nvSpPr>
         <p:spPr>
           <a:xfrm>
+            <a:off x="0" y="179881"/>
+            <a:ext cx="15119349" cy="10440000"/>
+          </a:xfrm>
+          <a:prstGeom prst="rect">
+            <a:avLst/>
+          </a:prstGeom>
+          <a:ln w="57150">
+            <a:solidFill>
+              <a:schemeClr val="bg1"/>
+            </a:solidFill>
+          </a:ln>
+        </p:spPr>
+        <p:style>
+          <a:lnRef idx="2">
+            <a:schemeClr val="dk1"/>
+          </a:lnRef>
+          <a:fillRef idx="1">
+            <a:schemeClr val="lt1"/>
+          </a:fillRef>
+          <a:effectRef idx="0">
+            <a:schemeClr val="dk1"/>
+          </a:effectRef>
+          <a:fontRef idx="minor">
+            <a:schemeClr val="dk1"/>
+          </a:fontRef>
+        </p:style>
+        <p:txBody>
+          <a:bodyPr rtlCol="0" anchor="ctr"/>
+          <a:lstStyle/>
+          <a:p>
+            <a:pPr marL="72000" algn="ctr">
+              <a:lnSpc>
+                <a:spcPct val="120000"/>
+              </a:lnSpc>
+            </a:pPr>
+            <a:r>
+              <a:rPr lang="fr-FR" sz="4000" b="1" dirty="0">
+                <a:solidFill>
+                  <a:schemeClr val="tx1"/>
+                </a:solidFill>
+                <a:latin typeface="Comic Sans MS" panose="030F0702030302020204" pitchFamily="66" charset="0"/>
+                <a:ea typeface="JetBrains Mono" panose="02000009000000000000" pitchFamily="49" charset="0"/>
+                <a:cs typeface="Arial" panose="020B0604020202020204" pitchFamily="34" charset="0"/>
+              </a:rPr>
+              <a:t>L’Intelligence artificielle contre l’expertise humaine !</a:t>
+            </a:r>
+            <a:endParaRPr lang="fr-FR" sz="4000" dirty="0">
+              <a:solidFill>
+                <a:schemeClr val="tx1"/>
+              </a:solidFill>
+              <a:latin typeface="Comic Sans MS" panose="030F0702030302020204" pitchFamily="66" charset="0"/>
+              <a:ea typeface="JetBrains Mono" panose="02000009000000000000" pitchFamily="49" charset="0"/>
+              <a:cs typeface="Arial" panose="020B0604020202020204" pitchFamily="34" charset="0"/>
+            </a:endParaRPr>
+          </a:p>
+        </p:txBody>
+      </p:sp>
+    </p:spTree>
+    <p:extLst>
+      <p:ext uri="{BB962C8B-B14F-4D97-AF65-F5344CB8AC3E}">
+        <p14:creationId xmlns:p14="http://schemas.microsoft.com/office/powerpoint/2010/main" val="3539889059"/>
+      </p:ext>
+    </p:extLst>
+  </p:cSld>
+  <p:clrMapOvr>
+    <a:masterClrMapping/>
+  </p:clrMapOvr>
+</p:sld>
+</file>
+
+<file path=ppt/slides/slide11.xml><?xml version="1.0" encoding="utf-8"?>
+<p:sld xmlns:a="http://schemas.openxmlformats.org/drawingml/2006/main" xmlns:r="http://schemas.openxmlformats.org/officeDocument/2006/relationships" xmlns:p="http://schemas.openxmlformats.org/presentationml/2006/main">
+  <p:cSld>
+    <p:spTree>
+      <p:nvGrpSpPr>
+        <p:cNvPr id="1" name=""/>
+        <p:cNvGrpSpPr/>
+        <p:nvPr/>
+      </p:nvGrpSpPr>
+      <p:grpSpPr>
+        <a:xfrm>
+          <a:off x="0" y="0"/>
+          <a:ext cx="0" cy="0"/>
+          <a:chOff x="0" y="0"/>
+          <a:chExt cx="0" cy="0"/>
+        </a:xfrm>
+      </p:grpSpPr>
+      <p:sp>
+        <p:nvSpPr>
+          <p:cNvPr id="17" name="Rectangle 16"/>
+          <p:cNvSpPr/>
+          <p:nvPr/>
+        </p:nvSpPr>
+        <p:spPr>
+          <a:xfrm>
             <a:off x="4039557" y="179881"/>
             <a:ext cx="7040235" cy="10440000"/>
           </a:xfrm>
@@ -4722,7 +4818,7 @@
 </p:sld>
 </file>
 
-<file path=ppt/slides/slide11.xml><?xml version="1.0" encoding="utf-8"?>
+<file path=ppt/slides/slide12.xml><?xml version="1.0" encoding="utf-8"?>
 <p:sld xmlns:a="http://schemas.openxmlformats.org/drawingml/2006/main" xmlns:r="http://schemas.openxmlformats.org/officeDocument/2006/relationships" xmlns:p="http://schemas.openxmlformats.org/presentationml/2006/main">
   <p:cSld>
     <p:spTree>
@@ -5292,616 +5388,6 @@
     <p:extLst>
       <p:ext uri="{BB962C8B-B14F-4D97-AF65-F5344CB8AC3E}">
         <p14:creationId xmlns:p14="http://schemas.microsoft.com/office/powerpoint/2010/main" val="4020604657"/>
-      </p:ext>
-    </p:extLst>
-  </p:cSld>
-  <p:clrMapOvr>
-    <a:masterClrMapping/>
-  </p:clrMapOvr>
-</p:sld>
-</file>
-
-<file path=ppt/slides/slide12.xml><?xml version="1.0" encoding="utf-8"?>
-<p:sld xmlns:a="http://schemas.openxmlformats.org/drawingml/2006/main" xmlns:r="http://schemas.openxmlformats.org/officeDocument/2006/relationships" xmlns:p="http://schemas.openxmlformats.org/presentationml/2006/main">
-  <p:cSld>
-    <p:spTree>
-      <p:nvGrpSpPr>
-        <p:cNvPr id="1" name=""/>
-        <p:cNvGrpSpPr/>
-        <p:nvPr/>
-      </p:nvGrpSpPr>
-      <p:grpSpPr>
-        <a:xfrm>
-          <a:off x="0" y="0"/>
-          <a:ext cx="0" cy="0"/>
-          <a:chOff x="0" y="0"/>
-          <a:chExt cx="0" cy="0"/>
-        </a:xfrm>
-      </p:grpSpPr>
-      <p:sp>
-        <p:nvSpPr>
-          <p:cNvPr id="18" name="Rectangle 17"/>
-          <p:cNvSpPr/>
-          <p:nvPr/>
-        </p:nvSpPr>
-        <p:spPr>
-          <a:xfrm>
-            <a:off x="142517" y="1390649"/>
-            <a:ext cx="3763202" cy="9229231"/>
-          </a:xfrm>
-          <a:prstGeom prst="rect">
-            <a:avLst/>
-          </a:prstGeom>
-          <a:ln w="57150"/>
-        </p:spPr>
-        <p:style>
-          <a:lnRef idx="2">
-            <a:schemeClr val="dk1"/>
-          </a:lnRef>
-          <a:fillRef idx="1">
-            <a:schemeClr val="lt1"/>
-          </a:fillRef>
-          <a:effectRef idx="0">
-            <a:schemeClr val="dk1"/>
-          </a:effectRef>
-          <a:fontRef idx="minor">
-            <a:schemeClr val="dk1"/>
-          </a:fontRef>
-        </p:style>
-        <p:txBody>
-          <a:bodyPr rtlCol="0" anchor="ctr"/>
-          <a:lstStyle/>
-          <a:p>
-            <a:endParaRPr lang="fr-FR" sz="1600" dirty="0"/>
-          </a:p>
-        </p:txBody>
-      </p:sp>
-      <p:sp>
-        <p:nvSpPr>
-          <p:cNvPr id="19" name="Rectangle 18"/>
-          <p:cNvSpPr/>
-          <p:nvPr/>
-        </p:nvSpPr>
-        <p:spPr>
-          <a:xfrm>
-            <a:off x="11213630" y="1390649"/>
-            <a:ext cx="3726044" cy="9229231"/>
-          </a:xfrm>
-          <a:prstGeom prst="rect">
-            <a:avLst/>
-          </a:prstGeom>
-          <a:ln w="57150"/>
-        </p:spPr>
-        <p:style>
-          <a:lnRef idx="2">
-            <a:schemeClr val="dk1"/>
-          </a:lnRef>
-          <a:fillRef idx="1">
-            <a:schemeClr val="lt1"/>
-          </a:fillRef>
-          <a:effectRef idx="0">
-            <a:schemeClr val="dk1"/>
-          </a:effectRef>
-          <a:fontRef idx="minor">
-            <a:schemeClr val="dk1"/>
-          </a:fontRef>
-        </p:style>
-        <p:txBody>
-          <a:bodyPr rtlCol="0" anchor="ctr"/>
-          <a:lstStyle/>
-          <a:p>
-            <a:endParaRPr lang="fr-FR" dirty="0"/>
-          </a:p>
-          <a:p>
-            <a:endParaRPr lang="fr-FR" dirty="0"/>
-          </a:p>
-          <a:p>
-            <a:endParaRPr lang="fr-FR" dirty="0"/>
-          </a:p>
-        </p:txBody>
-      </p:sp>
-      <p:sp>
-        <p:nvSpPr>
-          <p:cNvPr id="24" name="Rectangle 23"/>
-          <p:cNvSpPr/>
-          <p:nvPr/>
-        </p:nvSpPr>
-        <p:spPr>
-          <a:xfrm>
-            <a:off x="11213630" y="179881"/>
-            <a:ext cx="3726045" cy="1067028"/>
-          </a:xfrm>
-          <a:prstGeom prst="rect">
-            <a:avLst/>
-          </a:prstGeom>
-          <a:ln w="57150"/>
-        </p:spPr>
-        <p:style>
-          <a:lnRef idx="2">
-            <a:schemeClr val="dk1"/>
-          </a:lnRef>
-          <a:fillRef idx="1">
-            <a:schemeClr val="lt1"/>
-          </a:fillRef>
-          <a:effectRef idx="0">
-            <a:schemeClr val="dk1"/>
-          </a:effectRef>
-          <a:fontRef idx="minor">
-            <a:schemeClr val="dk1"/>
-          </a:fontRef>
-        </p:style>
-        <p:txBody>
-          <a:bodyPr rtlCol="0" anchor="ctr"/>
-          <a:lstStyle/>
-          <a:p>
-            <a:pPr algn="ctr"/>
-            <a:r>
-              <a:rPr lang="fr-FR" b="1" spc="300" dirty="0">
-                <a:latin typeface="Comic Sans MS" panose="030F0702030302020204" pitchFamily="66" charset="0"/>
-                <a:ea typeface="JetBrains Mono" panose="02000009000000000000" pitchFamily="49" charset="0"/>
-                <a:cs typeface="JetBrains Mono" panose="02000009000000000000" pitchFamily="49" charset="0"/>
-              </a:rPr>
-              <a:t>M. Du Chevreuil</a:t>
-            </a:r>
-          </a:p>
-          <a:p>
-            <a:pPr algn="ctr"/>
-            <a:r>
-              <a:rPr lang="fr-FR" sz="1600" spc="300" dirty="0">
-                <a:latin typeface="Comic Sans MS" panose="030F0702030302020204" pitchFamily="66" charset="0"/>
-                <a:ea typeface="JetBrains Mono" panose="02000009000000000000" pitchFamily="49" charset="0"/>
-                <a:cs typeface="JetBrains Mono" panose="02000009000000000000" pitchFamily="49" charset="0"/>
-              </a:rPr>
-              <a:t>Professeur en génie </a:t>
-            </a:r>
-          </a:p>
-          <a:p>
-            <a:pPr algn="ctr"/>
-            <a:r>
-              <a:rPr lang="fr-FR" sz="1600" spc="300" dirty="0">
-                <a:latin typeface="Comic Sans MS" panose="030F0702030302020204" pitchFamily="66" charset="0"/>
-                <a:ea typeface="JetBrains Mono" panose="02000009000000000000" pitchFamily="49" charset="0"/>
-                <a:cs typeface="JetBrains Mono" panose="02000009000000000000" pitchFamily="49" charset="0"/>
-              </a:rPr>
-              <a:t>industriel bois</a:t>
-            </a:r>
-          </a:p>
-        </p:txBody>
-      </p:sp>
-      <p:sp>
-        <p:nvSpPr>
-          <p:cNvPr id="25" name="Rectangle 24"/>
-          <p:cNvSpPr/>
-          <p:nvPr/>
-        </p:nvSpPr>
-        <p:spPr>
-          <a:xfrm>
-            <a:off x="142517" y="179881"/>
-            <a:ext cx="3763201" cy="1067028"/>
-          </a:xfrm>
-          <a:prstGeom prst="rect">
-            <a:avLst/>
-          </a:prstGeom>
-          <a:ln w="57150"/>
-        </p:spPr>
-        <p:style>
-          <a:lnRef idx="2">
-            <a:schemeClr val="dk1"/>
-          </a:lnRef>
-          <a:fillRef idx="1">
-            <a:schemeClr val="lt1"/>
-          </a:fillRef>
-          <a:effectRef idx="0">
-            <a:schemeClr val="dk1"/>
-          </a:effectRef>
-          <a:fontRef idx="minor">
-            <a:schemeClr val="dk1"/>
-          </a:fontRef>
-        </p:style>
-        <p:txBody>
-          <a:bodyPr rtlCol="0" anchor="ctr"/>
-          <a:lstStyle/>
-          <a:p>
-            <a:pPr algn="ctr"/>
-            <a:r>
-              <a:rPr lang="fr-FR" b="1" dirty="0">
-                <a:latin typeface="Comic Sans MS" panose="030F0702030302020204" pitchFamily="66" charset="0"/>
-                <a:ea typeface="JetBrains Mono" panose="02000009000000000000" pitchFamily="49" charset="0"/>
-                <a:cs typeface="JetBrains Mono" panose="02000009000000000000" pitchFamily="49" charset="0"/>
-              </a:rPr>
-              <a:t>Sujet : L’I.A contre l’E.H</a:t>
-            </a:r>
-          </a:p>
-        </p:txBody>
-      </p:sp>
-      <p:sp>
-        <p:nvSpPr>
-          <p:cNvPr id="20" name="Rounded Rectangle 19"/>
-          <p:cNvSpPr/>
-          <p:nvPr/>
-        </p:nvSpPr>
-        <p:spPr>
-          <a:xfrm>
-            <a:off x="14127675" y="10044399"/>
-            <a:ext cx="895962" cy="685971"/>
-          </a:xfrm>
-          <a:prstGeom prst="roundRect">
-            <a:avLst/>
-          </a:prstGeom>
-          <a:ln w="57150">
-            <a:solidFill>
-              <a:schemeClr val="tx1">
-                <a:lumMod val="50000"/>
-                <a:lumOff val="50000"/>
-              </a:schemeClr>
-            </a:solidFill>
-          </a:ln>
-        </p:spPr>
-        <p:style>
-          <a:lnRef idx="2">
-            <a:schemeClr val="dk1"/>
-          </a:lnRef>
-          <a:fillRef idx="1">
-            <a:schemeClr val="lt1"/>
-          </a:fillRef>
-          <a:effectRef idx="0">
-            <a:schemeClr val="dk1"/>
-          </a:effectRef>
-          <a:fontRef idx="minor">
-            <a:schemeClr val="dk1"/>
-          </a:fontRef>
-        </p:style>
-        <p:txBody>
-          <a:bodyPr rtlCol="0" anchor="ctr"/>
-          <a:lstStyle/>
-          <a:p>
-            <a:pPr algn="ctr"/>
-            <a:r>
-              <a:rPr lang="fr-FR" sz="2000" dirty="0">
-                <a:solidFill>
-                  <a:schemeClr val="tx1"/>
-                </a:solidFill>
-                <a:latin typeface="Comic Sans MS" panose="030F0702030302020204" pitchFamily="66" charset="0"/>
-              </a:rPr>
-              <a:t>2/4</a:t>
-            </a:r>
-          </a:p>
-        </p:txBody>
-      </p:sp>
-      <p:sp>
-        <p:nvSpPr>
-          <p:cNvPr id="16" name="Rectangle 15">
-            <a:extLst>
-              <a:ext uri="{FF2B5EF4-FFF2-40B4-BE49-F238E27FC236}">
-                <a16:creationId xmlns:a16="http://schemas.microsoft.com/office/drawing/2014/main" id="{813D6DD5-D05F-4784-8EA3-A58DB35FAEFF}"/>
-              </a:ext>
-            </a:extLst>
-          </p:cNvPr>
-          <p:cNvSpPr/>
-          <p:nvPr/>
-        </p:nvSpPr>
-        <p:spPr>
-          <a:xfrm>
-            <a:off x="4039558" y="179880"/>
-            <a:ext cx="3520116" cy="10440000"/>
-          </a:xfrm>
-          <a:prstGeom prst="rect">
-            <a:avLst/>
-          </a:prstGeom>
-          <a:ln w="57150"/>
-        </p:spPr>
-        <p:style>
-          <a:lnRef idx="2">
-            <a:schemeClr val="dk1"/>
-          </a:lnRef>
-          <a:fillRef idx="1">
-            <a:schemeClr val="lt1"/>
-          </a:fillRef>
-          <a:effectRef idx="0">
-            <a:schemeClr val="dk1"/>
-          </a:effectRef>
-          <a:fontRef idx="minor">
-            <a:schemeClr val="dk1"/>
-          </a:fontRef>
-        </p:style>
-        <p:txBody>
-          <a:bodyPr rtlCol="0" anchor="ctr"/>
-          <a:lstStyle/>
-          <a:p>
-            <a:pPr marL="72000" algn="ctr"/>
-            <a:r>
-              <a:rPr lang="fr-FR" dirty="0" err="1">
-                <a:cs typeface="Arial" panose="020B0604020202020204" pitchFamily="34" charset="0"/>
-              </a:rPr>
-              <a:t>Goupe</a:t>
-            </a:r>
-            <a:r>
-              <a:rPr lang="fr-FR" dirty="0">
-                <a:cs typeface="Arial" panose="020B0604020202020204" pitchFamily="34" charset="0"/>
-              </a:rPr>
-              <a:t> A.I</a:t>
-            </a:r>
-          </a:p>
-          <a:p>
-            <a:pPr marL="72000" algn="ctr"/>
-            <a:endParaRPr lang="fr-FR" sz="1600" dirty="0">
-              <a:cs typeface="Arial" panose="020B0604020202020204" pitchFamily="34" charset="0"/>
-            </a:endParaRPr>
-          </a:p>
-          <a:p>
-            <a:pPr marL="72000" algn="ctr"/>
-            <a:endParaRPr lang="fr-FR" sz="1600" dirty="0">
-              <a:cs typeface="Arial" panose="020B0604020202020204" pitchFamily="34" charset="0"/>
-            </a:endParaRPr>
-          </a:p>
-          <a:p>
-            <a:pPr marL="72000" algn="ctr">
-              <a:lnSpc>
-                <a:spcPct val="200000"/>
-              </a:lnSpc>
-            </a:pPr>
-            <a:r>
-              <a:rPr lang="fr-FR" sz="1600" dirty="0">
-                <a:cs typeface="Arial" panose="020B0604020202020204" pitchFamily="34" charset="0"/>
-              </a:rPr>
-              <a:t>………………………………..</a:t>
-            </a:r>
-          </a:p>
-          <a:p>
-            <a:pPr marL="72000" algn="ctr">
-              <a:lnSpc>
-                <a:spcPct val="200000"/>
-              </a:lnSpc>
-            </a:pPr>
-            <a:r>
-              <a:rPr lang="fr-FR" sz="1600" dirty="0">
-                <a:cs typeface="Arial" panose="020B0604020202020204" pitchFamily="34" charset="0"/>
-              </a:rPr>
-              <a:t>………………………………..</a:t>
-            </a:r>
-          </a:p>
-          <a:p>
-            <a:pPr marL="72000" algn="ctr">
-              <a:lnSpc>
-                <a:spcPct val="200000"/>
-              </a:lnSpc>
-            </a:pPr>
-            <a:r>
-              <a:rPr lang="fr-FR" sz="1600" dirty="0">
-                <a:cs typeface="Arial" panose="020B0604020202020204" pitchFamily="34" charset="0"/>
-              </a:rPr>
-              <a:t>………………………………..</a:t>
-            </a:r>
-          </a:p>
-          <a:p>
-            <a:pPr marL="72000" algn="ctr">
-              <a:lnSpc>
-                <a:spcPct val="200000"/>
-              </a:lnSpc>
-            </a:pPr>
-            <a:r>
-              <a:rPr lang="fr-FR" sz="1600" dirty="0">
-                <a:cs typeface="Arial" panose="020B0604020202020204" pitchFamily="34" charset="0"/>
-              </a:rPr>
-              <a:t>………………………………..</a:t>
-            </a:r>
-          </a:p>
-          <a:p>
-            <a:pPr marL="72000" algn="ctr">
-              <a:lnSpc>
-                <a:spcPct val="200000"/>
-              </a:lnSpc>
-            </a:pPr>
-            <a:r>
-              <a:rPr lang="fr-FR" sz="1600" dirty="0">
-                <a:cs typeface="Arial" panose="020B0604020202020204" pitchFamily="34" charset="0"/>
-              </a:rPr>
-              <a:t>………………………………..</a:t>
-            </a:r>
-          </a:p>
-          <a:p>
-            <a:pPr marL="72000" algn="ctr">
-              <a:lnSpc>
-                <a:spcPct val="200000"/>
-              </a:lnSpc>
-            </a:pPr>
-            <a:r>
-              <a:rPr lang="fr-FR" sz="1600" dirty="0">
-                <a:cs typeface="Arial" panose="020B0604020202020204" pitchFamily="34" charset="0"/>
-              </a:rPr>
-              <a:t>………………………………..</a:t>
-            </a:r>
-          </a:p>
-          <a:p>
-            <a:pPr marL="72000" algn="ctr">
-              <a:lnSpc>
-                <a:spcPct val="200000"/>
-              </a:lnSpc>
-            </a:pPr>
-            <a:r>
-              <a:rPr lang="fr-FR" sz="1600" dirty="0">
-                <a:cs typeface="Arial" panose="020B0604020202020204" pitchFamily="34" charset="0"/>
-              </a:rPr>
-              <a:t>………………………………..</a:t>
-            </a:r>
-          </a:p>
-          <a:p>
-            <a:pPr marL="72000" algn="ctr"/>
-            <a:endParaRPr lang="fr-FR" sz="1600" dirty="0">
-              <a:cs typeface="Arial" panose="020B0604020202020204" pitchFamily="34" charset="0"/>
-            </a:endParaRPr>
-          </a:p>
-        </p:txBody>
-      </p:sp>
-      <p:sp>
-        <p:nvSpPr>
-          <p:cNvPr id="11" name="Rectangle 10">
-            <a:extLst>
-              <a:ext uri="{FF2B5EF4-FFF2-40B4-BE49-F238E27FC236}">
-                <a16:creationId xmlns:a16="http://schemas.microsoft.com/office/drawing/2014/main" id="{A60EA4A5-E4D7-487A-A515-0D5965AD31AD}"/>
-              </a:ext>
-            </a:extLst>
-          </p:cNvPr>
-          <p:cNvSpPr/>
-          <p:nvPr/>
-        </p:nvSpPr>
-        <p:spPr>
-          <a:xfrm>
-            <a:off x="7670800" y="179880"/>
-            <a:ext cx="3431704" cy="10440000"/>
-          </a:xfrm>
-          <a:prstGeom prst="rect">
-            <a:avLst/>
-          </a:prstGeom>
-          <a:ln w="57150"/>
-        </p:spPr>
-        <p:style>
-          <a:lnRef idx="2">
-            <a:schemeClr val="dk1"/>
-          </a:lnRef>
-          <a:fillRef idx="1">
-            <a:schemeClr val="lt1"/>
-          </a:fillRef>
-          <a:effectRef idx="0">
-            <a:schemeClr val="dk1"/>
-          </a:effectRef>
-          <a:fontRef idx="minor">
-            <a:schemeClr val="dk1"/>
-          </a:fontRef>
-        </p:style>
-        <p:txBody>
-          <a:bodyPr rtlCol="0" anchor="ctr"/>
-          <a:lstStyle/>
-          <a:p>
-            <a:pPr marL="72000" algn="ctr"/>
-            <a:r>
-              <a:rPr lang="fr-FR" dirty="0" err="1">
-                <a:cs typeface="Arial" panose="020B0604020202020204" pitchFamily="34" charset="0"/>
-              </a:rPr>
-              <a:t>Goupe</a:t>
-            </a:r>
-            <a:r>
-              <a:rPr lang="fr-FR" dirty="0">
-                <a:cs typeface="Arial" panose="020B0604020202020204" pitchFamily="34" charset="0"/>
-              </a:rPr>
-              <a:t> E.H</a:t>
-            </a:r>
-          </a:p>
-          <a:p>
-            <a:pPr marL="72000" algn="ctr"/>
-            <a:endParaRPr lang="fr-FR" sz="1600" dirty="0">
-              <a:cs typeface="Arial" panose="020B0604020202020204" pitchFamily="34" charset="0"/>
-            </a:endParaRPr>
-          </a:p>
-          <a:p>
-            <a:pPr marL="72000" algn="ctr"/>
-            <a:endParaRPr lang="fr-FR" sz="1600" dirty="0">
-              <a:cs typeface="Arial" panose="020B0604020202020204" pitchFamily="34" charset="0"/>
-            </a:endParaRPr>
-          </a:p>
-          <a:p>
-            <a:pPr marL="72000" algn="ctr">
-              <a:lnSpc>
-                <a:spcPct val="200000"/>
-              </a:lnSpc>
-            </a:pPr>
-            <a:r>
-              <a:rPr lang="fr-FR" sz="1600" dirty="0">
-                <a:cs typeface="Arial" panose="020B0604020202020204" pitchFamily="34" charset="0"/>
-              </a:rPr>
-              <a:t>………………………………..</a:t>
-            </a:r>
-          </a:p>
-          <a:p>
-            <a:pPr marL="72000" algn="ctr">
-              <a:lnSpc>
-                <a:spcPct val="200000"/>
-              </a:lnSpc>
-            </a:pPr>
-            <a:r>
-              <a:rPr lang="fr-FR" sz="1600" dirty="0">
-                <a:cs typeface="Arial" panose="020B0604020202020204" pitchFamily="34" charset="0"/>
-              </a:rPr>
-              <a:t>………………………………..</a:t>
-            </a:r>
-          </a:p>
-          <a:p>
-            <a:pPr marL="72000" algn="ctr">
-              <a:lnSpc>
-                <a:spcPct val="200000"/>
-              </a:lnSpc>
-            </a:pPr>
-            <a:r>
-              <a:rPr lang="fr-FR" sz="1600" dirty="0">
-                <a:cs typeface="Arial" panose="020B0604020202020204" pitchFamily="34" charset="0"/>
-              </a:rPr>
-              <a:t>………………………………..</a:t>
-            </a:r>
-          </a:p>
-          <a:p>
-            <a:pPr marL="72000" algn="ctr">
-              <a:lnSpc>
-                <a:spcPct val="200000"/>
-              </a:lnSpc>
-            </a:pPr>
-            <a:r>
-              <a:rPr lang="fr-FR" sz="1600" dirty="0">
-                <a:cs typeface="Arial" panose="020B0604020202020204" pitchFamily="34" charset="0"/>
-              </a:rPr>
-              <a:t>………………………………..</a:t>
-            </a:r>
-          </a:p>
-          <a:p>
-            <a:pPr marL="72000" algn="ctr">
-              <a:lnSpc>
-                <a:spcPct val="200000"/>
-              </a:lnSpc>
-            </a:pPr>
-            <a:r>
-              <a:rPr lang="fr-FR" sz="1600" dirty="0">
-                <a:cs typeface="Arial" panose="020B0604020202020204" pitchFamily="34" charset="0"/>
-              </a:rPr>
-              <a:t>………………………………..</a:t>
-            </a:r>
-          </a:p>
-          <a:p>
-            <a:pPr marL="72000" algn="ctr">
-              <a:lnSpc>
-                <a:spcPct val="200000"/>
-              </a:lnSpc>
-            </a:pPr>
-            <a:r>
-              <a:rPr lang="fr-FR" sz="1600" dirty="0">
-                <a:cs typeface="Arial" panose="020B0604020202020204" pitchFamily="34" charset="0"/>
-              </a:rPr>
-              <a:t>………………………………..</a:t>
-            </a:r>
-          </a:p>
-          <a:p>
-            <a:pPr marL="72000" algn="ctr">
-              <a:lnSpc>
-                <a:spcPct val="200000"/>
-              </a:lnSpc>
-            </a:pPr>
-            <a:r>
-              <a:rPr lang="fr-FR" sz="1600" dirty="0">
-                <a:cs typeface="Arial" panose="020B0604020202020204" pitchFamily="34" charset="0"/>
-              </a:rPr>
-              <a:t>………………………………..</a:t>
-            </a:r>
-          </a:p>
-          <a:p>
-            <a:pPr marL="72000" algn="ctr"/>
-            <a:endParaRPr lang="fr-FR" sz="1600" dirty="0">
-              <a:cs typeface="Arial" panose="020B0604020202020204" pitchFamily="34" charset="0"/>
-            </a:endParaRPr>
-          </a:p>
-        </p:txBody>
-      </p:sp>
-    </p:spTree>
-    <p:extLst>
-      <p:ext uri="{BB962C8B-B14F-4D97-AF65-F5344CB8AC3E}">
-        <p14:creationId xmlns:p14="http://schemas.microsoft.com/office/powerpoint/2010/main" val="4000596285"/>
       </p:ext>
     </p:extLst>
   </p:cSld>
@@ -6173,7 +5659,7 @@
                 </a:solidFill>
                 <a:latin typeface="Comic Sans MS" panose="030F0702030302020204" pitchFamily="66" charset="0"/>
               </a:rPr>
-              <a:t>3/4</a:t>
+              <a:t>2/4</a:t>
             </a:r>
           </a:p>
         </p:txBody>
@@ -6219,6 +5705,124 @@
           <a:lstStyle/>
           <a:p>
             <a:pPr marL="72000" algn="ctr"/>
+            <a:r>
+              <a:rPr lang="fr-FR" dirty="0" err="1">
+                <a:cs typeface="Arial" panose="020B0604020202020204" pitchFamily="34" charset="0"/>
+              </a:rPr>
+              <a:t>Goupe</a:t>
+            </a:r>
+            <a:r>
+              <a:rPr lang="fr-FR" dirty="0">
+                <a:cs typeface="Arial" panose="020B0604020202020204" pitchFamily="34" charset="0"/>
+              </a:rPr>
+              <a:t> A.I</a:t>
+            </a:r>
+          </a:p>
+          <a:p>
+            <a:pPr marL="72000" algn="ctr"/>
+            <a:endParaRPr lang="fr-FR" sz="1600" dirty="0">
+              <a:cs typeface="Arial" panose="020B0604020202020204" pitchFamily="34" charset="0"/>
+            </a:endParaRPr>
+          </a:p>
+          <a:p>
+            <a:pPr marL="72000" algn="ctr"/>
+            <a:endParaRPr lang="fr-FR" sz="1600" dirty="0">
+              <a:cs typeface="Arial" panose="020B0604020202020204" pitchFamily="34" charset="0"/>
+            </a:endParaRPr>
+          </a:p>
+          <a:p>
+            <a:pPr marL="72000" algn="ctr">
+              <a:lnSpc>
+                <a:spcPct val="200000"/>
+              </a:lnSpc>
+            </a:pPr>
+            <a:r>
+              <a:rPr lang="fr-FR" sz="1600" dirty="0">
+                <a:cs typeface="Arial" panose="020B0604020202020204" pitchFamily="34" charset="0"/>
+              </a:rPr>
+              <a:t>………………………………..</a:t>
+            </a:r>
+          </a:p>
+          <a:p>
+            <a:pPr marL="72000" algn="ctr">
+              <a:lnSpc>
+                <a:spcPct val="200000"/>
+              </a:lnSpc>
+            </a:pPr>
+            <a:r>
+              <a:rPr lang="fr-FR" sz="1600" dirty="0">
+                <a:cs typeface="Arial" panose="020B0604020202020204" pitchFamily="34" charset="0"/>
+              </a:rPr>
+              <a:t>………………………………..</a:t>
+            </a:r>
+          </a:p>
+          <a:p>
+            <a:pPr marL="72000" algn="ctr">
+              <a:lnSpc>
+                <a:spcPct val="200000"/>
+              </a:lnSpc>
+            </a:pPr>
+            <a:r>
+              <a:rPr lang="fr-FR" sz="1600" dirty="0">
+                <a:cs typeface="Arial" panose="020B0604020202020204" pitchFamily="34" charset="0"/>
+              </a:rPr>
+              <a:t>………………………………..</a:t>
+            </a:r>
+          </a:p>
+          <a:p>
+            <a:pPr marL="72000" algn="ctr">
+              <a:lnSpc>
+                <a:spcPct val="200000"/>
+              </a:lnSpc>
+            </a:pPr>
+            <a:r>
+              <a:rPr lang="fr-FR" sz="1600" dirty="0">
+                <a:cs typeface="Arial" panose="020B0604020202020204" pitchFamily="34" charset="0"/>
+              </a:rPr>
+              <a:t>………………………………..</a:t>
+            </a:r>
+          </a:p>
+          <a:p>
+            <a:pPr marL="72000" algn="ctr">
+              <a:lnSpc>
+                <a:spcPct val="200000"/>
+              </a:lnSpc>
+            </a:pPr>
+            <a:r>
+              <a:rPr lang="fr-FR" sz="1600" dirty="0">
+                <a:cs typeface="Arial" panose="020B0604020202020204" pitchFamily="34" charset="0"/>
+              </a:rPr>
+              <a:t>………………………………..</a:t>
+            </a:r>
+          </a:p>
+          <a:p>
+            <a:pPr marL="72000" algn="ctr">
+              <a:lnSpc>
+                <a:spcPct val="200000"/>
+              </a:lnSpc>
+            </a:pPr>
+            <a:r>
+              <a:rPr lang="fr-FR" sz="1600" dirty="0">
+                <a:cs typeface="Arial" panose="020B0604020202020204" pitchFamily="34" charset="0"/>
+              </a:rPr>
+              <a:t>………………………………..</a:t>
+            </a:r>
+          </a:p>
+          <a:p>
+            <a:pPr marL="72000" algn="ctr">
+              <a:lnSpc>
+                <a:spcPct val="200000"/>
+              </a:lnSpc>
+            </a:pPr>
+            <a:r>
+              <a:rPr lang="fr-FR" sz="1600" dirty="0">
+                <a:cs typeface="Arial" panose="020B0604020202020204" pitchFamily="34" charset="0"/>
+              </a:rPr>
+              <a:t>………………………………..</a:t>
+            </a:r>
+          </a:p>
+          <a:p>
+            <a:pPr marL="72000" algn="ctr"/>
             <a:endParaRPr lang="fr-FR" sz="1600" dirty="0">
               <a:cs typeface="Arial" panose="020B0604020202020204" pitchFamily="34" charset="0"/>
             </a:endParaRPr>
@@ -6266,16 +5870,134 @@
           <a:lstStyle/>
           <a:p>
             <a:pPr marL="72000" algn="ctr"/>
+            <a:r>
+              <a:rPr lang="fr-FR" dirty="0" err="1">
+                <a:cs typeface="Arial" panose="020B0604020202020204" pitchFamily="34" charset="0"/>
+              </a:rPr>
+              <a:t>Goupe</a:t>
+            </a:r>
+            <a:r>
+              <a:rPr lang="fr-FR" dirty="0">
+                <a:cs typeface="Arial" panose="020B0604020202020204" pitchFamily="34" charset="0"/>
+              </a:rPr>
+              <a:t> E.H</a:t>
+            </a:r>
+          </a:p>
+          <a:p>
+            <a:pPr marL="72000" algn="ctr"/>
             <a:endParaRPr lang="fr-FR" sz="1600" dirty="0">
               <a:cs typeface="Arial" panose="020B0604020202020204" pitchFamily="34" charset="0"/>
             </a:endParaRPr>
           </a:p>
+          <a:p>
+            <a:pPr marL="72000" algn="ctr"/>
+            <a:endParaRPr lang="fr-FR" sz="1600" dirty="0">
+              <a:cs typeface="Arial" panose="020B0604020202020204" pitchFamily="34" charset="0"/>
+            </a:endParaRPr>
+          </a:p>
+          <a:p>
+            <a:pPr marL="72000" algn="ctr">
+              <a:lnSpc>
+                <a:spcPct val="200000"/>
+              </a:lnSpc>
+            </a:pPr>
+            <a:r>
+              <a:rPr lang="fr-FR" sz="1600" dirty="0">
+                <a:cs typeface="Arial" panose="020B0604020202020204" pitchFamily="34" charset="0"/>
+              </a:rPr>
+              <a:t>………………………………..</a:t>
+            </a:r>
+          </a:p>
+          <a:p>
+            <a:pPr marL="72000" algn="ctr">
+              <a:lnSpc>
+                <a:spcPct val="200000"/>
+              </a:lnSpc>
+            </a:pPr>
+            <a:r>
+              <a:rPr lang="fr-FR" sz="1600" dirty="0">
+                <a:cs typeface="Arial" panose="020B0604020202020204" pitchFamily="34" charset="0"/>
+              </a:rPr>
+              <a:t>………………………………..</a:t>
+            </a:r>
+          </a:p>
+          <a:p>
+            <a:pPr marL="72000" algn="ctr">
+              <a:lnSpc>
+                <a:spcPct val="200000"/>
+              </a:lnSpc>
+            </a:pPr>
+            <a:r>
+              <a:rPr lang="fr-FR" sz="1600" dirty="0">
+                <a:cs typeface="Arial" panose="020B0604020202020204" pitchFamily="34" charset="0"/>
+              </a:rPr>
+              <a:t>………………………………..</a:t>
+            </a:r>
+          </a:p>
+          <a:p>
+            <a:pPr marL="72000" algn="ctr">
+              <a:lnSpc>
+                <a:spcPct val="200000"/>
+              </a:lnSpc>
+            </a:pPr>
+            <a:r>
+              <a:rPr lang="fr-FR" sz="1600" dirty="0">
+                <a:cs typeface="Arial" panose="020B0604020202020204" pitchFamily="34" charset="0"/>
+              </a:rPr>
+              <a:t>………………………………..</a:t>
+            </a:r>
+          </a:p>
+          <a:p>
+            <a:pPr marL="72000" algn="ctr">
+              <a:lnSpc>
+                <a:spcPct val="200000"/>
+              </a:lnSpc>
+            </a:pPr>
+            <a:r>
+              <a:rPr lang="fr-FR" sz="1600" dirty="0">
+                <a:cs typeface="Arial" panose="020B0604020202020204" pitchFamily="34" charset="0"/>
+              </a:rPr>
+              <a:t>………………………………..</a:t>
+            </a:r>
+          </a:p>
+          <a:p>
+            <a:pPr marL="72000" algn="ctr">
+              <a:lnSpc>
+                <a:spcPct val="200000"/>
+              </a:lnSpc>
+            </a:pPr>
+            <a:r>
+              <a:rPr lang="fr-FR" sz="1600" dirty="0">
+                <a:cs typeface="Arial" panose="020B0604020202020204" pitchFamily="34" charset="0"/>
+              </a:rPr>
+              <a:t>………………………………..</a:t>
+            </a:r>
+          </a:p>
+          <a:p>
+            <a:pPr marL="72000" algn="ctr">
+              <a:lnSpc>
+                <a:spcPct val="200000"/>
+              </a:lnSpc>
+            </a:pPr>
+            <a:r>
+              <a:rPr lang="fr-FR" sz="1600" dirty="0">
+                <a:cs typeface="Arial" panose="020B0604020202020204" pitchFamily="34" charset="0"/>
+              </a:rPr>
+              <a:t>………………………………..</a:t>
+            </a:r>
+          </a:p>
+          <a:p>
+            <a:pPr marL="72000" algn="ctr"/>
+            <a:endParaRPr lang="fr-FR" sz="1600" dirty="0">
+              <a:cs typeface="Arial" panose="020B0604020202020204" pitchFamily="34" charset="0"/>
+            </a:endParaRPr>
+          </a:p>
         </p:txBody>
       </p:sp>
     </p:spTree>
     <p:extLst>
       <p:ext uri="{BB962C8B-B14F-4D97-AF65-F5344CB8AC3E}">
-        <p14:creationId xmlns:p14="http://schemas.microsoft.com/office/powerpoint/2010/main" val="3021499507"/>
+        <p14:creationId xmlns:p14="http://schemas.microsoft.com/office/powerpoint/2010/main" val="4000596285"/>
       </p:ext>
     </p:extLst>
   </p:cSld>
@@ -6336,141 +6058,7 @@
           <a:bodyPr rtlCol="0" anchor="ctr"/>
           <a:lstStyle/>
           <a:p>
-            <a:r>
-              <a:rPr lang="fr-FR" sz="1600" b="1" dirty="0"/>
-              <a:t>Analyse de Plans et Croquis</a:t>
-            </a:r>
-          </a:p>
-          <a:p>
-            <a:r>
-              <a:rPr lang="fr-FR" sz="1600" dirty="0"/>
-              <a:t>📌 </a:t>
-            </a:r>
-            <a:r>
-              <a:rPr lang="fr-FR" sz="1600" i="1" dirty="0"/>
-              <a:t>Exercice :</a:t>
-            </a:r>
-            <a:r>
-              <a:rPr lang="fr-FR" sz="1600" dirty="0"/>
-              <a:t> On donne aux élèves un croquis incomplet (vue en plan, élévation ou perspective) et ils doivent :</a:t>
-            </a:r>
-          </a:p>
-          <a:p>
-            <a:r>
-              <a:rPr lang="fr-FR" sz="1600" dirty="0"/>
-              <a:t>Compléter les vues manquantes.</a:t>
-            </a:r>
-          </a:p>
-          <a:p>
             <a:endParaRPr lang="fr-FR" sz="1600" dirty="0"/>
-          </a:p>
-          <a:p>
-            <a:r>
-              <a:rPr lang="fr-FR" sz="1600" b="1" dirty="0"/>
-              <a:t>Étude de Cas Matérielle</a:t>
-            </a:r>
-          </a:p>
-          <a:p>
-            <a:r>
-              <a:rPr lang="fr-FR" sz="1600" dirty="0"/>
-              <a:t>📌 </a:t>
-            </a:r>
-            <a:r>
-              <a:rPr lang="fr-FR" sz="1600" i="1" dirty="0"/>
-              <a:t>Exercice :</a:t>
-            </a:r>
-            <a:r>
-              <a:rPr lang="fr-FR" sz="1600" dirty="0"/>
-              <a:t> Observer un morceau de bois réel (ou une photo) et répondre :</a:t>
-            </a:r>
-          </a:p>
-          <a:p>
-            <a:r>
-              <a:rPr lang="fr-FR" sz="1600" dirty="0"/>
-              <a:t>Quel serait son usage optimal en menuiserie ?</a:t>
-            </a:r>
-          </a:p>
-          <a:p>
-            <a:endParaRPr lang="fr-FR" sz="1600" dirty="0"/>
-          </a:p>
-          <a:p>
-            <a:r>
-              <a:rPr lang="fr-FR" sz="1600" b="1" dirty="0"/>
-              <a:t>Recherche de Solutions d’Assemblage</a:t>
-            </a:r>
-          </a:p>
-          <a:p>
-            <a:r>
-              <a:rPr lang="fr-FR" sz="1600" dirty="0"/>
-              <a:t>📌 </a:t>
-            </a:r>
-            <a:r>
-              <a:rPr lang="fr-FR" sz="1600" i="1" dirty="0"/>
-              <a:t>Exercice :</a:t>
-            </a:r>
-            <a:r>
-              <a:rPr lang="fr-FR" sz="1600" dirty="0"/>
-              <a:t> Pour un meuble donné (ex. une étagère murale ou un tiroir), demander :</a:t>
-            </a:r>
-          </a:p>
-          <a:p>
-            <a:r>
-              <a:rPr lang="fr-FR" sz="1600" dirty="0"/>
-              <a:t>Quelles sont les différentes façons de réaliser l’assemblage ?</a:t>
-            </a:r>
-          </a:p>
-          <a:p>
-            <a:r>
-              <a:rPr lang="fr-FR" sz="1600" dirty="0"/>
-              <a:t>Quels sont les avantages et inconvénients de chaque méthode ?</a:t>
-            </a:r>
-          </a:p>
-          <a:p>
-            <a:r>
-              <a:rPr lang="fr-FR" sz="1600" dirty="0"/>
-              <a:t>Quel choix ferait-il et pourquoi ?</a:t>
-            </a:r>
-          </a:p>
-          <a:p>
-            <a:endParaRPr lang="fr-FR" sz="1600" dirty="0"/>
-          </a:p>
-          <a:p>
-            <a:r>
-              <a:rPr lang="fr-FR" sz="1600" b="1" dirty="0"/>
-              <a:t>Recherches Historiques et Techniques</a:t>
-            </a:r>
-          </a:p>
-          <a:p>
-            <a:r>
-              <a:rPr lang="fr-FR" sz="1600" dirty="0"/>
-              <a:t>📌 </a:t>
-            </a:r>
-            <a:r>
-              <a:rPr lang="fr-FR" sz="1600" i="1" dirty="0"/>
-              <a:t>Exercice :</a:t>
-            </a:r>
-            <a:r>
-              <a:rPr lang="fr-FR" sz="1600" dirty="0"/>
-              <a:t> Proposer une recherche sur des techniques traditionnelles (ex. tenon-mortaise japonais, menuiserie sans vis ni colle, mobilier régional).</a:t>
-            </a:r>
-          </a:p>
-          <a:p>
-            <a:r>
-              <a:rPr lang="fr-FR" sz="1600" dirty="0"/>
-              <a:t>D’où vient cette technique ?</a:t>
-            </a:r>
-          </a:p>
-          <a:p>
-            <a:r>
-              <a:rPr lang="fr-FR" sz="1600" dirty="0"/>
-              <a:t>Pourquoi était-elle utilisée ?</a:t>
-            </a:r>
-          </a:p>
-          <a:p>
-            <a:r>
-              <a:rPr lang="fr-FR" sz="1600" dirty="0"/>
-              <a:t>Est-elle encore pertinente aujourd’hui ?</a:t>
-            </a:r>
           </a:p>
         </p:txBody>
       </p:sp>
@@ -6507,61 +6095,6 @@
         <p:txBody>
           <a:bodyPr rtlCol="0" anchor="ctr"/>
           <a:lstStyle/>
-          <a:p>
-            <a:r>
-              <a:rPr lang="fr-FR" b="1" dirty="0"/>
-              <a:t>Problèmes de calcul et de mesure</a:t>
-            </a:r>
-          </a:p>
-          <a:p>
-            <a:r>
-              <a:rPr lang="fr-FR" b="1" dirty="0"/>
-              <a:t>Exercice</a:t>
-            </a:r>
-            <a:r>
-              <a:rPr lang="fr-FR" dirty="0"/>
-              <a:t> : Proposer des problèmes de calcul liés à la menuiserie, comme la conversion d'unités (pouces en centimètres), le calcul de la quantité de bois nécessaire pour un projet, ou l'estimation des pertes de matériau.</a:t>
-            </a:r>
-          </a:p>
-          <a:p>
-            <a:endParaRPr lang="fr-FR" dirty="0"/>
-          </a:p>
-          <a:p>
-            <a:r>
-              <a:rPr lang="fr-FR" b="1" dirty="0"/>
-              <a:t>Réflexion sur l'ergonomie et la conception</a:t>
-            </a:r>
-          </a:p>
-          <a:p>
-            <a:r>
-              <a:rPr lang="fr-FR" b="1" dirty="0"/>
-              <a:t>Exercice</a:t>
-            </a:r>
-            <a:r>
-              <a:rPr lang="fr-FR" dirty="0"/>
-              <a:t> : Demander aux élèves de concevoir un plan de travail ou un établi en tenant compte de l'ergonomie et de l'efficacité des mouvements.</a:t>
-            </a:r>
-          </a:p>
-          <a:p>
-            <a:endParaRPr lang="fr-FR" dirty="0"/>
-          </a:p>
-          <a:p>
-            <a:r>
-              <a:rPr lang="fr-FR" b="1" dirty="0"/>
-              <a:t>Identifier les outils de menuiserie</a:t>
-            </a:r>
-            <a:endParaRPr lang="fr-FR" dirty="0"/>
-          </a:p>
-          <a:p>
-            <a:r>
-              <a:rPr lang="fr-FR" b="1" dirty="0"/>
-              <a:t>Description</a:t>
-            </a:r>
-            <a:r>
-              <a:rPr lang="fr-FR" dirty="0"/>
-              <a:t>: Proposez une liste d'outils de base (scie, rabot, ciseau à bois, etc.) et demandez aux élèves de décrire leur fonction et leur utilisation spécifique.</a:t>
-            </a:r>
-          </a:p>
           <a:p>
             <a:endParaRPr lang="fr-FR" dirty="0"/>
           </a:p>
@@ -6736,6 +6269,569 @@
                 </a:solidFill>
                 <a:latin typeface="Comic Sans MS" panose="030F0702030302020204" pitchFamily="66" charset="0"/>
               </a:rPr>
+              <a:t>3/4</a:t>
+            </a:r>
+          </a:p>
+        </p:txBody>
+      </p:sp>
+      <p:sp>
+        <p:nvSpPr>
+          <p:cNvPr id="16" name="Rectangle 15">
+            <a:extLst>
+              <a:ext uri="{FF2B5EF4-FFF2-40B4-BE49-F238E27FC236}">
+                <a16:creationId xmlns:a16="http://schemas.microsoft.com/office/drawing/2014/main" id="{813D6DD5-D05F-4784-8EA3-A58DB35FAEFF}"/>
+              </a:ext>
+            </a:extLst>
+          </p:cNvPr>
+          <p:cNvSpPr/>
+          <p:nvPr/>
+        </p:nvSpPr>
+        <p:spPr>
+          <a:xfrm>
+            <a:off x="4039558" y="179880"/>
+            <a:ext cx="3520116" cy="10440000"/>
+          </a:xfrm>
+          <a:prstGeom prst="rect">
+            <a:avLst/>
+          </a:prstGeom>
+          <a:ln w="57150"/>
+        </p:spPr>
+        <p:style>
+          <a:lnRef idx="2">
+            <a:schemeClr val="dk1"/>
+          </a:lnRef>
+          <a:fillRef idx="1">
+            <a:schemeClr val="lt1"/>
+          </a:fillRef>
+          <a:effectRef idx="0">
+            <a:schemeClr val="dk1"/>
+          </a:effectRef>
+          <a:fontRef idx="minor">
+            <a:schemeClr val="dk1"/>
+          </a:fontRef>
+        </p:style>
+        <p:txBody>
+          <a:bodyPr rtlCol="0" anchor="ctr"/>
+          <a:lstStyle/>
+          <a:p>
+            <a:pPr marL="72000" algn="ctr"/>
+            <a:endParaRPr lang="fr-FR" sz="1600" dirty="0">
+              <a:cs typeface="Arial" panose="020B0604020202020204" pitchFamily="34" charset="0"/>
+            </a:endParaRPr>
+          </a:p>
+        </p:txBody>
+      </p:sp>
+      <p:sp>
+        <p:nvSpPr>
+          <p:cNvPr id="11" name="Rectangle 10">
+            <a:extLst>
+              <a:ext uri="{FF2B5EF4-FFF2-40B4-BE49-F238E27FC236}">
+                <a16:creationId xmlns:a16="http://schemas.microsoft.com/office/drawing/2014/main" id="{A60EA4A5-E4D7-487A-A515-0D5965AD31AD}"/>
+              </a:ext>
+            </a:extLst>
+          </p:cNvPr>
+          <p:cNvSpPr/>
+          <p:nvPr/>
+        </p:nvSpPr>
+        <p:spPr>
+          <a:xfrm>
+            <a:off x="7670800" y="179880"/>
+            <a:ext cx="3431704" cy="10440000"/>
+          </a:xfrm>
+          <a:prstGeom prst="rect">
+            <a:avLst/>
+          </a:prstGeom>
+          <a:ln w="57150"/>
+        </p:spPr>
+        <p:style>
+          <a:lnRef idx="2">
+            <a:schemeClr val="dk1"/>
+          </a:lnRef>
+          <a:fillRef idx="1">
+            <a:schemeClr val="lt1"/>
+          </a:fillRef>
+          <a:effectRef idx="0">
+            <a:schemeClr val="dk1"/>
+          </a:effectRef>
+          <a:fontRef idx="minor">
+            <a:schemeClr val="dk1"/>
+          </a:fontRef>
+        </p:style>
+        <p:txBody>
+          <a:bodyPr rtlCol="0" anchor="ctr"/>
+          <a:lstStyle/>
+          <a:p>
+            <a:pPr marL="72000" algn="ctr"/>
+            <a:endParaRPr lang="fr-FR" sz="1600" dirty="0">
+              <a:cs typeface="Arial" panose="020B0604020202020204" pitchFamily="34" charset="0"/>
+            </a:endParaRPr>
+          </a:p>
+        </p:txBody>
+      </p:sp>
+    </p:spTree>
+    <p:extLst>
+      <p:ext uri="{BB962C8B-B14F-4D97-AF65-F5344CB8AC3E}">
+        <p14:creationId xmlns:p14="http://schemas.microsoft.com/office/powerpoint/2010/main" val="3021499507"/>
+      </p:ext>
+    </p:extLst>
+  </p:cSld>
+  <p:clrMapOvr>
+    <a:masterClrMapping/>
+  </p:clrMapOvr>
+</p:sld>
+</file>
+
+<file path=ppt/slides/slide15.xml><?xml version="1.0" encoding="utf-8"?>
+<p:sld xmlns:a="http://schemas.openxmlformats.org/drawingml/2006/main" xmlns:r="http://schemas.openxmlformats.org/officeDocument/2006/relationships" xmlns:p="http://schemas.openxmlformats.org/presentationml/2006/main">
+  <p:cSld>
+    <p:spTree>
+      <p:nvGrpSpPr>
+        <p:cNvPr id="1" name=""/>
+        <p:cNvGrpSpPr/>
+        <p:nvPr/>
+      </p:nvGrpSpPr>
+      <p:grpSpPr>
+        <a:xfrm>
+          <a:off x="0" y="0"/>
+          <a:ext cx="0" cy="0"/>
+          <a:chOff x="0" y="0"/>
+          <a:chExt cx="0" cy="0"/>
+        </a:xfrm>
+      </p:grpSpPr>
+      <p:sp>
+        <p:nvSpPr>
+          <p:cNvPr id="18" name="Rectangle 17"/>
+          <p:cNvSpPr/>
+          <p:nvPr/>
+        </p:nvSpPr>
+        <p:spPr>
+          <a:xfrm>
+            <a:off x="142517" y="1390649"/>
+            <a:ext cx="3763202" cy="9229231"/>
+          </a:xfrm>
+          <a:prstGeom prst="rect">
+            <a:avLst/>
+          </a:prstGeom>
+          <a:ln w="57150"/>
+        </p:spPr>
+        <p:style>
+          <a:lnRef idx="2">
+            <a:schemeClr val="dk1"/>
+          </a:lnRef>
+          <a:fillRef idx="1">
+            <a:schemeClr val="lt1"/>
+          </a:fillRef>
+          <a:effectRef idx="0">
+            <a:schemeClr val="dk1"/>
+          </a:effectRef>
+          <a:fontRef idx="minor">
+            <a:schemeClr val="dk1"/>
+          </a:fontRef>
+        </p:style>
+        <p:txBody>
+          <a:bodyPr rtlCol="0" anchor="ctr"/>
+          <a:lstStyle/>
+          <a:p>
+            <a:r>
+              <a:rPr lang="fr-FR" sz="1600" b="1" dirty="0"/>
+              <a:t>Analyse de Plans et Croquis</a:t>
+            </a:r>
+          </a:p>
+          <a:p>
+            <a:r>
+              <a:rPr lang="fr-FR" sz="1600" dirty="0"/>
+              <a:t>📌 </a:t>
+            </a:r>
+            <a:r>
+              <a:rPr lang="fr-FR" sz="1600" i="1" dirty="0"/>
+              <a:t>Exercice :</a:t>
+            </a:r>
+            <a:r>
+              <a:rPr lang="fr-FR" sz="1600" dirty="0"/>
+              <a:t> On donne aux élèves un croquis incomplet (vue en plan, élévation ou perspective) et ils doivent :</a:t>
+            </a:r>
+          </a:p>
+          <a:p>
+            <a:r>
+              <a:rPr lang="fr-FR" sz="1600" dirty="0"/>
+              <a:t>Compléter les vues manquantes.</a:t>
+            </a:r>
+          </a:p>
+          <a:p>
+            <a:endParaRPr lang="fr-FR" sz="1600" dirty="0"/>
+          </a:p>
+          <a:p>
+            <a:r>
+              <a:rPr lang="fr-FR" sz="1600" b="1" dirty="0"/>
+              <a:t>Étude de Cas Matérielle</a:t>
+            </a:r>
+          </a:p>
+          <a:p>
+            <a:r>
+              <a:rPr lang="fr-FR" sz="1600" dirty="0"/>
+              <a:t>📌 </a:t>
+            </a:r>
+            <a:r>
+              <a:rPr lang="fr-FR" sz="1600" i="1" dirty="0"/>
+              <a:t>Exercice :</a:t>
+            </a:r>
+            <a:r>
+              <a:rPr lang="fr-FR" sz="1600" dirty="0"/>
+              <a:t> Observer un morceau de bois réel (ou une photo) et répondre :</a:t>
+            </a:r>
+          </a:p>
+          <a:p>
+            <a:r>
+              <a:rPr lang="fr-FR" sz="1600" dirty="0"/>
+              <a:t>Quel serait son usage optimal en menuiserie ?</a:t>
+            </a:r>
+          </a:p>
+          <a:p>
+            <a:endParaRPr lang="fr-FR" sz="1600" dirty="0"/>
+          </a:p>
+          <a:p>
+            <a:r>
+              <a:rPr lang="fr-FR" sz="1600" b="1" dirty="0"/>
+              <a:t>Recherche de Solutions d’Assemblage</a:t>
+            </a:r>
+          </a:p>
+          <a:p>
+            <a:r>
+              <a:rPr lang="fr-FR" sz="1600" dirty="0"/>
+              <a:t>📌 </a:t>
+            </a:r>
+            <a:r>
+              <a:rPr lang="fr-FR" sz="1600" i="1" dirty="0"/>
+              <a:t>Exercice :</a:t>
+            </a:r>
+            <a:r>
+              <a:rPr lang="fr-FR" sz="1600" dirty="0"/>
+              <a:t> Pour un meuble donné (ex. une étagère murale ou un tiroir), demander :</a:t>
+            </a:r>
+          </a:p>
+          <a:p>
+            <a:r>
+              <a:rPr lang="fr-FR" sz="1600" dirty="0"/>
+              <a:t>Quelles sont les différentes façons de réaliser l’assemblage ?</a:t>
+            </a:r>
+          </a:p>
+          <a:p>
+            <a:r>
+              <a:rPr lang="fr-FR" sz="1600" dirty="0"/>
+              <a:t>Quels sont les avantages et inconvénients de chaque méthode ?</a:t>
+            </a:r>
+          </a:p>
+          <a:p>
+            <a:r>
+              <a:rPr lang="fr-FR" sz="1600" dirty="0"/>
+              <a:t>Quel choix ferait-il et pourquoi ?</a:t>
+            </a:r>
+          </a:p>
+          <a:p>
+            <a:endParaRPr lang="fr-FR" sz="1600" dirty="0"/>
+          </a:p>
+          <a:p>
+            <a:r>
+              <a:rPr lang="fr-FR" sz="1600" b="1" dirty="0"/>
+              <a:t>Recherches Historiques et Techniques</a:t>
+            </a:r>
+          </a:p>
+          <a:p>
+            <a:r>
+              <a:rPr lang="fr-FR" sz="1600" dirty="0"/>
+              <a:t>📌 </a:t>
+            </a:r>
+            <a:r>
+              <a:rPr lang="fr-FR" sz="1600" i="1" dirty="0"/>
+              <a:t>Exercice :</a:t>
+            </a:r>
+            <a:r>
+              <a:rPr lang="fr-FR" sz="1600" dirty="0"/>
+              <a:t> Proposer une recherche sur des techniques traditionnelles (ex. tenon-mortaise japonais, menuiserie sans vis ni colle, mobilier régional).</a:t>
+            </a:r>
+          </a:p>
+          <a:p>
+            <a:r>
+              <a:rPr lang="fr-FR" sz="1600" dirty="0"/>
+              <a:t>D’où vient cette technique ?</a:t>
+            </a:r>
+          </a:p>
+          <a:p>
+            <a:r>
+              <a:rPr lang="fr-FR" sz="1600" dirty="0"/>
+              <a:t>Pourquoi était-elle utilisée ?</a:t>
+            </a:r>
+          </a:p>
+          <a:p>
+            <a:r>
+              <a:rPr lang="fr-FR" sz="1600" dirty="0"/>
+              <a:t>Est-elle encore pertinente aujourd’hui ?</a:t>
+            </a:r>
+          </a:p>
+        </p:txBody>
+      </p:sp>
+      <p:sp>
+        <p:nvSpPr>
+          <p:cNvPr id="19" name="Rectangle 18"/>
+          <p:cNvSpPr/>
+          <p:nvPr/>
+        </p:nvSpPr>
+        <p:spPr>
+          <a:xfrm>
+            <a:off x="11213630" y="1390649"/>
+            <a:ext cx="3726044" cy="9229231"/>
+          </a:xfrm>
+          <a:prstGeom prst="rect">
+            <a:avLst/>
+          </a:prstGeom>
+          <a:ln w="57150"/>
+        </p:spPr>
+        <p:style>
+          <a:lnRef idx="2">
+            <a:schemeClr val="dk1"/>
+          </a:lnRef>
+          <a:fillRef idx="1">
+            <a:schemeClr val="lt1"/>
+          </a:fillRef>
+          <a:effectRef idx="0">
+            <a:schemeClr val="dk1"/>
+          </a:effectRef>
+          <a:fontRef idx="minor">
+            <a:schemeClr val="dk1"/>
+          </a:fontRef>
+        </p:style>
+        <p:txBody>
+          <a:bodyPr rtlCol="0" anchor="ctr"/>
+          <a:lstStyle/>
+          <a:p>
+            <a:r>
+              <a:rPr lang="fr-FR" b="1" dirty="0"/>
+              <a:t>Problèmes de calcul et de mesure</a:t>
+            </a:r>
+          </a:p>
+          <a:p>
+            <a:r>
+              <a:rPr lang="fr-FR" b="1" dirty="0"/>
+              <a:t>Exercice</a:t>
+            </a:r>
+            <a:r>
+              <a:rPr lang="fr-FR" dirty="0"/>
+              <a:t> : Proposer des problèmes de calcul liés à la menuiserie, comme la conversion d'unités (pouces en centimètres), le calcul de la quantité de bois nécessaire pour un projet, ou l'estimation des pertes de matériau.</a:t>
+            </a:r>
+          </a:p>
+          <a:p>
+            <a:endParaRPr lang="fr-FR" dirty="0"/>
+          </a:p>
+          <a:p>
+            <a:r>
+              <a:rPr lang="fr-FR" b="1" dirty="0"/>
+              <a:t>Réflexion sur l'ergonomie et la conception</a:t>
+            </a:r>
+          </a:p>
+          <a:p>
+            <a:r>
+              <a:rPr lang="fr-FR" b="1" dirty="0"/>
+              <a:t>Exercice</a:t>
+            </a:r>
+            <a:r>
+              <a:rPr lang="fr-FR" dirty="0"/>
+              <a:t> : Demander aux élèves de concevoir un plan de travail ou un établi en tenant compte de l'ergonomie et de l'efficacité des mouvements.</a:t>
+            </a:r>
+          </a:p>
+          <a:p>
+            <a:endParaRPr lang="fr-FR" dirty="0"/>
+          </a:p>
+          <a:p>
+            <a:r>
+              <a:rPr lang="fr-FR" b="1" dirty="0"/>
+              <a:t>Identifier les outils de menuiserie</a:t>
+            </a:r>
+            <a:endParaRPr lang="fr-FR" dirty="0"/>
+          </a:p>
+          <a:p>
+            <a:r>
+              <a:rPr lang="fr-FR" b="1" dirty="0"/>
+              <a:t>Description</a:t>
+            </a:r>
+            <a:r>
+              <a:rPr lang="fr-FR" dirty="0"/>
+              <a:t>: Proposez une liste d'outils de base (scie, rabot, ciseau à bois, etc.) et demandez aux élèves de décrire leur fonction et leur utilisation spécifique.</a:t>
+            </a:r>
+          </a:p>
+          <a:p>
+            <a:endParaRPr lang="fr-FR" dirty="0"/>
+          </a:p>
+          <a:p>
+            <a:endParaRPr lang="fr-FR" dirty="0"/>
+          </a:p>
+          <a:p>
+            <a:endParaRPr lang="fr-FR" dirty="0"/>
+          </a:p>
+        </p:txBody>
+      </p:sp>
+      <p:sp>
+        <p:nvSpPr>
+          <p:cNvPr id="24" name="Rectangle 23"/>
+          <p:cNvSpPr/>
+          <p:nvPr/>
+        </p:nvSpPr>
+        <p:spPr>
+          <a:xfrm>
+            <a:off x="11213630" y="179881"/>
+            <a:ext cx="3726045" cy="1067028"/>
+          </a:xfrm>
+          <a:prstGeom prst="rect">
+            <a:avLst/>
+          </a:prstGeom>
+          <a:ln w="57150"/>
+        </p:spPr>
+        <p:style>
+          <a:lnRef idx="2">
+            <a:schemeClr val="dk1"/>
+          </a:lnRef>
+          <a:fillRef idx="1">
+            <a:schemeClr val="lt1"/>
+          </a:fillRef>
+          <a:effectRef idx="0">
+            <a:schemeClr val="dk1"/>
+          </a:effectRef>
+          <a:fontRef idx="minor">
+            <a:schemeClr val="dk1"/>
+          </a:fontRef>
+        </p:style>
+        <p:txBody>
+          <a:bodyPr rtlCol="0" anchor="ctr"/>
+          <a:lstStyle/>
+          <a:p>
+            <a:pPr algn="ctr"/>
+            <a:r>
+              <a:rPr lang="fr-FR" b="1" spc="300" dirty="0">
+                <a:latin typeface="Comic Sans MS" panose="030F0702030302020204" pitchFamily="66" charset="0"/>
+                <a:ea typeface="JetBrains Mono" panose="02000009000000000000" pitchFamily="49" charset="0"/>
+                <a:cs typeface="JetBrains Mono" panose="02000009000000000000" pitchFamily="49" charset="0"/>
+              </a:rPr>
+              <a:t>M. Du Chevreuil</a:t>
+            </a:r>
+          </a:p>
+          <a:p>
+            <a:pPr algn="ctr"/>
+            <a:r>
+              <a:rPr lang="fr-FR" sz="1600" spc="300" dirty="0">
+                <a:latin typeface="Comic Sans MS" panose="030F0702030302020204" pitchFamily="66" charset="0"/>
+                <a:ea typeface="JetBrains Mono" panose="02000009000000000000" pitchFamily="49" charset="0"/>
+                <a:cs typeface="JetBrains Mono" panose="02000009000000000000" pitchFamily="49" charset="0"/>
+              </a:rPr>
+              <a:t>Professeur en génie </a:t>
+            </a:r>
+          </a:p>
+          <a:p>
+            <a:pPr algn="ctr"/>
+            <a:r>
+              <a:rPr lang="fr-FR" sz="1600" spc="300" dirty="0">
+                <a:latin typeface="Comic Sans MS" panose="030F0702030302020204" pitchFamily="66" charset="0"/>
+                <a:ea typeface="JetBrains Mono" panose="02000009000000000000" pitchFamily="49" charset="0"/>
+                <a:cs typeface="JetBrains Mono" panose="02000009000000000000" pitchFamily="49" charset="0"/>
+              </a:rPr>
+              <a:t>industriel bois</a:t>
+            </a:r>
+          </a:p>
+        </p:txBody>
+      </p:sp>
+      <p:sp>
+        <p:nvSpPr>
+          <p:cNvPr id="25" name="Rectangle 24"/>
+          <p:cNvSpPr/>
+          <p:nvPr/>
+        </p:nvSpPr>
+        <p:spPr>
+          <a:xfrm>
+            <a:off x="142517" y="179881"/>
+            <a:ext cx="3763201" cy="1067028"/>
+          </a:xfrm>
+          <a:prstGeom prst="rect">
+            <a:avLst/>
+          </a:prstGeom>
+          <a:ln w="57150"/>
+        </p:spPr>
+        <p:style>
+          <a:lnRef idx="2">
+            <a:schemeClr val="dk1"/>
+          </a:lnRef>
+          <a:fillRef idx="1">
+            <a:schemeClr val="lt1"/>
+          </a:fillRef>
+          <a:effectRef idx="0">
+            <a:schemeClr val="dk1"/>
+          </a:effectRef>
+          <a:fontRef idx="minor">
+            <a:schemeClr val="dk1"/>
+          </a:fontRef>
+        </p:style>
+        <p:txBody>
+          <a:bodyPr rtlCol="0" anchor="ctr"/>
+          <a:lstStyle/>
+          <a:p>
+            <a:pPr algn="ctr"/>
+            <a:r>
+              <a:rPr lang="fr-FR" b="1" dirty="0">
+                <a:latin typeface="Comic Sans MS" panose="030F0702030302020204" pitchFamily="66" charset="0"/>
+                <a:ea typeface="JetBrains Mono" panose="02000009000000000000" pitchFamily="49" charset="0"/>
+                <a:cs typeface="JetBrains Mono" panose="02000009000000000000" pitchFamily="49" charset="0"/>
+              </a:rPr>
+              <a:t>Sujet : L’I.A contre l’E.H</a:t>
+            </a:r>
+          </a:p>
+        </p:txBody>
+      </p:sp>
+      <p:sp>
+        <p:nvSpPr>
+          <p:cNvPr id="20" name="Rounded Rectangle 19"/>
+          <p:cNvSpPr/>
+          <p:nvPr/>
+        </p:nvSpPr>
+        <p:spPr>
+          <a:xfrm>
+            <a:off x="14127675" y="10044399"/>
+            <a:ext cx="895962" cy="685971"/>
+          </a:xfrm>
+          <a:prstGeom prst="roundRect">
+            <a:avLst/>
+          </a:prstGeom>
+          <a:ln w="57150">
+            <a:solidFill>
+              <a:schemeClr val="tx1">
+                <a:lumMod val="50000"/>
+                <a:lumOff val="50000"/>
+              </a:schemeClr>
+            </a:solidFill>
+          </a:ln>
+        </p:spPr>
+        <p:style>
+          <a:lnRef idx="2">
+            <a:schemeClr val="dk1"/>
+          </a:lnRef>
+          <a:fillRef idx="1">
+            <a:schemeClr val="lt1"/>
+          </a:fillRef>
+          <a:effectRef idx="0">
+            <a:schemeClr val="dk1"/>
+          </a:effectRef>
+          <a:fontRef idx="minor">
+            <a:schemeClr val="dk1"/>
+          </a:fontRef>
+        </p:style>
+        <p:txBody>
+          <a:bodyPr rtlCol="0" anchor="ctr"/>
+          <a:lstStyle/>
+          <a:p>
+            <a:pPr algn="ctr"/>
+            <a:r>
+              <a:rPr lang="fr-FR" sz="2000" dirty="0">
+                <a:solidFill>
+                  <a:schemeClr val="tx1"/>
+                </a:solidFill>
+                <a:latin typeface="Comic Sans MS" panose="030F0702030302020204" pitchFamily="66" charset="0"/>
+              </a:rPr>
               <a:t>4/4</a:t>
             </a:r>
           </a:p>
@@ -6848,7 +6944,7 @@
 </p:sld>
 </file>
 
-<file path=ppt/slides/slide15.xml><?xml version="1.0" encoding="utf-8"?>
+<file path=ppt/slides/slide16.xml><?xml version="1.0" encoding="utf-8"?>
 <p:sld xmlns:a="http://schemas.openxmlformats.org/drawingml/2006/main" xmlns:r="http://schemas.openxmlformats.org/officeDocument/2006/relationships" xmlns:p="http://schemas.openxmlformats.org/presentationml/2006/main">
   <p:cSld>
     <p:spTree>
@@ -12523,6 +12619,1762 @@
         </p:nvSpPr>
         <p:spPr>
           <a:xfrm>
+            <a:off x="4039557" y="179882"/>
+            <a:ext cx="7040235" cy="3934919"/>
+          </a:xfrm>
+          <a:prstGeom prst="rect">
+            <a:avLst/>
+          </a:prstGeom>
+          <a:ln w="57150"/>
+        </p:spPr>
+        <p:style>
+          <a:lnRef idx="2">
+            <a:schemeClr val="dk1"/>
+          </a:lnRef>
+          <a:fillRef idx="1">
+            <a:schemeClr val="lt1"/>
+          </a:fillRef>
+          <a:effectRef idx="0">
+            <a:schemeClr val="dk1"/>
+          </a:effectRef>
+          <a:fontRef idx="minor">
+            <a:schemeClr val="dk1"/>
+          </a:fontRef>
+        </p:style>
+        <p:txBody>
+          <a:bodyPr rtlCol="0" anchor="ctr"/>
+          <a:lstStyle/>
+          <a:p>
+            <a:pPr marL="72000"/>
+            <a:endParaRPr lang="fr-FR" sz="1600" b="1" dirty="0">
+              <a:cs typeface="Arial" panose="020B0604020202020204" pitchFamily="34" charset="0"/>
+            </a:endParaRPr>
+          </a:p>
+          <a:p>
+            <a:pPr marL="72000" algn="ctr"/>
+            <a:r>
+              <a:rPr lang="fr-FR" sz="1600" b="1" dirty="0">
+                <a:cs typeface="Arial" panose="020B0604020202020204" pitchFamily="34" charset="0"/>
+              </a:rPr>
+              <a:t>Informations</a:t>
+            </a:r>
+          </a:p>
+          <a:p>
+            <a:pPr marL="72000"/>
+            <a:endParaRPr lang="fr-FR" sz="1600" b="1" dirty="0">
+              <a:cs typeface="Arial" panose="020B0604020202020204" pitchFamily="34" charset="0"/>
+            </a:endParaRPr>
+          </a:p>
+          <a:p>
+            <a:pPr marL="72000"/>
+            <a:r>
+              <a:rPr lang="fr-FR" sz="1600" b="1" dirty="0">
+                <a:cs typeface="Arial" panose="020B0604020202020204" pitchFamily="34" charset="0"/>
+              </a:rPr>
+              <a:t>Les repères : </a:t>
+            </a:r>
+            <a:r>
+              <a:rPr lang="fr-FR" sz="1600" dirty="0">
+                <a:cs typeface="Arial" panose="020B0604020202020204" pitchFamily="34" charset="0"/>
+              </a:rPr>
+              <a:t>100, 200, 300… à chaque éléments différents</a:t>
+            </a:r>
+          </a:p>
+          <a:p>
+            <a:pPr marL="72000"/>
+            <a:endParaRPr lang="fr-FR" sz="1600" dirty="0">
+              <a:cs typeface="Arial" panose="020B0604020202020204" pitchFamily="34" charset="0"/>
+            </a:endParaRPr>
+          </a:p>
+          <a:p>
+            <a:pPr marL="72000"/>
+            <a:r>
+              <a:rPr lang="fr-FR" sz="1600" b="1" dirty="0">
+                <a:cs typeface="Arial" panose="020B0604020202020204" pitchFamily="34" charset="0"/>
+              </a:rPr>
+              <a:t>La désignation : </a:t>
+            </a:r>
+            <a:r>
+              <a:rPr lang="fr-FR" sz="1600" dirty="0">
+                <a:cs typeface="Arial" panose="020B0604020202020204" pitchFamily="34" charset="0"/>
+              </a:rPr>
+              <a:t>Montants, montant intermédiaire, traverses, traverse intermédiaire, séparateurs (l’ensemble des éléments de l’ouvrage)</a:t>
+            </a:r>
+          </a:p>
+          <a:p>
+            <a:pPr marL="72000"/>
+            <a:endParaRPr lang="fr-FR" sz="1600" dirty="0">
+              <a:cs typeface="Arial" panose="020B0604020202020204" pitchFamily="34" charset="0"/>
+            </a:endParaRPr>
+          </a:p>
+          <a:p>
+            <a:pPr marL="72000"/>
+            <a:r>
+              <a:rPr lang="fr-FR" sz="1600" b="1" dirty="0">
+                <a:cs typeface="Arial" panose="020B0604020202020204" pitchFamily="34" charset="0"/>
+              </a:rPr>
+              <a:t>La matière : </a:t>
+            </a:r>
+            <a:r>
+              <a:rPr lang="fr-FR" sz="1600" dirty="0">
+                <a:cs typeface="Arial" panose="020B0604020202020204" pitchFamily="34" charset="0"/>
+              </a:rPr>
+              <a:t>L’ouvrage se compose uniquement de contreplaqué</a:t>
+            </a:r>
+          </a:p>
+          <a:p>
+            <a:pPr marL="72000"/>
+            <a:endParaRPr lang="fr-FR" sz="1600" dirty="0">
+              <a:cs typeface="Arial" panose="020B0604020202020204" pitchFamily="34" charset="0"/>
+            </a:endParaRPr>
+          </a:p>
+          <a:p>
+            <a:pPr marL="72000"/>
+            <a:r>
+              <a:rPr lang="fr-FR" sz="1600" b="1" dirty="0">
+                <a:cs typeface="Arial" panose="020B0604020202020204" pitchFamily="34" charset="0"/>
+              </a:rPr>
+              <a:t>Les dimensions finies : </a:t>
+            </a:r>
+            <a:r>
+              <a:rPr lang="fr-FR" sz="1600" dirty="0">
+                <a:cs typeface="Arial" panose="020B0604020202020204" pitchFamily="34" charset="0"/>
+              </a:rPr>
+              <a:t>Celles indiquées sur le plan</a:t>
+            </a:r>
+          </a:p>
+          <a:p>
+            <a:pPr marL="72000"/>
+            <a:endParaRPr lang="fr-FR" sz="1600" dirty="0">
+              <a:cs typeface="Arial" panose="020B0604020202020204" pitchFamily="34" charset="0"/>
+            </a:endParaRPr>
+          </a:p>
+          <a:p>
+            <a:pPr marL="72000"/>
+            <a:r>
+              <a:rPr lang="fr-FR" sz="1600" b="1" dirty="0">
+                <a:cs typeface="Arial" panose="020B0604020202020204" pitchFamily="34" charset="0"/>
+              </a:rPr>
+              <a:t>Les dimensions majorées : </a:t>
+            </a:r>
+            <a:r>
+              <a:rPr lang="fr-FR" sz="1600" dirty="0">
+                <a:cs typeface="Arial" panose="020B0604020202020204" pitchFamily="34" charset="0"/>
+              </a:rPr>
+              <a:t>Les panneaux ne nécessites pas de passages à la raboteuse, ils n’ont pas besoin d’être équarri</a:t>
+            </a:r>
+          </a:p>
+        </p:txBody>
+      </p:sp>
+      <p:sp>
+        <p:nvSpPr>
+          <p:cNvPr id="18" name="Rectangle 17"/>
+          <p:cNvSpPr/>
+          <p:nvPr/>
+        </p:nvSpPr>
+        <p:spPr>
+          <a:xfrm>
+            <a:off x="179676" y="1398671"/>
+            <a:ext cx="3763202" cy="2716130"/>
+          </a:xfrm>
+          <a:prstGeom prst="rect">
+            <a:avLst/>
+          </a:prstGeom>
+          <a:ln w="57150"/>
+        </p:spPr>
+        <p:style>
+          <a:lnRef idx="2">
+            <a:schemeClr val="dk1"/>
+          </a:lnRef>
+          <a:fillRef idx="1">
+            <a:schemeClr val="lt1"/>
+          </a:fillRef>
+          <a:effectRef idx="0">
+            <a:schemeClr val="dk1"/>
+          </a:effectRef>
+          <a:fontRef idx="minor">
+            <a:schemeClr val="dk1"/>
+          </a:fontRef>
+        </p:style>
+        <p:txBody>
+          <a:bodyPr rtlCol="0" anchor="ctr"/>
+          <a:lstStyle/>
+          <a:p>
+            <a:pPr marL="72000" algn="ctr"/>
+            <a:endParaRPr lang="fr-FR" sz="1600" b="1" dirty="0">
+              <a:cs typeface="Arial" panose="020B0604020202020204" pitchFamily="34" charset="0"/>
+            </a:endParaRPr>
+          </a:p>
+          <a:p>
+            <a:pPr marL="72000" algn="ctr"/>
+            <a:r>
+              <a:rPr lang="fr-FR" b="1" dirty="0">
+                <a:cs typeface="Arial" panose="020B0604020202020204" pitchFamily="34" charset="0"/>
+              </a:rPr>
+              <a:t> Remplir la feuille de débit </a:t>
+            </a:r>
+          </a:p>
+          <a:p>
+            <a:pPr marL="72000" algn="ctr"/>
+            <a:endParaRPr lang="fr-FR" sz="1600" b="1" dirty="0">
+              <a:cs typeface="Arial" panose="020B0604020202020204" pitchFamily="34" charset="0"/>
+            </a:endParaRPr>
+          </a:p>
+          <a:p>
+            <a:pPr marL="72000"/>
+            <a:r>
+              <a:rPr lang="fr-FR" sz="1600" dirty="0">
+                <a:cs typeface="Arial" panose="020B0604020202020204" pitchFamily="34" charset="0"/>
+              </a:rPr>
+              <a:t>A l’aide du plan, remplir cette feuille de débit.</a:t>
+            </a:r>
+          </a:p>
+          <a:p>
+            <a:pPr marL="72000"/>
+            <a:endParaRPr lang="fr-FR" sz="1600" dirty="0">
+              <a:cs typeface="Arial" panose="020B0604020202020204" pitchFamily="34" charset="0"/>
+            </a:endParaRPr>
+          </a:p>
+          <a:p>
+            <a:pPr marL="72000"/>
+            <a:r>
+              <a:rPr lang="fr-FR" sz="1600" dirty="0">
+                <a:cs typeface="Arial" panose="020B0604020202020204" pitchFamily="34" charset="0"/>
+              </a:rPr>
+              <a:t>Des éléments du tableau sont déjà prérempli </a:t>
+            </a:r>
+          </a:p>
+          <a:p>
+            <a:pPr marL="72000"/>
+            <a:endParaRPr lang="fr-FR" sz="1600" dirty="0">
+              <a:cs typeface="Arial" panose="020B0604020202020204" pitchFamily="34" charset="0"/>
+            </a:endParaRPr>
+          </a:p>
+        </p:txBody>
+      </p:sp>
+      <p:sp>
+        <p:nvSpPr>
+          <p:cNvPr id="19" name="Rectangle 18"/>
+          <p:cNvSpPr/>
+          <p:nvPr/>
+        </p:nvSpPr>
+        <p:spPr>
+          <a:xfrm>
+            <a:off x="11213630" y="1390648"/>
+            <a:ext cx="3726044" cy="2724153"/>
+          </a:xfrm>
+          <a:prstGeom prst="rect">
+            <a:avLst/>
+          </a:prstGeom>
+          <a:ln w="57150"/>
+        </p:spPr>
+        <p:style>
+          <a:lnRef idx="2">
+            <a:schemeClr val="dk1"/>
+          </a:lnRef>
+          <a:fillRef idx="1">
+            <a:schemeClr val="lt1"/>
+          </a:fillRef>
+          <a:effectRef idx="0">
+            <a:schemeClr val="dk1"/>
+          </a:effectRef>
+          <a:fontRef idx="minor">
+            <a:schemeClr val="dk1"/>
+          </a:fontRef>
+        </p:style>
+        <p:txBody>
+          <a:bodyPr rtlCol="0" anchor="ctr"/>
+          <a:lstStyle/>
+          <a:p>
+            <a:pPr marL="72000">
+              <a:lnSpc>
+                <a:spcPct val="200000"/>
+              </a:lnSpc>
+            </a:pPr>
+            <a:r>
+              <a:rPr lang="fr-FR" sz="1600" dirty="0">
+                <a:cs typeface="Arial" panose="020B0604020202020204" pitchFamily="34" charset="0"/>
+              </a:rPr>
+              <a:t>Nom : 			……………………… </a:t>
+            </a:r>
+          </a:p>
+          <a:p>
+            <a:pPr marL="72000">
+              <a:lnSpc>
+                <a:spcPct val="200000"/>
+              </a:lnSpc>
+            </a:pPr>
+            <a:r>
+              <a:rPr lang="fr-FR" sz="1600" dirty="0">
+                <a:cs typeface="Arial" panose="020B0604020202020204" pitchFamily="34" charset="0"/>
+              </a:rPr>
+              <a:t>Prénom : 		………………………</a:t>
+            </a:r>
+          </a:p>
+          <a:p>
+            <a:pPr marL="72000">
+              <a:lnSpc>
+                <a:spcPct val="200000"/>
+              </a:lnSpc>
+            </a:pPr>
+            <a:r>
+              <a:rPr lang="fr-FR" sz="1600" dirty="0">
+                <a:cs typeface="Arial" panose="020B0604020202020204" pitchFamily="34" charset="0"/>
+              </a:rPr>
+              <a:t>Classe : 			………………………</a:t>
+            </a:r>
+          </a:p>
+          <a:p>
+            <a:pPr marL="72000">
+              <a:lnSpc>
+                <a:spcPct val="200000"/>
+              </a:lnSpc>
+            </a:pPr>
+            <a:r>
+              <a:rPr lang="fr-FR" sz="1600" dirty="0">
+                <a:cs typeface="Arial" panose="020B0604020202020204" pitchFamily="34" charset="0"/>
+              </a:rPr>
+              <a:t>Note : 			…………………../20</a:t>
+            </a:r>
+          </a:p>
+          <a:p>
+            <a:pPr>
+              <a:lnSpc>
+                <a:spcPct val="200000"/>
+              </a:lnSpc>
+            </a:pPr>
+            <a:endParaRPr lang="fr-FR" sz="1600" dirty="0">
+              <a:cs typeface="Arial" panose="020B0604020202020204" pitchFamily="34" charset="0"/>
+            </a:endParaRPr>
+          </a:p>
+        </p:txBody>
+      </p:sp>
+      <p:sp>
+        <p:nvSpPr>
+          <p:cNvPr id="24" name="Rectangle 23"/>
+          <p:cNvSpPr/>
+          <p:nvPr/>
+        </p:nvSpPr>
+        <p:spPr>
+          <a:xfrm>
+            <a:off x="11213630" y="179881"/>
+            <a:ext cx="3726045" cy="1067028"/>
+          </a:xfrm>
+          <a:prstGeom prst="rect">
+            <a:avLst/>
+          </a:prstGeom>
+          <a:ln w="57150"/>
+        </p:spPr>
+        <p:style>
+          <a:lnRef idx="2">
+            <a:schemeClr val="dk1"/>
+          </a:lnRef>
+          <a:fillRef idx="1">
+            <a:schemeClr val="lt1"/>
+          </a:fillRef>
+          <a:effectRef idx="0">
+            <a:schemeClr val="dk1"/>
+          </a:effectRef>
+          <a:fontRef idx="minor">
+            <a:schemeClr val="dk1"/>
+          </a:fontRef>
+        </p:style>
+        <p:txBody>
+          <a:bodyPr rtlCol="0" anchor="ctr"/>
+          <a:lstStyle/>
+          <a:p>
+            <a:pPr algn="ctr"/>
+            <a:r>
+              <a:rPr lang="fr-FR" b="1" spc="300" dirty="0">
+                <a:latin typeface="Comic Sans MS" panose="030F0702030302020204" pitchFamily="66" charset="0"/>
+                <a:ea typeface="JetBrains Mono" panose="02000009000000000000" pitchFamily="49" charset="0"/>
+                <a:cs typeface="JetBrains Mono" panose="02000009000000000000" pitchFamily="49" charset="0"/>
+              </a:rPr>
+              <a:t>M. Du Chevreuil</a:t>
+            </a:r>
+          </a:p>
+          <a:p>
+            <a:pPr algn="ctr"/>
+            <a:r>
+              <a:rPr lang="fr-FR" sz="1600" spc="300" dirty="0">
+                <a:latin typeface="Comic Sans MS" panose="030F0702030302020204" pitchFamily="66" charset="0"/>
+                <a:ea typeface="JetBrains Mono" panose="02000009000000000000" pitchFamily="49" charset="0"/>
+                <a:cs typeface="JetBrains Mono" panose="02000009000000000000" pitchFamily="49" charset="0"/>
+              </a:rPr>
+              <a:t>Professeur en génie </a:t>
+            </a:r>
+          </a:p>
+          <a:p>
+            <a:pPr algn="ctr"/>
+            <a:r>
+              <a:rPr lang="fr-FR" sz="1600" spc="300" dirty="0">
+                <a:latin typeface="Comic Sans MS" panose="030F0702030302020204" pitchFamily="66" charset="0"/>
+                <a:ea typeface="JetBrains Mono" panose="02000009000000000000" pitchFamily="49" charset="0"/>
+                <a:cs typeface="JetBrains Mono" panose="02000009000000000000" pitchFamily="49" charset="0"/>
+              </a:rPr>
+              <a:t>industriel bois</a:t>
+            </a:r>
+          </a:p>
+        </p:txBody>
+      </p:sp>
+      <p:sp>
+        <p:nvSpPr>
+          <p:cNvPr id="8" name="Rectangle 7"/>
+          <p:cNvSpPr/>
+          <p:nvPr/>
+        </p:nvSpPr>
+        <p:spPr>
+          <a:xfrm>
+            <a:off x="142517" y="179881"/>
+            <a:ext cx="3763201" cy="1067028"/>
+          </a:xfrm>
+          <a:prstGeom prst="rect">
+            <a:avLst/>
+          </a:prstGeom>
+          <a:ln w="57150"/>
+        </p:spPr>
+        <p:style>
+          <a:lnRef idx="2">
+            <a:schemeClr val="dk1"/>
+          </a:lnRef>
+          <a:fillRef idx="1">
+            <a:schemeClr val="lt1"/>
+          </a:fillRef>
+          <a:effectRef idx="0">
+            <a:schemeClr val="dk1"/>
+          </a:effectRef>
+          <a:fontRef idx="minor">
+            <a:schemeClr val="dk1"/>
+          </a:fontRef>
+        </p:style>
+        <p:txBody>
+          <a:bodyPr rtlCol="0" anchor="ctr"/>
+          <a:lstStyle/>
+          <a:p>
+            <a:pPr algn="ctr"/>
+            <a:r>
+              <a:rPr lang="fr-FR" b="1" dirty="0">
+                <a:latin typeface="Comic Sans MS" panose="030F0702030302020204" pitchFamily="66" charset="0"/>
+                <a:ea typeface="JetBrains Mono" panose="02000009000000000000" pitchFamily="49" charset="0"/>
+                <a:cs typeface="JetBrains Mono" panose="02000009000000000000" pitchFamily="49" charset="0"/>
+              </a:rPr>
+              <a:t>Correction : La feuille de débit</a:t>
+            </a:r>
+          </a:p>
+        </p:txBody>
+      </p:sp>
+      <p:graphicFrame>
+        <p:nvGraphicFramePr>
+          <p:cNvPr id="11" name="Table 10">
+            <a:extLst>
+              <a:ext uri="{FF2B5EF4-FFF2-40B4-BE49-F238E27FC236}">
+                <a16:creationId xmlns:a16="http://schemas.microsoft.com/office/drawing/2014/main" id="{6895ADAD-F51E-42FB-AA98-E082422EFEAD}"/>
+              </a:ext>
+            </a:extLst>
+          </p:cNvPr>
+          <p:cNvGraphicFramePr>
+            <a:graphicFrameLocks noGrp="1"/>
+          </p:cNvGraphicFramePr>
+          <p:nvPr>
+            <p:extLst>
+              <p:ext uri="{D42A27DB-BD31-4B8C-83A1-F6EECF244321}">
+                <p14:modId xmlns:p14="http://schemas.microsoft.com/office/powerpoint/2010/main" val="3882677119"/>
+              </p:ext>
+            </p:extLst>
+          </p:nvPr>
+        </p:nvGraphicFramePr>
+        <p:xfrm>
+          <a:off x="179684" y="4266563"/>
+          <a:ext cx="14759990" cy="6353321"/>
+        </p:xfrm>
+        <a:graphic>
+          <a:graphicData uri="http://schemas.openxmlformats.org/drawingml/2006/table">
+            <a:tbl>
+              <a:tblPr firstRow="1" bandRow="1">
+                <a:effectLst/>
+                <a:tableStyleId>{5940675A-B579-460E-94D1-54222C63F5DA}</a:tableStyleId>
+              </a:tblPr>
+              <a:tblGrid>
+                <a:gridCol w="2108570">
+                  <a:extLst>
+                    <a:ext uri="{9D8B030D-6E8A-4147-A177-3AD203B41FA5}">
+                      <a16:colId xmlns:a16="http://schemas.microsoft.com/office/drawing/2014/main" val="187150873"/>
+                    </a:ext>
+                  </a:extLst>
+                </a:gridCol>
+                <a:gridCol w="2108570">
+                  <a:extLst>
+                    <a:ext uri="{9D8B030D-6E8A-4147-A177-3AD203B41FA5}">
+                      <a16:colId xmlns:a16="http://schemas.microsoft.com/office/drawing/2014/main" val="1209721339"/>
+                    </a:ext>
+                  </a:extLst>
+                </a:gridCol>
+                <a:gridCol w="2108570">
+                  <a:extLst>
+                    <a:ext uri="{9D8B030D-6E8A-4147-A177-3AD203B41FA5}">
+                      <a16:colId xmlns:a16="http://schemas.microsoft.com/office/drawing/2014/main" val="162324528"/>
+                    </a:ext>
+                  </a:extLst>
+                </a:gridCol>
+                <a:gridCol w="2108570">
+                  <a:extLst>
+                    <a:ext uri="{9D8B030D-6E8A-4147-A177-3AD203B41FA5}">
+                      <a16:colId xmlns:a16="http://schemas.microsoft.com/office/drawing/2014/main" val="903695711"/>
+                    </a:ext>
+                  </a:extLst>
+                </a:gridCol>
+                <a:gridCol w="2108570">
+                  <a:extLst>
+                    <a:ext uri="{9D8B030D-6E8A-4147-A177-3AD203B41FA5}">
+                      <a16:colId xmlns:a16="http://schemas.microsoft.com/office/drawing/2014/main" val="401433737"/>
+                    </a:ext>
+                  </a:extLst>
+                </a:gridCol>
+                <a:gridCol w="2108570">
+                  <a:extLst>
+                    <a:ext uri="{9D8B030D-6E8A-4147-A177-3AD203B41FA5}">
+                      <a16:colId xmlns:a16="http://schemas.microsoft.com/office/drawing/2014/main" val="1616956812"/>
+                    </a:ext>
+                  </a:extLst>
+                </a:gridCol>
+                <a:gridCol w="2108570">
+                  <a:extLst>
+                    <a:ext uri="{9D8B030D-6E8A-4147-A177-3AD203B41FA5}">
+                      <a16:colId xmlns:a16="http://schemas.microsoft.com/office/drawing/2014/main" val="2884985826"/>
+                    </a:ext>
+                  </a:extLst>
+                </a:gridCol>
+              </a:tblGrid>
+              <a:tr h="1041761">
+                <a:tc rowSpan="2">
+                  <a:txBody>
+                    <a:bodyPr/>
+                    <a:lstStyle/>
+                    <a:p>
+                      <a:pPr algn="ctr"/>
+                      <a:r>
+                        <a:rPr lang="fr-FR" sz="1600" dirty="0"/>
+                        <a:t>Repère</a:t>
+                      </a:r>
+                    </a:p>
+                  </a:txBody>
+                  <a:tcPr marL="113395" marR="113395" marT="56698" marB="56698" anchor="ctr">
+                    <a:solidFill>
+                      <a:schemeClr val="bg2"/>
+                    </a:solidFill>
+                  </a:tcPr>
+                </a:tc>
+                <a:tc rowSpan="2">
+                  <a:txBody>
+                    <a:bodyPr/>
+                    <a:lstStyle/>
+                    <a:p>
+                      <a:pPr algn="ctr"/>
+                      <a:r>
+                        <a:rPr lang="fr-FR" sz="1600" dirty="0"/>
+                        <a:t>Désignation</a:t>
+                      </a:r>
+                    </a:p>
+                  </a:txBody>
+                  <a:tcPr marL="113395" marR="113395" marT="56698" marB="56698" anchor="ctr">
+                    <a:solidFill>
+                      <a:schemeClr val="bg2"/>
+                    </a:solidFill>
+                  </a:tcPr>
+                </a:tc>
+                <a:tc rowSpan="2">
+                  <a:txBody>
+                    <a:bodyPr/>
+                    <a:lstStyle/>
+                    <a:p>
+                      <a:pPr marL="0" marR="0" lvl="0" indent="0" algn="ctr" defTabSz="914400" rtl="0" eaLnBrk="1" fontAlgn="auto" latinLnBrk="0" hangingPunct="1">
+                        <a:lnSpc>
+                          <a:spcPct val="100000"/>
+                        </a:lnSpc>
+                        <a:spcBef>
+                          <a:spcPts val="0"/>
+                        </a:spcBef>
+                        <a:spcAft>
+                          <a:spcPts val="0"/>
+                        </a:spcAft>
+                        <a:buClrTx/>
+                        <a:buSzTx/>
+                        <a:buFontTx/>
+                        <a:buNone/>
+                        <a:tabLst/>
+                        <a:defRPr/>
+                      </a:pPr>
+                      <a:r>
+                        <a:rPr lang="fr-FR" sz="1600" dirty="0"/>
+                        <a:t>Quantité</a:t>
+                      </a:r>
+                    </a:p>
+                  </a:txBody>
+                  <a:tcPr marL="113395" marR="113395" marT="56698" marB="56698" anchor="ctr">
+                    <a:solidFill>
+                      <a:schemeClr val="bg2"/>
+                    </a:solidFill>
+                  </a:tcPr>
+                </a:tc>
+                <a:tc rowSpan="2">
+                  <a:txBody>
+                    <a:bodyPr/>
+                    <a:lstStyle/>
+                    <a:p>
+                      <a:pPr algn="ctr"/>
+                      <a:r>
+                        <a:rPr lang="fr-FR" sz="1600" dirty="0"/>
+                        <a:t>Matière</a:t>
+                      </a:r>
+                    </a:p>
+                    <a:p>
+                      <a:pPr algn="ctr"/>
+                      <a:endParaRPr lang="fr-FR" sz="1600" dirty="0"/>
+                    </a:p>
+                    <a:p>
+                      <a:pPr algn="ctr"/>
+                      <a:r>
+                        <a:rPr lang="fr-FR" sz="1600" dirty="0"/>
+                        <a:t>Ou essence</a:t>
+                      </a:r>
+                    </a:p>
+                  </a:txBody>
+                  <a:tcPr marL="113395" marR="113395" marT="56698" marB="56698" anchor="ctr">
+                    <a:solidFill>
+                      <a:schemeClr val="bg2"/>
+                    </a:solidFill>
+                  </a:tcPr>
+                </a:tc>
+                <a:tc gridSpan="3">
+                  <a:txBody>
+                    <a:bodyPr/>
+                    <a:lstStyle/>
+                    <a:p>
+                      <a:pPr algn="ctr"/>
+                      <a:r>
+                        <a:rPr lang="fr-FR" sz="1600" dirty="0"/>
+                        <a:t>Dimensions finies </a:t>
+                      </a:r>
+                    </a:p>
+                    <a:p>
+                      <a:pPr algn="ctr"/>
+                      <a:r>
+                        <a:rPr lang="fr-FR" sz="1600" dirty="0"/>
+                        <a:t>(Aux</a:t>
+                      </a:r>
+                      <a:r>
+                        <a:rPr lang="fr-FR" sz="1600" baseline="0" dirty="0"/>
+                        <a:t> cotes du plan)</a:t>
+                      </a:r>
+                      <a:endParaRPr lang="fr-FR" sz="1600" dirty="0"/>
+                    </a:p>
+                  </a:txBody>
+                  <a:tcPr marL="113395" marR="113395" marT="56698" marB="56698" anchor="ctr">
+                    <a:solidFill>
+                      <a:schemeClr val="bg2"/>
+                    </a:solidFill>
+                  </a:tcPr>
+                </a:tc>
+                <a:tc hMerge="1">
+                  <a:txBody>
+                    <a:bodyPr/>
+                    <a:lstStyle/>
+                    <a:p>
+                      <a:endParaRPr lang="fr-FR" dirty="0"/>
+                    </a:p>
+                  </a:txBody>
+                  <a:tcPr/>
+                </a:tc>
+                <a:tc hMerge="1">
+                  <a:txBody>
+                    <a:bodyPr/>
+                    <a:lstStyle/>
+                    <a:p>
+                      <a:endParaRPr lang="fr-FR" dirty="0"/>
+                    </a:p>
+                  </a:txBody>
+                  <a:tcPr/>
+                </a:tc>
+                <a:extLst>
+                  <a:ext uri="{0D108BD9-81ED-4DB2-BD59-A6C34878D82A}">
+                    <a16:rowId xmlns:a16="http://schemas.microsoft.com/office/drawing/2014/main" val="2751918690"/>
+                  </a:ext>
+                </a:extLst>
+              </a:tr>
+              <a:tr h="663945">
+                <a:tc vMerge="1">
+                  <a:txBody>
+                    <a:bodyPr/>
+                    <a:lstStyle/>
+                    <a:p>
+                      <a:endParaRPr lang="fr-FR"/>
+                    </a:p>
+                  </a:txBody>
+                  <a:tcPr/>
+                </a:tc>
+                <a:tc vMerge="1">
+                  <a:txBody>
+                    <a:bodyPr/>
+                    <a:lstStyle/>
+                    <a:p>
+                      <a:endParaRPr lang="fr-FR"/>
+                    </a:p>
+                  </a:txBody>
+                  <a:tcPr/>
+                </a:tc>
+                <a:tc vMerge="1">
+                  <a:txBody>
+                    <a:bodyPr/>
+                    <a:lstStyle/>
+                    <a:p>
+                      <a:endParaRPr lang="fr-FR"/>
+                    </a:p>
+                  </a:txBody>
+                  <a:tcPr/>
+                </a:tc>
+                <a:tc vMerge="1">
+                  <a:txBody>
+                    <a:bodyPr/>
+                    <a:lstStyle/>
+                    <a:p>
+                      <a:endParaRPr lang="fr-FR"/>
+                    </a:p>
+                  </a:txBody>
+                  <a:tcPr/>
+                </a:tc>
+                <a:tc>
+                  <a:txBody>
+                    <a:bodyPr/>
+                    <a:lstStyle/>
+                    <a:p>
+                      <a:pPr algn="ctr"/>
+                      <a:r>
+                        <a:rPr lang="fr-FR" sz="1600" dirty="0"/>
+                        <a:t>Longueur</a:t>
+                      </a:r>
+                    </a:p>
+                  </a:txBody>
+                  <a:tcPr marL="113395" marR="113395" marT="56698" marB="56698" anchor="ctr">
+                    <a:solidFill>
+                      <a:schemeClr val="bg2"/>
+                    </a:solidFill>
+                  </a:tcPr>
+                </a:tc>
+                <a:tc>
+                  <a:txBody>
+                    <a:bodyPr/>
+                    <a:lstStyle/>
+                    <a:p>
+                      <a:pPr algn="ctr"/>
+                      <a:r>
+                        <a:rPr lang="fr-FR" sz="1600" dirty="0"/>
+                        <a:t>Largeur</a:t>
+                      </a:r>
+                    </a:p>
+                  </a:txBody>
+                  <a:tcPr marL="113395" marR="113395" marT="56698" marB="56698" anchor="ctr">
+                    <a:solidFill>
+                      <a:schemeClr val="bg2"/>
+                    </a:solidFill>
+                  </a:tcPr>
+                </a:tc>
+                <a:tc>
+                  <a:txBody>
+                    <a:bodyPr/>
+                    <a:lstStyle/>
+                    <a:p>
+                      <a:pPr algn="ctr"/>
+                      <a:r>
+                        <a:rPr lang="fr-FR" sz="1600" dirty="0"/>
+                        <a:t>Epaisseur</a:t>
+                      </a:r>
+                    </a:p>
+                  </a:txBody>
+                  <a:tcPr marL="113395" marR="113395" marT="56698" marB="56698" anchor="ctr">
+                    <a:solidFill>
+                      <a:schemeClr val="bg2"/>
+                    </a:solidFill>
+                  </a:tcPr>
+                </a:tc>
+                <a:extLst>
+                  <a:ext uri="{0D108BD9-81ED-4DB2-BD59-A6C34878D82A}">
+                    <a16:rowId xmlns:a16="http://schemas.microsoft.com/office/drawing/2014/main" val="2202644115"/>
+                  </a:ext>
+                </a:extLst>
+              </a:tr>
+              <a:tr h="663945">
+                <a:tc>
+                  <a:txBody>
+                    <a:bodyPr/>
+                    <a:lstStyle/>
+                    <a:p>
+                      <a:pPr algn="ctr"/>
+                      <a:r>
+                        <a:rPr lang="fr-FR" sz="1600" dirty="0"/>
+                        <a:t>101</a:t>
+                      </a:r>
+                    </a:p>
+                  </a:txBody>
+                  <a:tcPr marL="113395" marR="113395" marT="56698" marB="56698" anchor="ctr">
+                    <a:solidFill>
+                      <a:schemeClr val="bg1"/>
+                    </a:solidFill>
+                  </a:tcPr>
+                </a:tc>
+                <a:tc>
+                  <a:txBody>
+                    <a:bodyPr/>
+                    <a:lstStyle/>
+                    <a:p>
+                      <a:pPr algn="ctr"/>
+                      <a:r>
+                        <a:rPr lang="fr-FR" sz="1600" dirty="0"/>
+                        <a:t>Montants</a:t>
+                      </a:r>
+                    </a:p>
+                  </a:txBody>
+                  <a:tcPr marL="113395" marR="113395" marT="56698" marB="56698" anchor="ctr">
+                    <a:solidFill>
+                      <a:schemeClr val="bg1"/>
+                    </a:solidFill>
+                  </a:tcPr>
+                </a:tc>
+                <a:tc>
+                  <a:txBody>
+                    <a:bodyPr/>
+                    <a:lstStyle/>
+                    <a:p>
+                      <a:pPr algn="ctr"/>
+                      <a:r>
+                        <a:rPr lang="fr-FR" sz="1600" dirty="0"/>
+                        <a:t>3</a:t>
+                      </a:r>
+                    </a:p>
+                  </a:txBody>
+                  <a:tcPr marL="113395" marR="113395" marT="56698" marB="56698" anchor="ctr">
+                    <a:solidFill>
+                      <a:schemeClr val="bg1"/>
+                    </a:solidFill>
+                  </a:tcPr>
+                </a:tc>
+                <a:tc>
+                  <a:txBody>
+                    <a:bodyPr/>
+                    <a:lstStyle/>
+                    <a:p>
+                      <a:pPr algn="ctr"/>
+                      <a:r>
+                        <a:rPr lang="fr-FR" sz="1600" dirty="0"/>
+                        <a:t>C.P</a:t>
+                      </a:r>
+                    </a:p>
+                  </a:txBody>
+                  <a:tcPr marL="113395" marR="113395" marT="56698" marB="56698" anchor="ctr">
+                    <a:solidFill>
+                      <a:schemeClr val="bg1"/>
+                    </a:solidFill>
+                  </a:tcPr>
+                </a:tc>
+                <a:tc>
+                  <a:txBody>
+                    <a:bodyPr/>
+                    <a:lstStyle/>
+                    <a:p>
+                      <a:pPr algn="ctr"/>
+                      <a:r>
+                        <a:rPr lang="fr-FR" sz="1600" dirty="0"/>
+                        <a:t>280</a:t>
+                      </a:r>
+                    </a:p>
+                  </a:txBody>
+                  <a:tcPr marL="113395" marR="113395" marT="56698" marB="56698" anchor="ctr">
+                    <a:solidFill>
+                      <a:schemeClr val="bg1"/>
+                    </a:solidFill>
+                  </a:tcPr>
+                </a:tc>
+                <a:tc>
+                  <a:txBody>
+                    <a:bodyPr/>
+                    <a:lstStyle/>
+                    <a:p>
+                      <a:pPr algn="ctr"/>
+                      <a:r>
+                        <a:rPr lang="fr-FR" sz="1600" dirty="0"/>
+                        <a:t>140</a:t>
+                      </a:r>
+                    </a:p>
+                  </a:txBody>
+                  <a:tcPr marL="113395" marR="113395" marT="56698" marB="56698" anchor="ctr">
+                    <a:solidFill>
+                      <a:schemeClr val="bg1"/>
+                    </a:solidFill>
+                  </a:tcPr>
+                </a:tc>
+                <a:tc>
+                  <a:txBody>
+                    <a:bodyPr/>
+                    <a:lstStyle/>
+                    <a:p>
+                      <a:pPr algn="ctr"/>
+                      <a:r>
+                        <a:rPr lang="fr-FR" sz="1600" dirty="0"/>
+                        <a:t>16</a:t>
+                      </a:r>
+                    </a:p>
+                  </a:txBody>
+                  <a:tcPr marL="113395" marR="113395" marT="56698" marB="56698" anchor="ctr">
+                    <a:solidFill>
+                      <a:schemeClr val="bg1"/>
+                    </a:solidFill>
+                  </a:tcPr>
+                </a:tc>
+                <a:extLst>
+                  <a:ext uri="{0D108BD9-81ED-4DB2-BD59-A6C34878D82A}">
+                    <a16:rowId xmlns:a16="http://schemas.microsoft.com/office/drawing/2014/main" val="4148364327"/>
+                  </a:ext>
+                </a:extLst>
+              </a:tr>
+              <a:tr h="663945">
+                <a:tc>
+                  <a:txBody>
+                    <a:bodyPr/>
+                    <a:lstStyle/>
+                    <a:p>
+                      <a:pPr algn="ctr"/>
+                      <a:r>
+                        <a:rPr lang="fr-FR" sz="1600" dirty="0"/>
+                        <a:t>201</a:t>
+                      </a:r>
+                    </a:p>
+                  </a:txBody>
+                  <a:tcPr marL="113395" marR="113395" marT="56698" marB="56698" anchor="ctr">
+                    <a:solidFill>
+                      <a:schemeClr val="bg1"/>
+                    </a:solidFill>
+                  </a:tcPr>
+                </a:tc>
+                <a:tc>
+                  <a:txBody>
+                    <a:bodyPr/>
+                    <a:lstStyle/>
+                    <a:p>
+                      <a:pPr algn="ctr"/>
+                      <a:r>
+                        <a:rPr lang="fr-FR" sz="1600" dirty="0"/>
+                        <a:t>Plateau</a:t>
+                      </a:r>
+                    </a:p>
+                  </a:txBody>
+                  <a:tcPr marL="113395" marR="113395" marT="56698" marB="56698" anchor="ctr">
+                    <a:solidFill>
+                      <a:schemeClr val="bg1"/>
+                    </a:solidFill>
+                  </a:tcPr>
+                </a:tc>
+                <a:tc>
+                  <a:txBody>
+                    <a:bodyPr/>
+                    <a:lstStyle/>
+                    <a:p>
+                      <a:pPr algn="ctr"/>
+                      <a:r>
+                        <a:rPr lang="fr-FR" sz="1600" dirty="0"/>
+                        <a:t>1</a:t>
+                      </a:r>
+                    </a:p>
+                  </a:txBody>
+                  <a:tcPr marL="113395" marR="113395" marT="56698" marB="56698" anchor="ctr">
+                    <a:solidFill>
+                      <a:schemeClr val="bg1"/>
+                    </a:solidFill>
+                  </a:tcPr>
+                </a:tc>
+                <a:tc>
+                  <a:txBody>
+                    <a:bodyPr/>
+                    <a:lstStyle/>
+                    <a:p>
+                      <a:pPr algn="ctr"/>
+                      <a:r>
+                        <a:rPr lang="fr-FR" sz="1600" dirty="0"/>
+                        <a:t>‘’</a:t>
+                      </a:r>
+                    </a:p>
+                  </a:txBody>
+                  <a:tcPr marL="113395" marR="113395" marT="56698" marB="56698" anchor="ctr">
+                    <a:solidFill>
+                      <a:schemeClr val="bg1"/>
+                    </a:solidFill>
+                  </a:tcPr>
+                </a:tc>
+                <a:tc>
+                  <a:txBody>
+                    <a:bodyPr/>
+                    <a:lstStyle/>
+                    <a:p>
+                      <a:pPr algn="ctr"/>
+                      <a:r>
+                        <a:rPr lang="fr-FR" sz="1600" dirty="0"/>
+                        <a:t>500</a:t>
+                      </a:r>
+                    </a:p>
+                  </a:txBody>
+                  <a:tcPr marL="113395" marR="113395" marT="56698" marB="56698" anchor="ctr">
+                    <a:solidFill>
+                      <a:schemeClr val="bg1"/>
+                    </a:solidFill>
+                  </a:tcPr>
+                </a:tc>
+                <a:tc>
+                  <a:txBody>
+                    <a:bodyPr/>
+                    <a:lstStyle/>
+                    <a:p>
+                      <a:pPr algn="ctr"/>
+                      <a:r>
+                        <a:rPr lang="fr-FR" sz="1600" dirty="0"/>
+                        <a:t>300 (280+20)</a:t>
+                      </a:r>
+                    </a:p>
+                  </a:txBody>
+                  <a:tcPr marL="113395" marR="113395" marT="56698" marB="56698" anchor="ctr">
+                    <a:solidFill>
+                      <a:schemeClr val="bg1"/>
+                    </a:solidFill>
+                  </a:tcPr>
+                </a:tc>
+                <a:tc>
+                  <a:txBody>
+                    <a:bodyPr/>
+                    <a:lstStyle/>
+                    <a:p>
+                      <a:pPr algn="ctr"/>
+                      <a:r>
+                        <a:rPr lang="fr-FR" sz="1600" dirty="0"/>
+                        <a:t>16</a:t>
+                      </a:r>
+                    </a:p>
+                  </a:txBody>
+                  <a:tcPr marL="113395" marR="113395" marT="56698" marB="56698" anchor="ctr">
+                    <a:solidFill>
+                      <a:schemeClr val="bg1"/>
+                    </a:solidFill>
+                  </a:tcPr>
+                </a:tc>
+                <a:extLst>
+                  <a:ext uri="{0D108BD9-81ED-4DB2-BD59-A6C34878D82A}">
+                    <a16:rowId xmlns:a16="http://schemas.microsoft.com/office/drawing/2014/main" val="3205966628"/>
+                  </a:ext>
+                </a:extLst>
+              </a:tr>
+              <a:tr h="663945">
+                <a:tc>
+                  <a:txBody>
+                    <a:bodyPr/>
+                    <a:lstStyle/>
+                    <a:p>
+                      <a:pPr algn="ctr"/>
+                      <a:r>
+                        <a:rPr lang="fr-FR" sz="1600" dirty="0"/>
+                        <a:t>202</a:t>
+                      </a:r>
+                    </a:p>
+                  </a:txBody>
+                  <a:tcPr marL="113395" marR="113395" marT="56698" marB="56698" anchor="ctr">
+                    <a:solidFill>
+                      <a:schemeClr val="bg1"/>
+                    </a:solidFill>
+                  </a:tcPr>
+                </a:tc>
+                <a:tc>
+                  <a:txBody>
+                    <a:bodyPr/>
+                    <a:lstStyle/>
+                    <a:p>
+                      <a:pPr algn="ctr"/>
+                      <a:r>
+                        <a:rPr lang="fr-FR" sz="1600" dirty="0"/>
+                        <a:t>Alaise</a:t>
+                      </a:r>
+                    </a:p>
+                  </a:txBody>
+                  <a:tcPr marL="113395" marR="113395" marT="56698" marB="56698" anchor="ctr">
+                    <a:solidFill>
+                      <a:schemeClr val="bg1"/>
+                    </a:solidFill>
+                  </a:tcPr>
+                </a:tc>
+                <a:tc>
+                  <a:txBody>
+                    <a:bodyPr/>
+                    <a:lstStyle/>
+                    <a:p>
+                      <a:pPr algn="ctr"/>
+                      <a:r>
+                        <a:rPr lang="fr-FR" sz="1600" dirty="0"/>
+                        <a:t>1</a:t>
+                      </a:r>
+                    </a:p>
+                  </a:txBody>
+                  <a:tcPr marL="113395" marR="113395" marT="56698" marB="56698" anchor="ctr">
+                    <a:solidFill>
+                      <a:schemeClr val="bg1"/>
+                    </a:solidFill>
+                  </a:tcPr>
+                </a:tc>
+                <a:tc>
+                  <a:txBody>
+                    <a:bodyPr/>
+                    <a:lstStyle/>
+                    <a:p>
+                      <a:pPr algn="ctr"/>
+                      <a:r>
+                        <a:rPr lang="fr-FR" sz="1600" dirty="0"/>
+                        <a:t>‘’</a:t>
+                      </a:r>
+                    </a:p>
+                  </a:txBody>
+                  <a:tcPr marL="113395" marR="113395" marT="56698" marB="56698" anchor="ctr">
+                    <a:solidFill>
+                      <a:schemeClr val="bg1"/>
+                    </a:solidFill>
+                  </a:tcPr>
+                </a:tc>
+                <a:tc>
+                  <a:txBody>
+                    <a:bodyPr/>
+                    <a:lstStyle/>
+                    <a:p>
+                      <a:pPr algn="ctr"/>
+                      <a:r>
+                        <a:rPr lang="fr-FR" sz="1600" dirty="0"/>
+                        <a:t>500</a:t>
+                      </a:r>
+                    </a:p>
+                  </a:txBody>
+                  <a:tcPr marL="113395" marR="113395" marT="56698" marB="56698" anchor="ctr">
+                    <a:solidFill>
+                      <a:schemeClr val="bg1"/>
+                    </a:solidFill>
+                  </a:tcPr>
+                </a:tc>
+                <a:tc>
+                  <a:txBody>
+                    <a:bodyPr/>
+                    <a:lstStyle/>
+                    <a:p>
+                      <a:pPr algn="ctr"/>
+                      <a:r>
+                        <a:rPr lang="fr-FR" sz="1600" dirty="0"/>
+                        <a:t>30</a:t>
+                      </a:r>
+                    </a:p>
+                  </a:txBody>
+                  <a:tcPr marL="113395" marR="113395" marT="56698" marB="56698" anchor="ctr">
+                    <a:solidFill>
+                      <a:schemeClr val="bg1"/>
+                    </a:solidFill>
+                  </a:tcPr>
+                </a:tc>
+                <a:tc>
+                  <a:txBody>
+                    <a:bodyPr/>
+                    <a:lstStyle/>
+                    <a:p>
+                      <a:pPr algn="ctr"/>
+                      <a:r>
+                        <a:rPr lang="fr-FR" sz="1600" dirty="0"/>
+                        <a:t>16</a:t>
+                      </a:r>
+                    </a:p>
+                  </a:txBody>
+                  <a:tcPr marL="113395" marR="113395" marT="56698" marB="56698" anchor="ctr">
+                    <a:solidFill>
+                      <a:schemeClr val="bg1"/>
+                    </a:solidFill>
+                  </a:tcPr>
+                </a:tc>
+                <a:extLst>
+                  <a:ext uri="{0D108BD9-81ED-4DB2-BD59-A6C34878D82A}">
+                    <a16:rowId xmlns:a16="http://schemas.microsoft.com/office/drawing/2014/main" val="821861683"/>
+                  </a:ext>
+                </a:extLst>
+              </a:tr>
+              <a:tr h="663945">
+                <a:tc>
+                  <a:txBody>
+                    <a:bodyPr/>
+                    <a:lstStyle/>
+                    <a:p>
+                      <a:pPr algn="ctr"/>
+                      <a:r>
+                        <a:rPr lang="fr-FR" sz="1600" dirty="0"/>
+                        <a:t>203</a:t>
+                      </a:r>
+                    </a:p>
+                  </a:txBody>
+                  <a:tcPr marL="113395" marR="113395" marT="56698" marB="56698" anchor="ctr">
+                    <a:solidFill>
+                      <a:schemeClr val="bg1"/>
+                    </a:solidFill>
+                  </a:tcPr>
+                </a:tc>
+                <a:tc>
+                  <a:txBody>
+                    <a:bodyPr/>
+                    <a:lstStyle/>
+                    <a:p>
+                      <a:pPr algn="ctr"/>
+                      <a:r>
+                        <a:rPr lang="fr-FR" sz="1600" dirty="0"/>
+                        <a:t>Dos du plateau</a:t>
+                      </a:r>
+                    </a:p>
+                  </a:txBody>
+                  <a:tcPr marL="113395" marR="113395" marT="56698" marB="56698" anchor="ctr">
+                    <a:solidFill>
+                      <a:schemeClr val="bg1"/>
+                    </a:solidFill>
+                  </a:tcPr>
+                </a:tc>
+                <a:tc>
+                  <a:txBody>
+                    <a:bodyPr/>
+                    <a:lstStyle/>
+                    <a:p>
+                      <a:pPr algn="ctr"/>
+                      <a:r>
+                        <a:rPr lang="fr-FR" sz="1600" dirty="0"/>
+                        <a:t>1</a:t>
+                      </a:r>
+                    </a:p>
+                  </a:txBody>
+                  <a:tcPr marL="113395" marR="113395" marT="56698" marB="56698" anchor="ctr">
+                    <a:solidFill>
+                      <a:schemeClr val="bg1"/>
+                    </a:solidFill>
+                  </a:tcPr>
+                </a:tc>
+                <a:tc>
+                  <a:txBody>
+                    <a:bodyPr/>
+                    <a:lstStyle/>
+                    <a:p>
+                      <a:pPr algn="ctr"/>
+                      <a:r>
+                        <a:rPr lang="fr-FR" sz="1600" dirty="0"/>
+                        <a:t>‘’</a:t>
+                      </a:r>
+                    </a:p>
+                  </a:txBody>
+                  <a:tcPr marL="113395" marR="113395" marT="56698" marB="56698" anchor="ctr">
+                    <a:solidFill>
+                      <a:schemeClr val="bg1"/>
+                    </a:solidFill>
+                  </a:tcPr>
+                </a:tc>
+                <a:tc>
+                  <a:txBody>
+                    <a:bodyPr/>
+                    <a:lstStyle/>
+                    <a:p>
+                      <a:pPr algn="ctr"/>
+                      <a:r>
+                        <a:rPr lang="fr-FR" sz="1600" dirty="0"/>
+                        <a:t>500</a:t>
+                      </a:r>
+                    </a:p>
+                  </a:txBody>
+                  <a:tcPr marL="113395" marR="113395" marT="56698" marB="56698" anchor="ctr">
+                    <a:solidFill>
+                      <a:schemeClr val="bg1"/>
+                    </a:solidFill>
+                  </a:tcPr>
+                </a:tc>
+                <a:tc>
+                  <a:txBody>
+                    <a:bodyPr/>
+                    <a:lstStyle/>
+                    <a:p>
+                      <a:pPr algn="ctr"/>
+                      <a:r>
+                        <a:rPr lang="fr-FR" sz="1600" dirty="0"/>
+                        <a:t>114</a:t>
+                      </a:r>
+                    </a:p>
+                  </a:txBody>
+                  <a:tcPr marL="113395" marR="113395" marT="56698" marB="56698" anchor="ctr">
+                    <a:solidFill>
+                      <a:schemeClr val="bg1"/>
+                    </a:solidFill>
+                  </a:tcPr>
+                </a:tc>
+                <a:tc>
+                  <a:txBody>
+                    <a:bodyPr/>
+                    <a:lstStyle/>
+                    <a:p>
+                      <a:pPr algn="ctr"/>
+                      <a:r>
+                        <a:rPr lang="fr-FR" sz="1600" dirty="0"/>
+                        <a:t>16</a:t>
+                      </a:r>
+                    </a:p>
+                  </a:txBody>
+                  <a:tcPr marL="113395" marR="113395" marT="56698" marB="56698" anchor="ctr">
+                    <a:solidFill>
+                      <a:schemeClr val="bg1"/>
+                    </a:solidFill>
+                  </a:tcPr>
+                </a:tc>
+                <a:extLst>
+                  <a:ext uri="{0D108BD9-81ED-4DB2-BD59-A6C34878D82A}">
+                    <a16:rowId xmlns:a16="http://schemas.microsoft.com/office/drawing/2014/main" val="510175883"/>
+                  </a:ext>
+                </a:extLst>
+              </a:tr>
+              <a:tr h="663945">
+                <a:tc>
+                  <a:txBody>
+                    <a:bodyPr/>
+                    <a:lstStyle/>
+                    <a:p>
+                      <a:pPr algn="ctr"/>
+                      <a:r>
+                        <a:rPr lang="fr-FR" sz="1600" dirty="0"/>
+                        <a:t>301</a:t>
+                      </a:r>
+                    </a:p>
+                  </a:txBody>
+                  <a:tcPr marL="113395" marR="113395" marT="56698" marB="56698" anchor="ctr">
+                    <a:solidFill>
+                      <a:schemeClr val="bg1"/>
+                    </a:solidFill>
+                  </a:tcPr>
+                </a:tc>
+                <a:tc>
+                  <a:txBody>
+                    <a:bodyPr/>
+                    <a:lstStyle/>
+                    <a:p>
+                      <a:pPr algn="ctr"/>
+                      <a:r>
+                        <a:rPr lang="fr-FR" sz="1600" dirty="0"/>
+                        <a:t>Séparateurs</a:t>
+                      </a:r>
+                    </a:p>
+                  </a:txBody>
+                  <a:tcPr marL="113395" marR="113395" marT="56698" marB="56698" anchor="ctr">
+                    <a:solidFill>
+                      <a:schemeClr val="bg1"/>
+                    </a:solidFill>
+                  </a:tcPr>
+                </a:tc>
+                <a:tc>
+                  <a:txBody>
+                    <a:bodyPr/>
+                    <a:lstStyle/>
+                    <a:p>
+                      <a:pPr algn="ctr"/>
+                      <a:r>
+                        <a:rPr lang="fr-FR" sz="1600" dirty="0"/>
+                        <a:t>3</a:t>
+                      </a:r>
+                    </a:p>
+                  </a:txBody>
+                  <a:tcPr marL="113395" marR="113395" marT="56698" marB="56698" anchor="ctr">
+                    <a:solidFill>
+                      <a:schemeClr val="bg1"/>
+                    </a:solidFill>
+                  </a:tcPr>
+                </a:tc>
+                <a:tc>
+                  <a:txBody>
+                    <a:bodyPr/>
+                    <a:lstStyle/>
+                    <a:p>
+                      <a:pPr algn="ctr"/>
+                      <a:r>
+                        <a:rPr lang="fr-FR" sz="1600" dirty="0"/>
+                        <a:t>‘’</a:t>
+                      </a:r>
+                    </a:p>
+                  </a:txBody>
+                  <a:tcPr marL="113395" marR="113395" marT="56698" marB="56698" anchor="ctr">
+                    <a:solidFill>
+                      <a:schemeClr val="bg1"/>
+                    </a:solidFill>
+                  </a:tcPr>
+                </a:tc>
+                <a:tc>
+                  <a:txBody>
+                    <a:bodyPr/>
+                    <a:lstStyle/>
+                    <a:p>
+                      <a:pPr algn="ctr"/>
+                      <a:r>
+                        <a:rPr lang="fr-FR" sz="1600" dirty="0"/>
+                        <a:t>133</a:t>
+                      </a:r>
+                    </a:p>
+                  </a:txBody>
+                  <a:tcPr marL="113395" marR="113395" marT="56698" marB="56698" anchor="ctr">
+                    <a:solidFill>
+                      <a:schemeClr val="bg1"/>
+                    </a:solidFill>
+                  </a:tcPr>
+                </a:tc>
+                <a:tc>
+                  <a:txBody>
+                    <a:bodyPr/>
+                    <a:lstStyle/>
+                    <a:p>
+                      <a:pPr algn="ctr"/>
+                      <a:r>
+                        <a:rPr lang="fr-FR" sz="1600" dirty="0"/>
+                        <a:t>118</a:t>
+                      </a:r>
+                    </a:p>
+                  </a:txBody>
+                  <a:tcPr marL="113395" marR="113395" marT="56698" marB="56698" anchor="ctr">
+                    <a:solidFill>
+                      <a:schemeClr val="bg1"/>
+                    </a:solidFill>
+                  </a:tcPr>
+                </a:tc>
+                <a:tc>
+                  <a:txBody>
+                    <a:bodyPr/>
+                    <a:lstStyle/>
+                    <a:p>
+                      <a:pPr algn="ctr"/>
+                      <a:r>
+                        <a:rPr lang="fr-FR" sz="1600" dirty="0"/>
+                        <a:t>5</a:t>
+                      </a:r>
+                    </a:p>
+                  </a:txBody>
+                  <a:tcPr marL="113395" marR="113395" marT="56698" marB="56698" anchor="ctr">
+                    <a:solidFill>
+                      <a:schemeClr val="bg1"/>
+                    </a:solidFill>
+                  </a:tcPr>
+                </a:tc>
+                <a:extLst>
+                  <a:ext uri="{0D108BD9-81ED-4DB2-BD59-A6C34878D82A}">
+                    <a16:rowId xmlns:a16="http://schemas.microsoft.com/office/drawing/2014/main" val="2198307717"/>
+                  </a:ext>
+                </a:extLst>
+              </a:tr>
+              <a:tr h="663945">
+                <a:tc>
+                  <a:txBody>
+                    <a:bodyPr/>
+                    <a:lstStyle/>
+                    <a:p>
+                      <a:pPr algn="ctr"/>
+                      <a:r>
+                        <a:rPr lang="fr-FR" sz="1600" dirty="0"/>
+                        <a:t>401</a:t>
+                      </a:r>
+                    </a:p>
+                  </a:txBody>
+                  <a:tcPr marL="113395" marR="113395" marT="56698" marB="56698" anchor="ctr">
+                    <a:solidFill>
+                      <a:schemeClr val="bg1"/>
+                    </a:solidFill>
+                  </a:tcPr>
+                </a:tc>
+                <a:tc>
+                  <a:txBody>
+                    <a:bodyPr/>
+                    <a:lstStyle/>
+                    <a:p>
+                      <a:pPr algn="ctr"/>
+                      <a:r>
+                        <a:rPr lang="fr-FR" sz="1600" dirty="0"/>
+                        <a:t>Traverse base</a:t>
+                      </a:r>
+                    </a:p>
+                  </a:txBody>
+                  <a:tcPr marL="113395" marR="113395" marT="56698" marB="56698" anchor="ctr">
+                    <a:solidFill>
+                      <a:schemeClr val="bg1"/>
+                    </a:solidFill>
+                  </a:tcPr>
+                </a:tc>
+                <a:tc>
+                  <a:txBody>
+                    <a:bodyPr/>
+                    <a:lstStyle/>
+                    <a:p>
+                      <a:pPr algn="ctr"/>
+                      <a:r>
+                        <a:rPr lang="fr-FR" sz="1600" dirty="0"/>
+                        <a:t>1</a:t>
+                      </a:r>
+                    </a:p>
+                  </a:txBody>
+                  <a:tcPr marL="113395" marR="113395" marT="56698" marB="56698" anchor="ctr">
+                    <a:solidFill>
+                      <a:schemeClr val="bg1"/>
+                    </a:solidFill>
+                  </a:tcPr>
+                </a:tc>
+                <a:tc>
+                  <a:txBody>
+                    <a:bodyPr/>
+                    <a:lstStyle/>
+                    <a:p>
+                      <a:pPr algn="ctr"/>
+                      <a:r>
+                        <a:rPr lang="fr-FR" sz="1600" dirty="0"/>
+                        <a:t>‘’</a:t>
+                      </a:r>
+                    </a:p>
+                  </a:txBody>
+                  <a:tcPr marL="113395" marR="113395" marT="56698" marB="56698" anchor="ctr">
+                    <a:solidFill>
+                      <a:schemeClr val="bg1"/>
+                    </a:solidFill>
+                  </a:tcPr>
+                </a:tc>
+                <a:tc>
+                  <a:txBody>
+                    <a:bodyPr/>
+                    <a:lstStyle/>
+                    <a:p>
+                      <a:pPr algn="ctr"/>
+                      <a:r>
+                        <a:rPr lang="fr-FR" sz="1600" dirty="0"/>
+                        <a:t>280</a:t>
+                      </a:r>
+                    </a:p>
+                  </a:txBody>
+                  <a:tcPr marL="113395" marR="113395" marT="56698" marB="56698" anchor="ctr">
+                    <a:solidFill>
+                      <a:schemeClr val="bg1"/>
+                    </a:solidFill>
+                  </a:tcPr>
+                </a:tc>
+                <a:tc>
+                  <a:txBody>
+                    <a:bodyPr/>
+                    <a:lstStyle/>
+                    <a:p>
+                      <a:pPr algn="ctr"/>
+                      <a:r>
+                        <a:rPr lang="fr-FR" sz="1600" dirty="0"/>
+                        <a:t>100</a:t>
+                      </a:r>
+                    </a:p>
+                  </a:txBody>
+                  <a:tcPr marL="113395" marR="113395" marT="56698" marB="56698" anchor="ctr">
+                    <a:solidFill>
+                      <a:schemeClr val="bg1"/>
+                    </a:solidFill>
+                  </a:tcPr>
+                </a:tc>
+                <a:tc>
+                  <a:txBody>
+                    <a:bodyPr/>
+                    <a:lstStyle/>
+                    <a:p>
+                      <a:pPr algn="ctr"/>
+                      <a:r>
+                        <a:rPr lang="fr-FR" sz="1600" dirty="0"/>
+                        <a:t>16</a:t>
+                      </a:r>
+                    </a:p>
+                  </a:txBody>
+                  <a:tcPr marL="113395" marR="113395" marT="56698" marB="56698" anchor="ctr">
+                    <a:solidFill>
+                      <a:schemeClr val="bg1"/>
+                    </a:solidFill>
+                  </a:tcPr>
+                </a:tc>
+                <a:extLst>
+                  <a:ext uri="{0D108BD9-81ED-4DB2-BD59-A6C34878D82A}">
+                    <a16:rowId xmlns:a16="http://schemas.microsoft.com/office/drawing/2014/main" val="1446045739"/>
+                  </a:ext>
+                </a:extLst>
+              </a:tr>
+              <a:tr h="663945">
+                <a:tc>
+                  <a:txBody>
+                    <a:bodyPr/>
+                    <a:lstStyle/>
+                    <a:p>
+                      <a:pPr algn="ctr"/>
+                      <a:r>
+                        <a:rPr lang="fr-FR" sz="1600" dirty="0"/>
+                        <a:t>402</a:t>
+                      </a:r>
+                    </a:p>
+                  </a:txBody>
+                  <a:tcPr marL="113395" marR="113395" marT="56698" marB="56698" anchor="ctr">
+                    <a:solidFill>
+                      <a:schemeClr val="bg1"/>
+                    </a:solidFill>
+                  </a:tcPr>
+                </a:tc>
+                <a:tc>
+                  <a:txBody>
+                    <a:bodyPr/>
+                    <a:lstStyle/>
+                    <a:p>
+                      <a:pPr algn="ctr"/>
+                      <a:r>
+                        <a:rPr lang="fr-FR" sz="1600" dirty="0"/>
+                        <a:t>Dos de séparateurs</a:t>
+                      </a:r>
+                    </a:p>
+                  </a:txBody>
+                  <a:tcPr marL="113395" marR="113395" marT="56698" marB="56698" anchor="ctr">
+                    <a:solidFill>
+                      <a:schemeClr val="bg1"/>
+                    </a:solidFill>
+                  </a:tcPr>
+                </a:tc>
+                <a:tc>
+                  <a:txBody>
+                    <a:bodyPr/>
+                    <a:lstStyle/>
+                    <a:p>
+                      <a:pPr algn="ctr"/>
+                      <a:r>
+                        <a:rPr lang="fr-FR" sz="1600" dirty="0"/>
+                        <a:t>1</a:t>
+                      </a:r>
+                    </a:p>
+                  </a:txBody>
+                  <a:tcPr marL="113395" marR="113395" marT="56698" marB="56698" anchor="ctr">
+                    <a:solidFill>
+                      <a:schemeClr val="bg1"/>
+                    </a:solidFill>
+                  </a:tcPr>
+                </a:tc>
+                <a:tc>
+                  <a:txBody>
+                    <a:bodyPr/>
+                    <a:lstStyle/>
+                    <a:p>
+                      <a:pPr algn="ctr"/>
+                      <a:r>
+                        <a:rPr lang="fr-FR" sz="1600" dirty="0"/>
+                        <a:t>‘’</a:t>
+                      </a:r>
+                    </a:p>
+                  </a:txBody>
+                  <a:tcPr marL="113395" marR="113395" marT="56698" marB="56698" anchor="ctr">
+                    <a:solidFill>
+                      <a:schemeClr val="bg1"/>
+                    </a:solidFill>
+                  </a:tcPr>
+                </a:tc>
+                <a:tc>
+                  <a:txBody>
+                    <a:bodyPr/>
+                    <a:lstStyle/>
+                    <a:p>
+                      <a:pPr algn="ctr"/>
+                      <a:r>
+                        <a:rPr lang="fr-FR" sz="1600" dirty="0"/>
+                        <a:t>124</a:t>
+                      </a:r>
+                    </a:p>
+                  </a:txBody>
+                  <a:tcPr marL="113395" marR="113395" marT="56698" marB="56698" anchor="ctr">
+                    <a:solidFill>
+                      <a:schemeClr val="bg1"/>
+                    </a:solidFill>
+                  </a:tcPr>
+                </a:tc>
+                <a:tc>
+                  <a:txBody>
+                    <a:bodyPr/>
+                    <a:lstStyle/>
+                    <a:p>
+                      <a:pPr algn="ctr"/>
+                      <a:r>
+                        <a:rPr lang="fr-FR" sz="1600" dirty="0"/>
+                        <a:t>100</a:t>
+                      </a:r>
+                    </a:p>
+                  </a:txBody>
+                  <a:tcPr marL="113395" marR="113395" marT="56698" marB="56698" anchor="ctr">
+                    <a:solidFill>
+                      <a:schemeClr val="bg1"/>
+                    </a:solidFill>
+                  </a:tcPr>
+                </a:tc>
+                <a:tc>
+                  <a:txBody>
+                    <a:bodyPr/>
+                    <a:lstStyle/>
+                    <a:p>
+                      <a:pPr algn="ctr"/>
+                      <a:r>
+                        <a:rPr lang="fr-FR" sz="1600" dirty="0"/>
+                        <a:t>16</a:t>
+                      </a:r>
+                    </a:p>
+                  </a:txBody>
+                  <a:tcPr marL="113395" marR="113395" marT="56698" marB="56698" anchor="ctr">
+                    <a:solidFill>
+                      <a:schemeClr val="bg1"/>
+                    </a:solidFill>
+                  </a:tcPr>
+                </a:tc>
+                <a:extLst>
+                  <a:ext uri="{0D108BD9-81ED-4DB2-BD59-A6C34878D82A}">
+                    <a16:rowId xmlns:a16="http://schemas.microsoft.com/office/drawing/2014/main" val="3999794973"/>
+                  </a:ext>
+                </a:extLst>
+              </a:tr>
+            </a:tbl>
+          </a:graphicData>
+        </a:graphic>
+      </p:graphicFrame>
+    </p:spTree>
+    <p:extLst>
+      <p:ext uri="{BB962C8B-B14F-4D97-AF65-F5344CB8AC3E}">
+        <p14:creationId xmlns:p14="http://schemas.microsoft.com/office/powerpoint/2010/main" val="1933034237"/>
+      </p:ext>
+    </p:extLst>
+  </p:cSld>
+  <p:clrMapOvr>
+    <a:masterClrMapping/>
+  </p:clrMapOvr>
+</p:sld>
+</file>
+
+<file path=ppt/slides/slide7.xml><?xml version="1.0" encoding="utf-8"?>
+<p:sld xmlns:a="http://schemas.openxmlformats.org/drawingml/2006/main" xmlns:r="http://schemas.openxmlformats.org/officeDocument/2006/relationships" xmlns:p="http://schemas.openxmlformats.org/presentationml/2006/main">
+  <p:cSld>
+    <p:spTree>
+      <p:nvGrpSpPr>
+        <p:cNvPr id="1" name=""/>
+        <p:cNvGrpSpPr/>
+        <p:nvPr/>
+      </p:nvGrpSpPr>
+      <p:grpSpPr>
+        <a:xfrm>
+          <a:off x="0" y="0"/>
+          <a:ext cx="0" cy="0"/>
+          <a:chOff x="0" y="0"/>
+          <a:chExt cx="0" cy="0"/>
+        </a:xfrm>
+      </p:grpSpPr>
+      <p:sp>
+        <p:nvSpPr>
+          <p:cNvPr id="17" name="Rectangle 16"/>
+          <p:cNvSpPr/>
+          <p:nvPr/>
+        </p:nvSpPr>
+        <p:spPr>
+          <a:xfrm>
             <a:off x="0" y="179881"/>
             <a:ext cx="15119349" cy="10440000"/>
           </a:xfrm>
@@ -12593,7 +14445,7 @@
 </p:sld>
 </file>
 
-<file path=ppt/slides/slide7.xml><?xml version="1.0" encoding="utf-8"?>
+<file path=ppt/slides/slide8.xml><?xml version="1.0" encoding="utf-8"?>
 <p:sld xmlns:a="http://schemas.openxmlformats.org/drawingml/2006/main" xmlns:r="http://schemas.openxmlformats.org/officeDocument/2006/relationships" xmlns:p="http://schemas.openxmlformats.org/presentationml/2006/main">
   <p:cSld>
     <p:spTree>
@@ -13109,7 +14961,7 @@
 </p:sld>
 </file>
 
-<file path=ppt/slides/slide8.xml><?xml version="1.0" encoding="utf-8"?>
+<file path=ppt/slides/slide9.xml><?xml version="1.0" encoding="utf-8"?>
 <p:sld xmlns:a="http://schemas.openxmlformats.org/drawingml/2006/main" xmlns:r="http://schemas.openxmlformats.org/officeDocument/2006/relationships" xmlns:p="http://schemas.openxmlformats.org/presentationml/2006/main">
   <p:cSld>
     <p:spTree>
@@ -13551,101 +15403,6 @@
     <p:extLst>
       <p:ext uri="{BB962C8B-B14F-4D97-AF65-F5344CB8AC3E}">
         <p14:creationId xmlns:p14="http://schemas.microsoft.com/office/powerpoint/2010/main" val="3565131057"/>
-      </p:ext>
-    </p:extLst>
-  </p:cSld>
-  <p:clrMapOvr>
-    <a:masterClrMapping/>
-  </p:clrMapOvr>
-</p:sld>
-</file>
-
-<file path=ppt/slides/slide9.xml><?xml version="1.0" encoding="utf-8"?>
-<p:sld xmlns:a="http://schemas.openxmlformats.org/drawingml/2006/main" xmlns:r="http://schemas.openxmlformats.org/officeDocument/2006/relationships" xmlns:p="http://schemas.openxmlformats.org/presentationml/2006/main">
-  <p:cSld>
-    <p:spTree>
-      <p:nvGrpSpPr>
-        <p:cNvPr id="1" name=""/>
-        <p:cNvGrpSpPr/>
-        <p:nvPr/>
-      </p:nvGrpSpPr>
-      <p:grpSpPr>
-        <a:xfrm>
-          <a:off x="0" y="0"/>
-          <a:ext cx="0" cy="0"/>
-          <a:chOff x="0" y="0"/>
-          <a:chExt cx="0" cy="0"/>
-        </a:xfrm>
-      </p:grpSpPr>
-      <p:sp>
-        <p:nvSpPr>
-          <p:cNvPr id="17" name="Rectangle 16"/>
-          <p:cNvSpPr/>
-          <p:nvPr/>
-        </p:nvSpPr>
-        <p:spPr>
-          <a:xfrm>
-            <a:off x="0" y="179881"/>
-            <a:ext cx="15119349" cy="10440000"/>
-          </a:xfrm>
-          <a:prstGeom prst="rect">
-            <a:avLst/>
-          </a:prstGeom>
-          <a:ln w="57150">
-            <a:solidFill>
-              <a:schemeClr val="bg1"/>
-            </a:solidFill>
-          </a:ln>
-        </p:spPr>
-        <p:style>
-          <a:lnRef idx="2">
-            <a:schemeClr val="dk1"/>
-          </a:lnRef>
-          <a:fillRef idx="1">
-            <a:schemeClr val="lt1"/>
-          </a:fillRef>
-          <a:effectRef idx="0">
-            <a:schemeClr val="dk1"/>
-          </a:effectRef>
-          <a:fontRef idx="minor">
-            <a:schemeClr val="dk1"/>
-          </a:fontRef>
-        </p:style>
-        <p:txBody>
-          <a:bodyPr rtlCol="0" anchor="ctr"/>
-          <a:lstStyle/>
-          <a:p>
-            <a:pPr marL="72000" algn="ctr">
-              <a:lnSpc>
-                <a:spcPct val="120000"/>
-              </a:lnSpc>
-            </a:pPr>
-            <a:r>
-              <a:rPr lang="fr-FR" sz="4000" b="1" dirty="0">
-                <a:solidFill>
-                  <a:schemeClr val="tx1"/>
-                </a:solidFill>
-                <a:latin typeface="Comic Sans MS" panose="030F0702030302020204" pitchFamily="66" charset="0"/>
-                <a:ea typeface="JetBrains Mono" panose="02000009000000000000" pitchFamily="49" charset="0"/>
-                <a:cs typeface="Arial" panose="020B0604020202020204" pitchFamily="34" charset="0"/>
-              </a:rPr>
-              <a:t>L’Intelligence artificielle contre l’expertise humaine !</a:t>
-            </a:r>
-            <a:endParaRPr lang="fr-FR" sz="4000" dirty="0">
-              <a:solidFill>
-                <a:schemeClr val="tx1"/>
-              </a:solidFill>
-              <a:latin typeface="Comic Sans MS" panose="030F0702030302020204" pitchFamily="66" charset="0"/>
-              <a:ea typeface="JetBrains Mono" panose="02000009000000000000" pitchFamily="49" charset="0"/>
-              <a:cs typeface="Arial" panose="020B0604020202020204" pitchFamily="34" charset="0"/>
-            </a:endParaRPr>
-          </a:p>
-        </p:txBody>
-      </p:sp>
-    </p:spTree>
-    <p:extLst>
-      <p:ext uri="{BB962C8B-B14F-4D97-AF65-F5344CB8AC3E}">
-        <p14:creationId xmlns:p14="http://schemas.microsoft.com/office/powerpoint/2010/main" val="3539889059"/>
       </p:ext>
     </p:extLst>
   </p:cSld>
